--- a/PFMFEM.pptx
+++ b/PFMFEM.pptx
@@ -1,6 +1,6 @@
 
 <file path=ppt/presentation.xml><?xml version="1.0" encoding="utf-8"?>
-<p:presentation xmlns:a="http://schemas.openxmlformats.org/drawingml/2006/main" xmlns:r="http://schemas.openxmlformats.org/officeDocument/2006/relationships" xmlns:p="http://schemas.openxmlformats.org/presentationml/2006/main" autoCompressPictures="0">
+<p:presentation xmlns:a="http://schemas.openxmlformats.org/drawingml/2006/main" xmlns:r="http://schemas.openxmlformats.org/officeDocument/2006/relationships" xmlns:p="http://schemas.openxmlformats.org/presentationml/2006/main" saveSubsetFonts="1" autoCompressPictures="0">
   <p:sldMasterIdLst>
     <p:sldMasterId id="2147483733" r:id="rId1"/>
   </p:sldMasterIdLst>
@@ -10,6 +10,8 @@
     <p:sldId id="258" r:id="rId4"/>
     <p:sldId id="260" r:id="rId5"/>
     <p:sldId id="259" r:id="rId6"/>
+    <p:sldId id="261" r:id="rId7"/>
+    <p:sldId id="262" r:id="rId8"/>
   </p:sldIdLst>
   <p:sldSz cx="12192000" cy="6858000"/>
   <p:notesSz cx="6858000" cy="9144000"/>
@@ -307,7 +309,7 @@
             <a:fld id="{96DFF08F-DC6B-4601-B491-B0F83F6DD2DA}" type="datetimeFigureOut">
               <a:rPr lang="en-US" smtClean="0"/>
               <a:pPr/>
-              <a:t>11/30/2016</a:t>
+              <a:t>11/30/16</a:t>
             </a:fld>
             <a:endParaRPr lang="en-US" dirty="0"/>
           </a:p>
@@ -512,7 +514,7 @@
           <a:p>
             <a:fld id="{96DFF08F-DC6B-4601-B491-B0F83F6DD2DA}" type="datetimeFigureOut">
               <a:rPr lang="en-US" smtClean="0"/>
-              <a:t>11/30/2016</a:t>
+              <a:t>11/30/16</a:t>
             </a:fld>
             <a:endParaRPr lang="en-US" dirty="0"/>
           </a:p>
@@ -692,7 +694,7 @@
           <a:p>
             <a:fld id="{96DFF08F-DC6B-4601-B491-B0F83F6DD2DA}" type="datetimeFigureOut">
               <a:rPr lang="en-US" smtClean="0"/>
-              <a:t>11/30/2016</a:t>
+              <a:t>11/30/16</a:t>
             </a:fld>
             <a:endParaRPr lang="en-US" dirty="0"/>
           </a:p>
@@ -897,7 +899,7 @@
           <a:p>
             <a:fld id="{96DFF08F-DC6B-4601-B491-B0F83F6DD2DA}" type="datetimeFigureOut">
               <a:rPr lang="en-US" smtClean="0"/>
-              <a:t>11/30/2016</a:t>
+              <a:t>11/30/16</a:t>
             </a:fld>
             <a:endParaRPr lang="en-US" dirty="0"/>
           </a:p>
@@ -1192,7 +1194,7 @@
           <a:p>
             <a:fld id="{96DFF08F-DC6B-4601-B491-B0F83F6DD2DA}" type="datetimeFigureOut">
               <a:rPr lang="en-US" smtClean="0"/>
-              <a:t>11/30/2016</a:t>
+              <a:t>11/30/16</a:t>
             </a:fld>
             <a:endParaRPr lang="en-US" dirty="0"/>
           </a:p>
@@ -1464,7 +1466,7 @@
           <a:p>
             <a:fld id="{96DFF08F-DC6B-4601-B491-B0F83F6DD2DA}" type="datetimeFigureOut">
               <a:rPr lang="en-US" smtClean="0"/>
-              <a:t>11/30/2016</a:t>
+              <a:t>11/30/16</a:t>
             </a:fld>
             <a:endParaRPr lang="en-US" dirty="0"/>
           </a:p>
@@ -1871,7 +1873,7 @@
           <a:p>
             <a:fld id="{96DFF08F-DC6B-4601-B491-B0F83F6DD2DA}" type="datetimeFigureOut">
               <a:rPr lang="en-US" smtClean="0"/>
-              <a:t>11/30/2016</a:t>
+              <a:t>11/30/16</a:t>
             </a:fld>
             <a:endParaRPr lang="en-US" dirty="0"/>
           </a:p>
@@ -1989,7 +1991,7 @@
           <a:p>
             <a:fld id="{96DFF08F-DC6B-4601-B491-B0F83F6DD2DA}" type="datetimeFigureOut">
               <a:rPr lang="en-US" smtClean="0"/>
-              <a:t>11/30/2016</a:t>
+              <a:t>11/30/16</a:t>
             </a:fld>
             <a:endParaRPr lang="en-US" dirty="0"/>
           </a:p>
@@ -2084,7 +2086,7 @@
           <a:p>
             <a:fld id="{96DFF08F-DC6B-4601-B491-B0F83F6DD2DA}" type="datetimeFigureOut">
               <a:rPr lang="en-US" smtClean="0"/>
-              <a:t>11/30/2016</a:t>
+              <a:t>11/30/16</a:t>
             </a:fld>
             <a:endParaRPr lang="en-US" dirty="0"/>
           </a:p>
@@ -2374,7 +2376,7 @@
           <a:p>
             <a:fld id="{96DFF08F-DC6B-4601-B491-B0F83F6DD2DA}" type="datetimeFigureOut">
               <a:rPr lang="en-US" smtClean="0"/>
-              <a:t>11/30/2016</a:t>
+              <a:t>11/30/16</a:t>
             </a:fld>
             <a:endParaRPr lang="en-US" dirty="0"/>
           </a:p>
@@ -2654,7 +2656,7 @@
           <a:p>
             <a:fld id="{C7616CA0-919D-4A49-9C8A-62FDFB3A5183}" type="datetimeFigureOut">
               <a:rPr lang="en-US" smtClean="0"/>
-              <a:t>11/30/2016</a:t>
+              <a:t>11/30/16</a:t>
             </a:fld>
             <a:endParaRPr lang="en-US" dirty="0"/>
           </a:p>
@@ -2905,7 +2907,7 @@
             <a:fld id="{96DFF08F-DC6B-4601-B491-B0F83F6DD2DA}" type="datetimeFigureOut">
               <a:rPr lang="en-US" smtClean="0"/>
               <a:pPr/>
-              <a:t>11/30/2016</a:t>
+              <a:t>11/30/16</a:t>
             </a:fld>
             <a:endParaRPr lang="en-US" dirty="0"/>
           </a:p>
@@ -3427,7 +3429,11 @@
           <a:p>
             <a:r>
               <a:rPr lang="en-US" dirty="0" smtClean="0"/>
-              <a:t>Phase field modeling with </a:t>
+              <a:t>Phase-field </a:t>
+            </a:r>
+            <a:r>
+              <a:rPr lang="en-US" dirty="0" smtClean="0"/>
+              <a:t>modeling with </a:t>
             </a:r>
             <a:br>
               <a:rPr lang="en-US" dirty="0" smtClean="0"/>
@@ -3564,7 +3570,11 @@
           <a:p>
             <a:r>
               <a:rPr lang="en-US" dirty="0" smtClean="0"/>
-              <a:t>PHASE FIELD MODELING</a:t>
+              <a:t>PHASE-FIELD </a:t>
+            </a:r>
+            <a:r>
+              <a:rPr lang="en-US" dirty="0" smtClean="0"/>
+              <a:t>MODELING</a:t>
             </a:r>
             <a:endParaRPr lang="en-US" dirty="0"/>
           </a:p>
@@ -3585,6 +3595,44 @@
           <a:bodyPr/>
           <a:lstStyle/>
           <a:p>
+            <a:pPr>
+              <a:buFont typeface="Wingdings" charset="2"/>
+              <a:buChar char="v"/>
+            </a:pPr>
+            <a:r>
+              <a:rPr lang="en-US" sz="4400" dirty="0" smtClean="0"/>
+              <a:t> Solidification </a:t>
+            </a:r>
+          </a:p>
+          <a:p>
+            <a:pPr>
+              <a:buFont typeface="Wingdings" charset="2"/>
+              <a:buChar char="v"/>
+            </a:pPr>
+            <a:r>
+              <a:rPr lang="en-US" sz="4400" dirty="0" smtClean="0"/>
+              <a:t> Grain growth</a:t>
+            </a:r>
+          </a:p>
+          <a:p>
+            <a:pPr>
+              <a:buFont typeface="Wingdings" charset="2"/>
+              <a:buChar char="v"/>
+            </a:pPr>
+            <a:r>
+              <a:rPr lang="en-US" sz="4400" dirty="0"/>
+              <a:t> </a:t>
+            </a:r>
+            <a:r>
+              <a:rPr lang="en-US" sz="4400" dirty="0" smtClean="0"/>
+              <a:t>Solid-state phase transformations</a:t>
+            </a:r>
+          </a:p>
+          <a:p>
+            <a:pPr>
+              <a:buFont typeface="Wingdings" charset="2"/>
+              <a:buChar char="v"/>
+            </a:pPr>
             <a:endParaRPr lang="en-US" dirty="0"/>
           </a:p>
         </p:txBody>
@@ -3672,7 +3720,15 @@
             </a:pPr>
             <a:r>
               <a:rPr lang="en-US" sz="4400" dirty="0" smtClean="0"/>
-              <a:t> Convert PDE to weak integral form</a:t>
+              <a:t> Convert </a:t>
+            </a:r>
+            <a:r>
+              <a:rPr lang="en-US" sz="4400" dirty="0" smtClean="0"/>
+              <a:t>strong form PDE </a:t>
+            </a:r>
+            <a:r>
+              <a:rPr lang="en-US" sz="4400" dirty="0" smtClean="0"/>
+              <a:t>to weak integral form</a:t>
             </a:r>
           </a:p>
           <a:p>
@@ -3978,26 +4034,42 @@
           <a:lstStyle/>
           <a:p>
             <a:pPr>
-              <a:buFont typeface="Arial" panose="020B0604020202020204" pitchFamily="34" charset="0"/>
-              <a:buChar char="•"/>
+              <a:buFont typeface="Wingdings" charset="2"/>
+              <a:buChar char="v"/>
             </a:pPr>
             <a:r>
               <a:rPr lang="en-US" sz="4400" dirty="0" smtClean="0"/>
-              <a:t> weighted residual approach</a:t>
+              <a:t> </a:t>
+            </a:r>
+            <a:r>
+              <a:rPr lang="en-US" sz="4400" dirty="0" smtClean="0"/>
+              <a:t>Weighted </a:t>
+            </a:r>
+            <a:r>
+              <a:rPr lang="en-US" sz="4400" dirty="0" smtClean="0"/>
+              <a:t>residual approach</a:t>
             </a:r>
           </a:p>
           <a:p>
             <a:pPr>
-              <a:buFont typeface="Arial" panose="020B0604020202020204" pitchFamily="34" charset="0"/>
-              <a:buChar char="•"/>
+              <a:buFont typeface="Wingdings" charset="2"/>
+              <a:buChar char="v"/>
             </a:pPr>
             <a:r>
               <a:rPr lang="en-US" sz="4400" dirty="0"/>
               <a:t> </a:t>
             </a:r>
             <a:r>
+              <a:rPr lang="en-US" sz="4400" dirty="0"/>
+              <a:t>A</a:t>
+            </a:r>
+            <a:r>
               <a:rPr lang="en-US" sz="4400" dirty="0" smtClean="0"/>
-              <a:t>assumes same shape functions are used for the solution and the weights</a:t>
+              <a:t>ssumes </a:t>
+            </a:r>
+            <a:r>
+              <a:rPr lang="en-US" sz="4400" dirty="0" smtClean="0"/>
+              <a:t>same shape functions are used for the solution and the weights</a:t>
             </a:r>
             <a:endParaRPr lang="en-US" sz="4400" dirty="0"/>
           </a:p>
@@ -4007,6 +4079,638 @@
     <p:extLst>
       <p:ext uri="{BB962C8B-B14F-4D97-AF65-F5344CB8AC3E}">
         <p14:creationId xmlns:p14="http://schemas.microsoft.com/office/powerpoint/2010/main" val="897568354"/>
+      </p:ext>
+    </p:extLst>
+  </p:cSld>
+  <p:clrMapOvr>
+    <a:masterClrMapping/>
+  </p:clrMapOvr>
+  <p:timing>
+    <p:tnLst>
+      <p:par>
+        <p:cTn id="1" dur="indefinite" restart="never" nodeType="tmRoot"/>
+      </p:par>
+    </p:tnLst>
+  </p:timing>
+</p:sld>
+</file>
+
+<file path=ppt/slides/slide6.xml><?xml version="1.0" encoding="utf-8"?>
+<p:sld xmlns:a="http://schemas.openxmlformats.org/drawingml/2006/main" xmlns:r="http://schemas.openxmlformats.org/officeDocument/2006/relationships" xmlns:p="http://schemas.openxmlformats.org/presentationml/2006/main">
+  <p:cSld>
+    <p:spTree>
+      <p:nvGrpSpPr>
+        <p:cNvPr id="1" name=""/>
+        <p:cNvGrpSpPr/>
+        <p:nvPr/>
+      </p:nvGrpSpPr>
+      <p:grpSpPr>
+        <a:xfrm>
+          <a:off x="0" y="0"/>
+          <a:ext cx="0" cy="0"/>
+          <a:chOff x="0" y="0"/>
+          <a:chExt cx="0" cy="0"/>
+        </a:xfrm>
+      </p:grpSpPr>
+      <p:sp>
+        <p:nvSpPr>
+          <p:cNvPr id="2" name="Title 1"/>
+          <p:cNvSpPr>
+            <a:spLocks noGrp="1"/>
+          </p:cNvSpPr>
+          <p:nvPr>
+            <p:ph type="title"/>
+          </p:nvPr>
+        </p:nvSpPr>
+        <p:spPr/>
+        <p:txBody>
+          <a:bodyPr/>
+          <a:lstStyle/>
+          <a:p>
+            <a:r>
+              <a:rPr lang="en-US" dirty="0" smtClean="0"/>
+              <a:t>Strong form </a:t>
+            </a:r>
+            <a:endParaRPr lang="en-US" dirty="0"/>
+          </a:p>
+        </p:txBody>
+      </p:sp>
+      <mc:AlternateContent xmlns:mc="http://schemas.openxmlformats.org/markup-compatibility/2006">
+        <mc:Choice xmlns:a14="http://schemas.microsoft.com/office/drawing/2010/main" Requires="a14">
+          <p:sp>
+            <p:nvSpPr>
+              <p:cNvPr id="3" name="Content Placeholder 2"/>
+              <p:cNvSpPr>
+                <a:spLocks noGrp="1"/>
+              </p:cNvSpPr>
+              <p:nvPr>
+                <p:ph idx="1"/>
+              </p:nvPr>
+            </p:nvSpPr>
+            <p:spPr>
+              <a:xfrm>
+                <a:off x="1024128" y="2623930"/>
+                <a:ext cx="9720071" cy="3120887"/>
+              </a:xfrm>
+            </p:spPr>
+            <p:txBody>
+              <a:bodyPr>
+                <a:normAutofit/>
+              </a:bodyPr>
+              <a:lstStyle/>
+              <a:p>
+                <a:pPr algn="ctr"/>
+                <a14:m>
+                  <m:oMath xmlns:m="http://schemas.openxmlformats.org/officeDocument/2006/math">
+                    <m:f>
+                      <m:fPr>
+                        <m:ctrlPr>
+                          <a:rPr lang="en-US" sz="4400" i="1" smtClean="0">
+                            <a:latin typeface="Cambria Math" charset="0"/>
+                          </a:rPr>
+                        </m:ctrlPr>
+                      </m:fPr>
+                      <m:num>
+                        <m:r>
+                          <a:rPr lang="en-US" sz="4400" i="1" smtClean="0">
+                            <a:latin typeface="Cambria Math" charset="0"/>
+                          </a:rPr>
+                          <m:t>𝜕</m:t>
+                        </m:r>
+                        <m:r>
+                          <a:rPr lang="en-US" sz="4400" i="1" smtClean="0">
+                            <a:latin typeface="Cambria Math" charset="0"/>
+                            <a:ea typeface="Cambria Math" charset="0"/>
+                            <a:cs typeface="Cambria Math" charset="0"/>
+                          </a:rPr>
+                          <m:t>𝜙</m:t>
+                        </m:r>
+                      </m:num>
+                      <m:den>
+                        <m:r>
+                          <a:rPr lang="en-US" sz="4400" i="1" smtClean="0">
+                            <a:latin typeface="Cambria Math" charset="0"/>
+                          </a:rPr>
+                          <m:t>𝜕</m:t>
+                        </m:r>
+                        <m:r>
+                          <a:rPr lang="en-US" sz="4400" b="0" i="1" smtClean="0">
+                            <a:latin typeface="Cambria Math" charset="0"/>
+                          </a:rPr>
+                          <m:t>𝑡</m:t>
+                        </m:r>
+                      </m:den>
+                    </m:f>
+                    <m:r>
+                      <a:rPr lang="en-US" sz="4400" b="0" i="1" smtClean="0">
+                        <a:latin typeface="Cambria Math" charset="0"/>
+                      </a:rPr>
+                      <m:t>=2</m:t>
+                    </m:r>
+                    <m:d>
+                      <m:dPr>
+                        <m:ctrlPr>
+                          <a:rPr lang="is-IS" sz="4400" b="0" i="1" smtClean="0">
+                            <a:latin typeface="Cambria Math" charset="0"/>
+                          </a:rPr>
+                        </m:ctrlPr>
+                      </m:dPr>
+                      <m:e>
+                        <m:f>
+                          <m:fPr>
+                            <m:ctrlPr>
+                              <a:rPr lang="bg-BG" sz="4400" b="0" i="1" smtClean="0">
+                                <a:latin typeface="Cambria Math" charset="0"/>
+                              </a:rPr>
+                            </m:ctrlPr>
+                          </m:fPr>
+                          <m:num>
+                            <m:sSup>
+                              <m:sSupPr>
+                                <m:ctrlPr>
+                                  <a:rPr lang="is-IS" sz="4400" b="0" i="1" smtClean="0">
+                                    <a:latin typeface="Cambria Math" charset="0"/>
+                                  </a:rPr>
+                                </m:ctrlPr>
+                              </m:sSupPr>
+                              <m:e>
+                                <m:r>
+                                  <a:rPr lang="is-IS" sz="4400" b="0" i="1" smtClean="0">
+                                    <a:latin typeface="Cambria Math" charset="0"/>
+                                    <a:ea typeface="Cambria Math" charset="0"/>
+                                    <a:cs typeface="Cambria Math" charset="0"/>
+                                  </a:rPr>
+                                  <m:t>𝜕</m:t>
+                                </m:r>
+                              </m:e>
+                              <m:sup>
+                                <m:r>
+                                  <a:rPr lang="is-IS" sz="4400" b="0" i="1" smtClean="0">
+                                    <a:latin typeface="Cambria Math" charset="0"/>
+                                  </a:rPr>
+                                  <m:t>2</m:t>
+                                </m:r>
+                              </m:sup>
+                            </m:sSup>
+                            <m:r>
+                              <a:rPr lang="is-IS" sz="4400" b="0" i="1" smtClean="0">
+                                <a:latin typeface="Cambria Math" charset="0"/>
+                                <a:ea typeface="Cambria Math" charset="0"/>
+                                <a:cs typeface="Cambria Math" charset="0"/>
+                              </a:rPr>
+                              <m:t>𝜙</m:t>
+                            </m:r>
+                          </m:num>
+                          <m:den>
+                            <m:r>
+                              <a:rPr lang="bg-BG" sz="4400" b="0" i="1" smtClean="0">
+                                <a:latin typeface="Cambria Math" charset="0"/>
+                                <a:ea typeface="Cambria Math" charset="0"/>
+                                <a:cs typeface="Cambria Math" charset="0"/>
+                              </a:rPr>
+                              <m:t>𝜕</m:t>
+                            </m:r>
+                            <m:sSup>
+                              <m:sSupPr>
+                                <m:ctrlPr>
+                                  <a:rPr lang="is-IS" sz="4400" b="0" i="1" smtClean="0">
+                                    <a:latin typeface="Cambria Math" charset="0"/>
+                                    <a:ea typeface="Cambria Math" charset="0"/>
+                                    <a:cs typeface="Cambria Math" charset="0"/>
+                                  </a:rPr>
+                                </m:ctrlPr>
+                              </m:sSupPr>
+                              <m:e>
+                                <m:r>
+                                  <a:rPr lang="is-IS" sz="4400" b="0" i="1" smtClean="0">
+                                    <a:latin typeface="Cambria Math" charset="0"/>
+                                    <a:ea typeface="Cambria Math" charset="0"/>
+                                    <a:cs typeface="Cambria Math" charset="0"/>
+                                  </a:rPr>
+                                  <m:t>𝑥</m:t>
+                                </m:r>
+                              </m:e>
+                              <m:sup>
+                                <m:r>
+                                  <a:rPr lang="is-IS" sz="4400" b="0" i="1" smtClean="0">
+                                    <a:latin typeface="Cambria Math" charset="0"/>
+                                    <a:ea typeface="Cambria Math" charset="0"/>
+                                    <a:cs typeface="Cambria Math" charset="0"/>
+                                  </a:rPr>
+                                  <m:t>2</m:t>
+                                </m:r>
+                              </m:sup>
+                            </m:sSup>
+                          </m:den>
+                        </m:f>
+                        <m:r>
+                          <a:rPr lang="en-US" sz="4400" b="0" i="1" smtClean="0">
+                            <a:latin typeface="Cambria Math" charset="0"/>
+                          </a:rPr>
+                          <m:t>+ </m:t>
+                        </m:r>
+                        <m:f>
+                          <m:fPr>
+                            <m:ctrlPr>
+                              <a:rPr lang="bg-BG" sz="4400" b="0" i="1" smtClean="0">
+                                <a:latin typeface="Cambria Math" charset="0"/>
+                              </a:rPr>
+                            </m:ctrlPr>
+                          </m:fPr>
+                          <m:num>
+                            <m:sSup>
+                              <m:sSupPr>
+                                <m:ctrlPr>
+                                  <a:rPr lang="is-IS" sz="4400" b="0" i="1" smtClean="0">
+                                    <a:latin typeface="Cambria Math" charset="0"/>
+                                  </a:rPr>
+                                </m:ctrlPr>
+                              </m:sSupPr>
+                              <m:e>
+                                <m:r>
+                                  <a:rPr lang="is-IS" sz="4400" b="0" i="1" smtClean="0">
+                                    <a:latin typeface="Cambria Math" charset="0"/>
+                                    <a:ea typeface="Cambria Math" charset="0"/>
+                                    <a:cs typeface="Cambria Math" charset="0"/>
+                                  </a:rPr>
+                                  <m:t>𝜕</m:t>
+                                </m:r>
+                              </m:e>
+                              <m:sup>
+                                <m:r>
+                                  <a:rPr lang="is-IS" sz="4400" b="0" i="1" smtClean="0">
+                                    <a:latin typeface="Cambria Math" charset="0"/>
+                                  </a:rPr>
+                                  <m:t>2</m:t>
+                                </m:r>
+                              </m:sup>
+                            </m:sSup>
+                            <m:r>
+                              <a:rPr lang="bg-BG" sz="4400" b="0" i="1" smtClean="0">
+                                <a:latin typeface="Cambria Math" charset="0"/>
+                                <a:ea typeface="Cambria Math" charset="0"/>
+                                <a:cs typeface="Cambria Math" charset="0"/>
+                              </a:rPr>
+                              <m:t>𝜙</m:t>
+                            </m:r>
+                          </m:num>
+                          <m:den>
+                            <m:r>
+                              <a:rPr lang="bg-BG" sz="4400" b="0" i="1" smtClean="0">
+                                <a:latin typeface="Cambria Math" charset="0"/>
+                                <a:ea typeface="Cambria Math" charset="0"/>
+                                <a:cs typeface="Cambria Math" charset="0"/>
+                              </a:rPr>
+                              <m:t>𝜕</m:t>
+                            </m:r>
+                            <m:sSup>
+                              <m:sSupPr>
+                                <m:ctrlPr>
+                                  <a:rPr lang="is-IS" sz="4400" b="0" i="1" smtClean="0">
+                                    <a:latin typeface="Cambria Math" charset="0"/>
+                                    <a:ea typeface="Cambria Math" charset="0"/>
+                                    <a:cs typeface="Cambria Math" charset="0"/>
+                                  </a:rPr>
+                                </m:ctrlPr>
+                              </m:sSupPr>
+                              <m:e>
+                                <m:r>
+                                  <a:rPr lang="en-US" sz="4400" b="0" i="1" smtClean="0">
+                                    <a:latin typeface="Cambria Math" charset="0"/>
+                                    <a:ea typeface="Cambria Math" charset="0"/>
+                                    <a:cs typeface="Cambria Math" charset="0"/>
+                                  </a:rPr>
+                                  <m:t>𝑦</m:t>
+                                </m:r>
+                              </m:e>
+                              <m:sup>
+                                <m:r>
+                                  <a:rPr lang="is-IS" sz="4400" b="0" i="1" smtClean="0">
+                                    <a:latin typeface="Cambria Math" charset="0"/>
+                                    <a:ea typeface="Cambria Math" charset="0"/>
+                                    <a:cs typeface="Cambria Math" charset="0"/>
+                                  </a:rPr>
+                                  <m:t>2</m:t>
+                                </m:r>
+                              </m:sup>
+                            </m:sSup>
+                          </m:den>
+                        </m:f>
+                      </m:e>
+                    </m:d>
+                    <m:r>
+                      <a:rPr lang="en-US" sz="4400" b="0" i="1" smtClean="0">
+                        <a:latin typeface="Cambria Math" charset="0"/>
+                      </a:rPr>
+                      <m:t>−</m:t>
+                    </m:r>
+                    <m:r>
+                      <a:rPr lang="en-US" sz="4400" b="0" i="1" smtClean="0">
+                        <a:latin typeface="Cambria Math" charset="0"/>
+                      </a:rPr>
+                      <m:t>𝑔</m:t>
+                    </m:r>
+                    <m:r>
+                      <a:rPr lang="en-US" sz="4400" b="0" i="1" smtClean="0">
+                        <a:latin typeface="Cambria Math" charset="0"/>
+                      </a:rPr>
+                      <m:t>(</m:t>
+                    </m:r>
+                    <m:r>
+                      <a:rPr lang="en-US" sz="4400" b="0" i="1" smtClean="0">
+                        <a:latin typeface="Cambria Math" charset="0"/>
+                        <a:ea typeface="Cambria Math" charset="0"/>
+                        <a:cs typeface="Cambria Math" charset="0"/>
+                      </a:rPr>
+                      <m:t>𝜙</m:t>
+                    </m:r>
+                    <m:r>
+                      <a:rPr lang="en-US" sz="4400" b="0" i="1" smtClean="0">
+                        <a:latin typeface="Cambria Math" charset="0"/>
+                        <a:ea typeface="Cambria Math" charset="0"/>
+                        <a:cs typeface="Cambria Math" charset="0"/>
+                      </a:rPr>
+                      <m:t>)</m:t>
+                    </m:r>
+                  </m:oMath>
+                </a14:m>
+                <a:endParaRPr lang="en-US" sz="4400" dirty="0" smtClean="0"/>
+              </a:p>
+              <a:p>
+                <a:pPr algn="ctr"/>
+                <a:endParaRPr lang="en-US" sz="4400" dirty="0"/>
+              </a:p>
+              <a:p>
+                <a:pPr algn="ctr"/>
+                <a14:m>
+                  <m:oMath xmlns:m="http://schemas.openxmlformats.org/officeDocument/2006/math">
+                    <m:r>
+                      <a:rPr lang="en-US" sz="4400" b="0" i="1" smtClean="0">
+                        <a:latin typeface="Cambria Math" charset="0"/>
+                      </a:rPr>
+                      <m:t>𝑔</m:t>
+                    </m:r>
+                    <m:d>
+                      <m:dPr>
+                        <m:ctrlPr>
+                          <a:rPr lang="en-US" sz="4400" b="0" i="1" smtClean="0">
+                            <a:latin typeface="Cambria Math" charset="0"/>
+                          </a:rPr>
+                        </m:ctrlPr>
+                      </m:dPr>
+                      <m:e>
+                        <m:r>
+                          <a:rPr lang="en-US" sz="4400" b="0" i="1" smtClean="0">
+                            <a:latin typeface="Cambria Math" charset="0"/>
+                            <a:ea typeface="Cambria Math" charset="0"/>
+                            <a:cs typeface="Cambria Math" charset="0"/>
+                          </a:rPr>
+                          <m:t>𝜙</m:t>
+                        </m:r>
+                      </m:e>
+                    </m:d>
+                    <m:r>
+                      <a:rPr lang="en-US" sz="4400" b="0" i="1" smtClean="0">
+                        <a:latin typeface="Cambria Math" charset="0"/>
+                        <a:ea typeface="Cambria Math" charset="0"/>
+                        <a:cs typeface="Cambria Math" charset="0"/>
+                      </a:rPr>
+                      <m:t>=</m:t>
+                    </m:r>
+                    <m:r>
+                      <a:rPr lang="en-US" sz="4400" b="0" i="1" smtClean="0">
+                        <a:latin typeface="Cambria Math" charset="0"/>
+                        <a:ea typeface="Cambria Math" charset="0"/>
+                        <a:cs typeface="Cambria Math" charset="0"/>
+                      </a:rPr>
+                      <m:t>𝑎</m:t>
+                    </m:r>
+                    <m:sSup>
+                      <m:sSupPr>
+                        <m:ctrlPr>
+                          <a:rPr lang="is-IS" sz="4400" b="0" i="1" smtClean="0">
+                            <a:latin typeface="Cambria Math" charset="0"/>
+                            <a:ea typeface="Cambria Math" charset="0"/>
+                            <a:cs typeface="Cambria Math" charset="0"/>
+                          </a:rPr>
+                        </m:ctrlPr>
+                      </m:sSupPr>
+                      <m:e>
+                        <m:r>
+                          <a:rPr lang="is-IS" sz="4400" b="0" i="1" smtClean="0">
+                            <a:latin typeface="Cambria Math" charset="0"/>
+                            <a:ea typeface="Cambria Math" charset="0"/>
+                            <a:cs typeface="Cambria Math" charset="0"/>
+                          </a:rPr>
+                          <m:t>𝜙</m:t>
+                        </m:r>
+                      </m:e>
+                      <m:sup>
+                        <m:r>
+                          <a:rPr lang="en-US" sz="4400" b="0" i="1" smtClean="0">
+                            <a:latin typeface="Cambria Math" charset="0"/>
+                            <a:ea typeface="Cambria Math" charset="0"/>
+                            <a:cs typeface="Cambria Math" charset="0"/>
+                          </a:rPr>
+                          <m:t>3</m:t>
+                        </m:r>
+                      </m:sup>
+                    </m:sSup>
+                    <m:r>
+                      <a:rPr lang="en-US" sz="4400" b="0" i="1" smtClean="0">
+                        <a:latin typeface="Cambria Math" charset="0"/>
+                        <a:ea typeface="Cambria Math" charset="0"/>
+                        <a:cs typeface="Cambria Math" charset="0"/>
+                      </a:rPr>
+                      <m:t>+</m:t>
+                    </m:r>
+                    <m:r>
+                      <a:rPr lang="en-US" sz="4400" b="0" i="1" smtClean="0">
+                        <a:latin typeface="Cambria Math" charset="0"/>
+                        <a:ea typeface="Cambria Math" charset="0"/>
+                        <a:cs typeface="Cambria Math" charset="0"/>
+                      </a:rPr>
+                      <m:t>𝑏</m:t>
+                    </m:r>
+                    <m:sSup>
+                      <m:sSupPr>
+                        <m:ctrlPr>
+                          <a:rPr lang="is-IS" sz="4400" b="0" i="1" smtClean="0">
+                            <a:latin typeface="Cambria Math" charset="0"/>
+                            <a:ea typeface="Cambria Math" charset="0"/>
+                            <a:cs typeface="Cambria Math" charset="0"/>
+                          </a:rPr>
+                        </m:ctrlPr>
+                      </m:sSupPr>
+                      <m:e>
+                        <m:r>
+                          <a:rPr lang="is-IS" sz="4400" b="0" i="1" smtClean="0">
+                            <a:latin typeface="Cambria Math" charset="0"/>
+                            <a:ea typeface="Cambria Math" charset="0"/>
+                            <a:cs typeface="Cambria Math" charset="0"/>
+                          </a:rPr>
+                          <m:t>𝜙</m:t>
+                        </m:r>
+                      </m:e>
+                      <m:sup>
+                        <m:r>
+                          <a:rPr lang="is-IS" sz="4400" b="0" i="1" smtClean="0">
+                            <a:latin typeface="Cambria Math" charset="0"/>
+                            <a:ea typeface="Cambria Math" charset="0"/>
+                            <a:cs typeface="Cambria Math" charset="0"/>
+                          </a:rPr>
+                          <m:t>2</m:t>
+                        </m:r>
+                      </m:sup>
+                    </m:sSup>
+                    <m:r>
+                      <a:rPr lang="en-US" sz="4400" b="0" i="1" smtClean="0">
+                        <a:latin typeface="Cambria Math" charset="0"/>
+                        <a:ea typeface="Cambria Math" charset="0"/>
+                        <a:cs typeface="Cambria Math" charset="0"/>
+                      </a:rPr>
+                      <m:t>+</m:t>
+                    </m:r>
+                    <m:r>
+                      <a:rPr lang="en-US" sz="4400" b="0" i="1" smtClean="0">
+                        <a:latin typeface="Cambria Math" charset="0"/>
+                        <a:ea typeface="Cambria Math" charset="0"/>
+                        <a:cs typeface="Cambria Math" charset="0"/>
+                      </a:rPr>
+                      <m:t>𝑐</m:t>
+                    </m:r>
+                    <m:r>
+                      <a:rPr lang="en-US" sz="4400" b="0" i="1" smtClean="0">
+                        <a:latin typeface="Cambria Math" charset="0"/>
+                        <a:ea typeface="Cambria Math" charset="0"/>
+                        <a:cs typeface="Cambria Math" charset="0"/>
+                      </a:rPr>
+                      <m:t>𝜙</m:t>
+                    </m:r>
+                  </m:oMath>
+                </a14:m>
+                <a:endParaRPr lang="en-US" sz="4400" dirty="0"/>
+              </a:p>
+            </p:txBody>
+          </p:sp>
+        </mc:Choice>
+        <mc:Fallback>
+          <p:sp>
+            <p:nvSpPr>
+              <p:cNvPr id="3" name="Content Placeholder 2"/>
+              <p:cNvSpPr>
+                <a:spLocks noGrp="1" noRot="1" noChangeAspect="1" noMove="1" noResize="1" noEditPoints="1" noAdjustHandles="1" noChangeArrowheads="1" noChangeShapeType="1" noTextEdit="1"/>
+              </p:cNvSpPr>
+              <p:nvPr>
+                <p:ph idx="1"/>
+              </p:nvPr>
+            </p:nvSpPr>
+            <p:spPr>
+              <a:xfrm>
+                <a:off x="1024128" y="2623930"/>
+                <a:ext cx="9720071" cy="3120887"/>
+              </a:xfrm>
+              <a:blipFill rotWithShape="0">
+                <a:blip r:embed="rId2"/>
+                <a:stretch>
+                  <a:fillRect/>
+                </a:stretch>
+              </a:blipFill>
+            </p:spPr>
+            <p:txBody>
+              <a:bodyPr/>
+              <a:lstStyle/>
+              <a:p>
+                <a:r>
+                  <a:rPr lang="en-US">
+                    <a:noFill/>
+                  </a:rPr>
+                  <a:t> </a:t>
+                </a:r>
+              </a:p>
+            </p:txBody>
+          </p:sp>
+        </mc:Fallback>
+      </mc:AlternateContent>
+    </p:spTree>
+    <p:extLst>
+      <p:ext uri="{BB962C8B-B14F-4D97-AF65-F5344CB8AC3E}">
+        <p14:creationId xmlns:p14="http://schemas.microsoft.com/office/powerpoint/2010/main" val="1629125490"/>
+      </p:ext>
+    </p:extLst>
+  </p:cSld>
+  <p:clrMapOvr>
+    <a:masterClrMapping/>
+  </p:clrMapOvr>
+  <p:timing>
+    <p:tnLst>
+      <p:par>
+        <p:cTn id="1" dur="indefinite" restart="never" nodeType="tmRoot"/>
+      </p:par>
+    </p:tnLst>
+  </p:timing>
+</p:sld>
+</file>
+
+<file path=ppt/slides/slide7.xml><?xml version="1.0" encoding="utf-8"?>
+<p:sld xmlns:a="http://schemas.openxmlformats.org/drawingml/2006/main" xmlns:r="http://schemas.openxmlformats.org/officeDocument/2006/relationships" xmlns:p="http://schemas.openxmlformats.org/presentationml/2006/main">
+  <p:cSld>
+    <p:spTree>
+      <p:nvGrpSpPr>
+        <p:cNvPr id="1" name=""/>
+        <p:cNvGrpSpPr/>
+        <p:nvPr/>
+      </p:nvGrpSpPr>
+      <p:grpSpPr>
+        <a:xfrm>
+          <a:off x="0" y="0"/>
+          <a:ext cx="0" cy="0"/>
+          <a:chOff x="0" y="0"/>
+          <a:chExt cx="0" cy="0"/>
+        </a:xfrm>
+      </p:grpSpPr>
+      <p:sp>
+        <p:nvSpPr>
+          <p:cNvPr id="2" name="Title 1"/>
+          <p:cNvSpPr>
+            <a:spLocks noGrp="1"/>
+          </p:cNvSpPr>
+          <p:nvPr>
+            <p:ph type="title"/>
+          </p:nvPr>
+        </p:nvSpPr>
+        <p:spPr/>
+        <p:txBody>
+          <a:bodyPr/>
+          <a:lstStyle/>
+          <a:p>
+            <a:endParaRPr lang="en-US" dirty="0"/>
+          </a:p>
+        </p:txBody>
+      </p:sp>
+      <p:sp>
+        <p:nvSpPr>
+          <p:cNvPr id="3" name="Content Placeholder 2"/>
+          <p:cNvSpPr>
+            <a:spLocks noGrp="1"/>
+          </p:cNvSpPr>
+          <p:nvPr>
+            <p:ph idx="1"/>
+          </p:nvPr>
+        </p:nvSpPr>
+        <p:spPr/>
+        <p:txBody>
+          <a:bodyPr/>
+          <a:lstStyle/>
+          <a:p>
+            <a:endParaRPr lang="en-US"/>
+          </a:p>
+        </p:txBody>
+      </p:sp>
+    </p:spTree>
+    <p:extLst>
+      <p:ext uri="{BB962C8B-B14F-4D97-AF65-F5344CB8AC3E}">
+        <p14:creationId xmlns:p14="http://schemas.microsoft.com/office/powerpoint/2010/main" val="1564386429"/>
       </p:ext>
     </p:extLst>
   </p:cSld>

--- a/PFMFEM.pptx
+++ b/PFMFEM.pptx
@@ -4,14 +4,25 @@
   <p:sldMasterIdLst>
     <p:sldMasterId id="2147483733" r:id="rId1"/>
   </p:sldMasterIdLst>
+  <p:notesMasterIdLst>
+    <p:notesMasterId r:id="rId17"/>
+  </p:notesMasterIdLst>
   <p:sldIdLst>
     <p:sldId id="256" r:id="rId2"/>
     <p:sldId id="257" r:id="rId3"/>
-    <p:sldId id="258" r:id="rId4"/>
-    <p:sldId id="260" r:id="rId5"/>
-    <p:sldId id="259" r:id="rId6"/>
-    <p:sldId id="261" r:id="rId7"/>
-    <p:sldId id="262" r:id="rId8"/>
+    <p:sldId id="260" r:id="rId4"/>
+    <p:sldId id="258" r:id="rId5"/>
+    <p:sldId id="265" r:id="rId6"/>
+    <p:sldId id="262" r:id="rId7"/>
+    <p:sldId id="267" r:id="rId8"/>
+    <p:sldId id="268" r:id="rId9"/>
+    <p:sldId id="269" r:id="rId10"/>
+    <p:sldId id="270" r:id="rId11"/>
+    <p:sldId id="259" r:id="rId12"/>
+    <p:sldId id="266" r:id="rId13"/>
+    <p:sldId id="261" r:id="rId14"/>
+    <p:sldId id="263" r:id="rId15"/>
+    <p:sldId id="264" r:id="rId16"/>
   </p:sldIdLst>
   <p:sldSz cx="12192000" cy="6858000"/>
   <p:notesSz cx="6858000" cy="9144000"/>
@@ -118,6 +129,1000 @@
 </p:presentation>
 </file>
 
+<file path=ppt/notesMasters/notesMaster1.xml><?xml version="1.0" encoding="utf-8"?>
+<p:notesMaster xmlns:a="http://schemas.openxmlformats.org/drawingml/2006/main" xmlns:r="http://schemas.openxmlformats.org/officeDocument/2006/relationships" xmlns:p="http://schemas.openxmlformats.org/presentationml/2006/main">
+  <p:cSld>
+    <p:bg>
+      <p:bgRef idx="1001">
+        <a:schemeClr val="bg1"/>
+      </p:bgRef>
+    </p:bg>
+    <p:spTree>
+      <p:nvGrpSpPr>
+        <p:cNvPr id="1" name=""/>
+        <p:cNvGrpSpPr/>
+        <p:nvPr/>
+      </p:nvGrpSpPr>
+      <p:grpSpPr>
+        <a:xfrm>
+          <a:off x="0" y="0"/>
+          <a:ext cx="0" cy="0"/>
+          <a:chOff x="0" y="0"/>
+          <a:chExt cx="0" cy="0"/>
+        </a:xfrm>
+      </p:grpSpPr>
+      <p:sp>
+        <p:nvSpPr>
+          <p:cNvPr id="2" name="Header Placeholder 1"/>
+          <p:cNvSpPr>
+            <a:spLocks noGrp="1"/>
+          </p:cNvSpPr>
+          <p:nvPr>
+            <p:ph type="hdr" sz="quarter"/>
+          </p:nvPr>
+        </p:nvSpPr>
+        <p:spPr>
+          <a:xfrm>
+            <a:off x="0" y="0"/>
+            <a:ext cx="2971800" cy="458788"/>
+          </a:xfrm>
+          <a:prstGeom prst="rect">
+            <a:avLst/>
+          </a:prstGeom>
+        </p:spPr>
+        <p:txBody>
+          <a:bodyPr vert="horz" lIns="91440" tIns="45720" rIns="91440" bIns="45720" rtlCol="0"/>
+          <a:lstStyle>
+            <a:lvl1pPr algn="l">
+              <a:defRPr sz="1200"/>
+            </a:lvl1pPr>
+          </a:lstStyle>
+          <a:p>
+            <a:endParaRPr lang="en-US"/>
+          </a:p>
+        </p:txBody>
+      </p:sp>
+      <p:sp>
+        <p:nvSpPr>
+          <p:cNvPr id="3" name="Date Placeholder 2"/>
+          <p:cNvSpPr>
+            <a:spLocks noGrp="1"/>
+          </p:cNvSpPr>
+          <p:nvPr>
+            <p:ph type="dt" idx="1"/>
+          </p:nvPr>
+        </p:nvSpPr>
+        <p:spPr>
+          <a:xfrm>
+            <a:off x="3884613" y="0"/>
+            <a:ext cx="2971800" cy="458788"/>
+          </a:xfrm>
+          <a:prstGeom prst="rect">
+            <a:avLst/>
+          </a:prstGeom>
+        </p:spPr>
+        <p:txBody>
+          <a:bodyPr vert="horz" lIns="91440" tIns="45720" rIns="91440" bIns="45720" rtlCol="0"/>
+          <a:lstStyle>
+            <a:lvl1pPr algn="r">
+              <a:defRPr sz="1200"/>
+            </a:lvl1pPr>
+          </a:lstStyle>
+          <a:p>
+            <a:fld id="{F4067880-F2D7-4774-9971-350379BCB41E}" type="datetimeFigureOut">
+              <a:rPr lang="en-US" smtClean="0"/>
+              <a:t>12/4/2016</a:t>
+            </a:fld>
+            <a:endParaRPr lang="en-US"/>
+          </a:p>
+        </p:txBody>
+      </p:sp>
+      <p:sp>
+        <p:nvSpPr>
+          <p:cNvPr id="4" name="Slide Image Placeholder 3"/>
+          <p:cNvSpPr>
+            <a:spLocks noGrp="1" noRot="1" noChangeAspect="1"/>
+          </p:cNvSpPr>
+          <p:nvPr>
+            <p:ph type="sldImg" idx="2"/>
+          </p:nvPr>
+        </p:nvSpPr>
+        <p:spPr>
+          <a:xfrm>
+            <a:off x="685800" y="1143000"/>
+            <a:ext cx="5486400" cy="3086100"/>
+          </a:xfrm>
+          <a:prstGeom prst="rect">
+            <a:avLst/>
+          </a:prstGeom>
+          <a:noFill/>
+          <a:ln w="12700">
+            <a:solidFill>
+              <a:prstClr val="black"/>
+            </a:solidFill>
+          </a:ln>
+        </p:spPr>
+        <p:txBody>
+          <a:bodyPr vert="horz" lIns="91440" tIns="45720" rIns="91440" bIns="45720" rtlCol="0" anchor="ctr"/>
+          <a:lstStyle/>
+          <a:p>
+            <a:endParaRPr lang="en-US"/>
+          </a:p>
+        </p:txBody>
+      </p:sp>
+      <p:sp>
+        <p:nvSpPr>
+          <p:cNvPr id="5" name="Notes Placeholder 4"/>
+          <p:cNvSpPr>
+            <a:spLocks noGrp="1"/>
+          </p:cNvSpPr>
+          <p:nvPr>
+            <p:ph type="body" sz="quarter" idx="3"/>
+          </p:nvPr>
+        </p:nvSpPr>
+        <p:spPr>
+          <a:xfrm>
+            <a:off x="685800" y="4400550"/>
+            <a:ext cx="5486400" cy="3600450"/>
+          </a:xfrm>
+          <a:prstGeom prst="rect">
+            <a:avLst/>
+          </a:prstGeom>
+        </p:spPr>
+        <p:txBody>
+          <a:bodyPr vert="horz" lIns="91440" tIns="45720" rIns="91440" bIns="45720" rtlCol="0"/>
+          <a:lstStyle/>
+          <a:p>
+            <a:pPr lvl="0"/>
+            <a:r>
+              <a:rPr lang="en-US" smtClean="0"/>
+              <a:t>Click to edit Master text styles</a:t>
+            </a:r>
+          </a:p>
+          <a:p>
+            <a:pPr lvl="1"/>
+            <a:r>
+              <a:rPr lang="en-US" smtClean="0"/>
+              <a:t>Second level</a:t>
+            </a:r>
+          </a:p>
+          <a:p>
+            <a:pPr lvl="2"/>
+            <a:r>
+              <a:rPr lang="en-US" smtClean="0"/>
+              <a:t>Third level</a:t>
+            </a:r>
+          </a:p>
+          <a:p>
+            <a:pPr lvl="3"/>
+            <a:r>
+              <a:rPr lang="en-US" smtClean="0"/>
+              <a:t>Fourth level</a:t>
+            </a:r>
+          </a:p>
+          <a:p>
+            <a:pPr lvl="4"/>
+            <a:r>
+              <a:rPr lang="en-US" smtClean="0"/>
+              <a:t>Fifth level</a:t>
+            </a:r>
+            <a:endParaRPr lang="en-US"/>
+          </a:p>
+        </p:txBody>
+      </p:sp>
+      <p:sp>
+        <p:nvSpPr>
+          <p:cNvPr id="6" name="Footer Placeholder 5"/>
+          <p:cNvSpPr>
+            <a:spLocks noGrp="1"/>
+          </p:cNvSpPr>
+          <p:nvPr>
+            <p:ph type="ftr" sz="quarter" idx="4"/>
+          </p:nvPr>
+        </p:nvSpPr>
+        <p:spPr>
+          <a:xfrm>
+            <a:off x="0" y="8685213"/>
+            <a:ext cx="2971800" cy="458787"/>
+          </a:xfrm>
+          <a:prstGeom prst="rect">
+            <a:avLst/>
+          </a:prstGeom>
+        </p:spPr>
+        <p:txBody>
+          <a:bodyPr vert="horz" lIns="91440" tIns="45720" rIns="91440" bIns="45720" rtlCol="0" anchor="b"/>
+          <a:lstStyle>
+            <a:lvl1pPr algn="l">
+              <a:defRPr sz="1200"/>
+            </a:lvl1pPr>
+          </a:lstStyle>
+          <a:p>
+            <a:endParaRPr lang="en-US"/>
+          </a:p>
+        </p:txBody>
+      </p:sp>
+      <p:sp>
+        <p:nvSpPr>
+          <p:cNvPr id="7" name="Slide Number Placeholder 6"/>
+          <p:cNvSpPr>
+            <a:spLocks noGrp="1"/>
+          </p:cNvSpPr>
+          <p:nvPr>
+            <p:ph type="sldNum" sz="quarter" idx="5"/>
+          </p:nvPr>
+        </p:nvSpPr>
+        <p:spPr>
+          <a:xfrm>
+            <a:off x="3884613" y="8685213"/>
+            <a:ext cx="2971800" cy="458787"/>
+          </a:xfrm>
+          <a:prstGeom prst="rect">
+            <a:avLst/>
+          </a:prstGeom>
+        </p:spPr>
+        <p:txBody>
+          <a:bodyPr vert="horz" lIns="91440" tIns="45720" rIns="91440" bIns="45720" rtlCol="0" anchor="b"/>
+          <a:lstStyle>
+            <a:lvl1pPr algn="r">
+              <a:defRPr sz="1200"/>
+            </a:lvl1pPr>
+          </a:lstStyle>
+          <a:p>
+            <a:fld id="{EE8B852E-2CC2-4BFF-A9F5-B5CF0680D6AA}" type="slidenum">
+              <a:rPr lang="en-US" smtClean="0"/>
+              <a:t>‹#›</a:t>
+            </a:fld>
+            <a:endParaRPr lang="en-US"/>
+          </a:p>
+        </p:txBody>
+      </p:sp>
+    </p:spTree>
+    <p:extLst>
+      <p:ext uri="{BB962C8B-B14F-4D97-AF65-F5344CB8AC3E}">
+        <p14:creationId xmlns:p14="http://schemas.microsoft.com/office/powerpoint/2010/main" val="934196869"/>
+      </p:ext>
+    </p:extLst>
+  </p:cSld>
+  <p:clrMap bg1="lt1" tx1="dk1" bg2="lt2" tx2="dk2" accent1="accent1" accent2="accent2" accent3="accent3" accent4="accent4" accent5="accent5" accent6="accent6" hlink="hlink" folHlink="folHlink"/>
+  <p:notesStyle>
+    <a:lvl1pPr marL="0" algn="l" defTabSz="914400" rtl="0" eaLnBrk="1" latinLnBrk="0" hangingPunct="1">
+      <a:defRPr sz="1200" kern="1200">
+        <a:solidFill>
+          <a:schemeClr val="tx1"/>
+        </a:solidFill>
+        <a:latin typeface="+mn-lt"/>
+        <a:ea typeface="+mn-ea"/>
+        <a:cs typeface="+mn-cs"/>
+      </a:defRPr>
+    </a:lvl1pPr>
+    <a:lvl2pPr marL="457200" algn="l" defTabSz="914400" rtl="0" eaLnBrk="1" latinLnBrk="0" hangingPunct="1">
+      <a:defRPr sz="1200" kern="1200">
+        <a:solidFill>
+          <a:schemeClr val="tx1"/>
+        </a:solidFill>
+        <a:latin typeface="+mn-lt"/>
+        <a:ea typeface="+mn-ea"/>
+        <a:cs typeface="+mn-cs"/>
+      </a:defRPr>
+    </a:lvl2pPr>
+    <a:lvl3pPr marL="914400" algn="l" defTabSz="914400" rtl="0" eaLnBrk="1" latinLnBrk="0" hangingPunct="1">
+      <a:defRPr sz="1200" kern="1200">
+        <a:solidFill>
+          <a:schemeClr val="tx1"/>
+        </a:solidFill>
+        <a:latin typeface="+mn-lt"/>
+        <a:ea typeface="+mn-ea"/>
+        <a:cs typeface="+mn-cs"/>
+      </a:defRPr>
+    </a:lvl3pPr>
+    <a:lvl4pPr marL="1371600" algn="l" defTabSz="914400" rtl="0" eaLnBrk="1" latinLnBrk="0" hangingPunct="1">
+      <a:defRPr sz="1200" kern="1200">
+        <a:solidFill>
+          <a:schemeClr val="tx1"/>
+        </a:solidFill>
+        <a:latin typeface="+mn-lt"/>
+        <a:ea typeface="+mn-ea"/>
+        <a:cs typeface="+mn-cs"/>
+      </a:defRPr>
+    </a:lvl4pPr>
+    <a:lvl5pPr marL="1828800" algn="l" defTabSz="914400" rtl="0" eaLnBrk="1" latinLnBrk="0" hangingPunct="1">
+      <a:defRPr sz="1200" kern="1200">
+        <a:solidFill>
+          <a:schemeClr val="tx1"/>
+        </a:solidFill>
+        <a:latin typeface="+mn-lt"/>
+        <a:ea typeface="+mn-ea"/>
+        <a:cs typeface="+mn-cs"/>
+      </a:defRPr>
+    </a:lvl5pPr>
+    <a:lvl6pPr marL="2286000" algn="l" defTabSz="914400" rtl="0" eaLnBrk="1" latinLnBrk="0" hangingPunct="1">
+      <a:defRPr sz="1200" kern="1200">
+        <a:solidFill>
+          <a:schemeClr val="tx1"/>
+        </a:solidFill>
+        <a:latin typeface="+mn-lt"/>
+        <a:ea typeface="+mn-ea"/>
+        <a:cs typeface="+mn-cs"/>
+      </a:defRPr>
+    </a:lvl6pPr>
+    <a:lvl7pPr marL="2743200" algn="l" defTabSz="914400" rtl="0" eaLnBrk="1" latinLnBrk="0" hangingPunct="1">
+      <a:defRPr sz="1200" kern="1200">
+        <a:solidFill>
+          <a:schemeClr val="tx1"/>
+        </a:solidFill>
+        <a:latin typeface="+mn-lt"/>
+        <a:ea typeface="+mn-ea"/>
+        <a:cs typeface="+mn-cs"/>
+      </a:defRPr>
+    </a:lvl7pPr>
+    <a:lvl8pPr marL="3200400" algn="l" defTabSz="914400" rtl="0" eaLnBrk="1" latinLnBrk="0" hangingPunct="1">
+      <a:defRPr sz="1200" kern="1200">
+        <a:solidFill>
+          <a:schemeClr val="tx1"/>
+        </a:solidFill>
+        <a:latin typeface="+mn-lt"/>
+        <a:ea typeface="+mn-ea"/>
+        <a:cs typeface="+mn-cs"/>
+      </a:defRPr>
+    </a:lvl8pPr>
+    <a:lvl9pPr marL="3657600" algn="l" defTabSz="914400" rtl="0" eaLnBrk="1" latinLnBrk="0" hangingPunct="1">
+      <a:defRPr sz="1200" kern="1200">
+        <a:solidFill>
+          <a:schemeClr val="tx1"/>
+        </a:solidFill>
+        <a:latin typeface="+mn-lt"/>
+        <a:ea typeface="+mn-ea"/>
+        <a:cs typeface="+mn-cs"/>
+      </a:defRPr>
+    </a:lvl9pPr>
+  </p:notesStyle>
+</p:notesMaster>
+</file>
+
+<file path=ppt/notesSlides/notesSlide1.xml><?xml version="1.0" encoding="utf-8"?>
+<p:notes xmlns:a="http://schemas.openxmlformats.org/drawingml/2006/main" xmlns:r="http://schemas.openxmlformats.org/officeDocument/2006/relationships" xmlns:p="http://schemas.openxmlformats.org/presentationml/2006/main">
+  <p:cSld>
+    <p:spTree>
+      <p:nvGrpSpPr>
+        <p:cNvPr id="1" name=""/>
+        <p:cNvGrpSpPr/>
+        <p:nvPr/>
+      </p:nvGrpSpPr>
+      <p:grpSpPr>
+        <a:xfrm>
+          <a:off x="0" y="0"/>
+          <a:ext cx="0" cy="0"/>
+          <a:chOff x="0" y="0"/>
+          <a:chExt cx="0" cy="0"/>
+        </a:xfrm>
+      </p:grpSpPr>
+      <p:sp>
+        <p:nvSpPr>
+          <p:cNvPr id="2" name="Slide Image Placeholder 1"/>
+          <p:cNvSpPr>
+            <a:spLocks noGrp="1" noRot="1" noChangeAspect="1"/>
+          </p:cNvSpPr>
+          <p:nvPr>
+            <p:ph type="sldImg"/>
+          </p:nvPr>
+        </p:nvSpPr>
+        <p:spPr/>
+      </p:sp>
+      <p:sp>
+        <p:nvSpPr>
+          <p:cNvPr id="3" name="Notes Placeholder 2"/>
+          <p:cNvSpPr>
+            <a:spLocks noGrp="1"/>
+          </p:cNvSpPr>
+          <p:nvPr>
+            <p:ph type="body" idx="1"/>
+          </p:nvPr>
+        </p:nvSpPr>
+        <p:spPr/>
+        <p:txBody>
+          <a:bodyPr/>
+          <a:lstStyle/>
+          <a:p>
+            <a:r>
+              <a:rPr lang="en-US" dirty="0" smtClean="0"/>
+              <a:t>Phase-field modeling is a </a:t>
+            </a:r>
+            <a:r>
+              <a:rPr lang="en-US" dirty="0" err="1" smtClean="0"/>
+              <a:t>mathemical</a:t>
+            </a:r>
+            <a:r>
+              <a:rPr lang="en-US" dirty="0" smtClean="0"/>
+              <a:t> model for solving interfacial problems. (Easier def.?)</a:t>
+            </a:r>
+            <a:r>
+              <a:rPr lang="en-US" baseline="0" dirty="0" smtClean="0"/>
+              <a:t> It has a wide range of uses, including: solidification, grain growth, solid-state phase transformations, and vesicle dynamics. </a:t>
+            </a:r>
+            <a:endParaRPr lang="en-US" dirty="0"/>
+          </a:p>
+        </p:txBody>
+      </p:sp>
+      <p:sp>
+        <p:nvSpPr>
+          <p:cNvPr id="4" name="Slide Number Placeholder 3"/>
+          <p:cNvSpPr>
+            <a:spLocks noGrp="1"/>
+          </p:cNvSpPr>
+          <p:nvPr>
+            <p:ph type="sldNum" sz="quarter" idx="10"/>
+          </p:nvPr>
+        </p:nvSpPr>
+        <p:spPr/>
+        <p:txBody>
+          <a:bodyPr/>
+          <a:lstStyle/>
+          <a:p>
+            <a:fld id="{EE8B852E-2CC2-4BFF-A9F5-B5CF0680D6AA}" type="slidenum">
+              <a:rPr lang="en-US" smtClean="0"/>
+              <a:t>2</a:t>
+            </a:fld>
+            <a:endParaRPr lang="en-US"/>
+          </a:p>
+        </p:txBody>
+      </p:sp>
+    </p:spTree>
+    <p:extLst>
+      <p:ext uri="{BB962C8B-B14F-4D97-AF65-F5344CB8AC3E}">
+        <p14:creationId xmlns:p14="http://schemas.microsoft.com/office/powerpoint/2010/main" val="308408169"/>
+      </p:ext>
+    </p:extLst>
+  </p:cSld>
+  <p:clrMapOvr>
+    <a:masterClrMapping/>
+  </p:clrMapOvr>
+</p:notes>
+</file>
+
+<file path=ppt/notesSlides/notesSlide2.xml><?xml version="1.0" encoding="utf-8"?>
+<p:notes xmlns:a="http://schemas.openxmlformats.org/drawingml/2006/main" xmlns:r="http://schemas.openxmlformats.org/officeDocument/2006/relationships" xmlns:p="http://schemas.openxmlformats.org/presentationml/2006/main">
+  <p:cSld>
+    <p:spTree>
+      <p:nvGrpSpPr>
+        <p:cNvPr id="1" name=""/>
+        <p:cNvGrpSpPr/>
+        <p:nvPr/>
+      </p:nvGrpSpPr>
+      <p:grpSpPr>
+        <a:xfrm>
+          <a:off x="0" y="0"/>
+          <a:ext cx="0" cy="0"/>
+          <a:chOff x="0" y="0"/>
+          <a:chExt cx="0" cy="0"/>
+        </a:xfrm>
+      </p:grpSpPr>
+      <p:sp>
+        <p:nvSpPr>
+          <p:cNvPr id="2" name="Slide Image Placeholder 1"/>
+          <p:cNvSpPr>
+            <a:spLocks noGrp="1" noRot="1" noChangeAspect="1"/>
+          </p:cNvSpPr>
+          <p:nvPr>
+            <p:ph type="sldImg"/>
+          </p:nvPr>
+        </p:nvSpPr>
+        <p:spPr/>
+      </p:sp>
+      <p:sp>
+        <p:nvSpPr>
+          <p:cNvPr id="3" name="Notes Placeholder 2"/>
+          <p:cNvSpPr>
+            <a:spLocks noGrp="1"/>
+          </p:cNvSpPr>
+          <p:nvPr>
+            <p:ph type="body" idx="1"/>
+          </p:nvPr>
+        </p:nvSpPr>
+        <p:spPr/>
+        <p:txBody>
+          <a:bodyPr/>
+          <a:lstStyle/>
+          <a:p>
+            <a:r>
+              <a:rPr lang="en-US" dirty="0" smtClean="0"/>
+              <a:t>There are many benefits to the finite element</a:t>
+            </a:r>
+            <a:r>
+              <a:rPr lang="en-US" baseline="0" dirty="0" smtClean="0"/>
+              <a:t> method of analysis. For example, it’s able to account for complex shapes and it can easily be modified to change the mesh or solve different equations. However, it’s not so easy to code from scratch and it’s conceptually much more difficult than finite difference methods. </a:t>
+            </a:r>
+            <a:endParaRPr lang="en-US" dirty="0"/>
+          </a:p>
+        </p:txBody>
+      </p:sp>
+      <p:sp>
+        <p:nvSpPr>
+          <p:cNvPr id="4" name="Slide Number Placeholder 3"/>
+          <p:cNvSpPr>
+            <a:spLocks noGrp="1"/>
+          </p:cNvSpPr>
+          <p:nvPr>
+            <p:ph type="sldNum" sz="quarter" idx="10"/>
+          </p:nvPr>
+        </p:nvSpPr>
+        <p:spPr/>
+        <p:txBody>
+          <a:bodyPr/>
+          <a:lstStyle/>
+          <a:p>
+            <a:fld id="{EE8B852E-2CC2-4BFF-A9F5-B5CF0680D6AA}" type="slidenum">
+              <a:rPr lang="en-US" smtClean="0"/>
+              <a:t>3</a:t>
+            </a:fld>
+            <a:endParaRPr lang="en-US"/>
+          </a:p>
+        </p:txBody>
+      </p:sp>
+    </p:spTree>
+    <p:extLst>
+      <p:ext uri="{BB962C8B-B14F-4D97-AF65-F5344CB8AC3E}">
+        <p14:creationId xmlns:p14="http://schemas.microsoft.com/office/powerpoint/2010/main" val="3531431017"/>
+      </p:ext>
+    </p:extLst>
+  </p:cSld>
+  <p:clrMapOvr>
+    <a:masterClrMapping/>
+  </p:clrMapOvr>
+</p:notes>
+</file>
+
+<file path=ppt/notesSlides/notesSlide3.xml><?xml version="1.0" encoding="utf-8"?>
+<p:notes xmlns:a="http://schemas.openxmlformats.org/drawingml/2006/main" xmlns:r="http://schemas.openxmlformats.org/officeDocument/2006/relationships" xmlns:p="http://schemas.openxmlformats.org/presentationml/2006/main">
+  <p:cSld>
+    <p:spTree>
+      <p:nvGrpSpPr>
+        <p:cNvPr id="1" name=""/>
+        <p:cNvGrpSpPr/>
+        <p:nvPr/>
+      </p:nvGrpSpPr>
+      <p:grpSpPr>
+        <a:xfrm>
+          <a:off x="0" y="0"/>
+          <a:ext cx="0" cy="0"/>
+          <a:chOff x="0" y="0"/>
+          <a:chExt cx="0" cy="0"/>
+        </a:xfrm>
+      </p:grpSpPr>
+      <p:sp>
+        <p:nvSpPr>
+          <p:cNvPr id="2" name="Slide Image Placeholder 1"/>
+          <p:cNvSpPr>
+            <a:spLocks noGrp="1" noRot="1" noChangeAspect="1"/>
+          </p:cNvSpPr>
+          <p:nvPr>
+            <p:ph type="sldImg"/>
+          </p:nvPr>
+        </p:nvSpPr>
+        <p:spPr/>
+      </p:sp>
+      <p:sp>
+        <p:nvSpPr>
+          <p:cNvPr id="3" name="Notes Placeholder 2"/>
+          <p:cNvSpPr>
+            <a:spLocks noGrp="1"/>
+          </p:cNvSpPr>
+          <p:nvPr>
+            <p:ph type="body" idx="1"/>
+          </p:nvPr>
+        </p:nvSpPr>
+        <p:spPr/>
+        <p:txBody>
+          <a:bodyPr/>
+          <a:lstStyle/>
+          <a:p>
+            <a:r>
+              <a:rPr lang="en-US" dirty="0" smtClean="0"/>
+              <a:t>Finite</a:t>
+            </a:r>
+            <a:r>
+              <a:rPr lang="en-US" baseline="0" dirty="0" smtClean="0"/>
+              <a:t> Element analysis is behind some of the most accurate and efficient numerical methods to date. Finite element analysis involves the conversion of the strong form PDE to the weak integral form. The domain is then discretized into elements from which an approximate numerical solution can be obtain through shape, or weight, function.  </a:t>
+            </a:r>
+            <a:r>
+              <a:rPr lang="en-US" dirty="0" smtClean="0"/>
+              <a:t>The finer</a:t>
+            </a:r>
+            <a:r>
+              <a:rPr lang="en-US" baseline="0" dirty="0" smtClean="0"/>
+              <a:t> the discretization, the closer the approximate solution gets to the actual solution. </a:t>
+            </a:r>
+            <a:endParaRPr lang="en-US" dirty="0"/>
+          </a:p>
+        </p:txBody>
+      </p:sp>
+      <p:sp>
+        <p:nvSpPr>
+          <p:cNvPr id="4" name="Slide Number Placeholder 3"/>
+          <p:cNvSpPr>
+            <a:spLocks noGrp="1"/>
+          </p:cNvSpPr>
+          <p:nvPr>
+            <p:ph type="sldNum" sz="quarter" idx="10"/>
+          </p:nvPr>
+        </p:nvSpPr>
+        <p:spPr/>
+        <p:txBody>
+          <a:bodyPr/>
+          <a:lstStyle/>
+          <a:p>
+            <a:fld id="{EE8B852E-2CC2-4BFF-A9F5-B5CF0680D6AA}" type="slidenum">
+              <a:rPr lang="en-US" smtClean="0"/>
+              <a:t>4</a:t>
+            </a:fld>
+            <a:endParaRPr lang="en-US"/>
+          </a:p>
+        </p:txBody>
+      </p:sp>
+    </p:spTree>
+    <p:extLst>
+      <p:ext uri="{BB962C8B-B14F-4D97-AF65-F5344CB8AC3E}">
+        <p14:creationId xmlns:p14="http://schemas.microsoft.com/office/powerpoint/2010/main" val="1584617013"/>
+      </p:ext>
+    </p:extLst>
+  </p:cSld>
+  <p:clrMapOvr>
+    <a:masterClrMapping/>
+  </p:clrMapOvr>
+</p:notes>
+</file>
+
+<file path=ppt/notesSlides/notesSlide4.xml><?xml version="1.0" encoding="utf-8"?>
+<p:notes xmlns:a="http://schemas.openxmlformats.org/drawingml/2006/main" xmlns:r="http://schemas.openxmlformats.org/officeDocument/2006/relationships" xmlns:p="http://schemas.openxmlformats.org/presentationml/2006/main">
+  <p:cSld>
+    <p:spTree>
+      <p:nvGrpSpPr>
+        <p:cNvPr id="1" name=""/>
+        <p:cNvGrpSpPr/>
+        <p:nvPr/>
+      </p:nvGrpSpPr>
+      <p:grpSpPr>
+        <a:xfrm>
+          <a:off x="0" y="0"/>
+          <a:ext cx="0" cy="0"/>
+          <a:chOff x="0" y="0"/>
+          <a:chExt cx="0" cy="0"/>
+        </a:xfrm>
+      </p:grpSpPr>
+      <p:sp>
+        <p:nvSpPr>
+          <p:cNvPr id="2" name="Slide Image Placeholder 1"/>
+          <p:cNvSpPr>
+            <a:spLocks noGrp="1" noRot="1" noChangeAspect="1"/>
+          </p:cNvSpPr>
+          <p:nvPr>
+            <p:ph type="sldImg"/>
+          </p:nvPr>
+        </p:nvSpPr>
+        <p:spPr/>
+      </p:sp>
+      <p:sp>
+        <p:nvSpPr>
+          <p:cNvPr id="3" name="Notes Placeholder 2"/>
+          <p:cNvSpPr>
+            <a:spLocks noGrp="1"/>
+          </p:cNvSpPr>
+          <p:nvPr>
+            <p:ph type="body" idx="1"/>
+          </p:nvPr>
+        </p:nvSpPr>
+        <p:spPr/>
+        <p:txBody>
+          <a:bodyPr/>
+          <a:lstStyle/>
+          <a:p>
+            <a:endParaRPr lang="en-US" dirty="0"/>
+          </a:p>
+        </p:txBody>
+      </p:sp>
+      <p:sp>
+        <p:nvSpPr>
+          <p:cNvPr id="4" name="Slide Number Placeholder 3"/>
+          <p:cNvSpPr>
+            <a:spLocks noGrp="1"/>
+          </p:cNvSpPr>
+          <p:nvPr>
+            <p:ph type="sldNum" sz="quarter" idx="10"/>
+          </p:nvPr>
+        </p:nvSpPr>
+        <p:spPr/>
+        <p:txBody>
+          <a:bodyPr/>
+          <a:lstStyle/>
+          <a:p>
+            <a:fld id="{EE8B852E-2CC2-4BFF-A9F5-B5CF0680D6AA}" type="slidenum">
+              <a:rPr lang="en-US" smtClean="0"/>
+              <a:t>8</a:t>
+            </a:fld>
+            <a:endParaRPr lang="en-US"/>
+          </a:p>
+        </p:txBody>
+      </p:sp>
+    </p:spTree>
+    <p:extLst>
+      <p:ext uri="{BB962C8B-B14F-4D97-AF65-F5344CB8AC3E}">
+        <p14:creationId xmlns:p14="http://schemas.microsoft.com/office/powerpoint/2010/main" val="3352228282"/>
+      </p:ext>
+    </p:extLst>
+  </p:cSld>
+  <p:clrMapOvr>
+    <a:masterClrMapping/>
+  </p:clrMapOvr>
+</p:notes>
+</file>
+
+<file path=ppt/notesSlides/notesSlide5.xml><?xml version="1.0" encoding="utf-8"?>
+<p:notes xmlns:a="http://schemas.openxmlformats.org/drawingml/2006/main" xmlns:r="http://schemas.openxmlformats.org/officeDocument/2006/relationships" xmlns:p="http://schemas.openxmlformats.org/presentationml/2006/main">
+  <p:cSld>
+    <p:spTree>
+      <p:nvGrpSpPr>
+        <p:cNvPr id="1" name=""/>
+        <p:cNvGrpSpPr/>
+        <p:nvPr/>
+      </p:nvGrpSpPr>
+      <p:grpSpPr>
+        <a:xfrm>
+          <a:off x="0" y="0"/>
+          <a:ext cx="0" cy="0"/>
+          <a:chOff x="0" y="0"/>
+          <a:chExt cx="0" cy="0"/>
+        </a:xfrm>
+      </p:grpSpPr>
+      <p:sp>
+        <p:nvSpPr>
+          <p:cNvPr id="2" name="Slide Image Placeholder 1"/>
+          <p:cNvSpPr>
+            <a:spLocks noGrp="1" noRot="1" noChangeAspect="1"/>
+          </p:cNvSpPr>
+          <p:nvPr>
+            <p:ph type="sldImg"/>
+          </p:nvPr>
+        </p:nvSpPr>
+        <p:spPr/>
+      </p:sp>
+      <p:sp>
+        <p:nvSpPr>
+          <p:cNvPr id="3" name="Notes Placeholder 2"/>
+          <p:cNvSpPr>
+            <a:spLocks noGrp="1"/>
+          </p:cNvSpPr>
+          <p:nvPr>
+            <p:ph type="body" idx="1"/>
+          </p:nvPr>
+        </p:nvSpPr>
+        <p:spPr/>
+        <p:txBody>
+          <a:bodyPr/>
+          <a:lstStyle/>
+          <a:p>
+            <a:endParaRPr lang="en-US" dirty="0"/>
+          </a:p>
+        </p:txBody>
+      </p:sp>
+      <p:sp>
+        <p:nvSpPr>
+          <p:cNvPr id="4" name="Slide Number Placeholder 3"/>
+          <p:cNvSpPr>
+            <a:spLocks noGrp="1"/>
+          </p:cNvSpPr>
+          <p:nvPr>
+            <p:ph type="sldNum" sz="quarter" idx="10"/>
+          </p:nvPr>
+        </p:nvSpPr>
+        <p:spPr/>
+        <p:txBody>
+          <a:bodyPr/>
+          <a:lstStyle/>
+          <a:p>
+            <a:fld id="{EE8B852E-2CC2-4BFF-A9F5-B5CF0680D6AA}" type="slidenum">
+              <a:rPr lang="en-US" smtClean="0"/>
+              <a:t>11</a:t>
+            </a:fld>
+            <a:endParaRPr lang="en-US"/>
+          </a:p>
+        </p:txBody>
+      </p:sp>
+    </p:spTree>
+    <p:extLst>
+      <p:ext uri="{BB962C8B-B14F-4D97-AF65-F5344CB8AC3E}">
+        <p14:creationId xmlns:p14="http://schemas.microsoft.com/office/powerpoint/2010/main" val="947248081"/>
+      </p:ext>
+    </p:extLst>
+  </p:cSld>
+  <p:clrMapOvr>
+    <a:masterClrMapping/>
+  </p:clrMapOvr>
+</p:notes>
+</file>
+
+<file path=ppt/notesSlides/notesSlide6.xml><?xml version="1.0" encoding="utf-8"?>
+<p:notes xmlns:a="http://schemas.openxmlformats.org/drawingml/2006/main" xmlns:r="http://schemas.openxmlformats.org/officeDocument/2006/relationships" xmlns:p="http://schemas.openxmlformats.org/presentationml/2006/main">
+  <p:cSld>
+    <p:spTree>
+      <p:nvGrpSpPr>
+        <p:cNvPr id="1" name=""/>
+        <p:cNvGrpSpPr/>
+        <p:nvPr/>
+      </p:nvGrpSpPr>
+      <p:grpSpPr>
+        <a:xfrm>
+          <a:off x="0" y="0"/>
+          <a:ext cx="0" cy="0"/>
+          <a:chOff x="0" y="0"/>
+          <a:chExt cx="0" cy="0"/>
+        </a:xfrm>
+      </p:grpSpPr>
+      <p:sp>
+        <p:nvSpPr>
+          <p:cNvPr id="2" name="Slide Image Placeholder 1"/>
+          <p:cNvSpPr>
+            <a:spLocks noGrp="1" noRot="1" noChangeAspect="1"/>
+          </p:cNvSpPr>
+          <p:nvPr>
+            <p:ph type="sldImg"/>
+          </p:nvPr>
+        </p:nvSpPr>
+        <p:spPr/>
+      </p:sp>
+      <p:sp>
+        <p:nvSpPr>
+          <p:cNvPr id="3" name="Notes Placeholder 2"/>
+          <p:cNvSpPr>
+            <a:spLocks noGrp="1"/>
+          </p:cNvSpPr>
+          <p:nvPr>
+            <p:ph type="body" idx="1"/>
+          </p:nvPr>
+        </p:nvSpPr>
+        <p:spPr/>
+        <p:txBody>
+          <a:bodyPr/>
+          <a:lstStyle/>
+          <a:p>
+            <a:endParaRPr lang="en-US" dirty="0"/>
+          </a:p>
+        </p:txBody>
+      </p:sp>
+      <p:sp>
+        <p:nvSpPr>
+          <p:cNvPr id="4" name="Slide Number Placeholder 3"/>
+          <p:cNvSpPr>
+            <a:spLocks noGrp="1"/>
+          </p:cNvSpPr>
+          <p:nvPr>
+            <p:ph type="sldNum" sz="quarter" idx="10"/>
+          </p:nvPr>
+        </p:nvSpPr>
+        <p:spPr/>
+        <p:txBody>
+          <a:bodyPr/>
+          <a:lstStyle/>
+          <a:p>
+            <a:fld id="{EE8B852E-2CC2-4BFF-A9F5-B5CF0680D6AA}" type="slidenum">
+              <a:rPr lang="en-US" smtClean="0"/>
+              <a:t>13</a:t>
+            </a:fld>
+            <a:endParaRPr lang="en-US"/>
+          </a:p>
+        </p:txBody>
+      </p:sp>
+    </p:spTree>
+    <p:extLst>
+      <p:ext uri="{BB962C8B-B14F-4D97-AF65-F5344CB8AC3E}">
+        <p14:creationId xmlns:p14="http://schemas.microsoft.com/office/powerpoint/2010/main" val="533115391"/>
+      </p:ext>
+    </p:extLst>
+  </p:cSld>
+  <p:clrMapOvr>
+    <a:masterClrMapping/>
+  </p:clrMapOvr>
+</p:notes>
+</file>
+
+<file path=ppt/notesSlides/notesSlide7.xml><?xml version="1.0" encoding="utf-8"?>
+<p:notes xmlns:a="http://schemas.openxmlformats.org/drawingml/2006/main" xmlns:r="http://schemas.openxmlformats.org/officeDocument/2006/relationships" xmlns:p="http://schemas.openxmlformats.org/presentationml/2006/main">
+  <p:cSld>
+    <p:spTree>
+      <p:nvGrpSpPr>
+        <p:cNvPr id="1" name=""/>
+        <p:cNvGrpSpPr/>
+        <p:nvPr/>
+      </p:nvGrpSpPr>
+      <p:grpSpPr>
+        <a:xfrm>
+          <a:off x="0" y="0"/>
+          <a:ext cx="0" cy="0"/>
+          <a:chOff x="0" y="0"/>
+          <a:chExt cx="0" cy="0"/>
+        </a:xfrm>
+      </p:grpSpPr>
+      <p:sp>
+        <p:nvSpPr>
+          <p:cNvPr id="2" name="Slide Image Placeholder 1"/>
+          <p:cNvSpPr>
+            <a:spLocks noGrp="1" noRot="1" noChangeAspect="1"/>
+          </p:cNvSpPr>
+          <p:nvPr>
+            <p:ph type="sldImg"/>
+          </p:nvPr>
+        </p:nvSpPr>
+        <p:spPr/>
+      </p:sp>
+      <p:sp>
+        <p:nvSpPr>
+          <p:cNvPr id="3" name="Notes Placeholder 2"/>
+          <p:cNvSpPr>
+            <a:spLocks noGrp="1"/>
+          </p:cNvSpPr>
+          <p:nvPr>
+            <p:ph type="body" idx="1"/>
+          </p:nvPr>
+        </p:nvSpPr>
+        <p:spPr/>
+        <p:txBody>
+          <a:bodyPr/>
+          <a:lstStyle/>
+          <a:p>
+            <a:r>
+              <a:rPr lang="en-US" dirty="0" smtClean="0"/>
+              <a:t>As we</a:t>
+            </a:r>
+            <a:r>
+              <a:rPr lang="en-US" baseline="0" dirty="0" smtClean="0"/>
+              <a:t> mentioned earlier, coding from scratch can be quite difficult. We chose to modify an existing mesh-generating code from </a:t>
+            </a:r>
+            <a:r>
+              <a:rPr lang="en-US" baseline="0" dirty="0" err="1" smtClean="0"/>
+              <a:t>Matlab</a:t>
+            </a:r>
+            <a:r>
+              <a:rPr lang="en-US" baseline="0" dirty="0" smtClean="0"/>
+              <a:t> and convert it to C. </a:t>
+            </a:r>
+            <a:endParaRPr lang="en-US" dirty="0"/>
+          </a:p>
+        </p:txBody>
+      </p:sp>
+      <p:sp>
+        <p:nvSpPr>
+          <p:cNvPr id="4" name="Slide Number Placeholder 3"/>
+          <p:cNvSpPr>
+            <a:spLocks noGrp="1"/>
+          </p:cNvSpPr>
+          <p:nvPr>
+            <p:ph type="sldNum" sz="quarter" idx="10"/>
+          </p:nvPr>
+        </p:nvSpPr>
+        <p:spPr/>
+        <p:txBody>
+          <a:bodyPr/>
+          <a:lstStyle/>
+          <a:p>
+            <a:fld id="{EE8B852E-2CC2-4BFF-A9F5-B5CF0680D6AA}" type="slidenum">
+              <a:rPr lang="en-US" smtClean="0"/>
+              <a:t>14</a:t>
+            </a:fld>
+            <a:endParaRPr lang="en-US"/>
+          </a:p>
+        </p:txBody>
+      </p:sp>
+    </p:spTree>
+    <p:extLst>
+      <p:ext uri="{BB962C8B-B14F-4D97-AF65-F5344CB8AC3E}">
+        <p14:creationId xmlns:p14="http://schemas.microsoft.com/office/powerpoint/2010/main" val="1425893680"/>
+      </p:ext>
+    </p:extLst>
+  </p:cSld>
+  <p:clrMapOvr>
+    <a:masterClrMapping/>
+  </p:clrMapOvr>
+</p:notes>
+</file>
+
 <file path=ppt/slideLayouts/slideLayout1.xml><?xml version="1.0" encoding="utf-8"?>
 <p:sldLayout xmlns:a="http://schemas.openxmlformats.org/drawingml/2006/main" xmlns:r="http://schemas.openxmlformats.org/officeDocument/2006/relationships" xmlns:p="http://schemas.openxmlformats.org/presentationml/2006/main" showMasterSp="0" type="title" preserve="1">
   <p:cSld name="Title Slide">
@@ -309,7 +1314,7 @@
             <a:fld id="{96DFF08F-DC6B-4601-B491-B0F83F6DD2DA}" type="datetimeFigureOut">
               <a:rPr lang="en-US" smtClean="0"/>
               <a:pPr/>
-              <a:t>11/30/16</a:t>
+              <a:t>12/4/2016</a:t>
             </a:fld>
             <a:endParaRPr lang="en-US" dirty="0"/>
           </a:p>
@@ -514,7 +1519,7 @@
           <a:p>
             <a:fld id="{96DFF08F-DC6B-4601-B491-B0F83F6DD2DA}" type="datetimeFigureOut">
               <a:rPr lang="en-US" smtClean="0"/>
-              <a:t>11/30/16</a:t>
+              <a:t>12/4/2016</a:t>
             </a:fld>
             <a:endParaRPr lang="en-US" dirty="0"/>
           </a:p>
@@ -694,7 +1699,7 @@
           <a:p>
             <a:fld id="{96DFF08F-DC6B-4601-B491-B0F83F6DD2DA}" type="datetimeFigureOut">
               <a:rPr lang="en-US" smtClean="0"/>
-              <a:t>11/30/16</a:t>
+              <a:t>12/4/2016</a:t>
             </a:fld>
             <a:endParaRPr lang="en-US" dirty="0"/>
           </a:p>
@@ -899,7 +1904,7 @@
           <a:p>
             <a:fld id="{96DFF08F-DC6B-4601-B491-B0F83F6DD2DA}" type="datetimeFigureOut">
               <a:rPr lang="en-US" smtClean="0"/>
-              <a:t>11/30/16</a:t>
+              <a:t>12/4/2016</a:t>
             </a:fld>
             <a:endParaRPr lang="en-US" dirty="0"/>
           </a:p>
@@ -1194,7 +2199,7 @@
           <a:p>
             <a:fld id="{96DFF08F-DC6B-4601-B491-B0F83F6DD2DA}" type="datetimeFigureOut">
               <a:rPr lang="en-US" smtClean="0"/>
-              <a:t>11/30/16</a:t>
+              <a:t>12/4/2016</a:t>
             </a:fld>
             <a:endParaRPr lang="en-US" dirty="0"/>
           </a:p>
@@ -1466,7 +2471,7 @@
           <a:p>
             <a:fld id="{96DFF08F-DC6B-4601-B491-B0F83F6DD2DA}" type="datetimeFigureOut">
               <a:rPr lang="en-US" smtClean="0"/>
-              <a:t>11/30/16</a:t>
+              <a:t>12/4/2016</a:t>
             </a:fld>
             <a:endParaRPr lang="en-US" dirty="0"/>
           </a:p>
@@ -1873,7 +2878,7 @@
           <a:p>
             <a:fld id="{96DFF08F-DC6B-4601-B491-B0F83F6DD2DA}" type="datetimeFigureOut">
               <a:rPr lang="en-US" smtClean="0"/>
-              <a:t>11/30/16</a:t>
+              <a:t>12/4/2016</a:t>
             </a:fld>
             <a:endParaRPr lang="en-US" dirty="0"/>
           </a:p>
@@ -1991,7 +2996,7 @@
           <a:p>
             <a:fld id="{96DFF08F-DC6B-4601-B491-B0F83F6DD2DA}" type="datetimeFigureOut">
               <a:rPr lang="en-US" smtClean="0"/>
-              <a:t>11/30/16</a:t>
+              <a:t>12/4/2016</a:t>
             </a:fld>
             <a:endParaRPr lang="en-US" dirty="0"/>
           </a:p>
@@ -2086,7 +3091,7 @@
           <a:p>
             <a:fld id="{96DFF08F-DC6B-4601-B491-B0F83F6DD2DA}" type="datetimeFigureOut">
               <a:rPr lang="en-US" smtClean="0"/>
-              <a:t>11/30/16</a:t>
+              <a:t>12/4/2016</a:t>
             </a:fld>
             <a:endParaRPr lang="en-US" dirty="0"/>
           </a:p>
@@ -2376,7 +3381,7 @@
           <a:p>
             <a:fld id="{96DFF08F-DC6B-4601-B491-B0F83F6DD2DA}" type="datetimeFigureOut">
               <a:rPr lang="en-US" smtClean="0"/>
-              <a:t>11/30/16</a:t>
+              <a:t>12/4/2016</a:t>
             </a:fld>
             <a:endParaRPr lang="en-US" dirty="0"/>
           </a:p>
@@ -2656,7 +3661,7 @@
           <a:p>
             <a:fld id="{C7616CA0-919D-4A49-9C8A-62FDFB3A5183}" type="datetimeFigureOut">
               <a:rPr lang="en-US" smtClean="0"/>
-              <a:t>11/30/16</a:t>
+              <a:t>12/4/2016</a:t>
             </a:fld>
             <a:endParaRPr lang="en-US" dirty="0"/>
           </a:p>
@@ -2907,7 +3912,7 @@
             <a:fld id="{96DFF08F-DC6B-4601-B491-B0F83F6DD2DA}" type="datetimeFigureOut">
               <a:rPr lang="en-US" smtClean="0"/>
               <a:pPr/>
-              <a:t>11/30/16</a:t>
+              <a:t>12/4/2016</a:t>
             </a:fld>
             <a:endParaRPr lang="en-US" dirty="0"/>
           </a:p>
@@ -3429,11 +4434,7 @@
           <a:p>
             <a:r>
               <a:rPr lang="en-US" dirty="0" smtClean="0"/>
-              <a:t>Phase-field </a:t>
-            </a:r>
-            <a:r>
-              <a:rPr lang="en-US" dirty="0" smtClean="0"/>
-              <a:t>modeling with </a:t>
+              <a:t>Phase-field modeling with </a:t>
             </a:r>
             <a:br>
               <a:rPr lang="en-US" dirty="0" smtClean="0"/>
@@ -3536,7 +4537,7 @@
 </p:sld>
 </file>
 
-<file path=ppt/slides/slide2.xml><?xml version="1.0" encoding="utf-8"?>
+<file path=ppt/slides/slide10.xml><?xml version="1.0" encoding="utf-8"?>
 <p:sld xmlns:a="http://schemas.openxmlformats.org/drawingml/2006/main" xmlns:r="http://schemas.openxmlformats.org/officeDocument/2006/relationships" xmlns:p="http://schemas.openxmlformats.org/presentationml/2006/main">
   <p:cSld>
     <p:spTree>
@@ -3568,15 +4569,7 @@
           <a:bodyPr/>
           <a:lstStyle/>
           <a:p>
-            <a:r>
-              <a:rPr lang="en-US" dirty="0" smtClean="0"/>
-              <a:t>PHASE-FIELD </a:t>
-            </a:r>
-            <a:r>
-              <a:rPr lang="en-US" dirty="0" smtClean="0"/>
-              <a:t>MODELING</a:t>
-            </a:r>
-            <a:endParaRPr lang="en-US" dirty="0"/>
+            <a:endParaRPr lang="en-US"/>
           </a:p>
         </p:txBody>
       </p:sp>
@@ -3595,69 +4588,24 @@
           <a:bodyPr/>
           <a:lstStyle/>
           <a:p>
-            <a:pPr>
-              <a:buFont typeface="Wingdings" charset="2"/>
-              <a:buChar char="v"/>
-            </a:pPr>
-            <a:r>
-              <a:rPr lang="en-US" sz="4400" dirty="0" smtClean="0"/>
-              <a:t> Solidification </a:t>
-            </a:r>
-          </a:p>
-          <a:p>
-            <a:pPr>
-              <a:buFont typeface="Wingdings" charset="2"/>
-              <a:buChar char="v"/>
-            </a:pPr>
-            <a:r>
-              <a:rPr lang="en-US" sz="4400" dirty="0" smtClean="0"/>
-              <a:t> Grain growth</a:t>
-            </a:r>
-          </a:p>
-          <a:p>
-            <a:pPr>
-              <a:buFont typeface="Wingdings" charset="2"/>
-              <a:buChar char="v"/>
-            </a:pPr>
-            <a:r>
-              <a:rPr lang="en-US" sz="4400" dirty="0"/>
-              <a:t> </a:t>
-            </a:r>
-            <a:r>
-              <a:rPr lang="en-US" sz="4400" dirty="0" smtClean="0"/>
-              <a:t>Solid-state phase transformations</a:t>
-            </a:r>
-          </a:p>
-          <a:p>
-            <a:pPr>
-              <a:buFont typeface="Wingdings" charset="2"/>
-              <a:buChar char="v"/>
-            </a:pPr>
-            <a:endParaRPr lang="en-US" dirty="0"/>
+            <a:endParaRPr lang="en-US"/>
           </a:p>
         </p:txBody>
       </p:sp>
     </p:spTree>
     <p:extLst>
       <p:ext uri="{BB962C8B-B14F-4D97-AF65-F5344CB8AC3E}">
-        <p14:creationId xmlns:p14="http://schemas.microsoft.com/office/powerpoint/2010/main" val="243621805"/>
+        <p14:creationId xmlns:p14="http://schemas.microsoft.com/office/powerpoint/2010/main" val="770229972"/>
       </p:ext>
     </p:extLst>
   </p:cSld>
   <p:clrMapOvr>
     <a:masterClrMapping/>
   </p:clrMapOvr>
-  <p:timing>
-    <p:tnLst>
-      <p:par>
-        <p:cTn id="1" dur="indefinite" restart="never" nodeType="tmRoot"/>
-      </p:par>
-    </p:tnLst>
-  </p:timing>
 </p:sld>
 </file>
 
-<file path=ppt/slides/slide3.xml><?xml version="1.0" encoding="utf-8"?>
+<file path=ppt/slides/slide11.xml><?xml version="1.0" encoding="utf-8"?>
 <p:sld xmlns:a="http://schemas.openxmlformats.org/drawingml/2006/main" xmlns:r="http://schemas.openxmlformats.org/officeDocument/2006/relationships" xmlns:p="http://schemas.openxmlformats.org/presentationml/2006/main">
   <p:cSld>
     <p:spTree>
@@ -3690,321 +4638,6 @@
           <a:lstStyle/>
           <a:p>
             <a:r>
-              <a:rPr lang="en-US" dirty="0" smtClean="0"/>
-              <a:t>FINITE ELEMENT ANALYSIS</a:t>
-            </a:r>
-            <a:endParaRPr lang="en-US" dirty="0"/>
-          </a:p>
-        </p:txBody>
-      </p:sp>
-      <p:sp>
-        <p:nvSpPr>
-          <p:cNvPr id="3" name="Content Placeholder 2"/>
-          <p:cNvSpPr>
-            <a:spLocks noGrp="1"/>
-          </p:cNvSpPr>
-          <p:nvPr>
-            <p:ph idx="1"/>
-          </p:nvPr>
-        </p:nvSpPr>
-        <p:spPr/>
-        <p:txBody>
-          <a:bodyPr>
-            <a:normAutofit/>
-          </a:bodyPr>
-          <a:lstStyle/>
-          <a:p>
-            <a:pPr marL="457200" indent="-457200">
-              <a:buFont typeface="+mj-lt"/>
-              <a:buAutoNum type="arabicPeriod"/>
-            </a:pPr>
-            <a:r>
-              <a:rPr lang="en-US" sz="4400" dirty="0" smtClean="0"/>
-              <a:t> Convert </a:t>
-            </a:r>
-            <a:r>
-              <a:rPr lang="en-US" sz="4400" dirty="0" smtClean="0"/>
-              <a:t>strong form PDE </a:t>
-            </a:r>
-            <a:r>
-              <a:rPr lang="en-US" sz="4400" dirty="0" smtClean="0"/>
-              <a:t>to weak integral form</a:t>
-            </a:r>
-          </a:p>
-          <a:p>
-            <a:pPr marL="457200" indent="-457200">
-              <a:buFont typeface="+mj-lt"/>
-              <a:buAutoNum type="arabicPeriod"/>
-            </a:pPr>
-            <a:r>
-              <a:rPr lang="en-US" sz="4400" dirty="0" smtClean="0"/>
-              <a:t> Discretize domain into elements</a:t>
-            </a:r>
-            <a:r>
-              <a:rPr lang="en-US" sz="4400" dirty="0"/>
-              <a:t> </a:t>
-            </a:r>
-            <a:r>
-              <a:rPr lang="en-US" sz="4400" dirty="0" smtClean="0">
-                <a:sym typeface="Wingdings" panose="05000000000000000000" pitchFamily="2" charset="2"/>
-              </a:rPr>
-              <a:t> numerical solution via shape, or weight, functions</a:t>
-            </a:r>
-            <a:endParaRPr lang="en-US" sz="4400" dirty="0" smtClean="0"/>
-          </a:p>
-        </p:txBody>
-      </p:sp>
-    </p:spTree>
-    <p:extLst>
-      <p:ext uri="{BB962C8B-B14F-4D97-AF65-F5344CB8AC3E}">
-        <p14:creationId xmlns:p14="http://schemas.microsoft.com/office/powerpoint/2010/main" val="3478068920"/>
-      </p:ext>
-    </p:extLst>
-  </p:cSld>
-  <p:clrMapOvr>
-    <a:masterClrMapping/>
-  </p:clrMapOvr>
-  <p:timing>
-    <p:tnLst>
-      <p:par>
-        <p:cTn id="1" dur="indefinite" restart="never" nodeType="tmRoot"/>
-      </p:par>
-    </p:tnLst>
-  </p:timing>
-</p:sld>
-</file>
-
-<file path=ppt/slides/slide4.xml><?xml version="1.0" encoding="utf-8"?>
-<p:sld xmlns:a="http://schemas.openxmlformats.org/drawingml/2006/main" xmlns:r="http://schemas.openxmlformats.org/officeDocument/2006/relationships" xmlns:p="http://schemas.openxmlformats.org/presentationml/2006/main">
-  <p:cSld>
-    <p:spTree>
-      <p:nvGrpSpPr>
-        <p:cNvPr id="1" name=""/>
-        <p:cNvGrpSpPr/>
-        <p:nvPr/>
-      </p:nvGrpSpPr>
-      <p:grpSpPr>
-        <a:xfrm>
-          <a:off x="0" y="0"/>
-          <a:ext cx="0" cy="0"/>
-          <a:chOff x="0" y="0"/>
-          <a:chExt cx="0" cy="0"/>
-        </a:xfrm>
-      </p:grpSpPr>
-      <p:sp>
-        <p:nvSpPr>
-          <p:cNvPr id="2" name="Title 1"/>
-          <p:cNvSpPr>
-            <a:spLocks noGrp="1"/>
-          </p:cNvSpPr>
-          <p:nvPr>
-            <p:ph type="title"/>
-          </p:nvPr>
-        </p:nvSpPr>
-        <p:spPr/>
-        <p:txBody>
-          <a:bodyPr/>
-          <a:lstStyle/>
-          <a:p>
-            <a:r>
-              <a:rPr lang="en-US" dirty="0" smtClean="0"/>
-              <a:t>Finite element analysis</a:t>
-            </a:r>
-            <a:endParaRPr lang="en-US" dirty="0"/>
-          </a:p>
-        </p:txBody>
-      </p:sp>
-      <p:sp>
-        <p:nvSpPr>
-          <p:cNvPr id="3" name="Text Placeholder 2"/>
-          <p:cNvSpPr>
-            <a:spLocks noGrp="1"/>
-          </p:cNvSpPr>
-          <p:nvPr>
-            <p:ph type="body" idx="1"/>
-          </p:nvPr>
-        </p:nvSpPr>
-        <p:spPr/>
-        <p:txBody>
-          <a:bodyPr>
-            <a:normAutofit/>
-          </a:bodyPr>
-          <a:lstStyle/>
-          <a:p>
-            <a:r>
-              <a:rPr lang="en-US" sz="4000" dirty="0" smtClean="0"/>
-              <a:t>Pros: </a:t>
-            </a:r>
-            <a:endParaRPr lang="en-US" sz="4000" dirty="0"/>
-          </a:p>
-        </p:txBody>
-      </p:sp>
-      <p:sp>
-        <p:nvSpPr>
-          <p:cNvPr id="4" name="Content Placeholder 3"/>
-          <p:cNvSpPr>
-            <a:spLocks noGrp="1"/>
-          </p:cNvSpPr>
-          <p:nvPr>
-            <p:ph sz="half" idx="2"/>
-          </p:nvPr>
-        </p:nvSpPr>
-        <p:spPr/>
-        <p:txBody>
-          <a:bodyPr>
-            <a:normAutofit/>
-          </a:bodyPr>
-          <a:lstStyle/>
-          <a:p>
-            <a:pPr>
-              <a:buFont typeface="Arial" panose="020B0604020202020204" pitchFamily="34" charset="0"/>
-              <a:buChar char="•"/>
-            </a:pPr>
-            <a:r>
-              <a:rPr lang="en-US" sz="2800" dirty="0" smtClean="0"/>
-              <a:t> Can implement complex geometries</a:t>
-            </a:r>
-          </a:p>
-          <a:p>
-            <a:pPr>
-              <a:buFont typeface="Arial" panose="020B0604020202020204" pitchFamily="34" charset="0"/>
-              <a:buChar char="•"/>
-            </a:pPr>
-            <a:r>
-              <a:rPr lang="en-US" sz="2800" dirty="0" smtClean="0"/>
-              <a:t> Regional mesh refinement easy</a:t>
-            </a:r>
-          </a:p>
-          <a:p>
-            <a:pPr>
-              <a:buFont typeface="Arial" panose="020B0604020202020204" pitchFamily="34" charset="0"/>
-              <a:buChar char="•"/>
-            </a:pPr>
-            <a:r>
-              <a:rPr lang="en-US" sz="2800" dirty="0" smtClean="0"/>
-              <a:t> Existing code can be tweaked to solve different equations</a:t>
-            </a:r>
-            <a:endParaRPr lang="en-US" sz="2800" dirty="0"/>
-          </a:p>
-        </p:txBody>
-      </p:sp>
-      <p:sp>
-        <p:nvSpPr>
-          <p:cNvPr id="5" name="Text Placeholder 4"/>
-          <p:cNvSpPr>
-            <a:spLocks noGrp="1"/>
-          </p:cNvSpPr>
-          <p:nvPr>
-            <p:ph type="body" sz="quarter" idx="3"/>
-          </p:nvPr>
-        </p:nvSpPr>
-        <p:spPr/>
-        <p:txBody>
-          <a:bodyPr>
-            <a:normAutofit/>
-          </a:bodyPr>
-          <a:lstStyle/>
-          <a:p>
-            <a:r>
-              <a:rPr lang="en-US" sz="4000" dirty="0" smtClean="0"/>
-              <a:t>Cons:</a:t>
-            </a:r>
-            <a:endParaRPr lang="en-US" sz="4000" dirty="0"/>
-          </a:p>
-        </p:txBody>
-      </p:sp>
-      <p:sp>
-        <p:nvSpPr>
-          <p:cNvPr id="6" name="Content Placeholder 5"/>
-          <p:cNvSpPr>
-            <a:spLocks noGrp="1"/>
-          </p:cNvSpPr>
-          <p:nvPr>
-            <p:ph sz="quarter" idx="4"/>
-          </p:nvPr>
-        </p:nvSpPr>
-        <p:spPr/>
-        <p:txBody>
-          <a:bodyPr>
-            <a:normAutofit/>
-          </a:bodyPr>
-          <a:lstStyle/>
-          <a:p>
-            <a:pPr>
-              <a:buFont typeface="Arial" panose="020B0604020202020204" pitchFamily="34" charset="0"/>
-              <a:buChar char="•"/>
-            </a:pPr>
-            <a:r>
-              <a:rPr lang="en-US" sz="2800" dirty="0" smtClean="0"/>
-              <a:t> Writing code from scratch is… not easy</a:t>
-            </a:r>
-          </a:p>
-          <a:p>
-            <a:pPr>
-              <a:buFont typeface="Arial" panose="020B0604020202020204" pitchFamily="34" charset="0"/>
-              <a:buChar char="•"/>
-            </a:pPr>
-            <a:r>
-              <a:rPr lang="en-US" sz="2800" dirty="0" smtClean="0"/>
-              <a:t> Conceptually more difficult than finite difference methods</a:t>
-            </a:r>
-            <a:endParaRPr lang="en-US" sz="2800" dirty="0"/>
-          </a:p>
-        </p:txBody>
-      </p:sp>
-    </p:spTree>
-    <p:extLst>
-      <p:ext uri="{BB962C8B-B14F-4D97-AF65-F5344CB8AC3E}">
-        <p14:creationId xmlns:p14="http://schemas.microsoft.com/office/powerpoint/2010/main" val="2033514325"/>
-      </p:ext>
-    </p:extLst>
-  </p:cSld>
-  <p:clrMapOvr>
-    <a:masterClrMapping/>
-  </p:clrMapOvr>
-  <p:timing>
-    <p:tnLst>
-      <p:par>
-        <p:cTn id="1" dur="indefinite" restart="never" nodeType="tmRoot"/>
-      </p:par>
-    </p:tnLst>
-  </p:timing>
-</p:sld>
-</file>
-
-<file path=ppt/slides/slide5.xml><?xml version="1.0" encoding="utf-8"?>
-<p:sld xmlns:a="http://schemas.openxmlformats.org/drawingml/2006/main" xmlns:r="http://schemas.openxmlformats.org/officeDocument/2006/relationships" xmlns:p="http://schemas.openxmlformats.org/presentationml/2006/main">
-  <p:cSld>
-    <p:spTree>
-      <p:nvGrpSpPr>
-        <p:cNvPr id="1" name=""/>
-        <p:cNvGrpSpPr/>
-        <p:nvPr/>
-      </p:nvGrpSpPr>
-      <p:grpSpPr>
-        <a:xfrm>
-          <a:off x="0" y="0"/>
-          <a:ext cx="0" cy="0"/>
-          <a:chOff x="0" y="0"/>
-          <a:chExt cx="0" cy="0"/>
-        </a:xfrm>
-      </p:grpSpPr>
-      <p:sp>
-        <p:nvSpPr>
-          <p:cNvPr id="2" name="Title 1"/>
-          <p:cNvSpPr>
-            <a:spLocks noGrp="1"/>
-          </p:cNvSpPr>
-          <p:nvPr>
-            <p:ph type="title"/>
-          </p:nvPr>
-        </p:nvSpPr>
-        <p:spPr/>
-        <p:txBody>
-          <a:bodyPr/>
-          <a:lstStyle/>
-          <a:p>
-            <a:r>
               <a:rPr lang="en-US" dirty="0" err="1" smtClean="0"/>
               <a:t>Galerkin</a:t>
             </a:r>
@@ -4039,15 +4672,7 @@
             </a:pPr>
             <a:r>
               <a:rPr lang="en-US" sz="4400" dirty="0" smtClean="0"/>
-              <a:t> </a:t>
-            </a:r>
-            <a:r>
-              <a:rPr lang="en-US" sz="4400" dirty="0" smtClean="0"/>
-              <a:t>Weighted </a:t>
-            </a:r>
-            <a:r>
-              <a:rPr lang="en-US" sz="4400" dirty="0" smtClean="0"/>
-              <a:t>residual approach</a:t>
+              <a:t> Weighted residual approach</a:t>
             </a:r>
           </a:p>
           <a:p>
@@ -4057,19 +4682,25 @@
             </a:pPr>
             <a:r>
               <a:rPr lang="en-US" sz="4400" dirty="0"/>
-              <a:t> </a:t>
-            </a:r>
-            <a:r>
-              <a:rPr lang="en-US" sz="4400" dirty="0"/>
-              <a:t>A</a:t>
+              <a:t> A</a:t>
             </a:r>
             <a:r>
               <a:rPr lang="en-US" sz="4400" dirty="0" smtClean="0"/>
-              <a:t>ssumes </a:t>
+              <a:t>ssumes same shape functions are used for the solution and the </a:t>
             </a:r>
             <a:r>
               <a:rPr lang="en-US" sz="4400" dirty="0" smtClean="0"/>
-              <a:t>same shape functions are used for the solution and the weights</a:t>
+              <a:t>weights</a:t>
+            </a:r>
+          </a:p>
+          <a:p>
+            <a:pPr>
+              <a:buFont typeface="Wingdings" charset="2"/>
+              <a:buChar char="v"/>
+            </a:pPr>
+            <a:r>
+              <a:rPr lang="en-US" sz="4400" dirty="0" smtClean="0"/>
+              <a:t> Forms weak integral form expressed as a linear combination of basis functions</a:t>
             </a:r>
             <a:endParaRPr lang="en-US" sz="4400" dirty="0"/>
           </a:p>
@@ -4095,7 +4726,7 @@
 </p:sld>
 </file>
 
-<file path=ppt/slides/slide6.xml><?xml version="1.0" encoding="utf-8"?>
+<file path=ppt/slides/slide12.xml><?xml version="1.0" encoding="utf-8"?>
 <p:sld xmlns:a="http://schemas.openxmlformats.org/drawingml/2006/main" xmlns:r="http://schemas.openxmlformats.org/officeDocument/2006/relationships" xmlns:p="http://schemas.openxmlformats.org/presentationml/2006/main">
   <p:cSld>
     <p:spTree>
@@ -4129,14 +4760,96 @@
           <a:p>
             <a:r>
               <a:rPr lang="en-US" dirty="0" smtClean="0"/>
+              <a:t>Discretizing the domain </a:t>
+            </a:r>
+            <a:endParaRPr lang="en-US" dirty="0"/>
+          </a:p>
+        </p:txBody>
+      </p:sp>
+      <p:sp>
+        <p:nvSpPr>
+          <p:cNvPr id="3" name="Content Placeholder 2"/>
+          <p:cNvSpPr>
+            <a:spLocks noGrp="1"/>
+          </p:cNvSpPr>
+          <p:nvPr>
+            <p:ph idx="1"/>
+          </p:nvPr>
+        </p:nvSpPr>
+        <p:spPr/>
+        <p:txBody>
+          <a:bodyPr>
+            <a:normAutofit/>
+          </a:bodyPr>
+          <a:lstStyle/>
+          <a:p>
+            <a:pPr>
+              <a:buFont typeface="Wingdings" panose="05000000000000000000" pitchFamily="2" charset="2"/>
+              <a:buChar char="v"/>
+            </a:pPr>
+            <a:r>
+              <a:rPr lang="en-US" sz="4400" dirty="0" smtClean="0"/>
+              <a:t> Rectangular </a:t>
+            </a:r>
+            <a:endParaRPr lang="en-US" sz="4400" dirty="0"/>
+          </a:p>
+        </p:txBody>
+      </p:sp>
+    </p:spTree>
+    <p:extLst>
+      <p:ext uri="{BB962C8B-B14F-4D97-AF65-F5344CB8AC3E}">
+        <p14:creationId xmlns:p14="http://schemas.microsoft.com/office/powerpoint/2010/main" val="1080100175"/>
+      </p:ext>
+    </p:extLst>
+  </p:cSld>
+  <p:clrMapOvr>
+    <a:masterClrMapping/>
+  </p:clrMapOvr>
+</p:sld>
+</file>
+
+<file path=ppt/slides/slide13.xml><?xml version="1.0" encoding="utf-8"?>
+<p:sld xmlns:a="http://schemas.openxmlformats.org/drawingml/2006/main" xmlns:r="http://schemas.openxmlformats.org/officeDocument/2006/relationships" xmlns:p="http://schemas.openxmlformats.org/presentationml/2006/main">
+  <p:cSld>
+    <p:spTree>
+      <p:nvGrpSpPr>
+        <p:cNvPr id="1" name=""/>
+        <p:cNvGrpSpPr/>
+        <p:nvPr/>
+      </p:nvGrpSpPr>
+      <p:grpSpPr>
+        <a:xfrm>
+          <a:off x="0" y="0"/>
+          <a:ext cx="0" cy="0"/>
+          <a:chOff x="0" y="0"/>
+          <a:chExt cx="0" cy="0"/>
+        </a:xfrm>
+      </p:grpSpPr>
+      <p:sp>
+        <p:nvSpPr>
+          <p:cNvPr id="2" name="Title 1"/>
+          <p:cNvSpPr>
+            <a:spLocks noGrp="1"/>
+          </p:cNvSpPr>
+          <p:nvPr>
+            <p:ph type="title"/>
+          </p:nvPr>
+        </p:nvSpPr>
+        <p:spPr/>
+        <p:txBody>
+          <a:bodyPr/>
+          <a:lstStyle/>
+          <a:p>
+            <a:r>
+              <a:rPr lang="en-US" dirty="0" smtClean="0"/>
               <a:t>Strong form </a:t>
             </a:r>
             <a:endParaRPr lang="en-US" dirty="0"/>
           </a:p>
         </p:txBody>
       </p:sp>
-      <mc:AlternateContent xmlns:mc="http://schemas.openxmlformats.org/markup-compatibility/2006">
-        <mc:Choice xmlns:a14="http://schemas.microsoft.com/office/drawing/2010/main" Requires="a14">
+      <mc:AlternateContent xmlns:mc="http://schemas.openxmlformats.org/markup-compatibility/2006" xmlns:a14="http://schemas.microsoft.com/office/drawing/2010/main">
+        <mc:Choice Requires="a14">
           <p:sp>
             <p:nvSpPr>
               <p:cNvPr id="3" name="Content Placeholder 2"/>
@@ -4166,7 +4879,7 @@
                       <m:fPr>
                         <m:ctrlPr>
                           <a:rPr lang="en-US" sz="4400" i="1" smtClean="0">
-                            <a:latin typeface="Cambria Math" charset="0"/>
+                            <a:latin typeface="Cambria Math" panose="02040503050406030204" pitchFamily="18" charset="0"/>
                           </a:rPr>
                         </m:ctrlPr>
                       </m:fPr>
@@ -4211,7 +4924,7 @@
                       <m:dPr>
                         <m:ctrlPr>
                           <a:rPr lang="is-IS" sz="4400" b="0" i="1" smtClean="0">
-                            <a:latin typeface="Cambria Math" charset="0"/>
+                            <a:latin typeface="Cambria Math" panose="02040503050406030204" pitchFamily="18" charset="0"/>
                           </a:rPr>
                         </m:ctrlPr>
                       </m:dPr>
@@ -4220,7 +4933,7 @@
                           <m:fPr>
                             <m:ctrlPr>
                               <a:rPr lang="bg-BG" sz="4400" b="0" i="1" smtClean="0">
-                                <a:latin typeface="Cambria Math" charset="0"/>
+                                <a:latin typeface="Cambria Math" panose="02040503050406030204" pitchFamily="18" charset="0"/>
                               </a:rPr>
                             </m:ctrlPr>
                           </m:fPr>
@@ -4229,7 +4942,7 @@
                               <m:sSupPr>
                                 <m:ctrlPr>
                                   <a:rPr lang="is-IS" sz="4400" b="0" i="1" smtClean="0">
-                                    <a:latin typeface="Cambria Math" charset="0"/>
+                                    <a:latin typeface="Cambria Math" panose="02040503050406030204" pitchFamily="18" charset="0"/>
                                   </a:rPr>
                                 </m:ctrlPr>
                               </m:sSupPr>
@@ -4274,7 +4987,7 @@
                               <m:sSupPr>
                                 <m:ctrlPr>
                                   <a:rPr lang="is-IS" sz="4400" b="0" i="1" smtClean="0">
-                                    <a:latin typeface="Cambria Math" charset="0"/>
+                                    <a:latin typeface="Cambria Math" panose="02040503050406030204" pitchFamily="18" charset="0"/>
                                     <a:ea typeface="Cambria Math" charset="0"/>
                                     <a:cs typeface="Cambria Math" charset="0"/>
                                   </a:rPr>
@@ -4313,7 +5026,7 @@
                           <m:fPr>
                             <m:ctrlPr>
                               <a:rPr lang="bg-BG" sz="4400" b="0" i="1" smtClean="0">
-                                <a:latin typeface="Cambria Math" charset="0"/>
+                                <a:latin typeface="Cambria Math" panose="02040503050406030204" pitchFamily="18" charset="0"/>
                               </a:rPr>
                             </m:ctrlPr>
                           </m:fPr>
@@ -4322,7 +5035,7 @@
                               <m:sSupPr>
                                 <m:ctrlPr>
                                   <a:rPr lang="is-IS" sz="4400" b="0" i="1" smtClean="0">
-                                    <a:latin typeface="Cambria Math" charset="0"/>
+                                    <a:latin typeface="Cambria Math" panose="02040503050406030204" pitchFamily="18" charset="0"/>
                                   </a:rPr>
                                 </m:ctrlPr>
                               </m:sSupPr>
@@ -4367,7 +5080,7 @@
                               <m:sSupPr>
                                 <m:ctrlPr>
                                   <a:rPr lang="is-IS" sz="4400" b="0" i="1" smtClean="0">
-                                    <a:latin typeface="Cambria Math" charset="0"/>
+                                    <a:latin typeface="Cambria Math" panose="02040503050406030204" pitchFamily="18" charset="0"/>
                                     <a:ea typeface="Cambria Math" charset="0"/>
                                     <a:cs typeface="Cambria Math" charset="0"/>
                                   </a:rPr>
@@ -4454,7 +5167,7 @@
                       <m:dPr>
                         <m:ctrlPr>
                           <a:rPr lang="en-US" sz="4400" b="0" i="1" smtClean="0">
-                            <a:latin typeface="Cambria Math" charset="0"/>
+                            <a:latin typeface="Cambria Math" panose="02040503050406030204" pitchFamily="18" charset="0"/>
                           </a:rPr>
                         </m:ctrlPr>
                       </m:dPr>
@@ -4489,7 +5202,7 @@
                       <m:sSupPr>
                         <m:ctrlPr>
                           <a:rPr lang="is-IS" sz="4400" b="0" i="1" smtClean="0">
-                            <a:latin typeface="Cambria Math" charset="0"/>
+                            <a:latin typeface="Cambria Math" panose="02040503050406030204" pitchFamily="18" charset="0"/>
                             <a:ea typeface="Cambria Math" charset="0"/>
                             <a:cs typeface="Cambria Math" charset="0"/>
                           </a:rPr>
@@ -4536,7 +5249,1350 @@
                       <m:sSupPr>
                         <m:ctrlPr>
                           <a:rPr lang="is-IS" sz="4400" b="0" i="1" smtClean="0">
+                            <a:latin typeface="Cambria Math" panose="02040503050406030204" pitchFamily="18" charset="0"/>
+                            <a:ea typeface="Cambria Math" charset="0"/>
+                            <a:cs typeface="Cambria Math" charset="0"/>
+                          </a:rPr>
+                        </m:ctrlPr>
+                      </m:sSupPr>
+                      <m:e>
+                        <m:r>
+                          <a:rPr lang="is-IS" sz="4400" b="0" i="1" smtClean="0">
                             <a:latin typeface="Cambria Math" charset="0"/>
+                            <a:ea typeface="Cambria Math" charset="0"/>
+                            <a:cs typeface="Cambria Math" charset="0"/>
+                          </a:rPr>
+                          <m:t>𝜙</m:t>
+                        </m:r>
+                      </m:e>
+                      <m:sup>
+                        <m:r>
+                          <a:rPr lang="is-IS" sz="4400" b="0" i="1" smtClean="0">
+                            <a:latin typeface="Cambria Math" charset="0"/>
+                            <a:ea typeface="Cambria Math" charset="0"/>
+                            <a:cs typeface="Cambria Math" charset="0"/>
+                          </a:rPr>
+                          <m:t>2</m:t>
+                        </m:r>
+                      </m:sup>
+                    </m:sSup>
+                    <m:r>
+                      <a:rPr lang="en-US" sz="4400" b="0" i="1" smtClean="0">
+                        <a:latin typeface="Cambria Math" charset="0"/>
+                        <a:ea typeface="Cambria Math" charset="0"/>
+                        <a:cs typeface="Cambria Math" charset="0"/>
+                      </a:rPr>
+                      <m:t>+</m:t>
+                    </m:r>
+                    <m:r>
+                      <a:rPr lang="en-US" sz="4400" b="0" i="1" smtClean="0">
+                        <a:latin typeface="Cambria Math" charset="0"/>
+                        <a:ea typeface="Cambria Math" charset="0"/>
+                        <a:cs typeface="Cambria Math" charset="0"/>
+                      </a:rPr>
+                      <m:t>𝑐</m:t>
+                    </m:r>
+                    <m:r>
+                      <a:rPr lang="en-US" sz="4400" b="0" i="1" smtClean="0">
+                        <a:latin typeface="Cambria Math" charset="0"/>
+                        <a:ea typeface="Cambria Math" charset="0"/>
+                        <a:cs typeface="Cambria Math" charset="0"/>
+                      </a:rPr>
+                      <m:t>𝜙</m:t>
+                    </m:r>
+                  </m:oMath>
+                </a14:m>
+                <a:endParaRPr lang="en-US" sz="4400" dirty="0"/>
+              </a:p>
+            </p:txBody>
+          </p:sp>
+        </mc:Choice>
+        <mc:Fallback xmlns="">
+          <p:sp>
+            <p:nvSpPr>
+              <p:cNvPr id="3" name="Content Placeholder 2"/>
+              <p:cNvSpPr>
+                <a:spLocks noGrp="1" noRot="1" noChangeAspect="1" noMove="1" noResize="1" noEditPoints="1" noAdjustHandles="1" noChangeArrowheads="1" noChangeShapeType="1" noTextEdit="1"/>
+              </p:cNvSpPr>
+              <p:nvPr>
+                <p:ph idx="1"/>
+              </p:nvPr>
+            </p:nvSpPr>
+            <p:spPr>
+              <a:xfrm>
+                <a:off x="1024128" y="2623930"/>
+                <a:ext cx="9720071" cy="3120887"/>
+              </a:xfrm>
+              <a:blipFill rotWithShape="0">
+                <a:blip r:embed="rId3"/>
+                <a:stretch>
+                  <a:fillRect/>
+                </a:stretch>
+              </a:blipFill>
+            </p:spPr>
+            <p:txBody>
+              <a:bodyPr/>
+              <a:lstStyle/>
+              <a:p>
+                <a:r>
+                  <a:rPr lang="en-US">
+                    <a:noFill/>
+                  </a:rPr>
+                  <a:t> </a:t>
+                </a:r>
+              </a:p>
+            </p:txBody>
+          </p:sp>
+        </mc:Fallback>
+      </mc:AlternateContent>
+    </p:spTree>
+    <p:extLst>
+      <p:ext uri="{BB962C8B-B14F-4D97-AF65-F5344CB8AC3E}">
+        <p14:creationId xmlns:p14="http://schemas.microsoft.com/office/powerpoint/2010/main" val="1629125490"/>
+      </p:ext>
+    </p:extLst>
+  </p:cSld>
+  <p:clrMapOvr>
+    <a:masterClrMapping/>
+  </p:clrMapOvr>
+  <p:timing>
+    <p:tnLst>
+      <p:par>
+        <p:cTn id="1" dur="indefinite" restart="never" nodeType="tmRoot"/>
+      </p:par>
+    </p:tnLst>
+  </p:timing>
+</p:sld>
+</file>
+
+<file path=ppt/slides/slide14.xml><?xml version="1.0" encoding="utf-8"?>
+<p:sld xmlns:a="http://schemas.openxmlformats.org/drawingml/2006/main" xmlns:r="http://schemas.openxmlformats.org/officeDocument/2006/relationships" xmlns:p="http://schemas.openxmlformats.org/presentationml/2006/main">
+  <p:cSld>
+    <p:spTree>
+      <p:nvGrpSpPr>
+        <p:cNvPr id="1" name=""/>
+        <p:cNvGrpSpPr/>
+        <p:nvPr/>
+      </p:nvGrpSpPr>
+      <p:grpSpPr>
+        <a:xfrm>
+          <a:off x="0" y="0"/>
+          <a:ext cx="0" cy="0"/>
+          <a:chOff x="0" y="0"/>
+          <a:chExt cx="0" cy="0"/>
+        </a:xfrm>
+      </p:grpSpPr>
+      <p:sp>
+        <p:nvSpPr>
+          <p:cNvPr id="2" name="Title 1"/>
+          <p:cNvSpPr>
+            <a:spLocks noGrp="1"/>
+          </p:cNvSpPr>
+          <p:nvPr>
+            <p:ph type="title"/>
+          </p:nvPr>
+        </p:nvSpPr>
+        <p:spPr/>
+        <p:txBody>
+          <a:bodyPr/>
+          <a:lstStyle/>
+          <a:p>
+            <a:r>
+              <a:rPr lang="en-US" dirty="0" smtClean="0"/>
+              <a:t>Approach </a:t>
+            </a:r>
+            <a:endParaRPr lang="en-US" dirty="0"/>
+          </a:p>
+        </p:txBody>
+      </p:sp>
+      <p:sp>
+        <p:nvSpPr>
+          <p:cNvPr id="3" name="Content Placeholder 2"/>
+          <p:cNvSpPr>
+            <a:spLocks noGrp="1"/>
+          </p:cNvSpPr>
+          <p:nvPr>
+            <p:ph idx="1"/>
+          </p:nvPr>
+        </p:nvSpPr>
+        <p:spPr/>
+        <p:txBody>
+          <a:bodyPr>
+            <a:normAutofit/>
+          </a:bodyPr>
+          <a:lstStyle/>
+          <a:p>
+            <a:pPr>
+              <a:buFont typeface="Wingdings" panose="05000000000000000000" pitchFamily="2" charset="2"/>
+              <a:buChar char="v"/>
+            </a:pPr>
+            <a:r>
+              <a:rPr lang="en-US" sz="4400" dirty="0" smtClean="0"/>
+              <a:t> Modify existing grid code (</a:t>
+            </a:r>
+            <a:r>
+              <a:rPr lang="en-US" sz="4400" dirty="0" err="1" smtClean="0"/>
+              <a:t>Matlab</a:t>
+            </a:r>
+            <a:r>
+              <a:rPr lang="en-US" sz="4400" dirty="0" smtClean="0"/>
+              <a:t>)</a:t>
+            </a:r>
+          </a:p>
+          <a:p>
+            <a:pPr>
+              <a:buFont typeface="Wingdings" panose="05000000000000000000" pitchFamily="2" charset="2"/>
+              <a:buChar char="v"/>
+            </a:pPr>
+            <a:r>
+              <a:rPr lang="en-US" sz="4400" dirty="0"/>
+              <a:t> </a:t>
+            </a:r>
+            <a:r>
+              <a:rPr lang="en-US" sz="4400" dirty="0" smtClean="0"/>
+              <a:t>Convert to C</a:t>
+            </a:r>
+          </a:p>
+          <a:p>
+            <a:pPr>
+              <a:buFont typeface="Wingdings" panose="05000000000000000000" pitchFamily="2" charset="2"/>
+              <a:buChar char="v"/>
+            </a:pPr>
+            <a:r>
+              <a:rPr lang="en-US" sz="4400" dirty="0" smtClean="0"/>
+              <a:t> Visualize results</a:t>
+            </a:r>
+          </a:p>
+        </p:txBody>
+      </p:sp>
+    </p:spTree>
+    <p:extLst>
+      <p:ext uri="{BB962C8B-B14F-4D97-AF65-F5344CB8AC3E}">
+        <p14:creationId xmlns:p14="http://schemas.microsoft.com/office/powerpoint/2010/main" val="1033313680"/>
+      </p:ext>
+    </p:extLst>
+  </p:cSld>
+  <p:clrMapOvr>
+    <a:masterClrMapping/>
+  </p:clrMapOvr>
+</p:sld>
+</file>
+
+<file path=ppt/slides/slide15.xml><?xml version="1.0" encoding="utf-8"?>
+<p:sld xmlns:a="http://schemas.openxmlformats.org/drawingml/2006/main" xmlns:r="http://schemas.openxmlformats.org/officeDocument/2006/relationships" xmlns:p="http://schemas.openxmlformats.org/presentationml/2006/main">
+  <p:cSld>
+    <p:spTree>
+      <p:nvGrpSpPr>
+        <p:cNvPr id="1" name=""/>
+        <p:cNvGrpSpPr/>
+        <p:nvPr/>
+      </p:nvGrpSpPr>
+      <p:grpSpPr>
+        <a:xfrm>
+          <a:off x="0" y="0"/>
+          <a:ext cx="0" cy="0"/>
+          <a:chOff x="0" y="0"/>
+          <a:chExt cx="0" cy="0"/>
+        </a:xfrm>
+      </p:grpSpPr>
+      <p:sp>
+        <p:nvSpPr>
+          <p:cNvPr id="2" name="Title 1"/>
+          <p:cNvSpPr>
+            <a:spLocks noGrp="1"/>
+          </p:cNvSpPr>
+          <p:nvPr>
+            <p:ph type="title"/>
+          </p:nvPr>
+        </p:nvSpPr>
+        <p:spPr/>
+        <p:txBody>
+          <a:bodyPr/>
+          <a:lstStyle/>
+          <a:p>
+            <a:r>
+              <a:rPr lang="en-US" dirty="0" smtClean="0"/>
+              <a:t>results</a:t>
+            </a:r>
+            <a:endParaRPr lang="en-US" dirty="0"/>
+          </a:p>
+        </p:txBody>
+      </p:sp>
+      <p:sp>
+        <p:nvSpPr>
+          <p:cNvPr id="3" name="Content Placeholder 2"/>
+          <p:cNvSpPr>
+            <a:spLocks noGrp="1"/>
+          </p:cNvSpPr>
+          <p:nvPr>
+            <p:ph idx="1"/>
+          </p:nvPr>
+        </p:nvSpPr>
+        <p:spPr/>
+        <p:txBody>
+          <a:bodyPr/>
+          <a:lstStyle/>
+          <a:p>
+            <a:endParaRPr lang="en-US"/>
+          </a:p>
+        </p:txBody>
+      </p:sp>
+    </p:spTree>
+    <p:extLst>
+      <p:ext uri="{BB962C8B-B14F-4D97-AF65-F5344CB8AC3E}">
+        <p14:creationId xmlns:p14="http://schemas.microsoft.com/office/powerpoint/2010/main" val="800065901"/>
+      </p:ext>
+    </p:extLst>
+  </p:cSld>
+  <p:clrMapOvr>
+    <a:masterClrMapping/>
+  </p:clrMapOvr>
+</p:sld>
+</file>
+
+<file path=ppt/slides/slide2.xml><?xml version="1.0" encoding="utf-8"?>
+<p:sld xmlns:a="http://schemas.openxmlformats.org/drawingml/2006/main" xmlns:r="http://schemas.openxmlformats.org/officeDocument/2006/relationships" xmlns:p="http://schemas.openxmlformats.org/presentationml/2006/main">
+  <p:cSld>
+    <p:spTree>
+      <p:nvGrpSpPr>
+        <p:cNvPr id="1" name=""/>
+        <p:cNvGrpSpPr/>
+        <p:nvPr/>
+      </p:nvGrpSpPr>
+      <p:grpSpPr>
+        <a:xfrm>
+          <a:off x="0" y="0"/>
+          <a:ext cx="0" cy="0"/>
+          <a:chOff x="0" y="0"/>
+          <a:chExt cx="0" cy="0"/>
+        </a:xfrm>
+      </p:grpSpPr>
+      <p:sp>
+        <p:nvSpPr>
+          <p:cNvPr id="2" name="Title 1"/>
+          <p:cNvSpPr>
+            <a:spLocks noGrp="1"/>
+          </p:cNvSpPr>
+          <p:nvPr>
+            <p:ph type="title"/>
+          </p:nvPr>
+        </p:nvSpPr>
+        <p:spPr/>
+        <p:txBody>
+          <a:bodyPr/>
+          <a:lstStyle/>
+          <a:p>
+            <a:r>
+              <a:rPr lang="en-US" dirty="0" smtClean="0"/>
+              <a:t>PHASE-FIELD MODELING</a:t>
+            </a:r>
+            <a:endParaRPr lang="en-US" dirty="0"/>
+          </a:p>
+        </p:txBody>
+      </p:sp>
+      <p:sp>
+        <p:nvSpPr>
+          <p:cNvPr id="3" name="Content Placeholder 2"/>
+          <p:cNvSpPr>
+            <a:spLocks noGrp="1"/>
+          </p:cNvSpPr>
+          <p:nvPr>
+            <p:ph idx="1"/>
+          </p:nvPr>
+        </p:nvSpPr>
+        <p:spPr/>
+        <p:txBody>
+          <a:bodyPr/>
+          <a:lstStyle/>
+          <a:p>
+            <a:pPr>
+              <a:buFont typeface="Wingdings" charset="2"/>
+              <a:buChar char="v"/>
+            </a:pPr>
+            <a:r>
+              <a:rPr lang="en-US" sz="4400" dirty="0" smtClean="0"/>
+              <a:t> Solidification </a:t>
+            </a:r>
+          </a:p>
+          <a:p>
+            <a:pPr>
+              <a:buFont typeface="Wingdings" charset="2"/>
+              <a:buChar char="v"/>
+            </a:pPr>
+            <a:r>
+              <a:rPr lang="en-US" sz="4400" dirty="0" smtClean="0"/>
+              <a:t> Grain growth</a:t>
+            </a:r>
+          </a:p>
+          <a:p>
+            <a:pPr>
+              <a:buFont typeface="Wingdings" charset="2"/>
+              <a:buChar char="v"/>
+            </a:pPr>
+            <a:r>
+              <a:rPr lang="en-US" sz="4400" dirty="0"/>
+              <a:t> </a:t>
+            </a:r>
+            <a:r>
+              <a:rPr lang="en-US" sz="4400" dirty="0" smtClean="0"/>
+              <a:t>Solid-state phase </a:t>
+            </a:r>
+            <a:r>
+              <a:rPr lang="en-US" sz="4400" dirty="0" smtClean="0"/>
+              <a:t>transformations</a:t>
+            </a:r>
+          </a:p>
+          <a:p>
+            <a:pPr>
+              <a:buFont typeface="Wingdings" charset="2"/>
+              <a:buChar char="v"/>
+            </a:pPr>
+            <a:r>
+              <a:rPr lang="en-US" sz="4400" dirty="0"/>
+              <a:t> </a:t>
+            </a:r>
+            <a:r>
+              <a:rPr lang="en-US" sz="4400" dirty="0" smtClean="0"/>
+              <a:t>Vesicle dynamics</a:t>
+            </a:r>
+            <a:endParaRPr lang="en-US" sz="4400" dirty="0" smtClean="0"/>
+          </a:p>
+          <a:p>
+            <a:pPr>
+              <a:buFont typeface="Wingdings" charset="2"/>
+              <a:buChar char="v"/>
+            </a:pPr>
+            <a:endParaRPr lang="en-US" dirty="0"/>
+          </a:p>
+        </p:txBody>
+      </p:sp>
+    </p:spTree>
+    <p:extLst>
+      <p:ext uri="{BB962C8B-B14F-4D97-AF65-F5344CB8AC3E}">
+        <p14:creationId xmlns:p14="http://schemas.microsoft.com/office/powerpoint/2010/main" val="243621805"/>
+      </p:ext>
+    </p:extLst>
+  </p:cSld>
+  <p:clrMapOvr>
+    <a:masterClrMapping/>
+  </p:clrMapOvr>
+  <p:timing>
+    <p:tnLst>
+      <p:par>
+        <p:cTn id="1" dur="indefinite" restart="never" nodeType="tmRoot"/>
+      </p:par>
+    </p:tnLst>
+  </p:timing>
+</p:sld>
+</file>
+
+<file path=ppt/slides/slide3.xml><?xml version="1.0" encoding="utf-8"?>
+<p:sld xmlns:a="http://schemas.openxmlformats.org/drawingml/2006/main" xmlns:r="http://schemas.openxmlformats.org/officeDocument/2006/relationships" xmlns:p="http://schemas.openxmlformats.org/presentationml/2006/main">
+  <p:cSld>
+    <p:spTree>
+      <p:nvGrpSpPr>
+        <p:cNvPr id="1" name=""/>
+        <p:cNvGrpSpPr/>
+        <p:nvPr/>
+      </p:nvGrpSpPr>
+      <p:grpSpPr>
+        <a:xfrm>
+          <a:off x="0" y="0"/>
+          <a:ext cx="0" cy="0"/>
+          <a:chOff x="0" y="0"/>
+          <a:chExt cx="0" cy="0"/>
+        </a:xfrm>
+      </p:grpSpPr>
+      <p:sp>
+        <p:nvSpPr>
+          <p:cNvPr id="2" name="Title 1"/>
+          <p:cNvSpPr>
+            <a:spLocks noGrp="1"/>
+          </p:cNvSpPr>
+          <p:nvPr>
+            <p:ph type="title"/>
+          </p:nvPr>
+        </p:nvSpPr>
+        <p:spPr/>
+        <p:txBody>
+          <a:bodyPr/>
+          <a:lstStyle/>
+          <a:p>
+            <a:r>
+              <a:rPr lang="en-US" dirty="0" smtClean="0"/>
+              <a:t>Finite element </a:t>
+            </a:r>
+            <a:r>
+              <a:rPr lang="en-US" dirty="0" smtClean="0"/>
+              <a:t>method</a:t>
+            </a:r>
+            <a:endParaRPr lang="en-US" dirty="0"/>
+          </a:p>
+        </p:txBody>
+      </p:sp>
+      <p:sp>
+        <p:nvSpPr>
+          <p:cNvPr id="3" name="Text Placeholder 2"/>
+          <p:cNvSpPr>
+            <a:spLocks noGrp="1"/>
+          </p:cNvSpPr>
+          <p:nvPr>
+            <p:ph type="body" idx="1"/>
+          </p:nvPr>
+        </p:nvSpPr>
+        <p:spPr/>
+        <p:txBody>
+          <a:bodyPr>
+            <a:normAutofit/>
+          </a:bodyPr>
+          <a:lstStyle/>
+          <a:p>
+            <a:r>
+              <a:rPr lang="en-US" sz="4000" dirty="0" smtClean="0"/>
+              <a:t>Pros: </a:t>
+            </a:r>
+            <a:endParaRPr lang="en-US" sz="4000" dirty="0"/>
+          </a:p>
+        </p:txBody>
+      </p:sp>
+      <p:sp>
+        <p:nvSpPr>
+          <p:cNvPr id="4" name="Content Placeholder 3"/>
+          <p:cNvSpPr>
+            <a:spLocks noGrp="1"/>
+          </p:cNvSpPr>
+          <p:nvPr>
+            <p:ph sz="half" idx="2"/>
+          </p:nvPr>
+        </p:nvSpPr>
+        <p:spPr/>
+        <p:txBody>
+          <a:bodyPr>
+            <a:normAutofit/>
+          </a:bodyPr>
+          <a:lstStyle/>
+          <a:p>
+            <a:pPr>
+              <a:buFont typeface="Arial" panose="020B0604020202020204" pitchFamily="34" charset="0"/>
+              <a:buChar char="•"/>
+            </a:pPr>
+            <a:r>
+              <a:rPr lang="en-US" sz="2800" dirty="0" smtClean="0"/>
+              <a:t> Can implement complex geometries</a:t>
+            </a:r>
+          </a:p>
+          <a:p>
+            <a:pPr>
+              <a:buFont typeface="Arial" panose="020B0604020202020204" pitchFamily="34" charset="0"/>
+              <a:buChar char="•"/>
+            </a:pPr>
+            <a:r>
+              <a:rPr lang="en-US" sz="2800" dirty="0" smtClean="0"/>
+              <a:t> Regional mesh refinement easy</a:t>
+            </a:r>
+          </a:p>
+          <a:p>
+            <a:pPr>
+              <a:buFont typeface="Arial" panose="020B0604020202020204" pitchFamily="34" charset="0"/>
+              <a:buChar char="•"/>
+            </a:pPr>
+            <a:r>
+              <a:rPr lang="en-US" sz="2800" dirty="0" smtClean="0"/>
+              <a:t> Existing code can be tweaked to solve different equations</a:t>
+            </a:r>
+            <a:endParaRPr lang="en-US" sz="2800" dirty="0"/>
+          </a:p>
+        </p:txBody>
+      </p:sp>
+      <p:sp>
+        <p:nvSpPr>
+          <p:cNvPr id="5" name="Text Placeholder 4"/>
+          <p:cNvSpPr>
+            <a:spLocks noGrp="1"/>
+          </p:cNvSpPr>
+          <p:nvPr>
+            <p:ph type="body" sz="quarter" idx="3"/>
+          </p:nvPr>
+        </p:nvSpPr>
+        <p:spPr/>
+        <p:txBody>
+          <a:bodyPr>
+            <a:normAutofit/>
+          </a:bodyPr>
+          <a:lstStyle/>
+          <a:p>
+            <a:r>
+              <a:rPr lang="en-US" sz="4000" dirty="0" smtClean="0"/>
+              <a:t>Cons:</a:t>
+            </a:r>
+            <a:endParaRPr lang="en-US" sz="4000" dirty="0"/>
+          </a:p>
+        </p:txBody>
+      </p:sp>
+      <p:sp>
+        <p:nvSpPr>
+          <p:cNvPr id="6" name="Content Placeholder 5"/>
+          <p:cNvSpPr>
+            <a:spLocks noGrp="1"/>
+          </p:cNvSpPr>
+          <p:nvPr>
+            <p:ph sz="quarter" idx="4"/>
+          </p:nvPr>
+        </p:nvSpPr>
+        <p:spPr/>
+        <p:txBody>
+          <a:bodyPr>
+            <a:normAutofit/>
+          </a:bodyPr>
+          <a:lstStyle/>
+          <a:p>
+            <a:pPr>
+              <a:buFont typeface="Arial" panose="020B0604020202020204" pitchFamily="34" charset="0"/>
+              <a:buChar char="•"/>
+            </a:pPr>
+            <a:r>
+              <a:rPr lang="en-US" sz="2800" dirty="0" smtClean="0"/>
+              <a:t> Writing code from scratch is… not easy</a:t>
+            </a:r>
+          </a:p>
+          <a:p>
+            <a:pPr>
+              <a:buFont typeface="Arial" panose="020B0604020202020204" pitchFamily="34" charset="0"/>
+              <a:buChar char="•"/>
+            </a:pPr>
+            <a:r>
+              <a:rPr lang="en-US" sz="2800" dirty="0" smtClean="0"/>
+              <a:t> Conceptually more difficult than finite difference methods</a:t>
+            </a:r>
+            <a:endParaRPr lang="en-US" sz="2800" dirty="0"/>
+          </a:p>
+        </p:txBody>
+      </p:sp>
+    </p:spTree>
+    <p:extLst>
+      <p:ext uri="{BB962C8B-B14F-4D97-AF65-F5344CB8AC3E}">
+        <p14:creationId xmlns:p14="http://schemas.microsoft.com/office/powerpoint/2010/main" val="2033514325"/>
+      </p:ext>
+    </p:extLst>
+  </p:cSld>
+  <p:clrMapOvr>
+    <a:masterClrMapping/>
+  </p:clrMapOvr>
+  <p:timing>
+    <p:tnLst>
+      <p:par>
+        <p:cTn id="1" dur="indefinite" restart="never" nodeType="tmRoot"/>
+      </p:par>
+    </p:tnLst>
+  </p:timing>
+</p:sld>
+</file>
+
+<file path=ppt/slides/slide4.xml><?xml version="1.0" encoding="utf-8"?>
+<p:sld xmlns:a="http://schemas.openxmlformats.org/drawingml/2006/main" xmlns:r="http://schemas.openxmlformats.org/officeDocument/2006/relationships" xmlns:p="http://schemas.openxmlformats.org/presentationml/2006/main">
+  <p:cSld>
+    <p:spTree>
+      <p:nvGrpSpPr>
+        <p:cNvPr id="1" name=""/>
+        <p:cNvGrpSpPr/>
+        <p:nvPr/>
+      </p:nvGrpSpPr>
+      <p:grpSpPr>
+        <a:xfrm>
+          <a:off x="0" y="0"/>
+          <a:ext cx="0" cy="0"/>
+          <a:chOff x="0" y="0"/>
+          <a:chExt cx="0" cy="0"/>
+        </a:xfrm>
+      </p:grpSpPr>
+      <p:sp>
+        <p:nvSpPr>
+          <p:cNvPr id="2" name="Title 1"/>
+          <p:cNvSpPr>
+            <a:spLocks noGrp="1"/>
+          </p:cNvSpPr>
+          <p:nvPr>
+            <p:ph type="title"/>
+          </p:nvPr>
+        </p:nvSpPr>
+        <p:spPr/>
+        <p:txBody>
+          <a:bodyPr/>
+          <a:lstStyle/>
+          <a:p>
+            <a:r>
+              <a:rPr lang="en-US" dirty="0" smtClean="0"/>
+              <a:t>FINITE ELEMENT </a:t>
+            </a:r>
+            <a:r>
+              <a:rPr lang="en-US" dirty="0" smtClean="0"/>
+              <a:t>method</a:t>
+            </a:r>
+            <a:endParaRPr lang="en-US" dirty="0"/>
+          </a:p>
+        </p:txBody>
+      </p:sp>
+      <p:sp>
+        <p:nvSpPr>
+          <p:cNvPr id="3" name="Content Placeholder 2"/>
+          <p:cNvSpPr>
+            <a:spLocks noGrp="1"/>
+          </p:cNvSpPr>
+          <p:nvPr>
+            <p:ph idx="1"/>
+          </p:nvPr>
+        </p:nvSpPr>
+        <p:spPr/>
+        <p:txBody>
+          <a:bodyPr>
+            <a:normAutofit/>
+          </a:bodyPr>
+          <a:lstStyle/>
+          <a:p>
+            <a:pPr marL="457200" indent="-457200">
+              <a:buFont typeface="+mj-lt"/>
+              <a:buAutoNum type="arabicPeriod"/>
+            </a:pPr>
+            <a:r>
+              <a:rPr lang="en-US" sz="4400" dirty="0" smtClean="0"/>
+              <a:t> Convert strong form PDE to weak integral form</a:t>
+            </a:r>
+          </a:p>
+          <a:p>
+            <a:pPr marL="457200" indent="-457200">
+              <a:buFont typeface="+mj-lt"/>
+              <a:buAutoNum type="arabicPeriod"/>
+            </a:pPr>
+            <a:r>
+              <a:rPr lang="en-US" sz="4400" dirty="0" smtClean="0"/>
+              <a:t> Discretize domain into elements</a:t>
+            </a:r>
+            <a:r>
+              <a:rPr lang="en-US" sz="4400" dirty="0"/>
+              <a:t> </a:t>
+            </a:r>
+            <a:r>
+              <a:rPr lang="en-US" sz="4400" dirty="0" smtClean="0">
+                <a:sym typeface="Wingdings" panose="05000000000000000000" pitchFamily="2" charset="2"/>
+              </a:rPr>
+              <a:t> </a:t>
+            </a:r>
+            <a:r>
+              <a:rPr lang="en-US" sz="4400" dirty="0" smtClean="0">
+                <a:sym typeface="Wingdings" panose="05000000000000000000" pitchFamily="2" charset="2"/>
+              </a:rPr>
+              <a:t>approximate numerical </a:t>
+            </a:r>
+            <a:r>
+              <a:rPr lang="en-US" sz="4400" dirty="0" smtClean="0">
+                <a:sym typeface="Wingdings" panose="05000000000000000000" pitchFamily="2" charset="2"/>
+              </a:rPr>
+              <a:t>solution via shape, or weight, functions</a:t>
+            </a:r>
+            <a:endParaRPr lang="en-US" sz="4400" dirty="0" smtClean="0"/>
+          </a:p>
+        </p:txBody>
+      </p:sp>
+    </p:spTree>
+    <p:extLst>
+      <p:ext uri="{BB962C8B-B14F-4D97-AF65-F5344CB8AC3E}">
+        <p14:creationId xmlns:p14="http://schemas.microsoft.com/office/powerpoint/2010/main" val="3478068920"/>
+      </p:ext>
+    </p:extLst>
+  </p:cSld>
+  <p:clrMapOvr>
+    <a:masterClrMapping/>
+  </p:clrMapOvr>
+  <p:timing>
+    <p:tnLst>
+      <p:par>
+        <p:cTn id="1" dur="indefinite" restart="never" nodeType="tmRoot"/>
+      </p:par>
+    </p:tnLst>
+  </p:timing>
+</p:sld>
+</file>
+
+<file path=ppt/slides/slide5.xml><?xml version="1.0" encoding="utf-8"?>
+<p:sld xmlns:a="http://schemas.openxmlformats.org/drawingml/2006/main" xmlns:r="http://schemas.openxmlformats.org/officeDocument/2006/relationships" xmlns:p="http://schemas.openxmlformats.org/presentationml/2006/main">
+  <p:cSld>
+    <p:spTree>
+      <p:nvGrpSpPr>
+        <p:cNvPr id="1" name=""/>
+        <p:cNvGrpSpPr/>
+        <p:nvPr/>
+      </p:nvGrpSpPr>
+      <p:grpSpPr>
+        <a:xfrm>
+          <a:off x="0" y="0"/>
+          <a:ext cx="0" cy="0"/>
+          <a:chOff x="0" y="0"/>
+          <a:chExt cx="0" cy="0"/>
+        </a:xfrm>
+      </p:grpSpPr>
+      <p:sp>
+        <p:nvSpPr>
+          <p:cNvPr id="2" name="Title 1"/>
+          <p:cNvSpPr>
+            <a:spLocks noGrp="1"/>
+          </p:cNvSpPr>
+          <p:nvPr>
+            <p:ph type="title"/>
+          </p:nvPr>
+        </p:nvSpPr>
+        <p:spPr/>
+        <p:txBody>
+          <a:bodyPr/>
+          <a:lstStyle/>
+          <a:p>
+            <a:r>
+              <a:rPr lang="en-US" dirty="0" smtClean="0"/>
+              <a:t>Generating a weak form</a:t>
+            </a:r>
+            <a:endParaRPr lang="en-US" dirty="0"/>
+          </a:p>
+        </p:txBody>
+      </p:sp>
+      <p:sp>
+        <p:nvSpPr>
+          <p:cNvPr id="3" name="Content Placeholder 2"/>
+          <p:cNvSpPr>
+            <a:spLocks noGrp="1"/>
+          </p:cNvSpPr>
+          <p:nvPr>
+            <p:ph idx="1"/>
+          </p:nvPr>
+        </p:nvSpPr>
+        <p:spPr/>
+        <p:txBody>
+          <a:bodyPr/>
+          <a:lstStyle/>
+          <a:p>
+            <a:pPr marL="457200" indent="-457200">
+              <a:buFont typeface="+mj-lt"/>
+              <a:buAutoNum type="arabicPeriod"/>
+            </a:pPr>
+            <a:r>
+              <a:rPr lang="en-US" sz="4000" dirty="0" smtClean="0"/>
+              <a:t>Obtain strong form of PDE.</a:t>
+            </a:r>
+          </a:p>
+          <a:p>
+            <a:pPr marL="457200" indent="-457200">
+              <a:buFont typeface="+mj-lt"/>
+              <a:buAutoNum type="arabicPeriod"/>
+            </a:pPr>
+            <a:r>
+              <a:rPr lang="en-US" sz="4000" dirty="0" smtClean="0"/>
+              <a:t>Rearrange to get zero on the right hand side.</a:t>
+            </a:r>
+          </a:p>
+          <a:p>
+            <a:pPr marL="457200" indent="-457200">
+              <a:buFont typeface="+mj-lt"/>
+              <a:buAutoNum type="arabicPeriod"/>
+            </a:pPr>
+            <a:r>
+              <a:rPr lang="en-US" sz="4000" dirty="0" smtClean="0"/>
+              <a:t>Multiply equation by test function. (</a:t>
+            </a:r>
+            <a:r>
+              <a:rPr lang="en-US" sz="4000" dirty="0" err="1" smtClean="0"/>
+              <a:t>Galerkin</a:t>
+            </a:r>
+            <a:r>
+              <a:rPr lang="en-US" sz="4000" dirty="0" smtClean="0"/>
+              <a:t>)</a:t>
+            </a:r>
+          </a:p>
+          <a:p>
+            <a:pPr marL="457200" indent="-457200">
+              <a:buFont typeface="+mj-lt"/>
+              <a:buAutoNum type="arabicPeriod"/>
+            </a:pPr>
+            <a:r>
+              <a:rPr lang="en-US" sz="4000" dirty="0" smtClean="0"/>
+              <a:t>Integrate whole equation over the domain. </a:t>
+            </a:r>
+          </a:p>
+          <a:p>
+            <a:pPr marL="457200" indent="-457200">
+              <a:buFont typeface="+mj-lt"/>
+              <a:buAutoNum type="arabicPeriod"/>
+            </a:pPr>
+            <a:r>
+              <a:rPr lang="en-US" sz="4000" dirty="0" smtClean="0"/>
+              <a:t>Integrate by parts. </a:t>
+            </a:r>
+          </a:p>
+          <a:p>
+            <a:pPr marL="457200" indent="-457200">
+              <a:buFont typeface="+mj-lt"/>
+              <a:buAutoNum type="arabicPeriod"/>
+            </a:pPr>
+            <a:endParaRPr lang="en-US" dirty="0"/>
+          </a:p>
+        </p:txBody>
+      </p:sp>
+    </p:spTree>
+    <p:extLst>
+      <p:ext uri="{BB962C8B-B14F-4D97-AF65-F5344CB8AC3E}">
+        <p14:creationId xmlns:p14="http://schemas.microsoft.com/office/powerpoint/2010/main" val="1414614988"/>
+      </p:ext>
+    </p:extLst>
+  </p:cSld>
+  <p:clrMapOvr>
+    <a:masterClrMapping/>
+  </p:clrMapOvr>
+</p:sld>
+</file>
+
+<file path=ppt/slides/slide6.xml><?xml version="1.0" encoding="utf-8"?>
+<p:sld xmlns:a="http://schemas.openxmlformats.org/drawingml/2006/main" xmlns:r="http://schemas.openxmlformats.org/officeDocument/2006/relationships" xmlns:p="http://schemas.openxmlformats.org/presentationml/2006/main">
+  <p:cSld>
+    <p:spTree>
+      <p:nvGrpSpPr>
+        <p:cNvPr id="1" name=""/>
+        <p:cNvGrpSpPr/>
+        <p:nvPr/>
+      </p:nvGrpSpPr>
+      <p:grpSpPr>
+        <a:xfrm>
+          <a:off x="0" y="0"/>
+          <a:ext cx="0" cy="0"/>
+          <a:chOff x="0" y="0"/>
+          <a:chExt cx="0" cy="0"/>
+        </a:xfrm>
+      </p:grpSpPr>
+      <p:sp>
+        <p:nvSpPr>
+          <p:cNvPr id="2" name="Title 1"/>
+          <p:cNvSpPr>
+            <a:spLocks noGrp="1"/>
+          </p:cNvSpPr>
+          <p:nvPr>
+            <p:ph type="title"/>
+          </p:nvPr>
+        </p:nvSpPr>
+        <p:spPr/>
+        <p:txBody>
+          <a:bodyPr/>
+          <a:lstStyle/>
+          <a:p>
+            <a:r>
+              <a:rPr lang="en-US" dirty="0" smtClean="0"/>
+              <a:t>1. Obtain stron</a:t>
+            </a:r>
+            <a:r>
+              <a:rPr lang="en-US" dirty="0" smtClean="0"/>
+              <a:t>g form of PDE</a:t>
+            </a:r>
+            <a:endParaRPr lang="en-US" dirty="0"/>
+          </a:p>
+        </p:txBody>
+      </p:sp>
+      <mc:AlternateContent xmlns:mc="http://schemas.openxmlformats.org/markup-compatibility/2006">
+        <mc:Choice xmlns:a14="http://schemas.microsoft.com/office/drawing/2010/main" Requires="a14">
+          <p:sp>
+            <p:nvSpPr>
+              <p:cNvPr id="4" name="Content Placeholder 2"/>
+              <p:cNvSpPr>
+                <a:spLocks noGrp="1"/>
+              </p:cNvSpPr>
+              <p:nvPr>
+                <p:ph idx="1"/>
+              </p:nvPr>
+            </p:nvSpPr>
+            <p:spPr>
+              <a:xfrm>
+                <a:off x="1024128" y="2286000"/>
+                <a:ext cx="9720071" cy="3418114"/>
+              </a:xfrm>
+            </p:spPr>
+            <p:txBody>
+              <a:bodyPr>
+                <a:normAutofit/>
+              </a:bodyPr>
+              <a:lstStyle/>
+              <a:p>
+                <a:pPr algn="ctr"/>
+                <a14:m>
+                  <m:oMath xmlns:m="http://schemas.openxmlformats.org/officeDocument/2006/math">
+                    <m:f>
+                      <m:fPr>
+                        <m:ctrlPr>
+                          <a:rPr lang="en-US" sz="4400" i="1" smtClean="0">
+                            <a:latin typeface="Cambria Math" panose="02040503050406030204" pitchFamily="18" charset="0"/>
+                          </a:rPr>
+                        </m:ctrlPr>
+                      </m:fPr>
+                      <m:num>
+                        <m:r>
+                          <a:rPr lang="en-US" sz="4400" i="1" smtClean="0">
+                            <a:latin typeface="Cambria Math" charset="0"/>
+                          </a:rPr>
+                          <m:t>𝜕</m:t>
+                        </m:r>
+                        <m:r>
+                          <a:rPr lang="en-US" sz="4400" i="1" smtClean="0">
+                            <a:latin typeface="Cambria Math" charset="0"/>
+                            <a:ea typeface="Cambria Math" charset="0"/>
+                            <a:cs typeface="Cambria Math" charset="0"/>
+                          </a:rPr>
+                          <m:t>𝜙</m:t>
+                        </m:r>
+                      </m:num>
+                      <m:den>
+                        <m:r>
+                          <a:rPr lang="en-US" sz="4400" i="1" smtClean="0">
+                            <a:latin typeface="Cambria Math" charset="0"/>
+                          </a:rPr>
+                          <m:t>𝜕</m:t>
+                        </m:r>
+                        <m:r>
+                          <a:rPr lang="en-US" sz="4400" b="0" i="1" smtClean="0">
+                            <a:latin typeface="Cambria Math" charset="0"/>
+                          </a:rPr>
+                          <m:t>𝑡</m:t>
+                        </m:r>
+                      </m:den>
+                    </m:f>
+                    <m:r>
+                      <a:rPr lang="en-US" sz="4400" b="0" i="1" smtClean="0">
+                        <a:latin typeface="Cambria Math" charset="0"/>
+                      </a:rPr>
+                      <m:t>=2</m:t>
+                    </m:r>
+                    <m:d>
+                      <m:dPr>
+                        <m:ctrlPr>
+                          <a:rPr lang="is-IS" sz="4400" b="0" i="1" smtClean="0">
+                            <a:latin typeface="Cambria Math" panose="02040503050406030204" pitchFamily="18" charset="0"/>
+                          </a:rPr>
+                        </m:ctrlPr>
+                      </m:dPr>
+                      <m:e>
+                        <m:f>
+                          <m:fPr>
+                            <m:ctrlPr>
+                              <a:rPr lang="bg-BG" sz="4400" b="0" i="1" smtClean="0">
+                                <a:latin typeface="Cambria Math" panose="02040503050406030204" pitchFamily="18" charset="0"/>
+                              </a:rPr>
+                            </m:ctrlPr>
+                          </m:fPr>
+                          <m:num>
+                            <m:sSup>
+                              <m:sSupPr>
+                                <m:ctrlPr>
+                                  <a:rPr lang="is-IS" sz="4400" b="0" i="1" smtClean="0">
+                                    <a:latin typeface="Cambria Math" panose="02040503050406030204" pitchFamily="18" charset="0"/>
+                                  </a:rPr>
+                                </m:ctrlPr>
+                              </m:sSupPr>
+                              <m:e>
+                                <m:r>
+                                  <a:rPr lang="is-IS" sz="4400" b="0" i="1" smtClean="0">
+                                    <a:latin typeface="Cambria Math" charset="0"/>
+                                    <a:ea typeface="Cambria Math" charset="0"/>
+                                    <a:cs typeface="Cambria Math" charset="0"/>
+                                  </a:rPr>
+                                  <m:t>𝜕</m:t>
+                                </m:r>
+                              </m:e>
+                              <m:sup>
+                                <m:r>
+                                  <a:rPr lang="is-IS" sz="4400" b="0" i="1" smtClean="0">
+                                    <a:latin typeface="Cambria Math" charset="0"/>
+                                  </a:rPr>
+                                  <m:t>2</m:t>
+                                </m:r>
+                              </m:sup>
+                            </m:sSup>
+                            <m:r>
+                              <a:rPr lang="is-IS" sz="4400" b="0" i="1" smtClean="0">
+                                <a:latin typeface="Cambria Math" charset="0"/>
+                                <a:ea typeface="Cambria Math" charset="0"/>
+                                <a:cs typeface="Cambria Math" charset="0"/>
+                              </a:rPr>
+                              <m:t>𝜙</m:t>
+                            </m:r>
+                          </m:num>
+                          <m:den>
+                            <m:r>
+                              <a:rPr lang="bg-BG" sz="4400" b="0" i="1" smtClean="0">
+                                <a:latin typeface="Cambria Math" charset="0"/>
+                                <a:ea typeface="Cambria Math" charset="0"/>
+                                <a:cs typeface="Cambria Math" charset="0"/>
+                              </a:rPr>
+                              <m:t>𝜕</m:t>
+                            </m:r>
+                            <m:sSup>
+                              <m:sSupPr>
+                                <m:ctrlPr>
+                                  <a:rPr lang="is-IS" sz="4400" b="0" i="1" smtClean="0">
+                                    <a:latin typeface="Cambria Math" panose="02040503050406030204" pitchFamily="18" charset="0"/>
+                                    <a:ea typeface="Cambria Math" charset="0"/>
+                                    <a:cs typeface="Cambria Math" charset="0"/>
+                                  </a:rPr>
+                                </m:ctrlPr>
+                              </m:sSupPr>
+                              <m:e>
+                                <m:r>
+                                  <a:rPr lang="is-IS" sz="4400" b="0" i="1" smtClean="0">
+                                    <a:latin typeface="Cambria Math" charset="0"/>
+                                    <a:ea typeface="Cambria Math" charset="0"/>
+                                    <a:cs typeface="Cambria Math" charset="0"/>
+                                  </a:rPr>
+                                  <m:t>𝑥</m:t>
+                                </m:r>
+                              </m:e>
+                              <m:sup>
+                                <m:r>
+                                  <a:rPr lang="is-IS" sz="4400" b="0" i="1" smtClean="0">
+                                    <a:latin typeface="Cambria Math" charset="0"/>
+                                    <a:ea typeface="Cambria Math" charset="0"/>
+                                    <a:cs typeface="Cambria Math" charset="0"/>
+                                  </a:rPr>
+                                  <m:t>2</m:t>
+                                </m:r>
+                              </m:sup>
+                            </m:sSup>
+                          </m:den>
+                        </m:f>
+                        <m:r>
+                          <a:rPr lang="en-US" sz="4400" b="0" i="1" smtClean="0">
+                            <a:latin typeface="Cambria Math" charset="0"/>
+                          </a:rPr>
+                          <m:t>+ </m:t>
+                        </m:r>
+                        <m:f>
+                          <m:fPr>
+                            <m:ctrlPr>
+                              <a:rPr lang="bg-BG" sz="4400" b="0" i="1" smtClean="0">
+                                <a:latin typeface="Cambria Math" panose="02040503050406030204" pitchFamily="18" charset="0"/>
+                              </a:rPr>
+                            </m:ctrlPr>
+                          </m:fPr>
+                          <m:num>
+                            <m:sSup>
+                              <m:sSupPr>
+                                <m:ctrlPr>
+                                  <a:rPr lang="is-IS" sz="4400" b="0" i="1" smtClean="0">
+                                    <a:latin typeface="Cambria Math" panose="02040503050406030204" pitchFamily="18" charset="0"/>
+                                  </a:rPr>
+                                </m:ctrlPr>
+                              </m:sSupPr>
+                              <m:e>
+                                <m:r>
+                                  <a:rPr lang="is-IS" sz="4400" b="0" i="1" smtClean="0">
+                                    <a:latin typeface="Cambria Math" charset="0"/>
+                                    <a:ea typeface="Cambria Math" charset="0"/>
+                                    <a:cs typeface="Cambria Math" charset="0"/>
+                                  </a:rPr>
+                                  <m:t>𝜕</m:t>
+                                </m:r>
+                              </m:e>
+                              <m:sup>
+                                <m:r>
+                                  <a:rPr lang="is-IS" sz="4400" b="0" i="1" smtClean="0">
+                                    <a:latin typeface="Cambria Math" charset="0"/>
+                                  </a:rPr>
+                                  <m:t>2</m:t>
+                                </m:r>
+                              </m:sup>
+                            </m:sSup>
+                            <m:r>
+                              <a:rPr lang="bg-BG" sz="4400" b="0" i="1" smtClean="0">
+                                <a:latin typeface="Cambria Math" charset="0"/>
+                                <a:ea typeface="Cambria Math" charset="0"/>
+                                <a:cs typeface="Cambria Math" charset="0"/>
+                              </a:rPr>
+                              <m:t>𝜙</m:t>
+                            </m:r>
+                          </m:num>
+                          <m:den>
+                            <m:r>
+                              <a:rPr lang="bg-BG" sz="4400" b="0" i="1" smtClean="0">
+                                <a:latin typeface="Cambria Math" charset="0"/>
+                                <a:ea typeface="Cambria Math" charset="0"/>
+                                <a:cs typeface="Cambria Math" charset="0"/>
+                              </a:rPr>
+                              <m:t>𝜕</m:t>
+                            </m:r>
+                            <m:sSup>
+                              <m:sSupPr>
+                                <m:ctrlPr>
+                                  <a:rPr lang="is-IS" sz="4400" b="0" i="1" smtClean="0">
+                                    <a:latin typeface="Cambria Math" panose="02040503050406030204" pitchFamily="18" charset="0"/>
+                                    <a:ea typeface="Cambria Math" charset="0"/>
+                                    <a:cs typeface="Cambria Math" charset="0"/>
+                                  </a:rPr>
+                                </m:ctrlPr>
+                              </m:sSupPr>
+                              <m:e>
+                                <m:r>
+                                  <a:rPr lang="en-US" sz="4400" b="0" i="1" smtClean="0">
+                                    <a:latin typeface="Cambria Math" charset="0"/>
+                                    <a:ea typeface="Cambria Math" charset="0"/>
+                                    <a:cs typeface="Cambria Math" charset="0"/>
+                                  </a:rPr>
+                                  <m:t>𝑦</m:t>
+                                </m:r>
+                              </m:e>
+                              <m:sup>
+                                <m:r>
+                                  <a:rPr lang="is-IS" sz="4400" b="0" i="1" smtClean="0">
+                                    <a:latin typeface="Cambria Math" charset="0"/>
+                                    <a:ea typeface="Cambria Math" charset="0"/>
+                                    <a:cs typeface="Cambria Math" charset="0"/>
+                                  </a:rPr>
+                                  <m:t>2</m:t>
+                                </m:r>
+                              </m:sup>
+                            </m:sSup>
+                          </m:den>
+                        </m:f>
+                      </m:e>
+                    </m:d>
+                    <m:r>
+                      <a:rPr lang="en-US" sz="4400" b="0" i="1" smtClean="0">
+                        <a:latin typeface="Cambria Math" charset="0"/>
+                      </a:rPr>
+                      <m:t>−</m:t>
+                    </m:r>
+                    <m:r>
+                      <a:rPr lang="en-US" sz="4400" b="0" i="1" smtClean="0">
+                        <a:latin typeface="Cambria Math" charset="0"/>
+                      </a:rPr>
+                      <m:t>𝑔</m:t>
+                    </m:r>
+                    <m:r>
+                      <a:rPr lang="en-US" sz="4400" b="0" i="1" smtClean="0">
+                        <a:latin typeface="Cambria Math" charset="0"/>
+                      </a:rPr>
+                      <m:t>(</m:t>
+                    </m:r>
+                    <m:r>
+                      <a:rPr lang="en-US" sz="4400" b="0" i="1" smtClean="0">
+                        <a:latin typeface="Cambria Math" charset="0"/>
+                        <a:ea typeface="Cambria Math" charset="0"/>
+                        <a:cs typeface="Cambria Math" charset="0"/>
+                      </a:rPr>
+                      <m:t>𝜙</m:t>
+                    </m:r>
+                    <m:r>
+                      <a:rPr lang="en-US" sz="4400" b="0" i="1" smtClean="0">
+                        <a:latin typeface="Cambria Math" charset="0"/>
+                        <a:ea typeface="Cambria Math" charset="0"/>
+                        <a:cs typeface="Cambria Math" charset="0"/>
+                      </a:rPr>
+                      <m:t>)</m:t>
+                    </m:r>
+                  </m:oMath>
+                </a14:m>
+                <a:endParaRPr lang="en-US" sz="4400" dirty="0" smtClean="0"/>
+              </a:p>
+              <a:p>
+                <a:pPr algn="ctr"/>
+                <a:endParaRPr lang="en-US" sz="4400" dirty="0"/>
+              </a:p>
+              <a:p>
+                <a:pPr algn="ctr"/>
+                <a14:m>
+                  <m:oMath xmlns:m="http://schemas.openxmlformats.org/officeDocument/2006/math">
+                    <m:r>
+                      <a:rPr lang="en-US" sz="4400" b="0" i="1" smtClean="0">
+                        <a:latin typeface="Cambria Math" charset="0"/>
+                      </a:rPr>
+                      <m:t>𝑔</m:t>
+                    </m:r>
+                    <m:d>
+                      <m:dPr>
+                        <m:ctrlPr>
+                          <a:rPr lang="en-US" sz="4400" b="0" i="1" smtClean="0">
+                            <a:latin typeface="Cambria Math" panose="02040503050406030204" pitchFamily="18" charset="0"/>
+                          </a:rPr>
+                        </m:ctrlPr>
+                      </m:dPr>
+                      <m:e>
+                        <m:r>
+                          <a:rPr lang="en-US" sz="4400" b="0" i="1" smtClean="0">
+                            <a:latin typeface="Cambria Math" charset="0"/>
+                            <a:ea typeface="Cambria Math" charset="0"/>
+                            <a:cs typeface="Cambria Math" charset="0"/>
+                          </a:rPr>
+                          <m:t>𝜙</m:t>
+                        </m:r>
+                      </m:e>
+                    </m:d>
+                    <m:r>
+                      <a:rPr lang="en-US" sz="4400" b="0" i="1" smtClean="0">
+                        <a:latin typeface="Cambria Math" charset="0"/>
+                        <a:ea typeface="Cambria Math" charset="0"/>
+                        <a:cs typeface="Cambria Math" charset="0"/>
+                      </a:rPr>
+                      <m:t>=</m:t>
+                    </m:r>
+                    <m:r>
+                      <a:rPr lang="en-US" sz="4400" b="0" i="1" smtClean="0">
+                        <a:latin typeface="Cambria Math" charset="0"/>
+                        <a:ea typeface="Cambria Math" charset="0"/>
+                        <a:cs typeface="Cambria Math" charset="0"/>
+                      </a:rPr>
+                      <m:t>𝑎</m:t>
+                    </m:r>
+                    <m:sSup>
+                      <m:sSupPr>
+                        <m:ctrlPr>
+                          <a:rPr lang="is-IS" sz="4400" b="0" i="1" smtClean="0">
+                            <a:latin typeface="Cambria Math" panose="02040503050406030204" pitchFamily="18" charset="0"/>
+                            <a:ea typeface="Cambria Math" charset="0"/>
+                            <a:cs typeface="Cambria Math" charset="0"/>
+                          </a:rPr>
+                        </m:ctrlPr>
+                      </m:sSupPr>
+                      <m:e>
+                        <m:r>
+                          <a:rPr lang="is-IS" sz="4400" b="0" i="1" smtClean="0">
+                            <a:latin typeface="Cambria Math" charset="0"/>
+                            <a:ea typeface="Cambria Math" charset="0"/>
+                            <a:cs typeface="Cambria Math" charset="0"/>
+                          </a:rPr>
+                          <m:t>𝜙</m:t>
+                        </m:r>
+                      </m:e>
+                      <m:sup>
+                        <m:r>
+                          <a:rPr lang="en-US" sz="4400" b="0" i="1" smtClean="0">
+                            <a:latin typeface="Cambria Math" charset="0"/>
+                            <a:ea typeface="Cambria Math" charset="0"/>
+                            <a:cs typeface="Cambria Math" charset="0"/>
+                          </a:rPr>
+                          <m:t>3</m:t>
+                        </m:r>
+                      </m:sup>
+                    </m:sSup>
+                    <m:r>
+                      <a:rPr lang="en-US" sz="4400" b="0" i="1" smtClean="0">
+                        <a:latin typeface="Cambria Math" charset="0"/>
+                        <a:ea typeface="Cambria Math" charset="0"/>
+                        <a:cs typeface="Cambria Math" charset="0"/>
+                      </a:rPr>
+                      <m:t>+</m:t>
+                    </m:r>
+                    <m:r>
+                      <a:rPr lang="en-US" sz="4400" b="0" i="1" smtClean="0">
+                        <a:latin typeface="Cambria Math" charset="0"/>
+                        <a:ea typeface="Cambria Math" charset="0"/>
+                        <a:cs typeface="Cambria Math" charset="0"/>
+                      </a:rPr>
+                      <m:t>𝑏</m:t>
+                    </m:r>
+                    <m:sSup>
+                      <m:sSupPr>
+                        <m:ctrlPr>
+                          <a:rPr lang="is-IS" sz="4400" b="0" i="1" smtClean="0">
+                            <a:latin typeface="Cambria Math" panose="02040503050406030204" pitchFamily="18" charset="0"/>
                             <a:ea typeface="Cambria Math" charset="0"/>
                             <a:cs typeface="Cambria Math" charset="0"/>
                           </a:rPr>
@@ -4597,7 +6653,7 @@
         <mc:Fallback>
           <p:sp>
             <p:nvSpPr>
-              <p:cNvPr id="3" name="Content Placeholder 2"/>
+              <p:cNvPr id="4" name="Content Placeholder 2"/>
               <p:cNvSpPr>
                 <a:spLocks noGrp="1" noRot="1" noChangeAspect="1" noMove="1" noResize="1" noEditPoints="1" noAdjustHandles="1" noChangeArrowheads="1" noChangeShapeType="1" noTextEdit="1"/>
               </p:cNvSpPr>
@@ -4607,8 +6663,8 @@
             </p:nvSpPr>
             <p:spPr>
               <a:xfrm>
-                <a:off x="1024128" y="2623930"/>
-                <a:ext cx="9720071" cy="3120887"/>
+                <a:off x="1024128" y="2286000"/>
+                <a:ext cx="9720071" cy="3418114"/>
               </a:xfrm>
               <a:blipFill rotWithShape="0">
                 <a:blip r:embed="rId2"/>
@@ -4635,7 +6691,7 @@
     </p:spTree>
     <p:extLst>
       <p:ext uri="{BB962C8B-B14F-4D97-AF65-F5344CB8AC3E}">
-        <p14:creationId xmlns:p14="http://schemas.microsoft.com/office/powerpoint/2010/main" val="1629125490"/>
+        <p14:creationId xmlns:p14="http://schemas.microsoft.com/office/powerpoint/2010/main" val="1564386429"/>
       </p:ext>
     </p:extLst>
   </p:cSld>
@@ -4679,51 +6735,701 @@
             <p:ph type="title"/>
           </p:nvPr>
         </p:nvSpPr>
-        <p:spPr/>
-        <p:txBody>
-          <a:bodyPr/>
-          <a:lstStyle/>
-          <a:p>
-            <a:endParaRPr lang="en-US" dirty="0"/>
-          </a:p>
-        </p:txBody>
-      </p:sp>
-      <p:sp>
-        <p:nvSpPr>
-          <p:cNvPr id="3" name="Content Placeholder 2"/>
-          <p:cNvSpPr>
-            <a:spLocks noGrp="1"/>
-          </p:cNvSpPr>
-          <p:nvPr>
-            <p:ph idx="1"/>
-          </p:nvPr>
-        </p:nvSpPr>
-        <p:spPr/>
-        <p:txBody>
-          <a:bodyPr/>
-          <a:lstStyle/>
-          <a:p>
-            <a:endParaRPr lang="en-US"/>
-          </a:p>
-        </p:txBody>
-      </p:sp>
+        <p:spPr>
+          <a:xfrm>
+            <a:off x="1024128" y="585216"/>
+            <a:ext cx="9720072" cy="1700784"/>
+          </a:xfrm>
+        </p:spPr>
+        <p:txBody>
+          <a:bodyPr>
+            <a:normAutofit/>
+          </a:bodyPr>
+          <a:lstStyle/>
+          <a:p>
+            <a:r>
+              <a:rPr lang="en-US" sz="5400" dirty="0" smtClean="0"/>
+              <a:t>2. get </a:t>
+            </a:r>
+            <a:r>
+              <a:rPr lang="en-US" sz="5400" dirty="0"/>
+              <a:t>zero on the right hand </a:t>
+            </a:r>
+            <a:r>
+              <a:rPr lang="en-US" sz="5400" dirty="0" smtClean="0"/>
+              <a:t>side</a:t>
+            </a:r>
+            <a:r>
+              <a:rPr lang="en-US" sz="5400" dirty="0"/>
+              <a:t/>
+            </a:r>
+            <a:br>
+              <a:rPr lang="en-US" sz="5400" dirty="0"/>
+            </a:br>
+            <a:endParaRPr lang="en-US" dirty="0"/>
+          </a:p>
+        </p:txBody>
+      </p:sp>
+      <mc:AlternateContent xmlns:mc="http://schemas.openxmlformats.org/markup-compatibility/2006">
+        <mc:Choice xmlns:a14="http://schemas.microsoft.com/office/drawing/2010/main" Requires="a14">
+          <p:sp>
+            <p:nvSpPr>
+              <p:cNvPr id="3" name="Content Placeholder 2"/>
+              <p:cNvSpPr>
+                <a:spLocks noGrp="1"/>
+              </p:cNvSpPr>
+              <p:nvPr>
+                <p:ph idx="1"/>
+              </p:nvPr>
+            </p:nvSpPr>
+            <p:spPr>
+              <a:xfrm>
+                <a:off x="1024128" y="2035630"/>
+                <a:ext cx="6301958" cy="1883228"/>
+              </a:xfrm>
+            </p:spPr>
+            <p:txBody>
+              <a:bodyPr/>
+              <a:lstStyle/>
+              <a:p>
+                <a14:m>
+                  <m:oMath xmlns:m="http://schemas.openxmlformats.org/officeDocument/2006/math">
+                    <m:f>
+                      <m:fPr>
+                        <m:ctrlPr>
+                          <a:rPr lang="en-US" sz="4400" i="1" smtClean="0">
+                            <a:latin typeface="Cambria Math" panose="02040503050406030204" pitchFamily="18" charset="0"/>
+                          </a:rPr>
+                        </m:ctrlPr>
+                      </m:fPr>
+                      <m:num>
+                        <m:r>
+                          <a:rPr lang="en-US" sz="4400" i="1">
+                            <a:latin typeface="Cambria Math" charset="0"/>
+                          </a:rPr>
+                          <m:t>𝜕</m:t>
+                        </m:r>
+                        <m:r>
+                          <a:rPr lang="en-US" sz="4400" i="1">
+                            <a:latin typeface="Cambria Math" charset="0"/>
+                            <a:ea typeface="Cambria Math" charset="0"/>
+                            <a:cs typeface="Cambria Math" charset="0"/>
+                          </a:rPr>
+                          <m:t>𝜙</m:t>
+                        </m:r>
+                      </m:num>
+                      <m:den>
+                        <m:r>
+                          <a:rPr lang="en-US" sz="4400" i="1">
+                            <a:latin typeface="Cambria Math" charset="0"/>
+                          </a:rPr>
+                          <m:t>𝜕</m:t>
+                        </m:r>
+                        <m:r>
+                          <a:rPr lang="en-US" sz="4400" i="1">
+                            <a:latin typeface="Cambria Math" charset="0"/>
+                          </a:rPr>
+                          <m:t>𝑡</m:t>
+                        </m:r>
+                      </m:den>
+                    </m:f>
+                    <m:r>
+                      <a:rPr lang="en-US" sz="4400" b="0" i="1" smtClean="0">
+                        <a:latin typeface="Cambria Math" panose="02040503050406030204" pitchFamily="18" charset="0"/>
+                      </a:rPr>
+                      <m:t>−</m:t>
+                    </m:r>
+                    <m:r>
+                      <a:rPr lang="en-US" sz="4400" i="1">
+                        <a:latin typeface="Cambria Math" charset="0"/>
+                      </a:rPr>
+                      <m:t>2</m:t>
+                    </m:r>
+                    <m:r>
+                      <a:rPr lang="en-US" sz="4400" i="1" smtClean="0">
+                        <a:latin typeface="Cambria Math" panose="02040503050406030204" pitchFamily="18" charset="0"/>
+                        <a:ea typeface="Cambria Math" panose="02040503050406030204" pitchFamily="18" charset="0"/>
+                      </a:rPr>
+                      <m:t>∇</m:t>
+                    </m:r>
+                    <m:r>
+                      <a:rPr lang="en-US" sz="4400" b="0" i="1" smtClean="0">
+                        <a:latin typeface="Cambria Math" panose="02040503050406030204" pitchFamily="18" charset="0"/>
+                        <a:ea typeface="Cambria Math" panose="02040503050406030204" pitchFamily="18" charset="0"/>
+                      </a:rPr>
+                      <m:t> ∙∇</m:t>
+                    </m:r>
+                    <m:r>
+                      <a:rPr lang="en-US" sz="4400" i="1">
+                        <a:latin typeface="Cambria Math" charset="0"/>
+                        <a:ea typeface="Cambria Math" charset="0"/>
+                        <a:cs typeface="Cambria Math" charset="0"/>
+                      </a:rPr>
+                      <m:t>𝜙</m:t>
+                    </m:r>
+                    <m:r>
+                      <a:rPr lang="en-US" sz="4400" b="0" i="1" smtClean="0">
+                        <a:latin typeface="Cambria Math" panose="02040503050406030204" pitchFamily="18" charset="0"/>
+                        <a:ea typeface="Cambria Math" charset="0"/>
+                        <a:cs typeface="Cambria Math" charset="0"/>
+                      </a:rPr>
+                      <m:t>+</m:t>
+                    </m:r>
+                    <m:r>
+                      <a:rPr lang="en-US" sz="4400" i="1">
+                        <a:latin typeface="Cambria Math" charset="0"/>
+                      </a:rPr>
+                      <m:t>𝑔</m:t>
+                    </m:r>
+                    <m:d>
+                      <m:dPr>
+                        <m:ctrlPr>
+                          <a:rPr lang="en-US" sz="4400" i="1">
+                            <a:latin typeface="Cambria Math" charset="0"/>
+                          </a:rPr>
+                        </m:ctrlPr>
+                      </m:dPr>
+                      <m:e>
+                        <m:r>
+                          <a:rPr lang="en-US" sz="4400" i="1">
+                            <a:latin typeface="Cambria Math" charset="0"/>
+                            <a:ea typeface="Cambria Math" charset="0"/>
+                            <a:cs typeface="Cambria Math" charset="0"/>
+                          </a:rPr>
+                          <m:t>𝜙</m:t>
+                        </m:r>
+                      </m:e>
+                    </m:d>
+                    <m:r>
+                      <a:rPr lang="en-US" sz="4400" b="0" i="1" smtClean="0">
+                        <a:latin typeface="Cambria Math" panose="02040503050406030204" pitchFamily="18" charset="0"/>
+                        <a:ea typeface="Cambria Math" charset="0"/>
+                        <a:cs typeface="Cambria Math" charset="0"/>
+                      </a:rPr>
+                      <m:t>=0</m:t>
+                    </m:r>
+                  </m:oMath>
+                </a14:m>
+                <a:endParaRPr lang="en-US" sz="4400" dirty="0"/>
+              </a:p>
+              <a:p>
+                <a:endParaRPr lang="en-US" dirty="0"/>
+              </a:p>
+            </p:txBody>
+          </p:sp>
+        </mc:Choice>
+        <mc:Fallback>
+          <p:sp>
+            <p:nvSpPr>
+              <p:cNvPr id="3" name="Content Placeholder 2"/>
+              <p:cNvSpPr>
+                <a:spLocks noGrp="1" noRot="1" noChangeAspect="1" noMove="1" noResize="1" noEditPoints="1" noAdjustHandles="1" noChangeArrowheads="1" noChangeShapeType="1" noTextEdit="1"/>
+              </p:cNvSpPr>
+              <p:nvPr>
+                <p:ph idx="1"/>
+              </p:nvPr>
+            </p:nvSpPr>
+            <p:spPr>
+              <a:xfrm>
+                <a:off x="1024128" y="2035630"/>
+                <a:ext cx="6301958" cy="1883228"/>
+              </a:xfrm>
+              <a:blipFill rotWithShape="0">
+                <a:blip r:embed="rId2"/>
+                <a:stretch>
+                  <a:fillRect/>
+                </a:stretch>
+              </a:blipFill>
+            </p:spPr>
+            <p:txBody>
+              <a:bodyPr/>
+              <a:lstStyle/>
+              <a:p>
+                <a:r>
+                  <a:rPr lang="en-US">
+                    <a:noFill/>
+                  </a:rPr>
+                  <a:t> </a:t>
+                </a:r>
+              </a:p>
+            </p:txBody>
+          </p:sp>
+        </mc:Fallback>
+      </mc:AlternateContent>
     </p:spTree>
     <p:extLst>
       <p:ext uri="{BB962C8B-B14F-4D97-AF65-F5344CB8AC3E}">
-        <p14:creationId xmlns:p14="http://schemas.microsoft.com/office/powerpoint/2010/main" val="1564386429"/>
+        <p14:creationId xmlns:p14="http://schemas.microsoft.com/office/powerpoint/2010/main" val="3948022244"/>
       </p:ext>
     </p:extLst>
   </p:cSld>
   <p:clrMapOvr>
     <a:masterClrMapping/>
   </p:clrMapOvr>
-  <p:timing>
-    <p:tnLst>
-      <p:par>
-        <p:cTn id="1" dur="indefinite" restart="never" nodeType="tmRoot"/>
-      </p:par>
-    </p:tnLst>
-  </p:timing>
+</p:sld>
+</file>
+
+<file path=ppt/slides/slide8.xml><?xml version="1.0" encoding="utf-8"?>
+<p:sld xmlns:a="http://schemas.openxmlformats.org/drawingml/2006/main" xmlns:r="http://schemas.openxmlformats.org/officeDocument/2006/relationships" xmlns:p="http://schemas.openxmlformats.org/presentationml/2006/main">
+  <p:cSld>
+    <p:spTree>
+      <p:nvGrpSpPr>
+        <p:cNvPr id="1" name=""/>
+        <p:cNvGrpSpPr/>
+        <p:nvPr/>
+      </p:nvGrpSpPr>
+      <p:grpSpPr>
+        <a:xfrm>
+          <a:off x="0" y="0"/>
+          <a:ext cx="0" cy="0"/>
+          <a:chOff x="0" y="0"/>
+          <a:chExt cx="0" cy="0"/>
+        </a:xfrm>
+      </p:grpSpPr>
+      <p:sp>
+        <p:nvSpPr>
+          <p:cNvPr id="2" name="Title 1"/>
+          <p:cNvSpPr>
+            <a:spLocks noGrp="1"/>
+          </p:cNvSpPr>
+          <p:nvPr>
+            <p:ph type="title"/>
+          </p:nvPr>
+        </p:nvSpPr>
+        <p:spPr/>
+        <p:txBody>
+          <a:bodyPr>
+            <a:normAutofit/>
+          </a:bodyPr>
+          <a:lstStyle/>
+          <a:p>
+            <a:r>
+              <a:rPr lang="en-US" sz="5400" dirty="0" smtClean="0"/>
+              <a:t>3. Multiply </a:t>
+            </a:r>
+            <a:r>
+              <a:rPr lang="en-US" sz="5400" dirty="0"/>
+              <a:t>equation by test </a:t>
+            </a:r>
+            <a:r>
+              <a:rPr lang="en-US" sz="5400" dirty="0" smtClean="0"/>
+              <a:t>function</a:t>
+            </a:r>
+            <a:r>
+              <a:rPr lang="en-US" sz="5400" dirty="0"/>
+              <a:t/>
+            </a:r>
+            <a:br>
+              <a:rPr lang="en-US" sz="5400" dirty="0"/>
+            </a:br>
+            <a:endParaRPr lang="en-US" dirty="0"/>
+          </a:p>
+        </p:txBody>
+      </p:sp>
+      <mc:AlternateContent xmlns:mc="http://schemas.openxmlformats.org/markup-compatibility/2006">
+        <mc:Choice xmlns:a14="http://schemas.microsoft.com/office/drawing/2010/main" Requires="a14">
+          <p:sp>
+            <p:nvSpPr>
+              <p:cNvPr id="3" name="Content Placeholder 2"/>
+              <p:cNvSpPr>
+                <a:spLocks noGrp="1"/>
+              </p:cNvSpPr>
+              <p:nvPr>
+                <p:ph idx="1"/>
+              </p:nvPr>
+            </p:nvSpPr>
+            <p:spPr>
+              <a:xfrm>
+                <a:off x="1024128" y="2084833"/>
+                <a:ext cx="9720071" cy="4501024"/>
+              </a:xfrm>
+            </p:spPr>
+            <p:txBody>
+              <a:bodyPr>
+                <a:normAutofit/>
+              </a:bodyPr>
+              <a:lstStyle/>
+              <a:p>
+                <a14:m>
+                  <m:oMath xmlns:m="http://schemas.openxmlformats.org/officeDocument/2006/math">
+                    <m:nary>
+                      <m:naryPr>
+                        <m:chr m:val="∬"/>
+                        <m:limLoc m:val="undOvr"/>
+                        <m:subHide m:val="on"/>
+                        <m:supHide m:val="on"/>
+                        <m:ctrlPr>
+                          <a:rPr lang="en-US" sz="4400" i="1" smtClean="0">
+                            <a:latin typeface="Cambria Math" panose="02040503050406030204" pitchFamily="18" charset="0"/>
+                          </a:rPr>
+                        </m:ctrlPr>
+                      </m:naryPr>
+                      <m:sub/>
+                      <m:sup/>
+                      <m:e>
+                        <m:sSup>
+                          <m:sSupPr>
+                            <m:ctrlPr>
+                              <a:rPr lang="en-US" sz="4400" i="1" smtClean="0">
+                                <a:latin typeface="Cambria Math" panose="02040503050406030204" pitchFamily="18" charset="0"/>
+                              </a:rPr>
+                            </m:ctrlPr>
+                          </m:sSupPr>
+                          <m:e>
+                            <m:d>
+                              <m:dPr>
+                                <m:begChr m:val="["/>
+                                <m:endChr m:val="]"/>
+                                <m:ctrlPr>
+                                  <a:rPr lang="en-US" sz="4400" i="1">
+                                    <a:latin typeface="Cambria Math" panose="02040503050406030204" pitchFamily="18" charset="0"/>
+                                  </a:rPr>
+                                </m:ctrlPr>
+                              </m:dPr>
+                              <m:e>
+                                <m:r>
+                                  <a:rPr lang="en-US" sz="4400" b="0" i="1" smtClean="0">
+                                    <a:latin typeface="Cambria Math" panose="02040503050406030204" pitchFamily="18" charset="0"/>
+                                  </a:rPr>
+                                  <m:t>𝑁</m:t>
+                                </m:r>
+                              </m:e>
+                            </m:d>
+                          </m:e>
+                          <m:sup>
+                            <m:r>
+                              <a:rPr lang="en-US" sz="4400" b="0" i="1" smtClean="0">
+                                <a:latin typeface="Cambria Math" panose="02040503050406030204" pitchFamily="18" charset="0"/>
+                              </a:rPr>
+                              <m:t>𝑇</m:t>
+                            </m:r>
+                          </m:sup>
+                        </m:sSup>
+                      </m:e>
+                    </m:nary>
+                    <m:d>
+                      <m:dPr>
+                        <m:begChr m:val="{"/>
+                        <m:endChr m:val="}"/>
+                        <m:ctrlPr>
+                          <a:rPr lang="en-US" sz="4400" i="1" smtClean="0">
+                            <a:latin typeface="Cambria Math" panose="02040503050406030204" pitchFamily="18" charset="0"/>
+                          </a:rPr>
+                        </m:ctrlPr>
+                      </m:dPr>
+                      <m:e>
+                        <m:f>
+                          <m:fPr>
+                            <m:ctrlPr>
+                              <a:rPr lang="en-US" sz="4400" i="1">
+                                <a:latin typeface="Cambria Math" panose="02040503050406030204" pitchFamily="18" charset="0"/>
+                              </a:rPr>
+                            </m:ctrlPr>
+                          </m:fPr>
+                          <m:num>
+                            <m:r>
+                              <a:rPr lang="en-US" sz="4400" i="1">
+                                <a:latin typeface="Cambria Math" charset="0"/>
+                              </a:rPr>
+                              <m:t>𝜕</m:t>
+                            </m:r>
+                            <m:r>
+                              <a:rPr lang="en-US" sz="4400" i="1">
+                                <a:latin typeface="Cambria Math" charset="0"/>
+                                <a:ea typeface="Cambria Math" charset="0"/>
+                                <a:cs typeface="Cambria Math" charset="0"/>
+                              </a:rPr>
+                              <m:t>𝜙</m:t>
+                            </m:r>
+                          </m:num>
+                          <m:den>
+                            <m:r>
+                              <a:rPr lang="en-US" sz="4400" i="1">
+                                <a:latin typeface="Cambria Math" charset="0"/>
+                              </a:rPr>
+                              <m:t>𝜕</m:t>
+                            </m:r>
+                            <m:r>
+                              <a:rPr lang="en-US" sz="4400" i="1">
+                                <a:latin typeface="Cambria Math" charset="0"/>
+                              </a:rPr>
+                              <m:t>𝑡</m:t>
+                            </m:r>
+                          </m:den>
+                        </m:f>
+                        <m:r>
+                          <a:rPr lang="en-US" sz="4400" i="1">
+                            <a:latin typeface="Cambria Math" panose="02040503050406030204" pitchFamily="18" charset="0"/>
+                          </a:rPr>
+                          <m:t>−</m:t>
+                        </m:r>
+                        <m:r>
+                          <a:rPr lang="en-US" sz="4400" i="1">
+                            <a:latin typeface="Cambria Math" charset="0"/>
+                          </a:rPr>
+                          <m:t>2</m:t>
+                        </m:r>
+                        <m:r>
+                          <a:rPr lang="en-US" sz="4400" i="1">
+                            <a:latin typeface="Cambria Math" panose="02040503050406030204" pitchFamily="18" charset="0"/>
+                            <a:ea typeface="Cambria Math" panose="02040503050406030204" pitchFamily="18" charset="0"/>
+                          </a:rPr>
+                          <m:t>𝛻</m:t>
+                        </m:r>
+                        <m:r>
+                          <a:rPr lang="en-US" sz="4400" i="1">
+                            <a:latin typeface="Cambria Math" panose="02040503050406030204" pitchFamily="18" charset="0"/>
+                            <a:ea typeface="Cambria Math" panose="02040503050406030204" pitchFamily="18" charset="0"/>
+                          </a:rPr>
+                          <m:t> ∙</m:t>
+                        </m:r>
+                        <m:r>
+                          <a:rPr lang="en-US" sz="4400" i="1">
+                            <a:latin typeface="Cambria Math" panose="02040503050406030204" pitchFamily="18" charset="0"/>
+                            <a:ea typeface="Cambria Math" panose="02040503050406030204" pitchFamily="18" charset="0"/>
+                          </a:rPr>
+                          <m:t>𝛻𝜙</m:t>
+                        </m:r>
+                        <m:r>
+                          <a:rPr lang="en-US" sz="4400" i="1">
+                            <a:latin typeface="Cambria Math" panose="02040503050406030204" pitchFamily="18" charset="0"/>
+                            <a:ea typeface="Cambria Math" charset="0"/>
+                            <a:cs typeface="Cambria Math" charset="0"/>
+                          </a:rPr>
+                          <m:t>+</m:t>
+                        </m:r>
+                        <m:r>
+                          <a:rPr lang="en-US" sz="4400" i="1">
+                            <a:latin typeface="Cambria Math" charset="0"/>
+                          </a:rPr>
+                          <m:t>𝑔</m:t>
+                        </m:r>
+                        <m:d>
+                          <m:dPr>
+                            <m:ctrlPr>
+                              <a:rPr lang="en-US" sz="4400" i="1">
+                                <a:latin typeface="Cambria Math" panose="02040503050406030204" pitchFamily="18" charset="0"/>
+                              </a:rPr>
+                            </m:ctrlPr>
+                          </m:dPr>
+                          <m:e>
+                            <m:r>
+                              <a:rPr lang="en-US" sz="4400" i="1">
+                                <a:latin typeface="Cambria Math" charset="0"/>
+                                <a:ea typeface="Cambria Math" charset="0"/>
+                                <a:cs typeface="Cambria Math" charset="0"/>
+                              </a:rPr>
+                              <m:t>𝜙</m:t>
+                            </m:r>
+                          </m:e>
+                        </m:d>
+                      </m:e>
+                    </m:d>
+                    <m:r>
+                      <m:rPr>
+                        <m:sty m:val="p"/>
+                      </m:rPr>
+                      <a:rPr lang="en-US" sz="4400" b="0" i="0" smtClean="0">
+                        <a:latin typeface="Cambria Math" panose="02040503050406030204" pitchFamily="18" charset="0"/>
+                      </a:rPr>
+                      <m:t>dxdy</m:t>
+                    </m:r>
+                  </m:oMath>
+                </a14:m>
+                <a:endParaRPr lang="en-US" sz="4400" dirty="0" smtClean="0"/>
+              </a:p>
+              <a:p>
+                <a:endParaRPr lang="en-US" sz="1700" dirty="0" smtClean="0"/>
+              </a:p>
+              <a:p>
+                <a:pPr>
+                  <a:buFont typeface="Wingdings" panose="05000000000000000000" pitchFamily="2" charset="2"/>
+                  <a:buChar char="v"/>
+                </a:pPr>
+                <a:r>
+                  <a:rPr lang="en-US" sz="4400" dirty="0"/>
+                  <a:t> </a:t>
+                </a:r>
+                <a:r>
+                  <a:rPr lang="en-US" sz="4400" dirty="0" err="1"/>
+                  <a:t>Galerkin</a:t>
+                </a:r>
+                <a:r>
+                  <a:rPr lang="en-US" sz="4400" dirty="0"/>
+                  <a:t> </a:t>
+                </a:r>
+                <a:r>
+                  <a:rPr lang="en-US" sz="4400" dirty="0" smtClean="0"/>
+                  <a:t>method</a:t>
+                </a:r>
+              </a:p>
+              <a:p>
+                <a:pPr>
+                  <a:buFont typeface="Wingdings" charset="2"/>
+                  <a:buChar char="v"/>
+                </a:pPr>
+                <a:r>
+                  <a:rPr lang="en-US" sz="4400" dirty="0"/>
+                  <a:t> Weighted residual approach</a:t>
+                </a:r>
+              </a:p>
+              <a:p>
+                <a:pPr>
+                  <a:buFont typeface="Wingdings" charset="2"/>
+                  <a:buChar char="v"/>
+                </a:pPr>
+                <a:r>
+                  <a:rPr lang="en-US" sz="4400" dirty="0"/>
+                  <a:t> Assumes same shape functions are used for </a:t>
+                </a:r>
+                <a:r>
+                  <a:rPr lang="en-US" sz="4400" dirty="0" smtClean="0"/>
+                  <a:t>the </a:t>
+                </a:r>
+                <a:r>
+                  <a:rPr lang="en-US" sz="4400" dirty="0"/>
+                  <a:t>solution and the weights</a:t>
+                </a:r>
+              </a:p>
+              <a:p>
+                <a:pPr>
+                  <a:buFont typeface="Wingdings" panose="05000000000000000000" pitchFamily="2" charset="2"/>
+                  <a:buChar char="v"/>
+                </a:pPr>
+                <a:endParaRPr lang="en-US" sz="4400" dirty="0"/>
+              </a:p>
+            </p:txBody>
+          </p:sp>
+        </mc:Choice>
+        <mc:Fallback>
+          <p:sp>
+            <p:nvSpPr>
+              <p:cNvPr id="3" name="Content Placeholder 2"/>
+              <p:cNvSpPr>
+                <a:spLocks noGrp="1" noRot="1" noChangeAspect="1" noMove="1" noResize="1" noEditPoints="1" noAdjustHandles="1" noChangeArrowheads="1" noChangeShapeType="1" noTextEdit="1"/>
+              </p:cNvSpPr>
+              <p:nvPr>
+                <p:ph idx="1"/>
+              </p:nvPr>
+            </p:nvSpPr>
+            <p:spPr>
+              <a:xfrm>
+                <a:off x="1024128" y="2084833"/>
+                <a:ext cx="9720071" cy="4501024"/>
+              </a:xfrm>
+              <a:blipFill rotWithShape="0">
+                <a:blip r:embed="rId3"/>
+                <a:stretch>
+                  <a:fillRect l="-2760" r="-1757" b="-3117"/>
+                </a:stretch>
+              </a:blipFill>
+            </p:spPr>
+            <p:txBody>
+              <a:bodyPr/>
+              <a:lstStyle/>
+              <a:p>
+                <a:r>
+                  <a:rPr lang="en-US">
+                    <a:noFill/>
+                  </a:rPr>
+                  <a:t> </a:t>
+                </a:r>
+              </a:p>
+            </p:txBody>
+          </p:sp>
+        </mc:Fallback>
+      </mc:AlternateContent>
+    </p:spTree>
+    <p:extLst>
+      <p:ext uri="{BB962C8B-B14F-4D97-AF65-F5344CB8AC3E}">
+        <p14:creationId xmlns:p14="http://schemas.microsoft.com/office/powerpoint/2010/main" val="1531370061"/>
+      </p:ext>
+    </p:extLst>
+  </p:cSld>
+  <p:clrMapOvr>
+    <a:masterClrMapping/>
+  </p:clrMapOvr>
+</p:sld>
+</file>
+
+<file path=ppt/slides/slide9.xml><?xml version="1.0" encoding="utf-8"?>
+<p:sld xmlns:a="http://schemas.openxmlformats.org/drawingml/2006/main" xmlns:r="http://schemas.openxmlformats.org/officeDocument/2006/relationships" xmlns:p="http://schemas.openxmlformats.org/presentationml/2006/main">
+  <p:cSld>
+    <p:spTree>
+      <p:nvGrpSpPr>
+        <p:cNvPr id="1" name=""/>
+        <p:cNvGrpSpPr/>
+        <p:nvPr/>
+      </p:nvGrpSpPr>
+      <p:grpSpPr>
+        <a:xfrm>
+          <a:off x="0" y="0"/>
+          <a:ext cx="0" cy="0"/>
+          <a:chOff x="0" y="0"/>
+          <a:chExt cx="0" cy="0"/>
+        </a:xfrm>
+      </p:grpSpPr>
+      <p:sp>
+        <p:nvSpPr>
+          <p:cNvPr id="2" name="Title 1"/>
+          <p:cNvSpPr>
+            <a:spLocks noGrp="1"/>
+          </p:cNvSpPr>
+          <p:nvPr>
+            <p:ph type="title"/>
+          </p:nvPr>
+        </p:nvSpPr>
+        <p:spPr>
+          <a:xfrm>
+            <a:off x="1024128" y="585216"/>
+            <a:ext cx="9730958" cy="1499616"/>
+          </a:xfrm>
+        </p:spPr>
+        <p:txBody>
+          <a:bodyPr/>
+          <a:lstStyle/>
+          <a:p>
+            <a:r>
+              <a:rPr lang="en-US" sz="5400" dirty="0" smtClean="0"/>
+              <a:t>4. Integrate over </a:t>
+            </a:r>
+            <a:r>
+              <a:rPr lang="en-US" sz="5400" dirty="0"/>
+              <a:t>the domain</a:t>
+            </a:r>
+            <a:endParaRPr lang="en-US" dirty="0"/>
+          </a:p>
+        </p:txBody>
+      </p:sp>
+      <p:sp>
+        <p:nvSpPr>
+          <p:cNvPr id="3" name="Content Placeholder 2"/>
+          <p:cNvSpPr>
+            <a:spLocks noGrp="1"/>
+          </p:cNvSpPr>
+          <p:nvPr>
+            <p:ph idx="1"/>
+          </p:nvPr>
+        </p:nvSpPr>
+        <p:spPr/>
+        <p:txBody>
+          <a:bodyPr/>
+          <a:lstStyle/>
+          <a:p>
+            <a:endParaRPr lang="en-US" dirty="0"/>
+          </a:p>
+        </p:txBody>
+      </p:sp>
+    </p:spTree>
+    <p:extLst>
+      <p:ext uri="{BB962C8B-B14F-4D97-AF65-F5344CB8AC3E}">
+        <p14:creationId xmlns:p14="http://schemas.microsoft.com/office/powerpoint/2010/main" val="681339974"/>
+      </p:ext>
+    </p:extLst>
+  </p:cSld>
+  <p:clrMapOvr>
+    <a:masterClrMapping/>
+  </p:clrMapOvr>
 </p:sld>
 </file>
 
@@ -4996,4 +7702,265 @@
     </a:ext>
   </a:extLst>
 </a:theme>
+</file>
+
+<file path=ppt/theme/theme2.xml><?xml version="1.0" encoding="utf-8"?>
+<a:theme xmlns:a="http://schemas.openxmlformats.org/drawingml/2006/main" name="Office Theme">
+  <a:themeElements>
+    <a:clrScheme name="Office">
+      <a:dk1>
+        <a:sysClr val="windowText" lastClr="000000"/>
+      </a:dk1>
+      <a:lt1>
+        <a:sysClr val="window" lastClr="FFFFFF"/>
+      </a:lt1>
+      <a:dk2>
+        <a:srgbClr val="44546A"/>
+      </a:dk2>
+      <a:lt2>
+        <a:srgbClr val="E7E6E6"/>
+      </a:lt2>
+      <a:accent1>
+        <a:srgbClr val="5B9BD5"/>
+      </a:accent1>
+      <a:accent2>
+        <a:srgbClr val="ED7D31"/>
+      </a:accent2>
+      <a:accent3>
+        <a:srgbClr val="A5A5A5"/>
+      </a:accent3>
+      <a:accent4>
+        <a:srgbClr val="FFC000"/>
+      </a:accent4>
+      <a:accent5>
+        <a:srgbClr val="4472C4"/>
+      </a:accent5>
+      <a:accent6>
+        <a:srgbClr val="70AD47"/>
+      </a:accent6>
+      <a:hlink>
+        <a:srgbClr val="0563C1"/>
+      </a:hlink>
+      <a:folHlink>
+        <a:srgbClr val="954F72"/>
+      </a:folHlink>
+    </a:clrScheme>
+    <a:fontScheme name="Office">
+      <a:majorFont>
+        <a:latin typeface="Calibri Light" panose="020F0302020204030204"/>
+        <a:ea typeface=""/>
+        <a:cs typeface=""/>
+        <a:font script="Jpan" typeface="ＭＳ Ｐゴシック"/>
+        <a:font script="Hang" typeface="맑은 고딕"/>
+        <a:font script="Hans" typeface="宋体"/>
+        <a:font script="Hant" typeface="新細明體"/>
+        <a:font script="Arab" typeface="Times New Roman"/>
+        <a:font script="Hebr" typeface="Times New Roman"/>
+        <a:font script="Thai" typeface="Angsana New"/>
+        <a:font script="Ethi" typeface="Nyala"/>
+        <a:font script="Beng" typeface="Vrinda"/>
+        <a:font script="Gujr" typeface="Shruti"/>
+        <a:font script="Khmr" typeface="MoolBoran"/>
+        <a:font script="Knda" typeface="Tunga"/>
+        <a:font script="Guru" typeface="Raavi"/>
+        <a:font script="Cans" typeface="Euphemia"/>
+        <a:font script="Cher" typeface="Plantagenet Cherokee"/>
+        <a:font script="Yiii" typeface="Microsoft Yi Baiti"/>
+        <a:font script="Tibt" typeface="Microsoft Himalaya"/>
+        <a:font script="Thaa" typeface="MV Boli"/>
+        <a:font script="Deva" typeface="Mangal"/>
+        <a:font script="Telu" typeface="Gautami"/>
+        <a:font script="Taml" typeface="Latha"/>
+        <a:font script="Syrc" typeface="Estrangelo Edessa"/>
+        <a:font script="Orya" typeface="Kalinga"/>
+        <a:font script="Mlym" typeface="Kartika"/>
+        <a:font script="Laoo" typeface="DokChampa"/>
+        <a:font script="Sinh" typeface="Iskoola Pota"/>
+        <a:font script="Mong" typeface="Mongolian Baiti"/>
+        <a:font script="Viet" typeface="Times New Roman"/>
+        <a:font script="Uigh" typeface="Microsoft Uighur"/>
+        <a:font script="Geor" typeface="Sylfaen"/>
+      </a:majorFont>
+      <a:minorFont>
+        <a:latin typeface="Calibri" panose="020F0502020204030204"/>
+        <a:ea typeface=""/>
+        <a:cs typeface=""/>
+        <a:font script="Jpan" typeface="ＭＳ Ｐゴシック"/>
+        <a:font script="Hang" typeface="맑은 고딕"/>
+        <a:font script="Hans" typeface="宋体"/>
+        <a:font script="Hant" typeface="新細明體"/>
+        <a:font script="Arab" typeface="Arial"/>
+        <a:font script="Hebr" typeface="Arial"/>
+        <a:font script="Thai" typeface="Cordia New"/>
+        <a:font script="Ethi" typeface="Nyala"/>
+        <a:font script="Beng" typeface="Vrinda"/>
+        <a:font script="Gujr" typeface="Shruti"/>
+        <a:font script="Khmr" typeface="DaunPenh"/>
+        <a:font script="Knda" typeface="Tunga"/>
+        <a:font script="Guru" typeface="Raavi"/>
+        <a:font script="Cans" typeface="Euphemia"/>
+        <a:font script="Cher" typeface="Plantagenet Cherokee"/>
+        <a:font script="Yiii" typeface="Microsoft Yi Baiti"/>
+        <a:font script="Tibt" typeface="Microsoft Himalaya"/>
+        <a:font script="Thaa" typeface="MV Boli"/>
+        <a:font script="Deva" typeface="Mangal"/>
+        <a:font script="Telu" typeface="Gautami"/>
+        <a:font script="Taml" typeface="Latha"/>
+        <a:font script="Syrc" typeface="Estrangelo Edessa"/>
+        <a:font script="Orya" typeface="Kalinga"/>
+        <a:font script="Mlym" typeface="Kartika"/>
+        <a:font script="Laoo" typeface="DokChampa"/>
+        <a:font script="Sinh" typeface="Iskoola Pota"/>
+        <a:font script="Mong" typeface="Mongolian Baiti"/>
+        <a:font script="Viet" typeface="Arial"/>
+        <a:font script="Uigh" typeface="Microsoft Uighur"/>
+        <a:font script="Geor" typeface="Sylfaen"/>
+      </a:minorFont>
+    </a:fontScheme>
+    <a:fmtScheme name="Office">
+      <a:fillStyleLst>
+        <a:solidFill>
+          <a:schemeClr val="phClr"/>
+        </a:solidFill>
+        <a:gradFill rotWithShape="1">
+          <a:gsLst>
+            <a:gs pos="0">
+              <a:schemeClr val="phClr">
+                <a:lumMod val="110000"/>
+                <a:satMod val="105000"/>
+                <a:tint val="67000"/>
+              </a:schemeClr>
+            </a:gs>
+            <a:gs pos="50000">
+              <a:schemeClr val="phClr">
+                <a:lumMod val="105000"/>
+                <a:satMod val="103000"/>
+                <a:tint val="73000"/>
+              </a:schemeClr>
+            </a:gs>
+            <a:gs pos="100000">
+              <a:schemeClr val="phClr">
+                <a:lumMod val="105000"/>
+                <a:satMod val="109000"/>
+                <a:tint val="81000"/>
+              </a:schemeClr>
+            </a:gs>
+          </a:gsLst>
+          <a:lin ang="5400000" scaled="0"/>
+        </a:gradFill>
+        <a:gradFill rotWithShape="1">
+          <a:gsLst>
+            <a:gs pos="0">
+              <a:schemeClr val="phClr">
+                <a:satMod val="103000"/>
+                <a:lumMod val="102000"/>
+                <a:tint val="94000"/>
+              </a:schemeClr>
+            </a:gs>
+            <a:gs pos="50000">
+              <a:schemeClr val="phClr">
+                <a:satMod val="110000"/>
+                <a:lumMod val="100000"/>
+                <a:shade val="100000"/>
+              </a:schemeClr>
+            </a:gs>
+            <a:gs pos="100000">
+              <a:schemeClr val="phClr">
+                <a:lumMod val="99000"/>
+                <a:satMod val="120000"/>
+                <a:shade val="78000"/>
+              </a:schemeClr>
+            </a:gs>
+          </a:gsLst>
+          <a:lin ang="5400000" scaled="0"/>
+        </a:gradFill>
+      </a:fillStyleLst>
+      <a:lnStyleLst>
+        <a:ln w="6350" cap="flat" cmpd="sng" algn="ctr">
+          <a:solidFill>
+            <a:schemeClr val="phClr"/>
+          </a:solidFill>
+          <a:prstDash val="solid"/>
+          <a:miter lim="800000"/>
+        </a:ln>
+        <a:ln w="12700" cap="flat" cmpd="sng" algn="ctr">
+          <a:solidFill>
+            <a:schemeClr val="phClr"/>
+          </a:solidFill>
+          <a:prstDash val="solid"/>
+          <a:miter lim="800000"/>
+        </a:ln>
+        <a:ln w="19050" cap="flat" cmpd="sng" algn="ctr">
+          <a:solidFill>
+            <a:schemeClr val="phClr"/>
+          </a:solidFill>
+          <a:prstDash val="solid"/>
+          <a:miter lim="800000"/>
+        </a:ln>
+      </a:lnStyleLst>
+      <a:effectStyleLst>
+        <a:effectStyle>
+          <a:effectLst/>
+        </a:effectStyle>
+        <a:effectStyle>
+          <a:effectLst/>
+        </a:effectStyle>
+        <a:effectStyle>
+          <a:effectLst>
+            <a:outerShdw blurRad="57150" dist="19050" dir="5400000" algn="ctr" rotWithShape="0">
+              <a:srgbClr val="000000">
+                <a:alpha val="63000"/>
+              </a:srgbClr>
+            </a:outerShdw>
+          </a:effectLst>
+        </a:effectStyle>
+      </a:effectStyleLst>
+      <a:bgFillStyleLst>
+        <a:solidFill>
+          <a:schemeClr val="phClr"/>
+        </a:solidFill>
+        <a:solidFill>
+          <a:schemeClr val="phClr">
+            <a:tint val="95000"/>
+            <a:satMod val="170000"/>
+          </a:schemeClr>
+        </a:solidFill>
+        <a:gradFill rotWithShape="1">
+          <a:gsLst>
+            <a:gs pos="0">
+              <a:schemeClr val="phClr">
+                <a:tint val="93000"/>
+                <a:satMod val="150000"/>
+                <a:shade val="98000"/>
+                <a:lumMod val="102000"/>
+              </a:schemeClr>
+            </a:gs>
+            <a:gs pos="50000">
+              <a:schemeClr val="phClr">
+                <a:tint val="98000"/>
+                <a:satMod val="130000"/>
+                <a:shade val="90000"/>
+                <a:lumMod val="103000"/>
+              </a:schemeClr>
+            </a:gs>
+            <a:gs pos="100000">
+              <a:schemeClr val="phClr">
+                <a:shade val="63000"/>
+                <a:satMod val="120000"/>
+              </a:schemeClr>
+            </a:gs>
+          </a:gsLst>
+          <a:lin ang="5400000" scaled="0"/>
+        </a:gradFill>
+      </a:bgFillStyleLst>
+    </a:fmtScheme>
+  </a:themeElements>
+  <a:objectDefaults/>
+  <a:extraClrSchemeLst/>
+  <a:extLst>
+    <a:ext uri="{05A4C25C-085E-4340-85A3-A5531E510DB2}">
+      <thm15:themeFamily xmlns:thm15="http://schemas.microsoft.com/office/thememl/2012/main" name="Office Theme" id="{62F939B6-93AF-4DB8-9C6B-D6C7DFDC589F}" vid="{4A3C46E8-61CC-4603-A589-7422A47A8E4A}"/>
+    </a:ext>
+  </a:extLst>
+</a:theme>
 </file>
--- a/PFMFEM.pptx
+++ b/PFMFEM.pptx
@@ -5,7 +5,7 @@
     <p:sldMasterId id="2147483733" r:id="rId1"/>
   </p:sldMasterIdLst>
   <p:notesMasterIdLst>
-    <p:notesMasterId r:id="rId17"/>
+    <p:notesMasterId r:id="rId15"/>
   </p:notesMasterIdLst>
   <p:sldIdLst>
     <p:sldId id="256" r:id="rId2"/>
@@ -17,12 +17,10 @@
     <p:sldId id="267" r:id="rId8"/>
     <p:sldId id="268" r:id="rId9"/>
     <p:sldId id="269" r:id="rId10"/>
-    <p:sldId id="270" r:id="rId11"/>
-    <p:sldId id="259" r:id="rId12"/>
-    <p:sldId id="266" r:id="rId13"/>
-    <p:sldId id="261" r:id="rId14"/>
-    <p:sldId id="263" r:id="rId15"/>
-    <p:sldId id="264" r:id="rId16"/>
+    <p:sldId id="266" r:id="rId11"/>
+    <p:sldId id="264" r:id="rId12"/>
+    <p:sldId id="270" r:id="rId13"/>
+    <p:sldId id="271" r:id="rId14"/>
   </p:sldIdLst>
   <p:sldSz cx="12192000" cy="6858000"/>
   <p:notesSz cx="6858000" cy="9144000"/>
@@ -211,7 +209,7 @@
           <a:p>
             <a:fld id="{F4067880-F2D7-4774-9971-350379BCB41E}" type="datetimeFigureOut">
               <a:rPr lang="en-US" smtClean="0"/>
-              <a:t>12/4/2016</a:t>
+              <a:t>12/5/16</a:t>
             </a:fld>
             <a:endParaRPr lang="en-US"/>
           </a:p>
@@ -899,6 +897,14 @@
           <a:bodyPr/>
           <a:lstStyle/>
           <a:p>
+            <a:r>
+              <a:rPr lang="en-US" dirty="0" smtClean="0"/>
+              <a:t>We end up with</a:t>
+            </a:r>
+            <a:r>
+              <a:rPr lang="en-US" baseline="0" dirty="0" smtClean="0"/>
+              <a:t> a system of equations </a:t>
+            </a:r>
             <a:endParaRPr lang="en-US" dirty="0"/>
           </a:p>
         </p:txBody>
@@ -920,7 +926,7 @@
           <a:p>
             <a:fld id="{EE8B852E-2CC2-4BFF-A9F5-B5CF0680D6AA}" type="slidenum">
               <a:rPr lang="en-US" smtClean="0"/>
-              <a:t>11</a:t>
+              <a:t>9</a:t>
             </a:fld>
             <a:endParaRPr lang="en-US"/>
           </a:p>
@@ -929,7 +935,7 @@
     </p:spTree>
     <p:extLst>
       <p:ext uri="{BB962C8B-B14F-4D97-AF65-F5344CB8AC3E}">
-        <p14:creationId xmlns:p14="http://schemas.microsoft.com/office/powerpoint/2010/main" val="947248081"/>
+        <p14:creationId xmlns:p14="http://schemas.microsoft.com/office/powerpoint/2010/main" val="2098372765"/>
       </p:ext>
     </p:extLst>
   </p:cSld>
@@ -983,6 +989,26 @@
           <a:bodyPr/>
           <a:lstStyle/>
           <a:p>
+            <a:r>
+              <a:rPr lang="en-US" dirty="0" err="1" smtClean="0"/>
+              <a:t>Xiukun</a:t>
+            </a:r>
+            <a:r>
+              <a:rPr lang="en-US" dirty="0" smtClean="0"/>
+              <a:t> can talk about</a:t>
+            </a:r>
+            <a:r>
+              <a:rPr lang="en-US" baseline="0" dirty="0" smtClean="0"/>
+              <a:t> </a:t>
+            </a:r>
+            <a:r>
+              <a:rPr lang="en-US" baseline="0" dirty="0" err="1" smtClean="0"/>
+              <a:t>Matlab</a:t>
+            </a:r>
+            <a:r>
+              <a:rPr lang="en-US" baseline="0" dirty="0" smtClean="0"/>
+              <a:t> code</a:t>
+            </a:r>
             <a:endParaRPr lang="en-US" dirty="0"/>
           </a:p>
         </p:txBody>
@@ -1004,7 +1030,7 @@
           <a:p>
             <a:fld id="{EE8B852E-2CC2-4BFF-A9F5-B5CF0680D6AA}" type="slidenum">
               <a:rPr lang="en-US" smtClean="0"/>
-              <a:t>13</a:t>
+              <a:t>10</a:t>
             </a:fld>
             <a:endParaRPr lang="en-US"/>
           </a:p>
@@ -1013,7 +1039,7 @@
     </p:spTree>
     <p:extLst>
       <p:ext uri="{BB962C8B-B14F-4D97-AF65-F5344CB8AC3E}">
-        <p14:creationId xmlns:p14="http://schemas.microsoft.com/office/powerpoint/2010/main" val="533115391"/>
+        <p14:creationId xmlns:p14="http://schemas.microsoft.com/office/powerpoint/2010/main" val="577222483"/>
       </p:ext>
     </p:extLst>
   </p:cSld>
@@ -1069,19 +1095,7 @@
           <a:p>
             <a:r>
               <a:rPr lang="en-US" dirty="0" smtClean="0"/>
-              <a:t>As we</a:t>
-            </a:r>
-            <a:r>
-              <a:rPr lang="en-US" baseline="0" dirty="0" smtClean="0"/>
-              <a:t> mentioned earlier, coding from scratch can be quite difficult. We chose to modify an existing mesh-generating code from </a:t>
-            </a:r>
-            <a:r>
-              <a:rPr lang="en-US" baseline="0" dirty="0" err="1" smtClean="0"/>
-              <a:t>Matlab</a:t>
-            </a:r>
-            <a:r>
-              <a:rPr lang="en-US" baseline="0" dirty="0" smtClean="0"/>
-              <a:t> and convert it to C. </a:t>
+              <a:t>Not considering </a:t>
             </a:r>
             <a:endParaRPr lang="en-US" dirty="0"/>
           </a:p>
@@ -1104,7 +1118,7 @@
           <a:p>
             <a:fld id="{EE8B852E-2CC2-4BFF-A9F5-B5CF0680D6AA}" type="slidenum">
               <a:rPr lang="en-US" smtClean="0"/>
-              <a:t>14</a:t>
+              <a:t>11</a:t>
             </a:fld>
             <a:endParaRPr lang="en-US"/>
           </a:p>
@@ -1113,7 +1127,183 @@
     </p:spTree>
     <p:extLst>
       <p:ext uri="{BB962C8B-B14F-4D97-AF65-F5344CB8AC3E}">
-        <p14:creationId xmlns:p14="http://schemas.microsoft.com/office/powerpoint/2010/main" val="1425893680"/>
+        <p14:creationId xmlns:p14="http://schemas.microsoft.com/office/powerpoint/2010/main" val="1353597392"/>
+      </p:ext>
+    </p:extLst>
+  </p:cSld>
+  <p:clrMapOvr>
+    <a:masterClrMapping/>
+  </p:clrMapOvr>
+</p:notes>
+</file>
+
+<file path=ppt/notesSlides/notesSlide8.xml><?xml version="1.0" encoding="utf-8"?>
+<p:notes xmlns:a="http://schemas.openxmlformats.org/drawingml/2006/main" xmlns:r="http://schemas.openxmlformats.org/officeDocument/2006/relationships" xmlns:p="http://schemas.openxmlformats.org/presentationml/2006/main">
+  <p:cSld>
+    <p:spTree>
+      <p:nvGrpSpPr>
+        <p:cNvPr id="1" name=""/>
+        <p:cNvGrpSpPr/>
+        <p:nvPr/>
+      </p:nvGrpSpPr>
+      <p:grpSpPr>
+        <a:xfrm>
+          <a:off x="0" y="0"/>
+          <a:ext cx="0" cy="0"/>
+          <a:chOff x="0" y="0"/>
+          <a:chExt cx="0" cy="0"/>
+        </a:xfrm>
+      </p:grpSpPr>
+      <p:sp>
+        <p:nvSpPr>
+          <p:cNvPr id="2" name="Slide Image Placeholder 1"/>
+          <p:cNvSpPr>
+            <a:spLocks noGrp="1" noRot="1" noChangeAspect="1"/>
+          </p:cNvSpPr>
+          <p:nvPr>
+            <p:ph type="sldImg"/>
+          </p:nvPr>
+        </p:nvSpPr>
+        <p:spPr/>
+      </p:sp>
+      <p:sp>
+        <p:nvSpPr>
+          <p:cNvPr id="3" name="Notes Placeholder 2"/>
+          <p:cNvSpPr>
+            <a:spLocks noGrp="1"/>
+          </p:cNvSpPr>
+          <p:nvPr>
+            <p:ph type="body" idx="1"/>
+          </p:nvPr>
+        </p:nvSpPr>
+        <p:spPr/>
+        <p:txBody>
+          <a:bodyPr/>
+          <a:lstStyle/>
+          <a:p>
+            <a:r>
+              <a:rPr lang="en-US" dirty="0" smtClean="0"/>
+              <a:t>Not considering </a:t>
+            </a:r>
+            <a:endParaRPr lang="en-US" dirty="0"/>
+          </a:p>
+        </p:txBody>
+      </p:sp>
+      <p:sp>
+        <p:nvSpPr>
+          <p:cNvPr id="4" name="Slide Number Placeholder 3"/>
+          <p:cNvSpPr>
+            <a:spLocks noGrp="1"/>
+          </p:cNvSpPr>
+          <p:nvPr>
+            <p:ph type="sldNum" sz="quarter" idx="10"/>
+          </p:nvPr>
+        </p:nvSpPr>
+        <p:spPr/>
+        <p:txBody>
+          <a:bodyPr/>
+          <a:lstStyle/>
+          <a:p>
+            <a:fld id="{EE8B852E-2CC2-4BFF-A9F5-B5CF0680D6AA}" type="slidenum">
+              <a:rPr lang="en-US" smtClean="0"/>
+              <a:t>12</a:t>
+            </a:fld>
+            <a:endParaRPr lang="en-US"/>
+          </a:p>
+        </p:txBody>
+      </p:sp>
+    </p:spTree>
+    <p:extLst>
+      <p:ext uri="{BB962C8B-B14F-4D97-AF65-F5344CB8AC3E}">
+        <p14:creationId xmlns:p14="http://schemas.microsoft.com/office/powerpoint/2010/main" val="1995964634"/>
+      </p:ext>
+    </p:extLst>
+  </p:cSld>
+  <p:clrMapOvr>
+    <a:masterClrMapping/>
+  </p:clrMapOvr>
+</p:notes>
+</file>
+
+<file path=ppt/notesSlides/notesSlide9.xml><?xml version="1.0" encoding="utf-8"?>
+<p:notes xmlns:a="http://schemas.openxmlformats.org/drawingml/2006/main" xmlns:r="http://schemas.openxmlformats.org/officeDocument/2006/relationships" xmlns:p="http://schemas.openxmlformats.org/presentationml/2006/main">
+  <p:cSld>
+    <p:spTree>
+      <p:nvGrpSpPr>
+        <p:cNvPr id="1" name=""/>
+        <p:cNvGrpSpPr/>
+        <p:nvPr/>
+      </p:nvGrpSpPr>
+      <p:grpSpPr>
+        <a:xfrm>
+          <a:off x="0" y="0"/>
+          <a:ext cx="0" cy="0"/>
+          <a:chOff x="0" y="0"/>
+          <a:chExt cx="0" cy="0"/>
+        </a:xfrm>
+      </p:grpSpPr>
+      <p:sp>
+        <p:nvSpPr>
+          <p:cNvPr id="2" name="Slide Image Placeholder 1"/>
+          <p:cNvSpPr>
+            <a:spLocks noGrp="1" noRot="1" noChangeAspect="1"/>
+          </p:cNvSpPr>
+          <p:nvPr>
+            <p:ph type="sldImg"/>
+          </p:nvPr>
+        </p:nvSpPr>
+        <p:spPr/>
+      </p:sp>
+      <p:sp>
+        <p:nvSpPr>
+          <p:cNvPr id="3" name="Notes Placeholder 2"/>
+          <p:cNvSpPr>
+            <a:spLocks noGrp="1"/>
+          </p:cNvSpPr>
+          <p:nvPr>
+            <p:ph type="body" idx="1"/>
+          </p:nvPr>
+        </p:nvSpPr>
+        <p:spPr/>
+        <p:txBody>
+          <a:bodyPr/>
+          <a:lstStyle/>
+          <a:p>
+            <a:r>
+              <a:rPr lang="en-US" dirty="0" smtClean="0"/>
+              <a:t>Not considering </a:t>
+            </a:r>
+            <a:endParaRPr lang="en-US" dirty="0"/>
+          </a:p>
+        </p:txBody>
+      </p:sp>
+      <p:sp>
+        <p:nvSpPr>
+          <p:cNvPr id="4" name="Slide Number Placeholder 3"/>
+          <p:cNvSpPr>
+            <a:spLocks noGrp="1"/>
+          </p:cNvSpPr>
+          <p:nvPr>
+            <p:ph type="sldNum" sz="quarter" idx="10"/>
+          </p:nvPr>
+        </p:nvSpPr>
+        <p:spPr/>
+        <p:txBody>
+          <a:bodyPr/>
+          <a:lstStyle/>
+          <a:p>
+            <a:fld id="{EE8B852E-2CC2-4BFF-A9F5-B5CF0680D6AA}" type="slidenum">
+              <a:rPr lang="en-US" smtClean="0"/>
+              <a:t>13</a:t>
+            </a:fld>
+            <a:endParaRPr lang="en-US"/>
+          </a:p>
+        </p:txBody>
+      </p:sp>
+    </p:spTree>
+    <p:extLst>
+      <p:ext uri="{BB962C8B-B14F-4D97-AF65-F5344CB8AC3E}">
+        <p14:creationId xmlns:p14="http://schemas.microsoft.com/office/powerpoint/2010/main" val="780527782"/>
       </p:ext>
     </p:extLst>
   </p:cSld>
@@ -1314,7 +1504,7 @@
             <a:fld id="{96DFF08F-DC6B-4601-B491-B0F83F6DD2DA}" type="datetimeFigureOut">
               <a:rPr lang="en-US" smtClean="0"/>
               <a:pPr/>
-              <a:t>12/4/2016</a:t>
+              <a:t>12/5/16</a:t>
             </a:fld>
             <a:endParaRPr lang="en-US" dirty="0"/>
           </a:p>
@@ -1519,7 +1709,7 @@
           <a:p>
             <a:fld id="{96DFF08F-DC6B-4601-B491-B0F83F6DD2DA}" type="datetimeFigureOut">
               <a:rPr lang="en-US" smtClean="0"/>
-              <a:t>12/4/2016</a:t>
+              <a:t>12/5/16</a:t>
             </a:fld>
             <a:endParaRPr lang="en-US" dirty="0"/>
           </a:p>
@@ -1699,7 +1889,7 @@
           <a:p>
             <a:fld id="{96DFF08F-DC6B-4601-B491-B0F83F6DD2DA}" type="datetimeFigureOut">
               <a:rPr lang="en-US" smtClean="0"/>
-              <a:t>12/4/2016</a:t>
+              <a:t>12/5/16</a:t>
             </a:fld>
             <a:endParaRPr lang="en-US" dirty="0"/>
           </a:p>
@@ -1904,7 +2094,7 @@
           <a:p>
             <a:fld id="{96DFF08F-DC6B-4601-B491-B0F83F6DD2DA}" type="datetimeFigureOut">
               <a:rPr lang="en-US" smtClean="0"/>
-              <a:t>12/4/2016</a:t>
+              <a:t>12/5/16</a:t>
             </a:fld>
             <a:endParaRPr lang="en-US" dirty="0"/>
           </a:p>
@@ -2199,7 +2389,7 @@
           <a:p>
             <a:fld id="{96DFF08F-DC6B-4601-B491-B0F83F6DD2DA}" type="datetimeFigureOut">
               <a:rPr lang="en-US" smtClean="0"/>
-              <a:t>12/4/2016</a:t>
+              <a:t>12/5/16</a:t>
             </a:fld>
             <a:endParaRPr lang="en-US" dirty="0"/>
           </a:p>
@@ -2471,7 +2661,7 @@
           <a:p>
             <a:fld id="{96DFF08F-DC6B-4601-B491-B0F83F6DD2DA}" type="datetimeFigureOut">
               <a:rPr lang="en-US" smtClean="0"/>
-              <a:t>12/4/2016</a:t>
+              <a:t>12/5/16</a:t>
             </a:fld>
             <a:endParaRPr lang="en-US" dirty="0"/>
           </a:p>
@@ -2878,7 +3068,7 @@
           <a:p>
             <a:fld id="{96DFF08F-DC6B-4601-B491-B0F83F6DD2DA}" type="datetimeFigureOut">
               <a:rPr lang="en-US" smtClean="0"/>
-              <a:t>12/4/2016</a:t>
+              <a:t>12/5/16</a:t>
             </a:fld>
             <a:endParaRPr lang="en-US" dirty="0"/>
           </a:p>
@@ -2996,7 +3186,7 @@
           <a:p>
             <a:fld id="{96DFF08F-DC6B-4601-B491-B0F83F6DD2DA}" type="datetimeFigureOut">
               <a:rPr lang="en-US" smtClean="0"/>
-              <a:t>12/4/2016</a:t>
+              <a:t>12/5/16</a:t>
             </a:fld>
             <a:endParaRPr lang="en-US" dirty="0"/>
           </a:p>
@@ -3091,7 +3281,7 @@
           <a:p>
             <a:fld id="{96DFF08F-DC6B-4601-B491-B0F83F6DD2DA}" type="datetimeFigureOut">
               <a:rPr lang="en-US" smtClean="0"/>
-              <a:t>12/4/2016</a:t>
+              <a:t>12/5/16</a:t>
             </a:fld>
             <a:endParaRPr lang="en-US" dirty="0"/>
           </a:p>
@@ -3381,7 +3571,7 @@
           <a:p>
             <a:fld id="{96DFF08F-DC6B-4601-B491-B0F83F6DD2DA}" type="datetimeFigureOut">
               <a:rPr lang="en-US" smtClean="0"/>
-              <a:t>12/4/2016</a:t>
+              <a:t>12/5/16</a:t>
             </a:fld>
             <a:endParaRPr lang="en-US" dirty="0"/>
           </a:p>
@@ -3661,7 +3851,7 @@
           <a:p>
             <a:fld id="{C7616CA0-919D-4A49-9C8A-62FDFB3A5183}" type="datetimeFigureOut">
               <a:rPr lang="en-US" smtClean="0"/>
-              <a:t>12/4/2016</a:t>
+              <a:t>12/5/16</a:t>
             </a:fld>
             <a:endParaRPr lang="en-US" dirty="0"/>
           </a:p>
@@ -3912,7 +4102,7 @@
             <a:fld id="{96DFF08F-DC6B-4601-B491-B0F83F6DD2DA}" type="datetimeFigureOut">
               <a:rPr lang="en-US" smtClean="0"/>
               <a:pPr/>
-              <a:t>12/4/2016</a:t>
+              <a:t>12/5/16</a:t>
             </a:fld>
             <a:endParaRPr lang="en-US" dirty="0"/>
           </a:p>
@@ -4569,7 +4759,11 @@
           <a:bodyPr/>
           <a:lstStyle/>
           <a:p>
-            <a:endParaRPr lang="en-US"/>
+            <a:r>
+              <a:rPr lang="en-US" dirty="0" smtClean="0"/>
+              <a:t>Implementing finite element method</a:t>
+            </a:r>
+            <a:endParaRPr lang="en-US" dirty="0"/>
           </a:p>
         </p:txBody>
       </p:sp>
@@ -4585,17 +4779,79 @@
         </p:nvSpPr>
         <p:spPr/>
         <p:txBody>
-          <a:bodyPr/>
-          <a:lstStyle/>
-          <a:p>
-            <a:endParaRPr lang="en-US"/>
+          <a:bodyPr>
+            <a:normAutofit/>
+          </a:bodyPr>
+          <a:lstStyle/>
+          <a:p>
+            <a:pPr>
+              <a:buFont typeface="Wingdings" panose="05000000000000000000" pitchFamily="2" charset="2"/>
+              <a:buChar char="v"/>
+            </a:pPr>
+            <a:r>
+              <a:rPr lang="en-US" sz="4400" dirty="0" smtClean="0"/>
+              <a:t> </a:t>
+            </a:r>
+            <a:r>
+              <a:rPr lang="en-US" sz="4400" dirty="0" smtClean="0"/>
+              <a:t>Tri</a:t>
+            </a:r>
+            <a:r>
+              <a:rPr lang="en-US" sz="4400" dirty="0" smtClean="0"/>
+              <a:t>angular elements</a:t>
+            </a:r>
+          </a:p>
+          <a:p>
+            <a:pPr>
+              <a:buFont typeface="Wingdings" panose="05000000000000000000" pitchFamily="2" charset="2"/>
+              <a:buChar char="v"/>
+            </a:pPr>
+            <a:r>
+              <a:rPr lang="en-US" sz="4400" dirty="0"/>
+              <a:t> M</a:t>
+            </a:r>
+            <a:r>
+              <a:rPr lang="en-US" sz="4400" dirty="0" smtClean="0"/>
+              <a:t>odify existing </a:t>
+            </a:r>
+            <a:r>
+              <a:rPr lang="en-US" sz="4400" dirty="0" err="1" smtClean="0"/>
+              <a:t>Matlab</a:t>
+            </a:r>
+            <a:r>
+              <a:rPr lang="en-US" sz="4400" dirty="0" smtClean="0"/>
+              <a:t> code</a:t>
+            </a:r>
+          </a:p>
+          <a:p>
+            <a:pPr>
+              <a:buFont typeface="Wingdings" panose="05000000000000000000" pitchFamily="2" charset="2"/>
+              <a:buChar char="v"/>
+            </a:pPr>
+            <a:r>
+              <a:rPr lang="en-US" sz="4400" dirty="0"/>
+              <a:t> </a:t>
+            </a:r>
+            <a:r>
+              <a:rPr lang="en-US" sz="4400" dirty="0" smtClean="0"/>
+              <a:t>Neumann, Periodic, and </a:t>
+            </a:r>
+            <a:r>
+              <a:rPr lang="en-US" sz="4400" dirty="0" err="1" smtClean="0"/>
+              <a:t>Dirichlet</a:t>
+            </a:r>
+            <a:r>
+              <a:rPr lang="en-US" sz="4400" dirty="0" smtClean="0"/>
+              <a:t> conditions</a:t>
+            </a:r>
+            <a:endParaRPr lang="en-US" sz="4400" dirty="0"/>
           </a:p>
         </p:txBody>
       </p:sp>
     </p:spTree>
     <p:extLst>
       <p:ext uri="{BB962C8B-B14F-4D97-AF65-F5344CB8AC3E}">
-        <p14:creationId xmlns:p14="http://schemas.microsoft.com/office/powerpoint/2010/main" val="770229972"/>
+        <p14:creationId xmlns:p14="http://schemas.microsoft.com/office/powerpoint/2010/main" val="1080100175"/>
       </p:ext>
     </p:extLst>
   </p:cSld>
@@ -4638,12 +4894,8 @@
           <a:lstStyle/>
           <a:p>
             <a:r>
-              <a:rPr lang="en-US" dirty="0" err="1" smtClean="0"/>
-              <a:t>Galerkin</a:t>
-            </a:r>
-            <a:r>
               <a:rPr lang="en-US" dirty="0" smtClean="0"/>
-              <a:t> method</a:t>
+              <a:t>results</a:t>
             </a:r>
             <a:endParaRPr lang="en-US" dirty="0"/>
           </a:p>
@@ -4661,9 +4913,7 @@
         </p:nvSpPr>
         <p:spPr/>
         <p:txBody>
-          <a:bodyPr>
-            <a:normAutofit/>
-          </a:bodyPr>
+          <a:bodyPr/>
           <a:lstStyle/>
           <a:p>
             <a:pPr>
@@ -4671,58 +4921,23 @@
               <a:buChar char="v"/>
             </a:pPr>
             <a:r>
-              <a:rPr lang="en-US" sz="4400" dirty="0" smtClean="0"/>
-              <a:t> Weighted residual approach</a:t>
-            </a:r>
-          </a:p>
-          <a:p>
-            <a:pPr>
-              <a:buFont typeface="Wingdings" charset="2"/>
-              <a:buChar char="v"/>
-            </a:pPr>
-            <a:r>
-              <a:rPr lang="en-US" sz="4400" dirty="0"/>
-              <a:t> A</a:t>
-            </a:r>
-            <a:r>
-              <a:rPr lang="en-US" sz="4400" dirty="0" smtClean="0"/>
-              <a:t>ssumes same shape functions are used for the solution and the </a:t>
-            </a:r>
-            <a:r>
-              <a:rPr lang="en-US" sz="4400" dirty="0" smtClean="0"/>
-              <a:t>weights</a:t>
-            </a:r>
-          </a:p>
-          <a:p>
-            <a:pPr>
-              <a:buFont typeface="Wingdings" charset="2"/>
-              <a:buChar char="v"/>
-            </a:pPr>
-            <a:r>
-              <a:rPr lang="en-US" sz="4400" dirty="0" smtClean="0"/>
-              <a:t> Forms weak integral form expressed as a linear combination of basis functions</a:t>
-            </a:r>
-            <a:endParaRPr lang="en-US" sz="4400" dirty="0"/>
+              <a:rPr lang="en-US" dirty="0" smtClean="0"/>
+              <a:t> add movie/pictures</a:t>
+            </a:r>
+            <a:endParaRPr lang="en-US" dirty="0"/>
           </a:p>
         </p:txBody>
       </p:sp>
     </p:spTree>
     <p:extLst>
       <p:ext uri="{BB962C8B-B14F-4D97-AF65-F5344CB8AC3E}">
-        <p14:creationId xmlns:p14="http://schemas.microsoft.com/office/powerpoint/2010/main" val="897568354"/>
+        <p14:creationId xmlns:p14="http://schemas.microsoft.com/office/powerpoint/2010/main" val="800065901"/>
       </p:ext>
     </p:extLst>
   </p:cSld>
   <p:clrMapOvr>
     <a:masterClrMapping/>
   </p:clrMapOvr>
-  <p:timing>
-    <p:tnLst>
-      <p:par>
-        <p:cTn id="1" dur="indefinite" restart="never" nodeType="tmRoot"/>
-      </p:par>
-    </p:tnLst>
-  </p:timing>
 </p:sld>
 </file>
 
@@ -4760,7 +4975,7 @@
           <a:p>
             <a:r>
               <a:rPr lang="en-US" dirty="0" smtClean="0"/>
-              <a:t>Discretizing the domain </a:t>
+              <a:t>results</a:t>
             </a:r>
             <a:endParaRPr lang="en-US" dirty="0"/>
           </a:p>
@@ -4778,27 +4993,17 @@
         </p:nvSpPr>
         <p:spPr/>
         <p:txBody>
-          <a:bodyPr>
-            <a:normAutofit/>
-          </a:bodyPr>
-          <a:lstStyle/>
-          <a:p>
-            <a:pPr>
-              <a:buFont typeface="Wingdings" panose="05000000000000000000" pitchFamily="2" charset="2"/>
-              <a:buChar char="v"/>
-            </a:pPr>
-            <a:r>
-              <a:rPr lang="en-US" sz="4400" dirty="0" smtClean="0"/>
-              <a:t> Rectangular </a:t>
-            </a:r>
-            <a:endParaRPr lang="en-US" sz="4400" dirty="0"/>
+          <a:bodyPr/>
+          <a:lstStyle/>
+          <a:p>
+            <a:endParaRPr lang="en-US" dirty="0"/>
           </a:p>
         </p:txBody>
       </p:sp>
     </p:spTree>
     <p:extLst>
       <p:ext uri="{BB962C8B-B14F-4D97-AF65-F5344CB8AC3E}">
-        <p14:creationId xmlns:p14="http://schemas.microsoft.com/office/powerpoint/2010/main" val="1080100175"/>
+        <p14:creationId xmlns:p14="http://schemas.microsoft.com/office/powerpoint/2010/main" val="651378599"/>
       </p:ext>
     </p:extLst>
   </p:cSld>
@@ -4842,7 +5047,674 @@
           <a:p>
             <a:r>
               <a:rPr lang="en-US" dirty="0" smtClean="0"/>
-              <a:t>Strong form </a:t>
+              <a:t>results</a:t>
+            </a:r>
+            <a:endParaRPr lang="en-US" dirty="0"/>
+          </a:p>
+        </p:txBody>
+      </p:sp>
+      <p:sp>
+        <p:nvSpPr>
+          <p:cNvPr id="3" name="Content Placeholder 2"/>
+          <p:cNvSpPr>
+            <a:spLocks noGrp="1"/>
+          </p:cNvSpPr>
+          <p:nvPr>
+            <p:ph idx="1"/>
+          </p:nvPr>
+        </p:nvSpPr>
+        <p:spPr/>
+        <p:txBody>
+          <a:bodyPr>
+            <a:normAutofit/>
+          </a:bodyPr>
+          <a:lstStyle/>
+          <a:p>
+            <a:pPr>
+              <a:buFont typeface="Wingdings" charset="2"/>
+              <a:buChar char="v"/>
+            </a:pPr>
+            <a:r>
+              <a:rPr lang="en-US" sz="4400" dirty="0" smtClean="0"/>
+              <a:t> Code executes in ______ s. </a:t>
+            </a:r>
+          </a:p>
+          <a:p>
+            <a:pPr>
+              <a:buFont typeface="Wingdings" charset="2"/>
+              <a:buChar char="v"/>
+            </a:pPr>
+            <a:r>
+              <a:rPr lang="en-US" sz="4400" dirty="0"/>
+              <a:t> </a:t>
+            </a:r>
+            <a:endParaRPr lang="en-US" sz="4400" dirty="0"/>
+          </a:p>
+        </p:txBody>
+      </p:sp>
+    </p:spTree>
+    <p:extLst>
+      <p:ext uri="{BB962C8B-B14F-4D97-AF65-F5344CB8AC3E}">
+        <p14:creationId xmlns:p14="http://schemas.microsoft.com/office/powerpoint/2010/main" val="361516735"/>
+      </p:ext>
+    </p:extLst>
+  </p:cSld>
+  <p:clrMapOvr>
+    <a:masterClrMapping/>
+  </p:clrMapOvr>
+</p:sld>
+</file>
+
+<file path=ppt/slides/slide2.xml><?xml version="1.0" encoding="utf-8"?>
+<p:sld xmlns:a="http://schemas.openxmlformats.org/drawingml/2006/main" xmlns:r="http://schemas.openxmlformats.org/officeDocument/2006/relationships" xmlns:p="http://schemas.openxmlformats.org/presentationml/2006/main">
+  <p:cSld>
+    <p:spTree>
+      <p:nvGrpSpPr>
+        <p:cNvPr id="1" name=""/>
+        <p:cNvGrpSpPr/>
+        <p:nvPr/>
+      </p:nvGrpSpPr>
+      <p:grpSpPr>
+        <a:xfrm>
+          <a:off x="0" y="0"/>
+          <a:ext cx="0" cy="0"/>
+          <a:chOff x="0" y="0"/>
+          <a:chExt cx="0" cy="0"/>
+        </a:xfrm>
+      </p:grpSpPr>
+      <p:sp>
+        <p:nvSpPr>
+          <p:cNvPr id="2" name="Title 1"/>
+          <p:cNvSpPr>
+            <a:spLocks noGrp="1"/>
+          </p:cNvSpPr>
+          <p:nvPr>
+            <p:ph type="title"/>
+          </p:nvPr>
+        </p:nvSpPr>
+        <p:spPr/>
+        <p:txBody>
+          <a:bodyPr/>
+          <a:lstStyle/>
+          <a:p>
+            <a:r>
+              <a:rPr lang="en-US" dirty="0" smtClean="0"/>
+              <a:t>PHASE-FIELD MODELING</a:t>
+            </a:r>
+            <a:endParaRPr lang="en-US" dirty="0"/>
+          </a:p>
+        </p:txBody>
+      </p:sp>
+      <p:sp>
+        <p:nvSpPr>
+          <p:cNvPr id="3" name="Content Placeholder 2"/>
+          <p:cNvSpPr>
+            <a:spLocks noGrp="1"/>
+          </p:cNvSpPr>
+          <p:nvPr>
+            <p:ph idx="1"/>
+          </p:nvPr>
+        </p:nvSpPr>
+        <p:spPr>
+          <a:xfrm>
+            <a:off x="1024128" y="2286000"/>
+            <a:ext cx="9720071" cy="3408218"/>
+          </a:xfrm>
+        </p:spPr>
+        <p:txBody>
+          <a:bodyPr/>
+          <a:lstStyle/>
+          <a:p>
+            <a:pPr>
+              <a:buFont typeface="Wingdings" charset="2"/>
+              <a:buChar char="v"/>
+            </a:pPr>
+            <a:r>
+              <a:rPr lang="en-US" sz="4400" dirty="0" smtClean="0"/>
+              <a:t> Solidification </a:t>
+            </a:r>
+          </a:p>
+          <a:p>
+            <a:pPr>
+              <a:buFont typeface="Wingdings" charset="2"/>
+              <a:buChar char="v"/>
+            </a:pPr>
+            <a:r>
+              <a:rPr lang="en-US" sz="4400" dirty="0" smtClean="0"/>
+              <a:t> Grain growth</a:t>
+            </a:r>
+          </a:p>
+          <a:p>
+            <a:pPr>
+              <a:buFont typeface="Wingdings" charset="2"/>
+              <a:buChar char="v"/>
+            </a:pPr>
+            <a:r>
+              <a:rPr lang="en-US" sz="4400" dirty="0"/>
+              <a:t> </a:t>
+            </a:r>
+            <a:r>
+              <a:rPr lang="en-US" sz="4400" dirty="0" smtClean="0"/>
+              <a:t>Solid-state phase transformations</a:t>
+            </a:r>
+          </a:p>
+          <a:p>
+            <a:pPr>
+              <a:buFont typeface="Wingdings" charset="2"/>
+              <a:buChar char="v"/>
+            </a:pPr>
+            <a:r>
+              <a:rPr lang="en-US" sz="4400" dirty="0"/>
+              <a:t> </a:t>
+            </a:r>
+            <a:r>
+              <a:rPr lang="en-US" sz="4400" dirty="0" smtClean="0"/>
+              <a:t>Vesicle </a:t>
+            </a:r>
+            <a:r>
+              <a:rPr lang="en-US" sz="4400" dirty="0" smtClean="0"/>
+              <a:t>dynamics</a:t>
+            </a:r>
+            <a:endParaRPr lang="en-US" sz="4400" dirty="0" smtClean="0"/>
+          </a:p>
+        </p:txBody>
+      </p:sp>
+    </p:spTree>
+    <p:extLst>
+      <p:ext uri="{BB962C8B-B14F-4D97-AF65-F5344CB8AC3E}">
+        <p14:creationId xmlns:p14="http://schemas.microsoft.com/office/powerpoint/2010/main" val="243621805"/>
+      </p:ext>
+    </p:extLst>
+  </p:cSld>
+  <p:clrMapOvr>
+    <a:masterClrMapping/>
+  </p:clrMapOvr>
+  <p:timing>
+    <p:tnLst>
+      <p:par>
+        <p:cTn id="1" dur="indefinite" restart="never" nodeType="tmRoot"/>
+      </p:par>
+    </p:tnLst>
+  </p:timing>
+</p:sld>
+</file>
+
+<file path=ppt/slides/slide3.xml><?xml version="1.0" encoding="utf-8"?>
+<p:sld xmlns:a="http://schemas.openxmlformats.org/drawingml/2006/main" xmlns:r="http://schemas.openxmlformats.org/officeDocument/2006/relationships" xmlns:p="http://schemas.openxmlformats.org/presentationml/2006/main">
+  <p:cSld>
+    <p:spTree>
+      <p:nvGrpSpPr>
+        <p:cNvPr id="1" name=""/>
+        <p:cNvGrpSpPr/>
+        <p:nvPr/>
+      </p:nvGrpSpPr>
+      <p:grpSpPr>
+        <a:xfrm>
+          <a:off x="0" y="0"/>
+          <a:ext cx="0" cy="0"/>
+          <a:chOff x="0" y="0"/>
+          <a:chExt cx="0" cy="0"/>
+        </a:xfrm>
+      </p:grpSpPr>
+      <p:sp>
+        <p:nvSpPr>
+          <p:cNvPr id="2" name="Title 1"/>
+          <p:cNvSpPr>
+            <a:spLocks noGrp="1"/>
+          </p:cNvSpPr>
+          <p:nvPr>
+            <p:ph type="title"/>
+          </p:nvPr>
+        </p:nvSpPr>
+        <p:spPr/>
+        <p:txBody>
+          <a:bodyPr/>
+          <a:lstStyle/>
+          <a:p>
+            <a:r>
+              <a:rPr lang="en-US" dirty="0" smtClean="0"/>
+              <a:t>Finite element method</a:t>
+            </a:r>
+            <a:endParaRPr lang="en-US" dirty="0"/>
+          </a:p>
+        </p:txBody>
+      </p:sp>
+      <p:sp>
+        <p:nvSpPr>
+          <p:cNvPr id="3" name="Text Placeholder 2"/>
+          <p:cNvSpPr>
+            <a:spLocks noGrp="1"/>
+          </p:cNvSpPr>
+          <p:nvPr>
+            <p:ph type="body" idx="1"/>
+          </p:nvPr>
+        </p:nvSpPr>
+        <p:spPr/>
+        <p:txBody>
+          <a:bodyPr>
+            <a:normAutofit/>
+          </a:bodyPr>
+          <a:lstStyle/>
+          <a:p>
+            <a:r>
+              <a:rPr lang="en-US" sz="4000" dirty="0" smtClean="0"/>
+              <a:t>Pros: </a:t>
+            </a:r>
+            <a:endParaRPr lang="en-US" sz="4000" dirty="0"/>
+          </a:p>
+        </p:txBody>
+      </p:sp>
+      <p:sp>
+        <p:nvSpPr>
+          <p:cNvPr id="4" name="Content Placeholder 3"/>
+          <p:cNvSpPr>
+            <a:spLocks noGrp="1"/>
+          </p:cNvSpPr>
+          <p:nvPr>
+            <p:ph sz="half" idx="2"/>
+          </p:nvPr>
+        </p:nvSpPr>
+        <p:spPr/>
+        <p:txBody>
+          <a:bodyPr>
+            <a:normAutofit/>
+          </a:bodyPr>
+          <a:lstStyle/>
+          <a:p>
+            <a:pPr>
+              <a:buFont typeface="Arial" panose="020B0604020202020204" pitchFamily="34" charset="0"/>
+              <a:buChar char="•"/>
+            </a:pPr>
+            <a:r>
+              <a:rPr lang="en-US" sz="2800" dirty="0" smtClean="0"/>
+              <a:t> Can implement complex geometries</a:t>
+            </a:r>
+          </a:p>
+          <a:p>
+            <a:pPr>
+              <a:buFont typeface="Arial" panose="020B0604020202020204" pitchFamily="34" charset="0"/>
+              <a:buChar char="•"/>
+            </a:pPr>
+            <a:r>
+              <a:rPr lang="en-US" sz="2800" dirty="0" smtClean="0"/>
+              <a:t> Regional mesh refinement easy</a:t>
+            </a:r>
+          </a:p>
+          <a:p>
+            <a:pPr>
+              <a:buFont typeface="Arial" panose="020B0604020202020204" pitchFamily="34" charset="0"/>
+              <a:buChar char="•"/>
+            </a:pPr>
+            <a:r>
+              <a:rPr lang="en-US" sz="2800" dirty="0" smtClean="0"/>
+              <a:t> Existing code can be tweaked to solve different equations</a:t>
+            </a:r>
+            <a:endParaRPr lang="en-US" sz="2800" dirty="0"/>
+          </a:p>
+        </p:txBody>
+      </p:sp>
+      <p:sp>
+        <p:nvSpPr>
+          <p:cNvPr id="5" name="Text Placeholder 4"/>
+          <p:cNvSpPr>
+            <a:spLocks noGrp="1"/>
+          </p:cNvSpPr>
+          <p:nvPr>
+            <p:ph type="body" sz="quarter" idx="3"/>
+          </p:nvPr>
+        </p:nvSpPr>
+        <p:spPr/>
+        <p:txBody>
+          <a:bodyPr>
+            <a:normAutofit/>
+          </a:bodyPr>
+          <a:lstStyle/>
+          <a:p>
+            <a:r>
+              <a:rPr lang="en-US" sz="4000" dirty="0" smtClean="0"/>
+              <a:t>Cons:</a:t>
+            </a:r>
+            <a:endParaRPr lang="en-US" sz="4000" dirty="0"/>
+          </a:p>
+        </p:txBody>
+      </p:sp>
+      <p:sp>
+        <p:nvSpPr>
+          <p:cNvPr id="6" name="Content Placeholder 5"/>
+          <p:cNvSpPr>
+            <a:spLocks noGrp="1"/>
+          </p:cNvSpPr>
+          <p:nvPr>
+            <p:ph sz="quarter" idx="4"/>
+          </p:nvPr>
+        </p:nvSpPr>
+        <p:spPr/>
+        <p:txBody>
+          <a:bodyPr>
+            <a:normAutofit/>
+          </a:bodyPr>
+          <a:lstStyle/>
+          <a:p>
+            <a:pPr>
+              <a:buFont typeface="Arial" panose="020B0604020202020204" pitchFamily="34" charset="0"/>
+              <a:buChar char="•"/>
+            </a:pPr>
+            <a:r>
+              <a:rPr lang="en-US" sz="2800" dirty="0" smtClean="0"/>
+              <a:t> Writing code from scratch is… not easy</a:t>
+            </a:r>
+          </a:p>
+          <a:p>
+            <a:pPr>
+              <a:buFont typeface="Arial" panose="020B0604020202020204" pitchFamily="34" charset="0"/>
+              <a:buChar char="•"/>
+            </a:pPr>
+            <a:r>
+              <a:rPr lang="en-US" sz="2800" dirty="0" smtClean="0"/>
+              <a:t> Conceptually more difficult than finite difference methods</a:t>
+            </a:r>
+            <a:endParaRPr lang="en-US" sz="2800" dirty="0"/>
+          </a:p>
+        </p:txBody>
+      </p:sp>
+    </p:spTree>
+    <p:extLst>
+      <p:ext uri="{BB962C8B-B14F-4D97-AF65-F5344CB8AC3E}">
+        <p14:creationId xmlns:p14="http://schemas.microsoft.com/office/powerpoint/2010/main" val="2033514325"/>
+      </p:ext>
+    </p:extLst>
+  </p:cSld>
+  <p:clrMapOvr>
+    <a:masterClrMapping/>
+  </p:clrMapOvr>
+  <p:timing>
+    <p:tnLst>
+      <p:par>
+        <p:cTn id="1" dur="indefinite" restart="never" nodeType="tmRoot"/>
+      </p:par>
+    </p:tnLst>
+  </p:timing>
+</p:sld>
+</file>
+
+<file path=ppt/slides/slide4.xml><?xml version="1.0" encoding="utf-8"?>
+<p:sld xmlns:a="http://schemas.openxmlformats.org/drawingml/2006/main" xmlns:r="http://schemas.openxmlformats.org/officeDocument/2006/relationships" xmlns:p="http://schemas.openxmlformats.org/presentationml/2006/main">
+  <p:cSld>
+    <p:spTree>
+      <p:nvGrpSpPr>
+        <p:cNvPr id="1" name=""/>
+        <p:cNvGrpSpPr/>
+        <p:nvPr/>
+      </p:nvGrpSpPr>
+      <p:grpSpPr>
+        <a:xfrm>
+          <a:off x="0" y="0"/>
+          <a:ext cx="0" cy="0"/>
+          <a:chOff x="0" y="0"/>
+          <a:chExt cx="0" cy="0"/>
+        </a:xfrm>
+      </p:grpSpPr>
+      <p:sp>
+        <p:nvSpPr>
+          <p:cNvPr id="2" name="Title 1"/>
+          <p:cNvSpPr>
+            <a:spLocks noGrp="1"/>
+          </p:cNvSpPr>
+          <p:nvPr>
+            <p:ph type="title"/>
+          </p:nvPr>
+        </p:nvSpPr>
+        <p:spPr/>
+        <p:txBody>
+          <a:bodyPr/>
+          <a:lstStyle/>
+          <a:p>
+            <a:r>
+              <a:rPr lang="en-US" dirty="0" smtClean="0"/>
+              <a:t>FINITE ELEMENT method</a:t>
+            </a:r>
+            <a:endParaRPr lang="en-US" dirty="0"/>
+          </a:p>
+        </p:txBody>
+      </p:sp>
+      <p:sp>
+        <p:nvSpPr>
+          <p:cNvPr id="3" name="Content Placeholder 2"/>
+          <p:cNvSpPr>
+            <a:spLocks noGrp="1"/>
+          </p:cNvSpPr>
+          <p:nvPr>
+            <p:ph idx="1"/>
+          </p:nvPr>
+        </p:nvSpPr>
+        <p:spPr/>
+        <p:txBody>
+          <a:bodyPr>
+            <a:normAutofit/>
+          </a:bodyPr>
+          <a:lstStyle/>
+          <a:p>
+            <a:pPr marL="457200" indent="-457200">
+              <a:buFont typeface="+mj-lt"/>
+              <a:buAutoNum type="arabicPeriod"/>
+            </a:pPr>
+            <a:r>
+              <a:rPr lang="en-US" sz="4400" dirty="0" smtClean="0"/>
+              <a:t> Convert strong form PDE to weak integral form</a:t>
+            </a:r>
+          </a:p>
+          <a:p>
+            <a:pPr marL="457200" indent="-457200">
+              <a:buFont typeface="+mj-lt"/>
+              <a:buAutoNum type="arabicPeriod"/>
+            </a:pPr>
+            <a:r>
+              <a:rPr lang="en-US" sz="4400" dirty="0" smtClean="0"/>
+              <a:t> Discretize domain into elements</a:t>
+            </a:r>
+            <a:r>
+              <a:rPr lang="en-US" sz="4400" dirty="0"/>
+              <a:t> </a:t>
+            </a:r>
+            <a:r>
+              <a:rPr lang="en-US" sz="4400" dirty="0" smtClean="0">
+                <a:sym typeface="Wingdings" panose="05000000000000000000" pitchFamily="2" charset="2"/>
+              </a:rPr>
+              <a:t> approximate numerical solution via shape, or weight, functions</a:t>
+            </a:r>
+            <a:endParaRPr lang="en-US" sz="4400" dirty="0" smtClean="0"/>
+          </a:p>
+        </p:txBody>
+      </p:sp>
+    </p:spTree>
+    <p:extLst>
+      <p:ext uri="{BB962C8B-B14F-4D97-AF65-F5344CB8AC3E}">
+        <p14:creationId xmlns:p14="http://schemas.microsoft.com/office/powerpoint/2010/main" val="3478068920"/>
+      </p:ext>
+    </p:extLst>
+  </p:cSld>
+  <p:clrMapOvr>
+    <a:masterClrMapping/>
+  </p:clrMapOvr>
+  <p:timing>
+    <p:tnLst>
+      <p:par>
+        <p:cTn id="1" dur="indefinite" restart="never" nodeType="tmRoot"/>
+      </p:par>
+    </p:tnLst>
+  </p:timing>
+</p:sld>
+</file>
+
+<file path=ppt/slides/slide5.xml><?xml version="1.0" encoding="utf-8"?>
+<p:sld xmlns:a="http://schemas.openxmlformats.org/drawingml/2006/main" xmlns:r="http://schemas.openxmlformats.org/officeDocument/2006/relationships" xmlns:p="http://schemas.openxmlformats.org/presentationml/2006/main">
+  <p:cSld>
+    <p:spTree>
+      <p:nvGrpSpPr>
+        <p:cNvPr id="1" name=""/>
+        <p:cNvGrpSpPr/>
+        <p:nvPr/>
+      </p:nvGrpSpPr>
+      <p:grpSpPr>
+        <a:xfrm>
+          <a:off x="0" y="0"/>
+          <a:ext cx="0" cy="0"/>
+          <a:chOff x="0" y="0"/>
+          <a:chExt cx="0" cy="0"/>
+        </a:xfrm>
+      </p:grpSpPr>
+      <p:sp>
+        <p:nvSpPr>
+          <p:cNvPr id="2" name="Title 1"/>
+          <p:cNvSpPr>
+            <a:spLocks noGrp="1"/>
+          </p:cNvSpPr>
+          <p:nvPr>
+            <p:ph type="title"/>
+          </p:nvPr>
+        </p:nvSpPr>
+        <p:spPr/>
+        <p:txBody>
+          <a:bodyPr/>
+          <a:lstStyle/>
+          <a:p>
+            <a:r>
+              <a:rPr lang="en-US" dirty="0" smtClean="0"/>
+              <a:t>Generating a weak form</a:t>
+            </a:r>
+            <a:endParaRPr lang="en-US" dirty="0"/>
+          </a:p>
+        </p:txBody>
+      </p:sp>
+      <p:sp>
+        <p:nvSpPr>
+          <p:cNvPr id="3" name="Content Placeholder 2"/>
+          <p:cNvSpPr>
+            <a:spLocks noGrp="1"/>
+          </p:cNvSpPr>
+          <p:nvPr>
+            <p:ph idx="1"/>
+          </p:nvPr>
+        </p:nvSpPr>
+        <p:spPr/>
+        <p:txBody>
+          <a:bodyPr/>
+          <a:lstStyle/>
+          <a:p>
+            <a:pPr marL="457200" indent="-457200">
+              <a:buFont typeface="+mj-lt"/>
+              <a:buAutoNum type="arabicPeriod"/>
+            </a:pPr>
+            <a:r>
+              <a:rPr lang="en-US" sz="4000" dirty="0" smtClean="0"/>
+              <a:t>Obtain strong form of PDE.</a:t>
+            </a:r>
+          </a:p>
+          <a:p>
+            <a:pPr marL="457200" indent="-457200">
+              <a:buFont typeface="+mj-lt"/>
+              <a:buAutoNum type="arabicPeriod"/>
+            </a:pPr>
+            <a:r>
+              <a:rPr lang="en-US" sz="4000" dirty="0" smtClean="0"/>
+              <a:t>Rearrange to get zero on the right hand side.</a:t>
+            </a:r>
+          </a:p>
+          <a:p>
+            <a:pPr marL="457200" indent="-457200">
+              <a:buFont typeface="+mj-lt"/>
+              <a:buAutoNum type="arabicPeriod"/>
+            </a:pPr>
+            <a:r>
+              <a:rPr lang="en-US" sz="4000" dirty="0" smtClean="0"/>
+              <a:t>Multiply equation by test function. (</a:t>
+            </a:r>
+            <a:r>
+              <a:rPr lang="en-US" sz="4000" dirty="0" err="1" smtClean="0"/>
+              <a:t>Galerkin</a:t>
+            </a:r>
+            <a:r>
+              <a:rPr lang="en-US" sz="4000" dirty="0" smtClean="0"/>
+              <a:t>)</a:t>
+            </a:r>
+          </a:p>
+          <a:p>
+            <a:pPr marL="457200" indent="-457200">
+              <a:buFont typeface="+mj-lt"/>
+              <a:buAutoNum type="arabicPeriod"/>
+            </a:pPr>
+            <a:r>
+              <a:rPr lang="en-US" sz="4000" dirty="0" smtClean="0"/>
+              <a:t>Integrate whole equation over the domain. </a:t>
+            </a:r>
+          </a:p>
+          <a:p>
+            <a:pPr marL="457200" indent="-457200">
+              <a:buFont typeface="+mj-lt"/>
+              <a:buAutoNum type="arabicPeriod"/>
+            </a:pPr>
+            <a:r>
+              <a:rPr lang="en-US" sz="4000" dirty="0" smtClean="0"/>
+              <a:t>Integrate by parts. </a:t>
+            </a:r>
+          </a:p>
+          <a:p>
+            <a:pPr marL="457200" indent="-457200">
+              <a:buFont typeface="+mj-lt"/>
+              <a:buAutoNum type="arabicPeriod"/>
+            </a:pPr>
+            <a:endParaRPr lang="en-US" dirty="0"/>
+          </a:p>
+        </p:txBody>
+      </p:sp>
+    </p:spTree>
+    <p:extLst>
+      <p:ext uri="{BB962C8B-B14F-4D97-AF65-F5344CB8AC3E}">
+        <p14:creationId xmlns:p14="http://schemas.microsoft.com/office/powerpoint/2010/main" val="1414614988"/>
+      </p:ext>
+    </p:extLst>
+  </p:cSld>
+  <p:clrMapOvr>
+    <a:masterClrMapping/>
+  </p:clrMapOvr>
+</p:sld>
+</file>
+
+<file path=ppt/slides/slide6.xml><?xml version="1.0" encoding="utf-8"?>
+<p:sld xmlns:a="http://schemas.openxmlformats.org/drawingml/2006/main" xmlns:r="http://schemas.openxmlformats.org/officeDocument/2006/relationships" xmlns:p="http://schemas.openxmlformats.org/presentationml/2006/main">
+  <p:cSld>
+    <p:spTree>
+      <p:nvGrpSpPr>
+        <p:cNvPr id="1" name=""/>
+        <p:cNvGrpSpPr/>
+        <p:nvPr/>
+      </p:nvGrpSpPr>
+      <p:grpSpPr>
+        <a:xfrm>
+          <a:off x="0" y="0"/>
+          <a:ext cx="0" cy="0"/>
+          <a:chOff x="0" y="0"/>
+          <a:chExt cx="0" cy="0"/>
+        </a:xfrm>
+      </p:grpSpPr>
+      <p:sp>
+        <p:nvSpPr>
+          <p:cNvPr id="2" name="Title 1"/>
+          <p:cNvSpPr>
+            <a:spLocks noGrp="1"/>
+          </p:cNvSpPr>
+          <p:nvPr>
+            <p:ph type="title"/>
+          </p:nvPr>
+        </p:nvSpPr>
+        <p:spPr/>
+        <p:txBody>
+          <a:bodyPr/>
+          <a:lstStyle/>
+          <a:p>
+            <a:r>
+              <a:rPr lang="en-US" dirty="0" smtClean="0"/>
+              <a:t>1. Obtain strong form of PDE</a:t>
             </a:r>
             <a:endParaRPr lang="en-US" dirty="0"/>
           </a:p>
@@ -4852,7 +5724,7 @@
         <mc:Choice Requires="a14">
           <p:sp>
             <p:nvSpPr>
-              <p:cNvPr id="3" name="Content Placeholder 2"/>
+              <p:cNvPr id="4" name="Content Placeholder 2"/>
               <p:cNvSpPr>
                 <a:spLocks noGrp="1"/>
               </p:cNvSpPr>
@@ -4862,8 +5734,8 @@
             </p:nvSpPr>
             <p:spPr>
               <a:xfrm>
-                <a:off x="1024128" y="2623930"/>
-                <a:ext cx="9720071" cy="3120887"/>
+                <a:off x="1024128" y="2286000"/>
+                <a:ext cx="9720071" cy="3418114"/>
               </a:xfrm>
             </p:spPr>
             <p:txBody>
@@ -4879,7 +5751,7 @@
                       <m:fPr>
                         <m:ctrlPr>
                           <a:rPr lang="en-US" sz="4400" i="1" smtClean="0">
-                            <a:latin typeface="Cambria Math" panose="02040503050406030204" pitchFamily="18" charset="0"/>
+                            <a:latin typeface="Cambria Math" charset="0"/>
                           </a:rPr>
                         </m:ctrlPr>
                       </m:fPr>
@@ -4924,7 +5796,7 @@
                       <m:dPr>
                         <m:ctrlPr>
                           <a:rPr lang="is-IS" sz="4400" b="0" i="1" smtClean="0">
-                            <a:latin typeface="Cambria Math" panose="02040503050406030204" pitchFamily="18" charset="0"/>
+                            <a:latin typeface="Cambria Math" charset="0"/>
                           </a:rPr>
                         </m:ctrlPr>
                       </m:dPr>
@@ -4933,7 +5805,7 @@
                           <m:fPr>
                             <m:ctrlPr>
                               <a:rPr lang="bg-BG" sz="4400" b="0" i="1" smtClean="0">
-                                <a:latin typeface="Cambria Math" panose="02040503050406030204" pitchFamily="18" charset="0"/>
+                                <a:latin typeface="Cambria Math" charset="0"/>
                               </a:rPr>
                             </m:ctrlPr>
                           </m:fPr>
@@ -4942,7 +5814,7 @@
                               <m:sSupPr>
                                 <m:ctrlPr>
                                   <a:rPr lang="is-IS" sz="4400" b="0" i="1" smtClean="0">
-                                    <a:latin typeface="Cambria Math" panose="02040503050406030204" pitchFamily="18" charset="0"/>
+                                    <a:latin typeface="Cambria Math" charset="0"/>
                                   </a:rPr>
                                 </m:ctrlPr>
                               </m:sSupPr>
@@ -4987,7 +5859,7 @@
                               <m:sSupPr>
                                 <m:ctrlPr>
                                   <a:rPr lang="is-IS" sz="4400" b="0" i="1" smtClean="0">
-                                    <a:latin typeface="Cambria Math" panose="02040503050406030204" pitchFamily="18" charset="0"/>
+                                    <a:latin typeface="Cambria Math" charset="0"/>
                                     <a:ea typeface="Cambria Math" charset="0"/>
                                     <a:cs typeface="Cambria Math" charset="0"/>
                                   </a:rPr>
@@ -5026,7 +5898,7 @@
                           <m:fPr>
                             <m:ctrlPr>
                               <a:rPr lang="bg-BG" sz="4400" b="0" i="1" smtClean="0">
-                                <a:latin typeface="Cambria Math" panose="02040503050406030204" pitchFamily="18" charset="0"/>
+                                <a:latin typeface="Cambria Math" charset="0"/>
                               </a:rPr>
                             </m:ctrlPr>
                           </m:fPr>
@@ -5035,7 +5907,7 @@
                               <m:sSupPr>
                                 <m:ctrlPr>
                                   <a:rPr lang="is-IS" sz="4400" b="0" i="1" smtClean="0">
-                                    <a:latin typeface="Cambria Math" panose="02040503050406030204" pitchFamily="18" charset="0"/>
+                                    <a:latin typeface="Cambria Math" charset="0"/>
                                   </a:rPr>
                                 </m:ctrlPr>
                               </m:sSupPr>
@@ -5080,7 +5952,7 @@
                               <m:sSupPr>
                                 <m:ctrlPr>
                                   <a:rPr lang="is-IS" sz="4400" b="0" i="1" smtClean="0">
-                                    <a:latin typeface="Cambria Math" panose="02040503050406030204" pitchFamily="18" charset="0"/>
+                                    <a:latin typeface="Cambria Math" charset="0"/>
                                     <a:ea typeface="Cambria Math" charset="0"/>
                                     <a:cs typeface="Cambria Math" charset="0"/>
                                   </a:rPr>
@@ -5167,7 +6039,7 @@
                       <m:dPr>
                         <m:ctrlPr>
                           <a:rPr lang="en-US" sz="4400" b="0" i="1" smtClean="0">
-                            <a:latin typeface="Cambria Math" panose="02040503050406030204" pitchFamily="18" charset="0"/>
+                            <a:latin typeface="Cambria Math" charset="0"/>
                           </a:rPr>
                         </m:ctrlPr>
                       </m:dPr>
@@ -5202,7 +6074,7 @@
                       <m:sSupPr>
                         <m:ctrlPr>
                           <a:rPr lang="is-IS" sz="4400" b="0" i="1" smtClean="0">
-                            <a:latin typeface="Cambria Math" panose="02040503050406030204" pitchFamily="18" charset="0"/>
+                            <a:latin typeface="Cambria Math" charset="0"/>
                             <a:ea typeface="Cambria Math" charset="0"/>
                             <a:cs typeface="Cambria Math" charset="0"/>
                           </a:rPr>
@@ -5249,7 +6121,7 @@
                       <m:sSupPr>
                         <m:ctrlPr>
                           <a:rPr lang="is-IS" sz="4400" b="0" i="1" smtClean="0">
-                            <a:latin typeface="Cambria Math" panose="02040503050406030204" pitchFamily="18" charset="0"/>
+                            <a:latin typeface="Cambria Math" charset="0"/>
                             <a:ea typeface="Cambria Math" charset="0"/>
                             <a:cs typeface="Cambria Math" charset="0"/>
                           </a:rPr>
@@ -5308,1349 +6180,6 @@
           </p:sp>
         </mc:Choice>
         <mc:Fallback xmlns="">
-          <p:sp>
-            <p:nvSpPr>
-              <p:cNvPr id="3" name="Content Placeholder 2"/>
-              <p:cNvSpPr>
-                <a:spLocks noGrp="1" noRot="1" noChangeAspect="1" noMove="1" noResize="1" noEditPoints="1" noAdjustHandles="1" noChangeArrowheads="1" noChangeShapeType="1" noTextEdit="1"/>
-              </p:cNvSpPr>
-              <p:nvPr>
-                <p:ph idx="1"/>
-              </p:nvPr>
-            </p:nvSpPr>
-            <p:spPr>
-              <a:xfrm>
-                <a:off x="1024128" y="2623930"/>
-                <a:ext cx="9720071" cy="3120887"/>
-              </a:xfrm>
-              <a:blipFill rotWithShape="0">
-                <a:blip r:embed="rId3"/>
-                <a:stretch>
-                  <a:fillRect/>
-                </a:stretch>
-              </a:blipFill>
-            </p:spPr>
-            <p:txBody>
-              <a:bodyPr/>
-              <a:lstStyle/>
-              <a:p>
-                <a:r>
-                  <a:rPr lang="en-US">
-                    <a:noFill/>
-                  </a:rPr>
-                  <a:t> </a:t>
-                </a:r>
-              </a:p>
-            </p:txBody>
-          </p:sp>
-        </mc:Fallback>
-      </mc:AlternateContent>
-    </p:spTree>
-    <p:extLst>
-      <p:ext uri="{BB962C8B-B14F-4D97-AF65-F5344CB8AC3E}">
-        <p14:creationId xmlns:p14="http://schemas.microsoft.com/office/powerpoint/2010/main" val="1629125490"/>
-      </p:ext>
-    </p:extLst>
-  </p:cSld>
-  <p:clrMapOvr>
-    <a:masterClrMapping/>
-  </p:clrMapOvr>
-  <p:timing>
-    <p:tnLst>
-      <p:par>
-        <p:cTn id="1" dur="indefinite" restart="never" nodeType="tmRoot"/>
-      </p:par>
-    </p:tnLst>
-  </p:timing>
-</p:sld>
-</file>
-
-<file path=ppt/slides/slide14.xml><?xml version="1.0" encoding="utf-8"?>
-<p:sld xmlns:a="http://schemas.openxmlformats.org/drawingml/2006/main" xmlns:r="http://schemas.openxmlformats.org/officeDocument/2006/relationships" xmlns:p="http://schemas.openxmlformats.org/presentationml/2006/main">
-  <p:cSld>
-    <p:spTree>
-      <p:nvGrpSpPr>
-        <p:cNvPr id="1" name=""/>
-        <p:cNvGrpSpPr/>
-        <p:nvPr/>
-      </p:nvGrpSpPr>
-      <p:grpSpPr>
-        <a:xfrm>
-          <a:off x="0" y="0"/>
-          <a:ext cx="0" cy="0"/>
-          <a:chOff x="0" y="0"/>
-          <a:chExt cx="0" cy="0"/>
-        </a:xfrm>
-      </p:grpSpPr>
-      <p:sp>
-        <p:nvSpPr>
-          <p:cNvPr id="2" name="Title 1"/>
-          <p:cNvSpPr>
-            <a:spLocks noGrp="1"/>
-          </p:cNvSpPr>
-          <p:nvPr>
-            <p:ph type="title"/>
-          </p:nvPr>
-        </p:nvSpPr>
-        <p:spPr/>
-        <p:txBody>
-          <a:bodyPr/>
-          <a:lstStyle/>
-          <a:p>
-            <a:r>
-              <a:rPr lang="en-US" dirty="0" smtClean="0"/>
-              <a:t>Approach </a:t>
-            </a:r>
-            <a:endParaRPr lang="en-US" dirty="0"/>
-          </a:p>
-        </p:txBody>
-      </p:sp>
-      <p:sp>
-        <p:nvSpPr>
-          <p:cNvPr id="3" name="Content Placeholder 2"/>
-          <p:cNvSpPr>
-            <a:spLocks noGrp="1"/>
-          </p:cNvSpPr>
-          <p:nvPr>
-            <p:ph idx="1"/>
-          </p:nvPr>
-        </p:nvSpPr>
-        <p:spPr/>
-        <p:txBody>
-          <a:bodyPr>
-            <a:normAutofit/>
-          </a:bodyPr>
-          <a:lstStyle/>
-          <a:p>
-            <a:pPr>
-              <a:buFont typeface="Wingdings" panose="05000000000000000000" pitchFamily="2" charset="2"/>
-              <a:buChar char="v"/>
-            </a:pPr>
-            <a:r>
-              <a:rPr lang="en-US" sz="4400" dirty="0" smtClean="0"/>
-              <a:t> Modify existing grid code (</a:t>
-            </a:r>
-            <a:r>
-              <a:rPr lang="en-US" sz="4400" dirty="0" err="1" smtClean="0"/>
-              <a:t>Matlab</a:t>
-            </a:r>
-            <a:r>
-              <a:rPr lang="en-US" sz="4400" dirty="0" smtClean="0"/>
-              <a:t>)</a:t>
-            </a:r>
-          </a:p>
-          <a:p>
-            <a:pPr>
-              <a:buFont typeface="Wingdings" panose="05000000000000000000" pitchFamily="2" charset="2"/>
-              <a:buChar char="v"/>
-            </a:pPr>
-            <a:r>
-              <a:rPr lang="en-US" sz="4400" dirty="0"/>
-              <a:t> </a:t>
-            </a:r>
-            <a:r>
-              <a:rPr lang="en-US" sz="4400" dirty="0" smtClean="0"/>
-              <a:t>Convert to C</a:t>
-            </a:r>
-          </a:p>
-          <a:p>
-            <a:pPr>
-              <a:buFont typeface="Wingdings" panose="05000000000000000000" pitchFamily="2" charset="2"/>
-              <a:buChar char="v"/>
-            </a:pPr>
-            <a:r>
-              <a:rPr lang="en-US" sz="4400" dirty="0" smtClean="0"/>
-              <a:t> Visualize results</a:t>
-            </a:r>
-          </a:p>
-        </p:txBody>
-      </p:sp>
-    </p:spTree>
-    <p:extLst>
-      <p:ext uri="{BB962C8B-B14F-4D97-AF65-F5344CB8AC3E}">
-        <p14:creationId xmlns:p14="http://schemas.microsoft.com/office/powerpoint/2010/main" val="1033313680"/>
-      </p:ext>
-    </p:extLst>
-  </p:cSld>
-  <p:clrMapOvr>
-    <a:masterClrMapping/>
-  </p:clrMapOvr>
-</p:sld>
-</file>
-
-<file path=ppt/slides/slide15.xml><?xml version="1.0" encoding="utf-8"?>
-<p:sld xmlns:a="http://schemas.openxmlformats.org/drawingml/2006/main" xmlns:r="http://schemas.openxmlformats.org/officeDocument/2006/relationships" xmlns:p="http://schemas.openxmlformats.org/presentationml/2006/main">
-  <p:cSld>
-    <p:spTree>
-      <p:nvGrpSpPr>
-        <p:cNvPr id="1" name=""/>
-        <p:cNvGrpSpPr/>
-        <p:nvPr/>
-      </p:nvGrpSpPr>
-      <p:grpSpPr>
-        <a:xfrm>
-          <a:off x="0" y="0"/>
-          <a:ext cx="0" cy="0"/>
-          <a:chOff x="0" y="0"/>
-          <a:chExt cx="0" cy="0"/>
-        </a:xfrm>
-      </p:grpSpPr>
-      <p:sp>
-        <p:nvSpPr>
-          <p:cNvPr id="2" name="Title 1"/>
-          <p:cNvSpPr>
-            <a:spLocks noGrp="1"/>
-          </p:cNvSpPr>
-          <p:nvPr>
-            <p:ph type="title"/>
-          </p:nvPr>
-        </p:nvSpPr>
-        <p:spPr/>
-        <p:txBody>
-          <a:bodyPr/>
-          <a:lstStyle/>
-          <a:p>
-            <a:r>
-              <a:rPr lang="en-US" dirty="0" smtClean="0"/>
-              <a:t>results</a:t>
-            </a:r>
-            <a:endParaRPr lang="en-US" dirty="0"/>
-          </a:p>
-        </p:txBody>
-      </p:sp>
-      <p:sp>
-        <p:nvSpPr>
-          <p:cNvPr id="3" name="Content Placeholder 2"/>
-          <p:cNvSpPr>
-            <a:spLocks noGrp="1"/>
-          </p:cNvSpPr>
-          <p:nvPr>
-            <p:ph idx="1"/>
-          </p:nvPr>
-        </p:nvSpPr>
-        <p:spPr/>
-        <p:txBody>
-          <a:bodyPr/>
-          <a:lstStyle/>
-          <a:p>
-            <a:endParaRPr lang="en-US"/>
-          </a:p>
-        </p:txBody>
-      </p:sp>
-    </p:spTree>
-    <p:extLst>
-      <p:ext uri="{BB962C8B-B14F-4D97-AF65-F5344CB8AC3E}">
-        <p14:creationId xmlns:p14="http://schemas.microsoft.com/office/powerpoint/2010/main" val="800065901"/>
-      </p:ext>
-    </p:extLst>
-  </p:cSld>
-  <p:clrMapOvr>
-    <a:masterClrMapping/>
-  </p:clrMapOvr>
-</p:sld>
-</file>
-
-<file path=ppt/slides/slide2.xml><?xml version="1.0" encoding="utf-8"?>
-<p:sld xmlns:a="http://schemas.openxmlformats.org/drawingml/2006/main" xmlns:r="http://schemas.openxmlformats.org/officeDocument/2006/relationships" xmlns:p="http://schemas.openxmlformats.org/presentationml/2006/main">
-  <p:cSld>
-    <p:spTree>
-      <p:nvGrpSpPr>
-        <p:cNvPr id="1" name=""/>
-        <p:cNvGrpSpPr/>
-        <p:nvPr/>
-      </p:nvGrpSpPr>
-      <p:grpSpPr>
-        <a:xfrm>
-          <a:off x="0" y="0"/>
-          <a:ext cx="0" cy="0"/>
-          <a:chOff x="0" y="0"/>
-          <a:chExt cx="0" cy="0"/>
-        </a:xfrm>
-      </p:grpSpPr>
-      <p:sp>
-        <p:nvSpPr>
-          <p:cNvPr id="2" name="Title 1"/>
-          <p:cNvSpPr>
-            <a:spLocks noGrp="1"/>
-          </p:cNvSpPr>
-          <p:nvPr>
-            <p:ph type="title"/>
-          </p:nvPr>
-        </p:nvSpPr>
-        <p:spPr/>
-        <p:txBody>
-          <a:bodyPr/>
-          <a:lstStyle/>
-          <a:p>
-            <a:r>
-              <a:rPr lang="en-US" dirty="0" smtClean="0"/>
-              <a:t>PHASE-FIELD MODELING</a:t>
-            </a:r>
-            <a:endParaRPr lang="en-US" dirty="0"/>
-          </a:p>
-        </p:txBody>
-      </p:sp>
-      <p:sp>
-        <p:nvSpPr>
-          <p:cNvPr id="3" name="Content Placeholder 2"/>
-          <p:cNvSpPr>
-            <a:spLocks noGrp="1"/>
-          </p:cNvSpPr>
-          <p:nvPr>
-            <p:ph idx="1"/>
-          </p:nvPr>
-        </p:nvSpPr>
-        <p:spPr/>
-        <p:txBody>
-          <a:bodyPr/>
-          <a:lstStyle/>
-          <a:p>
-            <a:pPr>
-              <a:buFont typeface="Wingdings" charset="2"/>
-              <a:buChar char="v"/>
-            </a:pPr>
-            <a:r>
-              <a:rPr lang="en-US" sz="4400" dirty="0" smtClean="0"/>
-              <a:t> Solidification </a:t>
-            </a:r>
-          </a:p>
-          <a:p>
-            <a:pPr>
-              <a:buFont typeface="Wingdings" charset="2"/>
-              <a:buChar char="v"/>
-            </a:pPr>
-            <a:r>
-              <a:rPr lang="en-US" sz="4400" dirty="0" smtClean="0"/>
-              <a:t> Grain growth</a:t>
-            </a:r>
-          </a:p>
-          <a:p>
-            <a:pPr>
-              <a:buFont typeface="Wingdings" charset="2"/>
-              <a:buChar char="v"/>
-            </a:pPr>
-            <a:r>
-              <a:rPr lang="en-US" sz="4400" dirty="0"/>
-              <a:t> </a:t>
-            </a:r>
-            <a:r>
-              <a:rPr lang="en-US" sz="4400" dirty="0" smtClean="0"/>
-              <a:t>Solid-state phase </a:t>
-            </a:r>
-            <a:r>
-              <a:rPr lang="en-US" sz="4400" dirty="0" smtClean="0"/>
-              <a:t>transformations</a:t>
-            </a:r>
-          </a:p>
-          <a:p>
-            <a:pPr>
-              <a:buFont typeface="Wingdings" charset="2"/>
-              <a:buChar char="v"/>
-            </a:pPr>
-            <a:r>
-              <a:rPr lang="en-US" sz="4400" dirty="0"/>
-              <a:t> </a:t>
-            </a:r>
-            <a:r>
-              <a:rPr lang="en-US" sz="4400" dirty="0" smtClean="0"/>
-              <a:t>Vesicle dynamics</a:t>
-            </a:r>
-            <a:endParaRPr lang="en-US" sz="4400" dirty="0" smtClean="0"/>
-          </a:p>
-          <a:p>
-            <a:pPr>
-              <a:buFont typeface="Wingdings" charset="2"/>
-              <a:buChar char="v"/>
-            </a:pPr>
-            <a:endParaRPr lang="en-US" dirty="0"/>
-          </a:p>
-        </p:txBody>
-      </p:sp>
-    </p:spTree>
-    <p:extLst>
-      <p:ext uri="{BB962C8B-B14F-4D97-AF65-F5344CB8AC3E}">
-        <p14:creationId xmlns:p14="http://schemas.microsoft.com/office/powerpoint/2010/main" val="243621805"/>
-      </p:ext>
-    </p:extLst>
-  </p:cSld>
-  <p:clrMapOvr>
-    <a:masterClrMapping/>
-  </p:clrMapOvr>
-  <p:timing>
-    <p:tnLst>
-      <p:par>
-        <p:cTn id="1" dur="indefinite" restart="never" nodeType="tmRoot"/>
-      </p:par>
-    </p:tnLst>
-  </p:timing>
-</p:sld>
-</file>
-
-<file path=ppt/slides/slide3.xml><?xml version="1.0" encoding="utf-8"?>
-<p:sld xmlns:a="http://schemas.openxmlformats.org/drawingml/2006/main" xmlns:r="http://schemas.openxmlformats.org/officeDocument/2006/relationships" xmlns:p="http://schemas.openxmlformats.org/presentationml/2006/main">
-  <p:cSld>
-    <p:spTree>
-      <p:nvGrpSpPr>
-        <p:cNvPr id="1" name=""/>
-        <p:cNvGrpSpPr/>
-        <p:nvPr/>
-      </p:nvGrpSpPr>
-      <p:grpSpPr>
-        <a:xfrm>
-          <a:off x="0" y="0"/>
-          <a:ext cx="0" cy="0"/>
-          <a:chOff x="0" y="0"/>
-          <a:chExt cx="0" cy="0"/>
-        </a:xfrm>
-      </p:grpSpPr>
-      <p:sp>
-        <p:nvSpPr>
-          <p:cNvPr id="2" name="Title 1"/>
-          <p:cNvSpPr>
-            <a:spLocks noGrp="1"/>
-          </p:cNvSpPr>
-          <p:nvPr>
-            <p:ph type="title"/>
-          </p:nvPr>
-        </p:nvSpPr>
-        <p:spPr/>
-        <p:txBody>
-          <a:bodyPr/>
-          <a:lstStyle/>
-          <a:p>
-            <a:r>
-              <a:rPr lang="en-US" dirty="0" smtClean="0"/>
-              <a:t>Finite element </a:t>
-            </a:r>
-            <a:r>
-              <a:rPr lang="en-US" dirty="0" smtClean="0"/>
-              <a:t>method</a:t>
-            </a:r>
-            <a:endParaRPr lang="en-US" dirty="0"/>
-          </a:p>
-        </p:txBody>
-      </p:sp>
-      <p:sp>
-        <p:nvSpPr>
-          <p:cNvPr id="3" name="Text Placeholder 2"/>
-          <p:cNvSpPr>
-            <a:spLocks noGrp="1"/>
-          </p:cNvSpPr>
-          <p:nvPr>
-            <p:ph type="body" idx="1"/>
-          </p:nvPr>
-        </p:nvSpPr>
-        <p:spPr/>
-        <p:txBody>
-          <a:bodyPr>
-            <a:normAutofit/>
-          </a:bodyPr>
-          <a:lstStyle/>
-          <a:p>
-            <a:r>
-              <a:rPr lang="en-US" sz="4000" dirty="0" smtClean="0"/>
-              <a:t>Pros: </a:t>
-            </a:r>
-            <a:endParaRPr lang="en-US" sz="4000" dirty="0"/>
-          </a:p>
-        </p:txBody>
-      </p:sp>
-      <p:sp>
-        <p:nvSpPr>
-          <p:cNvPr id="4" name="Content Placeholder 3"/>
-          <p:cNvSpPr>
-            <a:spLocks noGrp="1"/>
-          </p:cNvSpPr>
-          <p:nvPr>
-            <p:ph sz="half" idx="2"/>
-          </p:nvPr>
-        </p:nvSpPr>
-        <p:spPr/>
-        <p:txBody>
-          <a:bodyPr>
-            <a:normAutofit/>
-          </a:bodyPr>
-          <a:lstStyle/>
-          <a:p>
-            <a:pPr>
-              <a:buFont typeface="Arial" panose="020B0604020202020204" pitchFamily="34" charset="0"/>
-              <a:buChar char="•"/>
-            </a:pPr>
-            <a:r>
-              <a:rPr lang="en-US" sz="2800" dirty="0" smtClean="0"/>
-              <a:t> Can implement complex geometries</a:t>
-            </a:r>
-          </a:p>
-          <a:p>
-            <a:pPr>
-              <a:buFont typeface="Arial" panose="020B0604020202020204" pitchFamily="34" charset="0"/>
-              <a:buChar char="•"/>
-            </a:pPr>
-            <a:r>
-              <a:rPr lang="en-US" sz="2800" dirty="0" smtClean="0"/>
-              <a:t> Regional mesh refinement easy</a:t>
-            </a:r>
-          </a:p>
-          <a:p>
-            <a:pPr>
-              <a:buFont typeface="Arial" panose="020B0604020202020204" pitchFamily="34" charset="0"/>
-              <a:buChar char="•"/>
-            </a:pPr>
-            <a:r>
-              <a:rPr lang="en-US" sz="2800" dirty="0" smtClean="0"/>
-              <a:t> Existing code can be tweaked to solve different equations</a:t>
-            </a:r>
-            <a:endParaRPr lang="en-US" sz="2800" dirty="0"/>
-          </a:p>
-        </p:txBody>
-      </p:sp>
-      <p:sp>
-        <p:nvSpPr>
-          <p:cNvPr id="5" name="Text Placeholder 4"/>
-          <p:cNvSpPr>
-            <a:spLocks noGrp="1"/>
-          </p:cNvSpPr>
-          <p:nvPr>
-            <p:ph type="body" sz="quarter" idx="3"/>
-          </p:nvPr>
-        </p:nvSpPr>
-        <p:spPr/>
-        <p:txBody>
-          <a:bodyPr>
-            <a:normAutofit/>
-          </a:bodyPr>
-          <a:lstStyle/>
-          <a:p>
-            <a:r>
-              <a:rPr lang="en-US" sz="4000" dirty="0" smtClean="0"/>
-              <a:t>Cons:</a:t>
-            </a:r>
-            <a:endParaRPr lang="en-US" sz="4000" dirty="0"/>
-          </a:p>
-        </p:txBody>
-      </p:sp>
-      <p:sp>
-        <p:nvSpPr>
-          <p:cNvPr id="6" name="Content Placeholder 5"/>
-          <p:cNvSpPr>
-            <a:spLocks noGrp="1"/>
-          </p:cNvSpPr>
-          <p:nvPr>
-            <p:ph sz="quarter" idx="4"/>
-          </p:nvPr>
-        </p:nvSpPr>
-        <p:spPr/>
-        <p:txBody>
-          <a:bodyPr>
-            <a:normAutofit/>
-          </a:bodyPr>
-          <a:lstStyle/>
-          <a:p>
-            <a:pPr>
-              <a:buFont typeface="Arial" panose="020B0604020202020204" pitchFamily="34" charset="0"/>
-              <a:buChar char="•"/>
-            </a:pPr>
-            <a:r>
-              <a:rPr lang="en-US" sz="2800" dirty="0" smtClean="0"/>
-              <a:t> Writing code from scratch is… not easy</a:t>
-            </a:r>
-          </a:p>
-          <a:p>
-            <a:pPr>
-              <a:buFont typeface="Arial" panose="020B0604020202020204" pitchFamily="34" charset="0"/>
-              <a:buChar char="•"/>
-            </a:pPr>
-            <a:r>
-              <a:rPr lang="en-US" sz="2800" dirty="0" smtClean="0"/>
-              <a:t> Conceptually more difficult than finite difference methods</a:t>
-            </a:r>
-            <a:endParaRPr lang="en-US" sz="2800" dirty="0"/>
-          </a:p>
-        </p:txBody>
-      </p:sp>
-    </p:spTree>
-    <p:extLst>
-      <p:ext uri="{BB962C8B-B14F-4D97-AF65-F5344CB8AC3E}">
-        <p14:creationId xmlns:p14="http://schemas.microsoft.com/office/powerpoint/2010/main" val="2033514325"/>
-      </p:ext>
-    </p:extLst>
-  </p:cSld>
-  <p:clrMapOvr>
-    <a:masterClrMapping/>
-  </p:clrMapOvr>
-  <p:timing>
-    <p:tnLst>
-      <p:par>
-        <p:cTn id="1" dur="indefinite" restart="never" nodeType="tmRoot"/>
-      </p:par>
-    </p:tnLst>
-  </p:timing>
-</p:sld>
-</file>
-
-<file path=ppt/slides/slide4.xml><?xml version="1.0" encoding="utf-8"?>
-<p:sld xmlns:a="http://schemas.openxmlformats.org/drawingml/2006/main" xmlns:r="http://schemas.openxmlformats.org/officeDocument/2006/relationships" xmlns:p="http://schemas.openxmlformats.org/presentationml/2006/main">
-  <p:cSld>
-    <p:spTree>
-      <p:nvGrpSpPr>
-        <p:cNvPr id="1" name=""/>
-        <p:cNvGrpSpPr/>
-        <p:nvPr/>
-      </p:nvGrpSpPr>
-      <p:grpSpPr>
-        <a:xfrm>
-          <a:off x="0" y="0"/>
-          <a:ext cx="0" cy="0"/>
-          <a:chOff x="0" y="0"/>
-          <a:chExt cx="0" cy="0"/>
-        </a:xfrm>
-      </p:grpSpPr>
-      <p:sp>
-        <p:nvSpPr>
-          <p:cNvPr id="2" name="Title 1"/>
-          <p:cNvSpPr>
-            <a:spLocks noGrp="1"/>
-          </p:cNvSpPr>
-          <p:nvPr>
-            <p:ph type="title"/>
-          </p:nvPr>
-        </p:nvSpPr>
-        <p:spPr/>
-        <p:txBody>
-          <a:bodyPr/>
-          <a:lstStyle/>
-          <a:p>
-            <a:r>
-              <a:rPr lang="en-US" dirty="0" smtClean="0"/>
-              <a:t>FINITE ELEMENT </a:t>
-            </a:r>
-            <a:r>
-              <a:rPr lang="en-US" dirty="0" smtClean="0"/>
-              <a:t>method</a:t>
-            </a:r>
-            <a:endParaRPr lang="en-US" dirty="0"/>
-          </a:p>
-        </p:txBody>
-      </p:sp>
-      <p:sp>
-        <p:nvSpPr>
-          <p:cNvPr id="3" name="Content Placeholder 2"/>
-          <p:cNvSpPr>
-            <a:spLocks noGrp="1"/>
-          </p:cNvSpPr>
-          <p:nvPr>
-            <p:ph idx="1"/>
-          </p:nvPr>
-        </p:nvSpPr>
-        <p:spPr/>
-        <p:txBody>
-          <a:bodyPr>
-            <a:normAutofit/>
-          </a:bodyPr>
-          <a:lstStyle/>
-          <a:p>
-            <a:pPr marL="457200" indent="-457200">
-              <a:buFont typeface="+mj-lt"/>
-              <a:buAutoNum type="arabicPeriod"/>
-            </a:pPr>
-            <a:r>
-              <a:rPr lang="en-US" sz="4400" dirty="0" smtClean="0"/>
-              <a:t> Convert strong form PDE to weak integral form</a:t>
-            </a:r>
-          </a:p>
-          <a:p>
-            <a:pPr marL="457200" indent="-457200">
-              <a:buFont typeface="+mj-lt"/>
-              <a:buAutoNum type="arabicPeriod"/>
-            </a:pPr>
-            <a:r>
-              <a:rPr lang="en-US" sz="4400" dirty="0" smtClean="0"/>
-              <a:t> Discretize domain into elements</a:t>
-            </a:r>
-            <a:r>
-              <a:rPr lang="en-US" sz="4400" dirty="0"/>
-              <a:t> </a:t>
-            </a:r>
-            <a:r>
-              <a:rPr lang="en-US" sz="4400" dirty="0" smtClean="0">
-                <a:sym typeface="Wingdings" panose="05000000000000000000" pitchFamily="2" charset="2"/>
-              </a:rPr>
-              <a:t> </a:t>
-            </a:r>
-            <a:r>
-              <a:rPr lang="en-US" sz="4400" dirty="0" smtClean="0">
-                <a:sym typeface="Wingdings" panose="05000000000000000000" pitchFamily="2" charset="2"/>
-              </a:rPr>
-              <a:t>approximate numerical </a:t>
-            </a:r>
-            <a:r>
-              <a:rPr lang="en-US" sz="4400" dirty="0" smtClean="0">
-                <a:sym typeface="Wingdings" panose="05000000000000000000" pitchFamily="2" charset="2"/>
-              </a:rPr>
-              <a:t>solution via shape, or weight, functions</a:t>
-            </a:r>
-            <a:endParaRPr lang="en-US" sz="4400" dirty="0" smtClean="0"/>
-          </a:p>
-        </p:txBody>
-      </p:sp>
-    </p:spTree>
-    <p:extLst>
-      <p:ext uri="{BB962C8B-B14F-4D97-AF65-F5344CB8AC3E}">
-        <p14:creationId xmlns:p14="http://schemas.microsoft.com/office/powerpoint/2010/main" val="3478068920"/>
-      </p:ext>
-    </p:extLst>
-  </p:cSld>
-  <p:clrMapOvr>
-    <a:masterClrMapping/>
-  </p:clrMapOvr>
-  <p:timing>
-    <p:tnLst>
-      <p:par>
-        <p:cTn id="1" dur="indefinite" restart="never" nodeType="tmRoot"/>
-      </p:par>
-    </p:tnLst>
-  </p:timing>
-</p:sld>
-</file>
-
-<file path=ppt/slides/slide5.xml><?xml version="1.0" encoding="utf-8"?>
-<p:sld xmlns:a="http://schemas.openxmlformats.org/drawingml/2006/main" xmlns:r="http://schemas.openxmlformats.org/officeDocument/2006/relationships" xmlns:p="http://schemas.openxmlformats.org/presentationml/2006/main">
-  <p:cSld>
-    <p:spTree>
-      <p:nvGrpSpPr>
-        <p:cNvPr id="1" name=""/>
-        <p:cNvGrpSpPr/>
-        <p:nvPr/>
-      </p:nvGrpSpPr>
-      <p:grpSpPr>
-        <a:xfrm>
-          <a:off x="0" y="0"/>
-          <a:ext cx="0" cy="0"/>
-          <a:chOff x="0" y="0"/>
-          <a:chExt cx="0" cy="0"/>
-        </a:xfrm>
-      </p:grpSpPr>
-      <p:sp>
-        <p:nvSpPr>
-          <p:cNvPr id="2" name="Title 1"/>
-          <p:cNvSpPr>
-            <a:spLocks noGrp="1"/>
-          </p:cNvSpPr>
-          <p:nvPr>
-            <p:ph type="title"/>
-          </p:nvPr>
-        </p:nvSpPr>
-        <p:spPr/>
-        <p:txBody>
-          <a:bodyPr/>
-          <a:lstStyle/>
-          <a:p>
-            <a:r>
-              <a:rPr lang="en-US" dirty="0" smtClean="0"/>
-              <a:t>Generating a weak form</a:t>
-            </a:r>
-            <a:endParaRPr lang="en-US" dirty="0"/>
-          </a:p>
-        </p:txBody>
-      </p:sp>
-      <p:sp>
-        <p:nvSpPr>
-          <p:cNvPr id="3" name="Content Placeholder 2"/>
-          <p:cNvSpPr>
-            <a:spLocks noGrp="1"/>
-          </p:cNvSpPr>
-          <p:nvPr>
-            <p:ph idx="1"/>
-          </p:nvPr>
-        </p:nvSpPr>
-        <p:spPr/>
-        <p:txBody>
-          <a:bodyPr/>
-          <a:lstStyle/>
-          <a:p>
-            <a:pPr marL="457200" indent="-457200">
-              <a:buFont typeface="+mj-lt"/>
-              <a:buAutoNum type="arabicPeriod"/>
-            </a:pPr>
-            <a:r>
-              <a:rPr lang="en-US" sz="4000" dirty="0" smtClean="0"/>
-              <a:t>Obtain strong form of PDE.</a:t>
-            </a:r>
-          </a:p>
-          <a:p>
-            <a:pPr marL="457200" indent="-457200">
-              <a:buFont typeface="+mj-lt"/>
-              <a:buAutoNum type="arabicPeriod"/>
-            </a:pPr>
-            <a:r>
-              <a:rPr lang="en-US" sz="4000" dirty="0" smtClean="0"/>
-              <a:t>Rearrange to get zero on the right hand side.</a:t>
-            </a:r>
-          </a:p>
-          <a:p>
-            <a:pPr marL="457200" indent="-457200">
-              <a:buFont typeface="+mj-lt"/>
-              <a:buAutoNum type="arabicPeriod"/>
-            </a:pPr>
-            <a:r>
-              <a:rPr lang="en-US" sz="4000" dirty="0" smtClean="0"/>
-              <a:t>Multiply equation by test function. (</a:t>
-            </a:r>
-            <a:r>
-              <a:rPr lang="en-US" sz="4000" dirty="0" err="1" smtClean="0"/>
-              <a:t>Galerkin</a:t>
-            </a:r>
-            <a:r>
-              <a:rPr lang="en-US" sz="4000" dirty="0" smtClean="0"/>
-              <a:t>)</a:t>
-            </a:r>
-          </a:p>
-          <a:p>
-            <a:pPr marL="457200" indent="-457200">
-              <a:buFont typeface="+mj-lt"/>
-              <a:buAutoNum type="arabicPeriod"/>
-            </a:pPr>
-            <a:r>
-              <a:rPr lang="en-US" sz="4000" dirty="0" smtClean="0"/>
-              <a:t>Integrate whole equation over the domain. </a:t>
-            </a:r>
-          </a:p>
-          <a:p>
-            <a:pPr marL="457200" indent="-457200">
-              <a:buFont typeface="+mj-lt"/>
-              <a:buAutoNum type="arabicPeriod"/>
-            </a:pPr>
-            <a:r>
-              <a:rPr lang="en-US" sz="4000" dirty="0" smtClean="0"/>
-              <a:t>Integrate by parts. </a:t>
-            </a:r>
-          </a:p>
-          <a:p>
-            <a:pPr marL="457200" indent="-457200">
-              <a:buFont typeface="+mj-lt"/>
-              <a:buAutoNum type="arabicPeriod"/>
-            </a:pPr>
-            <a:endParaRPr lang="en-US" dirty="0"/>
-          </a:p>
-        </p:txBody>
-      </p:sp>
-    </p:spTree>
-    <p:extLst>
-      <p:ext uri="{BB962C8B-B14F-4D97-AF65-F5344CB8AC3E}">
-        <p14:creationId xmlns:p14="http://schemas.microsoft.com/office/powerpoint/2010/main" val="1414614988"/>
-      </p:ext>
-    </p:extLst>
-  </p:cSld>
-  <p:clrMapOvr>
-    <a:masterClrMapping/>
-  </p:clrMapOvr>
-</p:sld>
-</file>
-
-<file path=ppt/slides/slide6.xml><?xml version="1.0" encoding="utf-8"?>
-<p:sld xmlns:a="http://schemas.openxmlformats.org/drawingml/2006/main" xmlns:r="http://schemas.openxmlformats.org/officeDocument/2006/relationships" xmlns:p="http://schemas.openxmlformats.org/presentationml/2006/main">
-  <p:cSld>
-    <p:spTree>
-      <p:nvGrpSpPr>
-        <p:cNvPr id="1" name=""/>
-        <p:cNvGrpSpPr/>
-        <p:nvPr/>
-      </p:nvGrpSpPr>
-      <p:grpSpPr>
-        <a:xfrm>
-          <a:off x="0" y="0"/>
-          <a:ext cx="0" cy="0"/>
-          <a:chOff x="0" y="0"/>
-          <a:chExt cx="0" cy="0"/>
-        </a:xfrm>
-      </p:grpSpPr>
-      <p:sp>
-        <p:nvSpPr>
-          <p:cNvPr id="2" name="Title 1"/>
-          <p:cNvSpPr>
-            <a:spLocks noGrp="1"/>
-          </p:cNvSpPr>
-          <p:nvPr>
-            <p:ph type="title"/>
-          </p:nvPr>
-        </p:nvSpPr>
-        <p:spPr/>
-        <p:txBody>
-          <a:bodyPr/>
-          <a:lstStyle/>
-          <a:p>
-            <a:r>
-              <a:rPr lang="en-US" dirty="0" smtClean="0"/>
-              <a:t>1. Obtain stron</a:t>
-            </a:r>
-            <a:r>
-              <a:rPr lang="en-US" dirty="0" smtClean="0"/>
-              <a:t>g form of PDE</a:t>
-            </a:r>
-            <a:endParaRPr lang="en-US" dirty="0"/>
-          </a:p>
-        </p:txBody>
-      </p:sp>
-      <mc:AlternateContent xmlns:mc="http://schemas.openxmlformats.org/markup-compatibility/2006">
-        <mc:Choice xmlns:a14="http://schemas.microsoft.com/office/drawing/2010/main" Requires="a14">
-          <p:sp>
-            <p:nvSpPr>
-              <p:cNvPr id="4" name="Content Placeholder 2"/>
-              <p:cNvSpPr>
-                <a:spLocks noGrp="1"/>
-              </p:cNvSpPr>
-              <p:nvPr>
-                <p:ph idx="1"/>
-              </p:nvPr>
-            </p:nvSpPr>
-            <p:spPr>
-              <a:xfrm>
-                <a:off x="1024128" y="2286000"/>
-                <a:ext cx="9720071" cy="3418114"/>
-              </a:xfrm>
-            </p:spPr>
-            <p:txBody>
-              <a:bodyPr>
-                <a:normAutofit/>
-              </a:bodyPr>
-              <a:lstStyle/>
-              <a:p>
-                <a:pPr algn="ctr"/>
-                <a14:m>
-                  <m:oMath xmlns:m="http://schemas.openxmlformats.org/officeDocument/2006/math">
-                    <m:f>
-                      <m:fPr>
-                        <m:ctrlPr>
-                          <a:rPr lang="en-US" sz="4400" i="1" smtClean="0">
-                            <a:latin typeface="Cambria Math" panose="02040503050406030204" pitchFamily="18" charset="0"/>
-                          </a:rPr>
-                        </m:ctrlPr>
-                      </m:fPr>
-                      <m:num>
-                        <m:r>
-                          <a:rPr lang="en-US" sz="4400" i="1" smtClean="0">
-                            <a:latin typeface="Cambria Math" charset="0"/>
-                          </a:rPr>
-                          <m:t>𝜕</m:t>
-                        </m:r>
-                        <m:r>
-                          <a:rPr lang="en-US" sz="4400" i="1" smtClean="0">
-                            <a:latin typeface="Cambria Math" charset="0"/>
-                            <a:ea typeface="Cambria Math" charset="0"/>
-                            <a:cs typeface="Cambria Math" charset="0"/>
-                          </a:rPr>
-                          <m:t>𝜙</m:t>
-                        </m:r>
-                      </m:num>
-                      <m:den>
-                        <m:r>
-                          <a:rPr lang="en-US" sz="4400" i="1" smtClean="0">
-                            <a:latin typeface="Cambria Math" charset="0"/>
-                          </a:rPr>
-                          <m:t>𝜕</m:t>
-                        </m:r>
-                        <m:r>
-                          <a:rPr lang="en-US" sz="4400" b="0" i="1" smtClean="0">
-                            <a:latin typeface="Cambria Math" charset="0"/>
-                          </a:rPr>
-                          <m:t>𝑡</m:t>
-                        </m:r>
-                      </m:den>
-                    </m:f>
-                    <m:r>
-                      <a:rPr lang="en-US" sz="4400" b="0" i="1" smtClean="0">
-                        <a:latin typeface="Cambria Math" charset="0"/>
-                      </a:rPr>
-                      <m:t>=2</m:t>
-                    </m:r>
-                    <m:d>
-                      <m:dPr>
-                        <m:ctrlPr>
-                          <a:rPr lang="is-IS" sz="4400" b="0" i="1" smtClean="0">
-                            <a:latin typeface="Cambria Math" panose="02040503050406030204" pitchFamily="18" charset="0"/>
-                          </a:rPr>
-                        </m:ctrlPr>
-                      </m:dPr>
-                      <m:e>
-                        <m:f>
-                          <m:fPr>
-                            <m:ctrlPr>
-                              <a:rPr lang="bg-BG" sz="4400" b="0" i="1" smtClean="0">
-                                <a:latin typeface="Cambria Math" panose="02040503050406030204" pitchFamily="18" charset="0"/>
-                              </a:rPr>
-                            </m:ctrlPr>
-                          </m:fPr>
-                          <m:num>
-                            <m:sSup>
-                              <m:sSupPr>
-                                <m:ctrlPr>
-                                  <a:rPr lang="is-IS" sz="4400" b="0" i="1" smtClean="0">
-                                    <a:latin typeface="Cambria Math" panose="02040503050406030204" pitchFamily="18" charset="0"/>
-                                  </a:rPr>
-                                </m:ctrlPr>
-                              </m:sSupPr>
-                              <m:e>
-                                <m:r>
-                                  <a:rPr lang="is-IS" sz="4400" b="0" i="1" smtClean="0">
-                                    <a:latin typeface="Cambria Math" charset="0"/>
-                                    <a:ea typeface="Cambria Math" charset="0"/>
-                                    <a:cs typeface="Cambria Math" charset="0"/>
-                                  </a:rPr>
-                                  <m:t>𝜕</m:t>
-                                </m:r>
-                              </m:e>
-                              <m:sup>
-                                <m:r>
-                                  <a:rPr lang="is-IS" sz="4400" b="0" i="1" smtClean="0">
-                                    <a:latin typeface="Cambria Math" charset="0"/>
-                                  </a:rPr>
-                                  <m:t>2</m:t>
-                                </m:r>
-                              </m:sup>
-                            </m:sSup>
-                            <m:r>
-                              <a:rPr lang="is-IS" sz="4400" b="0" i="1" smtClean="0">
-                                <a:latin typeface="Cambria Math" charset="0"/>
-                                <a:ea typeface="Cambria Math" charset="0"/>
-                                <a:cs typeface="Cambria Math" charset="0"/>
-                              </a:rPr>
-                              <m:t>𝜙</m:t>
-                            </m:r>
-                          </m:num>
-                          <m:den>
-                            <m:r>
-                              <a:rPr lang="bg-BG" sz="4400" b="0" i="1" smtClean="0">
-                                <a:latin typeface="Cambria Math" charset="0"/>
-                                <a:ea typeface="Cambria Math" charset="0"/>
-                                <a:cs typeface="Cambria Math" charset="0"/>
-                              </a:rPr>
-                              <m:t>𝜕</m:t>
-                            </m:r>
-                            <m:sSup>
-                              <m:sSupPr>
-                                <m:ctrlPr>
-                                  <a:rPr lang="is-IS" sz="4400" b="0" i="1" smtClean="0">
-                                    <a:latin typeface="Cambria Math" panose="02040503050406030204" pitchFamily="18" charset="0"/>
-                                    <a:ea typeface="Cambria Math" charset="0"/>
-                                    <a:cs typeface="Cambria Math" charset="0"/>
-                                  </a:rPr>
-                                </m:ctrlPr>
-                              </m:sSupPr>
-                              <m:e>
-                                <m:r>
-                                  <a:rPr lang="is-IS" sz="4400" b="0" i="1" smtClean="0">
-                                    <a:latin typeface="Cambria Math" charset="0"/>
-                                    <a:ea typeface="Cambria Math" charset="0"/>
-                                    <a:cs typeface="Cambria Math" charset="0"/>
-                                  </a:rPr>
-                                  <m:t>𝑥</m:t>
-                                </m:r>
-                              </m:e>
-                              <m:sup>
-                                <m:r>
-                                  <a:rPr lang="is-IS" sz="4400" b="0" i="1" smtClean="0">
-                                    <a:latin typeface="Cambria Math" charset="0"/>
-                                    <a:ea typeface="Cambria Math" charset="0"/>
-                                    <a:cs typeface="Cambria Math" charset="0"/>
-                                  </a:rPr>
-                                  <m:t>2</m:t>
-                                </m:r>
-                              </m:sup>
-                            </m:sSup>
-                          </m:den>
-                        </m:f>
-                        <m:r>
-                          <a:rPr lang="en-US" sz="4400" b="0" i="1" smtClean="0">
-                            <a:latin typeface="Cambria Math" charset="0"/>
-                          </a:rPr>
-                          <m:t>+ </m:t>
-                        </m:r>
-                        <m:f>
-                          <m:fPr>
-                            <m:ctrlPr>
-                              <a:rPr lang="bg-BG" sz="4400" b="0" i="1" smtClean="0">
-                                <a:latin typeface="Cambria Math" panose="02040503050406030204" pitchFamily="18" charset="0"/>
-                              </a:rPr>
-                            </m:ctrlPr>
-                          </m:fPr>
-                          <m:num>
-                            <m:sSup>
-                              <m:sSupPr>
-                                <m:ctrlPr>
-                                  <a:rPr lang="is-IS" sz="4400" b="0" i="1" smtClean="0">
-                                    <a:latin typeface="Cambria Math" panose="02040503050406030204" pitchFamily="18" charset="0"/>
-                                  </a:rPr>
-                                </m:ctrlPr>
-                              </m:sSupPr>
-                              <m:e>
-                                <m:r>
-                                  <a:rPr lang="is-IS" sz="4400" b="0" i="1" smtClean="0">
-                                    <a:latin typeface="Cambria Math" charset="0"/>
-                                    <a:ea typeface="Cambria Math" charset="0"/>
-                                    <a:cs typeface="Cambria Math" charset="0"/>
-                                  </a:rPr>
-                                  <m:t>𝜕</m:t>
-                                </m:r>
-                              </m:e>
-                              <m:sup>
-                                <m:r>
-                                  <a:rPr lang="is-IS" sz="4400" b="0" i="1" smtClean="0">
-                                    <a:latin typeface="Cambria Math" charset="0"/>
-                                  </a:rPr>
-                                  <m:t>2</m:t>
-                                </m:r>
-                              </m:sup>
-                            </m:sSup>
-                            <m:r>
-                              <a:rPr lang="bg-BG" sz="4400" b="0" i="1" smtClean="0">
-                                <a:latin typeface="Cambria Math" charset="0"/>
-                                <a:ea typeface="Cambria Math" charset="0"/>
-                                <a:cs typeface="Cambria Math" charset="0"/>
-                              </a:rPr>
-                              <m:t>𝜙</m:t>
-                            </m:r>
-                          </m:num>
-                          <m:den>
-                            <m:r>
-                              <a:rPr lang="bg-BG" sz="4400" b="0" i="1" smtClean="0">
-                                <a:latin typeface="Cambria Math" charset="0"/>
-                                <a:ea typeface="Cambria Math" charset="0"/>
-                                <a:cs typeface="Cambria Math" charset="0"/>
-                              </a:rPr>
-                              <m:t>𝜕</m:t>
-                            </m:r>
-                            <m:sSup>
-                              <m:sSupPr>
-                                <m:ctrlPr>
-                                  <a:rPr lang="is-IS" sz="4400" b="0" i="1" smtClean="0">
-                                    <a:latin typeface="Cambria Math" panose="02040503050406030204" pitchFamily="18" charset="0"/>
-                                    <a:ea typeface="Cambria Math" charset="0"/>
-                                    <a:cs typeface="Cambria Math" charset="0"/>
-                                  </a:rPr>
-                                </m:ctrlPr>
-                              </m:sSupPr>
-                              <m:e>
-                                <m:r>
-                                  <a:rPr lang="en-US" sz="4400" b="0" i="1" smtClean="0">
-                                    <a:latin typeface="Cambria Math" charset="0"/>
-                                    <a:ea typeface="Cambria Math" charset="0"/>
-                                    <a:cs typeface="Cambria Math" charset="0"/>
-                                  </a:rPr>
-                                  <m:t>𝑦</m:t>
-                                </m:r>
-                              </m:e>
-                              <m:sup>
-                                <m:r>
-                                  <a:rPr lang="is-IS" sz="4400" b="0" i="1" smtClean="0">
-                                    <a:latin typeface="Cambria Math" charset="0"/>
-                                    <a:ea typeface="Cambria Math" charset="0"/>
-                                    <a:cs typeface="Cambria Math" charset="0"/>
-                                  </a:rPr>
-                                  <m:t>2</m:t>
-                                </m:r>
-                              </m:sup>
-                            </m:sSup>
-                          </m:den>
-                        </m:f>
-                      </m:e>
-                    </m:d>
-                    <m:r>
-                      <a:rPr lang="en-US" sz="4400" b="0" i="1" smtClean="0">
-                        <a:latin typeface="Cambria Math" charset="0"/>
-                      </a:rPr>
-                      <m:t>−</m:t>
-                    </m:r>
-                    <m:r>
-                      <a:rPr lang="en-US" sz="4400" b="0" i="1" smtClean="0">
-                        <a:latin typeface="Cambria Math" charset="0"/>
-                      </a:rPr>
-                      <m:t>𝑔</m:t>
-                    </m:r>
-                    <m:r>
-                      <a:rPr lang="en-US" sz="4400" b="0" i="1" smtClean="0">
-                        <a:latin typeface="Cambria Math" charset="0"/>
-                      </a:rPr>
-                      <m:t>(</m:t>
-                    </m:r>
-                    <m:r>
-                      <a:rPr lang="en-US" sz="4400" b="0" i="1" smtClean="0">
-                        <a:latin typeface="Cambria Math" charset="0"/>
-                        <a:ea typeface="Cambria Math" charset="0"/>
-                        <a:cs typeface="Cambria Math" charset="0"/>
-                      </a:rPr>
-                      <m:t>𝜙</m:t>
-                    </m:r>
-                    <m:r>
-                      <a:rPr lang="en-US" sz="4400" b="0" i="1" smtClean="0">
-                        <a:latin typeface="Cambria Math" charset="0"/>
-                        <a:ea typeface="Cambria Math" charset="0"/>
-                        <a:cs typeface="Cambria Math" charset="0"/>
-                      </a:rPr>
-                      <m:t>)</m:t>
-                    </m:r>
-                  </m:oMath>
-                </a14:m>
-                <a:endParaRPr lang="en-US" sz="4400" dirty="0" smtClean="0"/>
-              </a:p>
-              <a:p>
-                <a:pPr algn="ctr"/>
-                <a:endParaRPr lang="en-US" sz="4400" dirty="0"/>
-              </a:p>
-              <a:p>
-                <a:pPr algn="ctr"/>
-                <a14:m>
-                  <m:oMath xmlns:m="http://schemas.openxmlformats.org/officeDocument/2006/math">
-                    <m:r>
-                      <a:rPr lang="en-US" sz="4400" b="0" i="1" smtClean="0">
-                        <a:latin typeface="Cambria Math" charset="0"/>
-                      </a:rPr>
-                      <m:t>𝑔</m:t>
-                    </m:r>
-                    <m:d>
-                      <m:dPr>
-                        <m:ctrlPr>
-                          <a:rPr lang="en-US" sz="4400" b="0" i="1" smtClean="0">
-                            <a:latin typeface="Cambria Math" panose="02040503050406030204" pitchFamily="18" charset="0"/>
-                          </a:rPr>
-                        </m:ctrlPr>
-                      </m:dPr>
-                      <m:e>
-                        <m:r>
-                          <a:rPr lang="en-US" sz="4400" b="0" i="1" smtClean="0">
-                            <a:latin typeface="Cambria Math" charset="0"/>
-                            <a:ea typeface="Cambria Math" charset="0"/>
-                            <a:cs typeface="Cambria Math" charset="0"/>
-                          </a:rPr>
-                          <m:t>𝜙</m:t>
-                        </m:r>
-                      </m:e>
-                    </m:d>
-                    <m:r>
-                      <a:rPr lang="en-US" sz="4400" b="0" i="1" smtClean="0">
-                        <a:latin typeface="Cambria Math" charset="0"/>
-                        <a:ea typeface="Cambria Math" charset="0"/>
-                        <a:cs typeface="Cambria Math" charset="0"/>
-                      </a:rPr>
-                      <m:t>=</m:t>
-                    </m:r>
-                    <m:r>
-                      <a:rPr lang="en-US" sz="4400" b="0" i="1" smtClean="0">
-                        <a:latin typeface="Cambria Math" charset="0"/>
-                        <a:ea typeface="Cambria Math" charset="0"/>
-                        <a:cs typeface="Cambria Math" charset="0"/>
-                      </a:rPr>
-                      <m:t>𝑎</m:t>
-                    </m:r>
-                    <m:sSup>
-                      <m:sSupPr>
-                        <m:ctrlPr>
-                          <a:rPr lang="is-IS" sz="4400" b="0" i="1" smtClean="0">
-                            <a:latin typeface="Cambria Math" panose="02040503050406030204" pitchFamily="18" charset="0"/>
-                            <a:ea typeface="Cambria Math" charset="0"/>
-                            <a:cs typeface="Cambria Math" charset="0"/>
-                          </a:rPr>
-                        </m:ctrlPr>
-                      </m:sSupPr>
-                      <m:e>
-                        <m:r>
-                          <a:rPr lang="is-IS" sz="4400" b="0" i="1" smtClean="0">
-                            <a:latin typeface="Cambria Math" charset="0"/>
-                            <a:ea typeface="Cambria Math" charset="0"/>
-                            <a:cs typeface="Cambria Math" charset="0"/>
-                          </a:rPr>
-                          <m:t>𝜙</m:t>
-                        </m:r>
-                      </m:e>
-                      <m:sup>
-                        <m:r>
-                          <a:rPr lang="en-US" sz="4400" b="0" i="1" smtClean="0">
-                            <a:latin typeface="Cambria Math" charset="0"/>
-                            <a:ea typeface="Cambria Math" charset="0"/>
-                            <a:cs typeface="Cambria Math" charset="0"/>
-                          </a:rPr>
-                          <m:t>3</m:t>
-                        </m:r>
-                      </m:sup>
-                    </m:sSup>
-                    <m:r>
-                      <a:rPr lang="en-US" sz="4400" b="0" i="1" smtClean="0">
-                        <a:latin typeface="Cambria Math" charset="0"/>
-                        <a:ea typeface="Cambria Math" charset="0"/>
-                        <a:cs typeface="Cambria Math" charset="0"/>
-                      </a:rPr>
-                      <m:t>+</m:t>
-                    </m:r>
-                    <m:r>
-                      <a:rPr lang="en-US" sz="4400" b="0" i="1" smtClean="0">
-                        <a:latin typeface="Cambria Math" charset="0"/>
-                        <a:ea typeface="Cambria Math" charset="0"/>
-                        <a:cs typeface="Cambria Math" charset="0"/>
-                      </a:rPr>
-                      <m:t>𝑏</m:t>
-                    </m:r>
-                    <m:sSup>
-                      <m:sSupPr>
-                        <m:ctrlPr>
-                          <a:rPr lang="is-IS" sz="4400" b="0" i="1" smtClean="0">
-                            <a:latin typeface="Cambria Math" panose="02040503050406030204" pitchFamily="18" charset="0"/>
-                            <a:ea typeface="Cambria Math" charset="0"/>
-                            <a:cs typeface="Cambria Math" charset="0"/>
-                          </a:rPr>
-                        </m:ctrlPr>
-                      </m:sSupPr>
-                      <m:e>
-                        <m:r>
-                          <a:rPr lang="is-IS" sz="4400" b="0" i="1" smtClean="0">
-                            <a:latin typeface="Cambria Math" charset="0"/>
-                            <a:ea typeface="Cambria Math" charset="0"/>
-                            <a:cs typeface="Cambria Math" charset="0"/>
-                          </a:rPr>
-                          <m:t>𝜙</m:t>
-                        </m:r>
-                      </m:e>
-                      <m:sup>
-                        <m:r>
-                          <a:rPr lang="is-IS" sz="4400" b="0" i="1" smtClean="0">
-                            <a:latin typeface="Cambria Math" charset="0"/>
-                            <a:ea typeface="Cambria Math" charset="0"/>
-                            <a:cs typeface="Cambria Math" charset="0"/>
-                          </a:rPr>
-                          <m:t>2</m:t>
-                        </m:r>
-                      </m:sup>
-                    </m:sSup>
-                    <m:r>
-                      <a:rPr lang="en-US" sz="4400" b="0" i="1" smtClean="0">
-                        <a:latin typeface="Cambria Math" charset="0"/>
-                        <a:ea typeface="Cambria Math" charset="0"/>
-                        <a:cs typeface="Cambria Math" charset="0"/>
-                      </a:rPr>
-                      <m:t>+</m:t>
-                    </m:r>
-                    <m:r>
-                      <a:rPr lang="en-US" sz="4400" b="0" i="1" smtClean="0">
-                        <a:latin typeface="Cambria Math" charset="0"/>
-                        <a:ea typeface="Cambria Math" charset="0"/>
-                        <a:cs typeface="Cambria Math" charset="0"/>
-                      </a:rPr>
-                      <m:t>𝑐</m:t>
-                    </m:r>
-                    <m:r>
-                      <a:rPr lang="en-US" sz="4400" b="0" i="1" smtClean="0">
-                        <a:latin typeface="Cambria Math" charset="0"/>
-                        <a:ea typeface="Cambria Math" charset="0"/>
-                        <a:cs typeface="Cambria Math" charset="0"/>
-                      </a:rPr>
-                      <m:t>𝜙</m:t>
-                    </m:r>
-                  </m:oMath>
-                </a14:m>
-                <a:endParaRPr lang="en-US" sz="4400" dirty="0"/>
-              </a:p>
-            </p:txBody>
-          </p:sp>
-        </mc:Choice>
-        <mc:Fallback>
           <p:sp>
             <p:nvSpPr>
               <p:cNvPr id="4" name="Content Placeholder 2"/>
@@ -6784,7 +6313,7 @@
             </p:nvSpPr>
             <p:spPr>
               <a:xfrm>
-                <a:off x="1024128" y="2035630"/>
+                <a:off x="2007801" y="2286000"/>
                 <a:ext cx="6301958" cy="1883228"/>
               </a:xfrm>
             </p:spPr>
@@ -6798,7 +6327,7 @@
                       <m:fPr>
                         <m:ctrlPr>
                           <a:rPr lang="en-US" sz="4400" i="1" smtClean="0">
-                            <a:latin typeface="Cambria Math" panose="02040503050406030204" pitchFamily="18" charset="0"/>
+                            <a:latin typeface="Cambria Math" charset="0"/>
                           </a:rPr>
                         </m:ctrlPr>
                       </m:fPr>
@@ -6850,22 +6379,21 @@
                         <a:latin typeface="Cambria Math" panose="02040503050406030204" pitchFamily="18" charset="0"/>
                         <a:ea typeface="Cambria Math" panose="02040503050406030204" pitchFamily="18" charset="0"/>
                       </a:rPr>
-                      <m:t>∇</m:t>
+                      <m:t>𝛻</m:t>
                     </m:r>
                     <m:r>
                       <a:rPr lang="en-US" sz="4400" b="0" i="1" smtClean="0">
                         <a:latin typeface="Cambria Math" panose="02040503050406030204" pitchFamily="18" charset="0"/>
                         <a:ea typeface="Cambria Math" panose="02040503050406030204" pitchFamily="18" charset="0"/>
                       </a:rPr>
-                      <m:t> ∙∇</m:t>
+                      <m:t> ∙</m:t>
                     </m:r>
                     <m:r>
-                      <a:rPr lang="en-US" sz="4400" i="1">
-                        <a:latin typeface="Cambria Math" charset="0"/>
-                        <a:ea typeface="Cambria Math" charset="0"/>
-                        <a:cs typeface="Cambria Math" charset="0"/>
+                      <a:rPr lang="en-US" sz="4400" b="0" i="1" smtClean="0">
+                        <a:latin typeface="Cambria Math" panose="02040503050406030204" pitchFamily="18" charset="0"/>
+                        <a:ea typeface="Cambria Math" panose="02040503050406030204" pitchFamily="18" charset="0"/>
                       </a:rPr>
-                      <m:t>𝜙</m:t>
+                      <m:t>𝛻𝜙</m:t>
                     </m:r>
                     <m:r>
                       <a:rPr lang="en-US" sz="4400" b="0" i="1" smtClean="0">
@@ -6931,7 +6459,7 @@
             </p:nvSpPr>
             <p:spPr>
               <a:xfrm>
-                <a:off x="1024128" y="2035630"/>
+                <a:off x="2007801" y="2286000"/>
                 <a:ext cx="6301958" cy="1883228"/>
               </a:xfrm>
               <a:blipFill rotWithShape="0">
@@ -7026,8 +6554,8 @@
           </a:p>
         </p:txBody>
       </p:sp>
-      <mc:AlternateContent xmlns:mc="http://schemas.openxmlformats.org/markup-compatibility/2006">
-        <mc:Choice xmlns:a14="http://schemas.microsoft.com/office/drawing/2010/main" Requires="a14">
+      <mc:AlternateContent xmlns:mc="http://schemas.openxmlformats.org/markup-compatibility/2006" xmlns:a14="http://schemas.microsoft.com/office/drawing/2010/main">
+        <mc:Choice Requires="a14">
           <p:sp>
             <p:nvSpPr>
               <p:cNvPr id="3" name="Content Placeholder 2"/>
@@ -7060,7 +6588,7 @@
                         <m:supHide m:val="on"/>
                         <m:ctrlPr>
                           <a:rPr lang="en-US" sz="4400" i="1" smtClean="0">
-                            <a:latin typeface="Cambria Math" panose="02040503050406030204" pitchFamily="18" charset="0"/>
+                            <a:latin typeface="Cambria Math" charset="0"/>
                           </a:rPr>
                         </m:ctrlPr>
                       </m:naryPr>
@@ -7071,7 +6599,7 @@
                           <m:sSupPr>
                             <m:ctrlPr>
                               <a:rPr lang="en-US" sz="4400" i="1" smtClean="0">
-                                <a:latin typeface="Cambria Math" panose="02040503050406030204" pitchFamily="18" charset="0"/>
+                                <a:latin typeface="Cambria Math" charset="0"/>
                               </a:rPr>
                             </m:ctrlPr>
                           </m:sSupPr>
@@ -7082,7 +6610,7 @@
                                 <m:endChr m:val="]"/>
                                 <m:ctrlPr>
                                   <a:rPr lang="en-US" sz="4400" i="1">
-                                    <a:latin typeface="Cambria Math" panose="02040503050406030204" pitchFamily="18" charset="0"/>
+                                    <a:latin typeface="Cambria Math" charset="0"/>
                                   </a:rPr>
                                 </m:ctrlPr>
                               </m:dPr>
@@ -7113,7 +6641,7 @@
                         <m:endChr m:val="}"/>
                         <m:ctrlPr>
                           <a:rPr lang="en-US" sz="4400" i="1" smtClean="0">
-                            <a:latin typeface="Cambria Math" panose="02040503050406030204" pitchFamily="18" charset="0"/>
+                            <a:latin typeface="Cambria Math" charset="0"/>
                           </a:rPr>
                         </m:ctrlPr>
                       </m:dPr>
@@ -7122,7 +6650,7 @@
                           <m:fPr>
                             <m:ctrlPr>
                               <a:rPr lang="en-US" sz="4400" i="1">
-                                <a:latin typeface="Cambria Math" panose="02040503050406030204" pitchFamily="18" charset="0"/>
+                                <a:latin typeface="Cambria Math" charset="0"/>
                               </a:rPr>
                             </m:ctrlPr>
                           </m:fPr>
@@ -7208,7 +6736,7 @@
                           <m:dPr>
                             <m:ctrlPr>
                               <a:rPr lang="en-US" sz="4400" i="1">
-                                <a:latin typeface="Cambria Math" panose="02040503050406030204" pitchFamily="18" charset="0"/>
+                                <a:latin typeface="Cambria Math" charset="0"/>
                               </a:rPr>
                             </m:ctrlPr>
                           </m:dPr>
@@ -7301,7 +6829,7 @@
             </p:txBody>
           </p:sp>
         </mc:Choice>
-        <mc:Fallback>
+        <mc:Fallback xmlns="">
           <p:sp>
             <p:nvSpPr>
               <p:cNvPr id="3" name="Content Placeholder 2"/>
@@ -7349,6 +6877,13 @@
   <p:clrMapOvr>
     <a:masterClrMapping/>
   </p:clrMapOvr>
+  <p:timing>
+    <p:tnLst>
+      <p:par>
+        <p:cTn id="1" dur="indefinite" restart="never" nodeType="tmRoot"/>
+      </p:par>
+    </p:tnLst>
+  </p:timing>
 </p:sld>
 </file>
 
@@ -7401,25 +6936,267 @@
           </a:p>
         </p:txBody>
       </p:sp>
-      <p:sp>
-        <p:nvSpPr>
-          <p:cNvPr id="3" name="Content Placeholder 2"/>
-          <p:cNvSpPr>
-            <a:spLocks noGrp="1"/>
-          </p:cNvSpPr>
-          <p:nvPr>
-            <p:ph idx="1"/>
-          </p:nvPr>
-        </p:nvSpPr>
-        <p:spPr/>
-        <p:txBody>
-          <a:bodyPr/>
-          <a:lstStyle/>
-          <a:p>
-            <a:endParaRPr lang="en-US" dirty="0"/>
-          </a:p>
-        </p:txBody>
-      </p:sp>
+      <mc:AlternateContent xmlns:mc="http://schemas.openxmlformats.org/markup-compatibility/2006">
+        <mc:Choice xmlns:a14="http://schemas.microsoft.com/office/drawing/2010/main" Requires="a14">
+          <p:sp>
+            <p:nvSpPr>
+              <p:cNvPr id="3" name="Content Placeholder 2"/>
+              <p:cNvSpPr>
+                <a:spLocks noGrp="1"/>
+              </p:cNvSpPr>
+              <p:nvPr>
+                <p:ph idx="1"/>
+              </p:nvPr>
+            </p:nvSpPr>
+            <p:spPr>
+              <a:xfrm>
+                <a:off x="1024128" y="2286000"/>
+                <a:ext cx="9720071" cy="1634836"/>
+              </a:xfrm>
+            </p:spPr>
+            <p:txBody>
+              <a:bodyPr/>
+              <a:lstStyle/>
+              <a:p>
+                <a14:m>
+                  <m:oMath xmlns:m="http://schemas.openxmlformats.org/officeDocument/2006/math">
+                    <m:nary>
+                      <m:naryPr>
+                        <m:chr m:val="∬"/>
+                        <m:ctrlPr>
+                          <a:rPr lang="is-IS" sz="4800" i="1" smtClean="0">
+                            <a:latin typeface="Cambria Math" charset="0"/>
+                          </a:rPr>
+                        </m:ctrlPr>
+                      </m:naryPr>
+                      <m:sub>
+                        <m:sSub>
+                          <m:sSubPr>
+                            <m:ctrlPr>
+                              <a:rPr lang="en-US" sz="4800" i="1" smtClean="0">
+                                <a:latin typeface="Cambria Math" charset="0"/>
+                              </a:rPr>
+                            </m:ctrlPr>
+                          </m:sSubPr>
+                          <m:e>
+                            <m:r>
+                              <m:rPr>
+                                <m:sty m:val="p"/>
+                                <m:brk m:alnAt="23"/>
+                              </m:rPr>
+                              <a:rPr lang="el-GR" sz="4800" i="1">
+                                <a:latin typeface="Cambria Math" charset="0"/>
+                                <a:ea typeface="Cambria Math" charset="0"/>
+                                <a:cs typeface="Cambria Math" charset="0"/>
+                              </a:rPr>
+                              <m:t>Ω</m:t>
+                            </m:r>
+                          </m:e>
+                          <m:sub>
+                            <m:sSup>
+                              <m:sSupPr>
+                                <m:ctrlPr>
+                                  <a:rPr lang="en-US" sz="4800" i="1" smtClean="0">
+                                    <a:latin typeface="Cambria Math" charset="0"/>
+                                  </a:rPr>
+                                </m:ctrlPr>
+                              </m:sSupPr>
+                              <m:e>
+                                <m:r>
+                                  <a:rPr lang="en-US" sz="4800" b="0" i="1" smtClean="0">
+                                    <a:latin typeface="Cambria Math" charset="0"/>
+                                  </a:rPr>
+                                  <m:t>𝑒</m:t>
+                                </m:r>
+                              </m:e>
+                              <m:sup>
+                                <m:r>
+                                  <a:rPr lang="en-US" sz="4800" b="0" i="1" smtClean="0">
+                                    <a:latin typeface="Cambria Math" charset="0"/>
+                                  </a:rPr>
+                                  <m:t>𝑖</m:t>
+                                </m:r>
+                              </m:sup>
+                            </m:sSup>
+                          </m:sub>
+                        </m:sSub>
+                      </m:sub>
+                      <m:sup/>
+                      <m:e>
+                        <m:d>
+                          <m:dPr>
+                            <m:begChr m:val="{"/>
+                            <m:endChr m:val="}"/>
+                            <m:ctrlPr>
+                              <a:rPr lang="en-US" sz="4800" i="1">
+                                <a:latin typeface="Cambria Math" charset="0"/>
+                              </a:rPr>
+                            </m:ctrlPr>
+                          </m:dPr>
+                          <m:e>
+                            <m:f>
+                              <m:fPr>
+                                <m:ctrlPr>
+                                  <a:rPr lang="en-US" sz="4800" i="1">
+                                    <a:latin typeface="Cambria Math" charset="0"/>
+                                  </a:rPr>
+                                </m:ctrlPr>
+                              </m:fPr>
+                              <m:num>
+                                <m:r>
+                                  <a:rPr lang="en-US" sz="4800" i="1">
+                                    <a:latin typeface="Cambria Math" charset="0"/>
+                                  </a:rPr>
+                                  <m:t>𝜕</m:t>
+                                </m:r>
+                                <m:r>
+                                  <a:rPr lang="en-US" sz="4800" i="1">
+                                    <a:latin typeface="Cambria Math" charset="0"/>
+                                    <a:ea typeface="Cambria Math" charset="0"/>
+                                    <a:cs typeface="Cambria Math" charset="0"/>
+                                  </a:rPr>
+                                  <m:t>𝜙</m:t>
+                                </m:r>
+                              </m:num>
+                              <m:den>
+                                <m:r>
+                                  <a:rPr lang="en-US" sz="4800" i="1">
+                                    <a:latin typeface="Cambria Math" charset="0"/>
+                                  </a:rPr>
+                                  <m:t>𝜕</m:t>
+                                </m:r>
+                                <m:r>
+                                  <a:rPr lang="en-US" sz="4800" i="1">
+                                    <a:latin typeface="Cambria Math" charset="0"/>
+                                  </a:rPr>
+                                  <m:t>𝑡</m:t>
+                                </m:r>
+                              </m:den>
+                            </m:f>
+                            <m:r>
+                              <a:rPr lang="en-US" sz="4800" i="1">
+                                <a:latin typeface="Cambria Math" panose="02040503050406030204" pitchFamily="18" charset="0"/>
+                              </a:rPr>
+                              <m:t>−</m:t>
+                            </m:r>
+                            <m:r>
+                              <a:rPr lang="en-US" sz="4800" i="1">
+                                <a:latin typeface="Cambria Math" charset="0"/>
+                              </a:rPr>
+                              <m:t>2</m:t>
+                            </m:r>
+                            <m:r>
+                              <a:rPr lang="en-US" sz="4800" i="1">
+                                <a:latin typeface="Cambria Math" panose="02040503050406030204" pitchFamily="18" charset="0"/>
+                                <a:ea typeface="Cambria Math" panose="02040503050406030204" pitchFamily="18" charset="0"/>
+                              </a:rPr>
+                              <m:t>𝛻</m:t>
+                            </m:r>
+                            <m:r>
+                              <a:rPr lang="en-US" sz="4800" i="1">
+                                <a:latin typeface="Cambria Math" panose="02040503050406030204" pitchFamily="18" charset="0"/>
+                                <a:ea typeface="Cambria Math" panose="02040503050406030204" pitchFamily="18" charset="0"/>
+                              </a:rPr>
+                              <m:t> ∙</m:t>
+                            </m:r>
+                            <m:r>
+                              <a:rPr lang="en-US" sz="4800" i="1">
+                                <a:latin typeface="Cambria Math" panose="02040503050406030204" pitchFamily="18" charset="0"/>
+                                <a:ea typeface="Cambria Math" panose="02040503050406030204" pitchFamily="18" charset="0"/>
+                              </a:rPr>
+                              <m:t>𝛻𝜙</m:t>
+                            </m:r>
+                            <m:r>
+                              <a:rPr lang="en-US" sz="4800" i="1">
+                                <a:latin typeface="Cambria Math" panose="02040503050406030204" pitchFamily="18" charset="0"/>
+                                <a:ea typeface="Cambria Math" charset="0"/>
+                                <a:cs typeface="Cambria Math" charset="0"/>
+                              </a:rPr>
+                              <m:t>+</m:t>
+                            </m:r>
+                            <m:r>
+                              <a:rPr lang="en-US" sz="4800" i="1">
+                                <a:latin typeface="Cambria Math" charset="0"/>
+                              </a:rPr>
+                              <m:t>𝑔</m:t>
+                            </m:r>
+                            <m:d>
+                              <m:dPr>
+                                <m:ctrlPr>
+                                  <a:rPr lang="en-US" sz="4800" i="1">
+                                    <a:latin typeface="Cambria Math" charset="0"/>
+                                  </a:rPr>
+                                </m:ctrlPr>
+                              </m:dPr>
+                              <m:e>
+                                <m:r>
+                                  <a:rPr lang="en-US" sz="4800" i="1">
+                                    <a:latin typeface="Cambria Math" charset="0"/>
+                                    <a:ea typeface="Cambria Math" charset="0"/>
+                                    <a:cs typeface="Cambria Math" charset="0"/>
+                                  </a:rPr>
+                                  <m:t>𝜙</m:t>
+                                </m:r>
+                              </m:e>
+                            </m:d>
+                          </m:e>
+                        </m:d>
+                        <m:r>
+                          <m:rPr>
+                            <m:sty m:val="p"/>
+                          </m:rPr>
+                          <a:rPr lang="en-US" sz="4800">
+                            <a:latin typeface="Cambria Math" panose="02040503050406030204" pitchFamily="18" charset="0"/>
+                          </a:rPr>
+                          <m:t>dxdy</m:t>
+                        </m:r>
+                      </m:e>
+                    </m:nary>
+                  </m:oMath>
+                </a14:m>
+                <a:endParaRPr lang="en-US" dirty="0"/>
+              </a:p>
+            </p:txBody>
+          </p:sp>
+        </mc:Choice>
+        <mc:Fallback>
+          <p:sp>
+            <p:nvSpPr>
+              <p:cNvPr id="3" name="Content Placeholder 2"/>
+              <p:cNvSpPr>
+                <a:spLocks noGrp="1" noRot="1" noChangeAspect="1" noMove="1" noResize="1" noEditPoints="1" noAdjustHandles="1" noChangeArrowheads="1" noChangeShapeType="1" noTextEdit="1"/>
+              </p:cNvSpPr>
+              <p:nvPr>
+                <p:ph idx="1"/>
+              </p:nvPr>
+            </p:nvSpPr>
+            <p:spPr>
+              <a:xfrm>
+                <a:off x="1024128" y="2286000"/>
+                <a:ext cx="9720071" cy="1634836"/>
+              </a:xfrm>
+              <a:blipFill rotWithShape="0">
+                <a:blip r:embed="rId3"/>
+                <a:stretch>
+                  <a:fillRect/>
+                </a:stretch>
+              </a:blipFill>
+            </p:spPr>
+            <p:txBody>
+              <a:bodyPr/>
+              <a:lstStyle/>
+              <a:p>
+                <a:r>
+                  <a:rPr lang="en-US">
+                    <a:noFill/>
+                  </a:rPr>
+                  <a:t> </a:t>
+                </a:r>
+              </a:p>
+            </p:txBody>
+          </p:sp>
+        </mc:Fallback>
+      </mc:AlternateContent>
     </p:spTree>
     <p:extLst>
       <p:ext uri="{BB962C8B-B14F-4D97-AF65-F5344CB8AC3E}">
@@ -7430,6 +7207,13 @@
   <p:clrMapOvr>
     <a:masterClrMapping/>
   </p:clrMapOvr>
+  <p:timing>
+    <p:tnLst>
+      <p:par>
+        <p:cTn id="1" dur="indefinite" restart="never" nodeType="tmRoot"/>
+      </p:par>
+    </p:tnLst>
+  </p:timing>
 </p:sld>
 </file>
 

--- a/PFMFEM.pptx
+++ b/PFMFEM.pptx
@@ -5,7 +5,7 @@
     <p:sldMasterId id="2147483733" r:id="rId1"/>
   </p:sldMasterIdLst>
   <p:notesMasterIdLst>
-    <p:notesMasterId r:id="rId15"/>
+    <p:notesMasterId r:id="rId17"/>
   </p:notesMasterIdLst>
   <p:sldIdLst>
     <p:sldId id="256" r:id="rId2"/>
@@ -18,9 +18,11 @@
     <p:sldId id="268" r:id="rId9"/>
     <p:sldId id="269" r:id="rId10"/>
     <p:sldId id="266" r:id="rId11"/>
-    <p:sldId id="264" r:id="rId12"/>
-    <p:sldId id="270" r:id="rId13"/>
-    <p:sldId id="271" r:id="rId14"/>
+    <p:sldId id="270" r:id="rId12"/>
+    <p:sldId id="272" r:id="rId13"/>
+    <p:sldId id="273" r:id="rId14"/>
+    <p:sldId id="274" r:id="rId15"/>
+    <p:sldId id="275" r:id="rId16"/>
   </p:sldIdLst>
   <p:sldSz cx="12192000" cy="6858000"/>
   <p:notesSz cx="6858000" cy="9144000"/>
@@ -209,7 +211,7 @@
           <a:p>
             <a:fld id="{F4067880-F2D7-4774-9971-350379BCB41E}" type="datetimeFigureOut">
               <a:rPr lang="en-US" smtClean="0"/>
-              <a:t>12/5/16</a:t>
+              <a:t>12/6/16</a:t>
             </a:fld>
             <a:endParaRPr lang="en-US"/>
           </a:p>
@@ -1097,6 +1099,14 @@
               <a:rPr lang="en-US" dirty="0" smtClean="0"/>
               <a:t>Not considering </a:t>
             </a:r>
+            <a:r>
+              <a:rPr lang="en-US" dirty="0" smtClean="0"/>
+              <a:t>g(phi). Red square is equal</a:t>
+            </a:r>
+            <a:r>
+              <a:rPr lang="en-US" baseline="0" dirty="0" smtClean="0"/>
+              <a:t> to one, everything else is equal to zero. </a:t>
+            </a:r>
             <a:endParaRPr lang="en-US" dirty="0"/>
           </a:p>
         </p:txBody>
@@ -1127,7 +1137,7 @@
     </p:spTree>
     <p:extLst>
       <p:ext uri="{BB962C8B-B14F-4D97-AF65-F5344CB8AC3E}">
-        <p14:creationId xmlns:p14="http://schemas.microsoft.com/office/powerpoint/2010/main" val="1353597392"/>
+        <p14:creationId xmlns:p14="http://schemas.microsoft.com/office/powerpoint/2010/main" val="1995964634"/>
       </p:ext>
     </p:extLst>
   </p:cSld>
@@ -1183,9 +1193,13 @@
           <a:p>
             <a:r>
               <a:rPr lang="en-US" dirty="0" smtClean="0"/>
-              <a:t>Not considering </a:t>
-            </a:r>
-            <a:endParaRPr lang="en-US" dirty="0"/>
+              <a:t>Phase 2 involves the incorporation of g(phi). </a:t>
+            </a:r>
+            <a:r>
+              <a:rPr lang="en-US" smtClean="0"/>
+              <a:t>This is currently on-going work. </a:t>
+            </a:r>
+            <a:endParaRPr lang="en-US"/>
           </a:p>
         </p:txBody>
       </p:sp>
@@ -1206,7 +1220,7 @@
           <a:p>
             <a:fld id="{EE8B852E-2CC2-4BFF-A9F5-B5CF0680D6AA}" type="slidenum">
               <a:rPr lang="en-US" smtClean="0"/>
-              <a:t>12</a:t>
+              <a:t>15</a:t>
             </a:fld>
             <a:endParaRPr lang="en-US"/>
           </a:p>
@@ -1215,95 +1229,7 @@
     </p:spTree>
     <p:extLst>
       <p:ext uri="{BB962C8B-B14F-4D97-AF65-F5344CB8AC3E}">
-        <p14:creationId xmlns:p14="http://schemas.microsoft.com/office/powerpoint/2010/main" val="1995964634"/>
-      </p:ext>
-    </p:extLst>
-  </p:cSld>
-  <p:clrMapOvr>
-    <a:masterClrMapping/>
-  </p:clrMapOvr>
-</p:notes>
-</file>
-
-<file path=ppt/notesSlides/notesSlide9.xml><?xml version="1.0" encoding="utf-8"?>
-<p:notes xmlns:a="http://schemas.openxmlformats.org/drawingml/2006/main" xmlns:r="http://schemas.openxmlformats.org/officeDocument/2006/relationships" xmlns:p="http://schemas.openxmlformats.org/presentationml/2006/main">
-  <p:cSld>
-    <p:spTree>
-      <p:nvGrpSpPr>
-        <p:cNvPr id="1" name=""/>
-        <p:cNvGrpSpPr/>
-        <p:nvPr/>
-      </p:nvGrpSpPr>
-      <p:grpSpPr>
-        <a:xfrm>
-          <a:off x="0" y="0"/>
-          <a:ext cx="0" cy="0"/>
-          <a:chOff x="0" y="0"/>
-          <a:chExt cx="0" cy="0"/>
-        </a:xfrm>
-      </p:grpSpPr>
-      <p:sp>
-        <p:nvSpPr>
-          <p:cNvPr id="2" name="Slide Image Placeholder 1"/>
-          <p:cNvSpPr>
-            <a:spLocks noGrp="1" noRot="1" noChangeAspect="1"/>
-          </p:cNvSpPr>
-          <p:nvPr>
-            <p:ph type="sldImg"/>
-          </p:nvPr>
-        </p:nvSpPr>
-        <p:spPr/>
-      </p:sp>
-      <p:sp>
-        <p:nvSpPr>
-          <p:cNvPr id="3" name="Notes Placeholder 2"/>
-          <p:cNvSpPr>
-            <a:spLocks noGrp="1"/>
-          </p:cNvSpPr>
-          <p:nvPr>
-            <p:ph type="body" idx="1"/>
-          </p:nvPr>
-        </p:nvSpPr>
-        <p:spPr/>
-        <p:txBody>
-          <a:bodyPr/>
-          <a:lstStyle/>
-          <a:p>
-            <a:r>
-              <a:rPr lang="en-US" dirty="0" smtClean="0"/>
-              <a:t>Not considering </a:t>
-            </a:r>
-            <a:endParaRPr lang="en-US" dirty="0"/>
-          </a:p>
-        </p:txBody>
-      </p:sp>
-      <p:sp>
-        <p:nvSpPr>
-          <p:cNvPr id="4" name="Slide Number Placeholder 3"/>
-          <p:cNvSpPr>
-            <a:spLocks noGrp="1"/>
-          </p:cNvSpPr>
-          <p:nvPr>
-            <p:ph type="sldNum" sz="quarter" idx="10"/>
-          </p:nvPr>
-        </p:nvSpPr>
-        <p:spPr/>
-        <p:txBody>
-          <a:bodyPr/>
-          <a:lstStyle/>
-          <a:p>
-            <a:fld id="{EE8B852E-2CC2-4BFF-A9F5-B5CF0680D6AA}" type="slidenum">
-              <a:rPr lang="en-US" smtClean="0"/>
-              <a:t>13</a:t>
-            </a:fld>
-            <a:endParaRPr lang="en-US"/>
-          </a:p>
-        </p:txBody>
-      </p:sp>
-    </p:spTree>
-    <p:extLst>
-      <p:ext uri="{BB962C8B-B14F-4D97-AF65-F5344CB8AC3E}">
-        <p14:creationId xmlns:p14="http://schemas.microsoft.com/office/powerpoint/2010/main" val="780527782"/>
+        <p14:creationId xmlns:p14="http://schemas.microsoft.com/office/powerpoint/2010/main" val="740315919"/>
       </p:ext>
     </p:extLst>
   </p:cSld>
@@ -1504,7 +1430,7 @@
             <a:fld id="{96DFF08F-DC6B-4601-B491-B0F83F6DD2DA}" type="datetimeFigureOut">
               <a:rPr lang="en-US" smtClean="0"/>
               <a:pPr/>
-              <a:t>12/5/16</a:t>
+              <a:t>12/6/16</a:t>
             </a:fld>
             <a:endParaRPr lang="en-US" dirty="0"/>
           </a:p>
@@ -1709,7 +1635,7 @@
           <a:p>
             <a:fld id="{96DFF08F-DC6B-4601-B491-B0F83F6DD2DA}" type="datetimeFigureOut">
               <a:rPr lang="en-US" smtClean="0"/>
-              <a:t>12/5/16</a:t>
+              <a:t>12/6/16</a:t>
             </a:fld>
             <a:endParaRPr lang="en-US" dirty="0"/>
           </a:p>
@@ -1889,7 +1815,7 @@
           <a:p>
             <a:fld id="{96DFF08F-DC6B-4601-B491-B0F83F6DD2DA}" type="datetimeFigureOut">
               <a:rPr lang="en-US" smtClean="0"/>
-              <a:t>12/5/16</a:t>
+              <a:t>12/6/16</a:t>
             </a:fld>
             <a:endParaRPr lang="en-US" dirty="0"/>
           </a:p>
@@ -2094,7 +2020,7 @@
           <a:p>
             <a:fld id="{96DFF08F-DC6B-4601-B491-B0F83F6DD2DA}" type="datetimeFigureOut">
               <a:rPr lang="en-US" smtClean="0"/>
-              <a:t>12/5/16</a:t>
+              <a:t>12/6/16</a:t>
             </a:fld>
             <a:endParaRPr lang="en-US" dirty="0"/>
           </a:p>
@@ -2389,7 +2315,7 @@
           <a:p>
             <a:fld id="{96DFF08F-DC6B-4601-B491-B0F83F6DD2DA}" type="datetimeFigureOut">
               <a:rPr lang="en-US" smtClean="0"/>
-              <a:t>12/5/16</a:t>
+              <a:t>12/6/16</a:t>
             </a:fld>
             <a:endParaRPr lang="en-US" dirty="0"/>
           </a:p>
@@ -2661,7 +2587,7 @@
           <a:p>
             <a:fld id="{96DFF08F-DC6B-4601-B491-B0F83F6DD2DA}" type="datetimeFigureOut">
               <a:rPr lang="en-US" smtClean="0"/>
-              <a:t>12/5/16</a:t>
+              <a:t>12/6/16</a:t>
             </a:fld>
             <a:endParaRPr lang="en-US" dirty="0"/>
           </a:p>
@@ -3068,7 +2994,7 @@
           <a:p>
             <a:fld id="{96DFF08F-DC6B-4601-B491-B0F83F6DD2DA}" type="datetimeFigureOut">
               <a:rPr lang="en-US" smtClean="0"/>
-              <a:t>12/5/16</a:t>
+              <a:t>12/6/16</a:t>
             </a:fld>
             <a:endParaRPr lang="en-US" dirty="0"/>
           </a:p>
@@ -3186,7 +3112,7 @@
           <a:p>
             <a:fld id="{96DFF08F-DC6B-4601-B491-B0F83F6DD2DA}" type="datetimeFigureOut">
               <a:rPr lang="en-US" smtClean="0"/>
-              <a:t>12/5/16</a:t>
+              <a:t>12/6/16</a:t>
             </a:fld>
             <a:endParaRPr lang="en-US" dirty="0"/>
           </a:p>
@@ -3281,7 +3207,7 @@
           <a:p>
             <a:fld id="{96DFF08F-DC6B-4601-B491-B0F83F6DD2DA}" type="datetimeFigureOut">
               <a:rPr lang="en-US" smtClean="0"/>
-              <a:t>12/5/16</a:t>
+              <a:t>12/6/16</a:t>
             </a:fld>
             <a:endParaRPr lang="en-US" dirty="0"/>
           </a:p>
@@ -3571,7 +3497,7 @@
           <a:p>
             <a:fld id="{96DFF08F-DC6B-4601-B491-B0F83F6DD2DA}" type="datetimeFigureOut">
               <a:rPr lang="en-US" smtClean="0"/>
-              <a:t>12/5/16</a:t>
+              <a:t>12/6/16</a:t>
             </a:fld>
             <a:endParaRPr lang="en-US" dirty="0"/>
           </a:p>
@@ -3851,7 +3777,7 @@
           <a:p>
             <a:fld id="{C7616CA0-919D-4A49-9C8A-62FDFB3A5183}" type="datetimeFigureOut">
               <a:rPr lang="en-US" smtClean="0"/>
-              <a:t>12/5/16</a:t>
+              <a:t>12/6/16</a:t>
             </a:fld>
             <a:endParaRPr lang="en-US" dirty="0"/>
           </a:p>
@@ -4102,7 +4028,7 @@
             <a:fld id="{96DFF08F-DC6B-4601-B491-B0F83F6DD2DA}" type="datetimeFigureOut">
               <a:rPr lang="en-US" smtClean="0"/>
               <a:pPr/>
-              <a:t>12/5/16</a:t>
+              <a:t>12/6/16</a:t>
             </a:fld>
             <a:endParaRPr lang="en-US" dirty="0"/>
           </a:p>
@@ -4777,7 +4703,12 @@
             <p:ph idx="1"/>
           </p:nvPr>
         </p:nvSpPr>
-        <p:spPr/>
+        <p:spPr>
+          <a:xfrm>
+            <a:off x="1024128" y="2286000"/>
+            <a:ext cx="10465507" cy="4023360"/>
+          </a:xfrm>
+        </p:spPr>
         <p:txBody>
           <a:bodyPr>
             <a:normAutofit/>
@@ -4794,11 +4725,11 @@
             </a:r>
             <a:r>
               <a:rPr lang="en-US" sz="4400" dirty="0" smtClean="0"/>
-              <a:t>Tri</a:t>
+              <a:t>Rectangular domain with triangular </a:t>
             </a:r>
             <a:r>
               <a:rPr lang="en-US" sz="4400" dirty="0" smtClean="0"/>
-              <a:t>angular elements</a:t>
+              <a:t>elements</a:t>
             </a:r>
           </a:p>
           <a:p>
@@ -4895,43 +4826,345 @@
           <a:p>
             <a:r>
               <a:rPr lang="en-US" dirty="0" smtClean="0"/>
-              <a:t>results</a:t>
+              <a:t>Stage 1</a:t>
             </a:r>
             <a:endParaRPr lang="en-US" dirty="0"/>
           </a:p>
         </p:txBody>
       </p:sp>
-      <p:sp>
-        <p:nvSpPr>
-          <p:cNvPr id="3" name="Content Placeholder 2"/>
-          <p:cNvSpPr>
-            <a:spLocks noGrp="1"/>
-          </p:cNvSpPr>
-          <p:nvPr>
-            <p:ph idx="1"/>
-          </p:nvPr>
-        </p:nvSpPr>
-        <p:spPr/>
-        <p:txBody>
-          <a:bodyPr/>
-          <a:lstStyle/>
-          <a:p>
-            <a:pPr>
-              <a:buFont typeface="Wingdings" charset="2"/>
-              <a:buChar char="v"/>
-            </a:pPr>
-            <a:r>
-              <a:rPr lang="en-US" dirty="0" smtClean="0"/>
-              <a:t> add movie/pictures</a:t>
-            </a:r>
-            <a:endParaRPr lang="en-US" dirty="0"/>
-          </a:p>
-        </p:txBody>
-      </p:sp>
+      <mc:AlternateContent xmlns:mc="http://schemas.openxmlformats.org/markup-compatibility/2006">
+        <mc:Choice xmlns:a14="http://schemas.microsoft.com/office/drawing/2010/main" Requires="a14">
+          <p:sp>
+            <p:nvSpPr>
+              <p:cNvPr id="3" name="Content Placeholder 2"/>
+              <p:cNvSpPr>
+                <a:spLocks noGrp="1"/>
+              </p:cNvSpPr>
+              <p:nvPr>
+                <p:ph idx="1"/>
+              </p:nvPr>
+            </p:nvSpPr>
+            <p:spPr/>
+            <p:txBody>
+              <a:bodyPr/>
+              <a:lstStyle/>
+              <a:p>
+                <a14:m>
+                  <m:oMath xmlns:m="http://schemas.openxmlformats.org/officeDocument/2006/math">
+                    <m:f>
+                      <m:fPr>
+                        <m:ctrlPr>
+                          <a:rPr lang="en-US" sz="4000" i="1">
+                            <a:latin typeface="Cambria Math" charset="0"/>
+                          </a:rPr>
+                        </m:ctrlPr>
+                      </m:fPr>
+                      <m:num>
+                        <m:r>
+                          <a:rPr lang="en-US" sz="4000" i="1">
+                            <a:latin typeface="Cambria Math" charset="0"/>
+                          </a:rPr>
+                          <m:t>𝜕</m:t>
+                        </m:r>
+                        <m:r>
+                          <a:rPr lang="en-US" sz="4000" i="1">
+                            <a:latin typeface="Cambria Math" charset="0"/>
+                            <a:ea typeface="Cambria Math" charset="0"/>
+                            <a:cs typeface="Cambria Math" charset="0"/>
+                          </a:rPr>
+                          <m:t>𝜙</m:t>
+                        </m:r>
+                      </m:num>
+                      <m:den>
+                        <m:r>
+                          <a:rPr lang="en-US" sz="4000" i="1">
+                            <a:latin typeface="Cambria Math" charset="0"/>
+                          </a:rPr>
+                          <m:t>𝜕</m:t>
+                        </m:r>
+                        <m:r>
+                          <a:rPr lang="en-US" sz="4000" i="1">
+                            <a:latin typeface="Cambria Math" charset="0"/>
+                          </a:rPr>
+                          <m:t>𝑡</m:t>
+                        </m:r>
+                      </m:den>
+                    </m:f>
+                    <m:r>
+                      <a:rPr lang="en-US" sz="4000" i="1">
+                        <a:latin typeface="Cambria Math" charset="0"/>
+                      </a:rPr>
+                      <m:t>=2</m:t>
+                    </m:r>
+                    <m:d>
+                      <m:dPr>
+                        <m:ctrlPr>
+                          <a:rPr lang="is-IS" sz="4000" i="1">
+                            <a:latin typeface="Cambria Math" charset="0"/>
+                          </a:rPr>
+                        </m:ctrlPr>
+                      </m:dPr>
+                      <m:e>
+                        <m:f>
+                          <m:fPr>
+                            <m:ctrlPr>
+                              <a:rPr lang="bg-BG" sz="4000" i="1">
+                                <a:latin typeface="Cambria Math" charset="0"/>
+                              </a:rPr>
+                            </m:ctrlPr>
+                          </m:fPr>
+                          <m:num>
+                            <m:sSup>
+                              <m:sSupPr>
+                                <m:ctrlPr>
+                                  <a:rPr lang="is-IS" sz="4000" i="1">
+                                    <a:latin typeface="Cambria Math" charset="0"/>
+                                  </a:rPr>
+                                </m:ctrlPr>
+                              </m:sSupPr>
+                              <m:e>
+                                <m:r>
+                                  <a:rPr lang="is-IS" sz="4000" i="1">
+                                    <a:latin typeface="Cambria Math" charset="0"/>
+                                    <a:ea typeface="Cambria Math" charset="0"/>
+                                    <a:cs typeface="Cambria Math" charset="0"/>
+                                  </a:rPr>
+                                  <m:t>𝜕</m:t>
+                                </m:r>
+                              </m:e>
+                              <m:sup>
+                                <m:r>
+                                  <a:rPr lang="is-IS" sz="4000" i="1">
+                                    <a:latin typeface="Cambria Math" charset="0"/>
+                                  </a:rPr>
+                                  <m:t>2</m:t>
+                                </m:r>
+                              </m:sup>
+                            </m:sSup>
+                            <m:r>
+                              <a:rPr lang="is-IS" sz="4000" i="1">
+                                <a:latin typeface="Cambria Math" charset="0"/>
+                                <a:ea typeface="Cambria Math" charset="0"/>
+                                <a:cs typeface="Cambria Math" charset="0"/>
+                              </a:rPr>
+                              <m:t>𝜙</m:t>
+                            </m:r>
+                          </m:num>
+                          <m:den>
+                            <m:r>
+                              <a:rPr lang="bg-BG" sz="4000" i="1">
+                                <a:latin typeface="Cambria Math" charset="0"/>
+                                <a:ea typeface="Cambria Math" charset="0"/>
+                                <a:cs typeface="Cambria Math" charset="0"/>
+                              </a:rPr>
+                              <m:t>𝜕</m:t>
+                            </m:r>
+                            <m:sSup>
+                              <m:sSupPr>
+                                <m:ctrlPr>
+                                  <a:rPr lang="is-IS" sz="4000" i="1">
+                                    <a:latin typeface="Cambria Math" charset="0"/>
+                                    <a:ea typeface="Cambria Math" charset="0"/>
+                                    <a:cs typeface="Cambria Math" charset="0"/>
+                                  </a:rPr>
+                                </m:ctrlPr>
+                              </m:sSupPr>
+                              <m:e>
+                                <m:r>
+                                  <a:rPr lang="is-IS" sz="4000" i="1">
+                                    <a:latin typeface="Cambria Math" charset="0"/>
+                                    <a:ea typeface="Cambria Math" charset="0"/>
+                                    <a:cs typeface="Cambria Math" charset="0"/>
+                                  </a:rPr>
+                                  <m:t>𝑥</m:t>
+                                </m:r>
+                              </m:e>
+                              <m:sup>
+                                <m:r>
+                                  <a:rPr lang="is-IS" sz="4000" i="1">
+                                    <a:latin typeface="Cambria Math" charset="0"/>
+                                    <a:ea typeface="Cambria Math" charset="0"/>
+                                    <a:cs typeface="Cambria Math" charset="0"/>
+                                  </a:rPr>
+                                  <m:t>2</m:t>
+                                </m:r>
+                              </m:sup>
+                            </m:sSup>
+                          </m:den>
+                        </m:f>
+                        <m:r>
+                          <a:rPr lang="en-US" sz="4000" i="1">
+                            <a:latin typeface="Cambria Math" charset="0"/>
+                          </a:rPr>
+                          <m:t>+ </m:t>
+                        </m:r>
+                        <m:f>
+                          <m:fPr>
+                            <m:ctrlPr>
+                              <a:rPr lang="bg-BG" sz="4000" i="1">
+                                <a:latin typeface="Cambria Math" charset="0"/>
+                              </a:rPr>
+                            </m:ctrlPr>
+                          </m:fPr>
+                          <m:num>
+                            <m:sSup>
+                              <m:sSupPr>
+                                <m:ctrlPr>
+                                  <a:rPr lang="is-IS" sz="4000" i="1">
+                                    <a:latin typeface="Cambria Math" charset="0"/>
+                                  </a:rPr>
+                                </m:ctrlPr>
+                              </m:sSupPr>
+                              <m:e>
+                                <m:r>
+                                  <a:rPr lang="is-IS" sz="4000" i="1">
+                                    <a:latin typeface="Cambria Math" charset="0"/>
+                                    <a:ea typeface="Cambria Math" charset="0"/>
+                                    <a:cs typeface="Cambria Math" charset="0"/>
+                                  </a:rPr>
+                                  <m:t>𝜕</m:t>
+                                </m:r>
+                              </m:e>
+                              <m:sup>
+                                <m:r>
+                                  <a:rPr lang="is-IS" sz="4000" i="1">
+                                    <a:latin typeface="Cambria Math" charset="0"/>
+                                  </a:rPr>
+                                  <m:t>2</m:t>
+                                </m:r>
+                              </m:sup>
+                            </m:sSup>
+                            <m:r>
+                              <a:rPr lang="bg-BG" sz="4000" i="1">
+                                <a:latin typeface="Cambria Math" charset="0"/>
+                                <a:ea typeface="Cambria Math" charset="0"/>
+                                <a:cs typeface="Cambria Math" charset="0"/>
+                              </a:rPr>
+                              <m:t>𝜙</m:t>
+                            </m:r>
+                          </m:num>
+                          <m:den>
+                            <m:r>
+                              <a:rPr lang="bg-BG" sz="4000" i="1">
+                                <a:latin typeface="Cambria Math" charset="0"/>
+                                <a:ea typeface="Cambria Math" charset="0"/>
+                                <a:cs typeface="Cambria Math" charset="0"/>
+                              </a:rPr>
+                              <m:t>𝜕</m:t>
+                            </m:r>
+                            <m:sSup>
+                              <m:sSupPr>
+                                <m:ctrlPr>
+                                  <a:rPr lang="is-IS" sz="4000" i="1">
+                                    <a:latin typeface="Cambria Math" charset="0"/>
+                                    <a:ea typeface="Cambria Math" charset="0"/>
+                                    <a:cs typeface="Cambria Math" charset="0"/>
+                                  </a:rPr>
+                                </m:ctrlPr>
+                              </m:sSupPr>
+                              <m:e>
+                                <m:r>
+                                  <a:rPr lang="en-US" sz="4000" i="1">
+                                    <a:latin typeface="Cambria Math" charset="0"/>
+                                    <a:ea typeface="Cambria Math" charset="0"/>
+                                    <a:cs typeface="Cambria Math" charset="0"/>
+                                  </a:rPr>
+                                  <m:t>𝑦</m:t>
+                                </m:r>
+                              </m:e>
+                              <m:sup>
+                                <m:r>
+                                  <a:rPr lang="is-IS" sz="4000" i="1">
+                                    <a:latin typeface="Cambria Math" charset="0"/>
+                                    <a:ea typeface="Cambria Math" charset="0"/>
+                                    <a:cs typeface="Cambria Math" charset="0"/>
+                                  </a:rPr>
+                                  <m:t>2</m:t>
+                                </m:r>
+                              </m:sup>
+                            </m:sSup>
+                          </m:den>
+                        </m:f>
+                      </m:e>
+                    </m:d>
+                  </m:oMath>
+                </a14:m>
+                <a:endParaRPr lang="en-US" sz="4000" dirty="0"/>
+              </a:p>
+              <a:p>
+                <a:endParaRPr lang="en-US" dirty="0"/>
+              </a:p>
+            </p:txBody>
+          </p:sp>
+        </mc:Choice>
+        <mc:Fallback>
+          <p:sp>
+            <p:nvSpPr>
+              <p:cNvPr id="3" name="Content Placeholder 2"/>
+              <p:cNvSpPr>
+                <a:spLocks noGrp="1" noRot="1" noChangeAspect="1" noMove="1" noResize="1" noEditPoints="1" noAdjustHandles="1" noChangeArrowheads="1" noChangeShapeType="1" noTextEdit="1"/>
+              </p:cNvSpPr>
+              <p:nvPr>
+                <p:ph idx="1"/>
+              </p:nvPr>
+            </p:nvSpPr>
+            <p:spPr>
+              <a:blipFill rotWithShape="0">
+                <a:blip r:embed="rId3"/>
+                <a:stretch>
+                  <a:fillRect/>
+                </a:stretch>
+              </a:blipFill>
+            </p:spPr>
+            <p:txBody>
+              <a:bodyPr/>
+              <a:lstStyle/>
+              <a:p>
+                <a:r>
+                  <a:rPr lang="en-US">
+                    <a:noFill/>
+                  </a:rPr>
+                  <a:t> </a:t>
+                </a:r>
+              </a:p>
+            </p:txBody>
+          </p:sp>
+        </mc:Fallback>
+      </mc:AlternateContent>
+      <p:pic>
+        <p:nvPicPr>
+          <p:cNvPr id="4" name="Picture 3"/>
+          <p:cNvPicPr>
+            <a:picLocks noChangeAspect="1"/>
+          </p:cNvPicPr>
+          <p:nvPr/>
+        </p:nvPicPr>
+        <p:blipFill>
+          <a:blip r:embed="rId4">
+            <a:extLst>
+              <a:ext uri="{28A0092B-C50C-407E-A947-70E740481C1C}">
+                <a14:useLocalDpi xmlns:a14="http://schemas.microsoft.com/office/drawing/2010/main" val="0"/>
+              </a:ext>
+            </a:extLst>
+          </a:blip>
+          <a:stretch>
+            <a:fillRect/>
+          </a:stretch>
+        </p:blipFill>
+        <p:spPr>
+          <a:xfrm>
+            <a:off x="5465969" y="1335024"/>
+            <a:ext cx="6045798" cy="4518212"/>
+          </a:xfrm>
+          <a:prstGeom prst="rect">
+            <a:avLst/>
+          </a:prstGeom>
+        </p:spPr>
+      </p:pic>
     </p:spTree>
     <p:extLst>
       <p:ext uri="{BB962C8B-B14F-4D97-AF65-F5344CB8AC3E}">
-        <p14:creationId xmlns:p14="http://schemas.microsoft.com/office/powerpoint/2010/main" val="800065901"/>
+        <p14:creationId xmlns:p14="http://schemas.microsoft.com/office/powerpoint/2010/main" val="651378599"/>
       </p:ext>
     </p:extLst>
   </p:cSld>
@@ -4975,7 +5208,11 @@
           <a:p>
             <a:r>
               <a:rPr lang="en-US" dirty="0" smtClean="0"/>
-              <a:t>results</a:t>
+              <a:t>Results: </a:t>
+            </a:r>
+            <a:r>
+              <a:rPr lang="en-US" dirty="0" err="1" smtClean="0"/>
+              <a:t>Dirichlet</a:t>
             </a:r>
             <a:endParaRPr lang="en-US" dirty="0"/>
           </a:p>
@@ -5003,7 +5240,7 @@
     </p:spTree>
     <p:extLst>
       <p:ext uri="{BB962C8B-B14F-4D97-AF65-F5344CB8AC3E}">
-        <p14:creationId xmlns:p14="http://schemas.microsoft.com/office/powerpoint/2010/main" val="651378599"/>
+        <p14:creationId xmlns:p14="http://schemas.microsoft.com/office/powerpoint/2010/main" val="506563567"/>
       </p:ext>
     </p:extLst>
   </p:cSld>
@@ -5047,7 +5284,7 @@
           <a:p>
             <a:r>
               <a:rPr lang="en-US" dirty="0" smtClean="0"/>
-              <a:t>results</a:t>
+              <a:t>Results: Neumann</a:t>
             </a:r>
             <a:endParaRPr lang="en-US" dirty="0"/>
           </a:p>
@@ -5065,37 +5302,347 @@
         </p:nvSpPr>
         <p:spPr/>
         <p:txBody>
-          <a:bodyPr>
-            <a:normAutofit/>
-          </a:bodyPr>
-          <a:lstStyle/>
-          <a:p>
-            <a:pPr>
-              <a:buFont typeface="Wingdings" charset="2"/>
-              <a:buChar char="v"/>
-            </a:pPr>
-            <a:r>
-              <a:rPr lang="en-US" sz="4400" dirty="0" smtClean="0"/>
-              <a:t> Code executes in ______ s. </a:t>
-            </a:r>
-          </a:p>
-          <a:p>
-            <a:pPr>
-              <a:buFont typeface="Wingdings" charset="2"/>
-              <a:buChar char="v"/>
-            </a:pPr>
-            <a:r>
-              <a:rPr lang="en-US" sz="4400" dirty="0"/>
-              <a:t> </a:t>
-            </a:r>
-            <a:endParaRPr lang="en-US" sz="4400" dirty="0"/>
+          <a:bodyPr/>
+          <a:lstStyle/>
+          <a:p>
+            <a:endParaRPr lang="en-US"/>
           </a:p>
         </p:txBody>
       </p:sp>
     </p:spTree>
     <p:extLst>
       <p:ext uri="{BB962C8B-B14F-4D97-AF65-F5344CB8AC3E}">
-        <p14:creationId xmlns:p14="http://schemas.microsoft.com/office/powerpoint/2010/main" val="361516735"/>
+        <p14:creationId xmlns:p14="http://schemas.microsoft.com/office/powerpoint/2010/main" val="1889260012"/>
+      </p:ext>
+    </p:extLst>
+  </p:cSld>
+  <p:clrMapOvr>
+    <a:masterClrMapping/>
+  </p:clrMapOvr>
+</p:sld>
+</file>
+
+<file path=ppt/slides/slide14.xml><?xml version="1.0" encoding="utf-8"?>
+<p:sld xmlns:a="http://schemas.openxmlformats.org/drawingml/2006/main" xmlns:r="http://schemas.openxmlformats.org/officeDocument/2006/relationships" xmlns:p="http://schemas.openxmlformats.org/presentationml/2006/main">
+  <p:cSld>
+    <p:spTree>
+      <p:nvGrpSpPr>
+        <p:cNvPr id="1" name=""/>
+        <p:cNvGrpSpPr/>
+        <p:nvPr/>
+      </p:nvGrpSpPr>
+      <p:grpSpPr>
+        <a:xfrm>
+          <a:off x="0" y="0"/>
+          <a:ext cx="0" cy="0"/>
+          <a:chOff x="0" y="0"/>
+          <a:chExt cx="0" cy="0"/>
+        </a:xfrm>
+      </p:grpSpPr>
+      <p:sp>
+        <p:nvSpPr>
+          <p:cNvPr id="2" name="Title 1"/>
+          <p:cNvSpPr>
+            <a:spLocks noGrp="1"/>
+          </p:cNvSpPr>
+          <p:nvPr>
+            <p:ph type="title"/>
+          </p:nvPr>
+        </p:nvSpPr>
+        <p:spPr/>
+        <p:txBody>
+          <a:bodyPr/>
+          <a:lstStyle/>
+          <a:p>
+            <a:r>
+              <a:rPr lang="en-US" dirty="0" smtClean="0"/>
+              <a:t>Results: Periodic</a:t>
+            </a:r>
+            <a:endParaRPr lang="en-US" dirty="0"/>
+          </a:p>
+        </p:txBody>
+      </p:sp>
+      <p:sp>
+        <p:nvSpPr>
+          <p:cNvPr id="3" name="Content Placeholder 2"/>
+          <p:cNvSpPr>
+            <a:spLocks noGrp="1"/>
+          </p:cNvSpPr>
+          <p:nvPr>
+            <p:ph idx="1"/>
+          </p:nvPr>
+        </p:nvSpPr>
+        <p:spPr/>
+        <p:txBody>
+          <a:bodyPr/>
+          <a:lstStyle/>
+          <a:p>
+            <a:endParaRPr lang="en-US"/>
+          </a:p>
+        </p:txBody>
+      </p:sp>
+    </p:spTree>
+    <p:extLst>
+      <p:ext uri="{BB962C8B-B14F-4D97-AF65-F5344CB8AC3E}">
+        <p14:creationId xmlns:p14="http://schemas.microsoft.com/office/powerpoint/2010/main" val="441977287"/>
+      </p:ext>
+    </p:extLst>
+  </p:cSld>
+  <p:clrMapOvr>
+    <a:masterClrMapping/>
+  </p:clrMapOvr>
+</p:sld>
+</file>
+
+<file path=ppt/slides/slide15.xml><?xml version="1.0" encoding="utf-8"?>
+<p:sld xmlns:a="http://schemas.openxmlformats.org/drawingml/2006/main" xmlns:r="http://schemas.openxmlformats.org/officeDocument/2006/relationships" xmlns:p="http://schemas.openxmlformats.org/presentationml/2006/main">
+  <p:cSld>
+    <p:spTree>
+      <p:nvGrpSpPr>
+        <p:cNvPr id="1" name=""/>
+        <p:cNvGrpSpPr/>
+        <p:nvPr/>
+      </p:nvGrpSpPr>
+      <p:grpSpPr>
+        <a:xfrm>
+          <a:off x="0" y="0"/>
+          <a:ext cx="0" cy="0"/>
+          <a:chOff x="0" y="0"/>
+          <a:chExt cx="0" cy="0"/>
+        </a:xfrm>
+      </p:grpSpPr>
+      <p:sp>
+        <p:nvSpPr>
+          <p:cNvPr id="2" name="Title 1"/>
+          <p:cNvSpPr>
+            <a:spLocks noGrp="1"/>
+          </p:cNvSpPr>
+          <p:nvPr>
+            <p:ph type="title"/>
+          </p:nvPr>
+        </p:nvSpPr>
+        <p:spPr/>
+        <p:txBody>
+          <a:bodyPr/>
+          <a:lstStyle/>
+          <a:p>
+            <a:r>
+              <a:rPr lang="en-US" dirty="0" smtClean="0"/>
+              <a:t>Phase 2</a:t>
+            </a:r>
+            <a:endParaRPr lang="en-US" dirty="0"/>
+          </a:p>
+        </p:txBody>
+      </p:sp>
+      <mc:AlternateContent xmlns:mc="http://schemas.openxmlformats.org/markup-compatibility/2006">
+        <mc:Choice xmlns:a14="http://schemas.microsoft.com/office/drawing/2010/main" Requires="a14">
+          <p:sp>
+            <p:nvSpPr>
+              <p:cNvPr id="3" name="Content Placeholder 2"/>
+              <p:cNvSpPr>
+                <a:spLocks noGrp="1"/>
+              </p:cNvSpPr>
+              <p:nvPr>
+                <p:ph idx="1"/>
+              </p:nvPr>
+            </p:nvSpPr>
+            <p:spPr/>
+            <p:txBody>
+              <a:bodyPr>
+                <a:normAutofit/>
+              </a:bodyPr>
+              <a:lstStyle/>
+              <a:p>
+                <a:pPr>
+                  <a:buFont typeface="Arial" charset="0"/>
+                  <a:buChar char="•"/>
+                </a:pPr>
+                <a:r>
+                  <a:rPr lang="en-US" sz="3600" dirty="0" smtClean="0"/>
+                  <a:t> </a:t>
+                </a:r>
+                <a:r>
+                  <a:rPr lang="en-US" sz="4000" dirty="0" smtClean="0"/>
+                  <a:t>On-going work </a:t>
+                </a:r>
+              </a:p>
+              <a:p>
+                <a:pPr>
+                  <a:buFont typeface="Arial" charset="0"/>
+                  <a:buChar char="•"/>
+                </a:pPr>
+                <a:r>
+                  <a:rPr lang="en-US" sz="4000" dirty="0"/>
+                  <a:t> </a:t>
+                </a:r>
+                <a14:m>
+                  <m:oMath xmlns:m="http://schemas.openxmlformats.org/officeDocument/2006/math">
+                    <m:f>
+                      <m:fPr>
+                        <m:ctrlPr>
+                          <a:rPr lang="en-US" sz="4000" i="1">
+                            <a:latin typeface="Cambria Math" charset="0"/>
+                          </a:rPr>
+                        </m:ctrlPr>
+                      </m:fPr>
+                      <m:num>
+                        <m:r>
+                          <a:rPr lang="en-US" sz="4000" i="1">
+                            <a:latin typeface="Cambria Math" charset="0"/>
+                          </a:rPr>
+                          <m:t>𝜕</m:t>
+                        </m:r>
+                        <m:r>
+                          <a:rPr lang="en-US" sz="4000" i="1">
+                            <a:latin typeface="Cambria Math" charset="0"/>
+                            <a:ea typeface="Cambria Math" charset="0"/>
+                            <a:cs typeface="Cambria Math" charset="0"/>
+                          </a:rPr>
+                          <m:t>𝜙</m:t>
+                        </m:r>
+                      </m:num>
+                      <m:den>
+                        <m:r>
+                          <a:rPr lang="en-US" sz="4000" i="1">
+                            <a:latin typeface="Cambria Math" charset="0"/>
+                          </a:rPr>
+                          <m:t>𝜕</m:t>
+                        </m:r>
+                        <m:r>
+                          <a:rPr lang="en-US" sz="4000" i="1">
+                            <a:latin typeface="Cambria Math" charset="0"/>
+                          </a:rPr>
+                          <m:t>𝑡</m:t>
+                        </m:r>
+                      </m:den>
+                    </m:f>
+                    <m:r>
+                      <a:rPr lang="en-US" sz="4000" i="1">
+                        <a:latin typeface="Cambria Math" panose="02040503050406030204" pitchFamily="18" charset="0"/>
+                      </a:rPr>
+                      <m:t>−</m:t>
+                    </m:r>
+                    <m:r>
+                      <a:rPr lang="en-US" sz="4000" i="1">
+                        <a:latin typeface="Cambria Math" charset="0"/>
+                      </a:rPr>
+                      <m:t>2</m:t>
+                    </m:r>
+                    <m:r>
+                      <a:rPr lang="en-US" sz="4000" i="1">
+                        <a:latin typeface="Cambria Math" panose="02040503050406030204" pitchFamily="18" charset="0"/>
+                        <a:ea typeface="Cambria Math" panose="02040503050406030204" pitchFamily="18" charset="0"/>
+                      </a:rPr>
+                      <m:t>𝛻</m:t>
+                    </m:r>
+                    <m:r>
+                      <a:rPr lang="en-US" sz="4000" i="1">
+                        <a:latin typeface="Cambria Math" panose="02040503050406030204" pitchFamily="18" charset="0"/>
+                        <a:ea typeface="Cambria Math" panose="02040503050406030204" pitchFamily="18" charset="0"/>
+                      </a:rPr>
+                      <m:t> ∙</m:t>
+                    </m:r>
+                    <m:r>
+                      <a:rPr lang="en-US" sz="4000" i="1">
+                        <a:latin typeface="Cambria Math" panose="02040503050406030204" pitchFamily="18" charset="0"/>
+                        <a:ea typeface="Cambria Math" panose="02040503050406030204" pitchFamily="18" charset="0"/>
+                      </a:rPr>
+                      <m:t>𝛻𝜙</m:t>
+                    </m:r>
+                    <m:r>
+                      <a:rPr lang="en-US" sz="4000" i="1">
+                        <a:latin typeface="Cambria Math" panose="02040503050406030204" pitchFamily="18" charset="0"/>
+                        <a:ea typeface="Cambria Math" charset="0"/>
+                        <a:cs typeface="Cambria Math" charset="0"/>
+                      </a:rPr>
+                      <m:t>+</m:t>
+                    </m:r>
+                    <m:r>
+                      <a:rPr lang="en-US" sz="4000" i="1">
+                        <a:latin typeface="Cambria Math" charset="0"/>
+                      </a:rPr>
+                      <m:t>𝑔</m:t>
+                    </m:r>
+                    <m:d>
+                      <m:dPr>
+                        <m:ctrlPr>
+                          <a:rPr lang="en-US" sz="4000" i="1">
+                            <a:latin typeface="Cambria Math" charset="0"/>
+                          </a:rPr>
+                        </m:ctrlPr>
+                      </m:dPr>
+                      <m:e>
+                        <m:r>
+                          <a:rPr lang="en-US" sz="4000" i="1">
+                            <a:latin typeface="Cambria Math" charset="0"/>
+                            <a:ea typeface="Cambria Math" charset="0"/>
+                            <a:cs typeface="Cambria Math" charset="0"/>
+                          </a:rPr>
+                          <m:t>𝜙</m:t>
+                        </m:r>
+                      </m:e>
+                    </m:d>
+                    <m:r>
+                      <a:rPr lang="en-US" sz="4000" i="1">
+                        <a:latin typeface="Cambria Math" panose="02040503050406030204" pitchFamily="18" charset="0"/>
+                        <a:ea typeface="Cambria Math" charset="0"/>
+                        <a:cs typeface="Cambria Math" charset="0"/>
+                      </a:rPr>
+                      <m:t>=0</m:t>
+                    </m:r>
+                    <m:r>
+                      <a:rPr lang="en-US" sz="4000" b="0" i="0" smtClean="0">
+                        <a:latin typeface="Cambria Math" charset="0"/>
+                        <a:ea typeface="Cambria Math" charset="0"/>
+                        <a:cs typeface="Cambria Math" charset="0"/>
+                      </a:rPr>
+                      <m:t> </m:t>
+                    </m:r>
+                  </m:oMath>
+                </a14:m>
+                <a:endParaRPr lang="en-US" sz="4000" dirty="0"/>
+              </a:p>
+            </p:txBody>
+          </p:sp>
+        </mc:Choice>
+        <mc:Fallback>
+          <p:sp>
+            <p:nvSpPr>
+              <p:cNvPr id="3" name="Content Placeholder 2"/>
+              <p:cNvSpPr>
+                <a:spLocks noGrp="1" noRot="1" noChangeAspect="1" noMove="1" noResize="1" noEditPoints="1" noAdjustHandles="1" noChangeArrowheads="1" noChangeShapeType="1" noTextEdit="1"/>
+              </p:cNvSpPr>
+              <p:nvPr>
+                <p:ph idx="1"/>
+              </p:nvPr>
+            </p:nvSpPr>
+            <p:spPr>
+              <a:blipFill rotWithShape="0">
+                <a:blip r:embed="rId3"/>
+                <a:stretch>
+                  <a:fillRect l="-2447" t="-4242"/>
+                </a:stretch>
+              </a:blipFill>
+            </p:spPr>
+            <p:txBody>
+              <a:bodyPr/>
+              <a:lstStyle/>
+              <a:p>
+                <a:r>
+                  <a:rPr lang="en-US">
+                    <a:noFill/>
+                  </a:rPr>
+                  <a:t> </a:t>
+                </a:r>
+              </a:p>
+            </p:txBody>
+          </p:sp>
+        </mc:Fallback>
+      </mc:AlternateContent>
+    </p:spTree>
+    <p:extLst>
+      <p:ext uri="{BB962C8B-B14F-4D97-AF65-F5344CB8AC3E}">
+        <p14:creationId xmlns:p14="http://schemas.microsoft.com/office/powerpoint/2010/main" val="2096757966"/>
       </p:ext>
     </p:extLst>
   </p:cSld>
@@ -5209,13 +5756,8 @@
             </a:r>
             <a:r>
               <a:rPr lang="en-US" sz="4400" dirty="0" smtClean="0"/>
-              <a:t>Vesicle </a:t>
-            </a:r>
-            <a:r>
-              <a:rPr lang="en-US" sz="4400" dirty="0" smtClean="0"/>
-              <a:t>dynamics</a:t>
-            </a:r>
-            <a:endParaRPr lang="en-US" sz="4400" dirty="0" smtClean="0"/>
+              <a:t>Vesicle dynamics</a:t>
+            </a:r>
           </a:p>
         </p:txBody>
       </p:sp>
@@ -5648,23 +6190,6 @@
               <a:t>Integrate whole equation over the domain. </a:t>
             </a:r>
           </a:p>
-          <a:p>
-            <a:pPr marL="457200" indent="-457200">
-              <a:buFont typeface="+mj-lt"/>
-              <a:buAutoNum type="arabicPeriod"/>
-            </a:pPr>
-            <a:r>
-              <a:rPr lang="en-US" sz="4000" dirty="0" smtClean="0"/>
-              <a:t>Integrate by parts. </a:t>
-            </a:r>
-          </a:p>
-          <a:p>
-            <a:pPr marL="457200" indent="-457200">
-              <a:buFont typeface="+mj-lt"/>
-              <a:buAutoNum type="arabicPeriod"/>
-            </a:pPr>
-            <a:endParaRPr lang="en-US" dirty="0"/>
-          </a:p>
         </p:txBody>
       </p:sp>
     </p:spTree>
@@ -5720,8 +6245,8 @@
           </a:p>
         </p:txBody>
       </p:sp>
-      <mc:AlternateContent xmlns:mc="http://schemas.openxmlformats.org/markup-compatibility/2006" xmlns:a14="http://schemas.microsoft.com/office/drawing/2010/main">
-        <mc:Choice Requires="a14">
+      <mc:AlternateContent xmlns:mc="http://schemas.openxmlformats.org/markup-compatibility/2006">
+        <mc:Choice xmlns:a14="http://schemas.microsoft.com/office/drawing/2010/main" Requires="a14">
           <p:sp>
             <p:nvSpPr>
               <p:cNvPr id="4" name="Content Placeholder 2"/>
@@ -5735,12 +6260,12 @@
             <p:spPr>
               <a:xfrm>
                 <a:off x="1024128" y="2286000"/>
-                <a:ext cx="9720071" cy="3418114"/>
+                <a:ext cx="9720071" cy="4134678"/>
               </a:xfrm>
             </p:spPr>
             <p:txBody>
               <a:bodyPr>
-                <a:normAutofit/>
+                <a:normAutofit fontScale="92500" lnSpcReduction="20000"/>
               </a:bodyPr>
               <a:lstStyle/>
               <a:p>
@@ -6174,12 +6699,309 @@
                     </m:r>
                   </m:oMath>
                 </a14:m>
+                <a:endParaRPr lang="en-US" sz="4400" dirty="0" smtClean="0"/>
+              </a:p>
+              <a:p>
+                <a:pPr algn="ctr"/>
+                <a:endParaRPr lang="en-US" sz="4400" dirty="0" smtClean="0"/>
+              </a:p>
+              <a:p>
+                <a:pPr algn="ctr"/>
+                <a14:m>
+                  <m:oMath xmlns:m="http://schemas.openxmlformats.org/officeDocument/2006/math">
+                    <m:r>
+                      <a:rPr lang="en-US" sz="4400" i="1">
+                        <a:latin typeface="Cambria Math" charset="0"/>
+                      </a:rPr>
+                      <m:t>𝑎</m:t>
+                    </m:r>
+                    <m:r>
+                      <a:rPr lang="en-US" sz="4400" i="1">
+                        <a:latin typeface="Cambria Math" charset="0"/>
+                      </a:rPr>
+                      <m:t>=</m:t>
+                    </m:r>
+                    <m:f>
+                      <m:fPr>
+                        <m:ctrlPr>
+                          <a:rPr lang="bg-BG" sz="4400" i="1">
+                            <a:latin typeface="Cambria Math" charset="0"/>
+                          </a:rPr>
+                        </m:ctrlPr>
+                      </m:fPr>
+                      <m:num>
+                        <m:r>
+                          <a:rPr lang="en-US" sz="4400" i="1">
+                            <a:latin typeface="Cambria Math" charset="0"/>
+                          </a:rPr>
+                          <m:t>−36</m:t>
+                        </m:r>
+                      </m:num>
+                      <m:den>
+                        <m:sSup>
+                          <m:sSupPr>
+                            <m:ctrlPr>
+                              <a:rPr lang="bg-BG" sz="4400" i="1">
+                                <a:latin typeface="Cambria Math" charset="0"/>
+                                <a:ea typeface="Cambria Math" charset="0"/>
+                                <a:cs typeface="Cambria Math" charset="0"/>
+                              </a:rPr>
+                            </m:ctrlPr>
+                          </m:sSupPr>
+                          <m:e>
+                            <m:r>
+                              <a:rPr lang="en-US" sz="4400" i="1">
+                                <a:latin typeface="Cambria Math" charset="0"/>
+                              </a:rPr>
+                              <m:t>𝜖</m:t>
+                            </m:r>
+                          </m:e>
+                          <m:sup>
+                            <m:r>
+                              <a:rPr lang="en-US" sz="4400" i="1">
+                                <a:latin typeface="Cambria Math" charset="0"/>
+                                <a:ea typeface="Cambria Math" charset="0"/>
+                                <a:cs typeface="Cambria Math" charset="0"/>
+                              </a:rPr>
+                              <m:t>2</m:t>
+                            </m:r>
+                          </m:sup>
+                        </m:sSup>
+                      </m:den>
+                    </m:f>
+                    <m:r>
+                      <a:rPr lang="en-US" sz="4400">
+                        <a:latin typeface="Cambria Math" charset="0"/>
+                      </a:rPr>
+                      <m:t>, </m:t>
+                    </m:r>
+                    <m:r>
+                      <a:rPr lang="en-US" sz="4400" b="0" i="1" smtClean="0">
+                        <a:latin typeface="Cambria Math" charset="0"/>
+                      </a:rPr>
+                      <m:t> </m:t>
+                    </m:r>
+                    <m:r>
+                      <a:rPr lang="en-US" sz="4400" i="1">
+                        <a:latin typeface="Cambria Math" charset="0"/>
+                      </a:rPr>
+                      <m:t>𝑏</m:t>
+                    </m:r>
+                    <m:r>
+                      <a:rPr lang="en-US" sz="4400" i="1">
+                        <a:latin typeface="Cambria Math" charset="0"/>
+                      </a:rPr>
+                      <m:t>=</m:t>
+                    </m:r>
+                    <m:f>
+                      <m:fPr>
+                        <m:ctrlPr>
+                          <a:rPr lang="bg-BG" sz="4400" i="1">
+                            <a:latin typeface="Cambria Math" charset="0"/>
+                          </a:rPr>
+                        </m:ctrlPr>
+                      </m:fPr>
+                      <m:num>
+                        <m:r>
+                          <a:rPr lang="en-US" sz="4400" i="1">
+                            <a:latin typeface="Cambria Math" charset="0"/>
+                          </a:rPr>
+                          <m:t>54</m:t>
+                        </m:r>
+                      </m:num>
+                      <m:den>
+                        <m:sSup>
+                          <m:sSupPr>
+                            <m:ctrlPr>
+                              <a:rPr lang="bg-BG" sz="4400" i="1">
+                                <a:latin typeface="Cambria Math" charset="0"/>
+                              </a:rPr>
+                            </m:ctrlPr>
+                          </m:sSupPr>
+                          <m:e>
+                            <m:r>
+                              <a:rPr lang="en-US" sz="4400" i="1">
+                                <a:latin typeface="Cambria Math" charset="0"/>
+                              </a:rPr>
+                              <m:t>𝜖</m:t>
+                            </m:r>
+                          </m:e>
+                          <m:sup>
+                            <m:r>
+                              <a:rPr lang="en-US" sz="4400" i="1">
+                                <a:latin typeface="Cambria Math" charset="0"/>
+                              </a:rPr>
+                              <m:t>2</m:t>
+                            </m:r>
+                          </m:sup>
+                        </m:sSup>
+                      </m:den>
+                    </m:f>
+                    <m:r>
+                      <a:rPr lang="en-US" sz="4400" i="1">
+                        <a:latin typeface="Cambria Math" charset="0"/>
+                      </a:rPr>
+                      <m:t>+</m:t>
+                    </m:r>
+                    <m:f>
+                      <m:fPr>
+                        <m:ctrlPr>
+                          <a:rPr lang="bg-BG" sz="4400" i="1">
+                            <a:latin typeface="Cambria Math" charset="0"/>
+                          </a:rPr>
+                        </m:ctrlPr>
+                      </m:fPr>
+                      <m:num>
+                        <m:r>
+                          <a:rPr lang="en-US" sz="4400" i="1">
+                            <a:latin typeface="Cambria Math" charset="0"/>
+                          </a:rPr>
+                          <m:t>6</m:t>
+                        </m:r>
+                        <m:r>
+                          <a:rPr lang="en-US" sz="4400" i="1">
+                            <a:latin typeface="Cambria Math" charset="0"/>
+                          </a:rPr>
+                          <m:t>𝑚</m:t>
+                        </m:r>
+                      </m:num>
+                      <m:den>
+                        <m:r>
+                          <a:rPr lang="en-US" sz="4400" i="1">
+                            <a:latin typeface="Cambria Math" charset="0"/>
+                          </a:rPr>
+                          <m:t>𝜖</m:t>
+                        </m:r>
+                      </m:den>
+                    </m:f>
+                    <m:r>
+                      <a:rPr lang="en-US" sz="4400">
+                        <a:latin typeface="Cambria Math" charset="0"/>
+                      </a:rPr>
+                      <m:t>, </m:t>
+                    </m:r>
+                    <m:r>
+                      <a:rPr lang="en-US" sz="4400" b="0" i="1" smtClean="0">
+                        <a:latin typeface="Cambria Math" charset="0"/>
+                      </a:rPr>
+                      <m:t> </m:t>
+                    </m:r>
+                    <m:r>
+                      <a:rPr lang="en-US" sz="4400" i="1">
+                        <a:latin typeface="Cambria Math" charset="0"/>
+                      </a:rPr>
+                      <m:t>𝑐</m:t>
+                    </m:r>
+                    <m:r>
+                      <a:rPr lang="en-US" sz="4400" i="1">
+                        <a:latin typeface="Cambria Math" charset="0"/>
+                      </a:rPr>
+                      <m:t>=−</m:t>
+                    </m:r>
+                    <m:d>
+                      <m:dPr>
+                        <m:ctrlPr>
+                          <a:rPr lang="is-IS" sz="4400" i="1">
+                            <a:latin typeface="Cambria Math" charset="0"/>
+                          </a:rPr>
+                        </m:ctrlPr>
+                      </m:dPr>
+                      <m:e>
+                        <m:f>
+                          <m:fPr>
+                            <m:ctrlPr>
+                              <a:rPr lang="bg-BG" sz="4400" i="1">
+                                <a:latin typeface="Cambria Math" charset="0"/>
+                              </a:rPr>
+                            </m:ctrlPr>
+                          </m:fPr>
+                          <m:num>
+                            <m:r>
+                              <a:rPr lang="en-US" sz="4400" i="1">
+                                <a:latin typeface="Cambria Math" charset="0"/>
+                              </a:rPr>
+                              <m:t>18</m:t>
+                            </m:r>
+                          </m:num>
+                          <m:den>
+                            <m:sSup>
+                              <m:sSupPr>
+                                <m:ctrlPr>
+                                  <a:rPr lang="bg-BG" sz="4400" i="1">
+                                    <a:latin typeface="Cambria Math" charset="0"/>
+                                  </a:rPr>
+                                </m:ctrlPr>
+                              </m:sSupPr>
+                              <m:e>
+                                <m:r>
+                                  <a:rPr lang="en-US" sz="4400" i="1">
+                                    <a:latin typeface="Cambria Math" charset="0"/>
+                                  </a:rPr>
+                                  <m:t>𝜖</m:t>
+                                </m:r>
+                              </m:e>
+                              <m:sup>
+                                <m:r>
+                                  <a:rPr lang="en-US" sz="4400" i="1">
+                                    <a:latin typeface="Cambria Math" charset="0"/>
+                                  </a:rPr>
+                                  <m:t>2</m:t>
+                                </m:r>
+                              </m:sup>
+                            </m:sSup>
+                          </m:den>
+                        </m:f>
+                        <m:r>
+                          <a:rPr lang="en-US" sz="4400" i="1">
+                            <a:latin typeface="Cambria Math" charset="0"/>
+                          </a:rPr>
+                          <m:t>+</m:t>
+                        </m:r>
+                        <m:f>
+                          <m:fPr>
+                            <m:ctrlPr>
+                              <a:rPr lang="bg-BG" sz="4400" i="1">
+                                <a:latin typeface="Cambria Math" charset="0"/>
+                              </a:rPr>
+                            </m:ctrlPr>
+                          </m:fPr>
+                          <m:num>
+                            <m:r>
+                              <a:rPr lang="en-US" sz="4400" i="1">
+                                <a:latin typeface="Cambria Math" charset="0"/>
+                              </a:rPr>
+                              <m:t>6</m:t>
+                            </m:r>
+                            <m:r>
+                              <a:rPr lang="en-US" sz="4400" i="1">
+                                <a:latin typeface="Cambria Math" charset="0"/>
+                              </a:rPr>
+                              <m:t>𝑚</m:t>
+                            </m:r>
+                          </m:num>
+                          <m:den>
+                            <m:r>
+                              <a:rPr lang="en-US" sz="4400" i="1">
+                                <a:latin typeface="Cambria Math" charset="0"/>
+                              </a:rPr>
+                              <m:t>𝜖</m:t>
+                            </m:r>
+                          </m:den>
+                        </m:f>
+                      </m:e>
+                    </m:d>
+                  </m:oMath>
+                </a14:m>
+                <a:endParaRPr lang="en-US" sz="4400" dirty="0"/>
+              </a:p>
+              <a:p>
+                <a:pPr algn="ctr"/>
                 <a:endParaRPr lang="en-US" sz="4400" dirty="0"/>
               </a:p>
             </p:txBody>
           </p:sp>
         </mc:Choice>
-        <mc:Fallback xmlns="">
+        <mc:Fallback>
           <p:sp>
             <p:nvSpPr>
               <p:cNvPr id="4" name="Content Placeholder 2"/>
@@ -6193,7 +7015,7 @@
             <p:spPr>
               <a:xfrm>
                 <a:off x="1024128" y="2286000"/>
-                <a:ext cx="9720071" cy="3418114"/>
+                <a:ext cx="9720071" cy="4134678"/>
               </a:xfrm>
               <a:blipFill rotWithShape="0">
                 <a:blip r:embed="rId2"/>
@@ -6299,8 +7121,8 @@
           </a:p>
         </p:txBody>
       </p:sp>
-      <mc:AlternateContent xmlns:mc="http://schemas.openxmlformats.org/markup-compatibility/2006">
-        <mc:Choice xmlns:a14="http://schemas.microsoft.com/office/drawing/2010/main" Requires="a14">
+      <mc:AlternateContent xmlns:mc="http://schemas.openxmlformats.org/markup-compatibility/2006" xmlns:a14="http://schemas.microsoft.com/office/drawing/2010/main">
+        <mc:Choice Requires="a14">
           <p:sp>
             <p:nvSpPr>
               <p:cNvPr id="3" name="Content Placeholder 2"/>
@@ -6446,7 +7268,7 @@
             </p:txBody>
           </p:sp>
         </mc:Choice>
-        <mc:Fallback>
+        <mc:Fallback xmlns="">
           <p:sp>
             <p:nvSpPr>
               <p:cNvPr id="3" name="Content Placeholder 2"/>
@@ -6950,12 +7772,14 @@
             </p:nvSpPr>
             <p:spPr>
               <a:xfrm>
-                <a:off x="1024128" y="2286000"/>
-                <a:ext cx="9720071" cy="1634836"/>
+                <a:off x="1024128" y="2285999"/>
+                <a:ext cx="9720071" cy="4155141"/>
               </a:xfrm>
             </p:spPr>
             <p:txBody>
-              <a:bodyPr/>
+              <a:bodyPr>
+                <a:normAutofit/>
+              </a:bodyPr>
               <a:lstStyle/>
               <a:p>
                 <a14:m>
@@ -7154,7 +7978,25 @@
                     </m:nary>
                   </m:oMath>
                 </a14:m>
+                <a:endParaRPr lang="en-US" dirty="0" smtClean="0"/>
+              </a:p>
+              <a:p>
                 <a:endParaRPr lang="en-US" dirty="0"/>
+              </a:p>
+              <a:p>
+                <a:r>
+                  <a:rPr lang="en-US" sz="3600" dirty="0" smtClean="0"/>
+                  <a:t>Apply Green’s Theorem to 2</a:t>
+                </a:r>
+                <a:r>
+                  <a:rPr lang="en-US" sz="3600" baseline="30000" dirty="0" smtClean="0"/>
+                  <a:t>nd</a:t>
+                </a:r>
+                <a:r>
+                  <a:rPr lang="en-US" sz="3600" dirty="0" smtClean="0"/>
+                  <a:t> term</a:t>
+                </a:r>
+                <a:endParaRPr lang="en-US" sz="3600" dirty="0"/>
               </a:p>
             </p:txBody>
           </p:sp>
@@ -7172,13 +8014,13 @@
             </p:nvSpPr>
             <p:spPr>
               <a:xfrm>
-                <a:off x="1024128" y="2286000"/>
-                <a:ext cx="9720071" cy="1634836"/>
+                <a:off x="1024128" y="2285999"/>
+                <a:ext cx="9720071" cy="4155141"/>
               </a:xfrm>
               <a:blipFill rotWithShape="0">
                 <a:blip r:embed="rId3"/>
                 <a:stretch>
-                  <a:fillRect/>
+                  <a:fillRect l="-1066"/>
                 </a:stretch>
               </a:blipFill>
             </p:spPr>

--- a/PFMFEM.pptx
+++ b/PFMFEM.pptx
@@ -1193,13 +1193,9 @@
           <a:p>
             <a:r>
               <a:rPr lang="en-US" dirty="0" smtClean="0"/>
-              <a:t>Phase 2 involves the incorporation of g(phi). </a:t>
-            </a:r>
-            <a:r>
-              <a:rPr lang="en-US" smtClean="0"/>
-              <a:t>This is currently on-going work. </a:t>
-            </a:r>
-            <a:endParaRPr lang="en-US"/>
+              <a:t>Phase 2 involves the incorporation of g(phi). This is currently on-going work. </a:t>
+            </a:r>
+            <a:endParaRPr lang="en-US" dirty="0"/>
           </a:p>
         </p:txBody>
       </p:sp>
@@ -5428,7 +5424,7 @@
           <a:p>
             <a:r>
               <a:rPr lang="en-US" dirty="0" smtClean="0"/>
-              <a:t>Phase 2</a:t>
+              <a:t>stage 2</a:t>
             </a:r>
             <a:endParaRPr lang="en-US" dirty="0"/>
           </a:p>

--- a/PFMFEM.pptx
+++ b/PFMFEM.pptx
@@ -5,7 +5,7 @@
     <p:sldMasterId id="2147483733" r:id="rId1"/>
   </p:sldMasterIdLst>
   <p:notesMasterIdLst>
-    <p:notesMasterId r:id="rId17"/>
+    <p:notesMasterId r:id="rId20"/>
   </p:notesMasterIdLst>
   <p:sldIdLst>
     <p:sldId id="256" r:id="rId2"/>
@@ -23,6 +23,9 @@
     <p:sldId id="273" r:id="rId14"/>
     <p:sldId id="274" r:id="rId15"/>
     <p:sldId id="275" r:id="rId16"/>
+    <p:sldId id="276" r:id="rId17"/>
+    <p:sldId id="277" r:id="rId18"/>
+    <p:sldId id="278" r:id="rId19"/>
   </p:sldIdLst>
   <p:sldSz cx="12192000" cy="6858000"/>
   <p:notesSz cx="6858000" cy="9144000"/>
@@ -579,6 +582,90 @@
 </p:notes>
 </file>
 
+<file path=ppt/notesSlides/notesSlide10.xml><?xml version="1.0" encoding="utf-8"?>
+<p:notes xmlns:a="http://schemas.openxmlformats.org/drawingml/2006/main" xmlns:r="http://schemas.openxmlformats.org/officeDocument/2006/relationships" xmlns:p="http://schemas.openxmlformats.org/presentationml/2006/main">
+  <p:cSld>
+    <p:spTree>
+      <p:nvGrpSpPr>
+        <p:cNvPr id="1" name=""/>
+        <p:cNvGrpSpPr/>
+        <p:nvPr/>
+      </p:nvGrpSpPr>
+      <p:grpSpPr>
+        <a:xfrm>
+          <a:off x="0" y="0"/>
+          <a:ext cx="0" cy="0"/>
+          <a:chOff x="0" y="0"/>
+          <a:chExt cx="0" cy="0"/>
+        </a:xfrm>
+      </p:grpSpPr>
+      <p:sp>
+        <p:nvSpPr>
+          <p:cNvPr id="2" name="Slide Image Placeholder 1"/>
+          <p:cNvSpPr>
+            <a:spLocks noGrp="1" noRot="1" noChangeAspect="1"/>
+          </p:cNvSpPr>
+          <p:nvPr>
+            <p:ph type="sldImg"/>
+          </p:nvPr>
+        </p:nvSpPr>
+        <p:spPr/>
+      </p:sp>
+      <p:sp>
+        <p:nvSpPr>
+          <p:cNvPr id="3" name="Notes Placeholder 2"/>
+          <p:cNvSpPr>
+            <a:spLocks noGrp="1"/>
+          </p:cNvSpPr>
+          <p:nvPr>
+            <p:ph type="body" idx="1"/>
+          </p:nvPr>
+        </p:nvSpPr>
+        <p:spPr/>
+        <p:txBody>
+          <a:bodyPr/>
+          <a:lstStyle/>
+          <a:p>
+            <a:endParaRPr lang="en-US" dirty="0"/>
+          </a:p>
+        </p:txBody>
+      </p:sp>
+      <p:sp>
+        <p:nvSpPr>
+          <p:cNvPr id="4" name="Slide Number Placeholder 3"/>
+          <p:cNvSpPr>
+            <a:spLocks noGrp="1"/>
+          </p:cNvSpPr>
+          <p:nvPr>
+            <p:ph type="sldNum" sz="quarter" idx="10"/>
+          </p:nvPr>
+        </p:nvSpPr>
+        <p:spPr/>
+        <p:txBody>
+          <a:bodyPr/>
+          <a:lstStyle/>
+          <a:p>
+            <a:fld id="{EE8B852E-2CC2-4BFF-A9F5-B5CF0680D6AA}" type="slidenum">
+              <a:rPr lang="en-US" smtClean="0"/>
+              <a:t>17</a:t>
+            </a:fld>
+            <a:endParaRPr lang="en-US"/>
+          </a:p>
+        </p:txBody>
+      </p:sp>
+    </p:spTree>
+    <p:extLst>
+      <p:ext uri="{BB962C8B-B14F-4D97-AF65-F5344CB8AC3E}">
+        <p14:creationId xmlns:p14="http://schemas.microsoft.com/office/powerpoint/2010/main" val="998244552"/>
+      </p:ext>
+    </p:extLst>
+  </p:cSld>
+  <p:clrMapOvr>
+    <a:masterClrMapping/>
+  </p:clrMapOvr>
+</p:notes>
+</file>
+
 <file path=ppt/notesSlides/notesSlide2.xml><?xml version="1.0" encoding="utf-8"?>
 <p:notes xmlns:a="http://schemas.openxmlformats.org/drawingml/2006/main" xmlns:r="http://schemas.openxmlformats.org/officeDocument/2006/relationships" xmlns:p="http://schemas.openxmlformats.org/presentationml/2006/main">
   <p:cSld>
@@ -1097,11 +1184,7 @@
           <a:p>
             <a:r>
               <a:rPr lang="en-US" dirty="0" smtClean="0"/>
-              <a:t>Not considering </a:t>
-            </a:r>
-            <a:r>
-              <a:rPr lang="en-US" dirty="0" smtClean="0"/>
-              <a:t>g(phi). Red square is equal</a:t>
+              <a:t>Not considering g(phi). Red square is equal</a:t>
             </a:r>
             <a:r>
               <a:rPr lang="en-US" baseline="0" dirty="0" smtClean="0"/>
@@ -1226,6 +1309,90 @@
     <p:extLst>
       <p:ext uri="{BB962C8B-B14F-4D97-AF65-F5344CB8AC3E}">
         <p14:creationId xmlns:p14="http://schemas.microsoft.com/office/powerpoint/2010/main" val="740315919"/>
+      </p:ext>
+    </p:extLst>
+  </p:cSld>
+  <p:clrMapOvr>
+    <a:masterClrMapping/>
+  </p:clrMapOvr>
+</p:notes>
+</file>
+
+<file path=ppt/notesSlides/notesSlide9.xml><?xml version="1.0" encoding="utf-8"?>
+<p:notes xmlns:a="http://schemas.openxmlformats.org/drawingml/2006/main" xmlns:r="http://schemas.openxmlformats.org/officeDocument/2006/relationships" xmlns:p="http://schemas.openxmlformats.org/presentationml/2006/main">
+  <p:cSld>
+    <p:spTree>
+      <p:nvGrpSpPr>
+        <p:cNvPr id="1" name=""/>
+        <p:cNvGrpSpPr/>
+        <p:nvPr/>
+      </p:nvGrpSpPr>
+      <p:grpSpPr>
+        <a:xfrm>
+          <a:off x="0" y="0"/>
+          <a:ext cx="0" cy="0"/>
+          <a:chOff x="0" y="0"/>
+          <a:chExt cx="0" cy="0"/>
+        </a:xfrm>
+      </p:grpSpPr>
+      <p:sp>
+        <p:nvSpPr>
+          <p:cNvPr id="2" name="Slide Image Placeholder 1"/>
+          <p:cNvSpPr>
+            <a:spLocks noGrp="1" noRot="1" noChangeAspect="1"/>
+          </p:cNvSpPr>
+          <p:nvPr>
+            <p:ph type="sldImg"/>
+          </p:nvPr>
+        </p:nvSpPr>
+        <p:spPr/>
+      </p:sp>
+      <p:sp>
+        <p:nvSpPr>
+          <p:cNvPr id="3" name="Notes Placeholder 2"/>
+          <p:cNvSpPr>
+            <a:spLocks noGrp="1"/>
+          </p:cNvSpPr>
+          <p:nvPr>
+            <p:ph type="body" idx="1"/>
+          </p:nvPr>
+        </p:nvSpPr>
+        <p:spPr/>
+        <p:txBody>
+          <a:bodyPr/>
+          <a:lstStyle/>
+          <a:p>
+            <a:endParaRPr lang="en-US" dirty="0"/>
+          </a:p>
+        </p:txBody>
+      </p:sp>
+      <p:sp>
+        <p:nvSpPr>
+          <p:cNvPr id="4" name="Slide Number Placeholder 3"/>
+          <p:cNvSpPr>
+            <a:spLocks noGrp="1"/>
+          </p:cNvSpPr>
+          <p:nvPr>
+            <p:ph type="sldNum" sz="quarter" idx="10"/>
+          </p:nvPr>
+        </p:nvSpPr>
+        <p:spPr/>
+        <p:txBody>
+          <a:bodyPr/>
+          <a:lstStyle/>
+          <a:p>
+            <a:fld id="{EE8B852E-2CC2-4BFF-A9F5-B5CF0680D6AA}" type="slidenum">
+              <a:rPr lang="en-US" smtClean="0"/>
+              <a:t>16</a:t>
+            </a:fld>
+            <a:endParaRPr lang="en-US"/>
+          </a:p>
+        </p:txBody>
+      </p:sp>
+    </p:spTree>
+    <p:extLst>
+      <p:ext uri="{BB962C8B-B14F-4D97-AF65-F5344CB8AC3E}">
+        <p14:creationId xmlns:p14="http://schemas.microsoft.com/office/powerpoint/2010/main" val="754816248"/>
       </p:ext>
     </p:extLst>
   </p:cSld>
@@ -4717,15 +4884,7 @@
             </a:pPr>
             <a:r>
               <a:rPr lang="en-US" sz="4400" dirty="0" smtClean="0"/>
-              <a:t> </a:t>
-            </a:r>
-            <a:r>
-              <a:rPr lang="en-US" sz="4400" dirty="0" smtClean="0"/>
-              <a:t>Rectangular domain with triangular </a:t>
-            </a:r>
-            <a:r>
-              <a:rPr lang="en-US" sz="4400" dirty="0" smtClean="0"/>
-              <a:t>elements</a:t>
+              <a:t> Rectangular domain with triangular elements</a:t>
             </a:r>
           </a:p>
           <a:p>
@@ -4828,8 +4987,8 @@
           </a:p>
         </p:txBody>
       </p:sp>
-      <mc:AlternateContent xmlns:mc="http://schemas.openxmlformats.org/markup-compatibility/2006">
-        <mc:Choice xmlns:a14="http://schemas.microsoft.com/office/drawing/2010/main" Requires="a14">
+      <mc:AlternateContent xmlns:mc="http://schemas.openxmlformats.org/markup-compatibility/2006" xmlns:a14="http://schemas.microsoft.com/office/drawing/2010/main">
+        <mc:Choice Requires="a14">
           <p:sp>
             <p:nvSpPr>
               <p:cNvPr id="3" name="Content Placeholder 2"/>
@@ -5093,7 +5252,7 @@
             </p:txBody>
           </p:sp>
         </mc:Choice>
-        <mc:Fallback>
+        <mc:Fallback xmlns="">
           <p:sp>
             <p:nvSpPr>
               <p:cNvPr id="3" name="Content Placeholder 2"/>
@@ -5453,43 +5612,25 @@
                   <a:buFont typeface="Arial" charset="0"/>
                   <a:buChar char="•"/>
                 </a:pPr>
-                <a:r>
-                  <a:rPr lang="en-US" sz="3600" dirty="0" smtClean="0"/>
-                  <a:t> </a:t>
-                </a:r>
-                <a:r>
-                  <a:rPr lang="en-US" sz="4000" dirty="0" smtClean="0"/>
-                  <a:t>On-going work </a:t>
-                </a:r>
-              </a:p>
-              <a:p>
-                <a:pPr>
-                  <a:buFont typeface="Arial" charset="0"/>
-                  <a:buChar char="•"/>
-                </a:pPr>
-                <a:r>
-                  <a:rPr lang="en-US" sz="4000" dirty="0"/>
-                  <a:t> </a:t>
-                </a:r>
                 <a14:m>
                   <m:oMath xmlns:m="http://schemas.openxmlformats.org/officeDocument/2006/math">
                     <m:f>
                       <m:fPr>
                         <m:ctrlPr>
-                          <a:rPr lang="en-US" sz="4000" i="1">
+                          <a:rPr lang="en-US" sz="4800" i="1" smtClean="0">
                             <a:latin typeface="Cambria Math" charset="0"/>
                           </a:rPr>
                         </m:ctrlPr>
                       </m:fPr>
                       <m:num>
                         <m:r>
-                          <a:rPr lang="en-US" sz="4000" i="1">
+                          <a:rPr lang="en-US" sz="4800" i="1">
                             <a:latin typeface="Cambria Math" charset="0"/>
                           </a:rPr>
                           <m:t>𝜕</m:t>
                         </m:r>
                         <m:r>
-                          <a:rPr lang="en-US" sz="4000" i="1">
+                          <a:rPr lang="en-US" sz="4800" i="1">
                             <a:latin typeface="Cambria Math" charset="0"/>
                             <a:ea typeface="Cambria Math" charset="0"/>
                             <a:cs typeface="Cambria Math" charset="0"/>
@@ -5499,13 +5640,13 @@
                       </m:num>
                       <m:den>
                         <m:r>
-                          <a:rPr lang="en-US" sz="4000" i="1">
+                          <a:rPr lang="en-US" sz="4800" i="1">
                             <a:latin typeface="Cambria Math" charset="0"/>
                           </a:rPr>
                           <m:t>𝜕</m:t>
                         </m:r>
                         <m:r>
-                          <a:rPr lang="en-US" sz="4000" i="1">
+                          <a:rPr lang="en-US" sz="4800" i="1">
                             <a:latin typeface="Cambria Math" charset="0"/>
                           </a:rPr>
                           <m:t>𝑡</m:t>
@@ -5513,40 +5654,40 @@
                       </m:den>
                     </m:f>
                     <m:r>
-                      <a:rPr lang="en-US" sz="4000" i="1">
+                      <a:rPr lang="en-US" sz="4800" i="1">
                         <a:latin typeface="Cambria Math" panose="02040503050406030204" pitchFamily="18" charset="0"/>
                       </a:rPr>
                       <m:t>−</m:t>
                     </m:r>
                     <m:r>
-                      <a:rPr lang="en-US" sz="4000" i="1">
+                      <a:rPr lang="en-US" sz="4800" i="1">
                         <a:latin typeface="Cambria Math" charset="0"/>
                       </a:rPr>
                       <m:t>2</m:t>
                     </m:r>
                     <m:r>
-                      <a:rPr lang="en-US" sz="4000" i="1">
+                      <a:rPr lang="en-US" sz="4800" i="1">
                         <a:latin typeface="Cambria Math" panose="02040503050406030204" pitchFamily="18" charset="0"/>
                         <a:ea typeface="Cambria Math" panose="02040503050406030204" pitchFamily="18" charset="0"/>
                       </a:rPr>
                       <m:t>𝛻</m:t>
                     </m:r>
                     <m:r>
-                      <a:rPr lang="en-US" sz="4000" i="1">
+                      <a:rPr lang="en-US" sz="4800" i="1">
                         <a:latin typeface="Cambria Math" panose="02040503050406030204" pitchFamily="18" charset="0"/>
                         <a:ea typeface="Cambria Math" panose="02040503050406030204" pitchFamily="18" charset="0"/>
                       </a:rPr>
                       <m:t> ∙</m:t>
                     </m:r>
                     <m:r>
-                      <a:rPr lang="en-US" sz="4000" i="1">
+                      <a:rPr lang="en-US" sz="4800" i="1">
                         <a:latin typeface="Cambria Math" panose="02040503050406030204" pitchFamily="18" charset="0"/>
                         <a:ea typeface="Cambria Math" panose="02040503050406030204" pitchFamily="18" charset="0"/>
                       </a:rPr>
                       <m:t>𝛻𝜙</m:t>
                     </m:r>
                     <m:r>
-                      <a:rPr lang="en-US" sz="4000" i="1">
+                      <a:rPr lang="en-US" sz="4800" i="1">
                         <a:latin typeface="Cambria Math" panose="02040503050406030204" pitchFamily="18" charset="0"/>
                         <a:ea typeface="Cambria Math" charset="0"/>
                         <a:cs typeface="Cambria Math" charset="0"/>
@@ -5554,7 +5695,7 @@
                       <m:t>+</m:t>
                     </m:r>
                     <m:r>
-                      <a:rPr lang="en-US" sz="4000" i="1">
+                      <a:rPr lang="en-US" sz="4800" i="1">
                         <a:latin typeface="Cambria Math" charset="0"/>
                       </a:rPr>
                       <m:t>𝑔</m:t>
@@ -5562,14 +5703,14 @@
                     <m:d>
                       <m:dPr>
                         <m:ctrlPr>
-                          <a:rPr lang="en-US" sz="4000" i="1">
+                          <a:rPr lang="en-US" sz="4800" i="1">
                             <a:latin typeface="Cambria Math" charset="0"/>
                           </a:rPr>
                         </m:ctrlPr>
                       </m:dPr>
                       <m:e>
                         <m:r>
-                          <a:rPr lang="en-US" sz="4000" i="1">
+                          <a:rPr lang="en-US" sz="4800" i="1">
                             <a:latin typeface="Cambria Math" charset="0"/>
                             <a:ea typeface="Cambria Math" charset="0"/>
                             <a:cs typeface="Cambria Math" charset="0"/>
@@ -5579,7 +5720,7 @@
                       </m:e>
                     </m:d>
                     <m:r>
-                      <a:rPr lang="en-US" sz="4000" i="1">
+                      <a:rPr lang="en-US" sz="4800" i="1">
                         <a:latin typeface="Cambria Math" panose="02040503050406030204" pitchFamily="18" charset="0"/>
                         <a:ea typeface="Cambria Math" charset="0"/>
                         <a:cs typeface="Cambria Math" charset="0"/>
@@ -5587,7 +5728,7 @@
                       <m:t>=0</m:t>
                     </m:r>
                     <m:r>
-                      <a:rPr lang="en-US" sz="4000" b="0" i="0" smtClean="0">
+                      <a:rPr lang="en-US" sz="4800" b="0" i="0" smtClean="0">
                         <a:latin typeface="Cambria Math" charset="0"/>
                         <a:ea typeface="Cambria Math" charset="0"/>
                         <a:cs typeface="Cambria Math" charset="0"/>
@@ -5596,7 +5737,56 @@
                     </m:r>
                   </m:oMath>
                 </a14:m>
-                <a:endParaRPr lang="en-US" sz="4000" dirty="0"/>
+                <a:endParaRPr lang="en-US" sz="4800" dirty="0" smtClean="0"/>
+              </a:p>
+              <a:p>
+                <a:pPr>
+                  <a:buFont typeface="Arial" charset="0"/>
+                  <a:buChar char="•"/>
+                </a:pPr>
+                <a14:m>
+                  <m:oMath xmlns:m="http://schemas.openxmlformats.org/officeDocument/2006/math">
+                    <m:r>
+                      <a:rPr lang="en-US" sz="4800" b="0" i="1" smtClean="0">
+                        <a:latin typeface="Cambria Math" charset="0"/>
+                      </a:rPr>
+                      <m:t>𝑔</m:t>
+                    </m:r>
+                    <m:r>
+                      <a:rPr lang="en-US" sz="4800" b="0" i="1" smtClean="0">
+                        <a:latin typeface="Cambria Math" charset="0"/>
+                      </a:rPr>
+                      <m:t>(</m:t>
+                    </m:r>
+                    <m:r>
+                      <a:rPr lang="en-US" sz="4800" b="0" i="1" smtClean="0">
+                        <a:latin typeface="Cambria Math" charset="0"/>
+                      </a:rPr>
+                      <m:t>𝜙</m:t>
+                    </m:r>
+                    <m:r>
+                      <a:rPr lang="en-US" sz="4800" b="0" i="1" smtClean="0">
+                        <a:latin typeface="Cambria Math" charset="0"/>
+                      </a:rPr>
+                      <m:t>)</m:t>
+                    </m:r>
+                  </m:oMath>
+                </a14:m>
+                <a:r>
+                  <a:rPr lang="en-US" sz="4800" dirty="0" smtClean="0"/>
+                  <a:t> is considered.</a:t>
+                </a:r>
+              </a:p>
+              <a:p>
+                <a:pPr>
+                  <a:buFont typeface="Arial" charset="0"/>
+                  <a:buChar char="•"/>
+                </a:pPr>
+                <a:r>
+                  <a:rPr lang="en-US" sz="4800" dirty="0" smtClean="0"/>
+                  <a:t>Only explicit method is applied.</a:t>
+                </a:r>
+                <a:endParaRPr lang="en-US" sz="4800" dirty="0"/>
               </a:p>
             </p:txBody>
           </p:sp>
@@ -5616,7 +5806,7 @@
               <a:blipFill rotWithShape="0">
                 <a:blip r:embed="rId3"/>
                 <a:stretch>
-                  <a:fillRect l="-2447" t="-4242"/>
+                  <a:fillRect l="-3074"/>
                 </a:stretch>
               </a:blipFill>
             </p:spPr>
@@ -5639,6 +5829,1157 @@
     <p:extLst>
       <p:ext uri="{BB962C8B-B14F-4D97-AF65-F5344CB8AC3E}">
         <p14:creationId xmlns:p14="http://schemas.microsoft.com/office/powerpoint/2010/main" val="2096757966"/>
+      </p:ext>
+    </p:extLst>
+  </p:cSld>
+  <p:clrMapOvr>
+    <a:masterClrMapping/>
+  </p:clrMapOvr>
+</p:sld>
+</file>
+
+<file path=ppt/slides/slide16.xml><?xml version="1.0" encoding="utf-8"?>
+<p:sld xmlns:a="http://schemas.openxmlformats.org/drawingml/2006/main" xmlns:r="http://schemas.openxmlformats.org/officeDocument/2006/relationships" xmlns:p="http://schemas.openxmlformats.org/presentationml/2006/main">
+  <p:cSld>
+    <p:spTree>
+      <p:nvGrpSpPr>
+        <p:cNvPr id="1" name=""/>
+        <p:cNvGrpSpPr/>
+        <p:nvPr/>
+      </p:nvGrpSpPr>
+      <p:grpSpPr>
+        <a:xfrm>
+          <a:off x="0" y="0"/>
+          <a:ext cx="0" cy="0"/>
+          <a:chOff x="0" y="0"/>
+          <a:chExt cx="0" cy="0"/>
+        </a:xfrm>
+      </p:grpSpPr>
+      <p:sp>
+        <p:nvSpPr>
+          <p:cNvPr id="2" name="Title 1"/>
+          <p:cNvSpPr>
+            <a:spLocks noGrp="1"/>
+          </p:cNvSpPr>
+          <p:nvPr>
+            <p:ph type="title"/>
+          </p:nvPr>
+        </p:nvSpPr>
+        <p:spPr/>
+        <p:txBody>
+          <a:bodyPr/>
+          <a:lstStyle/>
+          <a:p>
+            <a:endParaRPr lang="en-US" dirty="0"/>
+          </a:p>
+        </p:txBody>
+      </p:sp>
+      <p:pic>
+        <p:nvPicPr>
+          <p:cNvPr id="4" name="fem_eps_1m_0">
+            <a:hlinkClick r:id="" action="ppaction://media"/>
+          </p:cNvPr>
+          <p:cNvPicPr>
+            <a:picLocks noGrp="1" noChangeAspect="1"/>
+          </p:cNvPicPr>
+          <p:nvPr>
+            <p:ph idx="1"/>
+            <a:videoFile r:link="rId2"/>
+            <p:extLst>
+              <p:ext uri="{DAA4B4D4-6D71-4841-9C94-3DE7FCFB9230}">
+                <p14:media xmlns:p14="http://schemas.microsoft.com/office/powerpoint/2010/main" r:embed="rId1"/>
+              </p:ext>
+            </p:extLst>
+          </p:nvPr>
+        </p:nvPicPr>
+        <p:blipFill rotWithShape="1">
+          <a:blip r:embed="rId7"/>
+          <a:srcRect l="-1" r="33579"/>
+          <a:stretch/>
+        </p:blipFill>
+        <p:spPr>
+          <a:xfrm>
+            <a:off x="0" y="0"/>
+            <a:ext cx="6074229" cy="6858000"/>
+          </a:xfrm>
+        </p:spPr>
+      </p:pic>
+      <p:pic>
+        <p:nvPicPr>
+          <p:cNvPr id="5" name="fem_eps_10m_0">
+            <a:hlinkClick r:id="" action="ppaction://media"/>
+          </p:cNvPr>
+          <p:cNvPicPr>
+            <a:picLocks noChangeAspect="1"/>
+          </p:cNvPicPr>
+          <p:nvPr>
+            <a:videoFile r:link="rId4"/>
+            <p:extLst>
+              <p:ext uri="{DAA4B4D4-6D71-4841-9C94-3DE7FCFB9230}">
+                <p14:media xmlns:p14="http://schemas.microsoft.com/office/powerpoint/2010/main" r:embed="rId3"/>
+              </p:ext>
+            </p:extLst>
+          </p:nvPr>
+        </p:nvPicPr>
+        <p:blipFill rotWithShape="1">
+          <a:blip r:embed="rId7"/>
+          <a:srcRect l="33215" r="-119"/>
+          <a:stretch/>
+        </p:blipFill>
+        <p:spPr>
+          <a:xfrm>
+            <a:off x="6074229" y="0"/>
+            <a:ext cx="6117771" cy="6858000"/>
+          </a:xfrm>
+          <a:prstGeom prst="rect">
+            <a:avLst/>
+          </a:prstGeom>
+        </p:spPr>
+      </p:pic>
+      <mc:AlternateContent xmlns:mc="http://schemas.openxmlformats.org/markup-compatibility/2006">
+        <mc:Choice xmlns:a14="http://schemas.microsoft.com/office/drawing/2010/main" Requires="a14">
+          <p:sp>
+            <p:nvSpPr>
+              <p:cNvPr id="7" name="TextBox 6"/>
+              <p:cNvSpPr txBox="1"/>
+              <p:nvPr/>
+            </p:nvSpPr>
+            <p:spPr>
+              <a:xfrm>
+                <a:off x="1024128" y="2551837"/>
+                <a:ext cx="2225258" cy="1754326"/>
+              </a:xfrm>
+              <a:prstGeom prst="rect">
+                <a:avLst/>
+              </a:prstGeom>
+              <a:noFill/>
+            </p:spPr>
+            <p:txBody>
+              <a:bodyPr wrap="square" rtlCol="0">
+                <a:spAutoFit/>
+              </a:bodyPr>
+              <a:lstStyle/>
+              <a:p>
+                <a14:m>
+                  <m:oMathPara xmlns:m="http://schemas.openxmlformats.org/officeDocument/2006/math">
+                    <m:oMathParaPr>
+                      <m:jc m:val="centerGroup"/>
+                    </m:oMathParaPr>
+                    <m:oMath xmlns:m="http://schemas.openxmlformats.org/officeDocument/2006/math">
+                      <m:r>
+                        <a:rPr lang="en-US" sz="5400" b="0" i="1" smtClean="0">
+                          <a:latin typeface="Cambria Math" charset="0"/>
+                          <a:ea typeface="Cambria Math" charset="0"/>
+                          <a:cs typeface="Cambria Math" charset="0"/>
+                        </a:rPr>
+                        <m:t>𝜖</m:t>
+                      </m:r>
+                      <m:r>
+                        <a:rPr lang="en-US" sz="5400" b="0" i="1" smtClean="0">
+                          <a:latin typeface="Cambria Math" charset="0"/>
+                          <a:ea typeface="Cambria Math" charset="0"/>
+                          <a:cs typeface="Cambria Math" charset="0"/>
+                        </a:rPr>
+                        <m:t>=1</m:t>
+                      </m:r>
+                    </m:oMath>
+                  </m:oMathPara>
+                </a14:m>
+                <a:endParaRPr lang="en-US" sz="5400" b="0" dirty="0" smtClean="0">
+                  <a:ea typeface="Cambria Math" charset="0"/>
+                  <a:cs typeface="Cambria Math" charset="0"/>
+                </a:endParaRPr>
+              </a:p>
+              <a:p>
+                <a14:m>
+                  <m:oMathPara xmlns:m="http://schemas.openxmlformats.org/officeDocument/2006/math">
+                    <m:oMathParaPr>
+                      <m:jc m:val="centerGroup"/>
+                    </m:oMathParaPr>
+                    <m:oMath xmlns:m="http://schemas.openxmlformats.org/officeDocument/2006/math">
+                      <m:r>
+                        <a:rPr lang="en-US" sz="5400" b="0" i="1" smtClean="0">
+                          <a:latin typeface="Cambria Math" charset="0"/>
+                        </a:rPr>
+                        <m:t>𝑚</m:t>
+                      </m:r>
+                      <m:r>
+                        <a:rPr lang="en-US" sz="5400" b="0" i="1" smtClean="0">
+                          <a:latin typeface="Cambria Math" charset="0"/>
+                        </a:rPr>
+                        <m:t>=0</m:t>
+                      </m:r>
+                    </m:oMath>
+                  </m:oMathPara>
+                </a14:m>
+                <a:endParaRPr lang="en-US" sz="5400" dirty="0"/>
+              </a:p>
+            </p:txBody>
+          </p:sp>
+        </mc:Choice>
+        <mc:Fallback>
+          <p:sp>
+            <p:nvSpPr>
+              <p:cNvPr id="7" name="TextBox 6"/>
+              <p:cNvSpPr txBox="1">
+                <a:spLocks noRot="1" noChangeAspect="1" noMove="1" noResize="1" noEditPoints="1" noAdjustHandles="1" noChangeArrowheads="1" noChangeShapeType="1" noTextEdit="1"/>
+              </p:cNvSpPr>
+              <p:nvPr/>
+            </p:nvSpPr>
+            <p:spPr>
+              <a:xfrm>
+                <a:off x="1024128" y="2551837"/>
+                <a:ext cx="2225258" cy="1754326"/>
+              </a:xfrm>
+              <a:prstGeom prst="rect">
+                <a:avLst/>
+              </a:prstGeom>
+              <a:blipFill rotWithShape="0">
+                <a:blip r:embed="rId8"/>
+                <a:stretch>
+                  <a:fillRect/>
+                </a:stretch>
+              </a:blipFill>
+            </p:spPr>
+            <p:txBody>
+              <a:bodyPr/>
+              <a:lstStyle/>
+              <a:p>
+                <a:r>
+                  <a:rPr lang="en-US">
+                    <a:noFill/>
+                  </a:rPr>
+                  <a:t> </a:t>
+                </a:r>
+              </a:p>
+            </p:txBody>
+          </p:sp>
+        </mc:Fallback>
+      </mc:AlternateContent>
+      <mc:AlternateContent xmlns:mc="http://schemas.openxmlformats.org/markup-compatibility/2006">
+        <mc:Choice xmlns:a14="http://schemas.microsoft.com/office/drawing/2010/main" Requires="a14">
+          <p:sp>
+            <p:nvSpPr>
+              <p:cNvPr id="8" name="TextBox 7"/>
+              <p:cNvSpPr txBox="1"/>
+              <p:nvPr/>
+            </p:nvSpPr>
+            <p:spPr>
+              <a:xfrm>
+                <a:off x="8518942" y="2551837"/>
+                <a:ext cx="3041688" cy="1754326"/>
+              </a:xfrm>
+              <a:prstGeom prst="rect">
+                <a:avLst/>
+              </a:prstGeom>
+              <a:noFill/>
+            </p:spPr>
+            <p:txBody>
+              <a:bodyPr wrap="square" rtlCol="0">
+                <a:spAutoFit/>
+              </a:bodyPr>
+              <a:lstStyle/>
+              <a:p>
+                <a14:m>
+                  <m:oMathPara xmlns:m="http://schemas.openxmlformats.org/officeDocument/2006/math">
+                    <m:oMathParaPr>
+                      <m:jc m:val="centerGroup"/>
+                    </m:oMathParaPr>
+                    <m:oMath xmlns:m="http://schemas.openxmlformats.org/officeDocument/2006/math">
+                      <m:r>
+                        <a:rPr lang="en-US" sz="5400" b="0" i="1" smtClean="0">
+                          <a:latin typeface="Cambria Math" charset="0"/>
+                          <a:ea typeface="Cambria Math" charset="0"/>
+                          <a:cs typeface="Cambria Math" charset="0"/>
+                        </a:rPr>
+                        <m:t>𝜖</m:t>
+                      </m:r>
+                      <m:r>
+                        <a:rPr lang="en-US" sz="5400" b="0" i="1" smtClean="0">
+                          <a:latin typeface="Cambria Math" charset="0"/>
+                          <a:ea typeface="Cambria Math" charset="0"/>
+                          <a:cs typeface="Cambria Math" charset="0"/>
+                        </a:rPr>
+                        <m:t>=10</m:t>
+                      </m:r>
+                    </m:oMath>
+                  </m:oMathPara>
+                </a14:m>
+                <a:endParaRPr lang="en-US" sz="5400" b="0" dirty="0" smtClean="0">
+                  <a:ea typeface="Cambria Math" charset="0"/>
+                  <a:cs typeface="Cambria Math" charset="0"/>
+                </a:endParaRPr>
+              </a:p>
+              <a:p>
+                <a14:m>
+                  <m:oMathPara xmlns:m="http://schemas.openxmlformats.org/officeDocument/2006/math">
+                    <m:oMathParaPr>
+                      <m:jc m:val="centerGroup"/>
+                    </m:oMathParaPr>
+                    <m:oMath xmlns:m="http://schemas.openxmlformats.org/officeDocument/2006/math">
+                      <m:r>
+                        <a:rPr lang="en-US" sz="5400" b="0" i="1" dirty="0" smtClean="0">
+                          <a:latin typeface="Cambria Math" charset="0"/>
+                        </a:rPr>
+                        <m:t>𝑚</m:t>
+                      </m:r>
+                      <m:r>
+                        <a:rPr lang="en-US" sz="5400" b="0" i="1" dirty="0" smtClean="0">
+                          <a:latin typeface="Cambria Math" charset="0"/>
+                        </a:rPr>
+                        <m:t>=0    </m:t>
+                      </m:r>
+                    </m:oMath>
+                  </m:oMathPara>
+                </a14:m>
+                <a:endParaRPr lang="en-US" sz="5400" dirty="0"/>
+              </a:p>
+            </p:txBody>
+          </p:sp>
+        </mc:Choice>
+        <mc:Fallback>
+          <p:sp>
+            <p:nvSpPr>
+              <p:cNvPr id="8" name="TextBox 7"/>
+              <p:cNvSpPr txBox="1">
+                <a:spLocks noRot="1" noChangeAspect="1" noMove="1" noResize="1" noEditPoints="1" noAdjustHandles="1" noChangeArrowheads="1" noChangeShapeType="1" noTextEdit="1"/>
+              </p:cNvSpPr>
+              <p:nvPr/>
+            </p:nvSpPr>
+            <p:spPr>
+              <a:xfrm>
+                <a:off x="8518942" y="2551837"/>
+                <a:ext cx="3041688" cy="1754326"/>
+              </a:xfrm>
+              <a:prstGeom prst="rect">
+                <a:avLst/>
+              </a:prstGeom>
+              <a:blipFill rotWithShape="0">
+                <a:blip r:embed="rId9"/>
+                <a:stretch>
+                  <a:fillRect/>
+                </a:stretch>
+              </a:blipFill>
+            </p:spPr>
+            <p:txBody>
+              <a:bodyPr/>
+              <a:lstStyle/>
+              <a:p>
+                <a:r>
+                  <a:rPr lang="en-US">
+                    <a:noFill/>
+                  </a:rPr>
+                  <a:t> </a:t>
+                </a:r>
+              </a:p>
+            </p:txBody>
+          </p:sp>
+        </mc:Fallback>
+      </mc:AlternateContent>
+    </p:spTree>
+    <p:extLst>
+      <p:ext uri="{BB962C8B-B14F-4D97-AF65-F5344CB8AC3E}">
+        <p14:creationId xmlns:p14="http://schemas.microsoft.com/office/powerpoint/2010/main" val="82714151"/>
+      </p:ext>
+    </p:extLst>
+  </p:cSld>
+  <p:clrMapOvr>
+    <a:masterClrMapping/>
+  </p:clrMapOvr>
+  <p:timing>
+    <p:tnLst>
+      <p:par>
+        <p:cTn id="1" dur="indefinite" restart="never" nodeType="tmRoot">
+          <p:childTnLst>
+            <p:seq concurrent="1" nextAc="seek">
+              <p:cTn id="2" restart="whenNotActive" fill="hold" evtFilter="cancelBubble" nodeType="interactiveSeq">
+                <p:stCondLst>
+                  <p:cond evt="onClick" delay="0">
+                    <p:tgtEl>
+                      <p:spTgt spid="4"/>
+                    </p:tgtEl>
+                  </p:cond>
+                </p:stCondLst>
+                <p:endSync evt="end" delay="0">
+                  <p:rtn val="all"/>
+                </p:endSync>
+                <p:childTnLst>
+                  <p:par>
+                    <p:cTn id="3" fill="hold">
+                      <p:stCondLst>
+                        <p:cond delay="0"/>
+                      </p:stCondLst>
+                      <p:childTnLst>
+                        <p:par>
+                          <p:cTn id="4" fill="hold">
+                            <p:stCondLst>
+                              <p:cond delay="0"/>
+                            </p:stCondLst>
+                            <p:childTnLst>
+                              <p:par>
+                                <p:cTn id="5" presetID="2" presetClass="mediacall" presetSubtype="0" fill="hold" nodeType="clickEffect">
+                                  <p:stCondLst>
+                                    <p:cond delay="0"/>
+                                  </p:stCondLst>
+                                  <p:childTnLst>
+                                    <p:cmd type="call" cmd="togglePause">
+                                      <p:cBhvr>
+                                        <p:cTn id="6" dur="1" fill="hold"/>
+                                        <p:tgtEl>
+                                          <p:spTgt spid="4"/>
+                                        </p:tgtEl>
+                                      </p:cBhvr>
+                                    </p:cmd>
+                                  </p:childTnLst>
+                                </p:cTn>
+                              </p:par>
+                            </p:childTnLst>
+                          </p:cTn>
+                        </p:par>
+                      </p:childTnLst>
+                    </p:cTn>
+                  </p:par>
+                </p:childTnLst>
+              </p:cTn>
+              <p:nextCondLst>
+                <p:cond evt="onClick" delay="0">
+                  <p:tgtEl>
+                    <p:spTgt spid="4"/>
+                  </p:tgtEl>
+                </p:cond>
+              </p:nextCondLst>
+            </p:seq>
+            <p:video>
+              <p:cMediaNode vol="80000">
+                <p:cTn id="7" fill="hold" display="0">
+                  <p:stCondLst>
+                    <p:cond delay="indefinite"/>
+                  </p:stCondLst>
+                </p:cTn>
+                <p:tgtEl>
+                  <p:spTgt spid="4"/>
+                </p:tgtEl>
+              </p:cMediaNode>
+            </p:video>
+            <p:seq concurrent="1" nextAc="seek">
+              <p:cTn id="8" restart="whenNotActive" fill="hold" evtFilter="cancelBubble" nodeType="interactiveSeq">
+                <p:stCondLst>
+                  <p:cond evt="onClick" delay="0">
+                    <p:tgtEl>
+                      <p:spTgt spid="5"/>
+                    </p:tgtEl>
+                  </p:cond>
+                </p:stCondLst>
+                <p:endSync evt="end" delay="0">
+                  <p:rtn val="all"/>
+                </p:endSync>
+                <p:childTnLst>
+                  <p:par>
+                    <p:cTn id="9" fill="hold">
+                      <p:stCondLst>
+                        <p:cond delay="0"/>
+                      </p:stCondLst>
+                      <p:childTnLst>
+                        <p:par>
+                          <p:cTn id="10" fill="hold">
+                            <p:stCondLst>
+                              <p:cond delay="0"/>
+                            </p:stCondLst>
+                            <p:childTnLst>
+                              <p:par>
+                                <p:cTn id="11" presetID="2" presetClass="mediacall" presetSubtype="0" fill="hold" nodeType="clickEffect">
+                                  <p:stCondLst>
+                                    <p:cond delay="0"/>
+                                  </p:stCondLst>
+                                  <p:childTnLst>
+                                    <p:cmd type="call" cmd="togglePause">
+                                      <p:cBhvr>
+                                        <p:cTn id="12" dur="1" fill="hold"/>
+                                        <p:tgtEl>
+                                          <p:spTgt spid="5"/>
+                                        </p:tgtEl>
+                                      </p:cBhvr>
+                                    </p:cmd>
+                                  </p:childTnLst>
+                                </p:cTn>
+                              </p:par>
+                            </p:childTnLst>
+                          </p:cTn>
+                        </p:par>
+                      </p:childTnLst>
+                    </p:cTn>
+                  </p:par>
+                </p:childTnLst>
+              </p:cTn>
+              <p:nextCondLst>
+                <p:cond evt="onClick" delay="0">
+                  <p:tgtEl>
+                    <p:spTgt spid="5"/>
+                  </p:tgtEl>
+                </p:cond>
+              </p:nextCondLst>
+            </p:seq>
+            <p:video>
+              <p:cMediaNode vol="80000">
+                <p:cTn id="13" fill="hold" display="0">
+                  <p:stCondLst>
+                    <p:cond delay="indefinite"/>
+                  </p:stCondLst>
+                </p:cTn>
+                <p:tgtEl>
+                  <p:spTgt spid="5"/>
+                </p:tgtEl>
+              </p:cMediaNode>
+            </p:video>
+          </p:childTnLst>
+        </p:cTn>
+      </p:par>
+    </p:tnLst>
+  </p:timing>
+</p:sld>
+</file>
+
+<file path=ppt/slides/slide17.xml><?xml version="1.0" encoding="utf-8"?>
+<p:sld xmlns:a="http://schemas.openxmlformats.org/drawingml/2006/main" xmlns:r="http://schemas.openxmlformats.org/officeDocument/2006/relationships" xmlns:p="http://schemas.openxmlformats.org/presentationml/2006/main">
+  <p:cSld>
+    <p:spTree>
+      <p:nvGrpSpPr>
+        <p:cNvPr id="1" name=""/>
+        <p:cNvGrpSpPr/>
+        <p:nvPr/>
+      </p:nvGrpSpPr>
+      <p:grpSpPr>
+        <a:xfrm>
+          <a:off x="0" y="0"/>
+          <a:ext cx="0" cy="0"/>
+          <a:chOff x="0" y="0"/>
+          <a:chExt cx="0" cy="0"/>
+        </a:xfrm>
+      </p:grpSpPr>
+      <p:pic>
+        <p:nvPicPr>
+          <p:cNvPr id="4" name="fem_eps_1m_-1">
+            <a:hlinkClick r:id="" action="ppaction://media"/>
+          </p:cNvPr>
+          <p:cNvPicPr>
+            <a:picLocks noChangeAspect="1"/>
+          </p:cNvPicPr>
+          <p:nvPr>
+            <a:videoFile r:link="rId2"/>
+            <p:extLst>
+              <p:ext uri="{DAA4B4D4-6D71-4841-9C94-3DE7FCFB9230}">
+                <p14:media xmlns:p14="http://schemas.microsoft.com/office/powerpoint/2010/main" r:embed="rId1"/>
+              </p:ext>
+            </p:extLst>
+          </p:nvPr>
+        </p:nvPicPr>
+        <p:blipFill rotWithShape="1">
+          <a:blip r:embed="rId7"/>
+          <a:srcRect r="33564"/>
+          <a:stretch/>
+        </p:blipFill>
+        <p:spPr>
+          <a:xfrm>
+            <a:off x="14288" y="4762"/>
+            <a:ext cx="6076270" cy="6859531"/>
+          </a:xfrm>
+          <a:prstGeom prst="rect">
+            <a:avLst/>
+          </a:prstGeom>
+        </p:spPr>
+      </p:pic>
+      <p:pic>
+        <p:nvPicPr>
+          <p:cNvPr id="5" name="fem_eps_1m_1">
+            <a:hlinkClick r:id="" action="ppaction://media"/>
+          </p:cNvPr>
+          <p:cNvPicPr>
+            <a:picLocks noChangeAspect="1"/>
+          </p:cNvPicPr>
+          <p:nvPr>
+            <a:videoFile r:link="rId4"/>
+            <p:extLst>
+              <p:ext uri="{DAA4B4D4-6D71-4841-9C94-3DE7FCFB9230}">
+                <p14:media xmlns:p14="http://schemas.microsoft.com/office/powerpoint/2010/main" r:embed="rId3"/>
+              </p:ext>
+            </p:extLst>
+          </p:nvPr>
+        </p:nvPicPr>
+        <p:blipFill rotWithShape="1">
+          <a:blip r:embed="rId7"/>
+          <a:srcRect l="33277"/>
+          <a:stretch/>
+        </p:blipFill>
+        <p:spPr>
+          <a:xfrm>
+            <a:off x="6090557" y="5953"/>
+            <a:ext cx="6101443" cy="6858340"/>
+          </a:xfrm>
+          <a:prstGeom prst="rect">
+            <a:avLst/>
+          </a:prstGeom>
+        </p:spPr>
+      </p:pic>
+      <mc:AlternateContent xmlns:mc="http://schemas.openxmlformats.org/markup-compatibility/2006">
+        <mc:Choice xmlns:a14="http://schemas.microsoft.com/office/drawing/2010/main" Requires="a14">
+          <p:sp>
+            <p:nvSpPr>
+              <p:cNvPr id="6" name="TextBox 5"/>
+              <p:cNvSpPr txBox="1"/>
+              <p:nvPr/>
+            </p:nvSpPr>
+            <p:spPr>
+              <a:xfrm>
+                <a:off x="391886" y="2551837"/>
+                <a:ext cx="2857500" cy="1754326"/>
+              </a:xfrm>
+              <a:prstGeom prst="rect">
+                <a:avLst/>
+              </a:prstGeom>
+              <a:noFill/>
+            </p:spPr>
+            <p:txBody>
+              <a:bodyPr wrap="square" rtlCol="0">
+                <a:spAutoFit/>
+              </a:bodyPr>
+              <a:lstStyle/>
+              <a:p>
+                <a14:m>
+                  <m:oMathPara xmlns:m="http://schemas.openxmlformats.org/officeDocument/2006/math">
+                    <m:oMathParaPr>
+                      <m:jc m:val="centerGroup"/>
+                    </m:oMathParaPr>
+                    <m:oMath xmlns:m="http://schemas.openxmlformats.org/officeDocument/2006/math">
+                      <m:r>
+                        <a:rPr lang="en-US" sz="5400" b="0" i="1" smtClean="0">
+                          <a:latin typeface="Cambria Math" charset="0"/>
+                          <a:ea typeface="Cambria Math" charset="0"/>
+                          <a:cs typeface="Cambria Math" charset="0"/>
+                        </a:rPr>
+                        <m:t>𝜖</m:t>
+                      </m:r>
+                      <m:r>
+                        <a:rPr lang="en-US" sz="5400" b="0" i="1" smtClean="0">
+                          <a:latin typeface="Cambria Math" charset="0"/>
+                          <a:ea typeface="Cambria Math" charset="0"/>
+                          <a:cs typeface="Cambria Math" charset="0"/>
+                        </a:rPr>
+                        <m:t>=1</m:t>
+                      </m:r>
+                    </m:oMath>
+                  </m:oMathPara>
+                </a14:m>
+                <a:endParaRPr lang="en-US" sz="5400" b="0" dirty="0" smtClean="0">
+                  <a:ea typeface="Cambria Math" charset="0"/>
+                  <a:cs typeface="Cambria Math" charset="0"/>
+                </a:endParaRPr>
+              </a:p>
+              <a:p>
+                <a14:m>
+                  <m:oMathPara xmlns:m="http://schemas.openxmlformats.org/officeDocument/2006/math">
+                    <m:oMathParaPr>
+                      <m:jc m:val="centerGroup"/>
+                    </m:oMathParaPr>
+                    <m:oMath xmlns:m="http://schemas.openxmlformats.org/officeDocument/2006/math">
+                      <m:r>
+                        <a:rPr lang="en-US" sz="5400" b="0" i="1" smtClean="0">
+                          <a:latin typeface="Cambria Math" charset="0"/>
+                        </a:rPr>
+                        <m:t>𝑚</m:t>
+                      </m:r>
+                      <m:r>
+                        <a:rPr lang="en-US" sz="5400" b="0" i="1" smtClean="0">
+                          <a:latin typeface="Cambria Math" charset="0"/>
+                        </a:rPr>
+                        <m:t>=−1</m:t>
+                      </m:r>
+                    </m:oMath>
+                  </m:oMathPara>
+                </a14:m>
+                <a:endParaRPr lang="en-US" sz="5400" dirty="0"/>
+              </a:p>
+            </p:txBody>
+          </p:sp>
+        </mc:Choice>
+        <mc:Fallback>
+          <p:sp>
+            <p:nvSpPr>
+              <p:cNvPr id="6" name="TextBox 5"/>
+              <p:cNvSpPr txBox="1">
+                <a:spLocks noRot="1" noChangeAspect="1" noMove="1" noResize="1" noEditPoints="1" noAdjustHandles="1" noChangeArrowheads="1" noChangeShapeType="1" noTextEdit="1"/>
+              </p:cNvSpPr>
+              <p:nvPr/>
+            </p:nvSpPr>
+            <p:spPr>
+              <a:xfrm>
+                <a:off x="391886" y="2551837"/>
+                <a:ext cx="2857500" cy="1754326"/>
+              </a:xfrm>
+              <a:prstGeom prst="rect">
+                <a:avLst/>
+              </a:prstGeom>
+              <a:blipFill rotWithShape="0">
+                <a:blip r:embed="rId8"/>
+                <a:stretch>
+                  <a:fillRect/>
+                </a:stretch>
+              </a:blipFill>
+            </p:spPr>
+            <p:txBody>
+              <a:bodyPr/>
+              <a:lstStyle/>
+              <a:p>
+                <a:r>
+                  <a:rPr lang="en-US">
+                    <a:noFill/>
+                  </a:rPr>
+                  <a:t> </a:t>
+                </a:r>
+              </a:p>
+            </p:txBody>
+          </p:sp>
+        </mc:Fallback>
+      </mc:AlternateContent>
+      <mc:AlternateContent xmlns:mc="http://schemas.openxmlformats.org/markup-compatibility/2006">
+        <mc:Choice xmlns:a14="http://schemas.microsoft.com/office/drawing/2010/main" Requires="a14">
+          <p:sp>
+            <p:nvSpPr>
+              <p:cNvPr id="7" name="TextBox 6"/>
+              <p:cNvSpPr txBox="1"/>
+              <p:nvPr/>
+            </p:nvSpPr>
+            <p:spPr>
+              <a:xfrm>
+                <a:off x="9013372" y="2551837"/>
+                <a:ext cx="2857500" cy="1754326"/>
+              </a:xfrm>
+              <a:prstGeom prst="rect">
+                <a:avLst/>
+              </a:prstGeom>
+              <a:noFill/>
+            </p:spPr>
+            <p:txBody>
+              <a:bodyPr wrap="square" rtlCol="0">
+                <a:spAutoFit/>
+              </a:bodyPr>
+              <a:lstStyle/>
+              <a:p>
+                <a14:m>
+                  <m:oMathPara xmlns:m="http://schemas.openxmlformats.org/officeDocument/2006/math">
+                    <m:oMathParaPr>
+                      <m:jc m:val="centerGroup"/>
+                    </m:oMathParaPr>
+                    <m:oMath xmlns:m="http://schemas.openxmlformats.org/officeDocument/2006/math">
+                      <m:r>
+                        <a:rPr lang="en-US" sz="5400" b="0" i="1" smtClean="0">
+                          <a:latin typeface="Cambria Math" charset="0"/>
+                          <a:ea typeface="Cambria Math" charset="0"/>
+                          <a:cs typeface="Cambria Math" charset="0"/>
+                        </a:rPr>
+                        <m:t>𝜖</m:t>
+                      </m:r>
+                      <m:r>
+                        <a:rPr lang="en-US" sz="5400" b="0" i="1" smtClean="0">
+                          <a:latin typeface="Cambria Math" charset="0"/>
+                          <a:ea typeface="Cambria Math" charset="0"/>
+                          <a:cs typeface="Cambria Math" charset="0"/>
+                        </a:rPr>
+                        <m:t>=1</m:t>
+                      </m:r>
+                    </m:oMath>
+                  </m:oMathPara>
+                </a14:m>
+                <a:endParaRPr lang="en-US" sz="5400" b="0" dirty="0" smtClean="0">
+                  <a:ea typeface="Cambria Math" charset="0"/>
+                  <a:cs typeface="Cambria Math" charset="0"/>
+                </a:endParaRPr>
+              </a:p>
+              <a:p>
+                <a14:m>
+                  <m:oMathPara xmlns:m="http://schemas.openxmlformats.org/officeDocument/2006/math">
+                    <m:oMathParaPr>
+                      <m:jc m:val="centerGroup"/>
+                    </m:oMathParaPr>
+                    <m:oMath xmlns:m="http://schemas.openxmlformats.org/officeDocument/2006/math">
+                      <m:r>
+                        <a:rPr lang="en-US" sz="5400" b="0" i="1" smtClean="0">
+                          <a:latin typeface="Cambria Math" charset="0"/>
+                        </a:rPr>
+                        <m:t>𝑚</m:t>
+                      </m:r>
+                      <m:r>
+                        <a:rPr lang="en-US" sz="5400" b="0" i="1" smtClean="0">
+                          <a:latin typeface="Cambria Math" charset="0"/>
+                        </a:rPr>
+                        <m:t>=+1</m:t>
+                      </m:r>
+                    </m:oMath>
+                  </m:oMathPara>
+                </a14:m>
+                <a:endParaRPr lang="en-US" sz="5400" dirty="0"/>
+              </a:p>
+            </p:txBody>
+          </p:sp>
+        </mc:Choice>
+        <mc:Fallback>
+          <p:sp>
+            <p:nvSpPr>
+              <p:cNvPr id="7" name="TextBox 6"/>
+              <p:cNvSpPr txBox="1">
+                <a:spLocks noRot="1" noChangeAspect="1" noMove="1" noResize="1" noEditPoints="1" noAdjustHandles="1" noChangeArrowheads="1" noChangeShapeType="1" noTextEdit="1"/>
+              </p:cNvSpPr>
+              <p:nvPr/>
+            </p:nvSpPr>
+            <p:spPr>
+              <a:xfrm>
+                <a:off x="9013372" y="2551837"/>
+                <a:ext cx="2857500" cy="1754326"/>
+              </a:xfrm>
+              <a:prstGeom prst="rect">
+                <a:avLst/>
+              </a:prstGeom>
+              <a:blipFill rotWithShape="0">
+                <a:blip r:embed="rId9"/>
+                <a:stretch>
+                  <a:fillRect/>
+                </a:stretch>
+              </a:blipFill>
+            </p:spPr>
+            <p:txBody>
+              <a:bodyPr/>
+              <a:lstStyle/>
+              <a:p>
+                <a:r>
+                  <a:rPr lang="en-US">
+                    <a:noFill/>
+                  </a:rPr>
+                  <a:t> </a:t>
+                </a:r>
+              </a:p>
+            </p:txBody>
+          </p:sp>
+        </mc:Fallback>
+      </mc:AlternateContent>
+    </p:spTree>
+    <p:extLst>
+      <p:ext uri="{BB962C8B-B14F-4D97-AF65-F5344CB8AC3E}">
+        <p14:creationId xmlns:p14="http://schemas.microsoft.com/office/powerpoint/2010/main" val="1010777307"/>
+      </p:ext>
+    </p:extLst>
+  </p:cSld>
+  <p:clrMapOvr>
+    <a:masterClrMapping/>
+  </p:clrMapOvr>
+  <p:timing>
+    <p:tnLst>
+      <p:par>
+        <p:cTn id="1" dur="indefinite" restart="never" nodeType="tmRoot">
+          <p:childTnLst>
+            <p:seq concurrent="1" nextAc="seek">
+              <p:cTn id="2" restart="whenNotActive" fill="hold" evtFilter="cancelBubble" nodeType="interactiveSeq">
+                <p:stCondLst>
+                  <p:cond evt="onClick" delay="0">
+                    <p:tgtEl>
+                      <p:spTgt spid="4"/>
+                    </p:tgtEl>
+                  </p:cond>
+                </p:stCondLst>
+                <p:endSync evt="end" delay="0">
+                  <p:rtn val="all"/>
+                </p:endSync>
+                <p:childTnLst>
+                  <p:par>
+                    <p:cTn id="3" fill="hold">
+                      <p:stCondLst>
+                        <p:cond delay="0"/>
+                      </p:stCondLst>
+                      <p:childTnLst>
+                        <p:par>
+                          <p:cTn id="4" fill="hold">
+                            <p:stCondLst>
+                              <p:cond delay="0"/>
+                            </p:stCondLst>
+                            <p:childTnLst>
+                              <p:par>
+                                <p:cTn id="5" presetID="2" presetClass="mediacall" presetSubtype="0" fill="hold" nodeType="clickEffect">
+                                  <p:stCondLst>
+                                    <p:cond delay="0"/>
+                                  </p:stCondLst>
+                                  <p:childTnLst>
+                                    <p:cmd type="call" cmd="togglePause">
+                                      <p:cBhvr>
+                                        <p:cTn id="6" dur="1" fill="hold"/>
+                                        <p:tgtEl>
+                                          <p:spTgt spid="4"/>
+                                        </p:tgtEl>
+                                      </p:cBhvr>
+                                    </p:cmd>
+                                  </p:childTnLst>
+                                </p:cTn>
+                              </p:par>
+                            </p:childTnLst>
+                          </p:cTn>
+                        </p:par>
+                      </p:childTnLst>
+                    </p:cTn>
+                  </p:par>
+                </p:childTnLst>
+              </p:cTn>
+              <p:nextCondLst>
+                <p:cond evt="onClick" delay="0">
+                  <p:tgtEl>
+                    <p:spTgt spid="4"/>
+                  </p:tgtEl>
+                </p:cond>
+              </p:nextCondLst>
+            </p:seq>
+            <p:video>
+              <p:cMediaNode vol="80000">
+                <p:cTn id="7" fill="hold" display="0">
+                  <p:stCondLst>
+                    <p:cond delay="indefinite"/>
+                  </p:stCondLst>
+                </p:cTn>
+                <p:tgtEl>
+                  <p:spTgt spid="4"/>
+                </p:tgtEl>
+              </p:cMediaNode>
+            </p:video>
+            <p:seq concurrent="1" nextAc="seek">
+              <p:cTn id="8" restart="whenNotActive" fill="hold" evtFilter="cancelBubble" nodeType="interactiveSeq">
+                <p:stCondLst>
+                  <p:cond evt="onClick" delay="0">
+                    <p:tgtEl>
+                      <p:spTgt spid="5"/>
+                    </p:tgtEl>
+                  </p:cond>
+                </p:stCondLst>
+                <p:endSync evt="end" delay="0">
+                  <p:rtn val="all"/>
+                </p:endSync>
+                <p:childTnLst>
+                  <p:par>
+                    <p:cTn id="9" fill="hold">
+                      <p:stCondLst>
+                        <p:cond delay="0"/>
+                      </p:stCondLst>
+                      <p:childTnLst>
+                        <p:par>
+                          <p:cTn id="10" fill="hold">
+                            <p:stCondLst>
+                              <p:cond delay="0"/>
+                            </p:stCondLst>
+                            <p:childTnLst>
+                              <p:par>
+                                <p:cTn id="11" presetID="2" presetClass="mediacall" presetSubtype="0" fill="hold" nodeType="clickEffect">
+                                  <p:stCondLst>
+                                    <p:cond delay="0"/>
+                                  </p:stCondLst>
+                                  <p:childTnLst>
+                                    <p:cmd type="call" cmd="togglePause">
+                                      <p:cBhvr>
+                                        <p:cTn id="12" dur="1" fill="hold"/>
+                                        <p:tgtEl>
+                                          <p:spTgt spid="5"/>
+                                        </p:tgtEl>
+                                      </p:cBhvr>
+                                    </p:cmd>
+                                  </p:childTnLst>
+                                </p:cTn>
+                              </p:par>
+                            </p:childTnLst>
+                          </p:cTn>
+                        </p:par>
+                      </p:childTnLst>
+                    </p:cTn>
+                  </p:par>
+                </p:childTnLst>
+              </p:cTn>
+              <p:nextCondLst>
+                <p:cond evt="onClick" delay="0">
+                  <p:tgtEl>
+                    <p:spTgt spid="5"/>
+                  </p:tgtEl>
+                </p:cond>
+              </p:nextCondLst>
+            </p:seq>
+            <p:video>
+              <p:cMediaNode vol="80000">
+                <p:cTn id="13" fill="hold" display="0">
+                  <p:stCondLst>
+                    <p:cond delay="indefinite"/>
+                  </p:stCondLst>
+                </p:cTn>
+                <p:tgtEl>
+                  <p:spTgt spid="5"/>
+                </p:tgtEl>
+              </p:cMediaNode>
+            </p:video>
+          </p:childTnLst>
+        </p:cTn>
+      </p:par>
+    </p:tnLst>
+  </p:timing>
+</p:sld>
+</file>
+
+<file path=ppt/slides/slide18.xml><?xml version="1.0" encoding="utf-8"?>
+<p:sld xmlns:a="http://schemas.openxmlformats.org/drawingml/2006/main" xmlns:r="http://schemas.openxmlformats.org/officeDocument/2006/relationships" xmlns:p="http://schemas.openxmlformats.org/presentationml/2006/main">
+  <p:cSld>
+    <p:spTree>
+      <p:nvGrpSpPr>
+        <p:cNvPr id="1" name=""/>
+        <p:cNvGrpSpPr/>
+        <p:nvPr/>
+      </p:nvGrpSpPr>
+      <p:grpSpPr>
+        <a:xfrm>
+          <a:off x="0" y="0"/>
+          <a:ext cx="0" cy="0"/>
+          <a:chOff x="0" y="0"/>
+          <a:chExt cx="0" cy="0"/>
+        </a:xfrm>
+      </p:grpSpPr>
+      <p:sp>
+        <p:nvSpPr>
+          <p:cNvPr id="2" name="Title 1"/>
+          <p:cNvSpPr>
+            <a:spLocks noGrp="1"/>
+          </p:cNvSpPr>
+          <p:nvPr>
+            <p:ph type="title"/>
+          </p:nvPr>
+        </p:nvSpPr>
+        <p:spPr/>
+        <p:txBody>
+          <a:bodyPr/>
+          <a:lstStyle/>
+          <a:p>
+            <a:r>
+              <a:rPr lang="en-US" dirty="0" smtClean="0"/>
+              <a:t>Future work</a:t>
+            </a:r>
+            <a:endParaRPr lang="en-US" dirty="0"/>
+          </a:p>
+        </p:txBody>
+      </p:sp>
+      <p:sp>
+        <p:nvSpPr>
+          <p:cNvPr id="3" name="Content Placeholder 2"/>
+          <p:cNvSpPr>
+            <a:spLocks noGrp="1"/>
+          </p:cNvSpPr>
+          <p:nvPr>
+            <p:ph sz="half" idx="1"/>
+          </p:nvPr>
+        </p:nvSpPr>
+        <p:spPr/>
+        <p:txBody>
+          <a:bodyPr>
+            <a:normAutofit/>
+          </a:bodyPr>
+          <a:lstStyle/>
+          <a:p>
+            <a:pPr>
+              <a:buFont typeface="Arial" charset="0"/>
+              <a:buChar char="•"/>
+            </a:pPr>
+            <a:r>
+              <a:rPr lang="en-US" sz="4000" dirty="0" smtClean="0"/>
+              <a:t>Flexibility</a:t>
+            </a:r>
+          </a:p>
+          <a:p>
+            <a:pPr marL="536575" lvl="1" indent="-130175">
+              <a:buFont typeface="Arial" charset="0"/>
+              <a:buChar char="•"/>
+            </a:pPr>
+            <a:r>
+              <a:rPr lang="en-US" sz="3600" dirty="0" smtClean="0"/>
+              <a:t>mesh grid</a:t>
+            </a:r>
+          </a:p>
+          <a:p>
+            <a:pPr marL="536575" lvl="1" indent="-130175">
+              <a:buFont typeface="Arial" charset="0"/>
+              <a:buChar char="•"/>
+            </a:pPr>
+            <a:r>
+              <a:rPr lang="en-US" sz="3600" dirty="0" smtClean="0"/>
+              <a:t>quadrature points</a:t>
+            </a:r>
+          </a:p>
+          <a:p>
+            <a:pPr marL="536575" lvl="1" indent="-130175">
+              <a:buFont typeface="Arial" charset="0"/>
+              <a:buChar char="•"/>
+            </a:pPr>
+            <a:r>
+              <a:rPr lang="en-US" sz="3600" dirty="0" smtClean="0"/>
+              <a:t>quadratic base </a:t>
+            </a:r>
+            <a:r>
+              <a:rPr lang="en-US" sz="3600" dirty="0" err="1" smtClean="0"/>
+              <a:t>fns</a:t>
+            </a:r>
+            <a:endParaRPr lang="en-US" sz="3600" dirty="0" smtClean="0"/>
+          </a:p>
+        </p:txBody>
+      </p:sp>
+      <p:sp>
+        <p:nvSpPr>
+          <p:cNvPr id="4" name="Content Placeholder 3"/>
+          <p:cNvSpPr>
+            <a:spLocks noGrp="1"/>
+          </p:cNvSpPr>
+          <p:nvPr>
+            <p:ph sz="half" idx="2"/>
+          </p:nvPr>
+        </p:nvSpPr>
+        <p:spPr/>
+        <p:txBody>
+          <a:bodyPr/>
+          <a:lstStyle/>
+          <a:p>
+            <a:pPr>
+              <a:buFont typeface="Arial" charset="0"/>
+              <a:buChar char="•"/>
+            </a:pPr>
+            <a:r>
+              <a:rPr lang="en-US" sz="4000" dirty="0" smtClean="0"/>
+              <a:t>Speed</a:t>
+            </a:r>
+          </a:p>
+          <a:p>
+            <a:pPr marL="765175" lvl="1" indent="-228600">
+              <a:buFont typeface="Arial" charset="0"/>
+              <a:buChar char="•"/>
+            </a:pPr>
+            <a:r>
+              <a:rPr lang="en-US" sz="3600" dirty="0" smtClean="0"/>
+              <a:t>algorithm</a:t>
+            </a:r>
+          </a:p>
+          <a:p>
+            <a:pPr marL="765175" lvl="1" indent="-228600">
+              <a:buFont typeface="Arial" charset="0"/>
+              <a:buChar char="•"/>
+            </a:pPr>
+            <a:r>
+              <a:rPr lang="en-US" sz="3600" smtClean="0"/>
+              <a:t>C code</a:t>
+            </a:r>
+            <a:endParaRPr lang="en-US" sz="3600" dirty="0"/>
+          </a:p>
+          <a:p>
+            <a:endParaRPr lang="en-US" dirty="0"/>
+          </a:p>
+        </p:txBody>
+      </p:sp>
+    </p:spTree>
+    <p:extLst>
+      <p:ext uri="{BB962C8B-B14F-4D97-AF65-F5344CB8AC3E}">
+        <p14:creationId xmlns:p14="http://schemas.microsoft.com/office/powerpoint/2010/main" val="174694287"/>
       </p:ext>
     </p:extLst>
   </p:cSld>
@@ -6241,8 +7582,8 @@
           </a:p>
         </p:txBody>
       </p:sp>
-      <mc:AlternateContent xmlns:mc="http://schemas.openxmlformats.org/markup-compatibility/2006">
-        <mc:Choice xmlns:a14="http://schemas.microsoft.com/office/drawing/2010/main" Requires="a14">
+      <mc:AlternateContent xmlns:mc="http://schemas.openxmlformats.org/markup-compatibility/2006" xmlns:a14="http://schemas.microsoft.com/office/drawing/2010/main">
+        <mc:Choice Requires="a14">
           <p:sp>
             <p:nvSpPr>
               <p:cNvPr id="4" name="Content Placeholder 2"/>
@@ -6997,7 +8338,7 @@
             </p:txBody>
           </p:sp>
         </mc:Choice>
-        <mc:Fallback>
+        <mc:Fallback xmlns="">
           <p:sp>
             <p:nvSpPr>
               <p:cNvPr id="4" name="Content Placeholder 2"/>
@@ -7754,8 +9095,8 @@
           </a:p>
         </p:txBody>
       </p:sp>
-      <mc:AlternateContent xmlns:mc="http://schemas.openxmlformats.org/markup-compatibility/2006">
-        <mc:Choice xmlns:a14="http://schemas.microsoft.com/office/drawing/2010/main" Requires="a14">
+      <mc:AlternateContent xmlns:mc="http://schemas.openxmlformats.org/markup-compatibility/2006" xmlns:a14="http://schemas.microsoft.com/office/drawing/2010/main">
+        <mc:Choice Requires="a14">
           <p:sp>
             <p:nvSpPr>
               <p:cNvPr id="3" name="Content Placeholder 2"/>
@@ -7997,7 +9338,7 @@
             </p:txBody>
           </p:sp>
         </mc:Choice>
-        <mc:Fallback>
+        <mc:Fallback xmlns="">
           <p:sp>
             <p:nvSpPr>
               <p:cNvPr id="3" name="Content Placeholder 2"/>

--- a/PFMFEM.pptx
+++ b/PFMFEM.pptx
@@ -214,7 +214,7 @@
           <a:p>
             <a:fld id="{F4067880-F2D7-4774-9971-350379BCB41E}" type="datetimeFigureOut">
               <a:rPr lang="en-US" smtClean="0"/>
-              <a:t>12/6/16</a:t>
+              <a:t>12/7/16</a:t>
             </a:fld>
             <a:endParaRPr lang="en-US"/>
           </a:p>
@@ -1593,7 +1593,7 @@
             <a:fld id="{96DFF08F-DC6B-4601-B491-B0F83F6DD2DA}" type="datetimeFigureOut">
               <a:rPr lang="en-US" smtClean="0"/>
               <a:pPr/>
-              <a:t>12/6/16</a:t>
+              <a:t>12/7/16</a:t>
             </a:fld>
             <a:endParaRPr lang="en-US" dirty="0"/>
           </a:p>
@@ -1798,7 +1798,7 @@
           <a:p>
             <a:fld id="{96DFF08F-DC6B-4601-B491-B0F83F6DD2DA}" type="datetimeFigureOut">
               <a:rPr lang="en-US" smtClean="0"/>
-              <a:t>12/6/16</a:t>
+              <a:t>12/7/16</a:t>
             </a:fld>
             <a:endParaRPr lang="en-US" dirty="0"/>
           </a:p>
@@ -1978,7 +1978,7 @@
           <a:p>
             <a:fld id="{96DFF08F-DC6B-4601-B491-B0F83F6DD2DA}" type="datetimeFigureOut">
               <a:rPr lang="en-US" smtClean="0"/>
-              <a:t>12/6/16</a:t>
+              <a:t>12/7/16</a:t>
             </a:fld>
             <a:endParaRPr lang="en-US" dirty="0"/>
           </a:p>
@@ -2183,7 +2183,7 @@
           <a:p>
             <a:fld id="{96DFF08F-DC6B-4601-B491-B0F83F6DD2DA}" type="datetimeFigureOut">
               <a:rPr lang="en-US" smtClean="0"/>
-              <a:t>12/6/16</a:t>
+              <a:t>12/7/16</a:t>
             </a:fld>
             <a:endParaRPr lang="en-US" dirty="0"/>
           </a:p>
@@ -2478,7 +2478,7 @@
           <a:p>
             <a:fld id="{96DFF08F-DC6B-4601-B491-B0F83F6DD2DA}" type="datetimeFigureOut">
               <a:rPr lang="en-US" smtClean="0"/>
-              <a:t>12/6/16</a:t>
+              <a:t>12/7/16</a:t>
             </a:fld>
             <a:endParaRPr lang="en-US" dirty="0"/>
           </a:p>
@@ -2750,7 +2750,7 @@
           <a:p>
             <a:fld id="{96DFF08F-DC6B-4601-B491-B0F83F6DD2DA}" type="datetimeFigureOut">
               <a:rPr lang="en-US" smtClean="0"/>
-              <a:t>12/6/16</a:t>
+              <a:t>12/7/16</a:t>
             </a:fld>
             <a:endParaRPr lang="en-US" dirty="0"/>
           </a:p>
@@ -3157,7 +3157,7 @@
           <a:p>
             <a:fld id="{96DFF08F-DC6B-4601-B491-B0F83F6DD2DA}" type="datetimeFigureOut">
               <a:rPr lang="en-US" smtClean="0"/>
-              <a:t>12/6/16</a:t>
+              <a:t>12/7/16</a:t>
             </a:fld>
             <a:endParaRPr lang="en-US" dirty="0"/>
           </a:p>
@@ -3275,7 +3275,7 @@
           <a:p>
             <a:fld id="{96DFF08F-DC6B-4601-B491-B0F83F6DD2DA}" type="datetimeFigureOut">
               <a:rPr lang="en-US" smtClean="0"/>
-              <a:t>12/6/16</a:t>
+              <a:t>12/7/16</a:t>
             </a:fld>
             <a:endParaRPr lang="en-US" dirty="0"/>
           </a:p>
@@ -3370,7 +3370,7 @@
           <a:p>
             <a:fld id="{96DFF08F-DC6B-4601-B491-B0F83F6DD2DA}" type="datetimeFigureOut">
               <a:rPr lang="en-US" smtClean="0"/>
-              <a:t>12/6/16</a:t>
+              <a:t>12/7/16</a:t>
             </a:fld>
             <a:endParaRPr lang="en-US" dirty="0"/>
           </a:p>
@@ -3660,7 +3660,7 @@
           <a:p>
             <a:fld id="{96DFF08F-DC6B-4601-B491-B0F83F6DD2DA}" type="datetimeFigureOut">
               <a:rPr lang="en-US" smtClean="0"/>
-              <a:t>12/6/16</a:t>
+              <a:t>12/7/16</a:t>
             </a:fld>
             <a:endParaRPr lang="en-US" dirty="0"/>
           </a:p>
@@ -3940,7 +3940,7 @@
           <a:p>
             <a:fld id="{C7616CA0-919D-4A49-9C8A-62FDFB3A5183}" type="datetimeFigureOut">
               <a:rPr lang="en-US" smtClean="0"/>
-              <a:t>12/6/16</a:t>
+              <a:t>12/7/16</a:t>
             </a:fld>
             <a:endParaRPr lang="en-US" dirty="0"/>
           </a:p>
@@ -4191,7 +4191,7 @@
             <a:fld id="{96DFF08F-DC6B-4601-B491-B0F83F6DD2DA}" type="datetimeFigureOut">
               <a:rPr lang="en-US" smtClean="0"/>
               <a:pPr/>
-              <a:t>12/6/16</a:t>
+              <a:t>12/7/16</a:t>
             </a:fld>
             <a:endParaRPr lang="en-US" dirty="0"/>
           </a:p>
@@ -5589,8 +5589,8 @@
           </a:p>
         </p:txBody>
       </p:sp>
-      <mc:AlternateContent xmlns:mc="http://schemas.openxmlformats.org/markup-compatibility/2006">
-        <mc:Choice xmlns:a14="http://schemas.microsoft.com/office/drawing/2010/main" Requires="a14">
+      <mc:AlternateContent xmlns:mc="http://schemas.openxmlformats.org/markup-compatibility/2006" xmlns:a14="http://schemas.microsoft.com/office/drawing/2010/main">
+        <mc:Choice Requires="a14">
           <p:sp>
             <p:nvSpPr>
               <p:cNvPr id="3" name="Content Placeholder 2"/>
@@ -5791,7 +5791,7 @@
             </p:txBody>
           </p:sp>
         </mc:Choice>
-        <mc:Fallback>
+        <mc:Fallback xmlns="">
           <p:sp>
             <p:nvSpPr>
               <p:cNvPr id="3" name="Content Placeholder 2"/>
@@ -5936,8 +5936,8 @@
           </a:prstGeom>
         </p:spPr>
       </p:pic>
-      <mc:AlternateContent xmlns:mc="http://schemas.openxmlformats.org/markup-compatibility/2006">
-        <mc:Choice xmlns:a14="http://schemas.microsoft.com/office/drawing/2010/main" Requires="a14">
+      <mc:AlternateContent xmlns:mc="http://schemas.openxmlformats.org/markup-compatibility/2006" xmlns:a14="http://schemas.microsoft.com/office/drawing/2010/main">
+        <mc:Choice Requires="a14">
           <p:sp>
             <p:nvSpPr>
               <p:cNvPr id="7" name="TextBox 6"/>
@@ -5960,6 +5960,7 @@
               </a:bodyPr>
               <a:lstStyle/>
               <a:p>
+                <a:pPr/>
                 <a14:m>
                   <m:oMathPara xmlns:m="http://schemas.openxmlformats.org/officeDocument/2006/math">
                     <m:oMathParaPr>
@@ -5991,6 +5992,7 @@
                 </a:endParaRPr>
               </a:p>
               <a:p>
+                <a:pPr/>
                 <a14:m>
                   <m:oMathPara xmlns:m="http://schemas.openxmlformats.org/officeDocument/2006/math">
                     <m:oMathParaPr>
@@ -6017,7 +6019,7 @@
             </p:txBody>
           </p:sp>
         </mc:Choice>
-        <mc:Fallback>
+        <mc:Fallback xmlns="">
           <p:sp>
             <p:nvSpPr>
               <p:cNvPr id="7" name="TextBox 6"/>
@@ -6056,8 +6058,8 @@
           </p:sp>
         </mc:Fallback>
       </mc:AlternateContent>
-      <mc:AlternateContent xmlns:mc="http://schemas.openxmlformats.org/markup-compatibility/2006">
-        <mc:Choice xmlns:a14="http://schemas.microsoft.com/office/drawing/2010/main" Requires="a14">
+      <mc:AlternateContent xmlns:mc="http://schemas.openxmlformats.org/markup-compatibility/2006" xmlns:a14="http://schemas.microsoft.com/office/drawing/2010/main">
+        <mc:Choice Requires="a14">
           <p:sp>
             <p:nvSpPr>
               <p:cNvPr id="8" name="TextBox 7"/>
@@ -6080,6 +6082,7 @@
               </a:bodyPr>
               <a:lstStyle/>
               <a:p>
+                <a:pPr/>
                 <a14:m>
                   <m:oMathPara xmlns:m="http://schemas.openxmlformats.org/officeDocument/2006/math">
                     <m:oMathParaPr>
@@ -6111,6 +6114,7 @@
                 </a:endParaRPr>
               </a:p>
               <a:p>
+                <a:pPr/>
                 <a14:m>
                   <m:oMathPara xmlns:m="http://schemas.openxmlformats.org/officeDocument/2006/math">
                     <m:oMathParaPr>
@@ -6137,7 +6141,7 @@
             </p:txBody>
           </p:sp>
         </mc:Choice>
-        <mc:Fallback>
+        <mc:Fallback xmlns="">
           <p:sp>
             <p:nvSpPr>
               <p:cNvPr id="8" name="TextBox 7"/>
@@ -6420,8 +6424,8 @@
           </a:prstGeom>
         </p:spPr>
       </p:pic>
-      <mc:AlternateContent xmlns:mc="http://schemas.openxmlformats.org/markup-compatibility/2006">
-        <mc:Choice xmlns:a14="http://schemas.microsoft.com/office/drawing/2010/main" Requires="a14">
+      <mc:AlternateContent xmlns:mc="http://schemas.openxmlformats.org/markup-compatibility/2006" xmlns:a14="http://schemas.microsoft.com/office/drawing/2010/main">
+        <mc:Choice Requires="a14">
           <p:sp>
             <p:nvSpPr>
               <p:cNvPr id="6" name="TextBox 5"/>
@@ -6444,6 +6448,7 @@
               </a:bodyPr>
               <a:lstStyle/>
               <a:p>
+                <a:pPr/>
                 <a14:m>
                   <m:oMathPara xmlns:m="http://schemas.openxmlformats.org/officeDocument/2006/math">
                     <m:oMathParaPr>
@@ -6475,6 +6480,7 @@
                 </a:endParaRPr>
               </a:p>
               <a:p>
+                <a:pPr/>
                 <a14:m>
                   <m:oMathPara xmlns:m="http://schemas.openxmlformats.org/officeDocument/2006/math">
                     <m:oMathParaPr>
@@ -6501,7 +6507,7 @@
             </p:txBody>
           </p:sp>
         </mc:Choice>
-        <mc:Fallback>
+        <mc:Fallback xmlns="">
           <p:sp>
             <p:nvSpPr>
               <p:cNvPr id="6" name="TextBox 5"/>
@@ -6540,8 +6546,8 @@
           </p:sp>
         </mc:Fallback>
       </mc:AlternateContent>
-      <mc:AlternateContent xmlns:mc="http://schemas.openxmlformats.org/markup-compatibility/2006">
-        <mc:Choice xmlns:a14="http://schemas.microsoft.com/office/drawing/2010/main" Requires="a14">
+      <mc:AlternateContent xmlns:mc="http://schemas.openxmlformats.org/markup-compatibility/2006" xmlns:a14="http://schemas.microsoft.com/office/drawing/2010/main">
+        <mc:Choice Requires="a14">
           <p:sp>
             <p:nvSpPr>
               <p:cNvPr id="7" name="TextBox 6"/>
@@ -6564,6 +6570,7 @@
               </a:bodyPr>
               <a:lstStyle/>
               <a:p>
+                <a:pPr/>
                 <a14:m>
                   <m:oMathPara xmlns:m="http://schemas.openxmlformats.org/officeDocument/2006/math">
                     <m:oMathParaPr>
@@ -6595,6 +6602,7 @@
                 </a:endParaRPr>
               </a:p>
               <a:p>
+                <a:pPr/>
                 <a14:m>
                   <m:oMathPara xmlns:m="http://schemas.openxmlformats.org/officeDocument/2006/math">
                     <m:oMathParaPr>
@@ -6621,7 +6629,7 @@
             </p:txBody>
           </p:sp>
         </mc:Choice>
-        <mc:Fallback>
+        <mc:Fallback xmlns="">
           <p:sp>
             <p:nvSpPr>
               <p:cNvPr id="7" name="TextBox 6"/>
@@ -6865,19 +6873,17 @@
       </p:sp>
       <p:sp>
         <p:nvSpPr>
-          <p:cNvPr id="3" name="Content Placeholder 2"/>
-          <p:cNvSpPr>
-            <a:spLocks noGrp="1"/>
-          </p:cNvSpPr>
-          <p:nvPr>
-            <p:ph sz="half" idx="1"/>
+          <p:cNvPr id="4" name="Content Placeholder 3"/>
+          <p:cNvSpPr>
+            <a:spLocks noGrp="1"/>
+          </p:cNvSpPr>
+          <p:nvPr>
+            <p:ph idx="1"/>
           </p:nvPr>
         </p:nvSpPr>
         <p:spPr/>
         <p:txBody>
-          <a:bodyPr>
-            <a:normAutofit/>
-          </a:bodyPr>
+          <a:bodyPr numCol="3"/>
           <a:lstStyle/>
           <a:p>
             <a:pPr>
@@ -6888,91 +6894,150 @@
               <a:rPr lang="en-US" sz="4000" dirty="0" smtClean="0"/>
               <a:t>Flexibility</a:t>
             </a:r>
-          </a:p>
-          <a:p>
-            <a:pPr marL="536575" lvl="1" indent="-130175">
+            <a:endParaRPr lang="en-US" sz="4000" dirty="0"/>
+          </a:p>
+          <a:p>
+            <a:pPr marL="319786" lvl="1" indent="-146050">
               <a:buFont typeface="Arial" charset="0"/>
               <a:buChar char="•"/>
             </a:pPr>
             <a:r>
-              <a:rPr lang="en-US" sz="3600" dirty="0" smtClean="0"/>
+              <a:rPr lang="en-US" sz="3600" dirty="0"/>
               <a:t>mesh grid</a:t>
             </a:r>
           </a:p>
           <a:p>
-            <a:pPr marL="536575" lvl="1" indent="-130175">
+            <a:pPr marL="319786" lvl="1" indent="-146050">
               <a:buFont typeface="Arial" charset="0"/>
               <a:buChar char="•"/>
             </a:pPr>
             <a:r>
-              <a:rPr lang="en-US" sz="3600" dirty="0" smtClean="0"/>
+              <a:rPr lang="en-US" sz="3600" dirty="0"/>
               <a:t>quadrature points</a:t>
             </a:r>
           </a:p>
           <a:p>
-            <a:pPr marL="536575" lvl="1" indent="-130175">
+            <a:pPr marL="319786" lvl="1" indent="-146050">
               <a:buFont typeface="Arial" charset="0"/>
               <a:buChar char="•"/>
             </a:pPr>
             <a:r>
+              <a:rPr lang="en-US" sz="3600" dirty="0"/>
+              <a:t>quadratic base </a:t>
+            </a:r>
+            <a:r>
               <a:rPr lang="en-US" sz="3600" dirty="0" smtClean="0"/>
-              <a:t>quadratic base </a:t>
-            </a:r>
-            <a:r>
-              <a:rPr lang="en-US" sz="3600" dirty="0" err="1" smtClean="0"/>
-              <a:t>fns</a:t>
-            </a:r>
-            <a:endParaRPr lang="en-US" sz="3600" dirty="0" smtClean="0"/>
-          </a:p>
-        </p:txBody>
-      </p:sp>
-      <p:sp>
-        <p:nvSpPr>
-          <p:cNvPr id="4" name="Content Placeholder 3"/>
-          <p:cNvSpPr>
-            <a:spLocks noGrp="1"/>
-          </p:cNvSpPr>
-          <p:nvPr>
-            <p:ph sz="half" idx="2"/>
-          </p:nvPr>
-        </p:nvSpPr>
-        <p:spPr/>
-        <p:txBody>
-          <a:bodyPr/>
-          <a:lstStyle/>
+              <a:t>functions</a:t>
+            </a:r>
+            <a:endParaRPr lang="en-US" sz="3600" dirty="0"/>
+          </a:p>
+          <a:p>
+            <a:endParaRPr lang="en-US" dirty="0" smtClean="0"/>
+          </a:p>
           <a:p>
             <a:pPr>
               <a:buFont typeface="Arial" charset="0"/>
               <a:buChar char="•"/>
             </a:pPr>
             <a:r>
+              <a:rPr lang="en-US" sz="4000" dirty="0"/>
+              <a:t>Error </a:t>
+            </a:r>
+            <a:r>
               <a:rPr lang="en-US" sz="4000" dirty="0" smtClean="0"/>
-              <a:t>Speed</a:t>
-            </a:r>
-          </a:p>
-          <a:p>
-            <a:pPr marL="765175" lvl="1" indent="-228600">
+              <a:t>Analysis</a:t>
+            </a:r>
+          </a:p>
+          <a:p>
+            <a:pPr lvl="1">
               <a:buFont typeface="Arial" charset="0"/>
               <a:buChar char="•"/>
             </a:pPr>
             <a:r>
+              <a:rPr lang="en-US" sz="3600" dirty="0"/>
+              <a:t>s</a:t>
+            </a:r>
+            <a:r>
               <a:rPr lang="en-US" sz="3600" dirty="0" smtClean="0"/>
-              <a:t>algorithm</a:t>
-            </a:r>
-          </a:p>
-          <a:p>
-            <a:pPr marL="765175" lvl="1" indent="-228600">
+              <a:t>table condition</a:t>
+            </a:r>
+          </a:p>
+          <a:p>
+            <a:pPr lvl="1">
               <a:buFont typeface="Arial" charset="0"/>
               <a:buChar char="•"/>
             </a:pPr>
             <a:r>
-              <a:rPr lang="en-US" sz="3600" smtClean="0"/>
+              <a:rPr lang="en-US" sz="3600" dirty="0" smtClean="0"/>
+              <a:t>error bound</a:t>
+            </a:r>
+          </a:p>
+          <a:p>
+            <a:pPr lvl="1">
+              <a:buFont typeface="Arial" charset="0"/>
+              <a:buChar char="•"/>
+            </a:pPr>
+            <a:endParaRPr lang="en-US" sz="3600" dirty="0"/>
+          </a:p>
+          <a:p>
+            <a:pPr lvl="1">
+              <a:buFont typeface="Arial" charset="0"/>
+              <a:buChar char="•"/>
+            </a:pPr>
+            <a:endParaRPr lang="en-US" sz="3600" dirty="0" smtClean="0"/>
+          </a:p>
+          <a:p>
+            <a:pPr lvl="1">
+              <a:buFont typeface="Arial" charset="0"/>
+              <a:buChar char="•"/>
+            </a:pPr>
+            <a:endParaRPr lang="en-US" sz="3600" dirty="0"/>
+          </a:p>
+          <a:p>
+            <a:pPr>
+              <a:buFont typeface="Arial" charset="0"/>
+              <a:buChar char="•"/>
+            </a:pPr>
+            <a:r>
+              <a:rPr lang="en-US" sz="4000" dirty="0"/>
+              <a:t>Speed</a:t>
+            </a:r>
+          </a:p>
+          <a:p>
+            <a:pPr marL="400749" lvl="1" indent="-227013">
+              <a:buFont typeface="Arial" charset="0"/>
+              <a:buChar char="•"/>
+            </a:pPr>
+            <a:r>
+              <a:rPr lang="en-US" sz="3600" dirty="0"/>
+              <a:t>algorithm</a:t>
+            </a:r>
+          </a:p>
+          <a:p>
+            <a:pPr marL="400749" lvl="1" indent="-227013">
+              <a:buFont typeface="Arial" charset="0"/>
+              <a:buChar char="•"/>
+            </a:pPr>
+            <a:r>
+              <a:rPr lang="en-US" sz="3600" dirty="0"/>
               <a:t>C code</a:t>
             </a:r>
+          </a:p>
+          <a:p>
+            <a:endParaRPr lang="en-US" dirty="0"/>
+          </a:p>
+          <a:p>
+            <a:endParaRPr lang="en-US" dirty="0"/>
+          </a:p>
+          <a:p>
+            <a:endParaRPr lang="en-US"/>
+          </a:p>
+          <a:p>
+            <a:pPr lvl="1">
+              <a:buFont typeface="Arial" charset="0"/>
+              <a:buChar char="•"/>
+            </a:pPr>
             <a:endParaRPr lang="en-US" sz="3600" dirty="0"/>
-          </a:p>
-          <a:p>
-            <a:endParaRPr lang="en-US" dirty="0"/>
           </a:p>
         </p:txBody>
       </p:sp>

--- a/PFMFEM.pptx
+++ b/PFMFEM.pptx
@@ -5,7 +5,7 @@
     <p:sldMasterId id="2147483733" r:id="rId1"/>
   </p:sldMasterIdLst>
   <p:notesMasterIdLst>
-    <p:notesMasterId r:id="rId20"/>
+    <p:notesMasterId r:id="rId21"/>
   </p:notesMasterIdLst>
   <p:sldIdLst>
     <p:sldId id="256" r:id="rId2"/>
@@ -17,15 +17,16 @@
     <p:sldId id="267" r:id="rId8"/>
     <p:sldId id="268" r:id="rId9"/>
     <p:sldId id="269" r:id="rId10"/>
-    <p:sldId id="266" r:id="rId11"/>
-    <p:sldId id="270" r:id="rId12"/>
-    <p:sldId id="272" r:id="rId13"/>
-    <p:sldId id="273" r:id="rId14"/>
-    <p:sldId id="274" r:id="rId15"/>
-    <p:sldId id="275" r:id="rId16"/>
-    <p:sldId id="276" r:id="rId17"/>
-    <p:sldId id="277" r:id="rId18"/>
-    <p:sldId id="278" r:id="rId19"/>
+    <p:sldId id="279" r:id="rId11"/>
+    <p:sldId id="266" r:id="rId12"/>
+    <p:sldId id="270" r:id="rId13"/>
+    <p:sldId id="272" r:id="rId14"/>
+    <p:sldId id="273" r:id="rId15"/>
+    <p:sldId id="274" r:id="rId16"/>
+    <p:sldId id="275" r:id="rId17"/>
+    <p:sldId id="276" r:id="rId18"/>
+    <p:sldId id="277" r:id="rId19"/>
+    <p:sldId id="278" r:id="rId20"/>
   </p:sldIdLst>
   <p:sldSz cx="12192000" cy="6858000"/>
   <p:notesSz cx="6858000" cy="9144000"/>
@@ -214,7 +215,7 @@
           <a:p>
             <a:fld id="{F4067880-F2D7-4774-9971-350379BCB41E}" type="datetimeFigureOut">
               <a:rPr lang="en-US" smtClean="0"/>
-              <a:t>12/7/16</a:t>
+              <a:t>12/7/2016</a:t>
             </a:fld>
             <a:endParaRPr lang="en-US"/>
           </a:p>
@@ -278,38 +279,37 @@
           <a:p>
             <a:pPr lvl="0"/>
             <a:r>
-              <a:rPr lang="en-US" smtClean="0"/>
+              <a:rPr lang="en-US"/>
               <a:t>Click to edit Master text styles</a:t>
             </a:r>
           </a:p>
           <a:p>
             <a:pPr lvl="1"/>
             <a:r>
-              <a:rPr lang="en-US" smtClean="0"/>
+              <a:rPr lang="en-US"/>
               <a:t>Second level</a:t>
             </a:r>
           </a:p>
           <a:p>
             <a:pPr lvl="2"/>
             <a:r>
-              <a:rPr lang="en-US" smtClean="0"/>
+              <a:rPr lang="en-US"/>
               <a:t>Third level</a:t>
             </a:r>
           </a:p>
           <a:p>
             <a:pPr lvl="3"/>
             <a:r>
-              <a:rPr lang="en-US" smtClean="0"/>
+              <a:rPr lang="en-US"/>
               <a:t>Fourth level</a:t>
             </a:r>
           </a:p>
           <a:p>
             <a:pPr lvl="4"/>
             <a:r>
-              <a:rPr lang="en-US" smtClean="0"/>
+              <a:rPr lang="en-US"/>
               <a:t>Fifth level</a:t>
             </a:r>
-            <a:endParaRPr lang="en-US"/>
           </a:p>
         </p:txBody>
       </p:sp>
@@ -527,19 +527,19 @@
           <a:lstStyle/>
           <a:p>
             <a:r>
-              <a:rPr lang="en-US" dirty="0" smtClean="0"/>
+              <a:rPr lang="en-US" dirty="0"/>
               <a:t>Phase-field modeling is a </a:t>
             </a:r>
             <a:r>
-              <a:rPr lang="en-US" dirty="0" err="1" smtClean="0"/>
+              <a:rPr lang="en-US" dirty="0" err="1"/>
               <a:t>mathemical</a:t>
             </a:r>
             <a:r>
-              <a:rPr lang="en-US" dirty="0" smtClean="0"/>
+              <a:rPr lang="en-US" dirty="0"/>
               <a:t> model for solving interfacial problems. (Easier def.?)</a:t>
             </a:r>
             <a:r>
-              <a:rPr lang="en-US" baseline="0" dirty="0" smtClean="0"/>
+              <a:rPr lang="en-US" baseline="0" dirty="0"/>
               <a:t> It has a wide range of uses, including: solidification, grain growth, solid-state phase transformations, and vesicle dynamics. </a:t>
             </a:r>
             <a:endParaRPr lang="en-US" dirty="0"/>
@@ -626,7 +626,10 @@
           <a:bodyPr/>
           <a:lstStyle/>
           <a:p>
-            <a:endParaRPr lang="en-US" dirty="0"/>
+            <a:r>
+              <a:rPr lang="en-US" dirty="0"/>
+              <a:t>Time = 0.01 sec</a:t>
+            </a:r>
           </a:p>
         </p:txBody>
       </p:sp>
@@ -647,7 +650,259 @@
           <a:p>
             <a:fld id="{EE8B852E-2CC2-4BFF-A9F5-B5CF0680D6AA}" type="slidenum">
               <a:rPr lang="en-US" smtClean="0"/>
+              <a:t>13</a:t>
+            </a:fld>
+            <a:endParaRPr lang="en-US"/>
+          </a:p>
+        </p:txBody>
+      </p:sp>
+    </p:spTree>
+    <p:extLst>
+      <p:ext uri="{BB962C8B-B14F-4D97-AF65-F5344CB8AC3E}">
+        <p14:creationId xmlns:p14="http://schemas.microsoft.com/office/powerpoint/2010/main" val="414050504"/>
+      </p:ext>
+    </p:extLst>
+  </p:cSld>
+  <p:clrMapOvr>
+    <a:masterClrMapping/>
+  </p:clrMapOvr>
+</p:notes>
+</file>
+
+<file path=ppt/notesSlides/notesSlide11.xml><?xml version="1.0" encoding="utf-8"?>
+<p:notes xmlns:a="http://schemas.openxmlformats.org/drawingml/2006/main" xmlns:r="http://schemas.openxmlformats.org/officeDocument/2006/relationships" xmlns:p="http://schemas.openxmlformats.org/presentationml/2006/main">
+  <p:cSld>
+    <p:spTree>
+      <p:nvGrpSpPr>
+        <p:cNvPr id="1" name=""/>
+        <p:cNvGrpSpPr/>
+        <p:nvPr/>
+      </p:nvGrpSpPr>
+      <p:grpSpPr>
+        <a:xfrm>
+          <a:off x="0" y="0"/>
+          <a:ext cx="0" cy="0"/>
+          <a:chOff x="0" y="0"/>
+          <a:chExt cx="0" cy="0"/>
+        </a:xfrm>
+      </p:grpSpPr>
+      <p:sp>
+        <p:nvSpPr>
+          <p:cNvPr id="2" name="Slide Image Placeholder 1"/>
+          <p:cNvSpPr>
+            <a:spLocks noGrp="1" noRot="1" noChangeAspect="1"/>
+          </p:cNvSpPr>
+          <p:nvPr>
+            <p:ph type="sldImg"/>
+          </p:nvPr>
+        </p:nvSpPr>
+        <p:spPr/>
+      </p:sp>
+      <p:sp>
+        <p:nvSpPr>
+          <p:cNvPr id="3" name="Notes Placeholder 2"/>
+          <p:cNvSpPr>
+            <a:spLocks noGrp="1"/>
+          </p:cNvSpPr>
+          <p:nvPr>
+            <p:ph type="body" idx="1"/>
+          </p:nvPr>
+        </p:nvSpPr>
+        <p:spPr/>
+        <p:txBody>
+          <a:bodyPr/>
+          <a:lstStyle/>
+          <a:p>
+            <a:endParaRPr lang="en-US" dirty="0"/>
+          </a:p>
+        </p:txBody>
+      </p:sp>
+      <p:sp>
+        <p:nvSpPr>
+          <p:cNvPr id="4" name="Slide Number Placeholder 3"/>
+          <p:cNvSpPr>
+            <a:spLocks noGrp="1"/>
+          </p:cNvSpPr>
+          <p:nvPr>
+            <p:ph type="sldNum" sz="quarter" idx="10"/>
+          </p:nvPr>
+        </p:nvSpPr>
+        <p:spPr/>
+        <p:txBody>
+          <a:bodyPr/>
+          <a:lstStyle/>
+          <a:p>
+            <a:fld id="{EE8B852E-2CC2-4BFF-A9F5-B5CF0680D6AA}" type="slidenum">
+              <a:rPr lang="en-US" smtClean="0"/>
+              <a:t>16</a:t>
+            </a:fld>
+            <a:endParaRPr lang="en-US"/>
+          </a:p>
+        </p:txBody>
+      </p:sp>
+    </p:spTree>
+    <p:extLst>
+      <p:ext uri="{BB962C8B-B14F-4D97-AF65-F5344CB8AC3E}">
+        <p14:creationId xmlns:p14="http://schemas.microsoft.com/office/powerpoint/2010/main" val="740315919"/>
+      </p:ext>
+    </p:extLst>
+  </p:cSld>
+  <p:clrMapOvr>
+    <a:masterClrMapping/>
+  </p:clrMapOvr>
+</p:notes>
+</file>
+
+<file path=ppt/notesSlides/notesSlide12.xml><?xml version="1.0" encoding="utf-8"?>
+<p:notes xmlns:a="http://schemas.openxmlformats.org/drawingml/2006/main" xmlns:r="http://schemas.openxmlformats.org/officeDocument/2006/relationships" xmlns:p="http://schemas.openxmlformats.org/presentationml/2006/main">
+  <p:cSld>
+    <p:spTree>
+      <p:nvGrpSpPr>
+        <p:cNvPr id="1" name=""/>
+        <p:cNvGrpSpPr/>
+        <p:nvPr/>
+      </p:nvGrpSpPr>
+      <p:grpSpPr>
+        <a:xfrm>
+          <a:off x="0" y="0"/>
+          <a:ext cx="0" cy="0"/>
+          <a:chOff x="0" y="0"/>
+          <a:chExt cx="0" cy="0"/>
+        </a:xfrm>
+      </p:grpSpPr>
+      <p:sp>
+        <p:nvSpPr>
+          <p:cNvPr id="2" name="Slide Image Placeholder 1"/>
+          <p:cNvSpPr>
+            <a:spLocks noGrp="1" noRot="1" noChangeAspect="1"/>
+          </p:cNvSpPr>
+          <p:nvPr>
+            <p:ph type="sldImg"/>
+          </p:nvPr>
+        </p:nvSpPr>
+        <p:spPr/>
+      </p:sp>
+      <p:sp>
+        <p:nvSpPr>
+          <p:cNvPr id="3" name="Notes Placeholder 2"/>
+          <p:cNvSpPr>
+            <a:spLocks noGrp="1"/>
+          </p:cNvSpPr>
+          <p:nvPr>
+            <p:ph type="body" idx="1"/>
+          </p:nvPr>
+        </p:nvSpPr>
+        <p:spPr/>
+        <p:txBody>
+          <a:bodyPr/>
+          <a:lstStyle/>
+          <a:p>
+            <a:endParaRPr lang="en-US" dirty="0"/>
+          </a:p>
+        </p:txBody>
+      </p:sp>
+      <p:sp>
+        <p:nvSpPr>
+          <p:cNvPr id="4" name="Slide Number Placeholder 3"/>
+          <p:cNvSpPr>
+            <a:spLocks noGrp="1"/>
+          </p:cNvSpPr>
+          <p:nvPr>
+            <p:ph type="sldNum" sz="quarter" idx="10"/>
+          </p:nvPr>
+        </p:nvSpPr>
+        <p:spPr/>
+        <p:txBody>
+          <a:bodyPr/>
+          <a:lstStyle/>
+          <a:p>
+            <a:fld id="{EE8B852E-2CC2-4BFF-A9F5-B5CF0680D6AA}" type="slidenum">
+              <a:rPr lang="en-US" smtClean="0"/>
               <a:t>17</a:t>
+            </a:fld>
+            <a:endParaRPr lang="en-US"/>
+          </a:p>
+        </p:txBody>
+      </p:sp>
+    </p:spTree>
+    <p:extLst>
+      <p:ext uri="{BB962C8B-B14F-4D97-AF65-F5344CB8AC3E}">
+        <p14:creationId xmlns:p14="http://schemas.microsoft.com/office/powerpoint/2010/main" val="754816248"/>
+      </p:ext>
+    </p:extLst>
+  </p:cSld>
+  <p:clrMapOvr>
+    <a:masterClrMapping/>
+  </p:clrMapOvr>
+</p:notes>
+</file>
+
+<file path=ppt/notesSlides/notesSlide13.xml><?xml version="1.0" encoding="utf-8"?>
+<p:notes xmlns:a="http://schemas.openxmlformats.org/drawingml/2006/main" xmlns:r="http://schemas.openxmlformats.org/officeDocument/2006/relationships" xmlns:p="http://schemas.openxmlformats.org/presentationml/2006/main">
+  <p:cSld>
+    <p:spTree>
+      <p:nvGrpSpPr>
+        <p:cNvPr id="1" name=""/>
+        <p:cNvGrpSpPr/>
+        <p:nvPr/>
+      </p:nvGrpSpPr>
+      <p:grpSpPr>
+        <a:xfrm>
+          <a:off x="0" y="0"/>
+          <a:ext cx="0" cy="0"/>
+          <a:chOff x="0" y="0"/>
+          <a:chExt cx="0" cy="0"/>
+        </a:xfrm>
+      </p:grpSpPr>
+      <p:sp>
+        <p:nvSpPr>
+          <p:cNvPr id="2" name="Slide Image Placeholder 1"/>
+          <p:cNvSpPr>
+            <a:spLocks noGrp="1" noRot="1" noChangeAspect="1"/>
+          </p:cNvSpPr>
+          <p:nvPr>
+            <p:ph type="sldImg"/>
+          </p:nvPr>
+        </p:nvSpPr>
+        <p:spPr/>
+      </p:sp>
+      <p:sp>
+        <p:nvSpPr>
+          <p:cNvPr id="3" name="Notes Placeholder 2"/>
+          <p:cNvSpPr>
+            <a:spLocks noGrp="1"/>
+          </p:cNvSpPr>
+          <p:nvPr>
+            <p:ph type="body" idx="1"/>
+          </p:nvPr>
+        </p:nvSpPr>
+        <p:spPr/>
+        <p:txBody>
+          <a:bodyPr/>
+          <a:lstStyle/>
+          <a:p>
+            <a:endParaRPr lang="en-US" dirty="0"/>
+          </a:p>
+        </p:txBody>
+      </p:sp>
+      <p:sp>
+        <p:nvSpPr>
+          <p:cNvPr id="4" name="Slide Number Placeholder 3"/>
+          <p:cNvSpPr>
+            <a:spLocks noGrp="1"/>
+          </p:cNvSpPr>
+          <p:nvPr>
+            <p:ph type="sldNum" sz="quarter" idx="10"/>
+          </p:nvPr>
+        </p:nvSpPr>
+        <p:spPr/>
+        <p:txBody>
+          <a:bodyPr/>
+          <a:lstStyle/>
+          <a:p>
+            <a:fld id="{EE8B852E-2CC2-4BFF-A9F5-B5CF0680D6AA}" type="slidenum">
+              <a:rPr lang="en-US" smtClean="0"/>
+              <a:t>18</a:t>
             </a:fld>
             <a:endParaRPr lang="en-US"/>
           </a:p>
@@ -711,11 +966,11 @@
           <a:lstStyle/>
           <a:p>
             <a:r>
-              <a:rPr lang="en-US" dirty="0" smtClean="0"/>
+              <a:rPr lang="en-US" dirty="0"/>
               <a:t>There are many benefits to the finite element</a:t>
             </a:r>
             <a:r>
-              <a:rPr lang="en-US" baseline="0" dirty="0" smtClean="0"/>
+              <a:rPr lang="en-US" baseline="0" dirty="0"/>
               <a:t> method of analysis. For example, it’s able to account for complex shapes and it can easily be modified to change the mesh or solve different equations. However, it’s not so easy to code from scratch and it’s conceptually much more difficult than finite difference methods. </a:t>
             </a:r>
             <a:endParaRPr lang="en-US" dirty="0"/>
@@ -803,19 +1058,19 @@
           <a:lstStyle/>
           <a:p>
             <a:r>
-              <a:rPr lang="en-US" dirty="0" smtClean="0"/>
+              <a:rPr lang="en-US" dirty="0"/>
               <a:t>Finite</a:t>
             </a:r>
             <a:r>
-              <a:rPr lang="en-US" baseline="0" dirty="0" smtClean="0"/>
+              <a:rPr lang="en-US" baseline="0" dirty="0"/>
               <a:t> Element analysis is behind some of the most accurate and efficient numerical methods to date. Finite element analysis involves the conversion of the strong form PDE to the weak integral form. The domain is then discretized into elements from which an approximate numerical solution can be obtain through shape, or weight, function.  </a:t>
             </a:r>
             <a:r>
-              <a:rPr lang="en-US" dirty="0" smtClean="0"/>
+              <a:rPr lang="en-US" dirty="0"/>
               <a:t>The finer</a:t>
             </a:r>
             <a:r>
-              <a:rPr lang="en-US" baseline="0" dirty="0" smtClean="0"/>
+              <a:rPr lang="en-US" baseline="0" dirty="0"/>
               <a:t> the discretization, the closer the approximate solution gets to the actual solution. </a:t>
             </a:r>
             <a:endParaRPr lang="en-US" dirty="0"/>
@@ -902,6 +1157,23 @@
           <a:bodyPr/>
           <a:lstStyle/>
           <a:p>
+            <a:r>
+              <a:rPr lang="en-US" dirty="0"/>
+              <a:t>G(phi) is a combination of surface energy and driving force for the interface.</a:t>
+            </a:r>
+          </a:p>
+          <a:p>
+            <a:r>
+              <a:rPr lang="en-US" dirty="0"/>
+              <a:t>For</a:t>
+            </a:r>
+            <a:r>
+              <a:rPr lang="en-US" baseline="0" dirty="0"/>
+              <a:t> simplicity, we set surface energy to 1, hence making interface isotropic. </a:t>
+            </a:r>
+            <a:endParaRPr lang="en-US" dirty="0"/>
+          </a:p>
+          <a:p>
             <a:endParaRPr lang="en-US" dirty="0"/>
           </a:p>
         </p:txBody>
@@ -923,7 +1195,7 @@
           <a:p>
             <a:fld id="{EE8B852E-2CC2-4BFF-A9F5-B5CF0680D6AA}" type="slidenum">
               <a:rPr lang="en-US" smtClean="0"/>
-              <a:t>8</a:t>
+              <a:t>6</a:t>
             </a:fld>
             <a:endParaRPr lang="en-US"/>
           </a:p>
@@ -932,7 +1204,7 @@
     </p:spTree>
     <p:extLst>
       <p:ext uri="{BB962C8B-B14F-4D97-AF65-F5344CB8AC3E}">
-        <p14:creationId xmlns:p14="http://schemas.microsoft.com/office/powerpoint/2010/main" val="3352228282"/>
+        <p14:creationId xmlns:p14="http://schemas.microsoft.com/office/powerpoint/2010/main" val="2861426960"/>
       </p:ext>
     </p:extLst>
   </p:cSld>
@@ -986,14 +1258,6 @@
           <a:bodyPr/>
           <a:lstStyle/>
           <a:p>
-            <a:r>
-              <a:rPr lang="en-US" dirty="0" smtClean="0"/>
-              <a:t>We end up with</a:t>
-            </a:r>
-            <a:r>
-              <a:rPr lang="en-US" baseline="0" dirty="0" smtClean="0"/>
-              <a:t> a system of equations </a:t>
-            </a:r>
             <a:endParaRPr lang="en-US" dirty="0"/>
           </a:p>
         </p:txBody>
@@ -1015,7 +1279,7 @@
           <a:p>
             <a:fld id="{EE8B852E-2CC2-4BFF-A9F5-B5CF0680D6AA}" type="slidenum">
               <a:rPr lang="en-US" smtClean="0"/>
-              <a:t>9</a:t>
+              <a:t>8</a:t>
             </a:fld>
             <a:endParaRPr lang="en-US"/>
           </a:p>
@@ -1024,7 +1288,7 @@
     </p:spTree>
     <p:extLst>
       <p:ext uri="{BB962C8B-B14F-4D97-AF65-F5344CB8AC3E}">
-        <p14:creationId xmlns:p14="http://schemas.microsoft.com/office/powerpoint/2010/main" val="2098372765"/>
+        <p14:creationId xmlns:p14="http://schemas.microsoft.com/office/powerpoint/2010/main" val="3352228282"/>
       </p:ext>
     </p:extLst>
   </p:cSld>
@@ -1079,24 +1343,12 @@
           <a:lstStyle/>
           <a:p>
             <a:r>
-              <a:rPr lang="en-US" dirty="0" err="1" smtClean="0"/>
-              <a:t>Xiukun</a:t>
-            </a:r>
-            <a:r>
-              <a:rPr lang="en-US" dirty="0" smtClean="0"/>
-              <a:t> can talk about</a:t>
-            </a:r>
-            <a:r>
-              <a:rPr lang="en-US" baseline="0" dirty="0" smtClean="0"/>
-              <a:t> </a:t>
-            </a:r>
-            <a:r>
-              <a:rPr lang="en-US" baseline="0" dirty="0" err="1" smtClean="0"/>
-              <a:t>Matlab</a:t>
-            </a:r>
-            <a:r>
-              <a:rPr lang="en-US" baseline="0" dirty="0" smtClean="0"/>
-              <a:t> code</a:t>
+              <a:rPr lang="en-US" dirty="0"/>
+              <a:t>We end up with</a:t>
+            </a:r>
+            <a:r>
+              <a:rPr lang="en-US" baseline="0" dirty="0"/>
+              <a:t> a system of equations </a:t>
             </a:r>
             <a:endParaRPr lang="en-US" dirty="0"/>
           </a:p>
@@ -1119,7 +1371,7 @@
           <a:p>
             <a:fld id="{EE8B852E-2CC2-4BFF-A9F5-B5CF0680D6AA}" type="slidenum">
               <a:rPr lang="en-US" smtClean="0"/>
-              <a:t>10</a:t>
+              <a:t>9</a:t>
             </a:fld>
             <a:endParaRPr lang="en-US"/>
           </a:p>
@@ -1128,7 +1380,7 @@
     </p:spTree>
     <p:extLst>
       <p:ext uri="{BB962C8B-B14F-4D97-AF65-F5344CB8AC3E}">
-        <p14:creationId xmlns:p14="http://schemas.microsoft.com/office/powerpoint/2010/main" val="577222483"/>
+        <p14:creationId xmlns:p14="http://schemas.microsoft.com/office/powerpoint/2010/main" val="2098372765"/>
       </p:ext>
     </p:extLst>
   </p:cSld>
@@ -1182,14 +1434,6 @@
           <a:bodyPr/>
           <a:lstStyle/>
           <a:p>
-            <a:r>
-              <a:rPr lang="en-US" dirty="0" smtClean="0"/>
-              <a:t>Not considering g(phi). Red square is equal</a:t>
-            </a:r>
-            <a:r>
-              <a:rPr lang="en-US" baseline="0" dirty="0" smtClean="0"/>
-              <a:t> to one, everything else is equal to zero. </a:t>
-            </a:r>
             <a:endParaRPr lang="en-US" dirty="0"/>
           </a:p>
         </p:txBody>
@@ -1211,7 +1455,7 @@
           <a:p>
             <a:fld id="{EE8B852E-2CC2-4BFF-A9F5-B5CF0680D6AA}" type="slidenum">
               <a:rPr lang="en-US" smtClean="0"/>
-              <a:t>11</a:t>
+              <a:t>10</a:t>
             </a:fld>
             <a:endParaRPr lang="en-US"/>
           </a:p>
@@ -1220,7 +1464,7 @@
     </p:spTree>
     <p:extLst>
       <p:ext uri="{BB962C8B-B14F-4D97-AF65-F5344CB8AC3E}">
-        <p14:creationId xmlns:p14="http://schemas.microsoft.com/office/powerpoint/2010/main" val="1995964634"/>
+        <p14:creationId xmlns:p14="http://schemas.microsoft.com/office/powerpoint/2010/main" val="2124797397"/>
       </p:ext>
     </p:extLst>
   </p:cSld>
@@ -1275,8 +1519,24 @@
           <a:lstStyle/>
           <a:p>
             <a:r>
-              <a:rPr lang="en-US" dirty="0" smtClean="0"/>
-              <a:t>Phase 2 involves the incorporation of g(phi). This is currently on-going work. </a:t>
+              <a:rPr lang="en-US" dirty="0" err="1"/>
+              <a:t>Xiukun</a:t>
+            </a:r>
+            <a:r>
+              <a:rPr lang="en-US" dirty="0"/>
+              <a:t> can talk about</a:t>
+            </a:r>
+            <a:r>
+              <a:rPr lang="en-US" baseline="0" dirty="0"/>
+              <a:t> </a:t>
+            </a:r>
+            <a:r>
+              <a:rPr lang="en-US" baseline="0" dirty="0" err="1"/>
+              <a:t>Matlab</a:t>
+            </a:r>
+            <a:r>
+              <a:rPr lang="en-US" baseline="0" dirty="0"/>
+              <a:t> code</a:t>
             </a:r>
             <a:endParaRPr lang="en-US" dirty="0"/>
           </a:p>
@@ -1299,7 +1559,7 @@
           <a:p>
             <a:fld id="{EE8B852E-2CC2-4BFF-A9F5-B5CF0680D6AA}" type="slidenum">
               <a:rPr lang="en-US" smtClean="0"/>
-              <a:t>15</a:t>
+              <a:t>11</a:t>
             </a:fld>
             <a:endParaRPr lang="en-US"/>
           </a:p>
@@ -1308,7 +1568,7 @@
     </p:spTree>
     <p:extLst>
       <p:ext uri="{BB962C8B-B14F-4D97-AF65-F5344CB8AC3E}">
-        <p14:creationId xmlns:p14="http://schemas.microsoft.com/office/powerpoint/2010/main" val="740315919"/>
+        <p14:creationId xmlns:p14="http://schemas.microsoft.com/office/powerpoint/2010/main" val="577222483"/>
       </p:ext>
     </p:extLst>
   </p:cSld>
@@ -1362,6 +1622,14 @@
           <a:bodyPr/>
           <a:lstStyle/>
           <a:p>
+            <a:r>
+              <a:rPr lang="en-US" dirty="0"/>
+              <a:t>Not considering g(phi). Red square is equal</a:t>
+            </a:r>
+            <a:r>
+              <a:rPr lang="en-US" baseline="0" dirty="0"/>
+              <a:t> to one, everything else is equal to zero. </a:t>
+            </a:r>
             <a:endParaRPr lang="en-US" dirty="0"/>
           </a:p>
         </p:txBody>
@@ -1383,7 +1651,7 @@
           <a:p>
             <a:fld id="{EE8B852E-2CC2-4BFF-A9F5-B5CF0680D6AA}" type="slidenum">
               <a:rPr lang="en-US" smtClean="0"/>
-              <a:t>16</a:t>
+              <a:t>12</a:t>
             </a:fld>
             <a:endParaRPr lang="en-US"/>
           </a:p>
@@ -1392,7 +1660,7 @@
     </p:spTree>
     <p:extLst>
       <p:ext uri="{BB962C8B-B14F-4D97-AF65-F5344CB8AC3E}">
-        <p14:creationId xmlns:p14="http://schemas.microsoft.com/office/powerpoint/2010/main" val="754816248"/>
+        <p14:creationId xmlns:p14="http://schemas.microsoft.com/office/powerpoint/2010/main" val="1995964634"/>
       </p:ext>
     </p:extLst>
   </p:cSld>
@@ -1484,7 +1752,7 @@
           </a:lstStyle>
           <a:p>
             <a:r>
-              <a:rPr lang="en-US" smtClean="0"/>
+              <a:rPr lang="en-US"/>
               <a:t>Click to edit Master title style</a:t>
             </a:r>
             <a:endParaRPr lang="en-US" dirty="0"/>
@@ -1564,7 +1832,7 @@
           </a:lstStyle>
           <a:p>
             <a:r>
-              <a:rPr lang="en-US" smtClean="0"/>
+              <a:rPr lang="en-US"/>
               <a:t>Click to edit Master subtitle style</a:t>
             </a:r>
             <a:endParaRPr lang="en-US" dirty="0"/>
@@ -1593,7 +1861,7 @@
             <a:fld id="{96DFF08F-DC6B-4601-B491-B0F83F6DD2DA}" type="datetimeFigureOut">
               <a:rPr lang="en-US" smtClean="0"/>
               <a:pPr/>
-              <a:t>12/7/16</a:t>
+              <a:t>12/7/2016</a:t>
             </a:fld>
             <a:endParaRPr lang="en-US" dirty="0"/>
           </a:p>
@@ -1722,7 +1990,7 @@
           <a:lstStyle/>
           <a:p>
             <a:r>
-              <a:rPr lang="en-US" smtClean="0"/>
+              <a:rPr lang="en-US"/>
               <a:t>Click to edit Master title style</a:t>
             </a:r>
             <a:endParaRPr lang="en-US" dirty="0"/>
@@ -1746,35 +2014,35 @@
           <a:p>
             <a:pPr lvl="0"/>
             <a:r>
-              <a:rPr lang="en-US" smtClean="0"/>
+              <a:rPr lang="en-US"/>
               <a:t>Edit Master text styles</a:t>
             </a:r>
           </a:p>
           <a:p>
             <a:pPr lvl="1"/>
             <a:r>
-              <a:rPr lang="en-US" smtClean="0"/>
+              <a:rPr lang="en-US"/>
               <a:t>Second level</a:t>
             </a:r>
           </a:p>
           <a:p>
             <a:pPr lvl="2"/>
             <a:r>
-              <a:rPr lang="en-US" smtClean="0"/>
+              <a:rPr lang="en-US"/>
               <a:t>Third level</a:t>
             </a:r>
           </a:p>
           <a:p>
             <a:pPr lvl="3"/>
             <a:r>
-              <a:rPr lang="en-US" smtClean="0"/>
+              <a:rPr lang="en-US"/>
               <a:t>Fourth level</a:t>
             </a:r>
           </a:p>
           <a:p>
             <a:pPr lvl="4"/>
             <a:r>
-              <a:rPr lang="en-US" smtClean="0"/>
+              <a:rPr lang="en-US"/>
               <a:t>Fifth level</a:t>
             </a:r>
             <a:endParaRPr lang="en-US" dirty="0"/>
@@ -1798,7 +2066,7 @@
           <a:p>
             <a:fld id="{96DFF08F-DC6B-4601-B491-B0F83F6DD2DA}" type="datetimeFigureOut">
               <a:rPr lang="en-US" smtClean="0"/>
-              <a:t>12/7/16</a:t>
+              <a:t>12/7/2016</a:t>
             </a:fld>
             <a:endParaRPr lang="en-US" dirty="0"/>
           </a:p>
@@ -1897,7 +2165,7 @@
           <a:lstStyle/>
           <a:p>
             <a:r>
-              <a:rPr lang="en-US" smtClean="0"/>
+              <a:rPr lang="en-US"/>
               <a:t>Click to edit Master title style</a:t>
             </a:r>
             <a:endParaRPr lang="en-US" dirty="0"/>
@@ -1926,35 +2194,35 @@
           <a:p>
             <a:pPr lvl="0"/>
             <a:r>
-              <a:rPr lang="en-US" smtClean="0"/>
+              <a:rPr lang="en-US"/>
               <a:t>Edit Master text styles</a:t>
             </a:r>
           </a:p>
           <a:p>
             <a:pPr lvl="1"/>
             <a:r>
-              <a:rPr lang="en-US" smtClean="0"/>
+              <a:rPr lang="en-US"/>
               <a:t>Second level</a:t>
             </a:r>
           </a:p>
           <a:p>
             <a:pPr lvl="2"/>
             <a:r>
-              <a:rPr lang="en-US" smtClean="0"/>
+              <a:rPr lang="en-US"/>
               <a:t>Third level</a:t>
             </a:r>
           </a:p>
           <a:p>
             <a:pPr lvl="3"/>
             <a:r>
-              <a:rPr lang="en-US" smtClean="0"/>
+              <a:rPr lang="en-US"/>
               <a:t>Fourth level</a:t>
             </a:r>
           </a:p>
           <a:p>
             <a:pPr lvl="4"/>
             <a:r>
-              <a:rPr lang="en-US" smtClean="0"/>
+              <a:rPr lang="en-US"/>
               <a:t>Fifth level</a:t>
             </a:r>
             <a:endParaRPr lang="en-US" dirty="0"/>
@@ -1978,7 +2246,7 @@
           <a:p>
             <a:fld id="{96DFF08F-DC6B-4601-B491-B0F83F6DD2DA}" type="datetimeFigureOut">
               <a:rPr lang="en-US" smtClean="0"/>
-              <a:t>12/7/16</a:t>
+              <a:t>12/7/2016</a:t>
             </a:fld>
             <a:endParaRPr lang="en-US" dirty="0"/>
           </a:p>
@@ -2107,7 +2375,7 @@
           <a:lstStyle/>
           <a:p>
             <a:r>
-              <a:rPr lang="en-US" smtClean="0"/>
+              <a:rPr lang="en-US"/>
               <a:t>Click to edit Master title style</a:t>
             </a:r>
             <a:endParaRPr lang="en-US" dirty="0"/>
@@ -2131,35 +2399,35 @@
           <a:p>
             <a:pPr lvl="0"/>
             <a:r>
-              <a:rPr lang="en-US" smtClean="0"/>
+              <a:rPr lang="en-US"/>
               <a:t>Edit Master text styles</a:t>
             </a:r>
           </a:p>
           <a:p>
             <a:pPr lvl="1"/>
             <a:r>
-              <a:rPr lang="en-US" smtClean="0"/>
+              <a:rPr lang="en-US"/>
               <a:t>Second level</a:t>
             </a:r>
           </a:p>
           <a:p>
             <a:pPr lvl="2"/>
             <a:r>
-              <a:rPr lang="en-US" smtClean="0"/>
+              <a:rPr lang="en-US"/>
               <a:t>Third level</a:t>
             </a:r>
           </a:p>
           <a:p>
             <a:pPr lvl="3"/>
             <a:r>
-              <a:rPr lang="en-US" smtClean="0"/>
+              <a:rPr lang="en-US"/>
               <a:t>Fourth level</a:t>
             </a:r>
           </a:p>
           <a:p>
             <a:pPr lvl="4"/>
             <a:r>
-              <a:rPr lang="en-US" smtClean="0"/>
+              <a:rPr lang="en-US"/>
               <a:t>Fifth level</a:t>
             </a:r>
             <a:endParaRPr lang="en-US" dirty="0"/>
@@ -2183,7 +2451,7 @@
           <a:p>
             <a:fld id="{96DFF08F-DC6B-4601-B491-B0F83F6DD2DA}" type="datetimeFigureOut">
               <a:rPr lang="en-US" smtClean="0"/>
-              <a:t>12/7/16</a:t>
+              <a:t>12/7/2016</a:t>
             </a:fld>
             <a:endParaRPr lang="en-US" dirty="0"/>
           </a:p>
@@ -2326,7 +2594,7 @@
           </a:lstStyle>
           <a:p>
             <a:r>
-              <a:rPr lang="en-US" smtClean="0"/>
+              <a:rPr lang="en-US"/>
               <a:t>Click to edit Master title style</a:t>
             </a:r>
             <a:endParaRPr lang="en-US" dirty="0"/>
@@ -2455,7 +2723,7 @@
           <a:p>
             <a:pPr lvl="0"/>
             <a:r>
-              <a:rPr lang="en-US" smtClean="0"/>
+              <a:rPr lang="en-US"/>
               <a:t>Edit Master text styles</a:t>
             </a:r>
           </a:p>
@@ -2478,7 +2746,7 @@
           <a:p>
             <a:fld id="{96DFF08F-DC6B-4601-B491-B0F83F6DD2DA}" type="datetimeFigureOut">
               <a:rPr lang="en-US" smtClean="0"/>
-              <a:t>12/7/16</a:t>
+              <a:t>12/7/2016</a:t>
             </a:fld>
             <a:endParaRPr lang="en-US" dirty="0"/>
           </a:p>
@@ -2612,7 +2880,7 @@
           <a:lstStyle/>
           <a:p>
             <a:r>
-              <a:rPr lang="en-US" smtClean="0"/>
+              <a:rPr lang="en-US"/>
               <a:t>Click to edit Master title style</a:t>
             </a:r>
             <a:endParaRPr lang="en-US" dirty="0"/>
@@ -2641,35 +2909,35 @@
           <a:p>
             <a:pPr lvl="0"/>
             <a:r>
-              <a:rPr lang="en-US" smtClean="0"/>
+              <a:rPr lang="en-US"/>
               <a:t>Edit Master text styles</a:t>
             </a:r>
           </a:p>
           <a:p>
             <a:pPr lvl="1"/>
             <a:r>
-              <a:rPr lang="en-US" smtClean="0"/>
+              <a:rPr lang="en-US"/>
               <a:t>Second level</a:t>
             </a:r>
           </a:p>
           <a:p>
             <a:pPr lvl="2"/>
             <a:r>
-              <a:rPr lang="en-US" smtClean="0"/>
+              <a:rPr lang="en-US"/>
               <a:t>Third level</a:t>
             </a:r>
           </a:p>
           <a:p>
             <a:pPr lvl="3"/>
             <a:r>
-              <a:rPr lang="en-US" smtClean="0"/>
+              <a:rPr lang="en-US"/>
               <a:t>Fourth level</a:t>
             </a:r>
           </a:p>
           <a:p>
             <a:pPr lvl="4"/>
             <a:r>
-              <a:rPr lang="en-US" smtClean="0"/>
+              <a:rPr lang="en-US"/>
               <a:t>Fifth level</a:t>
             </a:r>
             <a:endParaRPr lang="en-US" dirty="0"/>
@@ -2698,35 +2966,35 @@
           <a:p>
             <a:pPr lvl="0"/>
             <a:r>
-              <a:rPr lang="en-US" smtClean="0"/>
+              <a:rPr lang="en-US"/>
               <a:t>Edit Master text styles</a:t>
             </a:r>
           </a:p>
           <a:p>
             <a:pPr lvl="1"/>
             <a:r>
-              <a:rPr lang="en-US" smtClean="0"/>
+              <a:rPr lang="en-US"/>
               <a:t>Second level</a:t>
             </a:r>
           </a:p>
           <a:p>
             <a:pPr lvl="2"/>
             <a:r>
-              <a:rPr lang="en-US" smtClean="0"/>
+              <a:rPr lang="en-US"/>
               <a:t>Third level</a:t>
             </a:r>
           </a:p>
           <a:p>
             <a:pPr lvl="3"/>
             <a:r>
-              <a:rPr lang="en-US" smtClean="0"/>
+              <a:rPr lang="en-US"/>
               <a:t>Fourth level</a:t>
             </a:r>
           </a:p>
           <a:p>
             <a:pPr lvl="4"/>
             <a:r>
-              <a:rPr lang="en-US" smtClean="0"/>
+              <a:rPr lang="en-US"/>
               <a:t>Fifth level</a:t>
             </a:r>
             <a:endParaRPr lang="en-US" dirty="0"/>
@@ -2750,7 +3018,7 @@
           <a:p>
             <a:fld id="{96DFF08F-DC6B-4601-B491-B0F83F6DD2DA}" type="datetimeFigureOut">
               <a:rPr lang="en-US" smtClean="0"/>
-              <a:t>12/7/16</a:t>
+              <a:t>12/7/2016</a:t>
             </a:fld>
             <a:endParaRPr lang="en-US" dirty="0"/>
           </a:p>
@@ -2849,7 +3117,7 @@
           <a:lstStyle/>
           <a:p>
             <a:r>
-              <a:rPr lang="en-US" smtClean="0"/>
+              <a:rPr lang="en-US"/>
               <a:t>Click to edit Master title style</a:t>
             </a:r>
             <a:endParaRPr lang="en-US" dirty="0"/>
@@ -2930,7 +3198,7 @@
           <a:p>
             <a:pPr lvl="0"/>
             <a:r>
-              <a:rPr lang="en-US" smtClean="0"/>
+              <a:rPr lang="en-US"/>
               <a:t>Edit Master text styles</a:t>
             </a:r>
           </a:p>
@@ -2958,35 +3226,35 @@
           <a:p>
             <a:pPr lvl="0"/>
             <a:r>
-              <a:rPr lang="en-US" smtClean="0"/>
+              <a:rPr lang="en-US"/>
               <a:t>Edit Master text styles</a:t>
             </a:r>
           </a:p>
           <a:p>
             <a:pPr lvl="1"/>
             <a:r>
-              <a:rPr lang="en-US" smtClean="0"/>
+              <a:rPr lang="en-US"/>
               <a:t>Second level</a:t>
             </a:r>
           </a:p>
           <a:p>
             <a:pPr lvl="2"/>
             <a:r>
-              <a:rPr lang="en-US" smtClean="0"/>
+              <a:rPr lang="en-US"/>
               <a:t>Third level</a:t>
             </a:r>
           </a:p>
           <a:p>
             <a:pPr lvl="3"/>
             <a:r>
-              <a:rPr lang="en-US" smtClean="0"/>
+              <a:rPr lang="en-US"/>
               <a:t>Fourth level</a:t>
             </a:r>
           </a:p>
           <a:p>
             <a:pPr lvl="4"/>
             <a:r>
-              <a:rPr lang="en-US" smtClean="0"/>
+              <a:rPr lang="en-US"/>
               <a:t>Fifth level</a:t>
             </a:r>
             <a:endParaRPr lang="en-US" dirty="0"/>
@@ -3077,7 +3345,7 @@
               <a:buNone/>
             </a:pPr>
             <a:r>
-              <a:rPr lang="en-US" smtClean="0"/>
+              <a:rPr lang="en-US"/>
               <a:t>Edit Master text styles</a:t>
             </a:r>
           </a:p>
@@ -3105,35 +3373,35 @@
           <a:p>
             <a:pPr lvl="0"/>
             <a:r>
-              <a:rPr lang="en-US" smtClean="0"/>
+              <a:rPr lang="en-US"/>
               <a:t>Edit Master text styles</a:t>
             </a:r>
           </a:p>
           <a:p>
             <a:pPr lvl="1"/>
             <a:r>
-              <a:rPr lang="en-US" smtClean="0"/>
+              <a:rPr lang="en-US"/>
               <a:t>Second level</a:t>
             </a:r>
           </a:p>
           <a:p>
             <a:pPr lvl="2"/>
             <a:r>
-              <a:rPr lang="en-US" smtClean="0"/>
+              <a:rPr lang="en-US"/>
               <a:t>Third level</a:t>
             </a:r>
           </a:p>
           <a:p>
             <a:pPr lvl="3"/>
             <a:r>
-              <a:rPr lang="en-US" smtClean="0"/>
+              <a:rPr lang="en-US"/>
               <a:t>Fourth level</a:t>
             </a:r>
           </a:p>
           <a:p>
             <a:pPr lvl="4"/>
             <a:r>
-              <a:rPr lang="en-US" smtClean="0"/>
+              <a:rPr lang="en-US"/>
               <a:t>Fifth level</a:t>
             </a:r>
             <a:endParaRPr lang="en-US" dirty="0"/>
@@ -3157,7 +3425,7 @@
           <a:p>
             <a:fld id="{96DFF08F-DC6B-4601-B491-B0F83F6DD2DA}" type="datetimeFigureOut">
               <a:rPr lang="en-US" smtClean="0"/>
-              <a:t>12/7/16</a:t>
+              <a:t>12/7/2016</a:t>
             </a:fld>
             <a:endParaRPr lang="en-US" dirty="0"/>
           </a:p>
@@ -3251,7 +3519,7 @@
           <a:lstStyle/>
           <a:p>
             <a:r>
-              <a:rPr lang="en-US" smtClean="0"/>
+              <a:rPr lang="en-US"/>
               <a:t>Click to edit Master title style</a:t>
             </a:r>
             <a:endParaRPr lang="en-US" dirty="0"/>
@@ -3275,7 +3543,7 @@
           <a:p>
             <a:fld id="{96DFF08F-DC6B-4601-B491-B0F83F6DD2DA}" type="datetimeFigureOut">
               <a:rPr lang="en-US" smtClean="0"/>
-              <a:t>12/7/16</a:t>
+              <a:t>12/7/2016</a:t>
             </a:fld>
             <a:endParaRPr lang="en-US" dirty="0"/>
           </a:p>
@@ -3370,7 +3638,7 @@
           <a:p>
             <a:fld id="{96DFF08F-DC6B-4601-B491-B0F83F6DD2DA}" type="datetimeFigureOut">
               <a:rPr lang="en-US" smtClean="0"/>
-              <a:t>12/7/16</a:t>
+              <a:t>12/7/2016</a:t>
             </a:fld>
             <a:endParaRPr lang="en-US" dirty="0"/>
           </a:p>
@@ -3478,7 +3746,7 @@
           </a:lstStyle>
           <a:p>
             <a:r>
-              <a:rPr lang="en-US" smtClean="0"/>
+              <a:rPr lang="en-US"/>
               <a:t>Click to edit Master title style</a:t>
             </a:r>
             <a:endParaRPr lang="en-US" dirty="0"/>
@@ -3535,35 +3803,35 @@
           <a:p>
             <a:pPr lvl="0"/>
             <a:r>
-              <a:rPr lang="en-US" smtClean="0"/>
+              <a:rPr lang="en-US"/>
               <a:t>Edit Master text styles</a:t>
             </a:r>
           </a:p>
           <a:p>
             <a:pPr lvl="1"/>
             <a:r>
-              <a:rPr lang="en-US" smtClean="0"/>
+              <a:rPr lang="en-US"/>
               <a:t>Second level</a:t>
             </a:r>
           </a:p>
           <a:p>
             <a:pPr lvl="2"/>
             <a:r>
-              <a:rPr lang="en-US" smtClean="0"/>
+              <a:rPr lang="en-US"/>
               <a:t>Third level</a:t>
             </a:r>
           </a:p>
           <a:p>
             <a:pPr lvl="3"/>
             <a:r>
-              <a:rPr lang="en-US" smtClean="0"/>
+              <a:rPr lang="en-US"/>
               <a:t>Fourth level</a:t>
             </a:r>
           </a:p>
           <a:p>
             <a:pPr lvl="4"/>
             <a:r>
-              <a:rPr lang="en-US" smtClean="0"/>
+              <a:rPr lang="en-US"/>
               <a:t>Fifth level</a:t>
             </a:r>
             <a:endParaRPr lang="en-US" dirty="0"/>
@@ -3637,7 +3905,7 @@
           <a:p>
             <a:pPr lvl="0"/>
             <a:r>
-              <a:rPr lang="en-US" smtClean="0"/>
+              <a:rPr lang="en-US"/>
               <a:t>Edit Master text styles</a:t>
             </a:r>
           </a:p>
@@ -3660,7 +3928,7 @@
           <a:p>
             <a:fld id="{96DFF08F-DC6B-4601-B491-B0F83F6DD2DA}" type="datetimeFigureOut">
               <a:rPr lang="en-US" smtClean="0"/>
-              <a:t>12/7/16</a:t>
+              <a:t>12/7/2016</a:t>
             </a:fld>
             <a:endParaRPr lang="en-US" dirty="0"/>
           </a:p>
@@ -3765,7 +4033,7 @@
           </a:lstStyle>
           <a:p>
             <a:r>
-              <a:rPr lang="en-US" smtClean="0"/>
+              <a:rPr lang="en-US"/>
               <a:t>Click to edit Master title style</a:t>
             </a:r>
             <a:endParaRPr lang="en-US" dirty="0"/>
@@ -3836,7 +4104,7 @@
           </a:lstStyle>
           <a:p>
             <a:r>
-              <a:rPr lang="en-US" smtClean="0"/>
+              <a:rPr lang="en-US"/>
               <a:t>Click icon to add picture</a:t>
             </a:r>
             <a:endParaRPr lang="en-US" dirty="0"/>
@@ -3917,7 +4185,7 @@
           <a:p>
             <a:pPr lvl="0"/>
             <a:r>
-              <a:rPr lang="en-US" smtClean="0"/>
+              <a:rPr lang="en-US"/>
               <a:t>Edit Master text styles</a:t>
             </a:r>
           </a:p>
@@ -3940,7 +4208,7 @@
           <a:p>
             <a:fld id="{C7616CA0-919D-4A49-9C8A-62FDFB3A5183}" type="datetimeFigureOut">
               <a:rPr lang="en-US" smtClean="0"/>
-              <a:t>12/7/16</a:t>
+              <a:t>12/7/2016</a:t>
             </a:fld>
             <a:endParaRPr lang="en-US" dirty="0"/>
           </a:p>
@@ -4084,7 +4352,7 @@
           <a:lstStyle/>
           <a:p>
             <a:r>
-              <a:rPr lang="en-US" smtClean="0"/>
+              <a:rPr lang="en-US"/>
               <a:t>Click to edit Master title style</a:t>
             </a:r>
             <a:endParaRPr lang="en-US" dirty="0"/>
@@ -4118,35 +4386,35 @@
           <a:p>
             <a:pPr lvl="0"/>
             <a:r>
-              <a:rPr lang="en-US" smtClean="0"/>
+              <a:rPr lang="en-US"/>
               <a:t>Edit Master text styles</a:t>
             </a:r>
           </a:p>
           <a:p>
             <a:pPr lvl="1"/>
             <a:r>
-              <a:rPr lang="en-US" smtClean="0"/>
+              <a:rPr lang="en-US"/>
               <a:t>Second level</a:t>
             </a:r>
           </a:p>
           <a:p>
             <a:pPr lvl="2"/>
             <a:r>
-              <a:rPr lang="en-US" smtClean="0"/>
+              <a:rPr lang="en-US"/>
               <a:t>Third level</a:t>
             </a:r>
           </a:p>
           <a:p>
             <a:pPr lvl="3"/>
             <a:r>
-              <a:rPr lang="en-US" smtClean="0"/>
+              <a:rPr lang="en-US"/>
               <a:t>Fourth level</a:t>
             </a:r>
           </a:p>
           <a:p>
             <a:pPr lvl="4"/>
             <a:r>
-              <a:rPr lang="en-US" smtClean="0"/>
+              <a:rPr lang="en-US"/>
               <a:t>Fifth level</a:t>
             </a:r>
             <a:endParaRPr lang="en-US" dirty="0"/>
@@ -4191,7 +4459,7 @@
             <a:fld id="{96DFF08F-DC6B-4601-B491-B0F83F6DD2DA}" type="datetimeFigureOut">
               <a:rPr lang="en-US" smtClean="0"/>
               <a:pPr/>
-              <a:t>12/7/16</a:t>
+              <a:t>12/7/2016</a:t>
             </a:fld>
             <a:endParaRPr lang="en-US" dirty="0"/>
           </a:p>
@@ -4712,17 +4980,16 @@
           <a:lstStyle/>
           <a:p>
             <a:r>
-              <a:rPr lang="en-US" dirty="0" smtClean="0"/>
+              <a:rPr lang="en-US" dirty="0"/>
               <a:t>Phase-field modeling with </a:t>
             </a:r>
             <a:br>
-              <a:rPr lang="en-US" dirty="0" smtClean="0"/>
+              <a:rPr lang="en-US" dirty="0"/>
             </a:br>
             <a:r>
-              <a:rPr lang="en-US" dirty="0" smtClean="0"/>
+              <a:rPr lang="en-US" dirty="0"/>
               <a:t>finite element method</a:t>
             </a:r>
-            <a:endParaRPr lang="en-US" dirty="0"/>
           </a:p>
         </p:txBody>
       </p:sp>
@@ -4742,18 +5009,17 @@
           <a:lstStyle/>
           <a:p>
             <a:r>
-              <a:rPr lang="en-US" dirty="0" smtClean="0"/>
+              <a:rPr lang="en-US" dirty="0"/>
               <a:t>Hu, </a:t>
             </a:r>
             <a:r>
-              <a:rPr lang="en-US" dirty="0" err="1" smtClean="0"/>
+              <a:rPr lang="en-US" dirty="0" err="1"/>
               <a:t>Monpara</a:t>
             </a:r>
             <a:r>
-              <a:rPr lang="en-US" dirty="0" smtClean="0"/>
+              <a:rPr lang="en-US" dirty="0"/>
               <a:t>, Lai</a:t>
             </a:r>
-            <a:endParaRPr lang="en-US" dirty="0"/>
           </a:p>
         </p:txBody>
       </p:sp>
@@ -4806,13 +5072,6 @@
   <p:clrMapOvr>
     <a:masterClrMapping/>
   </p:clrMapOvr>
-  <p:timing>
-    <p:tnLst>
-      <p:par>
-        <p:cTn id="1" dur="indefinite" restart="never" nodeType="tmRoot"/>
-      </p:par>
-    </p:tnLst>
-  </p:timing>
 </p:sld>
 </file>
 
@@ -4849,95 +5108,1356 @@
           <a:lstStyle/>
           <a:p>
             <a:r>
-              <a:rPr lang="en-US" dirty="0" smtClean="0"/>
-              <a:t>Implementing finite element method</a:t>
-            </a:r>
-            <a:endParaRPr lang="en-US" dirty="0"/>
+              <a:rPr lang="en-US" dirty="0"/>
+              <a:t>FINITE ELEMENT FORMULATION</a:t>
+            </a:r>
           </a:p>
         </p:txBody>
       </p:sp>
-      <p:sp>
-        <p:nvSpPr>
-          <p:cNvPr id="3" name="Content Placeholder 2"/>
-          <p:cNvSpPr>
-            <a:spLocks noGrp="1"/>
-          </p:cNvSpPr>
-          <p:nvPr>
-            <p:ph idx="1"/>
-          </p:nvPr>
-        </p:nvSpPr>
-        <p:spPr>
-          <a:xfrm>
-            <a:off x="1024128" y="2286000"/>
-            <a:ext cx="10465507" cy="4023360"/>
-          </a:xfrm>
-        </p:spPr>
-        <p:txBody>
-          <a:bodyPr>
-            <a:normAutofit/>
-          </a:bodyPr>
-          <a:lstStyle/>
-          <a:p>
-            <a:pPr>
-              <a:buFont typeface="Wingdings" panose="05000000000000000000" pitchFamily="2" charset="2"/>
-              <a:buChar char="v"/>
-            </a:pPr>
-            <a:r>
-              <a:rPr lang="en-US" sz="4400" dirty="0" smtClean="0"/>
-              <a:t> Rectangular domain with triangular elements</a:t>
-            </a:r>
-          </a:p>
-          <a:p>
-            <a:pPr>
-              <a:buFont typeface="Wingdings" panose="05000000000000000000" pitchFamily="2" charset="2"/>
-              <a:buChar char="v"/>
-            </a:pPr>
-            <a:r>
-              <a:rPr lang="en-US" sz="4400" dirty="0"/>
-              <a:t> M</a:t>
-            </a:r>
-            <a:r>
-              <a:rPr lang="en-US" sz="4400" dirty="0" smtClean="0"/>
-              <a:t>odify existing </a:t>
-            </a:r>
-            <a:r>
-              <a:rPr lang="en-US" sz="4400" dirty="0" err="1" smtClean="0"/>
-              <a:t>Matlab</a:t>
-            </a:r>
-            <a:r>
-              <a:rPr lang="en-US" sz="4400" dirty="0" smtClean="0"/>
-              <a:t> code</a:t>
-            </a:r>
-          </a:p>
-          <a:p>
-            <a:pPr>
-              <a:buFont typeface="Wingdings" panose="05000000000000000000" pitchFamily="2" charset="2"/>
-              <a:buChar char="v"/>
-            </a:pPr>
-            <a:r>
-              <a:rPr lang="en-US" sz="4400" dirty="0"/>
-              <a:t> </a:t>
-            </a:r>
-            <a:r>
-              <a:rPr lang="en-US" sz="4400" dirty="0" smtClean="0"/>
-              <a:t>Neumann, Periodic, and </a:t>
-            </a:r>
-            <a:r>
-              <a:rPr lang="en-US" sz="4400" dirty="0" err="1" smtClean="0"/>
-              <a:t>Dirichlet</a:t>
-            </a:r>
-            <a:r>
-              <a:rPr lang="en-US" sz="4400" dirty="0" smtClean="0"/>
-              <a:t> conditions</a:t>
-            </a:r>
-            <a:endParaRPr lang="en-US" sz="4400" dirty="0"/>
-          </a:p>
-        </p:txBody>
-      </p:sp>
+      <mc:AlternateContent xmlns:mc="http://schemas.openxmlformats.org/markup-compatibility/2006">
+        <mc:Choice xmlns:a14="http://schemas.microsoft.com/office/drawing/2010/main" Requires="a14">
+          <p:sp>
+            <p:nvSpPr>
+              <p:cNvPr id="3" name="Content Placeholder 2"/>
+              <p:cNvSpPr>
+                <a:spLocks noGrp="1"/>
+              </p:cNvSpPr>
+              <p:nvPr>
+                <p:ph idx="1"/>
+              </p:nvPr>
+            </p:nvSpPr>
+            <p:spPr>
+              <a:xfrm>
+                <a:off x="1024128" y="1740665"/>
+                <a:ext cx="9720071" cy="4568695"/>
+              </a:xfrm>
+            </p:spPr>
+            <p:txBody>
+              <a:bodyPr>
+                <a:normAutofit fontScale="85000" lnSpcReduction="10000"/>
+              </a:bodyPr>
+              <a:lstStyle/>
+              <a:p>
+                <a:pPr marL="0" indent="0">
+                  <a:buNone/>
+                </a:pPr>
+                <a14:m>
+                  <m:oMathPara xmlns:m="http://schemas.openxmlformats.org/officeDocument/2006/math">
+                    <m:oMathParaPr>
+                      <m:jc m:val="center"/>
+                    </m:oMathParaPr>
+                    <m:oMath xmlns:m="http://schemas.openxmlformats.org/officeDocument/2006/math">
+                      <m:nary>
+                        <m:naryPr>
+                          <m:chr m:val="∬"/>
+                          <m:limLoc m:val="undOvr"/>
+                          <m:subHide m:val="on"/>
+                          <m:supHide m:val="on"/>
+                          <m:ctrlPr>
+                            <a:rPr lang="en-US" sz="2400" b="1" i="1">
+                              <a:latin typeface="Cambria Math" panose="02040503050406030204" pitchFamily="18" charset="0"/>
+                            </a:rPr>
+                          </m:ctrlPr>
+                        </m:naryPr>
+                        <m:sub/>
+                        <m:sup/>
+                        <m:e>
+                          <m:sSup>
+                            <m:sSupPr>
+                              <m:ctrlPr>
+                                <a:rPr lang="en-US" sz="2400" b="1" i="1">
+                                  <a:latin typeface="Cambria Math" panose="02040503050406030204" pitchFamily="18" charset="0"/>
+                                </a:rPr>
+                              </m:ctrlPr>
+                            </m:sSupPr>
+                            <m:e>
+                              <m:d>
+                                <m:dPr>
+                                  <m:begChr m:val="["/>
+                                  <m:endChr m:val="]"/>
+                                  <m:ctrlPr>
+                                    <a:rPr lang="en-US" sz="2400" b="1" i="1">
+                                      <a:latin typeface="Cambria Math" panose="02040503050406030204" pitchFamily="18" charset="0"/>
+                                    </a:rPr>
+                                  </m:ctrlPr>
+                                </m:dPr>
+                                <m:e>
+                                  <m:r>
+                                    <a:rPr lang="en-US" sz="2400" b="1" i="1">
+                                      <a:latin typeface="Cambria Math" panose="02040503050406030204" pitchFamily="18" charset="0"/>
+                                    </a:rPr>
+                                    <m:t>𝑵</m:t>
+                                  </m:r>
+                                </m:e>
+                              </m:d>
+                            </m:e>
+                            <m:sup>
+                              <m:r>
+                                <a:rPr lang="en-US" sz="2400" b="1" i="1">
+                                  <a:latin typeface="Cambria Math" panose="02040503050406030204" pitchFamily="18" charset="0"/>
+                                </a:rPr>
+                                <m:t>𝑻</m:t>
+                              </m:r>
+                            </m:sup>
+                          </m:sSup>
+                          <m:f>
+                            <m:fPr>
+                              <m:ctrlPr>
+                                <a:rPr lang="en-US" sz="2400" b="1" i="1">
+                                  <a:latin typeface="Cambria Math" panose="02040503050406030204" pitchFamily="18" charset="0"/>
+                                </a:rPr>
+                              </m:ctrlPr>
+                            </m:fPr>
+                            <m:num>
+                              <m:r>
+                                <a:rPr lang="en-US" sz="2400" b="1" i="1">
+                                  <a:latin typeface="Cambria Math" charset="0"/>
+                                </a:rPr>
+                                <m:t>𝝏</m:t>
+                              </m:r>
+                              <m:r>
+                                <a:rPr lang="en-US" sz="2400" b="1" i="1">
+                                  <a:latin typeface="Cambria Math" charset="0"/>
+                                  <a:ea typeface="Cambria Math" charset="0"/>
+                                  <a:cs typeface="Cambria Math" charset="0"/>
+                                </a:rPr>
+                                <m:t>𝝓</m:t>
+                              </m:r>
+                            </m:num>
+                            <m:den>
+                              <m:r>
+                                <a:rPr lang="en-US" sz="2400" b="1" i="1">
+                                  <a:latin typeface="Cambria Math" charset="0"/>
+                                </a:rPr>
+                                <m:t>𝝏</m:t>
+                              </m:r>
+                              <m:r>
+                                <a:rPr lang="en-US" sz="2400" b="1" i="1">
+                                  <a:latin typeface="Cambria Math" charset="0"/>
+                                </a:rPr>
+                                <m:t>𝒕</m:t>
+                              </m:r>
+                            </m:den>
+                          </m:f>
+                        </m:e>
+                      </m:nary>
+                      <m:r>
+                        <a:rPr lang="en-US" sz="2400" b="1" i="1">
+                          <a:latin typeface="Cambria Math" panose="02040503050406030204" pitchFamily="18" charset="0"/>
+                        </a:rPr>
+                        <m:t>𝒅𝒙𝒅𝒚</m:t>
+                      </m:r>
+                      <m:r>
+                        <a:rPr lang="en-US" sz="2400" i="1">
+                          <a:latin typeface="Cambria Math" panose="02040503050406030204" pitchFamily="18" charset="0"/>
+                        </a:rPr>
+                        <m:t>=</m:t>
+                      </m:r>
+                      <m:d>
+                        <m:dPr>
+                          <m:begChr m:val="["/>
+                          <m:endChr m:val="]"/>
+                          <m:ctrlPr>
+                            <a:rPr lang="en-US" sz="2400" i="1">
+                              <a:latin typeface="Cambria Math" panose="02040503050406030204" pitchFamily="18" charset="0"/>
+                            </a:rPr>
+                          </m:ctrlPr>
+                        </m:dPr>
+                        <m:e>
+                          <m:nary>
+                            <m:naryPr>
+                              <m:chr m:val="∬"/>
+                              <m:limLoc m:val="undOvr"/>
+                              <m:subHide m:val="on"/>
+                              <m:supHide m:val="on"/>
+                              <m:ctrlPr>
+                                <a:rPr lang="en-US" sz="2400" i="1">
+                                  <a:latin typeface="Cambria Math" panose="02040503050406030204" pitchFamily="18" charset="0"/>
+                                </a:rPr>
+                              </m:ctrlPr>
+                            </m:naryPr>
+                            <m:sub/>
+                            <m:sup/>
+                            <m:e>
+                              <m:sSup>
+                                <m:sSupPr>
+                                  <m:ctrlPr>
+                                    <a:rPr lang="en-US" sz="2400" i="1">
+                                      <a:latin typeface="Cambria Math" panose="02040503050406030204" pitchFamily="18" charset="0"/>
+                                    </a:rPr>
+                                  </m:ctrlPr>
+                                </m:sSupPr>
+                                <m:e>
+                                  <m:d>
+                                    <m:dPr>
+                                      <m:begChr m:val="["/>
+                                      <m:endChr m:val="]"/>
+                                      <m:ctrlPr>
+                                        <a:rPr lang="en-US" sz="2400" i="1">
+                                          <a:latin typeface="Cambria Math" panose="02040503050406030204" pitchFamily="18" charset="0"/>
+                                        </a:rPr>
+                                      </m:ctrlPr>
+                                    </m:dPr>
+                                    <m:e>
+                                      <m:r>
+                                        <a:rPr lang="en-US" sz="2400" i="1">
+                                          <a:latin typeface="Cambria Math" panose="02040503050406030204" pitchFamily="18" charset="0"/>
+                                        </a:rPr>
+                                        <m:t>𝑁</m:t>
+                                      </m:r>
+                                    </m:e>
+                                  </m:d>
+                                </m:e>
+                                <m:sup>
+                                  <m:r>
+                                    <a:rPr lang="en-US" sz="2400" i="1">
+                                      <a:latin typeface="Cambria Math" panose="02040503050406030204" pitchFamily="18" charset="0"/>
+                                    </a:rPr>
+                                    <m:t>𝑇</m:t>
+                                  </m:r>
+                                </m:sup>
+                              </m:sSup>
+                            </m:e>
+                          </m:nary>
+                          <m:d>
+                            <m:dPr>
+                              <m:begChr m:val="["/>
+                              <m:endChr m:val="]"/>
+                              <m:ctrlPr>
+                                <a:rPr lang="en-US" sz="2400" i="1">
+                                  <a:latin typeface="Cambria Math" panose="02040503050406030204" pitchFamily="18" charset="0"/>
+                                </a:rPr>
+                              </m:ctrlPr>
+                            </m:dPr>
+                            <m:e>
+                              <m:r>
+                                <a:rPr lang="en-US" sz="2400" i="1">
+                                  <a:latin typeface="Cambria Math" panose="02040503050406030204" pitchFamily="18" charset="0"/>
+                                </a:rPr>
+                                <m:t>𝑁</m:t>
+                              </m:r>
+                            </m:e>
+                          </m:d>
+                          <m:r>
+                            <a:rPr lang="en-US" sz="2400" i="1">
+                              <a:latin typeface="Cambria Math" panose="02040503050406030204" pitchFamily="18" charset="0"/>
+                            </a:rPr>
+                            <m:t>𝑑𝑥𝑑𝑦</m:t>
+                          </m:r>
+                        </m:e>
+                      </m:d>
+                      <m:sSup>
+                        <m:sSupPr>
+                          <m:ctrlPr>
+                            <a:rPr lang="en-US" sz="2400" i="1">
+                              <a:latin typeface="Cambria Math" panose="02040503050406030204" pitchFamily="18" charset="0"/>
+                            </a:rPr>
+                          </m:ctrlPr>
+                        </m:sSupPr>
+                        <m:e>
+                          <m:d>
+                            <m:dPr>
+                              <m:begChr m:val="["/>
+                              <m:endChr m:val="]"/>
+                              <m:ctrlPr>
+                                <a:rPr lang="en-US" sz="2400" i="1">
+                                  <a:latin typeface="Cambria Math" panose="02040503050406030204" pitchFamily="18" charset="0"/>
+                                </a:rPr>
+                              </m:ctrlPr>
+                            </m:dPr>
+                            <m:e>
+                              <m:sSub>
+                                <m:sSubPr>
+                                  <m:ctrlPr>
+                                    <a:rPr lang="en-US" sz="2400" i="1">
+                                      <a:latin typeface="Cambria Math" panose="02040503050406030204" pitchFamily="18" charset="0"/>
+                                    </a:rPr>
+                                  </m:ctrlPr>
+                                </m:sSubPr>
+                                <m:e>
+                                  <m:r>
+                                    <a:rPr lang="en-US" sz="2400" i="1">
+                                      <a:latin typeface="Cambria Math" panose="02040503050406030204" pitchFamily="18" charset="0"/>
+                                    </a:rPr>
+                                    <m:t>𝜙</m:t>
+                                  </m:r>
+                                </m:e>
+                                <m:sub>
+                                  <m:r>
+                                    <a:rPr lang="en-US" sz="2400" i="1">
+                                      <a:latin typeface="Cambria Math" panose="02040503050406030204" pitchFamily="18" charset="0"/>
+                                    </a:rPr>
+                                    <m:t>𝑖</m:t>
+                                  </m:r>
+                                </m:sub>
+                              </m:sSub>
+                            </m:e>
+                          </m:d>
+                        </m:e>
+                        <m:sup>
+                          <m:r>
+                            <a:rPr lang="en-US" sz="2400" i="1">
+                              <a:latin typeface="Cambria Math" panose="02040503050406030204" pitchFamily="18" charset="0"/>
+                            </a:rPr>
+                            <m:t>𝑇</m:t>
+                          </m:r>
+                        </m:sup>
+                      </m:sSup>
+                    </m:oMath>
+                  </m:oMathPara>
+                </a14:m>
+                <a:endParaRPr lang="en-US" dirty="0"/>
+              </a:p>
+              <a:p>
+                <a:pPr marL="0" indent="0">
+                  <a:buNone/>
+                </a:pPr>
+                <a14:m>
+                  <m:oMathPara xmlns:m="http://schemas.openxmlformats.org/officeDocument/2006/math">
+                    <m:oMathParaPr>
+                      <m:jc m:val="center"/>
+                    </m:oMathParaPr>
+                    <m:oMath xmlns:m="http://schemas.openxmlformats.org/officeDocument/2006/math">
+                      <m:nary>
+                        <m:naryPr>
+                          <m:chr m:val="∬"/>
+                          <m:limLoc m:val="undOvr"/>
+                          <m:subHide m:val="on"/>
+                          <m:supHide m:val="on"/>
+                          <m:ctrlPr>
+                            <a:rPr lang="en-US" sz="2400" b="1" i="1">
+                              <a:latin typeface="Cambria Math" panose="02040503050406030204" pitchFamily="18" charset="0"/>
+                            </a:rPr>
+                          </m:ctrlPr>
+                        </m:naryPr>
+                        <m:sub/>
+                        <m:sup/>
+                        <m:e>
+                          <m:sSup>
+                            <m:sSupPr>
+                              <m:ctrlPr>
+                                <a:rPr lang="en-US" sz="2400" b="1" i="1">
+                                  <a:latin typeface="Cambria Math" panose="02040503050406030204" pitchFamily="18" charset="0"/>
+                                </a:rPr>
+                              </m:ctrlPr>
+                            </m:sSupPr>
+                            <m:e>
+                              <m:d>
+                                <m:dPr>
+                                  <m:begChr m:val="["/>
+                                  <m:endChr m:val="]"/>
+                                  <m:ctrlPr>
+                                    <a:rPr lang="en-US" sz="2400" b="1" i="1">
+                                      <a:latin typeface="Cambria Math" panose="02040503050406030204" pitchFamily="18" charset="0"/>
+                                    </a:rPr>
+                                  </m:ctrlPr>
+                                </m:dPr>
+                                <m:e>
+                                  <m:r>
+                                    <a:rPr lang="en-US" sz="2400" b="1" i="1">
+                                      <a:latin typeface="Cambria Math" panose="02040503050406030204" pitchFamily="18" charset="0"/>
+                                    </a:rPr>
+                                    <m:t>𝑵</m:t>
+                                  </m:r>
+                                </m:e>
+                              </m:d>
+                            </m:e>
+                            <m:sup>
+                              <m:r>
+                                <a:rPr lang="en-US" sz="2400" b="1" i="1">
+                                  <a:latin typeface="Cambria Math" panose="02040503050406030204" pitchFamily="18" charset="0"/>
+                                </a:rPr>
+                                <m:t>𝑻</m:t>
+                              </m:r>
+                            </m:sup>
+                          </m:sSup>
+                          <m:r>
+                            <a:rPr lang="en-US" sz="2400" b="1" i="1">
+                              <a:latin typeface="Cambria Math" panose="02040503050406030204" pitchFamily="18" charset="0"/>
+                            </a:rPr>
+                            <m:t>𝟐</m:t>
+                          </m:r>
+                          <m:sSup>
+                            <m:sSupPr>
+                              <m:ctrlPr>
+                                <a:rPr lang="en-US" sz="2400" b="1" i="1">
+                                  <a:latin typeface="Cambria Math" panose="02040503050406030204" pitchFamily="18" charset="0"/>
+                                  <a:ea typeface="Cambria Math" panose="02040503050406030204" pitchFamily="18" charset="0"/>
+                                </a:rPr>
+                              </m:ctrlPr>
+                            </m:sSupPr>
+                            <m:e>
+                              <m:r>
+                                <a:rPr lang="en-US" sz="2400" b="1" i="1">
+                                  <a:latin typeface="Cambria Math" panose="02040503050406030204" pitchFamily="18" charset="0"/>
+                                  <a:ea typeface="Cambria Math" panose="02040503050406030204" pitchFamily="18" charset="0"/>
+                                </a:rPr>
+                                <m:t>𝜵</m:t>
+                              </m:r>
+                            </m:e>
+                            <m:sup>
+                              <m:r>
+                                <a:rPr lang="en-US" sz="2400" b="1" i="1">
+                                  <a:latin typeface="Cambria Math" panose="02040503050406030204" pitchFamily="18" charset="0"/>
+                                  <a:ea typeface="Cambria Math" panose="02040503050406030204" pitchFamily="18" charset="0"/>
+                                </a:rPr>
+                                <m:t>𝟐</m:t>
+                              </m:r>
+                            </m:sup>
+                          </m:sSup>
+                          <m:r>
+                            <a:rPr lang="en-US" sz="2400" b="1" i="1" smtClean="0">
+                              <a:latin typeface="Cambria Math" panose="02040503050406030204" pitchFamily="18" charset="0"/>
+                              <a:ea typeface="Cambria Math" panose="02040503050406030204" pitchFamily="18" charset="0"/>
+                            </a:rPr>
+                            <m:t>𝝓</m:t>
+                          </m:r>
+                          <m:r>
+                            <a:rPr lang="en-US" sz="2400" b="1" i="1">
+                              <a:latin typeface="Cambria Math" panose="02040503050406030204" pitchFamily="18" charset="0"/>
+                            </a:rPr>
+                            <m:t> </m:t>
+                          </m:r>
+                        </m:e>
+                      </m:nary>
+                      <m:r>
+                        <a:rPr lang="en-US" sz="2400" b="1" i="1">
+                          <a:latin typeface="Cambria Math" panose="02040503050406030204" pitchFamily="18" charset="0"/>
+                        </a:rPr>
+                        <m:t>𝒅𝒙𝒅𝒚</m:t>
+                      </m:r>
+                      <m:r>
+                        <a:rPr lang="en-US" sz="2400" i="1">
+                          <a:latin typeface="Cambria Math" panose="02040503050406030204" pitchFamily="18" charset="0"/>
+                        </a:rPr>
+                        <m:t>=−</m:t>
+                      </m:r>
+                      <m:d>
+                        <m:dPr>
+                          <m:begChr m:val="["/>
+                          <m:endChr m:val="]"/>
+                          <m:ctrlPr>
+                            <a:rPr lang="en-US" sz="2400" i="1">
+                              <a:latin typeface="Cambria Math" panose="02040503050406030204" pitchFamily="18" charset="0"/>
+                            </a:rPr>
+                          </m:ctrlPr>
+                        </m:dPr>
+                        <m:e>
+                          <m:sSub>
+                            <m:sSubPr>
+                              <m:ctrlPr>
+                                <a:rPr lang="en-US" sz="2400" i="1">
+                                  <a:latin typeface="Cambria Math" panose="02040503050406030204" pitchFamily="18" charset="0"/>
+                                </a:rPr>
+                              </m:ctrlPr>
+                            </m:sSubPr>
+                            <m:e>
+                              <m:r>
+                                <a:rPr lang="en-US" sz="2400" i="1">
+                                  <a:latin typeface="Cambria Math" panose="02040503050406030204" pitchFamily="18" charset="0"/>
+                                </a:rPr>
+                                <m:t>𝐾</m:t>
+                              </m:r>
+                            </m:e>
+                            <m:sub>
+                              <m:r>
+                                <a:rPr lang="en-US" sz="2400" i="1">
+                                  <a:latin typeface="Cambria Math" panose="02040503050406030204" pitchFamily="18" charset="0"/>
+                                </a:rPr>
+                                <m:t>𝑖</m:t>
+                              </m:r>
+                            </m:sub>
+                          </m:sSub>
+                        </m:e>
+                      </m:d>
+                      <m:sSup>
+                        <m:sSupPr>
+                          <m:ctrlPr>
+                            <a:rPr lang="en-US" sz="2400" i="1">
+                              <a:latin typeface="Cambria Math" panose="02040503050406030204" pitchFamily="18" charset="0"/>
+                            </a:rPr>
+                          </m:ctrlPr>
+                        </m:sSupPr>
+                        <m:e>
+                          <m:d>
+                            <m:dPr>
+                              <m:begChr m:val="["/>
+                              <m:endChr m:val="]"/>
+                              <m:ctrlPr>
+                                <a:rPr lang="en-US" sz="2400" i="1">
+                                  <a:latin typeface="Cambria Math" panose="02040503050406030204" pitchFamily="18" charset="0"/>
+                                </a:rPr>
+                              </m:ctrlPr>
+                            </m:dPr>
+                            <m:e>
+                              <m:sSub>
+                                <m:sSubPr>
+                                  <m:ctrlPr>
+                                    <a:rPr lang="en-US" sz="2400" i="1">
+                                      <a:latin typeface="Cambria Math" panose="02040503050406030204" pitchFamily="18" charset="0"/>
+                                    </a:rPr>
+                                  </m:ctrlPr>
+                                </m:sSubPr>
+                                <m:e>
+                                  <m:r>
+                                    <a:rPr lang="en-US" sz="2400" i="1">
+                                      <a:latin typeface="Cambria Math" panose="02040503050406030204" pitchFamily="18" charset="0"/>
+                                    </a:rPr>
+                                    <m:t>𝜙</m:t>
+                                  </m:r>
+                                </m:e>
+                                <m:sub>
+                                  <m:r>
+                                    <a:rPr lang="en-US" sz="2400" i="1">
+                                      <a:latin typeface="Cambria Math" panose="02040503050406030204" pitchFamily="18" charset="0"/>
+                                    </a:rPr>
+                                    <m:t>𝑖</m:t>
+                                  </m:r>
+                                </m:sub>
+                              </m:sSub>
+                            </m:e>
+                          </m:d>
+                        </m:e>
+                        <m:sup>
+                          <m:r>
+                            <a:rPr lang="en-US" sz="2400" i="1">
+                              <a:latin typeface="Cambria Math" panose="02040503050406030204" pitchFamily="18" charset="0"/>
+                            </a:rPr>
+                            <m:t>𝑇</m:t>
+                          </m:r>
+                        </m:sup>
+                      </m:sSup>
+                      <m:r>
+                        <a:rPr lang="en-US" sz="2400" i="1">
+                          <a:latin typeface="Cambria Math" panose="02040503050406030204" pitchFamily="18" charset="0"/>
+                        </a:rPr>
+                        <m:t>+</m:t>
+                      </m:r>
+                      <m:d>
+                        <m:dPr>
+                          <m:begChr m:val="["/>
+                          <m:endChr m:val="]"/>
+                          <m:ctrlPr>
+                            <a:rPr lang="en-US" sz="2400" i="1">
+                              <a:latin typeface="Cambria Math" panose="02040503050406030204" pitchFamily="18" charset="0"/>
+                            </a:rPr>
+                          </m:ctrlPr>
+                        </m:dPr>
+                        <m:e>
+                          <m:r>
+                            <a:rPr lang="en-US" sz="2400" i="1">
+                              <a:latin typeface="Cambria Math" panose="02040503050406030204" pitchFamily="18" charset="0"/>
+                            </a:rPr>
+                            <m:t>𝐵</m:t>
+                          </m:r>
+                          <m:sSub>
+                            <m:sSubPr>
+                              <m:ctrlPr>
+                                <a:rPr lang="en-US" sz="2400" i="1">
+                                  <a:latin typeface="Cambria Math" panose="02040503050406030204" pitchFamily="18" charset="0"/>
+                                </a:rPr>
+                              </m:ctrlPr>
+                            </m:sSubPr>
+                            <m:e>
+                              <m:r>
+                                <a:rPr lang="en-US" sz="2400" i="1">
+                                  <a:latin typeface="Cambria Math" panose="02040503050406030204" pitchFamily="18" charset="0"/>
+                                </a:rPr>
+                                <m:t>𝐶</m:t>
+                              </m:r>
+                            </m:e>
+                            <m:sub>
+                              <m:r>
+                                <a:rPr lang="en-US" sz="2400" i="1">
+                                  <a:latin typeface="Cambria Math" panose="02040503050406030204" pitchFamily="18" charset="0"/>
+                                </a:rPr>
+                                <m:t>𝑖</m:t>
+                              </m:r>
+                            </m:sub>
+                          </m:sSub>
+                        </m:e>
+                      </m:d>
+                      <m:sSup>
+                        <m:sSupPr>
+                          <m:ctrlPr>
+                            <a:rPr lang="en-US" sz="2400" i="1">
+                              <a:latin typeface="Cambria Math" panose="02040503050406030204" pitchFamily="18" charset="0"/>
+                            </a:rPr>
+                          </m:ctrlPr>
+                        </m:sSupPr>
+                        <m:e>
+                          <m:d>
+                            <m:dPr>
+                              <m:begChr m:val="["/>
+                              <m:endChr m:val="]"/>
+                              <m:ctrlPr>
+                                <a:rPr lang="en-US" sz="2400" i="1">
+                                  <a:latin typeface="Cambria Math" panose="02040503050406030204" pitchFamily="18" charset="0"/>
+                                </a:rPr>
+                              </m:ctrlPr>
+                            </m:dPr>
+                            <m:e>
+                              <m:sSub>
+                                <m:sSubPr>
+                                  <m:ctrlPr>
+                                    <a:rPr lang="en-US" sz="2400" i="1">
+                                      <a:latin typeface="Cambria Math" panose="02040503050406030204" pitchFamily="18" charset="0"/>
+                                    </a:rPr>
+                                  </m:ctrlPr>
+                                </m:sSubPr>
+                                <m:e>
+                                  <m:r>
+                                    <a:rPr lang="en-US" sz="2400" i="1">
+                                      <a:latin typeface="Cambria Math" panose="02040503050406030204" pitchFamily="18" charset="0"/>
+                                    </a:rPr>
+                                    <m:t>𝜙</m:t>
+                                  </m:r>
+                                </m:e>
+                                <m:sub>
+                                  <m:r>
+                                    <a:rPr lang="en-US" sz="2400" i="1">
+                                      <a:latin typeface="Cambria Math" panose="02040503050406030204" pitchFamily="18" charset="0"/>
+                                    </a:rPr>
+                                    <m:t>𝑖</m:t>
+                                  </m:r>
+                                </m:sub>
+                              </m:sSub>
+                            </m:e>
+                          </m:d>
+                        </m:e>
+                        <m:sup>
+                          <m:r>
+                            <a:rPr lang="en-US" sz="2400" i="1">
+                              <a:latin typeface="Cambria Math" panose="02040503050406030204" pitchFamily="18" charset="0"/>
+                            </a:rPr>
+                            <m:t>𝑇</m:t>
+                          </m:r>
+                        </m:sup>
+                      </m:sSup>
+                    </m:oMath>
+                  </m:oMathPara>
+                </a14:m>
+                <a:endParaRPr lang="en-US" sz="2400" i="1" dirty="0">
+                  <a:latin typeface="Cambria Math" panose="02040503050406030204" pitchFamily="18" charset="0"/>
+                </a:endParaRPr>
+              </a:p>
+              <a:p>
+                <a:pPr marL="0" indent="0">
+                  <a:buNone/>
+                </a:pPr>
+                <a14:m>
+                  <m:oMathPara xmlns:m="http://schemas.openxmlformats.org/officeDocument/2006/math">
+                    <m:oMathParaPr>
+                      <m:jc m:val="center"/>
+                    </m:oMathParaPr>
+                    <m:oMath xmlns:m="http://schemas.openxmlformats.org/officeDocument/2006/math">
+                      <m:nary>
+                        <m:naryPr>
+                          <m:chr m:val="∬"/>
+                          <m:limLoc m:val="undOvr"/>
+                          <m:subHide m:val="on"/>
+                          <m:supHide m:val="on"/>
+                          <m:ctrlPr>
+                            <a:rPr lang="en-US" sz="2400" b="1" i="1">
+                              <a:latin typeface="Cambria Math" panose="02040503050406030204" pitchFamily="18" charset="0"/>
+                            </a:rPr>
+                          </m:ctrlPr>
+                        </m:naryPr>
+                        <m:sub/>
+                        <m:sup/>
+                        <m:e>
+                          <m:sSup>
+                            <m:sSupPr>
+                              <m:ctrlPr>
+                                <a:rPr lang="en-US" sz="2400" b="1" i="1">
+                                  <a:latin typeface="Cambria Math" panose="02040503050406030204" pitchFamily="18" charset="0"/>
+                                </a:rPr>
+                              </m:ctrlPr>
+                            </m:sSupPr>
+                            <m:e>
+                              <m:d>
+                                <m:dPr>
+                                  <m:begChr m:val="["/>
+                                  <m:endChr m:val="]"/>
+                                  <m:ctrlPr>
+                                    <a:rPr lang="en-US" sz="2400" b="1" i="1">
+                                      <a:latin typeface="Cambria Math" panose="02040503050406030204" pitchFamily="18" charset="0"/>
+                                    </a:rPr>
+                                  </m:ctrlPr>
+                                </m:dPr>
+                                <m:e>
+                                  <m:r>
+                                    <a:rPr lang="en-US" sz="2400" b="1" i="1">
+                                      <a:latin typeface="Cambria Math" panose="02040503050406030204" pitchFamily="18" charset="0"/>
+                                    </a:rPr>
+                                    <m:t>𝑵</m:t>
+                                  </m:r>
+                                </m:e>
+                              </m:d>
+                            </m:e>
+                            <m:sup>
+                              <m:r>
+                                <a:rPr lang="en-US" sz="2400" b="1" i="1">
+                                  <a:latin typeface="Cambria Math" panose="02040503050406030204" pitchFamily="18" charset="0"/>
+                                </a:rPr>
+                                <m:t>𝑻</m:t>
+                              </m:r>
+                            </m:sup>
+                          </m:sSup>
+                          <m:r>
+                            <a:rPr lang="en-US" sz="2400" b="1" i="1" smtClean="0">
+                              <a:latin typeface="Cambria Math" panose="02040503050406030204" pitchFamily="18" charset="0"/>
+                            </a:rPr>
+                            <m:t>𝒈</m:t>
+                          </m:r>
+                          <m:r>
+                            <a:rPr lang="en-US" sz="2400" b="1" i="1" smtClean="0">
+                              <a:latin typeface="Cambria Math" panose="02040503050406030204" pitchFamily="18" charset="0"/>
+                            </a:rPr>
+                            <m:t>(</m:t>
+                          </m:r>
+                          <m:r>
+                            <a:rPr lang="en-US" sz="2400" b="1" i="1" smtClean="0">
+                              <a:latin typeface="Cambria Math" panose="02040503050406030204" pitchFamily="18" charset="0"/>
+                            </a:rPr>
+                            <m:t>𝝓</m:t>
+                          </m:r>
+                          <m:r>
+                            <a:rPr lang="en-US" sz="2400" b="1" i="1" smtClean="0">
+                              <a:latin typeface="Cambria Math" panose="02040503050406030204" pitchFamily="18" charset="0"/>
+                              <a:ea typeface="Cambria Math" panose="02040503050406030204" pitchFamily="18" charset="0"/>
+                            </a:rPr>
+                            <m:t>)</m:t>
+                          </m:r>
+                          <m:r>
+                            <a:rPr lang="en-US" sz="2400" b="1" i="1">
+                              <a:latin typeface="Cambria Math" panose="02040503050406030204" pitchFamily="18" charset="0"/>
+                            </a:rPr>
+                            <m:t> </m:t>
+                          </m:r>
+                        </m:e>
+                      </m:nary>
+                      <m:r>
+                        <a:rPr lang="en-US" sz="2400" b="1" i="1">
+                          <a:latin typeface="Cambria Math" panose="02040503050406030204" pitchFamily="18" charset="0"/>
+                        </a:rPr>
+                        <m:t>𝒅𝒙𝒅𝒚</m:t>
+                      </m:r>
+                      <m:r>
+                        <a:rPr lang="en-US" sz="2400" b="0" i="1" smtClean="0">
+                          <a:latin typeface="Cambria Math" panose="02040503050406030204" pitchFamily="18" charset="0"/>
+                        </a:rPr>
+                        <m:t>=</m:t>
+                      </m:r>
+                      <m:d>
+                        <m:dPr>
+                          <m:begChr m:val="["/>
+                          <m:endChr m:val="]"/>
+                          <m:ctrlPr>
+                            <a:rPr lang="en-US" sz="2400" b="0" i="1" smtClean="0">
+                              <a:latin typeface="Cambria Math" panose="02040503050406030204" pitchFamily="18" charset="0"/>
+                            </a:rPr>
+                          </m:ctrlPr>
+                        </m:dPr>
+                        <m:e>
+                          <m:r>
+                            <a:rPr lang="en-US" sz="2400" i="1">
+                              <a:latin typeface="Cambria Math" panose="02040503050406030204" pitchFamily="18" charset="0"/>
+                            </a:rPr>
+                            <m:t>𝑎</m:t>
+                          </m:r>
+                          <m:r>
+                            <a:rPr lang="en-US" sz="2400" i="1">
+                              <a:latin typeface="Cambria Math" panose="02040503050406030204" pitchFamily="18" charset="0"/>
+                            </a:rPr>
+                            <m:t> </m:t>
+                          </m:r>
+                          <m:nary>
+                            <m:naryPr>
+                              <m:chr m:val="∬"/>
+                              <m:limLoc m:val="undOvr"/>
+                              <m:subHide m:val="on"/>
+                              <m:supHide m:val="on"/>
+                              <m:ctrlPr>
+                                <a:rPr lang="en-US" sz="2400" i="1">
+                                  <a:latin typeface="Cambria Math" panose="02040503050406030204" pitchFamily="18" charset="0"/>
+                                </a:rPr>
+                              </m:ctrlPr>
+                            </m:naryPr>
+                            <m:sub/>
+                            <m:sup/>
+                            <m:e>
+                              <m:sSup>
+                                <m:sSupPr>
+                                  <m:ctrlPr>
+                                    <a:rPr lang="en-US" sz="2400" i="1">
+                                      <a:latin typeface="Cambria Math" panose="02040503050406030204" pitchFamily="18" charset="0"/>
+                                      <a:ea typeface="Cambria Math" panose="02040503050406030204" pitchFamily="18" charset="0"/>
+                                    </a:rPr>
+                                  </m:ctrlPr>
+                                </m:sSupPr>
+                                <m:e>
+                                  <m:d>
+                                    <m:dPr>
+                                      <m:begChr m:val="["/>
+                                      <m:endChr m:val="]"/>
+                                      <m:ctrlPr>
+                                        <a:rPr lang="en-US" sz="2400" i="1">
+                                          <a:latin typeface="Cambria Math" panose="02040503050406030204" pitchFamily="18" charset="0"/>
+                                          <a:ea typeface="Cambria Math" panose="02040503050406030204" pitchFamily="18" charset="0"/>
+                                        </a:rPr>
+                                      </m:ctrlPr>
+                                    </m:dPr>
+                                    <m:e>
+                                      <m:sSub>
+                                        <m:sSubPr>
+                                          <m:ctrlPr>
+                                            <a:rPr lang="en-US" sz="2400" i="1">
+                                              <a:latin typeface="Cambria Math" panose="02040503050406030204" pitchFamily="18" charset="0"/>
+                                            </a:rPr>
+                                          </m:ctrlPr>
+                                        </m:sSubPr>
+                                        <m:e>
+                                          <m:r>
+                                            <a:rPr lang="en-US" sz="2400" i="1">
+                                              <a:latin typeface="Cambria Math" panose="02040503050406030204" pitchFamily="18" charset="0"/>
+                                            </a:rPr>
+                                            <m:t>𝜙</m:t>
+                                          </m:r>
+                                        </m:e>
+                                        <m:sub>
+                                          <m:r>
+                                            <a:rPr lang="en-US" sz="2400" i="1">
+                                              <a:latin typeface="Cambria Math" panose="02040503050406030204" pitchFamily="18" charset="0"/>
+                                            </a:rPr>
+                                            <m:t>𝑖</m:t>
+                                          </m:r>
+                                        </m:sub>
+                                      </m:sSub>
+                                    </m:e>
+                                  </m:d>
+                                </m:e>
+                                <m:sup>
+                                  <m:r>
+                                    <a:rPr lang="en-US" sz="2400" i="1">
+                                      <a:latin typeface="Cambria Math" panose="02040503050406030204" pitchFamily="18" charset="0"/>
+                                    </a:rPr>
+                                    <m:t>𝑇</m:t>
+                                  </m:r>
+                                </m:sup>
+                              </m:sSup>
+                              <m:d>
+                                <m:dPr>
+                                  <m:begChr m:val="["/>
+                                  <m:endChr m:val="]"/>
+                                  <m:ctrlPr>
+                                    <a:rPr lang="en-US" sz="2400" i="1">
+                                      <a:latin typeface="Cambria Math" panose="02040503050406030204" pitchFamily="18" charset="0"/>
+                                      <a:ea typeface="Cambria Math" panose="02040503050406030204" pitchFamily="18" charset="0"/>
+                                    </a:rPr>
+                                  </m:ctrlPr>
+                                </m:dPr>
+                                <m:e>
+                                  <m:sSub>
+                                    <m:sSubPr>
+                                      <m:ctrlPr>
+                                        <a:rPr lang="en-US" sz="2400" i="1">
+                                          <a:latin typeface="Cambria Math" panose="02040503050406030204" pitchFamily="18" charset="0"/>
+                                        </a:rPr>
+                                      </m:ctrlPr>
+                                    </m:sSubPr>
+                                    <m:e>
+                                      <m:r>
+                                        <a:rPr lang="en-US" sz="2400" i="1">
+                                          <a:latin typeface="Cambria Math" panose="02040503050406030204" pitchFamily="18" charset="0"/>
+                                        </a:rPr>
+                                        <m:t>𝜙</m:t>
+                                      </m:r>
+                                    </m:e>
+                                    <m:sub>
+                                      <m:r>
+                                        <a:rPr lang="en-US" sz="2400" i="1">
+                                          <a:latin typeface="Cambria Math" panose="02040503050406030204" pitchFamily="18" charset="0"/>
+                                        </a:rPr>
+                                        <m:t>𝑖</m:t>
+                                      </m:r>
+                                    </m:sub>
+                                  </m:sSub>
+                                </m:e>
+                              </m:d>
+                              <m:sSup>
+                                <m:sSupPr>
+                                  <m:ctrlPr>
+                                    <a:rPr lang="en-US" sz="2400" i="1">
+                                      <a:latin typeface="Cambria Math" panose="02040503050406030204" pitchFamily="18" charset="0"/>
+                                    </a:rPr>
+                                  </m:ctrlPr>
+                                </m:sSupPr>
+                                <m:e>
+                                  <m:d>
+                                    <m:dPr>
+                                      <m:begChr m:val="{"/>
+                                      <m:endChr m:val="}"/>
+                                      <m:ctrlPr>
+                                        <a:rPr lang="en-US" sz="2400" i="1">
+                                          <a:latin typeface="Cambria Math" panose="02040503050406030204" pitchFamily="18" charset="0"/>
+                                        </a:rPr>
+                                      </m:ctrlPr>
+                                    </m:dPr>
+                                    <m:e>
+                                      <m:sSup>
+                                        <m:sSupPr>
+                                          <m:ctrlPr>
+                                            <a:rPr lang="en-US" sz="2400" i="1">
+                                              <a:latin typeface="Cambria Math" panose="02040503050406030204" pitchFamily="18" charset="0"/>
+                                            </a:rPr>
+                                          </m:ctrlPr>
+                                        </m:sSupPr>
+                                        <m:e>
+                                          <m:d>
+                                            <m:dPr>
+                                              <m:begChr m:val="["/>
+                                              <m:endChr m:val="]"/>
+                                              <m:ctrlPr>
+                                                <a:rPr lang="en-US" sz="2400" i="1">
+                                                  <a:latin typeface="Cambria Math" panose="02040503050406030204" pitchFamily="18" charset="0"/>
+                                                </a:rPr>
+                                              </m:ctrlPr>
+                                            </m:dPr>
+                                            <m:e>
+                                              <m:r>
+                                                <a:rPr lang="en-US" sz="2400" i="1">
+                                                  <a:latin typeface="Cambria Math" panose="02040503050406030204" pitchFamily="18" charset="0"/>
+                                                </a:rPr>
+                                                <m:t>𝑁</m:t>
+                                              </m:r>
+                                            </m:e>
+                                          </m:d>
+                                        </m:e>
+                                        <m:sup>
+                                          <m:r>
+                                            <a:rPr lang="en-US" sz="2400" i="1">
+                                              <a:latin typeface="Cambria Math" panose="02040503050406030204" pitchFamily="18" charset="0"/>
+                                            </a:rPr>
+                                            <m:t>𝑇</m:t>
+                                          </m:r>
+                                        </m:sup>
+                                      </m:sSup>
+                                      <m:d>
+                                        <m:dPr>
+                                          <m:begChr m:val="["/>
+                                          <m:endChr m:val="]"/>
+                                          <m:ctrlPr>
+                                            <a:rPr lang="en-US" sz="2400" i="1">
+                                              <a:latin typeface="Cambria Math" panose="02040503050406030204" pitchFamily="18" charset="0"/>
+                                            </a:rPr>
+                                          </m:ctrlPr>
+                                        </m:dPr>
+                                        <m:e>
+                                          <m:r>
+                                            <a:rPr lang="en-US" sz="2400" i="1">
+                                              <a:latin typeface="Cambria Math" panose="02040503050406030204" pitchFamily="18" charset="0"/>
+                                            </a:rPr>
+                                            <m:t>𝑁</m:t>
+                                          </m:r>
+                                        </m:e>
+                                      </m:d>
+                                    </m:e>
+                                  </m:d>
+                                </m:e>
+                                <m:sup>
+                                  <m:r>
+                                    <a:rPr lang="en-US" sz="2400" i="1">
+                                      <a:latin typeface="Cambria Math" panose="02040503050406030204" pitchFamily="18" charset="0"/>
+                                    </a:rPr>
+                                    <m:t>2</m:t>
+                                  </m:r>
+                                </m:sup>
+                              </m:sSup>
+                              <m:r>
+                                <a:rPr lang="en-US" sz="2400" i="1">
+                                  <a:latin typeface="Cambria Math" panose="02040503050406030204" pitchFamily="18" charset="0"/>
+                                </a:rPr>
+                                <m:t>𝑑𝑥𝑑𝑦</m:t>
+                              </m:r>
+                            </m:e>
+                          </m:nary>
+                          <m:r>
+                            <a:rPr lang="en-US" sz="2400" b="0" i="1" smtClean="0">
+                              <a:latin typeface="Cambria Math" panose="02040503050406030204" pitchFamily="18" charset="0"/>
+                            </a:rPr>
+                            <m:t>+</m:t>
+                          </m:r>
+                          <m:r>
+                            <a:rPr lang="en-US" sz="2400" b="0" i="1" smtClean="0">
+                              <a:latin typeface="Cambria Math" panose="02040503050406030204" pitchFamily="18" charset="0"/>
+                            </a:rPr>
+                            <m:t>𝑏</m:t>
+                          </m:r>
+                          <m:nary>
+                            <m:naryPr>
+                              <m:chr m:val="∬"/>
+                              <m:limLoc m:val="undOvr"/>
+                              <m:subHide m:val="on"/>
+                              <m:supHide m:val="on"/>
+                              <m:ctrlPr>
+                                <a:rPr lang="en-US" sz="2400" b="0" i="1" smtClean="0">
+                                  <a:latin typeface="Cambria Math" panose="02040503050406030204" pitchFamily="18" charset="0"/>
+                                </a:rPr>
+                              </m:ctrlPr>
+                            </m:naryPr>
+                            <m:sub/>
+                            <m:sup/>
+                            <m:e>
+                              <m:sSup>
+                                <m:sSupPr>
+                                  <m:ctrlPr>
+                                    <a:rPr lang="en-US" sz="2400" b="0" i="1" smtClean="0">
+                                      <a:latin typeface="Cambria Math" panose="02040503050406030204" pitchFamily="18" charset="0"/>
+                                    </a:rPr>
+                                  </m:ctrlPr>
+                                </m:sSupPr>
+                                <m:e>
+                                  <m:d>
+                                    <m:dPr>
+                                      <m:begChr m:val="["/>
+                                      <m:endChr m:val="]"/>
+                                      <m:ctrlPr>
+                                        <a:rPr lang="en-US" sz="2400" b="0" i="1" smtClean="0">
+                                          <a:latin typeface="Cambria Math" panose="02040503050406030204" pitchFamily="18" charset="0"/>
+                                        </a:rPr>
+                                      </m:ctrlPr>
+                                    </m:dPr>
+                                    <m:e>
+                                      <m:r>
+                                        <a:rPr lang="en-US" sz="2400" b="0" i="1" smtClean="0">
+                                          <a:latin typeface="Cambria Math" panose="02040503050406030204" pitchFamily="18" charset="0"/>
+                                        </a:rPr>
+                                        <m:t>𝑁</m:t>
+                                      </m:r>
+                                    </m:e>
+                                  </m:d>
+                                </m:e>
+                                <m:sup>
+                                  <m:r>
+                                    <a:rPr lang="en-US" sz="2400" b="0" i="1" smtClean="0">
+                                      <a:latin typeface="Cambria Math" panose="02040503050406030204" pitchFamily="18" charset="0"/>
+                                    </a:rPr>
+                                    <m:t>𝑇</m:t>
+                                  </m:r>
+                                </m:sup>
+                              </m:sSup>
+                              <m:d>
+                                <m:dPr>
+                                  <m:begChr m:val="["/>
+                                  <m:endChr m:val="]"/>
+                                  <m:ctrlPr>
+                                    <a:rPr lang="en-US" sz="2400" b="0" i="1" smtClean="0">
+                                      <a:latin typeface="Cambria Math" panose="02040503050406030204" pitchFamily="18" charset="0"/>
+                                      <a:ea typeface="Cambria Math" panose="02040503050406030204" pitchFamily="18" charset="0"/>
+                                    </a:rPr>
+                                  </m:ctrlPr>
+                                </m:dPr>
+                                <m:e>
+                                  <m:sSub>
+                                    <m:sSubPr>
+                                      <m:ctrlPr>
+                                        <a:rPr lang="en-US" sz="2400" i="1">
+                                          <a:latin typeface="Cambria Math" panose="02040503050406030204" pitchFamily="18" charset="0"/>
+                                        </a:rPr>
+                                      </m:ctrlPr>
+                                    </m:sSubPr>
+                                    <m:e>
+                                      <m:r>
+                                        <a:rPr lang="en-US" sz="2400" i="1">
+                                          <a:latin typeface="Cambria Math" panose="02040503050406030204" pitchFamily="18" charset="0"/>
+                                        </a:rPr>
+                                        <m:t>𝜙</m:t>
+                                      </m:r>
+                                    </m:e>
+                                    <m:sub>
+                                      <m:r>
+                                        <a:rPr lang="en-US" sz="2400" i="1">
+                                          <a:latin typeface="Cambria Math" panose="02040503050406030204" pitchFamily="18" charset="0"/>
+                                        </a:rPr>
+                                        <m:t>𝑖</m:t>
+                                      </m:r>
+                                    </m:sub>
+                                  </m:sSub>
+                                </m:e>
+                              </m:d>
+                              <m:sSup>
+                                <m:sSupPr>
+                                  <m:ctrlPr>
+                                    <a:rPr lang="en-US" sz="2400" b="0" i="1" smtClean="0">
+                                      <a:latin typeface="Cambria Math" panose="02040503050406030204" pitchFamily="18" charset="0"/>
+                                    </a:rPr>
+                                  </m:ctrlPr>
+                                </m:sSupPr>
+                                <m:e>
+                                  <m:d>
+                                    <m:dPr>
+                                      <m:begChr m:val="["/>
+                                      <m:endChr m:val="]"/>
+                                      <m:ctrlPr>
+                                        <a:rPr lang="en-US" sz="2400" b="0" i="1" smtClean="0">
+                                          <a:latin typeface="Cambria Math" panose="02040503050406030204" pitchFamily="18" charset="0"/>
+                                        </a:rPr>
+                                      </m:ctrlPr>
+                                    </m:dPr>
+                                    <m:e>
+                                      <m:r>
+                                        <a:rPr lang="en-US" sz="2400" b="0" i="1" smtClean="0">
+                                          <a:latin typeface="Cambria Math" panose="02040503050406030204" pitchFamily="18" charset="0"/>
+                                        </a:rPr>
+                                        <m:t>𝑁</m:t>
+                                      </m:r>
+                                    </m:e>
+                                  </m:d>
+                                </m:e>
+                                <m:sup>
+                                  <m:r>
+                                    <a:rPr lang="en-US" sz="2400" b="0" i="1" smtClean="0">
+                                      <a:latin typeface="Cambria Math" panose="02040503050406030204" pitchFamily="18" charset="0"/>
+                                    </a:rPr>
+                                    <m:t>𝑇</m:t>
+                                  </m:r>
+                                </m:sup>
+                              </m:sSup>
+                              <m:d>
+                                <m:dPr>
+                                  <m:begChr m:val="["/>
+                                  <m:endChr m:val="]"/>
+                                  <m:ctrlPr>
+                                    <a:rPr lang="en-US" sz="2400" b="0" i="1" smtClean="0">
+                                      <a:latin typeface="Cambria Math" panose="02040503050406030204" pitchFamily="18" charset="0"/>
+                                    </a:rPr>
+                                  </m:ctrlPr>
+                                </m:dPr>
+                                <m:e>
+                                  <m:r>
+                                    <a:rPr lang="en-US" sz="2400" b="0" i="1" smtClean="0">
+                                      <a:latin typeface="Cambria Math" panose="02040503050406030204" pitchFamily="18" charset="0"/>
+                                    </a:rPr>
+                                    <m:t>𝑁</m:t>
+                                  </m:r>
+                                </m:e>
+                              </m:d>
+                              <m:r>
+                                <a:rPr lang="en-US" sz="2400" b="0" i="1" smtClean="0">
+                                  <a:latin typeface="Cambria Math" panose="02040503050406030204" pitchFamily="18" charset="0"/>
+                                </a:rPr>
+                                <m:t>𝑑𝑥𝑑𝑦</m:t>
+                              </m:r>
+                            </m:e>
+                          </m:nary>
+                          <m:r>
+                            <a:rPr lang="en-US" sz="2400" b="0" i="1" smtClean="0">
+                              <a:latin typeface="Cambria Math" panose="02040503050406030204" pitchFamily="18" charset="0"/>
+                            </a:rPr>
+                            <m:t>+</m:t>
+                          </m:r>
+                          <m:r>
+                            <a:rPr lang="en-US" sz="2400" b="0" i="1" smtClean="0">
+                              <a:latin typeface="Cambria Math" panose="02040503050406030204" pitchFamily="18" charset="0"/>
+                            </a:rPr>
+                            <m:t>𝑐</m:t>
+                          </m:r>
+                          <m:r>
+                            <a:rPr lang="en-US" sz="2400" b="0" i="1" smtClean="0">
+                              <a:latin typeface="Cambria Math" panose="02040503050406030204" pitchFamily="18" charset="0"/>
+                            </a:rPr>
+                            <m:t> </m:t>
+                          </m:r>
+                          <m:nary>
+                            <m:naryPr>
+                              <m:chr m:val="∬"/>
+                              <m:limLoc m:val="undOvr"/>
+                              <m:subHide m:val="on"/>
+                              <m:supHide m:val="on"/>
+                              <m:ctrlPr>
+                                <a:rPr lang="en-US" sz="2400" b="0" i="1" smtClean="0">
+                                  <a:latin typeface="Cambria Math" panose="02040503050406030204" pitchFamily="18" charset="0"/>
+                                </a:rPr>
+                              </m:ctrlPr>
+                            </m:naryPr>
+                            <m:sub/>
+                            <m:sup/>
+                            <m:e>
+                              <m:sSup>
+                                <m:sSupPr>
+                                  <m:ctrlPr>
+                                    <a:rPr lang="en-US" sz="2400" i="1">
+                                      <a:latin typeface="Cambria Math" panose="02040503050406030204" pitchFamily="18" charset="0"/>
+                                    </a:rPr>
+                                  </m:ctrlPr>
+                                </m:sSupPr>
+                                <m:e>
+                                  <m:d>
+                                    <m:dPr>
+                                      <m:begChr m:val="["/>
+                                      <m:endChr m:val="]"/>
+                                      <m:ctrlPr>
+                                        <a:rPr lang="en-US" sz="2400" i="1">
+                                          <a:latin typeface="Cambria Math" panose="02040503050406030204" pitchFamily="18" charset="0"/>
+                                        </a:rPr>
+                                      </m:ctrlPr>
+                                    </m:dPr>
+                                    <m:e>
+                                      <m:r>
+                                        <a:rPr lang="en-US" sz="2400" i="1">
+                                          <a:latin typeface="Cambria Math" panose="02040503050406030204" pitchFamily="18" charset="0"/>
+                                        </a:rPr>
+                                        <m:t>𝑁</m:t>
+                                      </m:r>
+                                    </m:e>
+                                  </m:d>
+                                </m:e>
+                                <m:sup>
+                                  <m:r>
+                                    <a:rPr lang="en-US" sz="2400" i="1">
+                                      <a:latin typeface="Cambria Math" panose="02040503050406030204" pitchFamily="18" charset="0"/>
+                                    </a:rPr>
+                                    <m:t>𝑇</m:t>
+                                  </m:r>
+                                </m:sup>
+                              </m:sSup>
+                              <m:d>
+                                <m:dPr>
+                                  <m:begChr m:val="["/>
+                                  <m:endChr m:val="]"/>
+                                  <m:ctrlPr>
+                                    <a:rPr lang="en-US" sz="2400" i="1">
+                                      <a:latin typeface="Cambria Math" panose="02040503050406030204" pitchFamily="18" charset="0"/>
+                                    </a:rPr>
+                                  </m:ctrlPr>
+                                </m:dPr>
+                                <m:e>
+                                  <m:r>
+                                    <a:rPr lang="en-US" sz="2400" i="1">
+                                      <a:latin typeface="Cambria Math" panose="02040503050406030204" pitchFamily="18" charset="0"/>
+                                    </a:rPr>
+                                    <m:t>𝑁</m:t>
+                                  </m:r>
+                                </m:e>
+                              </m:d>
+                              <m:r>
+                                <a:rPr lang="en-US" sz="2400" i="1">
+                                  <a:latin typeface="Cambria Math" panose="02040503050406030204" pitchFamily="18" charset="0"/>
+                                </a:rPr>
+                                <m:t>𝑑𝑥𝑑𝑦</m:t>
+                              </m:r>
+                            </m:e>
+                          </m:nary>
+                        </m:e>
+                      </m:d>
+                      <m:sSup>
+                        <m:sSupPr>
+                          <m:ctrlPr>
+                            <a:rPr lang="en-US" sz="2400" b="0" i="1" smtClean="0">
+                              <a:latin typeface="Cambria Math" panose="02040503050406030204" pitchFamily="18" charset="0"/>
+                            </a:rPr>
+                          </m:ctrlPr>
+                        </m:sSupPr>
+                        <m:e>
+                          <m:d>
+                            <m:dPr>
+                              <m:begChr m:val="["/>
+                              <m:endChr m:val="]"/>
+                              <m:ctrlPr>
+                                <a:rPr lang="en-US" sz="2400" b="0" i="1" smtClean="0">
+                                  <a:latin typeface="Cambria Math" panose="02040503050406030204" pitchFamily="18" charset="0"/>
+                                </a:rPr>
+                              </m:ctrlPr>
+                            </m:dPr>
+                            <m:e>
+                              <m:sSub>
+                                <m:sSubPr>
+                                  <m:ctrlPr>
+                                    <a:rPr lang="en-US" sz="2400" b="0" i="1" smtClean="0">
+                                      <a:latin typeface="Cambria Math" panose="02040503050406030204" pitchFamily="18" charset="0"/>
+                                    </a:rPr>
+                                  </m:ctrlPr>
+                                </m:sSubPr>
+                                <m:e>
+                                  <m:r>
+                                    <a:rPr lang="en-US" sz="2400" b="0" i="1" smtClean="0">
+                                      <a:latin typeface="Cambria Math" panose="02040503050406030204" pitchFamily="18" charset="0"/>
+                                    </a:rPr>
+                                    <m:t>𝜙</m:t>
+                                  </m:r>
+                                </m:e>
+                                <m:sub>
+                                  <m:r>
+                                    <a:rPr lang="en-US" sz="2400" b="0" i="1" smtClean="0">
+                                      <a:latin typeface="Cambria Math" panose="02040503050406030204" pitchFamily="18" charset="0"/>
+                                    </a:rPr>
+                                    <m:t>𝑖</m:t>
+                                  </m:r>
+                                </m:sub>
+                              </m:sSub>
+                            </m:e>
+                          </m:d>
+                        </m:e>
+                        <m:sup>
+                          <m:r>
+                            <a:rPr lang="en-US" sz="2400" b="0" i="1" smtClean="0">
+                              <a:latin typeface="Cambria Math" panose="02040503050406030204" pitchFamily="18" charset="0"/>
+                            </a:rPr>
+                            <m:t>𝑇</m:t>
+                          </m:r>
+                        </m:sup>
+                      </m:sSup>
+                    </m:oMath>
+                  </m:oMathPara>
+                </a14:m>
+                <a:endParaRPr lang="en-US" dirty="0"/>
+              </a:p>
+            </p:txBody>
+          </p:sp>
+        </mc:Choice>
+        <mc:Fallback>
+          <p:sp>
+            <p:nvSpPr>
+              <p:cNvPr id="3" name="Content Placeholder 2"/>
+              <p:cNvSpPr>
+                <a:spLocks noGrp="1" noRot="1" noChangeAspect="1" noMove="1" noResize="1" noEditPoints="1" noAdjustHandles="1" noChangeArrowheads="1" noChangeShapeType="1" noTextEdit="1"/>
+              </p:cNvSpPr>
+              <p:nvPr>
+                <p:ph idx="1"/>
+              </p:nvPr>
+            </p:nvSpPr>
+            <p:spPr>
+              <a:xfrm>
+                <a:off x="1024128" y="1740665"/>
+                <a:ext cx="9720071" cy="4568695"/>
+              </a:xfrm>
+              <a:blipFill>
+                <a:blip r:embed="rId3"/>
+                <a:stretch>
+                  <a:fillRect t="-134"/>
+                </a:stretch>
+              </a:blipFill>
+            </p:spPr>
+            <p:txBody>
+              <a:bodyPr/>
+              <a:lstStyle/>
+              <a:p>
+                <a:r>
+                  <a:rPr lang="en-US">
+                    <a:noFill/>
+                  </a:rPr>
+                  <a:t> </a:t>
+                </a:r>
+              </a:p>
+            </p:txBody>
+          </p:sp>
+        </mc:Fallback>
+      </mc:AlternateContent>
     </p:spTree>
     <p:extLst>
       <p:ext uri="{BB962C8B-B14F-4D97-AF65-F5344CB8AC3E}">
-        <p14:creationId xmlns:p14="http://schemas.microsoft.com/office/powerpoint/2010/main" val="1080100175"/>
+        <p14:creationId xmlns:p14="http://schemas.microsoft.com/office/powerpoint/2010/main" val="2519787937"/>
       </p:ext>
     </p:extLst>
   </p:cSld>
@@ -4980,15 +6500,159 @@
           <a:lstStyle/>
           <a:p>
             <a:r>
-              <a:rPr lang="en-US" dirty="0" smtClean="0"/>
+              <a:rPr lang="en-US" dirty="0"/>
+              <a:t>Implementing finite element method</a:t>
+            </a:r>
+          </a:p>
+        </p:txBody>
+      </p:sp>
+      <p:sp>
+        <p:nvSpPr>
+          <p:cNvPr id="3" name="Content Placeholder 2"/>
+          <p:cNvSpPr>
+            <a:spLocks noGrp="1"/>
+          </p:cNvSpPr>
+          <p:nvPr>
+            <p:ph idx="1"/>
+          </p:nvPr>
+        </p:nvSpPr>
+        <p:spPr>
+          <a:xfrm>
+            <a:off x="1024128" y="2286000"/>
+            <a:ext cx="10465507" cy="4023360"/>
+          </a:xfrm>
+        </p:spPr>
+        <p:txBody>
+          <a:bodyPr>
+            <a:normAutofit/>
+          </a:bodyPr>
+          <a:lstStyle/>
+          <a:p>
+            <a:pPr>
+              <a:buFont typeface="Wingdings" panose="05000000000000000000" pitchFamily="2" charset="2"/>
+              <a:buChar char="v"/>
+            </a:pPr>
+            <a:r>
+              <a:rPr lang="en-US" sz="4400" dirty="0"/>
+              <a:t> Rectangular domain with triangular elements</a:t>
+            </a:r>
+          </a:p>
+          <a:p>
+            <a:pPr>
+              <a:buFont typeface="Wingdings" panose="05000000000000000000" pitchFamily="2" charset="2"/>
+              <a:buChar char="v"/>
+            </a:pPr>
+            <a:r>
+              <a:rPr lang="en-US" sz="4400" dirty="0"/>
+              <a:t> Modify existing </a:t>
+            </a:r>
+            <a:r>
+              <a:rPr lang="en-US" sz="4400" dirty="0" err="1"/>
+              <a:t>Matlab</a:t>
+            </a:r>
+            <a:r>
+              <a:rPr lang="en-US" sz="4400" dirty="0"/>
+              <a:t> code</a:t>
+            </a:r>
+          </a:p>
+          <a:p>
+            <a:pPr>
+              <a:buFont typeface="Wingdings" panose="05000000000000000000" pitchFamily="2" charset="2"/>
+              <a:buChar char="v"/>
+            </a:pPr>
+            <a:r>
+              <a:rPr lang="en-US" sz="4400" dirty="0"/>
+              <a:t> Neumann, Periodic, and </a:t>
+            </a:r>
+            <a:r>
+              <a:rPr lang="en-US" sz="4400" dirty="0" err="1"/>
+              <a:t>Dirichlet</a:t>
+            </a:r>
+            <a:r>
+              <a:rPr lang="en-US" sz="4400" dirty="0"/>
+              <a:t> conditions</a:t>
+            </a:r>
+          </a:p>
+        </p:txBody>
+      </p:sp>
+    </p:spTree>
+    <p:extLst>
+      <p:ext uri="{BB962C8B-B14F-4D97-AF65-F5344CB8AC3E}">
+        <p14:creationId xmlns:p14="http://schemas.microsoft.com/office/powerpoint/2010/main" val="1080100175"/>
+      </p:ext>
+    </p:extLst>
+  </p:cSld>
+  <p:clrMapOvr>
+    <a:masterClrMapping/>
+  </p:clrMapOvr>
+</p:sld>
+</file>
+
+<file path=ppt/slides/slide12.xml><?xml version="1.0" encoding="utf-8"?>
+<p:sld xmlns:a="http://schemas.openxmlformats.org/drawingml/2006/main" xmlns:r="http://schemas.openxmlformats.org/officeDocument/2006/relationships" xmlns:p="http://schemas.openxmlformats.org/presentationml/2006/main">
+  <p:cSld>
+    <p:spTree>
+      <p:nvGrpSpPr>
+        <p:cNvPr id="1" name=""/>
+        <p:cNvGrpSpPr/>
+        <p:nvPr/>
+      </p:nvGrpSpPr>
+      <p:grpSpPr>
+        <a:xfrm>
+          <a:off x="0" y="0"/>
+          <a:ext cx="0" cy="0"/>
+          <a:chOff x="0" y="0"/>
+          <a:chExt cx="0" cy="0"/>
+        </a:xfrm>
+      </p:grpSpPr>
+      <p:pic>
+        <p:nvPicPr>
+          <p:cNvPr id="5" name="Picture 4"/>
+          <p:cNvPicPr>
+            <a:picLocks noChangeAspect="1"/>
+          </p:cNvPicPr>
+          <p:nvPr/>
+        </p:nvPicPr>
+        <p:blipFill>
+          <a:blip r:embed="rId3"/>
+          <a:stretch>
+            <a:fillRect/>
+          </a:stretch>
+        </p:blipFill>
+        <p:spPr>
+          <a:xfrm>
+            <a:off x="5591955" y="1552574"/>
+            <a:ext cx="6443980" cy="4832985"/>
+          </a:xfrm>
+          <a:prstGeom prst="rect">
+            <a:avLst/>
+          </a:prstGeom>
+        </p:spPr>
+      </p:pic>
+      <p:sp>
+        <p:nvSpPr>
+          <p:cNvPr id="2" name="Title 1"/>
+          <p:cNvSpPr>
+            <a:spLocks noGrp="1"/>
+          </p:cNvSpPr>
+          <p:nvPr>
+            <p:ph type="title"/>
+          </p:nvPr>
+        </p:nvSpPr>
+        <p:spPr/>
+        <p:txBody>
+          <a:bodyPr/>
+          <a:lstStyle/>
+          <a:p>
+            <a:r>
+              <a:rPr lang="en-US" dirty="0"/>
               <a:t>Stage 1</a:t>
             </a:r>
-            <a:endParaRPr lang="en-US" dirty="0"/>
           </a:p>
         </p:txBody>
       </p:sp>
-      <mc:AlternateContent xmlns:mc="http://schemas.openxmlformats.org/markup-compatibility/2006" xmlns:a14="http://schemas.microsoft.com/office/drawing/2010/main">
-        <mc:Choice Requires="a14">
+      <mc:AlternateContent xmlns:mc="http://schemas.openxmlformats.org/markup-compatibility/2006">
+        <mc:Choice xmlns:a14="http://schemas.microsoft.com/office/drawing/2010/main" Requires="a14">
           <p:sp>
             <p:nvSpPr>
               <p:cNvPr id="3" name="Content Placeholder 2"/>
@@ -4999,30 +6663,71 @@
                 <p:ph idx="1"/>
               </p:nvPr>
             </p:nvSpPr>
-            <p:spPr/>
+            <p:spPr>
+              <a:xfrm>
+                <a:off x="811692" y="1957387"/>
+                <a:ext cx="6071997" cy="4023360"/>
+              </a:xfrm>
+            </p:spPr>
             <p:txBody>
               <a:bodyPr/>
               <a:lstStyle/>
               <a:p>
+                <a:r>
+                  <a:rPr lang="en-US" sz="2800" dirty="0"/>
+                  <a:t>Ignoring </a:t>
+                </a:r>
+                <a14:m>
+                  <m:oMath xmlns:m="http://schemas.openxmlformats.org/officeDocument/2006/math">
+                    <m:r>
+                      <a:rPr lang="en-US" sz="2800" i="1">
+                        <a:latin typeface="Cambria Math" charset="0"/>
+                      </a:rPr>
+                      <m:t>𝑔</m:t>
+                    </m:r>
+                    <m:r>
+                      <a:rPr lang="en-US" sz="2800" i="1">
+                        <a:latin typeface="Cambria Math" charset="0"/>
+                      </a:rPr>
+                      <m:t>(</m:t>
+                    </m:r>
+                    <m:r>
+                      <a:rPr lang="en-US" sz="2800" i="1">
+                        <a:latin typeface="Cambria Math" charset="0"/>
+                      </a:rPr>
+                      <m:t>𝜙</m:t>
+                    </m:r>
+                    <m:r>
+                      <a:rPr lang="en-US" sz="2800" i="1">
+                        <a:latin typeface="Cambria Math" charset="0"/>
+                      </a:rPr>
+                      <m:t>)</m:t>
+                    </m:r>
+                  </m:oMath>
+                </a14:m>
+                <a:r>
+                  <a:rPr lang="en-US" sz="2800" dirty="0"/>
+                  <a:t>: </a:t>
+                </a:r>
                 <a14:m>
                   <m:oMath xmlns:m="http://schemas.openxmlformats.org/officeDocument/2006/math">
                     <m:f>
                       <m:fPr>
                         <m:ctrlPr>
-                          <a:rPr lang="en-US" sz="4000" i="1">
-                            <a:latin typeface="Cambria Math" charset="0"/>
+                          <a:rPr lang="en-US" sz="2800" i="1">
+                            <a:latin typeface="Cambria Math" panose="02040503050406030204" pitchFamily="18" charset="0"/>
                           </a:rPr>
                         </m:ctrlPr>
                       </m:fPr>
                       <m:num>
                         <m:r>
-                          <a:rPr lang="en-US" sz="4000" i="1">
+                          <a:rPr lang="en-US" sz="2800" i="1">
                             <a:latin typeface="Cambria Math" charset="0"/>
                           </a:rPr>
                           <m:t>𝜕</m:t>
                         </m:r>
                         <m:r>
-                          <a:rPr lang="en-US" sz="4000" i="1">
+                          <a:rPr lang="en-US" sz="2800" i="1">
                             <a:latin typeface="Cambria Math" charset="0"/>
                             <a:ea typeface="Cambria Math" charset="0"/>
                             <a:cs typeface="Cambria Math" charset="0"/>
@@ -5032,13 +6737,13 @@
                       </m:num>
                       <m:den>
                         <m:r>
-                          <a:rPr lang="en-US" sz="4000" i="1">
+                          <a:rPr lang="en-US" sz="2800" i="1">
                             <a:latin typeface="Cambria Math" charset="0"/>
                           </a:rPr>
                           <m:t>𝜕</m:t>
                         </m:r>
                         <m:r>
-                          <a:rPr lang="en-US" sz="4000" i="1">
+                          <a:rPr lang="en-US" sz="2800" i="1">
                             <a:latin typeface="Cambria Math" charset="0"/>
                           </a:rPr>
                           <m:t>𝑡</m:t>
@@ -5046,7 +6751,7 @@
                       </m:den>
                     </m:f>
                     <m:r>
-                      <a:rPr lang="en-US" sz="4000" i="1">
+                      <a:rPr lang="en-US" sz="2800" i="1">
                         <a:latin typeface="Cambria Math" charset="0"/>
                       </a:rPr>
                       <m:t>=2</m:t>
@@ -5054,8 +6759,8 @@
                     <m:d>
                       <m:dPr>
                         <m:ctrlPr>
-                          <a:rPr lang="is-IS" sz="4000" i="1">
-                            <a:latin typeface="Cambria Math" charset="0"/>
+                          <a:rPr lang="is-IS" sz="2800" i="1">
+                            <a:latin typeface="Cambria Math" panose="02040503050406030204" pitchFamily="18" charset="0"/>
                           </a:rPr>
                         </m:ctrlPr>
                       </m:dPr>
@@ -5063,8 +6768,8 @@
                         <m:f>
                           <m:fPr>
                             <m:ctrlPr>
-                              <a:rPr lang="bg-BG" sz="4000" i="1">
-                                <a:latin typeface="Cambria Math" charset="0"/>
+                              <a:rPr lang="bg-BG" sz="2800" i="1">
+                                <a:latin typeface="Cambria Math" panose="02040503050406030204" pitchFamily="18" charset="0"/>
                               </a:rPr>
                             </m:ctrlPr>
                           </m:fPr>
@@ -5072,14 +6777,14 @@
                             <m:sSup>
                               <m:sSupPr>
                                 <m:ctrlPr>
-                                  <a:rPr lang="is-IS" sz="4000" i="1">
-                                    <a:latin typeface="Cambria Math" charset="0"/>
+                                  <a:rPr lang="is-IS" sz="2800" i="1">
+                                    <a:latin typeface="Cambria Math" panose="02040503050406030204" pitchFamily="18" charset="0"/>
                                   </a:rPr>
                                 </m:ctrlPr>
                               </m:sSupPr>
                               <m:e>
                                 <m:r>
-                                  <a:rPr lang="is-IS" sz="4000" i="1">
+                                  <a:rPr lang="is-IS" sz="2800" i="1">
                                     <a:latin typeface="Cambria Math" charset="0"/>
                                     <a:ea typeface="Cambria Math" charset="0"/>
                                     <a:cs typeface="Cambria Math" charset="0"/>
@@ -5089,7 +6794,7 @@
                               </m:e>
                               <m:sup>
                                 <m:r>
-                                  <a:rPr lang="is-IS" sz="4000" i="1">
+                                  <a:rPr lang="is-IS" sz="2800" i="1">
                                     <a:latin typeface="Cambria Math" charset="0"/>
                                   </a:rPr>
                                   <m:t>2</m:t>
@@ -5097,7 +6802,7 @@
                               </m:sup>
                             </m:sSup>
                             <m:r>
-                              <a:rPr lang="is-IS" sz="4000" i="1">
+                              <a:rPr lang="is-IS" sz="2800" i="1">
                                 <a:latin typeface="Cambria Math" charset="0"/>
                                 <a:ea typeface="Cambria Math" charset="0"/>
                                 <a:cs typeface="Cambria Math" charset="0"/>
@@ -5107,7 +6812,7 @@
                           </m:num>
                           <m:den>
                             <m:r>
-                              <a:rPr lang="bg-BG" sz="4000" i="1">
+                              <a:rPr lang="bg-BG" sz="2800" i="1">
                                 <a:latin typeface="Cambria Math" charset="0"/>
                                 <a:ea typeface="Cambria Math" charset="0"/>
                                 <a:cs typeface="Cambria Math" charset="0"/>
@@ -5117,8 +6822,8 @@
                             <m:sSup>
                               <m:sSupPr>
                                 <m:ctrlPr>
-                                  <a:rPr lang="is-IS" sz="4000" i="1">
-                                    <a:latin typeface="Cambria Math" charset="0"/>
+                                  <a:rPr lang="is-IS" sz="2800" i="1">
+                                    <a:latin typeface="Cambria Math" panose="02040503050406030204" pitchFamily="18" charset="0"/>
                                     <a:ea typeface="Cambria Math" charset="0"/>
                                     <a:cs typeface="Cambria Math" charset="0"/>
                                   </a:rPr>
@@ -5126,7 +6831,7 @@
                               </m:sSupPr>
                               <m:e>
                                 <m:r>
-                                  <a:rPr lang="is-IS" sz="4000" i="1">
+                                  <a:rPr lang="is-IS" sz="2800" i="1">
                                     <a:latin typeface="Cambria Math" charset="0"/>
                                     <a:ea typeface="Cambria Math" charset="0"/>
                                     <a:cs typeface="Cambria Math" charset="0"/>
@@ -5136,7 +6841,7 @@
                               </m:e>
                               <m:sup>
                                 <m:r>
-                                  <a:rPr lang="is-IS" sz="4000" i="1">
+                                  <a:rPr lang="is-IS" sz="2800" i="1">
                                     <a:latin typeface="Cambria Math" charset="0"/>
                                     <a:ea typeface="Cambria Math" charset="0"/>
                                     <a:cs typeface="Cambria Math" charset="0"/>
@@ -5148,7 +6853,7 @@
                           </m:den>
                         </m:f>
                         <m:r>
-                          <a:rPr lang="en-US" sz="4000" i="1">
+                          <a:rPr lang="en-US" sz="2800" i="1">
                             <a:latin typeface="Cambria Math" charset="0"/>
                           </a:rPr>
                           <m:t>+ </m:t>
@@ -5156,8 +6861,8 @@
                         <m:f>
                           <m:fPr>
                             <m:ctrlPr>
-                              <a:rPr lang="bg-BG" sz="4000" i="1">
-                                <a:latin typeface="Cambria Math" charset="0"/>
+                              <a:rPr lang="bg-BG" sz="2800" i="1">
+                                <a:latin typeface="Cambria Math" panose="02040503050406030204" pitchFamily="18" charset="0"/>
                               </a:rPr>
                             </m:ctrlPr>
                           </m:fPr>
@@ -5165,14 +6870,14 @@
                             <m:sSup>
                               <m:sSupPr>
                                 <m:ctrlPr>
-                                  <a:rPr lang="is-IS" sz="4000" i="1">
-                                    <a:latin typeface="Cambria Math" charset="0"/>
+                                  <a:rPr lang="is-IS" sz="2800" i="1">
+                                    <a:latin typeface="Cambria Math" panose="02040503050406030204" pitchFamily="18" charset="0"/>
                                   </a:rPr>
                                 </m:ctrlPr>
                               </m:sSupPr>
                               <m:e>
                                 <m:r>
-                                  <a:rPr lang="is-IS" sz="4000" i="1">
+                                  <a:rPr lang="is-IS" sz="2800" i="1">
                                     <a:latin typeface="Cambria Math" charset="0"/>
                                     <a:ea typeface="Cambria Math" charset="0"/>
                                     <a:cs typeface="Cambria Math" charset="0"/>
@@ -5182,7 +6887,7 @@
                               </m:e>
                               <m:sup>
                                 <m:r>
-                                  <a:rPr lang="is-IS" sz="4000" i="1">
+                                  <a:rPr lang="is-IS" sz="2800" i="1">
                                     <a:latin typeface="Cambria Math" charset="0"/>
                                   </a:rPr>
                                   <m:t>2</m:t>
@@ -5190,7 +6895,7 @@
                               </m:sup>
                             </m:sSup>
                             <m:r>
-                              <a:rPr lang="bg-BG" sz="4000" i="1">
+                              <a:rPr lang="bg-BG" sz="2800" i="1">
                                 <a:latin typeface="Cambria Math" charset="0"/>
                                 <a:ea typeface="Cambria Math" charset="0"/>
                                 <a:cs typeface="Cambria Math" charset="0"/>
@@ -5200,7 +6905,7 @@
                           </m:num>
                           <m:den>
                             <m:r>
-                              <a:rPr lang="bg-BG" sz="4000" i="1">
+                              <a:rPr lang="bg-BG" sz="2800" i="1">
                                 <a:latin typeface="Cambria Math" charset="0"/>
                                 <a:ea typeface="Cambria Math" charset="0"/>
                                 <a:cs typeface="Cambria Math" charset="0"/>
@@ -5210,8 +6915,8 @@
                             <m:sSup>
                               <m:sSupPr>
                                 <m:ctrlPr>
-                                  <a:rPr lang="is-IS" sz="4000" i="1">
-                                    <a:latin typeface="Cambria Math" charset="0"/>
+                                  <a:rPr lang="is-IS" sz="2800" i="1">
+                                    <a:latin typeface="Cambria Math" panose="02040503050406030204" pitchFamily="18" charset="0"/>
                                     <a:ea typeface="Cambria Math" charset="0"/>
                                     <a:cs typeface="Cambria Math" charset="0"/>
                                   </a:rPr>
@@ -5219,7 +6924,7 @@
                               </m:sSupPr>
                               <m:e>
                                 <m:r>
-                                  <a:rPr lang="en-US" sz="4000" i="1">
+                                  <a:rPr lang="en-US" sz="2800" i="1">
                                     <a:latin typeface="Cambria Math" charset="0"/>
                                     <a:ea typeface="Cambria Math" charset="0"/>
                                     <a:cs typeface="Cambria Math" charset="0"/>
@@ -5229,7 +6934,7 @@
                               </m:e>
                               <m:sup>
                                 <m:r>
-                                  <a:rPr lang="is-IS" sz="4000" i="1">
+                                  <a:rPr lang="is-IS" sz="2800" i="1">
                                     <a:latin typeface="Cambria Math" charset="0"/>
                                     <a:ea typeface="Cambria Math" charset="0"/>
                                     <a:cs typeface="Cambria Math" charset="0"/>
@@ -5247,12 +6952,18 @@
                 <a:endParaRPr lang="en-US" sz="4000" dirty="0"/>
               </a:p>
               <a:p>
-                <a:endParaRPr lang="en-US" dirty="0"/>
+                <a:endParaRPr lang="en-US" sz="4000" dirty="0"/>
+              </a:p>
+              <a:p>
+                <a:r>
+                  <a:rPr lang="en-US" sz="3200" dirty="0"/>
+                  <a:t>Heat Equation!</a:t>
+                </a:r>
               </a:p>
             </p:txBody>
           </p:sp>
         </mc:Choice>
-        <mc:Fallback xmlns="">
+        <mc:Fallback>
           <p:sp>
             <p:nvSpPr>
               <p:cNvPr id="3" name="Content Placeholder 2"/>
@@ -5264,10 +6975,808 @@
               </p:nvPr>
             </p:nvSpPr>
             <p:spPr>
-              <a:blipFill rotWithShape="0">
-                <a:blip r:embed="rId3"/>
+              <a:xfrm>
+                <a:off x="811692" y="1957387"/>
+                <a:ext cx="6071997" cy="4023360"/>
+              </a:xfrm>
+              <a:blipFill>
+                <a:blip r:embed="rId4"/>
                 <a:stretch>
-                  <a:fillRect/>
+                  <a:fillRect l="-1506"/>
+                </a:stretch>
+              </a:blipFill>
+            </p:spPr>
+            <p:txBody>
+              <a:bodyPr/>
+              <a:lstStyle/>
+              <a:p>
+                <a:r>
+                  <a:rPr lang="en-US">
+                    <a:noFill/>
+                  </a:rPr>
+                  <a:t> </a:t>
+                </a:r>
+              </a:p>
+            </p:txBody>
+          </p:sp>
+        </mc:Fallback>
+      </mc:AlternateContent>
+    </p:spTree>
+    <p:extLst>
+      <p:ext uri="{BB962C8B-B14F-4D97-AF65-F5344CB8AC3E}">
+        <p14:creationId xmlns:p14="http://schemas.microsoft.com/office/powerpoint/2010/main" val="651378599"/>
+      </p:ext>
+    </p:extLst>
+  </p:cSld>
+  <p:clrMapOvr>
+    <a:masterClrMapping/>
+  </p:clrMapOvr>
+</p:sld>
+</file>
+
+<file path=ppt/slides/slide13.xml><?xml version="1.0" encoding="utf-8"?>
+<p:sld xmlns:a="http://schemas.openxmlformats.org/drawingml/2006/main" xmlns:r="http://schemas.openxmlformats.org/officeDocument/2006/relationships" xmlns:p="http://schemas.openxmlformats.org/presentationml/2006/main">
+  <p:cSld>
+    <p:spTree>
+      <p:nvGrpSpPr>
+        <p:cNvPr id="1" name=""/>
+        <p:cNvGrpSpPr/>
+        <p:nvPr/>
+      </p:nvGrpSpPr>
+      <p:grpSpPr>
+        <a:xfrm>
+          <a:off x="0" y="0"/>
+          <a:ext cx="0" cy="0"/>
+          <a:chOff x="0" y="0"/>
+          <a:chExt cx="0" cy="0"/>
+        </a:xfrm>
+      </p:grpSpPr>
+      <p:sp>
+        <p:nvSpPr>
+          <p:cNvPr id="2" name="Title 1"/>
+          <p:cNvSpPr>
+            <a:spLocks noGrp="1"/>
+          </p:cNvSpPr>
+          <p:nvPr>
+            <p:ph type="title"/>
+          </p:nvPr>
+        </p:nvSpPr>
+        <p:spPr/>
+        <p:txBody>
+          <a:bodyPr/>
+          <a:lstStyle/>
+          <a:p>
+            <a:r>
+              <a:rPr lang="en-US" dirty="0"/>
+              <a:t>Results: </a:t>
+            </a:r>
+            <a:r>
+              <a:rPr lang="en-US" dirty="0" err="1"/>
+              <a:t>Dirichlet</a:t>
+            </a:r>
+            <a:endParaRPr lang="en-US" dirty="0"/>
+          </a:p>
+        </p:txBody>
+      </p:sp>
+      <p:sp>
+        <p:nvSpPr>
+          <p:cNvPr id="3" name="Content Placeholder 2"/>
+          <p:cNvSpPr>
+            <a:spLocks noGrp="1"/>
+          </p:cNvSpPr>
+          <p:nvPr>
+            <p:ph idx="1"/>
+          </p:nvPr>
+        </p:nvSpPr>
+        <p:spPr>
+          <a:xfrm>
+            <a:off x="1024128" y="1872867"/>
+            <a:ext cx="3966513" cy="4436493"/>
+          </a:xfrm>
+        </p:spPr>
+        <p:txBody>
+          <a:bodyPr>
+            <a:normAutofit/>
+          </a:bodyPr>
+          <a:lstStyle/>
+          <a:p>
+            <a:pPr algn="ctr"/>
+            <a:r>
+              <a:rPr lang="en-US" sz="2800" dirty="0"/>
+              <a:t>All boundaries fixed to zero</a:t>
+            </a:r>
+          </a:p>
+        </p:txBody>
+      </p:sp>
+      <p:pic>
+        <p:nvPicPr>
+          <p:cNvPr id="4" name="Picture 3"/>
+          <p:cNvPicPr>
+            <a:picLocks noChangeAspect="1"/>
+          </p:cNvPicPr>
+          <p:nvPr/>
+        </p:nvPicPr>
+        <p:blipFill rotWithShape="1">
+          <a:blip r:embed="rId3"/>
+          <a:srcRect l="9180" t="4626" r="8777"/>
+          <a:stretch/>
+        </p:blipFill>
+        <p:spPr>
+          <a:xfrm>
+            <a:off x="5475384" y="1612979"/>
+            <a:ext cx="5684704" cy="4956268"/>
+          </a:xfrm>
+          <a:prstGeom prst="rect">
+            <a:avLst/>
+          </a:prstGeom>
+        </p:spPr>
+      </p:pic>
+    </p:spTree>
+    <p:extLst>
+      <p:ext uri="{BB962C8B-B14F-4D97-AF65-F5344CB8AC3E}">
+        <p14:creationId xmlns:p14="http://schemas.microsoft.com/office/powerpoint/2010/main" val="506563567"/>
+      </p:ext>
+    </p:extLst>
+  </p:cSld>
+  <p:clrMapOvr>
+    <a:masterClrMapping/>
+  </p:clrMapOvr>
+</p:sld>
+</file>
+
+<file path=ppt/slides/slide14.xml><?xml version="1.0" encoding="utf-8"?>
+<p:sld xmlns:a="http://schemas.openxmlformats.org/drawingml/2006/main" xmlns:r="http://schemas.openxmlformats.org/officeDocument/2006/relationships" xmlns:p="http://schemas.openxmlformats.org/presentationml/2006/main">
+  <p:cSld>
+    <p:spTree>
+      <p:nvGrpSpPr>
+        <p:cNvPr id="1" name=""/>
+        <p:cNvGrpSpPr/>
+        <p:nvPr/>
+      </p:nvGrpSpPr>
+      <p:grpSpPr>
+        <a:xfrm>
+          <a:off x="0" y="0"/>
+          <a:ext cx="0" cy="0"/>
+          <a:chOff x="0" y="0"/>
+          <a:chExt cx="0" cy="0"/>
+        </a:xfrm>
+      </p:grpSpPr>
+      <p:sp>
+        <p:nvSpPr>
+          <p:cNvPr id="2" name="Title 1"/>
+          <p:cNvSpPr>
+            <a:spLocks noGrp="1"/>
+          </p:cNvSpPr>
+          <p:nvPr>
+            <p:ph type="title"/>
+          </p:nvPr>
+        </p:nvSpPr>
+        <p:spPr/>
+        <p:txBody>
+          <a:bodyPr/>
+          <a:lstStyle/>
+          <a:p>
+            <a:r>
+              <a:rPr lang="en-US" dirty="0"/>
+              <a:t>Results: Neumann</a:t>
+            </a:r>
+          </a:p>
+        </p:txBody>
+      </p:sp>
+      <mc:AlternateContent xmlns:mc="http://schemas.openxmlformats.org/markup-compatibility/2006">
+        <mc:Choice xmlns:a14="http://schemas.microsoft.com/office/drawing/2010/main" Requires="a14">
+          <p:sp>
+            <p:nvSpPr>
+              <p:cNvPr id="3" name="Content Placeholder 2"/>
+              <p:cNvSpPr>
+                <a:spLocks noGrp="1"/>
+              </p:cNvSpPr>
+              <p:nvPr>
+                <p:ph idx="1"/>
+              </p:nvPr>
+            </p:nvSpPr>
+            <p:spPr>
+              <a:xfrm>
+                <a:off x="1024128" y="2286000"/>
+                <a:ext cx="4572441" cy="4023360"/>
+              </a:xfrm>
+            </p:spPr>
+            <p:txBody>
+              <a:bodyPr/>
+              <a:lstStyle/>
+              <a:p>
+                <a14:m>
+                  <m:oMath xmlns:m="http://schemas.openxmlformats.org/officeDocument/2006/math">
+                    <m:r>
+                      <a:rPr lang="en-US" i="1" smtClean="0">
+                        <a:latin typeface="Cambria Math" panose="02040503050406030204" pitchFamily="18" charset="0"/>
+                        <a:ea typeface="Cambria Math" panose="02040503050406030204" pitchFamily="18" charset="0"/>
+                      </a:rPr>
+                      <m:t>∇</m:t>
+                    </m:r>
+                    <m:r>
+                      <a:rPr lang="en-US" b="0" i="1" smtClean="0">
+                        <a:latin typeface="Cambria Math" panose="02040503050406030204" pitchFamily="18" charset="0"/>
+                        <a:ea typeface="Cambria Math" panose="02040503050406030204" pitchFamily="18" charset="0"/>
+                      </a:rPr>
+                      <m:t>𝜙</m:t>
+                    </m:r>
+                    <m:r>
+                      <a:rPr lang="en-US" b="0" i="1" smtClean="0">
+                        <a:latin typeface="Cambria Math" panose="02040503050406030204" pitchFamily="18" charset="0"/>
+                        <a:ea typeface="Cambria Math" panose="02040503050406030204" pitchFamily="18" charset="0"/>
+                      </a:rPr>
+                      <m:t>∙</m:t>
+                    </m:r>
+                    <m:sSub>
+                      <m:sSubPr>
+                        <m:ctrlPr>
+                          <a:rPr lang="en-US" b="0" i="1" smtClean="0">
+                            <a:latin typeface="Cambria Math" panose="02040503050406030204" pitchFamily="18" charset="0"/>
+                            <a:ea typeface="Cambria Math" panose="02040503050406030204" pitchFamily="18" charset="0"/>
+                          </a:rPr>
+                        </m:ctrlPr>
+                      </m:sSubPr>
+                      <m:e>
+                        <m:r>
+                          <a:rPr lang="en-US" b="0" i="1" smtClean="0">
+                            <a:latin typeface="Cambria Math" panose="02040503050406030204" pitchFamily="18" charset="0"/>
+                            <a:ea typeface="Cambria Math" panose="02040503050406030204" pitchFamily="18" charset="0"/>
+                          </a:rPr>
+                          <m:t>𝑛</m:t>
+                        </m:r>
+                      </m:e>
+                      <m:sub>
+                        <m:r>
+                          <a:rPr lang="en-US" i="1">
+                            <a:latin typeface="Cambria Math" panose="02040503050406030204" pitchFamily="18" charset="0"/>
+                            <a:ea typeface="Cambria Math" panose="02040503050406030204" pitchFamily="18" charset="0"/>
+                          </a:rPr>
+                          <m:t>𝜕</m:t>
+                        </m:r>
+                        <m:r>
+                          <m:rPr>
+                            <m:sty m:val="p"/>
+                          </m:rPr>
+                          <a:rPr lang="en-US">
+                            <a:latin typeface="Cambria Math" panose="02040503050406030204" pitchFamily="18" charset="0"/>
+                            <a:ea typeface="Cambria Math" panose="02040503050406030204" pitchFamily="18" charset="0"/>
+                          </a:rPr>
+                          <m:t>Ω</m:t>
+                        </m:r>
+                      </m:sub>
+                    </m:sSub>
+                    <m:r>
+                      <a:rPr lang="en-US" b="0" i="1" smtClean="0">
+                        <a:latin typeface="Cambria Math" panose="02040503050406030204" pitchFamily="18" charset="0"/>
+                        <a:ea typeface="Cambria Math" panose="02040503050406030204" pitchFamily="18" charset="0"/>
+                      </a:rPr>
+                      <m:t>=0</m:t>
+                    </m:r>
+                  </m:oMath>
+                </a14:m>
+                <a:endParaRPr lang="en-US" dirty="0"/>
+              </a:p>
+              <a:p>
+                <a14:m>
+                  <m:oMath xmlns:m="http://schemas.openxmlformats.org/officeDocument/2006/math">
+                    <m:sSub>
+                      <m:sSubPr>
+                        <m:ctrlPr>
+                          <a:rPr lang="en-US" b="0" i="1" smtClean="0">
+                            <a:latin typeface="Cambria Math" panose="02040503050406030204" pitchFamily="18" charset="0"/>
+                          </a:rPr>
+                        </m:ctrlPr>
+                      </m:sSubPr>
+                      <m:e>
+                        <m:r>
+                          <a:rPr lang="en-US" b="0" i="1" smtClean="0">
+                            <a:latin typeface="Cambria Math" panose="02040503050406030204" pitchFamily="18" charset="0"/>
+                          </a:rPr>
+                          <m:t>𝜙</m:t>
+                        </m:r>
+                      </m:e>
+                      <m:sub>
+                        <m:r>
+                          <a:rPr lang="en-US" b="0" i="1" smtClean="0">
+                            <a:latin typeface="Cambria Math" panose="02040503050406030204" pitchFamily="18" charset="0"/>
+                          </a:rPr>
+                          <m:t>0,</m:t>
+                        </m:r>
+                        <m:r>
+                          <a:rPr lang="en-US" b="0" i="1" smtClean="0">
+                            <a:latin typeface="Cambria Math" panose="02040503050406030204" pitchFamily="18" charset="0"/>
+                          </a:rPr>
+                          <m:t>𝑗</m:t>
+                        </m:r>
+                      </m:sub>
+                    </m:sSub>
+                    <m:r>
+                      <a:rPr lang="en-US" b="0" i="1" smtClean="0">
+                        <a:latin typeface="Cambria Math" panose="02040503050406030204" pitchFamily="18" charset="0"/>
+                      </a:rPr>
+                      <m:t>=</m:t>
+                    </m:r>
+                    <m:sSub>
+                      <m:sSubPr>
+                        <m:ctrlPr>
+                          <a:rPr lang="en-US" i="1">
+                            <a:latin typeface="Cambria Math" panose="02040503050406030204" pitchFamily="18" charset="0"/>
+                          </a:rPr>
+                        </m:ctrlPr>
+                      </m:sSubPr>
+                      <m:e>
+                        <m:r>
+                          <a:rPr lang="en-US" i="1">
+                            <a:latin typeface="Cambria Math" panose="02040503050406030204" pitchFamily="18" charset="0"/>
+                          </a:rPr>
+                          <m:t>𝜙</m:t>
+                        </m:r>
+                      </m:e>
+                      <m:sub>
+                        <m:r>
+                          <a:rPr lang="en-US" b="0" i="1" smtClean="0">
+                            <a:latin typeface="Cambria Math" panose="02040503050406030204" pitchFamily="18" charset="0"/>
+                          </a:rPr>
+                          <m:t>1</m:t>
+                        </m:r>
+                        <m:r>
+                          <a:rPr lang="en-US" i="1">
+                            <a:latin typeface="Cambria Math" panose="02040503050406030204" pitchFamily="18" charset="0"/>
+                          </a:rPr>
+                          <m:t>,</m:t>
+                        </m:r>
+                        <m:r>
+                          <a:rPr lang="en-US" i="1">
+                            <a:latin typeface="Cambria Math" panose="02040503050406030204" pitchFamily="18" charset="0"/>
+                          </a:rPr>
+                          <m:t>𝑗</m:t>
+                        </m:r>
+                      </m:sub>
+                    </m:sSub>
+                    <m:r>
+                      <a:rPr lang="en-US" b="0" i="1" smtClean="0">
+                        <a:latin typeface="Cambria Math" panose="02040503050406030204" pitchFamily="18" charset="0"/>
+                      </a:rPr>
+                      <m:t> ;</m:t>
+                    </m:r>
+                    <m:sSub>
+                      <m:sSubPr>
+                        <m:ctrlPr>
+                          <a:rPr lang="en-US" i="1">
+                            <a:latin typeface="Cambria Math" panose="02040503050406030204" pitchFamily="18" charset="0"/>
+                          </a:rPr>
+                        </m:ctrlPr>
+                      </m:sSubPr>
+                      <m:e>
+                        <m:r>
+                          <a:rPr lang="en-US" i="1">
+                            <a:latin typeface="Cambria Math" panose="02040503050406030204" pitchFamily="18" charset="0"/>
+                          </a:rPr>
+                          <m:t>𝜙</m:t>
+                        </m:r>
+                      </m:e>
+                      <m:sub>
+                        <m:sSub>
+                          <m:sSubPr>
+                            <m:ctrlPr>
+                              <a:rPr lang="en-US" b="0" i="1" smtClean="0">
+                                <a:latin typeface="Cambria Math" panose="02040503050406030204" pitchFamily="18" charset="0"/>
+                              </a:rPr>
+                            </m:ctrlPr>
+                          </m:sSubPr>
+                          <m:e>
+                            <m:r>
+                              <a:rPr lang="en-US" b="0" i="1" smtClean="0">
+                                <a:latin typeface="Cambria Math" panose="02040503050406030204" pitchFamily="18" charset="0"/>
+                              </a:rPr>
+                              <m:t>𝑁</m:t>
+                            </m:r>
+                          </m:e>
+                          <m:sub>
+                            <m:r>
+                              <a:rPr lang="en-US" b="0" i="1" smtClean="0">
+                                <a:latin typeface="Cambria Math" panose="02040503050406030204" pitchFamily="18" charset="0"/>
+                              </a:rPr>
+                              <m:t>𝑥</m:t>
+                            </m:r>
+                          </m:sub>
+                        </m:sSub>
+                        <m:r>
+                          <a:rPr lang="en-US" b="0" i="1" smtClean="0">
+                            <a:latin typeface="Cambria Math" panose="02040503050406030204" pitchFamily="18" charset="0"/>
+                          </a:rPr>
+                          <m:t>,</m:t>
+                        </m:r>
+                        <m:r>
+                          <a:rPr lang="en-US" b="0" i="1" smtClean="0">
+                            <a:latin typeface="Cambria Math" panose="02040503050406030204" pitchFamily="18" charset="0"/>
+                          </a:rPr>
+                          <m:t>𝑗</m:t>
+                        </m:r>
+                      </m:sub>
+                    </m:sSub>
+                    <m:r>
+                      <a:rPr lang="en-US" b="0" i="1" smtClean="0">
+                        <a:latin typeface="Cambria Math" panose="02040503050406030204" pitchFamily="18" charset="0"/>
+                      </a:rPr>
+                      <m:t>=</m:t>
+                    </m:r>
+                    <m:sSub>
+                      <m:sSubPr>
+                        <m:ctrlPr>
+                          <a:rPr lang="en-US" i="1">
+                            <a:latin typeface="Cambria Math" panose="02040503050406030204" pitchFamily="18" charset="0"/>
+                          </a:rPr>
+                        </m:ctrlPr>
+                      </m:sSubPr>
+                      <m:e>
+                        <m:r>
+                          <a:rPr lang="en-US" i="1">
+                            <a:latin typeface="Cambria Math" panose="02040503050406030204" pitchFamily="18" charset="0"/>
+                          </a:rPr>
+                          <m:t>𝜙</m:t>
+                        </m:r>
+                      </m:e>
+                      <m:sub>
+                        <m:sSub>
+                          <m:sSubPr>
+                            <m:ctrlPr>
+                              <a:rPr lang="en-US" b="0" i="1" smtClean="0">
+                                <a:latin typeface="Cambria Math" panose="02040503050406030204" pitchFamily="18" charset="0"/>
+                              </a:rPr>
+                            </m:ctrlPr>
+                          </m:sSubPr>
+                          <m:e>
+                            <m:r>
+                              <a:rPr lang="en-US" b="0" i="1" smtClean="0">
+                                <a:latin typeface="Cambria Math" panose="02040503050406030204" pitchFamily="18" charset="0"/>
+                              </a:rPr>
+                              <m:t>𝑁</m:t>
+                            </m:r>
+                          </m:e>
+                          <m:sub>
+                            <m:r>
+                              <a:rPr lang="en-US" b="0" i="1" smtClean="0">
+                                <a:latin typeface="Cambria Math" panose="02040503050406030204" pitchFamily="18" charset="0"/>
+                              </a:rPr>
+                              <m:t>𝑥</m:t>
+                            </m:r>
+                          </m:sub>
+                        </m:sSub>
+                        <m:r>
+                          <a:rPr lang="en-US" b="0" i="1" smtClean="0">
+                            <a:latin typeface="Cambria Math" panose="02040503050406030204" pitchFamily="18" charset="0"/>
+                          </a:rPr>
+                          <m:t>−1</m:t>
+                        </m:r>
+                        <m:r>
+                          <a:rPr lang="en-US" i="1">
+                            <a:latin typeface="Cambria Math" panose="02040503050406030204" pitchFamily="18" charset="0"/>
+                          </a:rPr>
+                          <m:t>,</m:t>
+                        </m:r>
+                        <m:r>
+                          <a:rPr lang="en-US" b="0" i="1" smtClean="0">
+                            <a:latin typeface="Cambria Math" panose="02040503050406030204" pitchFamily="18" charset="0"/>
+                          </a:rPr>
+                          <m:t>𝑗</m:t>
+                        </m:r>
+                      </m:sub>
+                    </m:sSub>
+                    <m:r>
+                      <a:rPr lang="en-US" b="0" i="1" smtClean="0">
+                        <a:latin typeface="Cambria Math" panose="02040503050406030204" pitchFamily="18" charset="0"/>
+                      </a:rPr>
+                      <m:t> </m:t>
+                    </m:r>
+                  </m:oMath>
+                </a14:m>
+                <a:endParaRPr lang="en-US" b="0" dirty="0"/>
+              </a:p>
+              <a:p>
+                <a14:m>
+                  <m:oMath xmlns:m="http://schemas.openxmlformats.org/officeDocument/2006/math">
+                    <m:sSub>
+                      <m:sSubPr>
+                        <m:ctrlPr>
+                          <a:rPr lang="en-US" i="1">
+                            <a:latin typeface="Cambria Math" panose="02040503050406030204" pitchFamily="18" charset="0"/>
+                          </a:rPr>
+                        </m:ctrlPr>
+                      </m:sSubPr>
+                      <m:e>
+                        <m:r>
+                          <a:rPr lang="en-US" i="1">
+                            <a:latin typeface="Cambria Math" panose="02040503050406030204" pitchFamily="18" charset="0"/>
+                          </a:rPr>
+                          <m:t>𝜙</m:t>
+                        </m:r>
+                      </m:e>
+                      <m:sub>
+                        <m:r>
+                          <a:rPr lang="en-US" b="0" i="1" smtClean="0">
+                            <a:latin typeface="Cambria Math" panose="02040503050406030204" pitchFamily="18" charset="0"/>
+                          </a:rPr>
+                          <m:t>𝑖</m:t>
+                        </m:r>
+                        <m:r>
+                          <a:rPr lang="en-US" b="0" i="1" smtClean="0">
+                            <a:latin typeface="Cambria Math" panose="02040503050406030204" pitchFamily="18" charset="0"/>
+                          </a:rPr>
+                          <m:t>,0</m:t>
+                        </m:r>
+                      </m:sub>
+                    </m:sSub>
+                    <m:r>
+                      <a:rPr lang="en-US" b="0" i="1" smtClean="0">
+                        <a:latin typeface="Cambria Math" panose="02040503050406030204" pitchFamily="18" charset="0"/>
+                      </a:rPr>
+                      <m:t>=</m:t>
+                    </m:r>
+                    <m:sSub>
+                      <m:sSubPr>
+                        <m:ctrlPr>
+                          <a:rPr lang="en-US" i="1">
+                            <a:latin typeface="Cambria Math" panose="02040503050406030204" pitchFamily="18" charset="0"/>
+                          </a:rPr>
+                        </m:ctrlPr>
+                      </m:sSubPr>
+                      <m:e>
+                        <m:r>
+                          <a:rPr lang="en-US" i="1">
+                            <a:latin typeface="Cambria Math" panose="02040503050406030204" pitchFamily="18" charset="0"/>
+                          </a:rPr>
+                          <m:t>𝜙</m:t>
+                        </m:r>
+                      </m:e>
+                      <m:sub>
+                        <m:r>
+                          <a:rPr lang="en-US" b="0" i="1" smtClean="0">
+                            <a:latin typeface="Cambria Math" panose="02040503050406030204" pitchFamily="18" charset="0"/>
+                          </a:rPr>
+                          <m:t>𝑖</m:t>
+                        </m:r>
+                        <m:r>
+                          <a:rPr lang="en-US" b="0" i="1" smtClean="0">
+                            <a:latin typeface="Cambria Math" panose="02040503050406030204" pitchFamily="18" charset="0"/>
+                          </a:rPr>
+                          <m:t>,1</m:t>
+                        </m:r>
+                      </m:sub>
+                    </m:sSub>
+                    <m:r>
+                      <a:rPr lang="en-US" b="0" i="1" smtClean="0">
+                        <a:latin typeface="Cambria Math" panose="02040503050406030204" pitchFamily="18" charset="0"/>
+                      </a:rPr>
+                      <m:t> ;</m:t>
+                    </m:r>
+                    <m:sSub>
+                      <m:sSubPr>
+                        <m:ctrlPr>
+                          <a:rPr lang="en-US" i="1">
+                            <a:latin typeface="Cambria Math" panose="02040503050406030204" pitchFamily="18" charset="0"/>
+                          </a:rPr>
+                        </m:ctrlPr>
+                      </m:sSubPr>
+                      <m:e>
+                        <m:r>
+                          <a:rPr lang="en-US" i="1">
+                            <a:latin typeface="Cambria Math" panose="02040503050406030204" pitchFamily="18" charset="0"/>
+                          </a:rPr>
+                          <m:t>𝜙</m:t>
+                        </m:r>
+                      </m:e>
+                      <m:sub>
+                        <m:r>
+                          <a:rPr lang="en-US" b="0" i="1" smtClean="0">
+                            <a:latin typeface="Cambria Math" panose="02040503050406030204" pitchFamily="18" charset="0"/>
+                          </a:rPr>
+                          <m:t>𝑖</m:t>
+                        </m:r>
+                        <m:r>
+                          <a:rPr lang="en-US" b="0" i="1" smtClean="0">
+                            <a:latin typeface="Cambria Math" panose="02040503050406030204" pitchFamily="18" charset="0"/>
+                          </a:rPr>
+                          <m:t>,</m:t>
+                        </m:r>
+                        <m:sSub>
+                          <m:sSubPr>
+                            <m:ctrlPr>
+                              <a:rPr lang="en-US" b="0" i="1" smtClean="0">
+                                <a:latin typeface="Cambria Math" panose="02040503050406030204" pitchFamily="18" charset="0"/>
+                              </a:rPr>
+                            </m:ctrlPr>
+                          </m:sSubPr>
+                          <m:e>
+                            <m:r>
+                              <a:rPr lang="en-US" b="0" i="1" smtClean="0">
+                                <a:latin typeface="Cambria Math" panose="02040503050406030204" pitchFamily="18" charset="0"/>
+                              </a:rPr>
+                              <m:t>𝑁</m:t>
+                            </m:r>
+                          </m:e>
+                          <m:sub>
+                            <m:r>
+                              <a:rPr lang="en-US" b="0" i="1" smtClean="0">
+                                <a:latin typeface="Cambria Math" panose="02040503050406030204" pitchFamily="18" charset="0"/>
+                              </a:rPr>
+                              <m:t>𝑦</m:t>
+                            </m:r>
+                          </m:sub>
+                        </m:sSub>
+                      </m:sub>
+                    </m:sSub>
+                    <m:r>
+                      <a:rPr lang="en-US" b="0" i="1" smtClean="0">
+                        <a:latin typeface="Cambria Math" panose="02040503050406030204" pitchFamily="18" charset="0"/>
+                      </a:rPr>
+                      <m:t>=</m:t>
+                    </m:r>
+                    <m:sSub>
+                      <m:sSubPr>
+                        <m:ctrlPr>
+                          <a:rPr lang="en-US" i="1">
+                            <a:latin typeface="Cambria Math" panose="02040503050406030204" pitchFamily="18" charset="0"/>
+                          </a:rPr>
+                        </m:ctrlPr>
+                      </m:sSubPr>
+                      <m:e>
+                        <m:r>
+                          <a:rPr lang="en-US" i="1">
+                            <a:latin typeface="Cambria Math" panose="02040503050406030204" pitchFamily="18" charset="0"/>
+                          </a:rPr>
+                          <m:t>𝜙</m:t>
+                        </m:r>
+                      </m:e>
+                      <m:sub>
+                        <m:r>
+                          <a:rPr lang="en-US" b="0" i="1" smtClean="0">
+                            <a:latin typeface="Cambria Math" panose="02040503050406030204" pitchFamily="18" charset="0"/>
+                          </a:rPr>
+                          <m:t>𝑖</m:t>
+                        </m:r>
+                        <m:r>
+                          <a:rPr lang="en-US" b="0" i="1" smtClean="0">
+                            <a:latin typeface="Cambria Math" panose="02040503050406030204" pitchFamily="18" charset="0"/>
+                          </a:rPr>
+                          <m:t>,</m:t>
+                        </m:r>
+                        <m:sSub>
+                          <m:sSubPr>
+                            <m:ctrlPr>
+                              <a:rPr lang="en-US" b="0" i="1" smtClean="0">
+                                <a:latin typeface="Cambria Math" panose="02040503050406030204" pitchFamily="18" charset="0"/>
+                              </a:rPr>
+                            </m:ctrlPr>
+                          </m:sSubPr>
+                          <m:e>
+                            <m:r>
+                              <a:rPr lang="en-US" b="0" i="1" smtClean="0">
+                                <a:latin typeface="Cambria Math" panose="02040503050406030204" pitchFamily="18" charset="0"/>
+                              </a:rPr>
+                              <m:t>𝑁</m:t>
+                            </m:r>
+                          </m:e>
+                          <m:sub>
+                            <m:r>
+                              <a:rPr lang="en-US" b="0" i="1" smtClean="0">
+                                <a:latin typeface="Cambria Math" panose="02040503050406030204" pitchFamily="18" charset="0"/>
+                              </a:rPr>
+                              <m:t>𝑦</m:t>
+                            </m:r>
+                          </m:sub>
+                        </m:sSub>
+                        <m:r>
+                          <a:rPr lang="en-US" b="0" i="1" smtClean="0">
+                            <a:latin typeface="Cambria Math" panose="02040503050406030204" pitchFamily="18" charset="0"/>
+                          </a:rPr>
+                          <m:t>−1</m:t>
+                        </m:r>
+                      </m:sub>
+                    </m:sSub>
+                  </m:oMath>
+                </a14:m>
+                <a:endParaRPr lang="en-US" dirty="0"/>
+              </a:p>
+              <a:p>
+                <a:r>
+                  <a:rPr lang="en-US" dirty="0"/>
+                  <a:t>Where, </a:t>
+                </a:r>
+                <a:r>
+                  <a:rPr lang="en-US" dirty="0" err="1"/>
+                  <a:t>i,j</a:t>
+                </a:r>
+                <a:r>
+                  <a:rPr lang="en-US" dirty="0"/>
+                  <a:t> = 0, 1, 2, … </a:t>
+                </a:r>
+                <a14:m>
+                  <m:oMath xmlns:m="http://schemas.openxmlformats.org/officeDocument/2006/math">
+                    <m:sSub>
+                      <m:sSubPr>
+                        <m:ctrlPr>
+                          <a:rPr lang="en-US" i="1">
+                            <a:latin typeface="Cambria Math" panose="02040503050406030204" pitchFamily="18" charset="0"/>
+                          </a:rPr>
+                        </m:ctrlPr>
+                      </m:sSubPr>
+                      <m:e>
+                        <m:r>
+                          <a:rPr lang="en-US" i="1">
+                            <a:latin typeface="Cambria Math" panose="02040503050406030204" pitchFamily="18" charset="0"/>
+                          </a:rPr>
+                          <m:t>𝑁</m:t>
+                        </m:r>
+                      </m:e>
+                      <m:sub>
+                        <m:r>
+                          <a:rPr lang="en-US" i="1">
+                            <a:latin typeface="Cambria Math" panose="02040503050406030204" pitchFamily="18" charset="0"/>
+                          </a:rPr>
+                          <m:t>𝑥</m:t>
+                        </m:r>
+                      </m:sub>
+                    </m:sSub>
+                    <m:r>
+                      <a:rPr lang="en-US" i="1">
+                        <a:latin typeface="Cambria Math" panose="02040503050406030204" pitchFamily="18" charset="0"/>
+                      </a:rPr>
+                      <m:t>/</m:t>
+                    </m:r>
+                    <m:sSub>
+                      <m:sSubPr>
+                        <m:ctrlPr>
+                          <a:rPr lang="en-US" i="1">
+                            <a:latin typeface="Cambria Math" panose="02040503050406030204" pitchFamily="18" charset="0"/>
+                          </a:rPr>
+                        </m:ctrlPr>
+                      </m:sSubPr>
+                      <m:e>
+                        <m:r>
+                          <a:rPr lang="en-US" i="1">
+                            <a:latin typeface="Cambria Math" panose="02040503050406030204" pitchFamily="18" charset="0"/>
+                          </a:rPr>
+                          <m:t>𝑁</m:t>
+                        </m:r>
+                      </m:e>
+                      <m:sub>
+                        <m:r>
+                          <a:rPr lang="en-US" i="1">
+                            <a:latin typeface="Cambria Math" panose="02040503050406030204" pitchFamily="18" charset="0"/>
+                          </a:rPr>
+                          <m:t>𝑦</m:t>
+                        </m:r>
+                      </m:sub>
+                    </m:sSub>
+                  </m:oMath>
+                </a14:m>
+                <a:endParaRPr lang="en-US" dirty="0"/>
+              </a:p>
+            </p:txBody>
+          </p:sp>
+        </mc:Choice>
+        <mc:Fallback>
+          <p:sp>
+            <p:nvSpPr>
+              <p:cNvPr id="3" name="Content Placeholder 2"/>
+              <p:cNvSpPr>
+                <a:spLocks noGrp="1" noRot="1" noChangeAspect="1" noMove="1" noResize="1" noEditPoints="1" noAdjustHandles="1" noChangeArrowheads="1" noChangeShapeType="1" noTextEdit="1"/>
+              </p:cNvSpPr>
+              <p:nvPr>
+                <p:ph idx="1"/>
+              </p:nvPr>
+            </p:nvSpPr>
+            <p:spPr>
+              <a:xfrm>
+                <a:off x="1024128" y="2286000"/>
+                <a:ext cx="4572441" cy="4023360"/>
+              </a:xfrm>
+              <a:blipFill>
+                <a:blip r:embed="rId2"/>
+                <a:stretch>
+                  <a:fillRect l="-2667" t="-2121"/>
                 </a:stretch>
               </a:blipFill>
             </p:spPr>
@@ -5295,21 +7804,15 @@
           <p:nvPr/>
         </p:nvPicPr>
         <p:blipFill>
-          <a:blip r:embed="rId4">
-            <a:extLst>
-              <a:ext uri="{28A0092B-C50C-407E-A947-70E740481C1C}">
-                <a14:useLocalDpi xmlns:a14="http://schemas.microsoft.com/office/drawing/2010/main" val="0"/>
-              </a:ext>
-            </a:extLst>
-          </a:blip>
+          <a:blip r:embed="rId3"/>
           <a:stretch>
             <a:fillRect/>
           </a:stretch>
         </p:blipFill>
         <p:spPr>
           <a:xfrm>
-            <a:off x="5465969" y="1335024"/>
-            <a:ext cx="6045798" cy="4518212"/>
+            <a:off x="4905593" y="1200839"/>
+            <a:ext cx="6811361" cy="5108521"/>
           </a:xfrm>
           <a:prstGeom prst="rect">
             <a:avLst/>
@@ -5319,227 +7822,7 @@
     </p:spTree>
     <p:extLst>
       <p:ext uri="{BB962C8B-B14F-4D97-AF65-F5344CB8AC3E}">
-        <p14:creationId xmlns:p14="http://schemas.microsoft.com/office/powerpoint/2010/main" val="651378599"/>
-      </p:ext>
-    </p:extLst>
-  </p:cSld>
-  <p:clrMapOvr>
-    <a:masterClrMapping/>
-  </p:clrMapOvr>
-</p:sld>
-</file>
-
-<file path=ppt/slides/slide12.xml><?xml version="1.0" encoding="utf-8"?>
-<p:sld xmlns:a="http://schemas.openxmlformats.org/drawingml/2006/main" xmlns:r="http://schemas.openxmlformats.org/officeDocument/2006/relationships" xmlns:p="http://schemas.openxmlformats.org/presentationml/2006/main">
-  <p:cSld>
-    <p:spTree>
-      <p:nvGrpSpPr>
-        <p:cNvPr id="1" name=""/>
-        <p:cNvGrpSpPr/>
-        <p:nvPr/>
-      </p:nvGrpSpPr>
-      <p:grpSpPr>
-        <a:xfrm>
-          <a:off x="0" y="0"/>
-          <a:ext cx="0" cy="0"/>
-          <a:chOff x="0" y="0"/>
-          <a:chExt cx="0" cy="0"/>
-        </a:xfrm>
-      </p:grpSpPr>
-      <p:sp>
-        <p:nvSpPr>
-          <p:cNvPr id="2" name="Title 1"/>
-          <p:cNvSpPr>
-            <a:spLocks noGrp="1"/>
-          </p:cNvSpPr>
-          <p:nvPr>
-            <p:ph type="title"/>
-          </p:nvPr>
-        </p:nvSpPr>
-        <p:spPr/>
-        <p:txBody>
-          <a:bodyPr/>
-          <a:lstStyle/>
-          <a:p>
-            <a:r>
-              <a:rPr lang="en-US" dirty="0" smtClean="0"/>
-              <a:t>Results: </a:t>
-            </a:r>
-            <a:r>
-              <a:rPr lang="en-US" dirty="0" err="1" smtClean="0"/>
-              <a:t>Dirichlet</a:t>
-            </a:r>
-            <a:endParaRPr lang="en-US" dirty="0"/>
-          </a:p>
-        </p:txBody>
-      </p:sp>
-      <p:sp>
-        <p:nvSpPr>
-          <p:cNvPr id="3" name="Content Placeholder 2"/>
-          <p:cNvSpPr>
-            <a:spLocks noGrp="1"/>
-          </p:cNvSpPr>
-          <p:nvPr>
-            <p:ph idx="1"/>
-          </p:nvPr>
-        </p:nvSpPr>
-        <p:spPr/>
-        <p:txBody>
-          <a:bodyPr/>
-          <a:lstStyle/>
-          <a:p>
-            <a:endParaRPr lang="en-US" dirty="0"/>
-          </a:p>
-        </p:txBody>
-      </p:sp>
-    </p:spTree>
-    <p:extLst>
-      <p:ext uri="{BB962C8B-B14F-4D97-AF65-F5344CB8AC3E}">
-        <p14:creationId xmlns:p14="http://schemas.microsoft.com/office/powerpoint/2010/main" val="506563567"/>
-      </p:ext>
-    </p:extLst>
-  </p:cSld>
-  <p:clrMapOvr>
-    <a:masterClrMapping/>
-  </p:clrMapOvr>
-</p:sld>
-</file>
-
-<file path=ppt/slides/slide13.xml><?xml version="1.0" encoding="utf-8"?>
-<p:sld xmlns:a="http://schemas.openxmlformats.org/drawingml/2006/main" xmlns:r="http://schemas.openxmlformats.org/officeDocument/2006/relationships" xmlns:p="http://schemas.openxmlformats.org/presentationml/2006/main">
-  <p:cSld>
-    <p:spTree>
-      <p:nvGrpSpPr>
-        <p:cNvPr id="1" name=""/>
-        <p:cNvGrpSpPr/>
-        <p:nvPr/>
-      </p:nvGrpSpPr>
-      <p:grpSpPr>
-        <a:xfrm>
-          <a:off x="0" y="0"/>
-          <a:ext cx="0" cy="0"/>
-          <a:chOff x="0" y="0"/>
-          <a:chExt cx="0" cy="0"/>
-        </a:xfrm>
-      </p:grpSpPr>
-      <p:sp>
-        <p:nvSpPr>
-          <p:cNvPr id="2" name="Title 1"/>
-          <p:cNvSpPr>
-            <a:spLocks noGrp="1"/>
-          </p:cNvSpPr>
-          <p:nvPr>
-            <p:ph type="title"/>
-          </p:nvPr>
-        </p:nvSpPr>
-        <p:spPr/>
-        <p:txBody>
-          <a:bodyPr/>
-          <a:lstStyle/>
-          <a:p>
-            <a:r>
-              <a:rPr lang="en-US" dirty="0" smtClean="0"/>
-              <a:t>Results: Neumann</a:t>
-            </a:r>
-            <a:endParaRPr lang="en-US" dirty="0"/>
-          </a:p>
-        </p:txBody>
-      </p:sp>
-      <p:sp>
-        <p:nvSpPr>
-          <p:cNvPr id="3" name="Content Placeholder 2"/>
-          <p:cNvSpPr>
-            <a:spLocks noGrp="1"/>
-          </p:cNvSpPr>
-          <p:nvPr>
-            <p:ph idx="1"/>
-          </p:nvPr>
-        </p:nvSpPr>
-        <p:spPr/>
-        <p:txBody>
-          <a:bodyPr/>
-          <a:lstStyle/>
-          <a:p>
-            <a:endParaRPr lang="en-US"/>
-          </a:p>
-        </p:txBody>
-      </p:sp>
-    </p:spTree>
-    <p:extLst>
-      <p:ext uri="{BB962C8B-B14F-4D97-AF65-F5344CB8AC3E}">
         <p14:creationId xmlns:p14="http://schemas.microsoft.com/office/powerpoint/2010/main" val="1889260012"/>
-      </p:ext>
-    </p:extLst>
-  </p:cSld>
-  <p:clrMapOvr>
-    <a:masterClrMapping/>
-  </p:clrMapOvr>
-</p:sld>
-</file>
-
-<file path=ppt/slides/slide14.xml><?xml version="1.0" encoding="utf-8"?>
-<p:sld xmlns:a="http://schemas.openxmlformats.org/drawingml/2006/main" xmlns:r="http://schemas.openxmlformats.org/officeDocument/2006/relationships" xmlns:p="http://schemas.openxmlformats.org/presentationml/2006/main">
-  <p:cSld>
-    <p:spTree>
-      <p:nvGrpSpPr>
-        <p:cNvPr id="1" name=""/>
-        <p:cNvGrpSpPr/>
-        <p:nvPr/>
-      </p:nvGrpSpPr>
-      <p:grpSpPr>
-        <a:xfrm>
-          <a:off x="0" y="0"/>
-          <a:ext cx="0" cy="0"/>
-          <a:chOff x="0" y="0"/>
-          <a:chExt cx="0" cy="0"/>
-        </a:xfrm>
-      </p:grpSpPr>
-      <p:sp>
-        <p:nvSpPr>
-          <p:cNvPr id="2" name="Title 1"/>
-          <p:cNvSpPr>
-            <a:spLocks noGrp="1"/>
-          </p:cNvSpPr>
-          <p:nvPr>
-            <p:ph type="title"/>
-          </p:nvPr>
-        </p:nvSpPr>
-        <p:spPr/>
-        <p:txBody>
-          <a:bodyPr/>
-          <a:lstStyle/>
-          <a:p>
-            <a:r>
-              <a:rPr lang="en-US" dirty="0" smtClean="0"/>
-              <a:t>Results: Periodic</a:t>
-            </a:r>
-            <a:endParaRPr lang="en-US" dirty="0"/>
-          </a:p>
-        </p:txBody>
-      </p:sp>
-      <p:sp>
-        <p:nvSpPr>
-          <p:cNvPr id="3" name="Content Placeholder 2"/>
-          <p:cNvSpPr>
-            <a:spLocks noGrp="1"/>
-          </p:cNvSpPr>
-          <p:nvPr>
-            <p:ph idx="1"/>
-          </p:nvPr>
-        </p:nvSpPr>
-        <p:spPr/>
-        <p:txBody>
-          <a:bodyPr/>
-          <a:lstStyle/>
-          <a:p>
-            <a:endParaRPr lang="en-US"/>
-          </a:p>
-        </p:txBody>
-      </p:sp>
-    </p:spTree>
-    <p:extLst>
-      <p:ext uri="{BB962C8B-B14F-4D97-AF65-F5344CB8AC3E}">
-        <p14:creationId xmlns:p14="http://schemas.microsoft.com/office/powerpoint/2010/main" val="441977287"/>
       </p:ext>
     </p:extLst>
   </p:cSld>
@@ -5582,15 +7865,14 @@
           <a:lstStyle/>
           <a:p>
             <a:r>
-              <a:rPr lang="en-US" dirty="0" smtClean="0"/>
-              <a:t>stage 2</a:t>
-            </a:r>
-            <a:endParaRPr lang="en-US" dirty="0"/>
+              <a:rPr lang="en-US" dirty="0"/>
+              <a:t>Results: Periodic</a:t>
+            </a:r>
           </a:p>
         </p:txBody>
       </p:sp>
-      <mc:AlternateContent xmlns:mc="http://schemas.openxmlformats.org/markup-compatibility/2006" xmlns:a14="http://schemas.microsoft.com/office/drawing/2010/main">
-        <mc:Choice Requires="a14">
+      <mc:AlternateContent xmlns:mc="http://schemas.openxmlformats.org/markup-compatibility/2006">
+        <mc:Choice xmlns:a14="http://schemas.microsoft.com/office/drawing/2010/main" Requires="a14">
           <p:sp>
             <p:nvSpPr>
               <p:cNvPr id="3" name="Content Placeholder 2"/>
@@ -5601,10 +7883,662 @@
                 <p:ph idx="1"/>
               </p:nvPr>
             </p:nvSpPr>
-            <p:spPr/>
+            <p:spPr>
+              <a:xfrm>
+                <a:off x="1024129" y="2286000"/>
+                <a:ext cx="3680073" cy="4023360"/>
+              </a:xfrm>
+            </p:spPr>
+            <p:txBody>
+              <a:bodyPr/>
+              <a:lstStyle/>
+              <a:p>
+                <a14:m>
+                  <m:oMath xmlns:m="http://schemas.openxmlformats.org/officeDocument/2006/math">
+                    <m:sSub>
+                      <m:sSubPr>
+                        <m:ctrlPr>
+                          <a:rPr lang="en-US" i="1" smtClean="0">
+                            <a:latin typeface="Cambria Math" panose="02040503050406030204" pitchFamily="18" charset="0"/>
+                          </a:rPr>
+                        </m:ctrlPr>
+                      </m:sSubPr>
+                      <m:e>
+                        <m:r>
+                          <a:rPr lang="en-US" i="1">
+                            <a:latin typeface="Cambria Math" panose="02040503050406030204" pitchFamily="18" charset="0"/>
+                          </a:rPr>
+                          <m:t>𝜙</m:t>
+                        </m:r>
+                      </m:e>
+                      <m:sub>
+                        <m:r>
+                          <a:rPr lang="en-US" i="1">
+                            <a:latin typeface="Cambria Math" panose="02040503050406030204" pitchFamily="18" charset="0"/>
+                          </a:rPr>
+                          <m:t>0,</m:t>
+                        </m:r>
+                        <m:r>
+                          <a:rPr lang="en-US" i="1">
+                            <a:latin typeface="Cambria Math" panose="02040503050406030204" pitchFamily="18" charset="0"/>
+                          </a:rPr>
+                          <m:t>𝑗</m:t>
+                        </m:r>
+                      </m:sub>
+                    </m:sSub>
+                    <m:r>
+                      <a:rPr lang="en-US" i="1">
+                        <a:latin typeface="Cambria Math" panose="02040503050406030204" pitchFamily="18" charset="0"/>
+                      </a:rPr>
+                      <m:t>=</m:t>
+                    </m:r>
+                    <m:sSub>
+                      <m:sSubPr>
+                        <m:ctrlPr>
+                          <a:rPr lang="en-US" i="1">
+                            <a:latin typeface="Cambria Math" panose="02040503050406030204" pitchFamily="18" charset="0"/>
+                          </a:rPr>
+                        </m:ctrlPr>
+                      </m:sSubPr>
+                      <m:e>
+                        <m:r>
+                          <a:rPr lang="en-US" i="1">
+                            <a:latin typeface="Cambria Math" panose="02040503050406030204" pitchFamily="18" charset="0"/>
+                          </a:rPr>
+                          <m:t>𝜙</m:t>
+                        </m:r>
+                      </m:e>
+                      <m:sub>
+                        <m:sSub>
+                          <m:sSubPr>
+                            <m:ctrlPr>
+                              <a:rPr lang="en-US" b="0" i="1" smtClean="0">
+                                <a:latin typeface="Cambria Math" panose="02040503050406030204" pitchFamily="18" charset="0"/>
+                              </a:rPr>
+                            </m:ctrlPr>
+                          </m:sSubPr>
+                          <m:e>
+                            <m:r>
+                              <a:rPr lang="en-US" b="0" i="1" smtClean="0">
+                                <a:latin typeface="Cambria Math" panose="02040503050406030204" pitchFamily="18" charset="0"/>
+                              </a:rPr>
+                              <m:t>𝑁</m:t>
+                            </m:r>
+                          </m:e>
+                          <m:sub>
+                            <m:r>
+                              <a:rPr lang="en-US" b="0" i="1" smtClean="0">
+                                <a:latin typeface="Cambria Math" panose="02040503050406030204" pitchFamily="18" charset="0"/>
+                              </a:rPr>
+                              <m:t>𝑥</m:t>
+                            </m:r>
+                          </m:sub>
+                        </m:sSub>
+                        <m:r>
+                          <a:rPr lang="en-US" b="0" i="1" smtClean="0">
+                            <a:latin typeface="Cambria Math" panose="02040503050406030204" pitchFamily="18" charset="0"/>
+                          </a:rPr>
+                          <m:t>−1</m:t>
+                        </m:r>
+                        <m:r>
+                          <a:rPr lang="en-US" i="1">
+                            <a:latin typeface="Cambria Math" panose="02040503050406030204" pitchFamily="18" charset="0"/>
+                          </a:rPr>
+                          <m:t>,</m:t>
+                        </m:r>
+                        <m:r>
+                          <a:rPr lang="en-US" i="1">
+                            <a:latin typeface="Cambria Math" panose="02040503050406030204" pitchFamily="18" charset="0"/>
+                          </a:rPr>
+                          <m:t>𝑗</m:t>
+                        </m:r>
+                      </m:sub>
+                    </m:sSub>
+                    <m:r>
+                      <a:rPr lang="en-US" i="1">
+                        <a:latin typeface="Cambria Math" panose="02040503050406030204" pitchFamily="18" charset="0"/>
+                      </a:rPr>
+                      <m:t> ;</m:t>
+                    </m:r>
+                    <m:r>
+                      <a:rPr lang="en-US" b="0" i="1" smtClean="0">
+                        <a:latin typeface="Cambria Math" panose="02040503050406030204" pitchFamily="18" charset="0"/>
+                      </a:rPr>
+                      <m:t> </m:t>
+                    </m:r>
+                    <m:sSub>
+                      <m:sSubPr>
+                        <m:ctrlPr>
+                          <a:rPr lang="en-US" i="1">
+                            <a:latin typeface="Cambria Math" panose="02040503050406030204" pitchFamily="18" charset="0"/>
+                          </a:rPr>
+                        </m:ctrlPr>
+                      </m:sSubPr>
+                      <m:e>
+                        <m:r>
+                          <a:rPr lang="en-US" i="1">
+                            <a:latin typeface="Cambria Math" panose="02040503050406030204" pitchFamily="18" charset="0"/>
+                          </a:rPr>
+                          <m:t>𝜙</m:t>
+                        </m:r>
+                      </m:e>
+                      <m:sub>
+                        <m:sSub>
+                          <m:sSubPr>
+                            <m:ctrlPr>
+                              <a:rPr lang="en-US" i="1">
+                                <a:latin typeface="Cambria Math" panose="02040503050406030204" pitchFamily="18" charset="0"/>
+                              </a:rPr>
+                            </m:ctrlPr>
+                          </m:sSubPr>
+                          <m:e>
+                            <m:r>
+                              <a:rPr lang="en-US" i="1">
+                                <a:latin typeface="Cambria Math" panose="02040503050406030204" pitchFamily="18" charset="0"/>
+                              </a:rPr>
+                              <m:t>𝑁</m:t>
+                            </m:r>
+                          </m:e>
+                          <m:sub>
+                            <m:r>
+                              <a:rPr lang="en-US" i="1">
+                                <a:latin typeface="Cambria Math" panose="02040503050406030204" pitchFamily="18" charset="0"/>
+                              </a:rPr>
+                              <m:t>𝑥</m:t>
+                            </m:r>
+                          </m:sub>
+                        </m:sSub>
+                        <m:r>
+                          <a:rPr lang="en-US" i="1">
+                            <a:latin typeface="Cambria Math" panose="02040503050406030204" pitchFamily="18" charset="0"/>
+                          </a:rPr>
+                          <m:t>,</m:t>
+                        </m:r>
+                        <m:r>
+                          <a:rPr lang="en-US" i="1">
+                            <a:latin typeface="Cambria Math" panose="02040503050406030204" pitchFamily="18" charset="0"/>
+                          </a:rPr>
+                          <m:t>𝑗</m:t>
+                        </m:r>
+                      </m:sub>
+                    </m:sSub>
+                    <m:r>
+                      <a:rPr lang="en-US" i="1">
+                        <a:latin typeface="Cambria Math" panose="02040503050406030204" pitchFamily="18" charset="0"/>
+                      </a:rPr>
+                      <m:t>=</m:t>
+                    </m:r>
+                    <m:sSub>
+                      <m:sSubPr>
+                        <m:ctrlPr>
+                          <a:rPr lang="en-US" i="1">
+                            <a:latin typeface="Cambria Math" panose="02040503050406030204" pitchFamily="18" charset="0"/>
+                          </a:rPr>
+                        </m:ctrlPr>
+                      </m:sSubPr>
+                      <m:e>
+                        <m:r>
+                          <a:rPr lang="en-US" i="1">
+                            <a:latin typeface="Cambria Math" panose="02040503050406030204" pitchFamily="18" charset="0"/>
+                          </a:rPr>
+                          <m:t>𝜙</m:t>
+                        </m:r>
+                      </m:e>
+                      <m:sub>
+                        <m:r>
+                          <a:rPr lang="en-US" i="1">
+                            <a:latin typeface="Cambria Math" panose="02040503050406030204" pitchFamily="18" charset="0"/>
+                          </a:rPr>
+                          <m:t>1</m:t>
+                        </m:r>
+                        <m:r>
+                          <a:rPr lang="en-US" i="1">
+                            <a:latin typeface="Cambria Math" panose="02040503050406030204" pitchFamily="18" charset="0"/>
+                          </a:rPr>
+                          <m:t>,</m:t>
+                        </m:r>
+                        <m:r>
+                          <a:rPr lang="en-US" i="1">
+                            <a:latin typeface="Cambria Math" panose="02040503050406030204" pitchFamily="18" charset="0"/>
+                          </a:rPr>
+                          <m:t>𝑗</m:t>
+                        </m:r>
+                      </m:sub>
+                    </m:sSub>
+                    <m:r>
+                      <a:rPr lang="en-US" i="1">
+                        <a:latin typeface="Cambria Math" panose="02040503050406030204" pitchFamily="18" charset="0"/>
+                      </a:rPr>
+                      <m:t> </m:t>
+                    </m:r>
+                  </m:oMath>
+                </a14:m>
+                <a:endParaRPr lang="en-US" dirty="0"/>
+              </a:p>
+              <a:p>
+                <a14:m>
+                  <m:oMath xmlns:m="http://schemas.openxmlformats.org/officeDocument/2006/math">
+                    <m:sSub>
+                      <m:sSubPr>
+                        <m:ctrlPr>
+                          <a:rPr lang="en-US" i="1">
+                            <a:latin typeface="Cambria Math" panose="02040503050406030204" pitchFamily="18" charset="0"/>
+                          </a:rPr>
+                        </m:ctrlPr>
+                      </m:sSubPr>
+                      <m:e>
+                        <m:r>
+                          <a:rPr lang="en-US" i="1">
+                            <a:latin typeface="Cambria Math" panose="02040503050406030204" pitchFamily="18" charset="0"/>
+                          </a:rPr>
+                          <m:t>𝜙</m:t>
+                        </m:r>
+                      </m:e>
+                      <m:sub>
+                        <m:r>
+                          <a:rPr lang="en-US" i="1">
+                            <a:latin typeface="Cambria Math" panose="02040503050406030204" pitchFamily="18" charset="0"/>
+                          </a:rPr>
+                          <m:t>𝑖</m:t>
+                        </m:r>
+                        <m:r>
+                          <a:rPr lang="en-US" i="1">
+                            <a:latin typeface="Cambria Math" panose="02040503050406030204" pitchFamily="18" charset="0"/>
+                          </a:rPr>
+                          <m:t>,0</m:t>
+                        </m:r>
+                      </m:sub>
+                    </m:sSub>
+                    <m:r>
+                      <a:rPr lang="en-US" i="1">
+                        <a:latin typeface="Cambria Math" panose="02040503050406030204" pitchFamily="18" charset="0"/>
+                      </a:rPr>
+                      <m:t>=</m:t>
+                    </m:r>
+                    <m:sSub>
+                      <m:sSubPr>
+                        <m:ctrlPr>
+                          <a:rPr lang="en-US" i="1">
+                            <a:latin typeface="Cambria Math" panose="02040503050406030204" pitchFamily="18" charset="0"/>
+                          </a:rPr>
+                        </m:ctrlPr>
+                      </m:sSubPr>
+                      <m:e>
+                        <m:r>
+                          <a:rPr lang="en-US" i="1">
+                            <a:latin typeface="Cambria Math" panose="02040503050406030204" pitchFamily="18" charset="0"/>
+                          </a:rPr>
+                          <m:t>𝜙</m:t>
+                        </m:r>
+                      </m:e>
+                      <m:sub>
+                        <m:r>
+                          <a:rPr lang="en-US" i="1">
+                            <a:latin typeface="Cambria Math" panose="02040503050406030204" pitchFamily="18" charset="0"/>
+                          </a:rPr>
+                          <m:t>𝑖</m:t>
+                        </m:r>
+                        <m:r>
+                          <a:rPr lang="en-US" i="1">
+                            <a:latin typeface="Cambria Math" panose="02040503050406030204" pitchFamily="18" charset="0"/>
+                          </a:rPr>
+                          <m:t>,</m:t>
+                        </m:r>
+                        <m:sSub>
+                          <m:sSubPr>
+                            <m:ctrlPr>
+                              <a:rPr lang="en-US" b="0" i="1" smtClean="0">
+                                <a:latin typeface="Cambria Math" panose="02040503050406030204" pitchFamily="18" charset="0"/>
+                              </a:rPr>
+                            </m:ctrlPr>
+                          </m:sSubPr>
+                          <m:e>
+                            <m:r>
+                              <a:rPr lang="en-US" b="0" i="1" smtClean="0">
+                                <a:latin typeface="Cambria Math" panose="02040503050406030204" pitchFamily="18" charset="0"/>
+                              </a:rPr>
+                              <m:t>𝑁</m:t>
+                            </m:r>
+                          </m:e>
+                          <m:sub>
+                            <m:r>
+                              <a:rPr lang="en-US" b="0" i="1" smtClean="0">
+                                <a:latin typeface="Cambria Math" panose="02040503050406030204" pitchFamily="18" charset="0"/>
+                              </a:rPr>
+                              <m:t>𝑦</m:t>
+                            </m:r>
+                          </m:sub>
+                        </m:sSub>
+                        <m:r>
+                          <a:rPr lang="en-US" b="0" i="1" smtClean="0">
+                            <a:latin typeface="Cambria Math" panose="02040503050406030204" pitchFamily="18" charset="0"/>
+                          </a:rPr>
+                          <m:t>−1</m:t>
+                        </m:r>
+                      </m:sub>
+                    </m:sSub>
+                    <m:r>
+                      <a:rPr lang="en-US" i="1">
+                        <a:latin typeface="Cambria Math" panose="02040503050406030204" pitchFamily="18" charset="0"/>
+                      </a:rPr>
+                      <m:t> ;</m:t>
+                    </m:r>
+                    <m:r>
+                      <a:rPr lang="en-US" b="0" i="1" smtClean="0">
+                        <a:latin typeface="Cambria Math" panose="02040503050406030204" pitchFamily="18" charset="0"/>
+                      </a:rPr>
+                      <m:t>  </m:t>
+                    </m:r>
+                    <m:sSub>
+                      <m:sSubPr>
+                        <m:ctrlPr>
+                          <a:rPr lang="en-US" i="1">
+                            <a:latin typeface="Cambria Math" panose="02040503050406030204" pitchFamily="18" charset="0"/>
+                          </a:rPr>
+                        </m:ctrlPr>
+                      </m:sSubPr>
+                      <m:e>
+                        <m:r>
+                          <a:rPr lang="en-US" i="1">
+                            <a:latin typeface="Cambria Math" panose="02040503050406030204" pitchFamily="18" charset="0"/>
+                          </a:rPr>
+                          <m:t>𝜙</m:t>
+                        </m:r>
+                      </m:e>
+                      <m:sub>
+                        <m:r>
+                          <a:rPr lang="en-US" i="1">
+                            <a:latin typeface="Cambria Math" panose="02040503050406030204" pitchFamily="18" charset="0"/>
+                          </a:rPr>
+                          <m:t>𝑖</m:t>
+                        </m:r>
+                        <m:r>
+                          <a:rPr lang="en-US" i="1">
+                            <a:latin typeface="Cambria Math" panose="02040503050406030204" pitchFamily="18" charset="0"/>
+                          </a:rPr>
+                          <m:t>,</m:t>
+                        </m:r>
+                        <m:sSub>
+                          <m:sSubPr>
+                            <m:ctrlPr>
+                              <a:rPr lang="en-US" i="1">
+                                <a:latin typeface="Cambria Math" panose="02040503050406030204" pitchFamily="18" charset="0"/>
+                              </a:rPr>
+                            </m:ctrlPr>
+                          </m:sSubPr>
+                          <m:e>
+                            <m:r>
+                              <a:rPr lang="en-US" i="1">
+                                <a:latin typeface="Cambria Math" panose="02040503050406030204" pitchFamily="18" charset="0"/>
+                              </a:rPr>
+                              <m:t>𝑁</m:t>
+                            </m:r>
+                          </m:e>
+                          <m:sub>
+                            <m:r>
+                              <a:rPr lang="en-US" i="1">
+                                <a:latin typeface="Cambria Math" panose="02040503050406030204" pitchFamily="18" charset="0"/>
+                              </a:rPr>
+                              <m:t>𝑦</m:t>
+                            </m:r>
+                          </m:sub>
+                        </m:sSub>
+                      </m:sub>
+                    </m:sSub>
+                    <m:r>
+                      <a:rPr lang="en-US" i="1">
+                        <a:latin typeface="Cambria Math" panose="02040503050406030204" pitchFamily="18" charset="0"/>
+                      </a:rPr>
+                      <m:t>=</m:t>
+                    </m:r>
+                    <m:sSub>
+                      <m:sSubPr>
+                        <m:ctrlPr>
+                          <a:rPr lang="en-US" i="1">
+                            <a:latin typeface="Cambria Math" panose="02040503050406030204" pitchFamily="18" charset="0"/>
+                          </a:rPr>
+                        </m:ctrlPr>
+                      </m:sSubPr>
+                      <m:e>
+                        <m:r>
+                          <a:rPr lang="en-US" i="1">
+                            <a:latin typeface="Cambria Math" panose="02040503050406030204" pitchFamily="18" charset="0"/>
+                          </a:rPr>
+                          <m:t>𝜙</m:t>
+                        </m:r>
+                      </m:e>
+                      <m:sub>
+                        <m:r>
+                          <a:rPr lang="en-US" i="1">
+                            <a:latin typeface="Cambria Math" panose="02040503050406030204" pitchFamily="18" charset="0"/>
+                          </a:rPr>
+                          <m:t>𝑖</m:t>
+                        </m:r>
+                        <m:r>
+                          <a:rPr lang="en-US" i="1">
+                            <a:latin typeface="Cambria Math" panose="02040503050406030204" pitchFamily="18" charset="0"/>
+                          </a:rPr>
+                          <m:t>, 1</m:t>
+                        </m:r>
+                      </m:sub>
+                    </m:sSub>
+                  </m:oMath>
+                </a14:m>
+                <a:endParaRPr lang="en-US" dirty="0"/>
+              </a:p>
+              <a:p>
+                <a:r>
+                  <a:rPr lang="en-US" dirty="0"/>
+                  <a:t>Where, </a:t>
+                </a:r>
+                <a:r>
+                  <a:rPr lang="en-US" dirty="0" err="1"/>
+                  <a:t>i,j</a:t>
+                </a:r>
+                <a:r>
+                  <a:rPr lang="en-US" dirty="0"/>
+                  <a:t> = 0, 1, 2, … </a:t>
+                </a:r>
+                <a14:m>
+                  <m:oMath xmlns:m="http://schemas.openxmlformats.org/officeDocument/2006/math">
+                    <m:sSub>
+                      <m:sSubPr>
+                        <m:ctrlPr>
+                          <a:rPr lang="en-US" i="1">
+                            <a:latin typeface="Cambria Math" panose="02040503050406030204" pitchFamily="18" charset="0"/>
+                          </a:rPr>
+                        </m:ctrlPr>
+                      </m:sSubPr>
+                      <m:e>
+                        <m:r>
+                          <a:rPr lang="en-US" i="1">
+                            <a:latin typeface="Cambria Math" panose="02040503050406030204" pitchFamily="18" charset="0"/>
+                          </a:rPr>
+                          <m:t>𝑁</m:t>
+                        </m:r>
+                      </m:e>
+                      <m:sub>
+                        <m:r>
+                          <a:rPr lang="en-US" i="1">
+                            <a:latin typeface="Cambria Math" panose="02040503050406030204" pitchFamily="18" charset="0"/>
+                          </a:rPr>
+                          <m:t>𝑥</m:t>
+                        </m:r>
+                      </m:sub>
+                    </m:sSub>
+                    <m:r>
+                      <a:rPr lang="en-US" i="1">
+                        <a:latin typeface="Cambria Math" panose="02040503050406030204" pitchFamily="18" charset="0"/>
+                      </a:rPr>
+                      <m:t>/</m:t>
+                    </m:r>
+                    <m:sSub>
+                      <m:sSubPr>
+                        <m:ctrlPr>
+                          <a:rPr lang="en-US" i="1">
+                            <a:latin typeface="Cambria Math" panose="02040503050406030204" pitchFamily="18" charset="0"/>
+                          </a:rPr>
+                        </m:ctrlPr>
+                      </m:sSubPr>
+                      <m:e>
+                        <m:r>
+                          <a:rPr lang="en-US" i="1">
+                            <a:latin typeface="Cambria Math" panose="02040503050406030204" pitchFamily="18" charset="0"/>
+                          </a:rPr>
+                          <m:t>𝑁</m:t>
+                        </m:r>
+                      </m:e>
+                      <m:sub>
+                        <m:r>
+                          <a:rPr lang="en-US" i="1">
+                            <a:latin typeface="Cambria Math" panose="02040503050406030204" pitchFamily="18" charset="0"/>
+                          </a:rPr>
+                          <m:t>𝑦</m:t>
+                        </m:r>
+                      </m:sub>
+                    </m:sSub>
+                  </m:oMath>
+                </a14:m>
+                <a:endParaRPr lang="en-US" dirty="0"/>
+              </a:p>
+            </p:txBody>
+          </p:sp>
+        </mc:Choice>
+        <mc:Fallback>
+          <p:sp>
+            <p:nvSpPr>
+              <p:cNvPr id="3" name="Content Placeholder 2"/>
+              <p:cNvSpPr>
+                <a:spLocks noGrp="1" noRot="1" noChangeAspect="1" noMove="1" noResize="1" noEditPoints="1" noAdjustHandles="1" noChangeArrowheads="1" noChangeShapeType="1" noTextEdit="1"/>
+              </p:cNvSpPr>
+              <p:nvPr>
+                <p:ph idx="1"/>
+              </p:nvPr>
+            </p:nvSpPr>
+            <p:spPr>
+              <a:xfrm>
+                <a:off x="1024129" y="2286000"/>
+                <a:ext cx="3680073" cy="4023360"/>
+              </a:xfrm>
+              <a:blipFill>
+                <a:blip r:embed="rId2"/>
+                <a:stretch>
+                  <a:fillRect l="-828"/>
+                </a:stretch>
+              </a:blipFill>
+            </p:spPr>
+            <p:txBody>
+              <a:bodyPr/>
+              <a:lstStyle/>
+              <a:p>
+                <a:r>
+                  <a:rPr lang="en-US">
+                    <a:noFill/>
+                  </a:rPr>
+                  <a:t> </a:t>
+                </a:r>
+              </a:p>
+            </p:txBody>
+          </p:sp>
+        </mc:Fallback>
+      </mc:AlternateContent>
+      <p:pic>
+        <p:nvPicPr>
+          <p:cNvPr id="4" name="Picture 3"/>
+          <p:cNvPicPr>
+            <a:picLocks noChangeAspect="1"/>
+          </p:cNvPicPr>
+          <p:nvPr/>
+        </p:nvPicPr>
+        <p:blipFill>
+          <a:blip r:embed="rId3"/>
+          <a:stretch>
+            <a:fillRect/>
+          </a:stretch>
+        </p:blipFill>
+        <p:spPr>
+          <a:xfrm>
+            <a:off x="5008752" y="1233054"/>
+            <a:ext cx="6768408" cy="5076306"/>
+          </a:xfrm>
+          <a:prstGeom prst="rect">
+            <a:avLst/>
+          </a:prstGeom>
+        </p:spPr>
+      </p:pic>
+    </p:spTree>
+    <p:extLst>
+      <p:ext uri="{BB962C8B-B14F-4D97-AF65-F5344CB8AC3E}">
+        <p14:creationId xmlns:p14="http://schemas.microsoft.com/office/powerpoint/2010/main" val="441977287"/>
+      </p:ext>
+    </p:extLst>
+  </p:cSld>
+  <p:clrMapOvr>
+    <a:masterClrMapping/>
+  </p:clrMapOvr>
+</p:sld>
+</file>
+
+<file path=ppt/slides/slide16.xml><?xml version="1.0" encoding="utf-8"?>
+<p:sld xmlns:a="http://schemas.openxmlformats.org/drawingml/2006/main" xmlns:r="http://schemas.openxmlformats.org/officeDocument/2006/relationships" xmlns:p="http://schemas.openxmlformats.org/presentationml/2006/main">
+  <p:cSld>
+    <p:spTree>
+      <p:nvGrpSpPr>
+        <p:cNvPr id="1" name=""/>
+        <p:cNvGrpSpPr/>
+        <p:nvPr/>
+      </p:nvGrpSpPr>
+      <p:grpSpPr>
+        <a:xfrm>
+          <a:off x="0" y="0"/>
+          <a:ext cx="0" cy="0"/>
+          <a:chOff x="0" y="0"/>
+          <a:chExt cx="0" cy="0"/>
+        </a:xfrm>
+      </p:grpSpPr>
+      <p:sp>
+        <p:nvSpPr>
+          <p:cNvPr id="2" name="Title 1"/>
+          <p:cNvSpPr>
+            <a:spLocks noGrp="1"/>
+          </p:cNvSpPr>
+          <p:nvPr>
+            <p:ph type="title"/>
+          </p:nvPr>
+        </p:nvSpPr>
+        <p:spPr/>
+        <p:txBody>
+          <a:bodyPr/>
+          <a:lstStyle/>
+          <a:p>
+            <a:r>
+              <a:rPr lang="en-US" dirty="0"/>
+              <a:t>stage 2</a:t>
+            </a:r>
+          </a:p>
+        </p:txBody>
+      </p:sp>
+      <mc:AlternateContent xmlns:mc="http://schemas.openxmlformats.org/markup-compatibility/2006">
+        <mc:Choice xmlns:a14="http://schemas.microsoft.com/office/drawing/2010/main" Requires="a14">
+          <p:sp>
+            <p:nvSpPr>
+              <p:cNvPr id="3" name="Content Placeholder 2"/>
+              <p:cNvSpPr>
+                <a:spLocks noGrp="1"/>
+              </p:cNvSpPr>
+              <p:nvPr>
+                <p:ph idx="1"/>
+              </p:nvPr>
+            </p:nvSpPr>
+            <p:spPr>
+              <a:xfrm>
+                <a:off x="1024128" y="1834309"/>
+                <a:ext cx="9720071" cy="4753778"/>
+              </a:xfrm>
+            </p:spPr>
             <p:txBody>
               <a:bodyPr>
-                <a:normAutofit/>
+                <a:normAutofit fontScale="55000" lnSpcReduction="20000"/>
               </a:bodyPr>
               <a:lstStyle/>
               <a:p>
@@ -5614,11 +8548,43 @@
                 </a:pPr>
                 <a14:m>
                   <m:oMath xmlns:m="http://schemas.openxmlformats.org/officeDocument/2006/math">
+                    <m:r>
+                      <a:rPr lang="en-US" sz="4800" i="1">
+                        <a:latin typeface="Cambria Math" charset="0"/>
+                      </a:rPr>
+                      <m:t>𝑔</m:t>
+                    </m:r>
+                    <m:r>
+                      <a:rPr lang="en-US" sz="4800" i="1">
+                        <a:latin typeface="Cambria Math" charset="0"/>
+                      </a:rPr>
+                      <m:t>(</m:t>
+                    </m:r>
+                    <m:r>
+                      <a:rPr lang="en-US" sz="4800" i="1">
+                        <a:latin typeface="Cambria Math" charset="0"/>
+                      </a:rPr>
+                      <m:t>𝜙</m:t>
+                    </m:r>
+                    <m:r>
+                      <a:rPr lang="en-US" sz="4800" i="1">
+                        <a:latin typeface="Cambria Math" charset="0"/>
+                      </a:rPr>
+                      <m:t>)</m:t>
+                    </m:r>
+                  </m:oMath>
+                </a14:m>
+                <a:r>
+                  <a:rPr lang="en-US" sz="4800" dirty="0"/>
+                  <a:t> is considered: </a:t>
+                </a:r>
+                <a14:m>
+                  <m:oMath xmlns:m="http://schemas.openxmlformats.org/officeDocument/2006/math">
                     <m:f>
                       <m:fPr>
                         <m:ctrlPr>
-                          <a:rPr lang="en-US" sz="4800" i="1" smtClean="0">
-                            <a:latin typeface="Cambria Math" charset="0"/>
+                          <a:rPr lang="en-US" sz="4800" i="1">
+                            <a:latin typeface="Cambria Math" panose="02040503050406030204" pitchFamily="18" charset="0"/>
                           </a:rPr>
                         </m:ctrlPr>
                       </m:fPr>
@@ -5704,7 +8670,7 @@
                       <m:dPr>
                         <m:ctrlPr>
                           <a:rPr lang="en-US" sz="4800" i="1">
-                            <a:latin typeface="Cambria Math" charset="0"/>
+                            <a:latin typeface="Cambria Math" panose="02040503050406030204" pitchFamily="18" charset="0"/>
                           </a:rPr>
                         </m:ctrlPr>
                       </m:dPr>
@@ -5728,7 +8694,7 @@
                       <m:t>=0</m:t>
                     </m:r>
                     <m:r>
-                      <a:rPr lang="en-US" sz="4800" b="0" i="0" smtClean="0">
+                      <a:rPr lang="en-US" sz="4800">
                         <a:latin typeface="Cambria Math" charset="0"/>
                         <a:ea typeface="Cambria Math" charset="0"/>
                         <a:cs typeface="Cambria Math" charset="0"/>
@@ -5737,44 +8703,16 @@
                     </m:r>
                   </m:oMath>
                 </a14:m>
-                <a:endParaRPr lang="en-US" sz="4800" dirty="0" smtClean="0"/>
+                <a:endParaRPr lang="en-US" sz="4800" dirty="0"/>
               </a:p>
               <a:p>
                 <a:pPr>
                   <a:buFont typeface="Arial" charset="0"/>
                   <a:buChar char="•"/>
                 </a:pPr>
-                <a14:m>
-                  <m:oMath xmlns:m="http://schemas.openxmlformats.org/officeDocument/2006/math">
-                    <m:r>
-                      <a:rPr lang="en-US" sz="4800" b="0" i="1" smtClean="0">
-                        <a:latin typeface="Cambria Math" charset="0"/>
-                      </a:rPr>
-                      <m:t>𝑔</m:t>
-                    </m:r>
-                    <m:r>
-                      <a:rPr lang="en-US" sz="4800" b="0" i="1" smtClean="0">
-                        <a:latin typeface="Cambria Math" charset="0"/>
-                      </a:rPr>
-                      <m:t>(</m:t>
-                    </m:r>
-                    <m:r>
-                      <a:rPr lang="en-US" sz="4800" b="0" i="1" smtClean="0">
-                        <a:latin typeface="Cambria Math" charset="0"/>
-                      </a:rPr>
-                      <m:t>𝜙</m:t>
-                    </m:r>
-                    <m:r>
-                      <a:rPr lang="en-US" sz="4800" b="0" i="1" smtClean="0">
-                        <a:latin typeface="Cambria Math" charset="0"/>
-                      </a:rPr>
-                      <m:t>)</m:t>
-                    </m:r>
-                  </m:oMath>
-                </a14:m>
                 <a:r>
-                  <a:rPr lang="en-US" sz="4800" dirty="0" smtClean="0"/>
-                  <a:t> is considered.</a:t>
+                  <a:rPr lang="en-US" sz="4800" dirty="0"/>
+                  <a:t>Only explicit method is applied</a:t>
                 </a:r>
               </a:p>
               <a:p>
@@ -5783,15 +8721,165 @@
                   <a:buChar char="•"/>
                 </a:pPr>
                 <a:r>
-                  <a:rPr lang="en-US" sz="4800" dirty="0" smtClean="0"/>
-                  <a:t>Only explicit method is applied.</a:t>
+                  <a:rPr lang="en-US" sz="4800" dirty="0"/>
+                  <a:t>Physics:</a:t>
                 </a:r>
-                <a:endParaRPr lang="en-US" sz="4800" dirty="0"/>
+              </a:p>
+              <a:p>
+                <a:pPr lvl="2">
+                  <a:buFont typeface="Arial" charset="0"/>
+                  <a:buChar char="•"/>
+                </a:pPr>
+                <a:r>
+                  <a:rPr lang="en-US" sz="5100" dirty="0"/>
+                  <a:t>Phase field variable </a:t>
+                </a:r>
+                <a14:m>
+                  <m:oMath xmlns:m="http://schemas.openxmlformats.org/officeDocument/2006/math">
+                    <m:r>
+                      <a:rPr lang="en-US" sz="5100" b="0" i="1" smtClean="0">
+                        <a:latin typeface="Cambria Math" panose="02040503050406030204" pitchFamily="18" charset="0"/>
+                      </a:rPr>
+                      <m:t>𝜙</m:t>
+                    </m:r>
+                    <m:r>
+                      <a:rPr lang="en-US" sz="5100" b="0" i="0" smtClean="0">
+                        <a:latin typeface="Cambria Math" panose="02040503050406030204" pitchFamily="18" charset="0"/>
+                      </a:rPr>
+                      <m:t>:</m:t>
+                    </m:r>
+                  </m:oMath>
+                </a14:m>
+                <a:endParaRPr lang="en-US" sz="5100" b="0" dirty="0"/>
+              </a:p>
+              <a:p>
+                <a:pPr lvl="4">
+                  <a:buFont typeface="Arial" charset="0"/>
+                  <a:buChar char="•"/>
+                </a:pPr>
+                <a14:m>
+                  <m:oMath xmlns:m="http://schemas.openxmlformats.org/officeDocument/2006/math">
+                    <m:r>
+                      <a:rPr lang="en-US" sz="5100" i="1">
+                        <a:latin typeface="Cambria Math" panose="02040503050406030204" pitchFamily="18" charset="0"/>
+                      </a:rPr>
+                      <m:t>𝜙</m:t>
+                    </m:r>
+                  </m:oMath>
+                </a14:m>
+                <a:r>
+                  <a:rPr lang="en-US" sz="5100" dirty="0"/>
+                  <a:t> = 1 : Solid phase</a:t>
+                </a:r>
+              </a:p>
+              <a:p>
+                <a:pPr lvl="4">
+                  <a:buFont typeface="Arial" charset="0"/>
+                  <a:buChar char="•"/>
+                </a:pPr>
+                <a14:m>
+                  <m:oMath xmlns:m="http://schemas.openxmlformats.org/officeDocument/2006/math">
+                    <m:r>
+                      <a:rPr lang="en-US" sz="5100" i="1">
+                        <a:latin typeface="Cambria Math" panose="02040503050406030204" pitchFamily="18" charset="0"/>
+                      </a:rPr>
+                      <m:t>𝜙</m:t>
+                    </m:r>
+                  </m:oMath>
+                </a14:m>
+                <a:r>
+                  <a:rPr lang="en-US" sz="5100" dirty="0"/>
+                  <a:t> = 0 : Liquid phase</a:t>
+                </a:r>
+              </a:p>
+              <a:p>
+                <a:pPr lvl="2">
+                  <a:buFont typeface="Arial" charset="0"/>
+                  <a:buChar char="•"/>
+                </a:pPr>
+                <a:r>
+                  <a:rPr lang="en-US" sz="5100" dirty="0"/>
+                  <a:t>We vary </a:t>
+                </a:r>
+                <a14:m>
+                  <m:oMath xmlns:m="http://schemas.openxmlformats.org/officeDocument/2006/math">
+                    <m:r>
+                      <a:rPr lang="en-US" sz="5100" i="1">
+                        <a:latin typeface="Cambria Math" charset="0"/>
+                        <a:ea typeface="Cambria Math" charset="0"/>
+                        <a:cs typeface="Cambria Math" charset="0"/>
+                      </a:rPr>
+                      <m:t>𝜖</m:t>
+                    </m:r>
+                  </m:oMath>
+                </a14:m>
+                <a:r>
+                  <a:rPr lang="en-US" sz="5100" dirty="0"/>
+                  <a:t> and m values</a:t>
+                </a:r>
+              </a:p>
+              <a:p>
+                <a:pPr lvl="4">
+                  <a:buFont typeface="Arial" charset="0"/>
+                  <a:buChar char="•"/>
+                </a:pPr>
+                <a14:m>
+                  <m:oMath xmlns:m="http://schemas.openxmlformats.org/officeDocument/2006/math">
+                    <m:r>
+                      <a:rPr lang="en-US" sz="5100" i="1">
+                        <a:latin typeface="Cambria Math" charset="0"/>
+                        <a:ea typeface="Cambria Math" charset="0"/>
+                        <a:cs typeface="Cambria Math" charset="0"/>
+                      </a:rPr>
+                      <m:t>𝜖</m:t>
+                    </m:r>
+                  </m:oMath>
+                </a14:m>
+                <a:r>
+                  <a:rPr lang="en-US" sz="5100" dirty="0"/>
+                  <a:t> determines how diffused the interface is</a:t>
+                </a:r>
+              </a:p>
+              <a:p>
+                <a:pPr lvl="4">
+                  <a:buFont typeface="Arial" charset="0"/>
+                  <a:buChar char="•"/>
+                </a:pPr>
+                <a:r>
+                  <a:rPr lang="en-US" sz="5100" dirty="0"/>
+                  <a:t>m  determines the directions and speed at which the interface moves</a:t>
+                </a:r>
+              </a:p>
+              <a:p>
+                <a:pPr lvl="2">
+                  <a:buFont typeface="Arial" charset="0"/>
+                  <a:buChar char="•"/>
+                </a:pPr>
+                <a:r>
+                  <a:rPr lang="en-US" sz="5100" dirty="0"/>
+                  <a:t>In results, we experiment with different values of </a:t>
+                </a:r>
+                <a14:m>
+                  <m:oMath xmlns:m="http://schemas.openxmlformats.org/officeDocument/2006/math">
+                    <m:r>
+                      <a:rPr lang="en-US" sz="5100" i="1">
+                        <a:latin typeface="Cambria Math" charset="0"/>
+                        <a:ea typeface="Cambria Math" charset="0"/>
+                        <a:cs typeface="Cambria Math" charset="0"/>
+                      </a:rPr>
+                      <m:t>𝜖</m:t>
+                    </m:r>
+                  </m:oMath>
+                </a14:m>
+                <a:r>
+                  <a:rPr lang="en-US" sz="5100" dirty="0"/>
+                  <a:t> and m and compare results with literature</a:t>
+                </a:r>
               </a:p>
             </p:txBody>
           </p:sp>
         </mc:Choice>
-        <mc:Fallback xmlns="">
+        <mc:Fallback>
           <p:sp>
             <p:nvSpPr>
               <p:cNvPr id="3" name="Content Placeholder 2"/>
@@ -5803,10 +8891,14 @@
               </p:nvPr>
             </p:nvSpPr>
             <p:spPr>
-              <a:blipFill rotWithShape="0">
+              <a:xfrm>
+                <a:off x="1024128" y="1834309"/>
+                <a:ext cx="9720071" cy="4753778"/>
+              </a:xfrm>
+              <a:blipFill>
                 <a:blip r:embed="rId3"/>
                 <a:stretch>
-                  <a:fillRect l="-3074"/>
+                  <a:fillRect l="-1443" t="-1795" r="-1317" b="-769"/>
                 </a:stretch>
               </a:blipFill>
             </p:spPr>
@@ -5838,7 +8930,7 @@
 </p:sld>
 </file>
 
-<file path=ppt/slides/slide16.xml><?xml version="1.0" encoding="utf-8"?>
+<file path=ppt/slides/slide17.xml><?xml version="1.0" encoding="utf-8"?>
 <p:sld xmlns:a="http://schemas.openxmlformats.org/drawingml/2006/main" xmlns:r="http://schemas.openxmlformats.org/officeDocument/2006/relationships" xmlns:p="http://schemas.openxmlformats.org/presentationml/2006/main">
   <p:cSld>
     <p:spTree>
@@ -5986,7 +9078,7 @@
                     </m:oMath>
                   </m:oMathPara>
                 </a14:m>
-                <a:endParaRPr lang="en-US" sz="5400" b="0" dirty="0" smtClean="0">
+                <a:endParaRPr lang="en-US" sz="5400" b="0" dirty="0">
                   <a:ea typeface="Cambria Math" charset="0"/>
                   <a:cs typeface="Cambria Math" charset="0"/>
                 </a:endParaRPr>
@@ -6108,7 +9200,7 @@
                     </m:oMath>
                   </m:oMathPara>
                 </a14:m>
-                <a:endParaRPr lang="en-US" sz="5400" b="0" dirty="0" smtClean="0">
+                <a:endParaRPr lang="en-US" sz="5400" b="0" dirty="0">
                   <a:ea typeface="Cambria Math" charset="0"/>
                   <a:cs typeface="Cambria Math" charset="0"/>
                 </a:endParaRPr>
@@ -6196,22 +9288,12 @@
         <p:cTn id="1" dur="indefinite" restart="never" nodeType="tmRoot">
           <p:childTnLst>
             <p:seq concurrent="1" nextAc="seek">
-              <p:cTn id="2" restart="whenNotActive" fill="hold" evtFilter="cancelBubble" nodeType="interactiveSeq">
-                <p:stCondLst>
-                  <p:cond evt="onClick" delay="0">
-                    <p:tgtEl>
-                      <p:spTgt spid="4"/>
-                    </p:tgtEl>
-                  </p:cond>
-                </p:stCondLst>
-                <p:endSync evt="end" delay="0">
-                  <p:rtn val="all"/>
-                </p:endSync>
+              <p:cTn id="2" dur="indefinite" nodeType="mainSeq">
                 <p:childTnLst>
                   <p:par>
                     <p:cTn id="3" fill="hold">
                       <p:stCondLst>
-                        <p:cond delay="0"/>
+                        <p:cond delay="indefinite"/>
                       </p:stCondLst>
                       <p:childTnLst>
                         <p:par>
@@ -6221,14 +9303,14 @@
                             </p:stCondLst>
                             <p:childTnLst>
                               <p:par>
-                                <p:cTn id="5" presetID="2" presetClass="mediacall" presetSubtype="0" fill="hold" nodeType="clickEffect">
+                                <p:cTn id="5" presetID="1" presetClass="mediacall" presetSubtype="0" fill="hold" nodeType="clickEffect">
                                   <p:stCondLst>
                                     <p:cond delay="0"/>
                                   </p:stCondLst>
                                   <p:childTnLst>
-                                    <p:cmd type="call" cmd="togglePause">
+                                    <p:cmd type="call" cmd="playFrom(0.0)">
                                       <p:cBhvr>
-                                        <p:cTn id="6" dur="1" fill="hold"/>
+                                        <p:cTn id="6" dur="3009" fill="hold"/>
                                         <p:tgtEl>
                                           <p:spTgt spid="4"/>
                                         </p:tgtEl>
@@ -6237,68 +9319,15 @@
                                   </p:childTnLst>
                                 </p:cTn>
                               </p:par>
-                            </p:childTnLst>
-                          </p:cTn>
-                        </p:par>
-                      </p:childTnLst>
-                    </p:cTn>
-                  </p:par>
-                </p:childTnLst>
-              </p:cTn>
-              <p:nextCondLst>
-                <p:cond evt="onClick" delay="0">
-                  <p:tgtEl>
-                    <p:spTgt spid="4"/>
-                  </p:tgtEl>
-                </p:cond>
-              </p:nextCondLst>
-            </p:seq>
-            <p:video>
-              <p:cMediaNode vol="80000">
-                <p:cTn id="7" fill="hold" display="0">
-                  <p:stCondLst>
-                    <p:cond delay="indefinite"/>
-                  </p:stCondLst>
-                </p:cTn>
-                <p:tgtEl>
-                  <p:spTgt spid="4"/>
-                </p:tgtEl>
-              </p:cMediaNode>
-            </p:video>
-            <p:seq concurrent="1" nextAc="seek">
-              <p:cTn id="8" restart="whenNotActive" fill="hold" evtFilter="cancelBubble" nodeType="interactiveSeq">
-                <p:stCondLst>
-                  <p:cond evt="onClick" delay="0">
-                    <p:tgtEl>
-                      <p:spTgt spid="5"/>
-                    </p:tgtEl>
-                  </p:cond>
-                </p:stCondLst>
-                <p:endSync evt="end" delay="0">
-                  <p:rtn val="all"/>
-                </p:endSync>
-                <p:childTnLst>
-                  <p:par>
-                    <p:cTn id="9" fill="hold">
-                      <p:stCondLst>
-                        <p:cond delay="0"/>
-                      </p:stCondLst>
-                      <p:childTnLst>
-                        <p:par>
-                          <p:cTn id="10" fill="hold">
-                            <p:stCondLst>
-                              <p:cond delay="0"/>
-                            </p:stCondLst>
-                            <p:childTnLst>
                               <p:par>
-                                <p:cTn id="11" presetID="2" presetClass="mediacall" presetSubtype="0" fill="hold" nodeType="clickEffect">
+                                <p:cTn id="7" presetID="1" presetClass="mediacall" presetSubtype="0" fill="hold" nodeType="withEffect">
                                   <p:stCondLst>
                                     <p:cond delay="0"/>
                                   </p:stCondLst>
                                   <p:childTnLst>
-                                    <p:cmd type="call" cmd="togglePause">
+                                    <p:cmd type="call" cmd="playFrom(0.0)">
                                       <p:cBhvr>
-                                        <p:cTn id="12" dur="1" fill="hold"/>
+                                        <p:cTn id="8" dur="3009" fill="hold"/>
                                         <p:tgtEl>
                                           <p:spTgt spid="5"/>
                                         </p:tgtEl>
@@ -6315,17 +9344,36 @@
                   </p:par>
                 </p:childTnLst>
               </p:cTn>
+              <p:prevCondLst>
+                <p:cond evt="onPrev" delay="0">
+                  <p:tgtEl>
+                    <p:sldTgt/>
+                  </p:tgtEl>
+                </p:cond>
+              </p:prevCondLst>
               <p:nextCondLst>
-                <p:cond evt="onClick" delay="0">
+                <p:cond evt="onNext" delay="0">
                   <p:tgtEl>
-                    <p:spTgt spid="5"/>
+                    <p:sldTgt/>
                   </p:tgtEl>
                 </p:cond>
               </p:nextCondLst>
             </p:seq>
             <p:video>
               <p:cMediaNode vol="80000">
-                <p:cTn id="13" fill="hold" display="0">
+                <p:cTn id="9" fill="hold" display="0">
+                  <p:stCondLst>
+                    <p:cond delay="indefinite"/>
+                  </p:stCondLst>
+                </p:cTn>
+                <p:tgtEl>
+                  <p:spTgt spid="4"/>
+                </p:tgtEl>
+              </p:cMediaNode>
+            </p:video>
+            <p:video>
+              <p:cMediaNode vol="80000">
+                <p:cTn id="10" fill="hold" display="0">
                   <p:stCondLst>
                     <p:cond delay="indefinite"/>
                   </p:stCondLst>
@@ -6343,7 +9391,7 @@
 </p:sld>
 </file>
 
-<file path=ppt/slides/slide17.xml><?xml version="1.0" encoding="utf-8"?>
+<file path=ppt/slides/slide18.xml><?xml version="1.0" encoding="utf-8"?>
 <p:sld xmlns:a="http://schemas.openxmlformats.org/drawingml/2006/main" xmlns:r="http://schemas.openxmlformats.org/officeDocument/2006/relationships" xmlns:p="http://schemas.openxmlformats.org/presentationml/2006/main">
   <p:cSld>
     <p:spTree>
@@ -6474,7 +9522,7 @@
                     </m:oMath>
                   </m:oMathPara>
                 </a14:m>
-                <a:endParaRPr lang="en-US" sz="5400" b="0" dirty="0" smtClean="0">
+                <a:endParaRPr lang="en-US" sz="5400" b="0" dirty="0">
                   <a:ea typeface="Cambria Math" charset="0"/>
                   <a:cs typeface="Cambria Math" charset="0"/>
                 </a:endParaRPr>
@@ -6596,7 +9644,7 @@
                     </m:oMath>
                   </m:oMathPara>
                 </a14:m>
-                <a:endParaRPr lang="en-US" sz="5400" b="0" dirty="0" smtClean="0">
+                <a:endParaRPr lang="en-US" sz="5400" b="0" dirty="0">
                   <a:ea typeface="Cambria Math" charset="0"/>
                   <a:cs typeface="Cambria Math" charset="0"/>
                 </a:endParaRPr>
@@ -6684,22 +9732,12 @@
         <p:cTn id="1" dur="indefinite" restart="never" nodeType="tmRoot">
           <p:childTnLst>
             <p:seq concurrent="1" nextAc="seek">
-              <p:cTn id="2" restart="whenNotActive" fill="hold" evtFilter="cancelBubble" nodeType="interactiveSeq">
-                <p:stCondLst>
-                  <p:cond evt="onClick" delay="0">
-                    <p:tgtEl>
-                      <p:spTgt spid="4"/>
-                    </p:tgtEl>
-                  </p:cond>
-                </p:stCondLst>
-                <p:endSync evt="end" delay="0">
-                  <p:rtn val="all"/>
-                </p:endSync>
+              <p:cTn id="2" dur="indefinite" nodeType="mainSeq">
                 <p:childTnLst>
                   <p:par>
                     <p:cTn id="3" fill="hold">
                       <p:stCondLst>
-                        <p:cond delay="0"/>
+                        <p:cond delay="indefinite"/>
                       </p:stCondLst>
                       <p:childTnLst>
                         <p:par>
@@ -6709,14 +9747,14 @@
                             </p:stCondLst>
                             <p:childTnLst>
                               <p:par>
-                                <p:cTn id="5" presetID="2" presetClass="mediacall" presetSubtype="0" fill="hold" nodeType="clickEffect">
+                                <p:cTn id="5" presetID="1" presetClass="mediacall" presetSubtype="0" fill="hold" nodeType="clickEffect">
                                   <p:stCondLst>
                                     <p:cond delay="0"/>
                                   </p:stCondLst>
                                   <p:childTnLst>
-                                    <p:cmd type="call" cmd="togglePause">
+                                    <p:cmd type="call" cmd="playFrom(0.0)">
                                       <p:cBhvr>
-                                        <p:cTn id="6" dur="1" fill="hold"/>
+                                        <p:cTn id="6" dur="3009" fill="hold"/>
                                         <p:tgtEl>
                                           <p:spTgt spid="4"/>
                                         </p:tgtEl>
@@ -6725,68 +9763,15 @@
                                   </p:childTnLst>
                                 </p:cTn>
                               </p:par>
-                            </p:childTnLst>
-                          </p:cTn>
-                        </p:par>
-                      </p:childTnLst>
-                    </p:cTn>
-                  </p:par>
-                </p:childTnLst>
-              </p:cTn>
-              <p:nextCondLst>
-                <p:cond evt="onClick" delay="0">
-                  <p:tgtEl>
-                    <p:spTgt spid="4"/>
-                  </p:tgtEl>
-                </p:cond>
-              </p:nextCondLst>
-            </p:seq>
-            <p:video>
-              <p:cMediaNode vol="80000">
-                <p:cTn id="7" fill="hold" display="0">
-                  <p:stCondLst>
-                    <p:cond delay="indefinite"/>
-                  </p:stCondLst>
-                </p:cTn>
-                <p:tgtEl>
-                  <p:spTgt spid="4"/>
-                </p:tgtEl>
-              </p:cMediaNode>
-            </p:video>
-            <p:seq concurrent="1" nextAc="seek">
-              <p:cTn id="8" restart="whenNotActive" fill="hold" evtFilter="cancelBubble" nodeType="interactiveSeq">
-                <p:stCondLst>
-                  <p:cond evt="onClick" delay="0">
-                    <p:tgtEl>
-                      <p:spTgt spid="5"/>
-                    </p:tgtEl>
-                  </p:cond>
-                </p:stCondLst>
-                <p:endSync evt="end" delay="0">
-                  <p:rtn val="all"/>
-                </p:endSync>
-                <p:childTnLst>
-                  <p:par>
-                    <p:cTn id="9" fill="hold">
-                      <p:stCondLst>
-                        <p:cond delay="0"/>
-                      </p:stCondLst>
-                      <p:childTnLst>
-                        <p:par>
-                          <p:cTn id="10" fill="hold">
-                            <p:stCondLst>
-                              <p:cond delay="0"/>
-                            </p:stCondLst>
-                            <p:childTnLst>
                               <p:par>
-                                <p:cTn id="11" presetID="2" presetClass="mediacall" presetSubtype="0" fill="hold" nodeType="clickEffect">
+                                <p:cTn id="7" presetID="1" presetClass="mediacall" presetSubtype="0" fill="hold" nodeType="withEffect">
                                   <p:stCondLst>
                                     <p:cond delay="0"/>
                                   </p:stCondLst>
                                   <p:childTnLst>
-                                    <p:cmd type="call" cmd="togglePause">
+                                    <p:cmd type="call" cmd="playFrom(0.0)">
                                       <p:cBhvr>
-                                        <p:cTn id="12" dur="1" fill="hold"/>
+                                        <p:cTn id="8" dur="3009" fill="hold"/>
                                         <p:tgtEl>
                                           <p:spTgt spid="5"/>
                                         </p:tgtEl>
@@ -6803,17 +9788,36 @@
                   </p:par>
                 </p:childTnLst>
               </p:cTn>
+              <p:prevCondLst>
+                <p:cond evt="onPrev" delay="0">
+                  <p:tgtEl>
+                    <p:sldTgt/>
+                  </p:tgtEl>
+                </p:cond>
+              </p:prevCondLst>
               <p:nextCondLst>
-                <p:cond evt="onClick" delay="0">
+                <p:cond evt="onNext" delay="0">
                   <p:tgtEl>
-                    <p:spTgt spid="5"/>
+                    <p:sldTgt/>
                   </p:tgtEl>
                 </p:cond>
               </p:nextCondLst>
             </p:seq>
             <p:video>
               <p:cMediaNode vol="80000">
-                <p:cTn id="13" fill="hold" display="0">
+                <p:cTn id="9" fill="hold" display="0">
+                  <p:stCondLst>
+                    <p:cond delay="indefinite"/>
+                  </p:stCondLst>
+                </p:cTn>
+                <p:tgtEl>
+                  <p:spTgt spid="4"/>
+                </p:tgtEl>
+              </p:cMediaNode>
+            </p:video>
+            <p:video>
+              <p:cMediaNode vol="80000">
+                <p:cTn id="10" fill="hold" display="0">
                   <p:stCondLst>
                     <p:cond delay="indefinite"/>
                   </p:stCondLst>
@@ -6831,7 +9835,7 @@
 </p:sld>
 </file>
 
-<file path=ppt/slides/slide18.xml><?xml version="1.0" encoding="utf-8"?>
+<file path=ppt/slides/slide19.xml><?xml version="1.0" encoding="utf-8"?>
 <p:sld xmlns:a="http://schemas.openxmlformats.org/drawingml/2006/main" xmlns:r="http://schemas.openxmlformats.org/officeDocument/2006/relationships" xmlns:p="http://schemas.openxmlformats.org/presentationml/2006/main">
   <p:cSld>
     <p:spTree>
@@ -6864,10 +9868,9 @@
           <a:lstStyle/>
           <a:p>
             <a:r>
-              <a:rPr lang="en-US" dirty="0" smtClean="0"/>
+              <a:rPr lang="en-US" dirty="0"/>
               <a:t>Future work</a:t>
             </a:r>
-            <a:endParaRPr lang="en-US" dirty="0"/>
           </a:p>
         </p:txBody>
       </p:sp>
@@ -6891,10 +9894,9 @@
               <a:buChar char="•"/>
             </a:pPr>
             <a:r>
-              <a:rPr lang="en-US" sz="4000" dirty="0" smtClean="0"/>
+              <a:rPr lang="en-US" sz="4000" dirty="0"/>
               <a:t>Flexibility</a:t>
             </a:r>
-            <a:endParaRPr lang="en-US" sz="4000" dirty="0"/>
           </a:p>
           <a:p>
             <a:pPr marL="319786" lvl="1" indent="-146050">
@@ -6923,16 +9925,11 @@
             </a:pPr>
             <a:r>
               <a:rPr lang="en-US" sz="3600" dirty="0"/>
-              <a:t>quadratic base </a:t>
-            </a:r>
-            <a:r>
-              <a:rPr lang="en-US" sz="3600" dirty="0" smtClean="0"/>
-              <a:t>functions</a:t>
-            </a:r>
-            <a:endParaRPr lang="en-US" sz="3600" dirty="0"/>
-          </a:p>
-          <a:p>
-            <a:endParaRPr lang="en-US" dirty="0" smtClean="0"/>
+              <a:t>quadratic base functions</a:t>
+            </a:r>
+          </a:p>
+          <a:p>
+            <a:endParaRPr lang="en-US" dirty="0"/>
           </a:p>
           <a:p>
             <a:pPr>
@@ -6941,11 +9938,7 @@
             </a:pPr>
             <a:r>
               <a:rPr lang="en-US" sz="4000" dirty="0"/>
-              <a:t>Error </a:t>
-            </a:r>
-            <a:r>
-              <a:rPr lang="en-US" sz="4000" dirty="0" smtClean="0"/>
-              <a:t>Analysis</a:t>
+              <a:t>Error Analysis</a:t>
             </a:r>
           </a:p>
           <a:p>
@@ -6955,11 +9948,7 @@
             </a:pPr>
             <a:r>
               <a:rPr lang="en-US" sz="3600" dirty="0"/>
-              <a:t>s</a:t>
-            </a:r>
-            <a:r>
-              <a:rPr lang="en-US" sz="3600" dirty="0" smtClean="0"/>
-              <a:t>table condition</a:t>
+              <a:t>stable condition</a:t>
             </a:r>
           </a:p>
           <a:p>
@@ -6968,7 +9957,7 @@
               <a:buChar char="•"/>
             </a:pPr>
             <a:r>
-              <a:rPr lang="en-US" sz="3600" dirty="0" smtClean="0"/>
+              <a:rPr lang="en-US" sz="3600" dirty="0"/>
               <a:t>error bound</a:t>
             </a:r>
           </a:p>
@@ -6984,7 +9973,7 @@
               <a:buFont typeface="Arial" charset="0"/>
               <a:buChar char="•"/>
             </a:pPr>
-            <a:endParaRPr lang="en-US" sz="3600" dirty="0" smtClean="0"/>
+            <a:endParaRPr lang="en-US" sz="3600" dirty="0"/>
           </a:p>
           <a:p>
             <a:pPr lvl="1">
@@ -7087,10 +10076,9 @@
           <a:lstStyle/>
           <a:p>
             <a:r>
-              <a:rPr lang="en-US" dirty="0" smtClean="0"/>
+              <a:rPr lang="en-US" dirty="0"/>
               <a:t>PHASE-FIELD MODELING</a:t>
             </a:r>
-            <a:endParaRPr lang="en-US" dirty="0"/>
           </a:p>
         </p:txBody>
       </p:sp>
@@ -7119,7 +10107,7 @@
               <a:buChar char="v"/>
             </a:pPr>
             <a:r>
-              <a:rPr lang="en-US" sz="4400" dirty="0" smtClean="0"/>
+              <a:rPr lang="en-US" sz="4400" dirty="0"/>
               <a:t> Solidification </a:t>
             </a:r>
           </a:p>
@@ -7129,7 +10117,7 @@
               <a:buChar char="v"/>
             </a:pPr>
             <a:r>
-              <a:rPr lang="en-US" sz="4400" dirty="0" smtClean="0"/>
+              <a:rPr lang="en-US" sz="4400" dirty="0"/>
               <a:t> Grain growth</a:t>
             </a:r>
           </a:p>
@@ -7140,11 +10128,7 @@
             </a:pPr>
             <a:r>
               <a:rPr lang="en-US" sz="4400" dirty="0"/>
-              <a:t> </a:t>
-            </a:r>
-            <a:r>
-              <a:rPr lang="en-US" sz="4400" dirty="0" smtClean="0"/>
-              <a:t>Solid-state phase transformations</a:t>
+              <a:t> Solid-state phase transformations</a:t>
             </a:r>
           </a:p>
           <a:p>
@@ -7154,11 +10138,7 @@
             </a:pPr>
             <a:r>
               <a:rPr lang="en-US" sz="4400" dirty="0"/>
-              <a:t> </a:t>
-            </a:r>
-            <a:r>
-              <a:rPr lang="en-US" sz="4400" dirty="0" smtClean="0"/>
-              <a:t>Vesicle dynamics</a:t>
+              <a:t> Vesicle dynamics</a:t>
             </a:r>
           </a:p>
         </p:txBody>
@@ -7173,13 +10153,6 @@
   <p:clrMapOvr>
     <a:masterClrMapping/>
   </p:clrMapOvr>
-  <p:timing>
-    <p:tnLst>
-      <p:par>
-        <p:cTn id="1" dur="indefinite" restart="never" nodeType="tmRoot"/>
-      </p:par>
-    </p:tnLst>
-  </p:timing>
 </p:sld>
 </file>
 
@@ -7216,10 +10189,9 @@
           <a:lstStyle/>
           <a:p>
             <a:r>
-              <a:rPr lang="en-US" dirty="0" smtClean="0"/>
+              <a:rPr lang="en-US" dirty="0"/>
               <a:t>Finite element method</a:t>
             </a:r>
-            <a:endParaRPr lang="en-US" dirty="0"/>
           </a:p>
         </p:txBody>
       </p:sp>
@@ -7241,10 +10213,9 @@
           <a:lstStyle/>
           <a:p>
             <a:r>
-              <a:rPr lang="en-US" sz="4000" dirty="0" smtClean="0"/>
+              <a:rPr lang="en-US" sz="4000" dirty="0"/>
               <a:t>Pros: </a:t>
             </a:r>
-            <a:endParaRPr lang="en-US" sz="4000" dirty="0"/>
           </a:p>
         </p:txBody>
       </p:sp>
@@ -7270,7 +10241,7 @@
               <a:buChar char="•"/>
             </a:pPr>
             <a:r>
-              <a:rPr lang="en-US" sz="2800" dirty="0" smtClean="0"/>
+              <a:rPr lang="en-US" sz="2800" dirty="0"/>
               <a:t> Can implement complex geometries</a:t>
             </a:r>
           </a:p>
@@ -7280,7 +10251,7 @@
               <a:buChar char="•"/>
             </a:pPr>
             <a:r>
-              <a:rPr lang="en-US" sz="2800" dirty="0" smtClean="0"/>
+              <a:rPr lang="en-US" sz="2800" dirty="0"/>
               <a:t> Regional mesh refinement easy</a:t>
             </a:r>
           </a:p>
@@ -7290,10 +10261,9 @@
               <a:buChar char="•"/>
             </a:pPr>
             <a:r>
-              <a:rPr lang="en-US" sz="2800" dirty="0" smtClean="0"/>
+              <a:rPr lang="en-US" sz="2800" dirty="0"/>
               <a:t> Existing code can be tweaked to solve different equations</a:t>
             </a:r>
-            <a:endParaRPr lang="en-US" sz="2800" dirty="0"/>
           </a:p>
         </p:txBody>
       </p:sp>
@@ -7315,10 +10285,9 @@
           <a:lstStyle/>
           <a:p>
             <a:r>
-              <a:rPr lang="en-US" sz="4000" dirty="0" smtClean="0"/>
+              <a:rPr lang="en-US" sz="4000" dirty="0"/>
               <a:t>Cons:</a:t>
             </a:r>
-            <a:endParaRPr lang="en-US" sz="4000" dirty="0"/>
           </a:p>
         </p:txBody>
       </p:sp>
@@ -7344,7 +10313,7 @@
               <a:buChar char="•"/>
             </a:pPr>
             <a:r>
-              <a:rPr lang="en-US" sz="2800" dirty="0" smtClean="0"/>
+              <a:rPr lang="en-US" sz="2800" dirty="0"/>
               <a:t> Writing code from scratch is… not easy</a:t>
             </a:r>
           </a:p>
@@ -7354,10 +10323,9 @@
               <a:buChar char="•"/>
             </a:pPr>
             <a:r>
-              <a:rPr lang="en-US" sz="2800" dirty="0" smtClean="0"/>
+              <a:rPr lang="en-US" sz="2800" dirty="0"/>
               <a:t> Conceptually more difficult than finite difference methods</a:t>
             </a:r>
-            <a:endParaRPr lang="en-US" sz="2800" dirty="0"/>
           </a:p>
         </p:txBody>
       </p:sp>
@@ -7371,13 +10339,6 @@
   <p:clrMapOvr>
     <a:masterClrMapping/>
   </p:clrMapOvr>
-  <p:timing>
-    <p:tnLst>
-      <p:par>
-        <p:cTn id="1" dur="indefinite" restart="never" nodeType="tmRoot"/>
-      </p:par>
-    </p:tnLst>
-  </p:timing>
 </p:sld>
 </file>
 
@@ -7414,10 +10375,9 @@
           <a:lstStyle/>
           <a:p>
             <a:r>
-              <a:rPr lang="en-US" dirty="0" smtClean="0"/>
+              <a:rPr lang="en-US" dirty="0"/>
               <a:t>FINITE ELEMENT method</a:t>
             </a:r>
-            <a:endParaRPr lang="en-US" dirty="0"/>
           </a:p>
         </p:txBody>
       </p:sp>
@@ -7443,7 +10403,7 @@
               <a:buAutoNum type="arabicPeriod"/>
             </a:pPr>
             <a:r>
-              <a:rPr lang="en-US" sz="4400" dirty="0" smtClean="0"/>
+              <a:rPr lang="en-US" sz="4400" dirty="0"/>
               <a:t> Convert strong form PDE to weak integral form</a:t>
             </a:r>
           </a:p>
@@ -7453,20 +10413,16 @@
               <a:buAutoNum type="arabicPeriod"/>
             </a:pPr>
             <a:r>
-              <a:rPr lang="en-US" sz="4400" dirty="0" smtClean="0"/>
-              <a:t> Discretize domain into elements</a:t>
-            </a:r>
-            <a:r>
               <a:rPr lang="en-US" sz="4400" dirty="0"/>
-              <a:t> </a:t>
-            </a:r>
-            <a:r>
-              <a:rPr lang="en-US" sz="4400" dirty="0" smtClean="0">
+              <a:t> Discretize domain into elements </a:t>
+            </a:r>
+            <a:r>
+              <a:rPr lang="en-US" sz="4400" dirty="0">
                 <a:sym typeface="Wingdings" panose="05000000000000000000" pitchFamily="2" charset="2"/>
               </a:rPr>
               <a:t> approximate numerical solution via shape, or weight, functions</a:t>
             </a:r>
-            <a:endParaRPr lang="en-US" sz="4400" dirty="0" smtClean="0"/>
+            <a:endParaRPr lang="en-US" sz="4400" dirty="0"/>
           </a:p>
         </p:txBody>
       </p:sp>
@@ -7480,13 +10436,6 @@
   <p:clrMapOvr>
     <a:masterClrMapping/>
   </p:clrMapOvr>
-  <p:timing>
-    <p:tnLst>
-      <p:par>
-        <p:cTn id="1" dur="indefinite" restart="never" nodeType="tmRoot"/>
-      </p:par>
-    </p:tnLst>
-  </p:timing>
 </p:sld>
 </file>
 
@@ -7523,10 +10472,9 @@
           <a:lstStyle/>
           <a:p>
             <a:r>
-              <a:rPr lang="en-US" dirty="0" smtClean="0"/>
+              <a:rPr lang="en-US" dirty="0"/>
               <a:t>Generating a weak form</a:t>
             </a:r>
-            <a:endParaRPr lang="en-US" dirty="0"/>
           </a:p>
         </p:txBody>
       </p:sp>
@@ -7550,7 +10498,7 @@
               <a:buAutoNum type="arabicPeriod"/>
             </a:pPr>
             <a:r>
-              <a:rPr lang="en-US" sz="4000" dirty="0" smtClean="0"/>
+              <a:rPr lang="en-US" sz="4000" dirty="0"/>
               <a:t>Obtain strong form of PDE.</a:t>
             </a:r>
           </a:p>
@@ -7560,7 +10508,7 @@
               <a:buAutoNum type="arabicPeriod"/>
             </a:pPr>
             <a:r>
-              <a:rPr lang="en-US" sz="4000" dirty="0" smtClean="0"/>
+              <a:rPr lang="en-US" sz="4000" dirty="0"/>
               <a:t>Rearrange to get zero on the right hand side.</a:t>
             </a:r>
           </a:p>
@@ -7570,15 +10518,15 @@
               <a:buAutoNum type="arabicPeriod"/>
             </a:pPr>
             <a:r>
-              <a:rPr lang="en-US" sz="4000" dirty="0" smtClean="0"/>
+              <a:rPr lang="en-US" sz="4000" dirty="0"/>
               <a:t>Multiply equation by test function. (</a:t>
             </a:r>
             <a:r>
-              <a:rPr lang="en-US" sz="4000" dirty="0" err="1" smtClean="0"/>
+              <a:rPr lang="en-US" sz="4000" dirty="0" err="1"/>
               <a:t>Galerkin</a:t>
             </a:r>
             <a:r>
-              <a:rPr lang="en-US" sz="4000" dirty="0" smtClean="0"/>
+              <a:rPr lang="en-US" sz="4000" dirty="0"/>
               <a:t>)</a:t>
             </a:r>
           </a:p>
@@ -7588,7 +10536,7 @@
               <a:buAutoNum type="arabicPeriod"/>
             </a:pPr>
             <a:r>
-              <a:rPr lang="en-US" sz="4000" dirty="0" smtClean="0"/>
+              <a:rPr lang="en-US" sz="4000" dirty="0"/>
               <a:t>Integrate whole equation over the domain. </a:t>
             </a:r>
           </a:p>
@@ -7640,15 +10588,14 @@
           <a:lstStyle/>
           <a:p>
             <a:r>
-              <a:rPr lang="en-US" dirty="0" smtClean="0"/>
+              <a:rPr lang="en-US" dirty="0"/>
               <a:t>1. Obtain strong form of PDE</a:t>
             </a:r>
-            <a:endParaRPr lang="en-US" dirty="0"/>
           </a:p>
         </p:txBody>
       </p:sp>
-      <mc:AlternateContent xmlns:mc="http://schemas.openxmlformats.org/markup-compatibility/2006" xmlns:a14="http://schemas.microsoft.com/office/drawing/2010/main">
-        <mc:Choice Requires="a14">
+      <mc:AlternateContent xmlns:mc="http://schemas.openxmlformats.org/markup-compatibility/2006">
+        <mc:Choice xmlns:a14="http://schemas.microsoft.com/office/drawing/2010/main" Requires="a14">
           <p:sp>
             <p:nvSpPr>
               <p:cNvPr id="4" name="Content Placeholder 2"/>
@@ -7678,7 +10625,7 @@
                       <m:fPr>
                         <m:ctrlPr>
                           <a:rPr lang="en-US" sz="4400" i="1" smtClean="0">
-                            <a:latin typeface="Cambria Math" charset="0"/>
+                            <a:latin typeface="Cambria Math" panose="02040503050406030204" pitchFamily="18" charset="0"/>
                           </a:rPr>
                         </m:ctrlPr>
                       </m:fPr>
@@ -7723,7 +10670,7 @@
                       <m:dPr>
                         <m:ctrlPr>
                           <a:rPr lang="is-IS" sz="4400" b="0" i="1" smtClean="0">
-                            <a:latin typeface="Cambria Math" charset="0"/>
+                            <a:latin typeface="Cambria Math" panose="02040503050406030204" pitchFamily="18" charset="0"/>
                           </a:rPr>
                         </m:ctrlPr>
                       </m:dPr>
@@ -7732,7 +10679,7 @@
                           <m:fPr>
                             <m:ctrlPr>
                               <a:rPr lang="bg-BG" sz="4400" b="0" i="1" smtClean="0">
-                                <a:latin typeface="Cambria Math" charset="0"/>
+                                <a:latin typeface="Cambria Math" panose="02040503050406030204" pitchFamily="18" charset="0"/>
                               </a:rPr>
                             </m:ctrlPr>
                           </m:fPr>
@@ -7741,7 +10688,7 @@
                               <m:sSupPr>
                                 <m:ctrlPr>
                                   <a:rPr lang="is-IS" sz="4400" b="0" i="1" smtClean="0">
-                                    <a:latin typeface="Cambria Math" charset="0"/>
+                                    <a:latin typeface="Cambria Math" panose="02040503050406030204" pitchFamily="18" charset="0"/>
                                   </a:rPr>
                                 </m:ctrlPr>
                               </m:sSupPr>
@@ -7786,7 +10733,7 @@
                               <m:sSupPr>
                                 <m:ctrlPr>
                                   <a:rPr lang="is-IS" sz="4400" b="0" i="1" smtClean="0">
-                                    <a:latin typeface="Cambria Math" charset="0"/>
+                                    <a:latin typeface="Cambria Math" panose="02040503050406030204" pitchFamily="18" charset="0"/>
                                     <a:ea typeface="Cambria Math" charset="0"/>
                                     <a:cs typeface="Cambria Math" charset="0"/>
                                   </a:rPr>
@@ -7825,7 +10772,7 @@
                           <m:fPr>
                             <m:ctrlPr>
                               <a:rPr lang="bg-BG" sz="4400" b="0" i="1" smtClean="0">
-                                <a:latin typeface="Cambria Math" charset="0"/>
+                                <a:latin typeface="Cambria Math" panose="02040503050406030204" pitchFamily="18" charset="0"/>
                               </a:rPr>
                             </m:ctrlPr>
                           </m:fPr>
@@ -7834,7 +10781,7 @@
                               <m:sSupPr>
                                 <m:ctrlPr>
                                   <a:rPr lang="is-IS" sz="4400" b="0" i="1" smtClean="0">
-                                    <a:latin typeface="Cambria Math" charset="0"/>
+                                    <a:latin typeface="Cambria Math" panose="02040503050406030204" pitchFamily="18" charset="0"/>
                                   </a:rPr>
                                 </m:ctrlPr>
                               </m:sSupPr>
@@ -7879,7 +10826,7 @@
                               <m:sSupPr>
                                 <m:ctrlPr>
                                   <a:rPr lang="is-IS" sz="4400" b="0" i="1" smtClean="0">
-                                    <a:latin typeface="Cambria Math" charset="0"/>
+                                    <a:latin typeface="Cambria Math" panose="02040503050406030204" pitchFamily="18" charset="0"/>
                                     <a:ea typeface="Cambria Math" charset="0"/>
                                     <a:cs typeface="Cambria Math" charset="0"/>
                                   </a:rPr>
@@ -7946,7 +10893,7 @@
                     </m:r>
                   </m:oMath>
                 </a14:m>
-                <a:endParaRPr lang="en-US" sz="4400" dirty="0" smtClean="0"/>
+                <a:endParaRPr lang="en-US" sz="4400" dirty="0"/>
               </a:p>
               <a:p>
                 <a:pPr algn="ctr"/>
@@ -7966,7 +10913,7 @@
                       <m:dPr>
                         <m:ctrlPr>
                           <a:rPr lang="en-US" sz="4400" b="0" i="1" smtClean="0">
-                            <a:latin typeface="Cambria Math" charset="0"/>
+                            <a:latin typeface="Cambria Math" panose="02040503050406030204" pitchFamily="18" charset="0"/>
                           </a:rPr>
                         </m:ctrlPr>
                       </m:dPr>
@@ -8001,7 +10948,7 @@
                       <m:sSupPr>
                         <m:ctrlPr>
                           <a:rPr lang="is-IS" sz="4400" b="0" i="1" smtClean="0">
-                            <a:latin typeface="Cambria Math" charset="0"/>
+                            <a:latin typeface="Cambria Math" panose="02040503050406030204" pitchFamily="18" charset="0"/>
                             <a:ea typeface="Cambria Math" charset="0"/>
                             <a:cs typeface="Cambria Math" charset="0"/>
                           </a:rPr>
@@ -8048,7 +10995,7 @@
                       <m:sSupPr>
                         <m:ctrlPr>
                           <a:rPr lang="is-IS" sz="4400" b="0" i="1" smtClean="0">
-                            <a:latin typeface="Cambria Math" charset="0"/>
+                            <a:latin typeface="Cambria Math" panose="02040503050406030204" pitchFamily="18" charset="0"/>
                             <a:ea typeface="Cambria Math" charset="0"/>
                             <a:cs typeface="Cambria Math" charset="0"/>
                           </a:rPr>
@@ -8101,11 +11048,11 @@
                     </m:r>
                   </m:oMath>
                 </a14:m>
-                <a:endParaRPr lang="en-US" sz="4400" dirty="0" smtClean="0"/>
+                <a:endParaRPr lang="en-US" sz="4400" dirty="0"/>
               </a:p>
               <a:p>
                 <a:pPr algn="ctr"/>
-                <a:endParaRPr lang="en-US" sz="4400" dirty="0" smtClean="0"/>
+                <a:endParaRPr lang="en-US" sz="4400" dirty="0"/>
               </a:p>
               <a:p>
                 <a:pPr algn="ctr"/>
@@ -8127,7 +11074,7 @@
                       <m:fPr>
                         <m:ctrlPr>
                           <a:rPr lang="bg-BG" sz="4400" i="1">
-                            <a:latin typeface="Cambria Math" charset="0"/>
+                            <a:latin typeface="Cambria Math" panose="02040503050406030204" pitchFamily="18" charset="0"/>
                           </a:rPr>
                         </m:ctrlPr>
                       </m:fPr>
@@ -8144,7 +11091,7 @@
                           <m:sSupPr>
                             <m:ctrlPr>
                               <a:rPr lang="bg-BG" sz="4400" i="1">
-                                <a:latin typeface="Cambria Math" charset="0"/>
+                                <a:latin typeface="Cambria Math" panose="02040503050406030204" pitchFamily="18" charset="0"/>
                                 <a:ea typeface="Cambria Math" charset="0"/>
                                 <a:cs typeface="Cambria Math" charset="0"/>
                               </a:rPr>
@@ -8199,7 +11146,7 @@
                       <m:fPr>
                         <m:ctrlPr>
                           <a:rPr lang="bg-BG" sz="4400" i="1">
-                            <a:latin typeface="Cambria Math" charset="0"/>
+                            <a:latin typeface="Cambria Math" panose="02040503050406030204" pitchFamily="18" charset="0"/>
                           </a:rPr>
                         </m:ctrlPr>
                       </m:fPr>
@@ -8216,7 +11163,7 @@
                           <m:sSupPr>
                             <m:ctrlPr>
                               <a:rPr lang="bg-BG" sz="4400" i="1">
-                                <a:latin typeface="Cambria Math" charset="0"/>
+                                <a:latin typeface="Cambria Math" panose="02040503050406030204" pitchFamily="18" charset="0"/>
                               </a:rPr>
                             </m:ctrlPr>
                           </m:sSupPr>
@@ -8249,7 +11196,7 @@
                       <m:fPr>
                         <m:ctrlPr>
                           <a:rPr lang="bg-BG" sz="4400" i="1">
-                            <a:latin typeface="Cambria Math" charset="0"/>
+                            <a:latin typeface="Cambria Math" panose="02040503050406030204" pitchFamily="18" charset="0"/>
                           </a:rPr>
                         </m:ctrlPr>
                       </m:fPr>
@@ -8304,7 +11251,7 @@
                       <m:dPr>
                         <m:ctrlPr>
                           <a:rPr lang="is-IS" sz="4400" i="1">
-                            <a:latin typeface="Cambria Math" charset="0"/>
+                            <a:latin typeface="Cambria Math" panose="02040503050406030204" pitchFamily="18" charset="0"/>
                           </a:rPr>
                         </m:ctrlPr>
                       </m:dPr>
@@ -8313,7 +11260,7 @@
                           <m:fPr>
                             <m:ctrlPr>
                               <a:rPr lang="bg-BG" sz="4400" i="1">
-                                <a:latin typeface="Cambria Math" charset="0"/>
+                                <a:latin typeface="Cambria Math" panose="02040503050406030204" pitchFamily="18" charset="0"/>
                               </a:rPr>
                             </m:ctrlPr>
                           </m:fPr>
@@ -8330,7 +11277,7 @@
                               <m:sSupPr>
                                 <m:ctrlPr>
                                   <a:rPr lang="bg-BG" sz="4400" i="1">
-                                    <a:latin typeface="Cambria Math" charset="0"/>
+                                    <a:latin typeface="Cambria Math" panose="02040503050406030204" pitchFamily="18" charset="0"/>
                                   </a:rPr>
                                 </m:ctrlPr>
                               </m:sSupPr>
@@ -8363,7 +11310,7 @@
                           <m:fPr>
                             <m:ctrlPr>
                               <a:rPr lang="bg-BG" sz="4400" i="1">
-                                <a:latin typeface="Cambria Math" charset="0"/>
+                                <a:latin typeface="Cambria Math" panose="02040503050406030204" pitchFamily="18" charset="0"/>
                               </a:rPr>
                             </m:ctrlPr>
                           </m:fPr>
@@ -8403,7 +11350,7 @@
             </p:txBody>
           </p:sp>
         </mc:Choice>
-        <mc:Fallback xmlns="">
+        <mc:Fallback>
           <p:sp>
             <p:nvSpPr>
               <p:cNvPr id="4" name="Content Placeholder 2"/>
@@ -8419,8 +11366,8 @@
                 <a:off x="1024128" y="2286000"/>
                 <a:ext cx="9720071" cy="4134678"/>
               </a:xfrm>
-              <a:blipFill rotWithShape="0">
-                <a:blip r:embed="rId2"/>
+              <a:blipFill>
+                <a:blip r:embed="rId3"/>
                 <a:stretch>
                   <a:fillRect/>
                 </a:stretch>
@@ -8451,13 +11398,6 @@
   <p:clrMapOvr>
     <a:masterClrMapping/>
   </p:clrMapOvr>
-  <p:timing>
-    <p:tnLst>
-      <p:par>
-        <p:cTn id="1" dur="indefinite" restart="never" nodeType="tmRoot"/>
-      </p:par>
-    </p:tnLst>
-  </p:timing>
 </p:sld>
 </file>
 
@@ -8501,20 +11441,8 @@
           <a:lstStyle/>
           <a:p>
             <a:r>
-              <a:rPr lang="en-US" sz="5400" dirty="0" smtClean="0"/>
-              <a:t>2. get </a:t>
-            </a:r>
-            <a:r>
               <a:rPr lang="en-US" sz="5400" dirty="0"/>
-              <a:t>zero on the right hand </a:t>
-            </a:r>
-            <a:r>
-              <a:rPr lang="en-US" sz="5400" dirty="0" smtClean="0"/>
-              <a:t>side</a:t>
-            </a:r>
-            <a:r>
-              <a:rPr lang="en-US" sz="5400" dirty="0"/>
-              <a:t/>
+              <a:t>2. get zero on the right hand side</a:t>
             </a:r>
             <a:br>
               <a:rPr lang="en-US" sz="5400" dirty="0"/>
@@ -8551,7 +11479,7 @@
                       <m:fPr>
                         <m:ctrlPr>
                           <a:rPr lang="en-US" sz="4400" i="1" smtClean="0">
-                            <a:latin typeface="Cambria Math" charset="0"/>
+                            <a:latin typeface="Cambria Math" panose="02040503050406030204" pitchFamily="18" charset="0"/>
                           </a:rPr>
                         </m:ctrlPr>
                       </m:fPr>
@@ -8637,7 +11565,7 @@
                       <m:dPr>
                         <m:ctrlPr>
                           <a:rPr lang="en-US" sz="4400" i="1">
-                            <a:latin typeface="Cambria Math" charset="0"/>
+                            <a:latin typeface="Cambria Math" panose="02040503050406030204" pitchFamily="18" charset="0"/>
                           </a:rPr>
                         </m:ctrlPr>
                       </m:dPr>
@@ -8756,20 +11684,8 @@
           <a:lstStyle/>
           <a:p>
             <a:r>
-              <a:rPr lang="en-US" sz="5400" dirty="0" smtClean="0"/>
-              <a:t>3. Multiply </a:t>
-            </a:r>
-            <a:r>
               <a:rPr lang="en-US" sz="5400" dirty="0"/>
-              <a:t>equation by test </a:t>
-            </a:r>
-            <a:r>
-              <a:rPr lang="en-US" sz="5400" dirty="0" smtClean="0"/>
-              <a:t>function</a:t>
-            </a:r>
-            <a:r>
-              <a:rPr lang="en-US" sz="5400" dirty="0"/>
-              <a:t/>
+              <a:t>3. Multiply equation by test function</a:t>
             </a:r>
             <a:br>
               <a:rPr lang="en-US" sz="5400" dirty="0"/>
@@ -8812,7 +11728,7 @@
                         <m:supHide m:val="on"/>
                         <m:ctrlPr>
                           <a:rPr lang="en-US" sz="4400" i="1" smtClean="0">
-                            <a:latin typeface="Cambria Math" charset="0"/>
+                            <a:latin typeface="Cambria Math" panose="02040503050406030204" pitchFamily="18" charset="0"/>
                           </a:rPr>
                         </m:ctrlPr>
                       </m:naryPr>
@@ -8823,7 +11739,7 @@
                           <m:sSupPr>
                             <m:ctrlPr>
                               <a:rPr lang="en-US" sz="4400" i="1" smtClean="0">
-                                <a:latin typeface="Cambria Math" charset="0"/>
+                                <a:latin typeface="Cambria Math" panose="02040503050406030204" pitchFamily="18" charset="0"/>
                               </a:rPr>
                             </m:ctrlPr>
                           </m:sSupPr>
@@ -8834,7 +11750,7 @@
                                 <m:endChr m:val="]"/>
                                 <m:ctrlPr>
                                   <a:rPr lang="en-US" sz="4400" i="1">
-                                    <a:latin typeface="Cambria Math" charset="0"/>
+                                    <a:latin typeface="Cambria Math" panose="02040503050406030204" pitchFamily="18" charset="0"/>
                                   </a:rPr>
                                 </m:ctrlPr>
                               </m:dPr>
@@ -8865,7 +11781,7 @@
                         <m:endChr m:val="}"/>
                         <m:ctrlPr>
                           <a:rPr lang="en-US" sz="4400" i="1" smtClean="0">
-                            <a:latin typeface="Cambria Math" charset="0"/>
+                            <a:latin typeface="Cambria Math" panose="02040503050406030204" pitchFamily="18" charset="0"/>
                           </a:rPr>
                         </m:ctrlPr>
                       </m:dPr>
@@ -8874,7 +11790,7 @@
                           <m:fPr>
                             <m:ctrlPr>
                               <a:rPr lang="en-US" sz="4400" i="1">
-                                <a:latin typeface="Cambria Math" charset="0"/>
+                                <a:latin typeface="Cambria Math" panose="02040503050406030204" pitchFamily="18" charset="0"/>
                               </a:rPr>
                             </m:ctrlPr>
                           </m:fPr>
@@ -8960,7 +11876,7 @@
                           <m:dPr>
                             <m:ctrlPr>
                               <a:rPr lang="en-US" sz="4400" i="1">
-                                <a:latin typeface="Cambria Math" charset="0"/>
+                                <a:latin typeface="Cambria Math" panose="02040503050406030204" pitchFamily="18" charset="0"/>
                               </a:rPr>
                             </m:ctrlPr>
                           </m:dPr>
@@ -8988,10 +11904,10 @@
                     </m:r>
                   </m:oMath>
                 </a14:m>
-                <a:endParaRPr lang="en-US" sz="4400" dirty="0" smtClean="0"/>
+                <a:endParaRPr lang="en-US" sz="4400" dirty="0"/>
               </a:p>
               <a:p>
-                <a:endParaRPr lang="en-US" sz="1700" dirty="0" smtClean="0"/>
+                <a:endParaRPr lang="en-US" sz="1700" dirty="0"/>
               </a:p>
               <a:p>
                 <a:pPr>
@@ -9008,11 +11924,7 @@
                 </a:r>
                 <a:r>
                   <a:rPr lang="en-US" sz="4400" dirty="0"/>
-                  <a:t> </a:t>
-                </a:r>
-                <a:r>
-                  <a:rPr lang="en-US" sz="4400" dirty="0" smtClean="0"/>
-                  <a:t>method</a:t>
+                  <a:t> method</a:t>
                 </a:r>
               </a:p>
               <a:p>
@@ -9032,15 +11944,7 @@
                 </a:pPr>
                 <a:r>
                   <a:rPr lang="en-US" sz="4400" dirty="0"/>
-                  <a:t> Assumes same shape functions are used for </a:t>
-                </a:r>
-                <a:r>
-                  <a:rPr lang="en-US" sz="4400" dirty="0" smtClean="0"/>
-                  <a:t>the </a:t>
-                </a:r>
-                <a:r>
-                  <a:rPr lang="en-US" sz="4400" dirty="0"/>
-                  <a:t>solution and the weights</a:t>
+                  <a:t> Assumes same shape functions are used for the solution and the weights</a:t>
                 </a:r>
               </a:p>
               <a:p>
@@ -9101,13 +12005,6 @@
   <p:clrMapOvr>
     <a:masterClrMapping/>
   </p:clrMapOvr>
-  <p:timing>
-    <p:tnLst>
-      <p:par>
-        <p:cTn id="1" dur="indefinite" restart="never" nodeType="tmRoot"/>
-      </p:par>
-    </p:tnLst>
-  </p:timing>
 </p:sld>
 </file>
 
@@ -9149,19 +12046,15 @@
           <a:lstStyle/>
           <a:p>
             <a:r>
-              <a:rPr lang="en-US" sz="5400" dirty="0" smtClean="0"/>
-              <a:t>4. Integrate over </a:t>
-            </a:r>
-            <a:r>
               <a:rPr lang="en-US" sz="5400" dirty="0"/>
-              <a:t>the domain</a:t>
+              <a:t>4. Integrate over the domain</a:t>
             </a:r>
             <a:endParaRPr lang="en-US" dirty="0"/>
           </a:p>
         </p:txBody>
       </p:sp>
-      <mc:AlternateContent xmlns:mc="http://schemas.openxmlformats.org/markup-compatibility/2006" xmlns:a14="http://schemas.microsoft.com/office/drawing/2010/main">
-        <mc:Choice Requires="a14">
+      <mc:AlternateContent xmlns:mc="http://schemas.openxmlformats.org/markup-compatibility/2006">
+        <mc:Choice xmlns:a14="http://schemas.microsoft.com/office/drawing/2010/main" Requires="a14">
           <p:sp>
             <p:nvSpPr>
               <p:cNvPr id="3" name="Content Placeholder 2"/>
@@ -9184,14 +12077,15 @@
               </a:bodyPr>
               <a:lstStyle/>
               <a:p>
+                <a:pPr/>
                 <a14:m>
                   <m:oMath xmlns:m="http://schemas.openxmlformats.org/officeDocument/2006/math">
                     <m:nary>
                       <m:naryPr>
                         <m:chr m:val="∬"/>
                         <m:ctrlPr>
-                          <a:rPr lang="is-IS" sz="4800" i="1" smtClean="0">
-                            <a:latin typeface="Cambria Math" charset="0"/>
+                          <a:rPr lang="is-IS" sz="4400" i="1" smtClean="0">
+                            <a:latin typeface="Cambria Math" panose="02040503050406030204" pitchFamily="18" charset="0"/>
                           </a:rPr>
                         </m:ctrlPr>
                       </m:naryPr>
@@ -9199,8 +12093,8 @@
                         <m:sSub>
                           <m:sSubPr>
                             <m:ctrlPr>
-                              <a:rPr lang="en-US" sz="4800" i="1" smtClean="0">
-                                <a:latin typeface="Cambria Math" charset="0"/>
+                              <a:rPr lang="en-US" sz="4400" i="1" smtClean="0">
+                                <a:latin typeface="Cambria Math" panose="02040503050406030204" pitchFamily="18" charset="0"/>
                               </a:rPr>
                             </m:ctrlPr>
                           </m:sSubPr>
@@ -9210,7 +12104,7 @@
                                 <m:sty m:val="p"/>
                                 <m:brk m:alnAt="23"/>
                               </m:rPr>
-                              <a:rPr lang="el-GR" sz="4800" i="1">
+                              <a:rPr lang="el-GR" sz="4400" i="1">
                                 <a:latin typeface="Cambria Math" charset="0"/>
                                 <a:ea typeface="Cambria Math" charset="0"/>
                                 <a:cs typeface="Cambria Math" charset="0"/>
@@ -9222,14 +12116,14 @@
                             <m:sSup>
                               <m:sSupPr>
                                 <m:ctrlPr>
-                                  <a:rPr lang="en-US" sz="4800" i="1" smtClean="0">
-                                    <a:latin typeface="Cambria Math" charset="0"/>
+                                  <a:rPr lang="en-US" sz="4400" i="1" smtClean="0">
+                                    <a:latin typeface="Cambria Math" panose="02040503050406030204" pitchFamily="18" charset="0"/>
                                   </a:rPr>
                                 </m:ctrlPr>
                               </m:sSupPr>
                               <m:e>
                                 <m:r>
-                                  <a:rPr lang="en-US" sz="4800" b="0" i="1" smtClean="0">
+                                  <a:rPr lang="en-US" sz="4400" b="0" i="1" smtClean="0">
                                     <a:latin typeface="Cambria Math" charset="0"/>
                                   </a:rPr>
                                   <m:t>𝑒</m:t>
@@ -9237,7 +12131,7 @@
                               </m:e>
                               <m:sup>
                                 <m:r>
-                                  <a:rPr lang="en-US" sz="4800" b="0" i="1" smtClean="0">
+                                  <a:rPr lang="en-US" sz="4400" b="0" i="1" smtClean="0">
                                     <a:latin typeface="Cambria Math" charset="0"/>
                                   </a:rPr>
                                   <m:t>𝑖</m:t>
@@ -9254,8 +12148,8 @@
                             <m:begChr m:val="{"/>
                             <m:endChr m:val="}"/>
                             <m:ctrlPr>
-                              <a:rPr lang="en-US" sz="4800" i="1">
-                                <a:latin typeface="Cambria Math" charset="0"/>
+                              <a:rPr lang="en-US" sz="4400" i="1">
+                                <a:latin typeface="Cambria Math" panose="02040503050406030204" pitchFamily="18" charset="0"/>
                               </a:rPr>
                             </m:ctrlPr>
                           </m:dPr>
@@ -9263,20 +12157,20 @@
                             <m:f>
                               <m:fPr>
                                 <m:ctrlPr>
-                                  <a:rPr lang="en-US" sz="4800" i="1">
-                                    <a:latin typeface="Cambria Math" charset="0"/>
+                                  <a:rPr lang="en-US" sz="4400" i="1">
+                                    <a:latin typeface="Cambria Math" panose="02040503050406030204" pitchFamily="18" charset="0"/>
                                   </a:rPr>
                                 </m:ctrlPr>
                               </m:fPr>
                               <m:num>
                                 <m:r>
-                                  <a:rPr lang="en-US" sz="4800" i="1">
+                                  <a:rPr lang="en-US" sz="4400" i="1">
                                     <a:latin typeface="Cambria Math" charset="0"/>
                                   </a:rPr>
                                   <m:t>𝜕</m:t>
                                 </m:r>
                                 <m:r>
-                                  <a:rPr lang="en-US" sz="4800" i="1">
+                                  <a:rPr lang="en-US" sz="4400" i="1">
                                     <a:latin typeface="Cambria Math" charset="0"/>
                                     <a:ea typeface="Cambria Math" charset="0"/>
                                     <a:cs typeface="Cambria Math" charset="0"/>
@@ -9286,13 +12180,13 @@
                               </m:num>
                               <m:den>
                                 <m:r>
-                                  <a:rPr lang="en-US" sz="4800" i="1">
+                                  <a:rPr lang="en-US" sz="4400" i="1">
                                     <a:latin typeface="Cambria Math" charset="0"/>
                                   </a:rPr>
                                   <m:t>𝜕</m:t>
                                 </m:r>
                                 <m:r>
-                                  <a:rPr lang="en-US" sz="4800" i="1">
+                                  <a:rPr lang="en-US" sz="4400" i="1">
                                     <a:latin typeface="Cambria Math" charset="0"/>
                                   </a:rPr>
                                   <m:t>𝑡</m:t>
@@ -9300,40 +12194,40 @@
                               </m:den>
                             </m:f>
                             <m:r>
-                              <a:rPr lang="en-US" sz="4800" i="1">
+                              <a:rPr lang="en-US" sz="4400" i="1">
                                 <a:latin typeface="Cambria Math" panose="02040503050406030204" pitchFamily="18" charset="0"/>
                               </a:rPr>
                               <m:t>−</m:t>
                             </m:r>
                             <m:r>
-                              <a:rPr lang="en-US" sz="4800" i="1">
+                              <a:rPr lang="en-US" sz="4400" i="1">
                                 <a:latin typeface="Cambria Math" charset="0"/>
                               </a:rPr>
                               <m:t>2</m:t>
                             </m:r>
                             <m:r>
-                              <a:rPr lang="en-US" sz="4800" i="1">
+                              <a:rPr lang="en-US" sz="4400" i="1">
                                 <a:latin typeface="Cambria Math" panose="02040503050406030204" pitchFamily="18" charset="0"/>
                                 <a:ea typeface="Cambria Math" panose="02040503050406030204" pitchFamily="18" charset="0"/>
                               </a:rPr>
                               <m:t>𝛻</m:t>
                             </m:r>
                             <m:r>
-                              <a:rPr lang="en-US" sz="4800" i="1">
+                              <a:rPr lang="en-US" sz="4400" i="1">
                                 <a:latin typeface="Cambria Math" panose="02040503050406030204" pitchFamily="18" charset="0"/>
                                 <a:ea typeface="Cambria Math" panose="02040503050406030204" pitchFamily="18" charset="0"/>
                               </a:rPr>
                               <m:t> ∙</m:t>
                             </m:r>
                             <m:r>
-                              <a:rPr lang="en-US" sz="4800" i="1">
+                              <a:rPr lang="en-US" sz="4400" i="1">
                                 <a:latin typeface="Cambria Math" panose="02040503050406030204" pitchFamily="18" charset="0"/>
                                 <a:ea typeface="Cambria Math" panose="02040503050406030204" pitchFamily="18" charset="0"/>
                               </a:rPr>
                               <m:t>𝛻𝜙</m:t>
                             </m:r>
                             <m:r>
-                              <a:rPr lang="en-US" sz="4800" i="1">
+                              <a:rPr lang="en-US" sz="4400" i="1">
                                 <a:latin typeface="Cambria Math" panose="02040503050406030204" pitchFamily="18" charset="0"/>
                                 <a:ea typeface="Cambria Math" charset="0"/>
                                 <a:cs typeface="Cambria Math" charset="0"/>
@@ -9341,7 +12235,7 @@
                               <m:t>+</m:t>
                             </m:r>
                             <m:r>
-                              <a:rPr lang="en-US" sz="4800" i="1">
+                              <a:rPr lang="en-US" sz="4400" i="1">
                                 <a:latin typeface="Cambria Math" charset="0"/>
                               </a:rPr>
                               <m:t>𝑔</m:t>
@@ -9349,14 +12243,14 @@
                             <m:d>
                               <m:dPr>
                                 <m:ctrlPr>
-                                  <a:rPr lang="en-US" sz="4800" i="1">
-                                    <a:latin typeface="Cambria Math" charset="0"/>
+                                  <a:rPr lang="en-US" sz="4400" i="1">
+                                    <a:latin typeface="Cambria Math" panose="02040503050406030204" pitchFamily="18" charset="0"/>
                                   </a:rPr>
                                 </m:ctrlPr>
                               </m:dPr>
                               <m:e>
                                 <m:r>
-                                  <a:rPr lang="en-US" sz="4800" i="1">
+                                  <a:rPr lang="en-US" sz="4400" i="1">
                                     <a:latin typeface="Cambria Math" charset="0"/>
                                     <a:ea typeface="Cambria Math" charset="0"/>
                                     <a:cs typeface="Cambria Math" charset="0"/>
@@ -9371,39 +12265,45 @@
                           <m:rPr>
                             <m:sty m:val="p"/>
                           </m:rPr>
-                          <a:rPr lang="en-US" sz="4800">
+                          <a:rPr lang="en-US" sz="4400">
                             <a:latin typeface="Cambria Math" panose="02040503050406030204" pitchFamily="18" charset="0"/>
                           </a:rPr>
                           <m:t>dxdy</m:t>
+                        </m:r>
+                        <m:r>
+                          <a:rPr lang="en-US" sz="4400" b="0" i="0" smtClean="0">
+                            <a:latin typeface="Cambria Math" panose="02040503050406030204" pitchFamily="18" charset="0"/>
+                          </a:rPr>
+                          <m:t>=0</m:t>
                         </m:r>
                       </m:e>
                     </m:nary>
                   </m:oMath>
                 </a14:m>
-                <a:endParaRPr lang="en-US" dirty="0" smtClean="0"/>
+                <a:endParaRPr lang="en-US" dirty="0"/>
               </a:p>
               <a:p>
                 <a:endParaRPr lang="en-US" dirty="0"/>
               </a:p>
               <a:p>
+                <a:pPr algn="ctr"/>
                 <a:r>
-                  <a:rPr lang="en-US" sz="3600" dirty="0" smtClean="0"/>
+                  <a:rPr lang="en-US" sz="3600" dirty="0"/>
                   <a:t>Apply Green’s Theorem to 2</a:t>
                 </a:r>
                 <a:r>
-                  <a:rPr lang="en-US" sz="3600" baseline="30000" dirty="0" smtClean="0"/>
+                  <a:rPr lang="en-US" sz="3600" baseline="30000" dirty="0"/>
                   <a:t>nd</a:t>
                 </a:r>
                 <a:r>
-                  <a:rPr lang="en-US" sz="3600" dirty="0" smtClean="0"/>
+                  <a:rPr lang="en-US" sz="3600" dirty="0"/>
                   <a:t> term</a:t>
                 </a:r>
-                <a:endParaRPr lang="en-US" sz="3600" dirty="0"/>
               </a:p>
             </p:txBody>
           </p:sp>
         </mc:Choice>
-        <mc:Fallback xmlns="">
+        <mc:Fallback>
           <p:sp>
             <p:nvSpPr>
               <p:cNvPr id="3" name="Content Placeholder 2"/>
@@ -9419,10 +12319,10 @@
                 <a:off x="1024128" y="2285999"/>
                 <a:ext cx="9720071" cy="4155141"/>
               </a:xfrm>
-              <a:blipFill rotWithShape="0">
+              <a:blipFill>
                 <a:blip r:embed="rId3"/>
                 <a:stretch>
-                  <a:fillRect l="-1066"/>
+                  <a:fillRect/>
                 </a:stretch>
               </a:blipFill>
             </p:spPr>
@@ -9451,13 +12351,6 @@
   <p:clrMapOvr>
     <a:masterClrMapping/>
   </p:clrMapOvr>
-  <p:timing>
-    <p:tnLst>
-      <p:par>
-        <p:cTn id="1" dur="indefinite" restart="never" nodeType="tmRoot"/>
-      </p:par>
-    </p:tnLst>
-  </p:timing>
 </p:sld>
 </file>
 

--- a/PFMFEM.pptx
+++ b/PFMFEM.pptx
@@ -5072,6 +5072,13 @@
   <p:clrMapOvr>
     <a:masterClrMapping/>
   </p:clrMapOvr>
+  <p:timing>
+    <p:tnLst>
+      <p:par>
+        <p:cTn id="1" dur="indefinite" restart="never" nodeType="tmRoot"/>
+      </p:par>
+    </p:tnLst>
+  </p:timing>
 </p:sld>
 </file>
 
@@ -5114,8 +5121,8 @@
           </a:p>
         </p:txBody>
       </p:sp>
-      <mc:AlternateContent xmlns:mc="http://schemas.openxmlformats.org/markup-compatibility/2006">
-        <mc:Choice xmlns:a14="http://schemas.microsoft.com/office/drawing/2010/main" Requires="a14">
+      <mc:AlternateContent xmlns:mc="http://schemas.openxmlformats.org/markup-compatibility/2006" xmlns:a14="http://schemas.microsoft.com/office/drawing/2010/main">
+        <mc:Choice Requires="a14">
           <p:sp>
             <p:nvSpPr>
               <p:cNvPr id="3" name="Content Placeholder 2"/>
@@ -6416,7 +6423,7 @@
             </p:txBody>
           </p:sp>
         </mc:Choice>
-        <mc:Fallback>
+        <mc:Fallback xmlns="">
           <p:sp>
             <p:nvSpPr>
               <p:cNvPr id="3" name="Content Placeholder 2"/>
@@ -6464,6 +6471,13 @@
   <p:clrMapOvr>
     <a:masterClrMapping/>
   </p:clrMapOvr>
+  <p:timing>
+    <p:tnLst>
+      <p:par>
+        <p:cTn id="1" dur="indefinite" restart="never" nodeType="tmRoot"/>
+      </p:par>
+    </p:tnLst>
+  </p:timing>
 </p:sld>
 </file>
 
@@ -6585,6 +6599,13 @@
   <p:clrMapOvr>
     <a:masterClrMapping/>
   </p:clrMapOvr>
+  <p:timing>
+    <p:tnLst>
+      <p:par>
+        <p:cTn id="1" dur="indefinite" restart="never" nodeType="tmRoot"/>
+      </p:par>
+    </p:tnLst>
+  </p:timing>
 </p:sld>
 </file>
 
@@ -6651,8 +6672,8 @@
           </a:p>
         </p:txBody>
       </p:sp>
-      <mc:AlternateContent xmlns:mc="http://schemas.openxmlformats.org/markup-compatibility/2006">
-        <mc:Choice xmlns:a14="http://schemas.microsoft.com/office/drawing/2010/main" Requires="a14">
+      <mc:AlternateContent xmlns:mc="http://schemas.openxmlformats.org/markup-compatibility/2006" xmlns:a14="http://schemas.microsoft.com/office/drawing/2010/main">
+        <mc:Choice Requires="a14">
           <p:sp>
             <p:nvSpPr>
               <p:cNvPr id="3" name="Content Placeholder 2"/>
@@ -6963,7 +6984,7 @@
             </p:txBody>
           </p:sp>
         </mc:Choice>
-        <mc:Fallback>
+        <mc:Fallback xmlns="">
           <p:sp>
             <p:nvSpPr>
               <p:cNvPr id="3" name="Content Placeholder 2"/>
@@ -7001,6 +7022,37 @@
           </p:sp>
         </mc:Fallback>
       </mc:AlternateContent>
+      <p:sp>
+        <p:nvSpPr>
+          <p:cNvPr id="4" name="TextBox 3"/>
+          <p:cNvSpPr txBox="1"/>
+          <p:nvPr/>
+        </p:nvSpPr>
+        <p:spPr>
+          <a:xfrm>
+            <a:off x="7616341" y="6154726"/>
+            <a:ext cx="2395206" cy="523220"/>
+          </a:xfrm>
+          <a:prstGeom prst="rect">
+            <a:avLst/>
+          </a:prstGeom>
+          <a:noFill/>
+        </p:spPr>
+        <p:txBody>
+          <a:bodyPr wrap="none" rtlCol="0">
+            <a:spAutoFit/>
+          </a:bodyPr>
+          <a:lstStyle/>
+          <a:p>
+            <a:pPr algn="ctr"/>
+            <a:r>
+              <a:rPr lang="en-US" sz="2800" dirty="0" smtClean="0"/>
+              <a:t>Initial Condition</a:t>
+            </a:r>
+            <a:endParaRPr lang="en-US" sz="2800" dirty="0"/>
+          </a:p>
+        </p:txBody>
+      </p:sp>
     </p:spTree>
     <p:extLst>
       <p:ext uri="{BB962C8B-B14F-4D97-AF65-F5344CB8AC3E}">
@@ -7011,6 +7063,13 @@
   <p:clrMapOvr>
     <a:masterClrMapping/>
   </p:clrMapOvr>
+  <p:timing>
+    <p:tnLst>
+      <p:par>
+        <p:cTn id="1" dur="indefinite" restart="never" nodeType="tmRoot"/>
+      </p:par>
+    </p:tnLst>
+  </p:timing>
 </p:sld>
 </file>
 
@@ -7121,6 +7180,13 @@
   <p:clrMapOvr>
     <a:masterClrMapping/>
   </p:clrMapOvr>
+  <p:timing>
+    <p:tnLst>
+      <p:par>
+        <p:cTn id="1" dur="indefinite" restart="never" nodeType="tmRoot"/>
+      </p:par>
+    </p:tnLst>
+  </p:timing>
 </p:sld>
 </file>
 
@@ -7163,8 +7229,8 @@
           </a:p>
         </p:txBody>
       </p:sp>
-      <mc:AlternateContent xmlns:mc="http://schemas.openxmlformats.org/markup-compatibility/2006">
-        <mc:Choice xmlns:a14="http://schemas.microsoft.com/office/drawing/2010/main" Requires="a14">
+      <mc:AlternateContent xmlns:mc="http://schemas.openxmlformats.org/markup-compatibility/2006" xmlns:a14="http://schemas.microsoft.com/office/drawing/2010/main">
+        <mc:Choice Requires="a14">
           <p:sp>
             <p:nvSpPr>
               <p:cNvPr id="3" name="Content Placeholder 2"/>
@@ -7192,7 +7258,7 @@
                         <a:latin typeface="Cambria Math" panose="02040503050406030204" pitchFamily="18" charset="0"/>
                         <a:ea typeface="Cambria Math" panose="02040503050406030204" pitchFamily="18" charset="0"/>
                       </a:rPr>
-                      <m:t>∇</m:t>
+                      <m:t>𝛻</m:t>
                     </m:r>
                     <m:r>
                       <a:rPr lang="en-US" b="0" i="1" smtClean="0">
@@ -7757,7 +7823,7 @@
             </p:txBody>
           </p:sp>
         </mc:Choice>
-        <mc:Fallback>
+        <mc:Fallback xmlns="">
           <p:sp>
             <p:nvSpPr>
               <p:cNvPr id="3" name="Content Placeholder 2"/>
@@ -7829,6 +7895,13 @@
   <p:clrMapOvr>
     <a:masterClrMapping/>
   </p:clrMapOvr>
+  <p:timing>
+    <p:tnLst>
+      <p:par>
+        <p:cTn id="1" dur="indefinite" restart="never" nodeType="tmRoot"/>
+      </p:par>
+    </p:tnLst>
+  </p:timing>
 </p:sld>
 </file>
 
@@ -7871,8 +7944,8 @@
           </a:p>
         </p:txBody>
       </p:sp>
-      <mc:AlternateContent xmlns:mc="http://schemas.openxmlformats.org/markup-compatibility/2006">
-        <mc:Choice xmlns:a14="http://schemas.microsoft.com/office/drawing/2010/main" Requires="a14">
+      <mc:AlternateContent xmlns:mc="http://schemas.openxmlformats.org/markup-compatibility/2006" xmlns:a14="http://schemas.microsoft.com/office/drawing/2010/main">
+        <mc:Choice Requires="a14">
           <p:sp>
             <p:nvSpPr>
               <p:cNvPr id="3" name="Content Placeholder 2"/>
@@ -8089,13 +8162,7 @@
                           <a:rPr lang="en-US" i="1">
                             <a:latin typeface="Cambria Math" panose="02040503050406030204" pitchFamily="18" charset="0"/>
                           </a:rPr>
-                          <m:t>1</m:t>
-                        </m:r>
-                        <m:r>
-                          <a:rPr lang="en-US" i="1">
-                            <a:latin typeface="Cambria Math" panose="02040503050406030204" pitchFamily="18" charset="0"/>
-                          </a:rPr>
-                          <m:t>,</m:t>
+                          <m:t>1,</m:t>
                         </m:r>
                         <m:r>
                           <a:rPr lang="en-US" i="1">
@@ -8404,7 +8471,7 @@
             </p:txBody>
           </p:sp>
         </mc:Choice>
-        <mc:Fallback>
+        <mc:Fallback xmlns="">
           <p:sp>
             <p:nvSpPr>
               <p:cNvPr id="3" name="Content Placeholder 2"/>
@@ -8476,6 +8543,13 @@
   <p:clrMapOvr>
     <a:masterClrMapping/>
   </p:clrMapOvr>
+  <p:timing>
+    <p:tnLst>
+      <p:par>
+        <p:cTn id="1" dur="indefinite" restart="never" nodeType="tmRoot"/>
+      </p:par>
+    </p:tnLst>
+  </p:timing>
 </p:sld>
 </file>
 
@@ -8518,8 +8592,8 @@
           </a:p>
         </p:txBody>
       </p:sp>
-      <mc:AlternateContent xmlns:mc="http://schemas.openxmlformats.org/markup-compatibility/2006">
-        <mc:Choice xmlns:a14="http://schemas.microsoft.com/office/drawing/2010/main" Requires="a14">
+      <mc:AlternateContent xmlns:mc="http://schemas.openxmlformats.org/markup-compatibility/2006" xmlns:a14="http://schemas.microsoft.com/office/drawing/2010/main">
+        <mc:Choice Requires="a14">
           <p:sp>
             <p:nvSpPr>
               <p:cNvPr id="3" name="Content Placeholder 2"/>
@@ -8879,7 +8953,7 @@
             </p:txBody>
           </p:sp>
         </mc:Choice>
-        <mc:Fallback>
+        <mc:Fallback xmlns="">
           <p:sp>
             <p:nvSpPr>
               <p:cNvPr id="3" name="Content Placeholder 2"/>
@@ -8917,6 +8991,553 @@
           </p:sp>
         </mc:Fallback>
       </mc:AlternateContent>
+      <mc:AlternateContent xmlns:mc="http://schemas.openxmlformats.org/markup-compatibility/2006">
+        <mc:Choice xmlns:a14="http://schemas.microsoft.com/office/drawing/2010/main" Requires="a14">
+          <p:sp>
+            <p:nvSpPr>
+              <p:cNvPr id="4" name="Rectangle 3"/>
+              <p:cNvSpPr/>
+              <p:nvPr/>
+            </p:nvSpPr>
+            <p:spPr>
+              <a:xfrm>
+                <a:off x="8096864" y="1834309"/>
+                <a:ext cx="3401961" cy="2315057"/>
+              </a:xfrm>
+              <a:prstGeom prst="rect">
+                <a:avLst/>
+              </a:prstGeom>
+            </p:spPr>
+            <p:style>
+              <a:lnRef idx="2">
+                <a:schemeClr val="dk1"/>
+              </a:lnRef>
+              <a:fillRef idx="1">
+                <a:schemeClr val="lt1"/>
+              </a:fillRef>
+              <a:effectRef idx="0">
+                <a:schemeClr val="dk1"/>
+              </a:effectRef>
+              <a:fontRef idx="minor">
+                <a:schemeClr val="dk1"/>
+              </a:fontRef>
+            </p:style>
+            <p:txBody>
+              <a:bodyPr wrap="square">
+                <a:spAutoFit/>
+              </a:bodyPr>
+              <a:lstStyle/>
+              <a:p>
+                <a:pPr algn="ctr"/>
+                <a14:m>
+                  <m:oMathPara xmlns:m="http://schemas.openxmlformats.org/officeDocument/2006/math">
+                    <m:oMathParaPr>
+                      <m:jc m:val="centerGroup"/>
+                    </m:oMathParaPr>
+                    <m:oMath xmlns:m="http://schemas.openxmlformats.org/officeDocument/2006/math">
+                      <m:r>
+                        <a:rPr lang="en-US" i="1" smtClean="0">
+                          <a:latin typeface="Cambria Math" charset="0"/>
+                        </a:rPr>
+                        <m:t>𝑔</m:t>
+                      </m:r>
+                      <m:d>
+                        <m:dPr>
+                          <m:ctrlPr>
+                            <a:rPr lang="en-US" i="1">
+                              <a:latin typeface="Cambria Math" panose="02040503050406030204" pitchFamily="18" charset="0"/>
+                            </a:rPr>
+                          </m:ctrlPr>
+                        </m:dPr>
+                        <m:e>
+                          <m:r>
+                            <a:rPr lang="en-US" i="1">
+                              <a:latin typeface="Cambria Math" charset="0"/>
+                              <a:ea typeface="Cambria Math" charset="0"/>
+                              <a:cs typeface="Cambria Math" charset="0"/>
+                            </a:rPr>
+                            <m:t>𝜙</m:t>
+                          </m:r>
+                        </m:e>
+                      </m:d>
+                      <m:r>
+                        <a:rPr lang="en-US" i="1">
+                          <a:latin typeface="Cambria Math" charset="0"/>
+                          <a:ea typeface="Cambria Math" charset="0"/>
+                          <a:cs typeface="Cambria Math" charset="0"/>
+                        </a:rPr>
+                        <m:t>=</m:t>
+                      </m:r>
+                      <m:r>
+                        <a:rPr lang="en-US" i="1">
+                          <a:latin typeface="Cambria Math" charset="0"/>
+                          <a:ea typeface="Cambria Math" charset="0"/>
+                          <a:cs typeface="Cambria Math" charset="0"/>
+                        </a:rPr>
+                        <m:t>𝑎</m:t>
+                      </m:r>
+                      <m:sSup>
+                        <m:sSupPr>
+                          <m:ctrlPr>
+                            <a:rPr lang="is-IS" i="1">
+                              <a:latin typeface="Cambria Math" panose="02040503050406030204" pitchFamily="18" charset="0"/>
+                              <a:ea typeface="Cambria Math" charset="0"/>
+                              <a:cs typeface="Cambria Math" charset="0"/>
+                            </a:rPr>
+                          </m:ctrlPr>
+                        </m:sSupPr>
+                        <m:e>
+                          <m:r>
+                            <a:rPr lang="is-IS" i="1">
+                              <a:latin typeface="Cambria Math" charset="0"/>
+                              <a:ea typeface="Cambria Math" charset="0"/>
+                              <a:cs typeface="Cambria Math" charset="0"/>
+                            </a:rPr>
+                            <m:t>𝜙</m:t>
+                          </m:r>
+                        </m:e>
+                        <m:sup>
+                          <m:r>
+                            <a:rPr lang="en-US" i="1">
+                              <a:latin typeface="Cambria Math" charset="0"/>
+                              <a:ea typeface="Cambria Math" charset="0"/>
+                              <a:cs typeface="Cambria Math" charset="0"/>
+                            </a:rPr>
+                            <m:t>3</m:t>
+                          </m:r>
+                        </m:sup>
+                      </m:sSup>
+                      <m:r>
+                        <a:rPr lang="en-US" i="1">
+                          <a:latin typeface="Cambria Math" charset="0"/>
+                          <a:ea typeface="Cambria Math" charset="0"/>
+                          <a:cs typeface="Cambria Math" charset="0"/>
+                        </a:rPr>
+                        <m:t>+</m:t>
+                      </m:r>
+                      <m:r>
+                        <a:rPr lang="en-US" i="1">
+                          <a:latin typeface="Cambria Math" charset="0"/>
+                          <a:ea typeface="Cambria Math" charset="0"/>
+                          <a:cs typeface="Cambria Math" charset="0"/>
+                        </a:rPr>
+                        <m:t>𝑏</m:t>
+                      </m:r>
+                      <m:sSup>
+                        <m:sSupPr>
+                          <m:ctrlPr>
+                            <a:rPr lang="is-IS" i="1">
+                              <a:latin typeface="Cambria Math" panose="02040503050406030204" pitchFamily="18" charset="0"/>
+                              <a:ea typeface="Cambria Math" charset="0"/>
+                              <a:cs typeface="Cambria Math" charset="0"/>
+                            </a:rPr>
+                          </m:ctrlPr>
+                        </m:sSupPr>
+                        <m:e>
+                          <m:r>
+                            <a:rPr lang="is-IS" i="1">
+                              <a:latin typeface="Cambria Math" charset="0"/>
+                              <a:ea typeface="Cambria Math" charset="0"/>
+                              <a:cs typeface="Cambria Math" charset="0"/>
+                            </a:rPr>
+                            <m:t>𝜙</m:t>
+                          </m:r>
+                        </m:e>
+                        <m:sup>
+                          <m:r>
+                            <a:rPr lang="is-IS" i="1">
+                              <a:latin typeface="Cambria Math" charset="0"/>
+                              <a:ea typeface="Cambria Math" charset="0"/>
+                              <a:cs typeface="Cambria Math" charset="0"/>
+                            </a:rPr>
+                            <m:t>2</m:t>
+                          </m:r>
+                        </m:sup>
+                      </m:sSup>
+                      <m:r>
+                        <a:rPr lang="en-US" i="1">
+                          <a:latin typeface="Cambria Math" charset="0"/>
+                          <a:ea typeface="Cambria Math" charset="0"/>
+                          <a:cs typeface="Cambria Math" charset="0"/>
+                        </a:rPr>
+                        <m:t>+</m:t>
+                      </m:r>
+                      <m:r>
+                        <a:rPr lang="en-US" i="1">
+                          <a:latin typeface="Cambria Math" charset="0"/>
+                          <a:ea typeface="Cambria Math" charset="0"/>
+                          <a:cs typeface="Cambria Math" charset="0"/>
+                        </a:rPr>
+                        <m:t>𝑐</m:t>
+                      </m:r>
+                      <m:r>
+                        <a:rPr lang="en-US" i="1">
+                          <a:latin typeface="Cambria Math" charset="0"/>
+                          <a:ea typeface="Cambria Math" charset="0"/>
+                          <a:cs typeface="Cambria Math" charset="0"/>
+                        </a:rPr>
+                        <m:t>𝜙</m:t>
+                      </m:r>
+                    </m:oMath>
+                  </m:oMathPara>
+                </a14:m>
+                <a:endParaRPr lang="en-US" dirty="0"/>
+              </a:p>
+              <a:p>
+                <a:pPr algn="ctr"/>
+                <a:endParaRPr lang="en-US" dirty="0"/>
+              </a:p>
+              <a:p>
+                <a:pPr algn="ctr"/>
+                <a14:m>
+                  <m:oMathPara xmlns:m="http://schemas.openxmlformats.org/officeDocument/2006/math">
+                    <m:oMathParaPr>
+                      <m:jc m:val="center"/>
+                    </m:oMathParaPr>
+                    <m:oMath xmlns:m="http://schemas.openxmlformats.org/officeDocument/2006/math">
+                      <m:r>
+                        <a:rPr lang="en-US" i="1">
+                          <a:latin typeface="Cambria Math" charset="0"/>
+                        </a:rPr>
+                        <m:t>𝑎</m:t>
+                      </m:r>
+                      <m:r>
+                        <a:rPr lang="en-US" i="1">
+                          <a:latin typeface="Cambria Math" charset="0"/>
+                        </a:rPr>
+                        <m:t>=</m:t>
+                      </m:r>
+                      <m:f>
+                        <m:fPr>
+                          <m:ctrlPr>
+                            <a:rPr lang="bg-BG" i="1">
+                              <a:latin typeface="Cambria Math" panose="02040503050406030204" pitchFamily="18" charset="0"/>
+                            </a:rPr>
+                          </m:ctrlPr>
+                        </m:fPr>
+                        <m:num>
+                          <m:r>
+                            <a:rPr lang="en-US" i="1">
+                              <a:latin typeface="Cambria Math" charset="0"/>
+                            </a:rPr>
+                            <m:t>−36</m:t>
+                          </m:r>
+                        </m:num>
+                        <m:den>
+                          <m:sSup>
+                            <m:sSupPr>
+                              <m:ctrlPr>
+                                <a:rPr lang="bg-BG" i="1">
+                                  <a:latin typeface="Cambria Math" panose="02040503050406030204" pitchFamily="18" charset="0"/>
+                                  <a:ea typeface="Cambria Math" charset="0"/>
+                                  <a:cs typeface="Cambria Math" charset="0"/>
+                                </a:rPr>
+                              </m:ctrlPr>
+                            </m:sSupPr>
+                            <m:e>
+                              <m:r>
+                                <a:rPr lang="en-US" i="1">
+                                  <a:latin typeface="Cambria Math" charset="0"/>
+                                </a:rPr>
+                                <m:t>𝜖</m:t>
+                              </m:r>
+                            </m:e>
+                            <m:sup>
+                              <m:r>
+                                <a:rPr lang="en-US" i="1">
+                                  <a:latin typeface="Cambria Math" charset="0"/>
+                                  <a:ea typeface="Cambria Math" charset="0"/>
+                                  <a:cs typeface="Cambria Math" charset="0"/>
+                                </a:rPr>
+                                <m:t>2</m:t>
+                              </m:r>
+                            </m:sup>
+                          </m:sSup>
+                        </m:den>
+                      </m:f>
+                      <m:r>
+                        <a:rPr lang="en-US">
+                          <a:latin typeface="Cambria Math" charset="0"/>
+                        </a:rPr>
+                        <m:t>, </m:t>
+                      </m:r>
+                    </m:oMath>
+                  </m:oMathPara>
+                </a14:m>
+                <a:endParaRPr lang="en-US" dirty="0" smtClean="0">
+                  <a:latin typeface="Cambria Math" charset="0"/>
+                </a:endParaRPr>
+              </a:p>
+              <a:p>
+                <a:pPr algn="ctr"/>
+                <a14:m>
+                  <m:oMathPara xmlns:m="http://schemas.openxmlformats.org/officeDocument/2006/math">
+                    <m:oMathParaPr>
+                      <m:jc m:val="centerGroup"/>
+                    </m:oMathParaPr>
+                    <m:oMath xmlns:m="http://schemas.openxmlformats.org/officeDocument/2006/math">
+                      <m:r>
+                        <a:rPr lang="en-US" i="1">
+                          <a:latin typeface="Cambria Math" charset="0"/>
+                        </a:rPr>
+                        <m:t> </m:t>
+                      </m:r>
+                      <m:r>
+                        <a:rPr lang="en-US" i="1">
+                          <a:latin typeface="Cambria Math" charset="0"/>
+                        </a:rPr>
+                        <m:t>𝑏</m:t>
+                      </m:r>
+                      <m:r>
+                        <a:rPr lang="en-US" i="1">
+                          <a:latin typeface="Cambria Math" charset="0"/>
+                        </a:rPr>
+                        <m:t>=</m:t>
+                      </m:r>
+                      <m:f>
+                        <m:fPr>
+                          <m:ctrlPr>
+                            <a:rPr lang="bg-BG" i="1">
+                              <a:latin typeface="Cambria Math" panose="02040503050406030204" pitchFamily="18" charset="0"/>
+                            </a:rPr>
+                          </m:ctrlPr>
+                        </m:fPr>
+                        <m:num>
+                          <m:r>
+                            <a:rPr lang="en-US" i="1">
+                              <a:latin typeface="Cambria Math" charset="0"/>
+                            </a:rPr>
+                            <m:t>54</m:t>
+                          </m:r>
+                        </m:num>
+                        <m:den>
+                          <m:sSup>
+                            <m:sSupPr>
+                              <m:ctrlPr>
+                                <a:rPr lang="bg-BG" i="1">
+                                  <a:latin typeface="Cambria Math" panose="02040503050406030204" pitchFamily="18" charset="0"/>
+                                </a:rPr>
+                              </m:ctrlPr>
+                            </m:sSupPr>
+                            <m:e>
+                              <m:r>
+                                <a:rPr lang="en-US" i="1">
+                                  <a:latin typeface="Cambria Math" charset="0"/>
+                                </a:rPr>
+                                <m:t>𝜖</m:t>
+                              </m:r>
+                            </m:e>
+                            <m:sup>
+                              <m:r>
+                                <a:rPr lang="en-US" i="1">
+                                  <a:latin typeface="Cambria Math" charset="0"/>
+                                </a:rPr>
+                                <m:t>2</m:t>
+                              </m:r>
+                            </m:sup>
+                          </m:sSup>
+                        </m:den>
+                      </m:f>
+                      <m:r>
+                        <a:rPr lang="en-US" i="1">
+                          <a:latin typeface="Cambria Math" charset="0"/>
+                        </a:rPr>
+                        <m:t>+</m:t>
+                      </m:r>
+                      <m:f>
+                        <m:fPr>
+                          <m:ctrlPr>
+                            <a:rPr lang="bg-BG" i="1">
+                              <a:latin typeface="Cambria Math" panose="02040503050406030204" pitchFamily="18" charset="0"/>
+                            </a:rPr>
+                          </m:ctrlPr>
+                        </m:fPr>
+                        <m:num>
+                          <m:r>
+                            <a:rPr lang="en-US" i="1">
+                              <a:latin typeface="Cambria Math" charset="0"/>
+                            </a:rPr>
+                            <m:t>6</m:t>
+                          </m:r>
+                          <m:r>
+                            <a:rPr lang="en-US" i="1">
+                              <a:latin typeface="Cambria Math" charset="0"/>
+                            </a:rPr>
+                            <m:t>𝑚</m:t>
+                          </m:r>
+                        </m:num>
+                        <m:den>
+                          <m:r>
+                            <a:rPr lang="en-US" i="1">
+                              <a:latin typeface="Cambria Math" charset="0"/>
+                            </a:rPr>
+                            <m:t>𝜖</m:t>
+                          </m:r>
+                        </m:den>
+                      </m:f>
+                      <m:r>
+                        <a:rPr lang="en-US">
+                          <a:latin typeface="Cambria Math" charset="0"/>
+                        </a:rPr>
+                        <m:t>, </m:t>
+                      </m:r>
+                      <m:r>
+                        <a:rPr lang="en-US" i="1">
+                          <a:latin typeface="Cambria Math" charset="0"/>
+                        </a:rPr>
+                        <m:t> </m:t>
+                      </m:r>
+                      <m:r>
+                        <a:rPr lang="en-US" i="1">
+                          <a:latin typeface="Cambria Math" charset="0"/>
+                        </a:rPr>
+                        <m:t>𝑐</m:t>
+                      </m:r>
+                      <m:r>
+                        <a:rPr lang="en-US" i="1">
+                          <a:latin typeface="Cambria Math" charset="0"/>
+                        </a:rPr>
+                        <m:t>=−</m:t>
+                      </m:r>
+                      <m:d>
+                        <m:dPr>
+                          <m:ctrlPr>
+                            <a:rPr lang="is-IS" i="1">
+                              <a:latin typeface="Cambria Math" panose="02040503050406030204" pitchFamily="18" charset="0"/>
+                            </a:rPr>
+                          </m:ctrlPr>
+                        </m:dPr>
+                        <m:e>
+                          <m:f>
+                            <m:fPr>
+                              <m:ctrlPr>
+                                <a:rPr lang="bg-BG" i="1">
+                                  <a:latin typeface="Cambria Math" panose="02040503050406030204" pitchFamily="18" charset="0"/>
+                                </a:rPr>
+                              </m:ctrlPr>
+                            </m:fPr>
+                            <m:num>
+                              <m:r>
+                                <a:rPr lang="en-US" i="1">
+                                  <a:latin typeface="Cambria Math" charset="0"/>
+                                </a:rPr>
+                                <m:t>18</m:t>
+                              </m:r>
+                            </m:num>
+                            <m:den>
+                              <m:sSup>
+                                <m:sSupPr>
+                                  <m:ctrlPr>
+                                    <a:rPr lang="bg-BG" i="1">
+                                      <a:latin typeface="Cambria Math" panose="02040503050406030204" pitchFamily="18" charset="0"/>
+                                    </a:rPr>
+                                  </m:ctrlPr>
+                                </m:sSupPr>
+                                <m:e>
+                                  <m:r>
+                                    <a:rPr lang="en-US" i="1">
+                                      <a:latin typeface="Cambria Math" charset="0"/>
+                                    </a:rPr>
+                                    <m:t>𝜖</m:t>
+                                  </m:r>
+                                </m:e>
+                                <m:sup>
+                                  <m:r>
+                                    <a:rPr lang="en-US" i="1">
+                                      <a:latin typeface="Cambria Math" charset="0"/>
+                                    </a:rPr>
+                                    <m:t>2</m:t>
+                                  </m:r>
+                                </m:sup>
+                              </m:sSup>
+                            </m:den>
+                          </m:f>
+                          <m:r>
+                            <a:rPr lang="en-US" i="1">
+                              <a:latin typeface="Cambria Math" charset="0"/>
+                            </a:rPr>
+                            <m:t>+</m:t>
+                          </m:r>
+                          <m:f>
+                            <m:fPr>
+                              <m:ctrlPr>
+                                <a:rPr lang="bg-BG" i="1">
+                                  <a:latin typeface="Cambria Math" panose="02040503050406030204" pitchFamily="18" charset="0"/>
+                                </a:rPr>
+                              </m:ctrlPr>
+                            </m:fPr>
+                            <m:num>
+                              <m:r>
+                                <a:rPr lang="en-US" i="1">
+                                  <a:latin typeface="Cambria Math" charset="0"/>
+                                </a:rPr>
+                                <m:t>6</m:t>
+                              </m:r>
+                              <m:r>
+                                <a:rPr lang="en-US" i="1">
+                                  <a:latin typeface="Cambria Math" charset="0"/>
+                                </a:rPr>
+                                <m:t>𝑚</m:t>
+                              </m:r>
+                            </m:num>
+                            <m:den>
+                              <m:r>
+                                <a:rPr lang="en-US" i="1">
+                                  <a:latin typeface="Cambria Math" charset="0"/>
+                                </a:rPr>
+                                <m:t>𝜖</m:t>
+                              </m:r>
+                            </m:den>
+                          </m:f>
+                        </m:e>
+                      </m:d>
+                    </m:oMath>
+                  </m:oMathPara>
+                </a14:m>
+                <a:endParaRPr lang="en-US" dirty="0"/>
+              </a:p>
+            </p:txBody>
+          </p:sp>
+        </mc:Choice>
+        <mc:Fallback>
+          <p:sp>
+            <p:nvSpPr>
+              <p:cNvPr id="4" name="Rectangle 3"/>
+              <p:cNvSpPr>
+                <a:spLocks noRot="1" noChangeAspect="1" noMove="1" noResize="1" noEditPoints="1" noAdjustHandles="1" noChangeArrowheads="1" noChangeShapeType="1" noTextEdit="1"/>
+              </p:cNvSpPr>
+              <p:nvPr/>
+            </p:nvSpPr>
+            <p:spPr>
+              <a:xfrm>
+                <a:off x="8096864" y="1834309"/>
+                <a:ext cx="3401961" cy="2315057"/>
+              </a:xfrm>
+              <a:prstGeom prst="rect">
+                <a:avLst/>
+              </a:prstGeom>
+              <a:blipFill>
+                <a:blip r:embed="rId4"/>
+                <a:stretch>
+                  <a:fillRect/>
+                </a:stretch>
+              </a:blipFill>
+            </p:spPr>
+            <p:txBody>
+              <a:bodyPr/>
+              <a:lstStyle/>
+              <a:p>
+                <a:r>
+                  <a:rPr lang="en-US">
+                    <a:noFill/>
+                  </a:rPr>
+                  <a:t> </a:t>
+                </a:r>
+              </a:p>
+            </p:txBody>
+          </p:sp>
+        </mc:Fallback>
+      </mc:AlternateContent>
     </p:spTree>
     <p:extLst>
       <p:ext uri="{BB962C8B-B14F-4D97-AF65-F5344CB8AC3E}">
@@ -8927,6 +9548,13 @@
   <p:clrMapOvr>
     <a:masterClrMapping/>
   </p:clrMapOvr>
+  <p:timing>
+    <p:tnLst>
+      <p:par>
+        <p:cTn id="1" dur="indefinite" restart="never" nodeType="tmRoot"/>
+      </p:par>
+    </p:tnLst>
+  </p:timing>
 </p:sld>
 </file>
 
@@ -9869,8 +10497,13 @@
           <a:p>
             <a:r>
               <a:rPr lang="en-US" dirty="0"/>
-              <a:t>Future work</a:t>
-            </a:r>
+              <a:t>Future </a:t>
+            </a:r>
+            <a:r>
+              <a:rPr lang="en-US" dirty="0" smtClean="0"/>
+              <a:t>work/Considerations</a:t>
+            </a:r>
+            <a:endParaRPr lang="en-US" dirty="0"/>
           </a:p>
         </p:txBody>
       </p:sp>
@@ -9884,9 +10517,14 @@
             <p:ph idx="1"/>
           </p:nvPr>
         </p:nvSpPr>
-        <p:spPr/>
+        <p:spPr>
+          <a:xfrm>
+            <a:off x="1024128" y="2286000"/>
+            <a:ext cx="10007666" cy="4023360"/>
+          </a:xfrm>
+        </p:spPr>
         <p:txBody>
-          <a:bodyPr numCol="3"/>
+          <a:bodyPr numCol="4"/>
           <a:lstStyle/>
           <a:p>
             <a:pPr>
@@ -9925,10 +10563,12 @@
             </a:pPr>
             <a:r>
               <a:rPr lang="en-US" sz="3600" dirty="0"/>
-              <a:t>quadratic base functions</a:t>
-            </a:r>
-          </a:p>
-          <a:p>
+              <a:t>quadratic base </a:t>
+            </a:r>
+            <a:r>
+              <a:rPr lang="en-US" sz="3600" dirty="0" smtClean="0"/>
+              <a:t>functions</a:t>
+            </a:r>
             <a:endParaRPr lang="en-US" dirty="0"/>
           </a:p>
           <a:p>
@@ -9969,28 +10609,15 @@
             <a:endParaRPr lang="en-US" sz="3600" dirty="0"/>
           </a:p>
           <a:p>
-            <a:pPr lvl="1">
-              <a:buFont typeface="Arial" charset="0"/>
-              <a:buChar char="•"/>
-            </a:pPr>
-            <a:endParaRPr lang="en-US" sz="3600" dirty="0"/>
-          </a:p>
-          <a:p>
-            <a:pPr lvl="1">
-              <a:buFont typeface="Arial" charset="0"/>
-              <a:buChar char="•"/>
-            </a:pPr>
-            <a:endParaRPr lang="en-US" sz="3600" dirty="0"/>
-          </a:p>
-          <a:p>
             <a:pPr>
               <a:buFont typeface="Arial" charset="0"/>
               <a:buChar char="•"/>
             </a:pPr>
             <a:r>
-              <a:rPr lang="en-US" sz="4000" dirty="0"/>
+              <a:rPr lang="en-US" sz="4000" dirty="0" smtClean="0"/>
               <a:t>Speed</a:t>
             </a:r>
+            <a:endParaRPr lang="en-US" sz="4000" dirty="0"/>
           </a:p>
           <a:p>
             <a:pPr marL="400749" lvl="1" indent="-227013">
@@ -10019,7 +10646,25 @@
             <a:endParaRPr lang="en-US" dirty="0"/>
           </a:p>
           <a:p>
-            <a:endParaRPr lang="en-US"/>
+            <a:endParaRPr lang="en-US" dirty="0" smtClean="0"/>
+          </a:p>
+          <a:p>
+            <a:endParaRPr lang="en-US" dirty="0"/>
+          </a:p>
+          <a:p>
+            <a:pPr>
+              <a:buFont typeface="Arial" panose="020B0604020202020204" pitchFamily="34" charset="0"/>
+              <a:buChar char="•"/>
+            </a:pPr>
+            <a:r>
+              <a:rPr lang="en-US" sz="4000" dirty="0"/>
+              <a:t>Simulating Realistic </a:t>
+            </a:r>
+            <a:r>
+              <a:rPr lang="en-US" sz="4000" dirty="0" smtClean="0"/>
+              <a:t>micro-structures</a:t>
+            </a:r>
+            <a:endParaRPr lang="en-US" sz="4000" dirty="0"/>
           </a:p>
           <a:p>
             <a:pPr lvl="1">
@@ -10040,6 +10685,13 @@
   <p:clrMapOvr>
     <a:masterClrMapping/>
   </p:clrMapOvr>
+  <p:timing>
+    <p:tnLst>
+      <p:par>
+        <p:cTn id="1" dur="indefinite" restart="never" nodeType="tmRoot"/>
+      </p:par>
+    </p:tnLst>
+  </p:timing>
 </p:sld>
 </file>
 
@@ -10153,6 +10805,13 @@
   <p:clrMapOvr>
     <a:masterClrMapping/>
   </p:clrMapOvr>
+  <p:timing>
+    <p:tnLst>
+      <p:par>
+        <p:cTn id="1" dur="indefinite" restart="never" nodeType="tmRoot"/>
+      </p:par>
+    </p:tnLst>
+  </p:timing>
 </p:sld>
 </file>
 
@@ -10339,6 +10998,13 @@
   <p:clrMapOvr>
     <a:masterClrMapping/>
   </p:clrMapOvr>
+  <p:timing>
+    <p:tnLst>
+      <p:par>
+        <p:cTn id="1" dur="indefinite" restart="never" nodeType="tmRoot"/>
+      </p:par>
+    </p:tnLst>
+  </p:timing>
 </p:sld>
 </file>
 
@@ -10436,6 +11102,13 @@
   <p:clrMapOvr>
     <a:masterClrMapping/>
   </p:clrMapOvr>
+  <p:timing>
+    <p:tnLst>
+      <p:par>
+        <p:cTn id="1" dur="indefinite" restart="never" nodeType="tmRoot"/>
+      </p:par>
+    </p:tnLst>
+  </p:timing>
 </p:sld>
 </file>
 
@@ -10552,6 +11225,13 @@
   <p:clrMapOvr>
     <a:masterClrMapping/>
   </p:clrMapOvr>
+  <p:timing>
+    <p:tnLst>
+      <p:par>
+        <p:cTn id="1" dur="indefinite" restart="never" nodeType="tmRoot"/>
+      </p:par>
+    </p:tnLst>
+  </p:timing>
 </p:sld>
 </file>
 
@@ -10594,8 +11274,8 @@
           </a:p>
         </p:txBody>
       </p:sp>
-      <mc:AlternateContent xmlns:mc="http://schemas.openxmlformats.org/markup-compatibility/2006">
-        <mc:Choice xmlns:a14="http://schemas.microsoft.com/office/drawing/2010/main" Requires="a14">
+      <mc:AlternateContent xmlns:mc="http://schemas.openxmlformats.org/markup-compatibility/2006" xmlns:a14="http://schemas.microsoft.com/office/drawing/2010/main">
+        <mc:Choice Requires="a14">
           <p:sp>
             <p:nvSpPr>
               <p:cNvPr id="4" name="Content Placeholder 2"/>
@@ -11350,7 +12030,7 @@
             </p:txBody>
           </p:sp>
         </mc:Choice>
-        <mc:Fallback>
+        <mc:Fallback xmlns="">
           <p:sp>
             <p:nvSpPr>
               <p:cNvPr id="4" name="Content Placeholder 2"/>
@@ -11398,6 +12078,13 @@
   <p:clrMapOvr>
     <a:masterClrMapping/>
   </p:clrMapOvr>
+  <p:timing>
+    <p:tnLst>
+      <p:par>
+        <p:cTn id="1" dur="indefinite" restart="never" nodeType="tmRoot"/>
+      </p:par>
+    </p:tnLst>
+  </p:timing>
 </p:sld>
 </file>
 
@@ -11646,6 +12333,13 @@
   <p:clrMapOvr>
     <a:masterClrMapping/>
   </p:clrMapOvr>
+  <p:timing>
+    <p:tnLst>
+      <p:par>
+        <p:cTn id="1" dur="indefinite" restart="never" nodeType="tmRoot"/>
+      </p:par>
+    </p:tnLst>
+  </p:timing>
 </p:sld>
 </file>
 
@@ -12005,6 +12699,13 @@
   <p:clrMapOvr>
     <a:masterClrMapping/>
   </p:clrMapOvr>
+  <p:timing>
+    <p:tnLst>
+      <p:par>
+        <p:cTn id="1" dur="indefinite" restart="never" nodeType="tmRoot"/>
+      </p:par>
+    </p:tnLst>
+  </p:timing>
 </p:sld>
 </file>
 
@@ -12077,14 +12778,13 @@
               </a:bodyPr>
               <a:lstStyle/>
               <a:p>
-                <a:pPr/>
                 <a14:m>
                   <m:oMath xmlns:m="http://schemas.openxmlformats.org/officeDocument/2006/math">
                     <m:nary>
                       <m:naryPr>
                         <m:chr m:val="∬"/>
                         <m:ctrlPr>
-                          <a:rPr lang="is-IS" sz="4400" i="1" smtClean="0">
+                          <a:rPr lang="is-IS" sz="4000" i="1" smtClean="0">
                             <a:latin typeface="Cambria Math" panose="02040503050406030204" pitchFamily="18" charset="0"/>
                           </a:rPr>
                         </m:ctrlPr>
@@ -12093,7 +12793,7 @@
                         <m:sSub>
                           <m:sSubPr>
                             <m:ctrlPr>
-                              <a:rPr lang="en-US" sz="4400" i="1" smtClean="0">
+                              <a:rPr lang="en-US" sz="4000" i="1" smtClean="0">
                                 <a:latin typeface="Cambria Math" panose="02040503050406030204" pitchFamily="18" charset="0"/>
                               </a:rPr>
                             </m:ctrlPr>
@@ -12104,7 +12804,7 @@
                                 <m:sty m:val="p"/>
                                 <m:brk m:alnAt="23"/>
                               </m:rPr>
-                              <a:rPr lang="el-GR" sz="4400" i="1">
+                              <a:rPr lang="el-GR" sz="4000" i="1">
                                 <a:latin typeface="Cambria Math" charset="0"/>
                                 <a:ea typeface="Cambria Math" charset="0"/>
                                 <a:cs typeface="Cambria Math" charset="0"/>
@@ -12116,14 +12816,14 @@
                             <m:sSup>
                               <m:sSupPr>
                                 <m:ctrlPr>
-                                  <a:rPr lang="en-US" sz="4400" i="1" smtClean="0">
+                                  <a:rPr lang="en-US" sz="4000" i="1" smtClean="0">
                                     <a:latin typeface="Cambria Math" panose="02040503050406030204" pitchFamily="18" charset="0"/>
                                   </a:rPr>
                                 </m:ctrlPr>
                               </m:sSupPr>
                               <m:e>
                                 <m:r>
-                                  <a:rPr lang="en-US" sz="4400" b="0" i="1" smtClean="0">
+                                  <a:rPr lang="en-US" sz="4000" b="0" i="1" smtClean="0">
                                     <a:latin typeface="Cambria Math" charset="0"/>
                                   </a:rPr>
                                   <m:t>𝑒</m:t>
@@ -12131,7 +12831,7 @@
                               </m:e>
                               <m:sup>
                                 <m:r>
-                                  <a:rPr lang="en-US" sz="4400" b="0" i="1" smtClean="0">
+                                  <a:rPr lang="en-US" sz="4000" b="0" i="1" smtClean="0">
                                     <a:latin typeface="Cambria Math" charset="0"/>
                                   </a:rPr>
                                   <m:t>𝑖</m:t>
@@ -12143,12 +12843,50 @@
                       </m:sub>
                       <m:sup/>
                       <m:e>
+                        <m:sSup>
+                          <m:sSupPr>
+                            <m:ctrlPr>
+                              <a:rPr lang="en-US" sz="4000" i="1">
+                                <a:latin typeface="Cambria Math" panose="02040503050406030204" pitchFamily="18" charset="0"/>
+                              </a:rPr>
+                            </m:ctrlPr>
+                          </m:sSupPr>
+                          <m:e>
+                            <m:d>
+                              <m:dPr>
+                                <m:begChr m:val="["/>
+                                <m:endChr m:val="]"/>
+                                <m:ctrlPr>
+                                  <a:rPr lang="en-US" sz="4000" i="1">
+                                    <a:latin typeface="Cambria Math" panose="02040503050406030204" pitchFamily="18" charset="0"/>
+                                  </a:rPr>
+                                </m:ctrlPr>
+                              </m:dPr>
+                              <m:e>
+                                <m:r>
+                                  <a:rPr lang="en-US" sz="4000" i="1">
+                                    <a:latin typeface="Cambria Math" panose="02040503050406030204" pitchFamily="18" charset="0"/>
+                                  </a:rPr>
+                                  <m:t>𝑁</m:t>
+                                </m:r>
+                              </m:e>
+                            </m:d>
+                          </m:e>
+                          <m:sup>
+                            <m:r>
+                              <a:rPr lang="en-US" sz="4000" i="1">
+                                <a:latin typeface="Cambria Math" panose="02040503050406030204" pitchFamily="18" charset="0"/>
+                              </a:rPr>
+                              <m:t>𝑇</m:t>
+                            </m:r>
+                          </m:sup>
+                        </m:sSup>
                         <m:d>
                           <m:dPr>
                             <m:begChr m:val="{"/>
                             <m:endChr m:val="}"/>
                             <m:ctrlPr>
-                              <a:rPr lang="en-US" sz="4400" i="1">
+                              <a:rPr lang="en-US" sz="4000" i="1">
                                 <a:latin typeface="Cambria Math" panose="02040503050406030204" pitchFamily="18" charset="0"/>
                               </a:rPr>
                             </m:ctrlPr>
@@ -12157,20 +12895,20 @@
                             <m:f>
                               <m:fPr>
                                 <m:ctrlPr>
-                                  <a:rPr lang="en-US" sz="4400" i="1">
+                                  <a:rPr lang="en-US" sz="4000" i="1">
                                     <a:latin typeface="Cambria Math" panose="02040503050406030204" pitchFamily="18" charset="0"/>
                                   </a:rPr>
                                 </m:ctrlPr>
                               </m:fPr>
                               <m:num>
                                 <m:r>
-                                  <a:rPr lang="en-US" sz="4400" i="1">
+                                  <a:rPr lang="en-US" sz="4000" i="1">
                                     <a:latin typeface="Cambria Math" charset="0"/>
                                   </a:rPr>
                                   <m:t>𝜕</m:t>
                                 </m:r>
                                 <m:r>
-                                  <a:rPr lang="en-US" sz="4400" i="1">
+                                  <a:rPr lang="en-US" sz="4000" i="1">
                                     <a:latin typeface="Cambria Math" charset="0"/>
                                     <a:ea typeface="Cambria Math" charset="0"/>
                                     <a:cs typeface="Cambria Math" charset="0"/>
@@ -12180,13 +12918,13 @@
                               </m:num>
                               <m:den>
                                 <m:r>
-                                  <a:rPr lang="en-US" sz="4400" i="1">
+                                  <a:rPr lang="en-US" sz="4000" i="1">
                                     <a:latin typeface="Cambria Math" charset="0"/>
                                   </a:rPr>
                                   <m:t>𝜕</m:t>
                                 </m:r>
                                 <m:r>
-                                  <a:rPr lang="en-US" sz="4400" i="1">
+                                  <a:rPr lang="en-US" sz="4000" i="1">
                                     <a:latin typeface="Cambria Math" charset="0"/>
                                   </a:rPr>
                                   <m:t>𝑡</m:t>
@@ -12194,40 +12932,40 @@
                               </m:den>
                             </m:f>
                             <m:r>
-                              <a:rPr lang="en-US" sz="4400" i="1">
+                              <a:rPr lang="en-US" sz="4000" i="1">
                                 <a:latin typeface="Cambria Math" panose="02040503050406030204" pitchFamily="18" charset="0"/>
                               </a:rPr>
                               <m:t>−</m:t>
                             </m:r>
                             <m:r>
-                              <a:rPr lang="en-US" sz="4400" i="1">
+                              <a:rPr lang="en-US" sz="4000" i="1">
                                 <a:latin typeface="Cambria Math" charset="0"/>
                               </a:rPr>
                               <m:t>2</m:t>
                             </m:r>
                             <m:r>
-                              <a:rPr lang="en-US" sz="4400" i="1">
+                              <a:rPr lang="en-US" sz="4000" i="1">
                                 <a:latin typeface="Cambria Math" panose="02040503050406030204" pitchFamily="18" charset="0"/>
                                 <a:ea typeface="Cambria Math" panose="02040503050406030204" pitchFamily="18" charset="0"/>
                               </a:rPr>
                               <m:t>𝛻</m:t>
                             </m:r>
                             <m:r>
-                              <a:rPr lang="en-US" sz="4400" i="1">
+                              <a:rPr lang="en-US" sz="4000" i="1">
                                 <a:latin typeface="Cambria Math" panose="02040503050406030204" pitchFamily="18" charset="0"/>
                                 <a:ea typeface="Cambria Math" panose="02040503050406030204" pitchFamily="18" charset="0"/>
                               </a:rPr>
                               <m:t> ∙</m:t>
                             </m:r>
                             <m:r>
-                              <a:rPr lang="en-US" sz="4400" i="1">
+                              <a:rPr lang="en-US" sz="4000" i="1">
                                 <a:latin typeface="Cambria Math" panose="02040503050406030204" pitchFamily="18" charset="0"/>
                                 <a:ea typeface="Cambria Math" panose="02040503050406030204" pitchFamily="18" charset="0"/>
                               </a:rPr>
                               <m:t>𝛻𝜙</m:t>
                             </m:r>
                             <m:r>
-                              <a:rPr lang="en-US" sz="4400" i="1">
+                              <a:rPr lang="en-US" sz="4000" i="1">
                                 <a:latin typeface="Cambria Math" panose="02040503050406030204" pitchFamily="18" charset="0"/>
                                 <a:ea typeface="Cambria Math" charset="0"/>
                                 <a:cs typeface="Cambria Math" charset="0"/>
@@ -12235,7 +12973,7 @@
                               <m:t>+</m:t>
                             </m:r>
                             <m:r>
-                              <a:rPr lang="en-US" sz="4400" i="1">
+                              <a:rPr lang="en-US" sz="4000" i="1">
                                 <a:latin typeface="Cambria Math" charset="0"/>
                               </a:rPr>
                               <m:t>𝑔</m:t>
@@ -12243,14 +12981,14 @@
                             <m:d>
                               <m:dPr>
                                 <m:ctrlPr>
-                                  <a:rPr lang="en-US" sz="4400" i="1">
+                                  <a:rPr lang="en-US" sz="4000" i="1">
                                     <a:latin typeface="Cambria Math" panose="02040503050406030204" pitchFamily="18" charset="0"/>
                                   </a:rPr>
                                 </m:ctrlPr>
                               </m:dPr>
                               <m:e>
                                 <m:r>
-                                  <a:rPr lang="en-US" sz="4400" i="1">
+                                  <a:rPr lang="en-US" sz="4000" i="1">
                                     <a:latin typeface="Cambria Math" charset="0"/>
                                     <a:ea typeface="Cambria Math" charset="0"/>
                                     <a:cs typeface="Cambria Math" charset="0"/>
@@ -12265,13 +13003,13 @@
                           <m:rPr>
                             <m:sty m:val="p"/>
                           </m:rPr>
-                          <a:rPr lang="en-US" sz="4400">
+                          <a:rPr lang="en-US" sz="4000">
                             <a:latin typeface="Cambria Math" panose="02040503050406030204" pitchFamily="18" charset="0"/>
                           </a:rPr>
                           <m:t>dxdy</m:t>
                         </m:r>
                         <m:r>
-                          <a:rPr lang="en-US" sz="4400" b="0" i="0" smtClean="0">
+                          <a:rPr lang="en-US" sz="4000" b="0" i="0" smtClean="0">
                             <a:latin typeface="Cambria Math" panose="02040503050406030204" pitchFamily="18" charset="0"/>
                           </a:rPr>
                           <m:t>=0</m:t>
@@ -12351,6 +13089,13 @@
   <p:clrMapOvr>
     <a:masterClrMapping/>
   </p:clrMapOvr>
+  <p:timing>
+    <p:tnLst>
+      <p:par>
+        <p:cTn id="1" dur="indefinite" restart="never" nodeType="tmRoot"/>
+      </p:par>
+    </p:tnLst>
+  </p:timing>
 </p:sld>
 </file>
 
